--- a/HR_Dataset_Assignment.pptx
+++ b/HR_Dataset_Assignment.pptx
@@ -12,19 +12,19 @@
   </p:notesMasterIdLst>
   <p:sldIdLst>
     <p:sldId id="256" r:id="rId5"/>
-    <p:sldId id="257" r:id="rId6"/>
-    <p:sldId id="258" r:id="rId7"/>
-    <p:sldId id="259" r:id="rId8"/>
-    <p:sldId id="260" r:id="rId9"/>
-    <p:sldId id="261" r:id="rId10"/>
-    <p:sldId id="262" r:id="rId11"/>
-    <p:sldId id="263" r:id="rId12"/>
-    <p:sldId id="264" r:id="rId13"/>
-    <p:sldId id="265" r:id="rId14"/>
-    <p:sldId id="266" r:id="rId15"/>
-    <p:sldId id="267" r:id="rId16"/>
-    <p:sldId id="268" r:id="rId17"/>
-    <p:sldId id="269" r:id="rId18"/>
+    <p:sldId id="259" r:id="rId6"/>
+    <p:sldId id="260" r:id="rId7"/>
+    <p:sldId id="261" r:id="rId8"/>
+    <p:sldId id="262" r:id="rId9"/>
+    <p:sldId id="263" r:id="rId10"/>
+    <p:sldId id="264" r:id="rId11"/>
+    <p:sldId id="265" r:id="rId12"/>
+    <p:sldId id="266" r:id="rId13"/>
+    <p:sldId id="267" r:id="rId14"/>
+    <p:sldId id="268" r:id="rId15"/>
+    <p:sldId id="287" r:id="rId16"/>
+    <p:sldId id="269" r:id="rId17"/>
+    <p:sldId id="288" r:id="rId18"/>
     <p:sldId id="270" r:id="rId19"/>
     <p:sldId id="271" r:id="rId20"/>
     <p:sldId id="272" r:id="rId21"/>
@@ -47,32 +47,39 @@
   <p:notesSz cx="6858000" cy="9144000"/>
   <p:embeddedFontLst>
     <p:embeddedFont>
-      <p:font typeface="Helvetica Neue" panose="02000503000000020004" pitchFamily="2" charset="0"/>
+      <p:font typeface="Calibri" panose="020F0502020204030204" pitchFamily="34" charset="0"/>
       <p:regular r:id="rId37"/>
       <p:bold r:id="rId38"/>
       <p:italic r:id="rId39"/>
       <p:boldItalic r:id="rId40"/>
     </p:embeddedFont>
     <p:embeddedFont>
-      <p:font typeface="Open Sans" panose="020B0606030504020204" pitchFamily="34" charset="0"/>
+      <p:font typeface="Helvetica Neue" panose="02000503000000020004" pitchFamily="2" charset="0"/>
       <p:regular r:id="rId41"/>
       <p:bold r:id="rId42"/>
       <p:italic r:id="rId43"/>
       <p:boldItalic r:id="rId44"/>
     </p:embeddedFont>
     <p:embeddedFont>
-      <p:font typeface="Open Sans Light" panose="020F0302020204030204" pitchFamily="34" charset="0"/>
+      <p:font typeface="Open Sans" panose="020B0606030504020204" pitchFamily="34" charset="0"/>
       <p:regular r:id="rId45"/>
       <p:bold r:id="rId46"/>
       <p:italic r:id="rId47"/>
       <p:boldItalic r:id="rId48"/>
     </p:embeddedFont>
     <p:embeddedFont>
-      <p:font typeface="Source Code Pro" panose="020B0509030403020204" pitchFamily="49" charset="0"/>
+      <p:font typeface="Open Sans Light" panose="020F0302020204030204" pitchFamily="34" charset="0"/>
       <p:regular r:id="rId49"/>
       <p:bold r:id="rId50"/>
       <p:italic r:id="rId51"/>
       <p:boldItalic r:id="rId52"/>
+    </p:embeddedFont>
+    <p:embeddedFont>
+      <p:font typeface="Source Code Pro" panose="020B0509030403020204" pitchFamily="49" charset="0"/>
+      <p:regular r:id="rId53"/>
+      <p:bold r:id="rId54"/>
+      <p:italic r:id="rId55"/>
+      <p:boldItalic r:id="rId56"/>
     </p:embeddedFont>
   </p:embeddedFontLst>
   <p:defaultTextStyle>
@@ -304,6 +311,11 @@
       </a:defRPr>
     </a:lvl9pPr>
   </p:defaultTextStyle>
+  <p:extLst>
+    <p:ext uri="{EFAFB233-063F-42B5-8137-9DF3F51BA10A}">
+      <p15:sldGuideLst xmlns:p15="http://schemas.microsoft.com/office/powerpoint/2012/main"/>
+    </p:ext>
+  </p:extLst>
 </p:presentation>
 </file>
 
@@ -857,218 +869,6 @@
   <p:cSld>
     <p:spTree>
       <p:nvGrpSpPr>
-        <p:cNvPr id="1" name="Shape 232"/>
-        <p:cNvGrpSpPr/>
-        <p:nvPr/>
-      </p:nvGrpSpPr>
-      <p:grpSpPr>
-        <a:xfrm>
-          <a:off x="0" y="0"/>
-          <a:ext cx="0" cy="0"/>
-          <a:chOff x="0" y="0"/>
-          <a:chExt cx="0" cy="0"/>
-        </a:xfrm>
-      </p:grpSpPr>
-      <p:sp>
-        <p:nvSpPr>
-          <p:cNvPr id="233" name="Google Shape;233;g62fb0d8af8_0_0:notes"/>
-          <p:cNvSpPr txBox="1">
-            <a:spLocks noGrp="1"/>
-          </p:cNvSpPr>
-          <p:nvPr>
-            <p:ph type="body" idx="1"/>
-          </p:nvPr>
-        </p:nvSpPr>
-        <p:spPr>
-          <a:xfrm>
-            <a:off x="914400" y="4343400"/>
-            <a:ext cx="5029200" cy="4114800"/>
-          </a:xfrm>
-          <a:prstGeom prst="rect">
-            <a:avLst/>
-          </a:prstGeom>
-          <a:noFill/>
-          <a:ln>
-            <a:noFill/>
-          </a:ln>
-        </p:spPr>
-        <p:txBody>
-          <a:bodyPr spcFirstLastPara="1" wrap="square" lIns="91425" tIns="91425" rIns="91425" bIns="91425" anchor="ctr" anchorCtr="0">
-            <a:noAutofit/>
-          </a:bodyPr>
-          <a:lstStyle/>
-          <a:p>
-            <a:pPr marL="0" lvl="0" indent="0" algn="l" rtl="0">
-              <a:spcBef>
-                <a:spcPts val="0"/>
-              </a:spcBef>
-              <a:spcAft>
-                <a:spcPts val="0"/>
-              </a:spcAft>
-              <a:buNone/>
-            </a:pPr>
-            <a:endParaRPr/>
-          </a:p>
-        </p:txBody>
-      </p:sp>
-      <p:sp>
-        <p:nvSpPr>
-          <p:cNvPr id="234" name="Google Shape;234;g62fb0d8af8_0_0:notes"/>
-          <p:cNvSpPr>
-            <a:spLocks noGrp="1" noRot="1" noChangeAspect="1"/>
-          </p:cNvSpPr>
-          <p:nvPr>
-            <p:ph type="sldImg" idx="2"/>
-          </p:nvPr>
-        </p:nvSpPr>
-        <p:spPr>
-          <a:xfrm>
-            <a:off x="2435369" y="685800"/>
-            <a:ext cx="1987200" cy="3429000"/>
-          </a:xfrm>
-          <a:custGeom>
-            <a:avLst/>
-            <a:gdLst/>
-            <a:ahLst/>
-            <a:cxnLst/>
-            <a:rect l="l" t="t" r="r" b="b"/>
-            <a:pathLst>
-              <a:path w="120000" h="120000" extrusionOk="0">
-                <a:moveTo>
-                  <a:pt x="0" y="0"/>
-                </a:moveTo>
-                <a:lnTo>
-                  <a:pt x="120000" y="0"/>
-                </a:lnTo>
-                <a:lnTo>
-                  <a:pt x="120000" y="120000"/>
-                </a:lnTo>
-                <a:lnTo>
-                  <a:pt x="0" y="120000"/>
-                </a:lnTo>
-                <a:close/>
-              </a:path>
-            </a:pathLst>
-          </a:custGeom>
-        </p:spPr>
-      </p:sp>
-    </p:spTree>
-  </p:cSld>
-  <p:clrMapOvr>
-    <a:masterClrMapping/>
-  </p:clrMapOvr>
-</p:notes>
-</file>
-
-<file path=ppt/notesSlides/notesSlide11.xml><?xml version="1.0" encoding="utf-8"?>
-<p:notes xmlns:a="http://schemas.openxmlformats.org/drawingml/2006/main" xmlns:r="http://schemas.openxmlformats.org/officeDocument/2006/relationships" xmlns:p="http://schemas.openxmlformats.org/presentationml/2006/main" showMasterSp="0" showMasterPhAnim="0">
-  <p:cSld>
-    <p:spTree>
-      <p:nvGrpSpPr>
-        <p:cNvPr id="1" name="Shape 238"/>
-        <p:cNvGrpSpPr/>
-        <p:nvPr/>
-      </p:nvGrpSpPr>
-      <p:grpSpPr>
-        <a:xfrm>
-          <a:off x="0" y="0"/>
-          <a:ext cx="0" cy="0"/>
-          <a:chOff x="0" y="0"/>
-          <a:chExt cx="0" cy="0"/>
-        </a:xfrm>
-      </p:grpSpPr>
-      <p:sp>
-        <p:nvSpPr>
-          <p:cNvPr id="239" name="Google Shape;239;g8d8c850c25_0_92:notes"/>
-          <p:cNvSpPr>
-            <a:spLocks noGrp="1" noRot="1" noChangeAspect="1"/>
-          </p:cNvSpPr>
-          <p:nvPr>
-            <p:ph type="sldImg" idx="2"/>
-          </p:nvPr>
-        </p:nvSpPr>
-        <p:spPr>
-          <a:xfrm>
-            <a:off x="2104459" y="685800"/>
-            <a:ext cx="2649600" cy="3429000"/>
-          </a:xfrm>
-          <a:custGeom>
-            <a:avLst/>
-            <a:gdLst/>
-            <a:ahLst/>
-            <a:cxnLst/>
-            <a:rect l="l" t="t" r="r" b="b"/>
-            <a:pathLst>
-              <a:path w="120000" h="120000" extrusionOk="0">
-                <a:moveTo>
-                  <a:pt x="0" y="0"/>
-                </a:moveTo>
-                <a:lnTo>
-                  <a:pt x="120000" y="0"/>
-                </a:lnTo>
-                <a:lnTo>
-                  <a:pt x="120000" y="120000"/>
-                </a:lnTo>
-                <a:lnTo>
-                  <a:pt x="0" y="120000"/>
-                </a:lnTo>
-                <a:close/>
-              </a:path>
-            </a:pathLst>
-          </a:custGeom>
-        </p:spPr>
-      </p:sp>
-      <p:sp>
-        <p:nvSpPr>
-          <p:cNvPr id="240" name="Google Shape;240;g8d8c850c25_0_92:notes"/>
-          <p:cNvSpPr txBox="1">
-            <a:spLocks noGrp="1"/>
-          </p:cNvSpPr>
-          <p:nvPr>
-            <p:ph type="body" idx="1"/>
-          </p:nvPr>
-        </p:nvSpPr>
-        <p:spPr>
-          <a:xfrm>
-            <a:off x="685800" y="4343400"/>
-            <a:ext cx="5486400" cy="4114800"/>
-          </a:xfrm>
-          <a:prstGeom prst="rect">
-            <a:avLst/>
-          </a:prstGeom>
-        </p:spPr>
-        <p:txBody>
-          <a:bodyPr spcFirstLastPara="1" wrap="square" lIns="91425" tIns="91425" rIns="91425" bIns="91425" anchor="t" anchorCtr="0">
-            <a:noAutofit/>
-          </a:bodyPr>
-          <a:lstStyle/>
-          <a:p>
-            <a:pPr marL="0" lvl="0" indent="0" algn="l" rtl="0">
-              <a:spcBef>
-                <a:spcPts val="0"/>
-              </a:spcBef>
-              <a:spcAft>
-                <a:spcPts val="0"/>
-              </a:spcAft>
-              <a:buNone/>
-            </a:pPr>
-            <a:endParaRPr/>
-          </a:p>
-        </p:txBody>
-      </p:sp>
-    </p:spTree>
-  </p:cSld>
-  <p:clrMapOvr>
-    <a:masterClrMapping/>
-  </p:clrMapOvr>
-</p:notes>
-</file>
-
-<file path=ppt/notesSlides/notesSlide12.xml><?xml version="1.0" encoding="utf-8"?>
-<p:notes xmlns:a="http://schemas.openxmlformats.org/drawingml/2006/main" xmlns:r="http://schemas.openxmlformats.org/officeDocument/2006/relationships" xmlns:p="http://schemas.openxmlformats.org/presentationml/2006/main" showMasterSp="0" showMasterPhAnim="0">
-  <p:cSld>
-    <p:spTree>
-      <p:nvGrpSpPr>
         <p:cNvPr id="1" name="Shape 244"/>
         <p:cNvGrpSpPr/>
         <p:nvPr/>
@@ -1093,8 +893,8 @@
         </p:nvSpPr>
         <p:spPr>
           <a:xfrm>
-            <a:off x="2104459" y="685800"/>
-            <a:ext cx="2649600" cy="3429000"/>
+            <a:off x="2105025" y="685800"/>
+            <a:ext cx="2649538" cy="3429000"/>
           </a:xfrm>
           <a:custGeom>
             <a:avLst/>
@@ -1168,7 +968,7 @@
 </p:notes>
 </file>
 
-<file path=ppt/notesSlides/notesSlide13.xml><?xml version="1.0" encoding="utf-8"?>
+<file path=ppt/notesSlides/notesSlide11.xml><?xml version="1.0" encoding="utf-8"?>
 <p:notes xmlns:a="http://schemas.openxmlformats.org/drawingml/2006/main" xmlns:r="http://schemas.openxmlformats.org/officeDocument/2006/relationships" xmlns:p="http://schemas.openxmlformats.org/presentationml/2006/main" showMasterSp="0" showMasterPhAnim="0">
   <p:cSld>
     <p:spTree>
@@ -1197,8 +997,8 @@
         </p:nvSpPr>
         <p:spPr>
           <a:xfrm>
-            <a:off x="2104459" y="685800"/>
-            <a:ext cx="2649600" cy="3429000"/>
+            <a:off x="2105025" y="685800"/>
+            <a:ext cx="2649538" cy="3429000"/>
           </a:xfrm>
           <a:custGeom>
             <a:avLst/>
@@ -1260,7 +1060,7 @@
               </a:spcAft>
               <a:buNone/>
             </a:pPr>
-            <a:endParaRPr/>
+            <a:endParaRPr dirty="0"/>
           </a:p>
         </p:txBody>
       </p:sp>
@@ -1272,7 +1072,116 @@
 </p:notes>
 </file>
 
-<file path=ppt/notesSlides/notesSlide14.xml><?xml version="1.0" encoding="utf-8"?>
+<file path=ppt/notesSlides/notesSlide12.xml><?xml version="1.0" encoding="utf-8"?>
+<p:notes xmlns:a="http://schemas.openxmlformats.org/drawingml/2006/main" xmlns:r="http://schemas.openxmlformats.org/officeDocument/2006/relationships" xmlns:p="http://schemas.openxmlformats.org/presentationml/2006/main" showMasterSp="0" showMasterPhAnim="0">
+  <p:cSld>
+    <p:spTree>
+      <p:nvGrpSpPr>
+        <p:cNvPr id="1" name="Shape 251"/>
+        <p:cNvGrpSpPr/>
+        <p:nvPr/>
+      </p:nvGrpSpPr>
+      <p:grpSpPr>
+        <a:xfrm>
+          <a:off x="0" y="0"/>
+          <a:ext cx="0" cy="0"/>
+          <a:chOff x="0" y="0"/>
+          <a:chExt cx="0" cy="0"/>
+        </a:xfrm>
+      </p:grpSpPr>
+      <p:sp>
+        <p:nvSpPr>
+          <p:cNvPr id="252" name="Google Shape;252;g8d8c850c25_0_103:notes"/>
+          <p:cNvSpPr>
+            <a:spLocks noGrp="1" noRot="1" noChangeAspect="1"/>
+          </p:cNvSpPr>
+          <p:nvPr>
+            <p:ph type="sldImg" idx="2"/>
+          </p:nvPr>
+        </p:nvSpPr>
+        <p:spPr>
+          <a:xfrm>
+            <a:off x="2105025" y="685800"/>
+            <a:ext cx="2649538" cy="3429000"/>
+          </a:xfrm>
+          <a:custGeom>
+            <a:avLst/>
+            <a:gdLst/>
+            <a:ahLst/>
+            <a:cxnLst/>
+            <a:rect l="l" t="t" r="r" b="b"/>
+            <a:pathLst>
+              <a:path w="120000" h="120000" extrusionOk="0">
+                <a:moveTo>
+                  <a:pt x="0" y="0"/>
+                </a:moveTo>
+                <a:lnTo>
+                  <a:pt x="120000" y="0"/>
+                </a:lnTo>
+                <a:lnTo>
+                  <a:pt x="120000" y="120000"/>
+                </a:lnTo>
+                <a:lnTo>
+                  <a:pt x="0" y="120000"/>
+                </a:lnTo>
+                <a:close/>
+              </a:path>
+            </a:pathLst>
+          </a:custGeom>
+        </p:spPr>
+      </p:sp>
+      <p:sp>
+        <p:nvSpPr>
+          <p:cNvPr id="253" name="Google Shape;253;g8d8c850c25_0_103:notes"/>
+          <p:cNvSpPr txBox="1">
+            <a:spLocks noGrp="1"/>
+          </p:cNvSpPr>
+          <p:nvPr>
+            <p:ph type="body" idx="1"/>
+          </p:nvPr>
+        </p:nvSpPr>
+        <p:spPr>
+          <a:xfrm>
+            <a:off x="685800" y="4343400"/>
+            <a:ext cx="5486400" cy="4114800"/>
+          </a:xfrm>
+          <a:prstGeom prst="rect">
+            <a:avLst/>
+          </a:prstGeom>
+        </p:spPr>
+        <p:txBody>
+          <a:bodyPr spcFirstLastPara="1" wrap="square" lIns="91425" tIns="91425" rIns="91425" bIns="91425" anchor="t" anchorCtr="0">
+            <a:noAutofit/>
+          </a:bodyPr>
+          <a:lstStyle/>
+          <a:p>
+            <a:pPr marL="0" lvl="0" indent="0" algn="l" rtl="0">
+              <a:spcBef>
+                <a:spcPts val="0"/>
+              </a:spcBef>
+              <a:spcAft>
+                <a:spcPts val="0"/>
+              </a:spcAft>
+              <a:buNone/>
+            </a:pPr>
+            <a:endParaRPr/>
+          </a:p>
+        </p:txBody>
+      </p:sp>
+    </p:spTree>
+    <p:extLst>
+      <p:ext uri="{BB962C8B-B14F-4D97-AF65-F5344CB8AC3E}">
+        <p14:creationId xmlns:p14="http://schemas.microsoft.com/office/powerpoint/2010/main" val="3855889293"/>
+      </p:ext>
+    </p:extLst>
+  </p:cSld>
+  <p:clrMapOvr>
+    <a:masterClrMapping/>
+  </p:clrMapOvr>
+</p:notes>
+</file>
+
+<file path=ppt/notesSlides/notesSlide13.xml><?xml version="1.0" encoding="utf-8"?>
 <p:notes xmlns:a="http://schemas.openxmlformats.org/drawingml/2006/main" xmlns:r="http://schemas.openxmlformats.org/officeDocument/2006/relationships" xmlns:p="http://schemas.openxmlformats.org/presentationml/2006/main" showMasterSp="0" showMasterPhAnim="0">
   <p:cSld>
     <p:spTree>
@@ -1301,8 +1210,8 @@
         </p:nvSpPr>
         <p:spPr>
           <a:xfrm>
-            <a:off x="2104459" y="685800"/>
-            <a:ext cx="2649600" cy="3429000"/>
+            <a:off x="2105025" y="685800"/>
+            <a:ext cx="2649538" cy="3429000"/>
           </a:xfrm>
           <a:custGeom>
             <a:avLst/>
@@ -1369,6 +1278,115 @@
         </p:txBody>
       </p:sp>
     </p:spTree>
+  </p:cSld>
+  <p:clrMapOvr>
+    <a:masterClrMapping/>
+  </p:clrMapOvr>
+</p:notes>
+</file>
+
+<file path=ppt/notesSlides/notesSlide14.xml><?xml version="1.0" encoding="utf-8"?>
+<p:notes xmlns:a="http://schemas.openxmlformats.org/drawingml/2006/main" xmlns:r="http://schemas.openxmlformats.org/officeDocument/2006/relationships" xmlns:p="http://schemas.openxmlformats.org/presentationml/2006/main" showMasterSp="0" showMasterPhAnim="0">
+  <p:cSld>
+    <p:spTree>
+      <p:nvGrpSpPr>
+        <p:cNvPr id="1" name="Shape 258"/>
+        <p:cNvGrpSpPr/>
+        <p:nvPr/>
+      </p:nvGrpSpPr>
+      <p:grpSpPr>
+        <a:xfrm>
+          <a:off x="0" y="0"/>
+          <a:ext cx="0" cy="0"/>
+          <a:chOff x="0" y="0"/>
+          <a:chExt cx="0" cy="0"/>
+        </a:xfrm>
+      </p:grpSpPr>
+      <p:sp>
+        <p:nvSpPr>
+          <p:cNvPr id="259" name="Google Shape;259;g8d8c850c25_0_108:notes"/>
+          <p:cNvSpPr>
+            <a:spLocks noGrp="1" noRot="1" noChangeAspect="1"/>
+          </p:cNvSpPr>
+          <p:nvPr>
+            <p:ph type="sldImg" idx="2"/>
+          </p:nvPr>
+        </p:nvSpPr>
+        <p:spPr>
+          <a:xfrm>
+            <a:off x="2105025" y="685800"/>
+            <a:ext cx="2649538" cy="3429000"/>
+          </a:xfrm>
+          <a:custGeom>
+            <a:avLst/>
+            <a:gdLst/>
+            <a:ahLst/>
+            <a:cxnLst/>
+            <a:rect l="l" t="t" r="r" b="b"/>
+            <a:pathLst>
+              <a:path w="120000" h="120000" extrusionOk="0">
+                <a:moveTo>
+                  <a:pt x="0" y="0"/>
+                </a:moveTo>
+                <a:lnTo>
+                  <a:pt x="120000" y="0"/>
+                </a:lnTo>
+                <a:lnTo>
+                  <a:pt x="120000" y="120000"/>
+                </a:lnTo>
+                <a:lnTo>
+                  <a:pt x="0" y="120000"/>
+                </a:lnTo>
+                <a:close/>
+              </a:path>
+            </a:pathLst>
+          </a:custGeom>
+        </p:spPr>
+      </p:sp>
+      <p:sp>
+        <p:nvSpPr>
+          <p:cNvPr id="260" name="Google Shape;260;g8d8c850c25_0_108:notes"/>
+          <p:cNvSpPr txBox="1">
+            <a:spLocks noGrp="1"/>
+          </p:cNvSpPr>
+          <p:nvPr>
+            <p:ph type="body" idx="1"/>
+          </p:nvPr>
+        </p:nvSpPr>
+        <p:spPr>
+          <a:xfrm>
+            <a:off x="685800" y="4343400"/>
+            <a:ext cx="5486400" cy="4114800"/>
+          </a:xfrm>
+          <a:prstGeom prst="rect">
+            <a:avLst/>
+          </a:prstGeom>
+        </p:spPr>
+        <p:txBody>
+          <a:bodyPr spcFirstLastPara="1" wrap="square" lIns="91425" tIns="91425" rIns="91425" bIns="91425" anchor="t" anchorCtr="0">
+            <a:noAutofit/>
+          </a:bodyPr>
+          <a:lstStyle/>
+          <a:p>
+            <a:pPr marL="0" lvl="0" indent="0" algn="l" rtl="0">
+              <a:spcBef>
+                <a:spcPts val="0"/>
+              </a:spcBef>
+              <a:spcAft>
+                <a:spcPts val="0"/>
+              </a:spcAft>
+              <a:buNone/>
+            </a:pPr>
+            <a:endParaRPr/>
+          </a:p>
+        </p:txBody>
+      </p:sp>
+    </p:spTree>
+    <p:extLst>
+      <p:ext uri="{BB962C8B-B14F-4D97-AF65-F5344CB8AC3E}">
+        <p14:creationId xmlns:p14="http://schemas.microsoft.com/office/powerpoint/2010/main" val="3781836248"/>
+      </p:ext>
+    </p:extLst>
   </p:cSld>
   <p:clrMapOvr>
     <a:masterClrMapping/>
@@ -1905,7 +1923,7 @@
   <p:cSld>
     <p:spTree>
       <p:nvGrpSpPr>
-        <p:cNvPr id="1" name="Shape 181"/>
+        <p:cNvPr id="1" name="Shape 195"/>
         <p:cNvGrpSpPr/>
         <p:nvPr/>
       </p:nvGrpSpPr>
@@ -1919,7 +1937,49 @@
       </p:grpSpPr>
       <p:sp>
         <p:nvSpPr>
-          <p:cNvPr id="182" name="Google Shape;182;g3bbfcd4c3a_0_0:notes"/>
+          <p:cNvPr id="196" name="Google Shape;196;g8d8c850c25_0_33:notes"/>
+          <p:cNvSpPr txBox="1">
+            <a:spLocks noGrp="1"/>
+          </p:cNvSpPr>
+          <p:nvPr>
+            <p:ph type="body" idx="1"/>
+          </p:nvPr>
+        </p:nvSpPr>
+        <p:spPr>
+          <a:xfrm>
+            <a:off x="914400" y="4343400"/>
+            <a:ext cx="5029200" cy="4114800"/>
+          </a:xfrm>
+          <a:prstGeom prst="rect">
+            <a:avLst/>
+          </a:prstGeom>
+          <a:noFill/>
+          <a:ln>
+            <a:noFill/>
+          </a:ln>
+        </p:spPr>
+        <p:txBody>
+          <a:bodyPr spcFirstLastPara="1" wrap="square" lIns="91425" tIns="91425" rIns="91425" bIns="91425" anchor="ctr" anchorCtr="0">
+            <a:noAutofit/>
+          </a:bodyPr>
+          <a:lstStyle/>
+          <a:p>
+            <a:pPr marL="0" lvl="0" indent="0" algn="l" rtl="0">
+              <a:spcBef>
+                <a:spcPts val="0"/>
+              </a:spcBef>
+              <a:spcAft>
+                <a:spcPts val="0"/>
+              </a:spcAft>
+              <a:buNone/>
+            </a:pPr>
+            <a:endParaRPr/>
+          </a:p>
+        </p:txBody>
+      </p:sp>
+      <p:sp>
+        <p:nvSpPr>
+          <p:cNvPr id="197" name="Google Shape;197;g8d8c850c25_0_33:notes"/>
           <p:cNvSpPr>
             <a:spLocks noGrp="1" noRot="1" noChangeAspect="1"/>
           </p:cNvSpPr>
@@ -1929,8 +1989,8 @@
         </p:nvSpPr>
         <p:spPr>
           <a:xfrm>
-            <a:off x="2104459" y="685800"/>
-            <a:ext cx="2649600" cy="3429000"/>
+            <a:off x="2435369" y="685800"/>
+            <a:ext cx="1987200" cy="3429000"/>
           </a:xfrm>
           <a:custGeom>
             <a:avLst/>
@@ -1957,44 +2017,6 @@
             </a:pathLst>
           </a:custGeom>
         </p:spPr>
-      </p:sp>
-      <p:sp>
-        <p:nvSpPr>
-          <p:cNvPr id="183" name="Google Shape;183;g3bbfcd4c3a_0_0:notes"/>
-          <p:cNvSpPr txBox="1">
-            <a:spLocks noGrp="1"/>
-          </p:cNvSpPr>
-          <p:nvPr>
-            <p:ph type="body" idx="1"/>
-          </p:nvPr>
-        </p:nvSpPr>
-        <p:spPr>
-          <a:xfrm>
-            <a:off x="685800" y="4343400"/>
-            <a:ext cx="5486400" cy="4114800"/>
-          </a:xfrm>
-          <a:prstGeom prst="rect">
-            <a:avLst/>
-          </a:prstGeom>
-        </p:spPr>
-        <p:txBody>
-          <a:bodyPr spcFirstLastPara="1" wrap="square" lIns="91425" tIns="91425" rIns="91425" bIns="91425" anchor="t" anchorCtr="0">
-            <a:noAutofit/>
-          </a:bodyPr>
-          <a:lstStyle/>
-          <a:p>
-            <a:pPr marL="0" lvl="0" indent="0" algn="l" rtl="0">
-              <a:spcBef>
-                <a:spcPts val="0"/>
-              </a:spcBef>
-              <a:spcAft>
-                <a:spcPts val="0"/>
-              </a:spcAft>
-              <a:buNone/>
-            </a:pPr>
-            <a:endParaRPr/>
-          </a:p>
-        </p:txBody>
       </p:sp>
     </p:spTree>
   </p:cSld>
@@ -3053,7 +3075,7 @@
   <p:cSld>
     <p:spTree>
       <p:nvGrpSpPr>
-        <p:cNvPr id="1" name="Shape 189"/>
+        <p:cNvPr id="1" name="Shape 202"/>
         <p:cNvGrpSpPr/>
         <p:nvPr/>
       </p:nvGrpSpPr>
@@ -3067,7 +3089,7 @@
       </p:grpSpPr>
       <p:sp>
         <p:nvSpPr>
-          <p:cNvPr id="190" name="Google Shape;190;g8d8c850c25_0_38:notes"/>
+          <p:cNvPr id="203" name="Google Shape;203;g8d8c850c25_0_86:notes"/>
           <p:cNvSpPr>
             <a:spLocks noGrp="1" noRot="1" noChangeAspect="1"/>
           </p:cNvSpPr>
@@ -3108,7 +3130,7 @@
       </p:sp>
       <p:sp>
         <p:nvSpPr>
-          <p:cNvPr id="191" name="Google Shape;191;g8d8c850c25_0_38:notes"/>
+          <p:cNvPr id="204" name="Google Shape;204;g8d8c850c25_0_86:notes"/>
           <p:cNvSpPr txBox="1">
             <a:spLocks noGrp="1"/>
           </p:cNvSpPr>
@@ -3369,218 +3391,6 @@
   <p:cSld>
     <p:spTree>
       <p:nvGrpSpPr>
-        <p:cNvPr id="1" name="Shape 195"/>
-        <p:cNvGrpSpPr/>
-        <p:nvPr/>
-      </p:nvGrpSpPr>
-      <p:grpSpPr>
-        <a:xfrm>
-          <a:off x="0" y="0"/>
-          <a:ext cx="0" cy="0"/>
-          <a:chOff x="0" y="0"/>
-          <a:chExt cx="0" cy="0"/>
-        </a:xfrm>
-      </p:grpSpPr>
-      <p:sp>
-        <p:nvSpPr>
-          <p:cNvPr id="196" name="Google Shape;196;g8d8c850c25_0_33:notes"/>
-          <p:cNvSpPr txBox="1">
-            <a:spLocks noGrp="1"/>
-          </p:cNvSpPr>
-          <p:nvPr>
-            <p:ph type="body" idx="1"/>
-          </p:nvPr>
-        </p:nvSpPr>
-        <p:spPr>
-          <a:xfrm>
-            <a:off x="914400" y="4343400"/>
-            <a:ext cx="5029200" cy="4114800"/>
-          </a:xfrm>
-          <a:prstGeom prst="rect">
-            <a:avLst/>
-          </a:prstGeom>
-          <a:noFill/>
-          <a:ln>
-            <a:noFill/>
-          </a:ln>
-        </p:spPr>
-        <p:txBody>
-          <a:bodyPr spcFirstLastPara="1" wrap="square" lIns="91425" tIns="91425" rIns="91425" bIns="91425" anchor="ctr" anchorCtr="0">
-            <a:noAutofit/>
-          </a:bodyPr>
-          <a:lstStyle/>
-          <a:p>
-            <a:pPr marL="0" lvl="0" indent="0" algn="l" rtl="0">
-              <a:spcBef>
-                <a:spcPts val="0"/>
-              </a:spcBef>
-              <a:spcAft>
-                <a:spcPts val="0"/>
-              </a:spcAft>
-              <a:buNone/>
-            </a:pPr>
-            <a:endParaRPr/>
-          </a:p>
-        </p:txBody>
-      </p:sp>
-      <p:sp>
-        <p:nvSpPr>
-          <p:cNvPr id="197" name="Google Shape;197;g8d8c850c25_0_33:notes"/>
-          <p:cNvSpPr>
-            <a:spLocks noGrp="1" noRot="1" noChangeAspect="1"/>
-          </p:cNvSpPr>
-          <p:nvPr>
-            <p:ph type="sldImg" idx="2"/>
-          </p:nvPr>
-        </p:nvSpPr>
-        <p:spPr>
-          <a:xfrm>
-            <a:off x="2435369" y="685800"/>
-            <a:ext cx="1987200" cy="3429000"/>
-          </a:xfrm>
-          <a:custGeom>
-            <a:avLst/>
-            <a:gdLst/>
-            <a:ahLst/>
-            <a:cxnLst/>
-            <a:rect l="l" t="t" r="r" b="b"/>
-            <a:pathLst>
-              <a:path w="120000" h="120000" extrusionOk="0">
-                <a:moveTo>
-                  <a:pt x="0" y="0"/>
-                </a:moveTo>
-                <a:lnTo>
-                  <a:pt x="120000" y="0"/>
-                </a:lnTo>
-                <a:lnTo>
-                  <a:pt x="120000" y="120000"/>
-                </a:lnTo>
-                <a:lnTo>
-                  <a:pt x="0" y="120000"/>
-                </a:lnTo>
-                <a:close/>
-              </a:path>
-            </a:pathLst>
-          </a:custGeom>
-        </p:spPr>
-      </p:sp>
-    </p:spTree>
-  </p:cSld>
-  <p:clrMapOvr>
-    <a:masterClrMapping/>
-  </p:clrMapOvr>
-</p:notes>
-</file>
-
-<file path=ppt/notesSlides/notesSlide5.xml><?xml version="1.0" encoding="utf-8"?>
-<p:notes xmlns:a="http://schemas.openxmlformats.org/drawingml/2006/main" xmlns:r="http://schemas.openxmlformats.org/officeDocument/2006/relationships" xmlns:p="http://schemas.openxmlformats.org/presentationml/2006/main" showMasterSp="0" showMasterPhAnim="0">
-  <p:cSld>
-    <p:spTree>
-      <p:nvGrpSpPr>
-        <p:cNvPr id="1" name="Shape 202"/>
-        <p:cNvGrpSpPr/>
-        <p:nvPr/>
-      </p:nvGrpSpPr>
-      <p:grpSpPr>
-        <a:xfrm>
-          <a:off x="0" y="0"/>
-          <a:ext cx="0" cy="0"/>
-          <a:chOff x="0" y="0"/>
-          <a:chExt cx="0" cy="0"/>
-        </a:xfrm>
-      </p:grpSpPr>
-      <p:sp>
-        <p:nvSpPr>
-          <p:cNvPr id="203" name="Google Shape;203;g8d8c850c25_0_86:notes"/>
-          <p:cNvSpPr>
-            <a:spLocks noGrp="1" noRot="1" noChangeAspect="1"/>
-          </p:cNvSpPr>
-          <p:nvPr>
-            <p:ph type="sldImg" idx="2"/>
-          </p:nvPr>
-        </p:nvSpPr>
-        <p:spPr>
-          <a:xfrm>
-            <a:off x="2104459" y="685800"/>
-            <a:ext cx="2649600" cy="3429000"/>
-          </a:xfrm>
-          <a:custGeom>
-            <a:avLst/>
-            <a:gdLst/>
-            <a:ahLst/>
-            <a:cxnLst/>
-            <a:rect l="l" t="t" r="r" b="b"/>
-            <a:pathLst>
-              <a:path w="120000" h="120000" extrusionOk="0">
-                <a:moveTo>
-                  <a:pt x="0" y="0"/>
-                </a:moveTo>
-                <a:lnTo>
-                  <a:pt x="120000" y="0"/>
-                </a:lnTo>
-                <a:lnTo>
-                  <a:pt x="120000" y="120000"/>
-                </a:lnTo>
-                <a:lnTo>
-                  <a:pt x="0" y="120000"/>
-                </a:lnTo>
-                <a:close/>
-              </a:path>
-            </a:pathLst>
-          </a:custGeom>
-        </p:spPr>
-      </p:sp>
-      <p:sp>
-        <p:nvSpPr>
-          <p:cNvPr id="204" name="Google Shape;204;g8d8c850c25_0_86:notes"/>
-          <p:cNvSpPr txBox="1">
-            <a:spLocks noGrp="1"/>
-          </p:cNvSpPr>
-          <p:nvPr>
-            <p:ph type="body" idx="1"/>
-          </p:nvPr>
-        </p:nvSpPr>
-        <p:spPr>
-          <a:xfrm>
-            <a:off x="685800" y="4343400"/>
-            <a:ext cx="5486400" cy="4114800"/>
-          </a:xfrm>
-          <a:prstGeom prst="rect">
-            <a:avLst/>
-          </a:prstGeom>
-        </p:spPr>
-        <p:txBody>
-          <a:bodyPr spcFirstLastPara="1" wrap="square" lIns="91425" tIns="91425" rIns="91425" bIns="91425" anchor="t" anchorCtr="0">
-            <a:noAutofit/>
-          </a:bodyPr>
-          <a:lstStyle/>
-          <a:p>
-            <a:pPr marL="0" lvl="0" indent="0" algn="l" rtl="0">
-              <a:spcBef>
-                <a:spcPts val="0"/>
-              </a:spcBef>
-              <a:spcAft>
-                <a:spcPts val="0"/>
-              </a:spcAft>
-              <a:buNone/>
-            </a:pPr>
-            <a:endParaRPr/>
-          </a:p>
-        </p:txBody>
-      </p:sp>
-    </p:spTree>
-  </p:cSld>
-  <p:clrMapOvr>
-    <a:masterClrMapping/>
-  </p:clrMapOvr>
-</p:notes>
-</file>
-
-<file path=ppt/notesSlides/notesSlide6.xml><?xml version="1.0" encoding="utf-8"?>
-<p:notes xmlns:a="http://schemas.openxmlformats.org/drawingml/2006/main" xmlns:r="http://schemas.openxmlformats.org/officeDocument/2006/relationships" xmlns:p="http://schemas.openxmlformats.org/presentationml/2006/main" showMasterSp="0" showMasterPhAnim="0">
-  <p:cSld>
-    <p:spTree>
-      <p:nvGrpSpPr>
         <p:cNvPr id="1" name="Shape 208"/>
         <p:cNvGrpSpPr/>
         <p:nvPr/>
@@ -3680,7 +3490,7 @@
 </p:notes>
 </file>
 
-<file path=ppt/notesSlides/notesSlide7.xml><?xml version="1.0" encoding="utf-8"?>
+<file path=ppt/notesSlides/notesSlide5.xml><?xml version="1.0" encoding="utf-8"?>
 <p:notes xmlns:a="http://schemas.openxmlformats.org/drawingml/2006/main" xmlns:r="http://schemas.openxmlformats.org/officeDocument/2006/relationships" xmlns:p="http://schemas.openxmlformats.org/presentationml/2006/main" showMasterSp="0" showMasterPhAnim="0">
   <p:cSld>
     <p:spTree>
@@ -3784,7 +3594,7 @@
 </p:notes>
 </file>
 
-<file path=ppt/notesSlides/notesSlide8.xml><?xml version="1.0" encoding="utf-8"?>
+<file path=ppt/notesSlides/notesSlide6.xml><?xml version="1.0" encoding="utf-8"?>
 <p:notes xmlns:a="http://schemas.openxmlformats.org/drawingml/2006/main" xmlns:r="http://schemas.openxmlformats.org/officeDocument/2006/relationships" xmlns:p="http://schemas.openxmlformats.org/presentationml/2006/main" showMasterSp="0" showMasterPhAnim="0">
   <p:cSld>
     <p:spTree>
@@ -3888,7 +3698,7 @@
 </p:notes>
 </file>
 
-<file path=ppt/notesSlides/notesSlide9.xml><?xml version="1.0" encoding="utf-8"?>
+<file path=ppt/notesSlides/notesSlide7.xml><?xml version="1.0" encoding="utf-8"?>
 <p:notes xmlns:a="http://schemas.openxmlformats.org/drawingml/2006/main" xmlns:r="http://schemas.openxmlformats.org/officeDocument/2006/relationships" xmlns:p="http://schemas.openxmlformats.org/presentationml/2006/main" showMasterSp="0" showMasterPhAnim="0">
   <p:cSld>
     <p:spTree>
@@ -3949,6 +3759,218 @@
       <p:sp>
         <p:nvSpPr>
           <p:cNvPr id="228" name="Google Shape;228;g8d8c850c25_0_68:notes"/>
+          <p:cNvSpPr txBox="1">
+            <a:spLocks noGrp="1"/>
+          </p:cNvSpPr>
+          <p:nvPr>
+            <p:ph type="body" idx="1"/>
+          </p:nvPr>
+        </p:nvSpPr>
+        <p:spPr>
+          <a:xfrm>
+            <a:off x="685800" y="4343400"/>
+            <a:ext cx="5486400" cy="4114800"/>
+          </a:xfrm>
+          <a:prstGeom prst="rect">
+            <a:avLst/>
+          </a:prstGeom>
+        </p:spPr>
+        <p:txBody>
+          <a:bodyPr spcFirstLastPara="1" wrap="square" lIns="91425" tIns="91425" rIns="91425" bIns="91425" anchor="t" anchorCtr="0">
+            <a:noAutofit/>
+          </a:bodyPr>
+          <a:lstStyle/>
+          <a:p>
+            <a:pPr marL="0" lvl="0" indent="0" algn="l" rtl="0">
+              <a:spcBef>
+                <a:spcPts val="0"/>
+              </a:spcBef>
+              <a:spcAft>
+                <a:spcPts val="0"/>
+              </a:spcAft>
+              <a:buNone/>
+            </a:pPr>
+            <a:endParaRPr/>
+          </a:p>
+        </p:txBody>
+      </p:sp>
+    </p:spTree>
+  </p:cSld>
+  <p:clrMapOvr>
+    <a:masterClrMapping/>
+  </p:clrMapOvr>
+</p:notes>
+</file>
+
+<file path=ppt/notesSlides/notesSlide8.xml><?xml version="1.0" encoding="utf-8"?>
+<p:notes xmlns:a="http://schemas.openxmlformats.org/drawingml/2006/main" xmlns:r="http://schemas.openxmlformats.org/officeDocument/2006/relationships" xmlns:p="http://schemas.openxmlformats.org/presentationml/2006/main" showMasterSp="0" showMasterPhAnim="0">
+  <p:cSld>
+    <p:spTree>
+      <p:nvGrpSpPr>
+        <p:cNvPr id="1" name="Shape 232"/>
+        <p:cNvGrpSpPr/>
+        <p:nvPr/>
+      </p:nvGrpSpPr>
+      <p:grpSpPr>
+        <a:xfrm>
+          <a:off x="0" y="0"/>
+          <a:ext cx="0" cy="0"/>
+          <a:chOff x="0" y="0"/>
+          <a:chExt cx="0" cy="0"/>
+        </a:xfrm>
+      </p:grpSpPr>
+      <p:sp>
+        <p:nvSpPr>
+          <p:cNvPr id="233" name="Google Shape;233;g62fb0d8af8_0_0:notes"/>
+          <p:cNvSpPr txBox="1">
+            <a:spLocks noGrp="1"/>
+          </p:cNvSpPr>
+          <p:nvPr>
+            <p:ph type="body" idx="1"/>
+          </p:nvPr>
+        </p:nvSpPr>
+        <p:spPr>
+          <a:xfrm>
+            <a:off x="914400" y="4343400"/>
+            <a:ext cx="5029200" cy="4114800"/>
+          </a:xfrm>
+          <a:prstGeom prst="rect">
+            <a:avLst/>
+          </a:prstGeom>
+          <a:noFill/>
+          <a:ln>
+            <a:noFill/>
+          </a:ln>
+        </p:spPr>
+        <p:txBody>
+          <a:bodyPr spcFirstLastPara="1" wrap="square" lIns="91425" tIns="91425" rIns="91425" bIns="91425" anchor="ctr" anchorCtr="0">
+            <a:noAutofit/>
+          </a:bodyPr>
+          <a:lstStyle/>
+          <a:p>
+            <a:pPr marL="0" lvl="0" indent="0" algn="l" rtl="0">
+              <a:spcBef>
+                <a:spcPts val="0"/>
+              </a:spcBef>
+              <a:spcAft>
+                <a:spcPts val="0"/>
+              </a:spcAft>
+              <a:buNone/>
+            </a:pPr>
+            <a:endParaRPr/>
+          </a:p>
+        </p:txBody>
+      </p:sp>
+      <p:sp>
+        <p:nvSpPr>
+          <p:cNvPr id="234" name="Google Shape;234;g62fb0d8af8_0_0:notes"/>
+          <p:cNvSpPr>
+            <a:spLocks noGrp="1" noRot="1" noChangeAspect="1"/>
+          </p:cNvSpPr>
+          <p:nvPr>
+            <p:ph type="sldImg" idx="2"/>
+          </p:nvPr>
+        </p:nvSpPr>
+        <p:spPr>
+          <a:xfrm>
+            <a:off x="2435369" y="685800"/>
+            <a:ext cx="1987200" cy="3429000"/>
+          </a:xfrm>
+          <a:custGeom>
+            <a:avLst/>
+            <a:gdLst/>
+            <a:ahLst/>
+            <a:cxnLst/>
+            <a:rect l="l" t="t" r="r" b="b"/>
+            <a:pathLst>
+              <a:path w="120000" h="120000" extrusionOk="0">
+                <a:moveTo>
+                  <a:pt x="0" y="0"/>
+                </a:moveTo>
+                <a:lnTo>
+                  <a:pt x="120000" y="0"/>
+                </a:lnTo>
+                <a:lnTo>
+                  <a:pt x="120000" y="120000"/>
+                </a:lnTo>
+                <a:lnTo>
+                  <a:pt x="0" y="120000"/>
+                </a:lnTo>
+                <a:close/>
+              </a:path>
+            </a:pathLst>
+          </a:custGeom>
+        </p:spPr>
+      </p:sp>
+    </p:spTree>
+  </p:cSld>
+  <p:clrMapOvr>
+    <a:masterClrMapping/>
+  </p:clrMapOvr>
+</p:notes>
+</file>
+
+<file path=ppt/notesSlides/notesSlide9.xml><?xml version="1.0" encoding="utf-8"?>
+<p:notes xmlns:a="http://schemas.openxmlformats.org/drawingml/2006/main" xmlns:r="http://schemas.openxmlformats.org/officeDocument/2006/relationships" xmlns:p="http://schemas.openxmlformats.org/presentationml/2006/main" showMasterSp="0" showMasterPhAnim="0">
+  <p:cSld>
+    <p:spTree>
+      <p:nvGrpSpPr>
+        <p:cNvPr id="1" name="Shape 238"/>
+        <p:cNvGrpSpPr/>
+        <p:nvPr/>
+      </p:nvGrpSpPr>
+      <p:grpSpPr>
+        <a:xfrm>
+          <a:off x="0" y="0"/>
+          <a:ext cx="0" cy="0"/>
+          <a:chOff x="0" y="0"/>
+          <a:chExt cx="0" cy="0"/>
+        </a:xfrm>
+      </p:grpSpPr>
+      <p:sp>
+        <p:nvSpPr>
+          <p:cNvPr id="239" name="Google Shape;239;g8d8c850c25_0_92:notes"/>
+          <p:cNvSpPr>
+            <a:spLocks noGrp="1" noRot="1" noChangeAspect="1"/>
+          </p:cNvSpPr>
+          <p:nvPr>
+            <p:ph type="sldImg" idx="2"/>
+          </p:nvPr>
+        </p:nvSpPr>
+        <p:spPr>
+          <a:xfrm>
+            <a:off x="2104459" y="685800"/>
+            <a:ext cx="2649600" cy="3429000"/>
+          </a:xfrm>
+          <a:custGeom>
+            <a:avLst/>
+            <a:gdLst/>
+            <a:ahLst/>
+            <a:cxnLst/>
+            <a:rect l="l" t="t" r="r" b="b"/>
+            <a:pathLst>
+              <a:path w="120000" h="120000" extrusionOk="0">
+                <a:moveTo>
+                  <a:pt x="0" y="0"/>
+                </a:moveTo>
+                <a:lnTo>
+                  <a:pt x="120000" y="0"/>
+                </a:lnTo>
+                <a:lnTo>
+                  <a:pt x="120000" y="120000"/>
+                </a:lnTo>
+                <a:lnTo>
+                  <a:pt x="0" y="120000"/>
+                </a:lnTo>
+                <a:close/>
+              </a:path>
+            </a:pathLst>
+          </a:custGeom>
+        </p:spPr>
+      </p:sp>
+      <p:sp>
+        <p:nvSpPr>
+          <p:cNvPr id="240" name="Google Shape;240;g8d8c850c25_0_92:notes"/>
           <p:cNvSpPr txBox="1">
             <a:spLocks noGrp="1"/>
           </p:cNvSpPr>
@@ -28077,514 +28099,6 @@
 <file path=ppt/slides/slide10.xml><?xml version="1.0" encoding="utf-8"?>
 <p:sld xmlns:a="http://schemas.openxmlformats.org/drawingml/2006/main" xmlns:r="http://schemas.openxmlformats.org/officeDocument/2006/relationships" xmlns:p="http://schemas.openxmlformats.org/presentationml/2006/main">
   <p:cSld>
-    <p:bg>
-      <p:bgPr>
-        <a:solidFill>
-          <a:srgbClr val="02B4E5"/>
-        </a:solidFill>
-        <a:effectLst/>
-      </p:bgPr>
-    </p:bg>
-    <p:spTree>
-      <p:nvGrpSpPr>
-        <p:cNvPr id="1" name="Shape 235"/>
-        <p:cNvGrpSpPr/>
-        <p:nvPr/>
-      </p:nvGrpSpPr>
-      <p:grpSpPr>
-        <a:xfrm>
-          <a:off x="0" y="0"/>
-          <a:ext cx="0" cy="0"/>
-          <a:chOff x="0" y="0"/>
-          <a:chExt cx="0" cy="0"/>
-        </a:xfrm>
-      </p:grpSpPr>
-      <p:sp>
-        <p:nvSpPr>
-          <p:cNvPr id="236" name="Google Shape;236;p60"/>
-          <p:cNvSpPr/>
-          <p:nvPr/>
-        </p:nvSpPr>
-        <p:spPr>
-          <a:xfrm>
-            <a:off x="1807121" y="4003549"/>
-            <a:ext cx="4158000" cy="2460000"/>
-          </a:xfrm>
-          <a:prstGeom prst="rect">
-            <a:avLst/>
-          </a:prstGeom>
-          <a:noFill/>
-          <a:ln>
-            <a:noFill/>
-          </a:ln>
-        </p:spPr>
-        <p:txBody>
-          <a:bodyPr spcFirstLastPara="1" wrap="square" lIns="26775" tIns="26775" rIns="26775" bIns="26775" anchor="t" anchorCtr="0">
-            <a:noAutofit/>
-          </a:bodyPr>
-          <a:lstStyle/>
-          <a:p>
-            <a:pPr marL="0" marR="0" lvl="0" indent="0" algn="ctr" rtl="0">
-              <a:lnSpc>
-                <a:spcPct val="150000"/>
-              </a:lnSpc>
-              <a:spcBef>
-                <a:spcPts val="0"/>
-              </a:spcBef>
-              <a:spcAft>
-                <a:spcPts val="0"/>
-              </a:spcAft>
-              <a:buClr>
-                <a:srgbClr val="FFFFFF"/>
-              </a:buClr>
-              <a:buFont typeface="Open Sans"/>
-              <a:buNone/>
-            </a:pPr>
-            <a:r>
-              <a:rPr lang="en" sz="3000" b="1">
-                <a:solidFill>
-                  <a:srgbClr val="FFFFFF"/>
-                </a:solidFill>
-                <a:latin typeface="Open Sans"/>
-                <a:ea typeface="Open Sans"/>
-                <a:cs typeface="Open Sans"/>
-                <a:sym typeface="Open Sans"/>
-              </a:rPr>
-              <a:t>Step 2</a:t>
-            </a:r>
-            <a:endParaRPr sz="3000" b="1">
-              <a:solidFill>
-                <a:srgbClr val="FFFFFF"/>
-              </a:solidFill>
-              <a:latin typeface="Open Sans"/>
-              <a:ea typeface="Open Sans"/>
-              <a:cs typeface="Open Sans"/>
-              <a:sym typeface="Open Sans"/>
-            </a:endParaRPr>
-          </a:p>
-          <a:p>
-            <a:pPr marL="0" marR="0" lvl="0" indent="0" algn="ctr" rtl="0">
-              <a:lnSpc>
-                <a:spcPct val="150000"/>
-              </a:lnSpc>
-              <a:spcBef>
-                <a:spcPts val="0"/>
-              </a:spcBef>
-              <a:spcAft>
-                <a:spcPts val="0"/>
-              </a:spcAft>
-              <a:buClr>
-                <a:srgbClr val="FFFFFF"/>
-              </a:buClr>
-              <a:buFont typeface="Open Sans"/>
-              <a:buNone/>
-            </a:pPr>
-            <a:r>
-              <a:rPr lang="en" sz="3000">
-                <a:solidFill>
-                  <a:srgbClr val="FFFFFF"/>
-                </a:solidFill>
-                <a:latin typeface="Open Sans"/>
-                <a:ea typeface="Open Sans"/>
-                <a:cs typeface="Open Sans"/>
-                <a:sym typeface="Open Sans"/>
-              </a:rPr>
-              <a:t>Relational Database Design</a:t>
-            </a:r>
-            <a:endParaRPr sz="3000">
-              <a:solidFill>
-                <a:srgbClr val="FFFFFF"/>
-              </a:solidFill>
-              <a:latin typeface="Open Sans"/>
-              <a:ea typeface="Open Sans"/>
-              <a:cs typeface="Open Sans"/>
-              <a:sym typeface="Open Sans"/>
-            </a:endParaRPr>
-          </a:p>
-        </p:txBody>
-      </p:sp>
-      <p:sp>
-        <p:nvSpPr>
-          <p:cNvPr id="237" name="Google Shape;237;p60"/>
-          <p:cNvSpPr/>
-          <p:nvPr/>
-        </p:nvSpPr>
-        <p:spPr>
-          <a:xfrm>
-            <a:off x="3582591" y="3663029"/>
-            <a:ext cx="607200" cy="74400"/>
-          </a:xfrm>
-          <a:prstGeom prst="rect">
-            <a:avLst/>
-          </a:prstGeom>
-          <a:solidFill>
-            <a:schemeClr val="lt1"/>
-          </a:solidFill>
-          <a:ln>
-            <a:noFill/>
-          </a:ln>
-        </p:spPr>
-        <p:txBody>
-          <a:bodyPr spcFirstLastPara="1" wrap="square" lIns="26775" tIns="26775" rIns="26775" bIns="26775" anchor="ctr" anchorCtr="0">
-            <a:noAutofit/>
-          </a:bodyPr>
-          <a:lstStyle/>
-          <a:p>
-            <a:pPr marL="0" marR="0" lvl="0" indent="0" algn="ctr" rtl="0">
-              <a:lnSpc>
-                <a:spcPct val="100000"/>
-              </a:lnSpc>
-              <a:spcBef>
-                <a:spcPts val="0"/>
-              </a:spcBef>
-              <a:spcAft>
-                <a:spcPts val="0"/>
-              </a:spcAft>
-              <a:buClr>
-                <a:srgbClr val="FFFFFF"/>
-              </a:buClr>
-              <a:buFont typeface="Helvetica Neue"/>
-              <a:buNone/>
-            </a:pPr>
-            <a:endParaRPr sz="1200" b="0" i="0" u="none" strike="noStrike" cap="none">
-              <a:solidFill>
-                <a:srgbClr val="02B4E5"/>
-              </a:solidFill>
-              <a:latin typeface="Helvetica Neue"/>
-              <a:ea typeface="Helvetica Neue"/>
-              <a:cs typeface="Helvetica Neue"/>
-              <a:sym typeface="Helvetica Neue"/>
-            </a:endParaRPr>
-          </a:p>
-        </p:txBody>
-      </p:sp>
-    </p:spTree>
-  </p:cSld>
-  <p:clrMapOvr>
-    <a:masterClrMapping/>
-  </p:clrMapOvr>
-</p:sld>
-</file>
-
-<file path=ppt/slides/slide11.xml><?xml version="1.0" encoding="utf-8"?>
-<p:sld xmlns:a="http://schemas.openxmlformats.org/drawingml/2006/main" xmlns:r="http://schemas.openxmlformats.org/officeDocument/2006/relationships" xmlns:p="http://schemas.openxmlformats.org/presentationml/2006/main">
-  <p:cSld>
-    <p:spTree>
-      <p:nvGrpSpPr>
-        <p:cNvPr id="1" name="Shape 241"/>
-        <p:cNvGrpSpPr/>
-        <p:nvPr/>
-      </p:nvGrpSpPr>
-      <p:grpSpPr>
-        <a:xfrm>
-          <a:off x="0" y="0"/>
-          <a:ext cx="0" cy="0"/>
-          <a:chOff x="0" y="0"/>
-          <a:chExt cx="0" cy="0"/>
-        </a:xfrm>
-      </p:grpSpPr>
-      <p:sp>
-        <p:nvSpPr>
-          <p:cNvPr id="242" name="Google Shape;242;p61"/>
-          <p:cNvSpPr txBox="1">
-            <a:spLocks noGrp="1"/>
-          </p:cNvSpPr>
-          <p:nvPr>
-            <p:ph type="title"/>
-          </p:nvPr>
-        </p:nvSpPr>
-        <p:spPr>
-          <a:xfrm>
-            <a:off x="264945" y="870271"/>
-            <a:ext cx="7242600" cy="1119900"/>
-          </a:xfrm>
-          <a:prstGeom prst="rect">
-            <a:avLst/>
-          </a:prstGeom>
-        </p:spPr>
-        <p:txBody>
-          <a:bodyPr spcFirstLastPara="1" wrap="square" lIns="91425" tIns="91425" rIns="91425" bIns="91425" anchor="ctr" anchorCtr="0">
-            <a:noAutofit/>
-          </a:bodyPr>
-          <a:lstStyle/>
-          <a:p>
-            <a:pPr marL="0" lvl="0" indent="0" algn="l" rtl="0">
-              <a:spcBef>
-                <a:spcPts val="0"/>
-              </a:spcBef>
-              <a:spcAft>
-                <a:spcPts val="0"/>
-              </a:spcAft>
-              <a:buNone/>
-            </a:pPr>
-            <a:r>
-              <a:rPr lang="en"/>
-              <a:t>Step 2: Relational Database Design</a:t>
-            </a:r>
-            <a:endParaRPr/>
-          </a:p>
-        </p:txBody>
-      </p:sp>
-      <p:sp>
-        <p:nvSpPr>
-          <p:cNvPr id="243" name="Google Shape;243;p61"/>
-          <p:cNvSpPr txBox="1">
-            <a:spLocks noGrp="1"/>
-          </p:cNvSpPr>
-          <p:nvPr>
-            <p:ph type="body" idx="1"/>
-          </p:nvPr>
-        </p:nvSpPr>
-        <p:spPr>
-          <a:xfrm>
-            <a:off x="264945" y="2253729"/>
-            <a:ext cx="7242600" cy="6239700"/>
-          </a:xfrm>
-          <a:prstGeom prst="rect">
-            <a:avLst/>
-          </a:prstGeom>
-        </p:spPr>
-        <p:txBody>
-          <a:bodyPr spcFirstLastPara="1" wrap="square" lIns="91425" tIns="91425" rIns="91425" bIns="91425" anchor="t" anchorCtr="0">
-            <a:noAutofit/>
-          </a:bodyPr>
-          <a:lstStyle/>
-          <a:p>
-            <a:pPr marL="0" lvl="0" indent="0" algn="l" rtl="0">
-              <a:lnSpc>
-                <a:spcPct val="170000"/>
-              </a:lnSpc>
-              <a:spcBef>
-                <a:spcPts val="0"/>
-              </a:spcBef>
-              <a:spcAft>
-                <a:spcPts val="0"/>
-              </a:spcAft>
-              <a:buNone/>
-            </a:pPr>
-            <a:r>
-              <a:rPr lang="en" sz="1500">
-                <a:solidFill>
-                  <a:srgbClr val="525C65"/>
-                </a:solidFill>
-                <a:highlight>
-                  <a:srgbClr val="FFFFFF"/>
-                </a:highlight>
-                <a:latin typeface="Open Sans"/>
-                <a:ea typeface="Open Sans"/>
-                <a:cs typeface="Open Sans"/>
-                <a:sym typeface="Open Sans"/>
-              </a:rPr>
-              <a:t>This step is where you will go through the process of designing a new database for Tech ABC Corp's HR department. Using the </a:t>
-            </a:r>
-            <a:r>
-              <a:rPr lang="en" sz="1500" u="sng">
-                <a:solidFill>
-                  <a:schemeClr val="hlink"/>
-                </a:solidFill>
-                <a:highlight>
-                  <a:srgbClr val="FFFFFF"/>
-                </a:highlight>
-                <a:latin typeface="Open Sans"/>
-                <a:ea typeface="Open Sans"/>
-                <a:cs typeface="Open Sans"/>
-                <a:sym typeface="Open Sans"/>
-                <a:hlinkClick r:id="rId3"/>
-              </a:rPr>
-              <a:t>dataset</a:t>
-            </a:r>
-            <a:r>
-              <a:rPr lang="en" sz="1500">
-                <a:solidFill>
-                  <a:srgbClr val="525C65"/>
-                </a:solidFill>
-                <a:highlight>
-                  <a:srgbClr val="FFFFFF"/>
-                </a:highlight>
-                <a:latin typeface="Open Sans"/>
-                <a:ea typeface="Open Sans"/>
-                <a:cs typeface="Open Sans"/>
-                <a:sym typeface="Open Sans"/>
-              </a:rPr>
-              <a:t> provided, along with the requirements gathered in step one, you are going to develop a relational database set to the 3NF.</a:t>
-            </a:r>
-            <a:endParaRPr sz="1500">
-              <a:solidFill>
-                <a:srgbClr val="525C65"/>
-              </a:solidFill>
-              <a:highlight>
-                <a:srgbClr val="FFFFFF"/>
-              </a:highlight>
-              <a:latin typeface="Open Sans"/>
-              <a:ea typeface="Open Sans"/>
-              <a:cs typeface="Open Sans"/>
-              <a:sym typeface="Open Sans"/>
-            </a:endParaRPr>
-          </a:p>
-          <a:p>
-            <a:pPr marL="0" lvl="0" indent="0" algn="l" rtl="0">
-              <a:lnSpc>
-                <a:spcPct val="170000"/>
-              </a:lnSpc>
-              <a:spcBef>
-                <a:spcPts val="1100"/>
-              </a:spcBef>
-              <a:spcAft>
-                <a:spcPts val="0"/>
-              </a:spcAft>
-              <a:buNone/>
-            </a:pPr>
-            <a:endParaRPr sz="500">
-              <a:solidFill>
-                <a:srgbClr val="525C65"/>
-              </a:solidFill>
-              <a:highlight>
-                <a:srgbClr val="FFFFFF"/>
-              </a:highlight>
-              <a:latin typeface="Open Sans"/>
-              <a:ea typeface="Open Sans"/>
-              <a:cs typeface="Open Sans"/>
-              <a:sym typeface="Open Sans"/>
-            </a:endParaRPr>
-          </a:p>
-          <a:p>
-            <a:pPr marL="0" lvl="0" indent="0" algn="l" rtl="0">
-              <a:lnSpc>
-                <a:spcPct val="170000"/>
-              </a:lnSpc>
-              <a:spcBef>
-                <a:spcPts val="1100"/>
-              </a:spcBef>
-              <a:spcAft>
-                <a:spcPts val="0"/>
-              </a:spcAft>
-              <a:buNone/>
-            </a:pPr>
-            <a:r>
-              <a:rPr lang="en" sz="1500">
-                <a:solidFill>
-                  <a:srgbClr val="525C65"/>
-                </a:solidFill>
-                <a:highlight>
-                  <a:srgbClr val="FFFFFF"/>
-                </a:highlight>
-                <a:latin typeface="Open Sans"/>
-                <a:ea typeface="Open Sans"/>
-                <a:cs typeface="Open Sans"/>
-                <a:sym typeface="Open Sans"/>
-              </a:rPr>
-              <a:t>Using Lucidchart, you will create 3 entity relationship diagrams (ERDs) to show how you developed the final design for your data.</a:t>
-            </a:r>
-            <a:endParaRPr sz="1500">
-              <a:solidFill>
-                <a:srgbClr val="525C65"/>
-              </a:solidFill>
-              <a:highlight>
-                <a:srgbClr val="FFFFFF"/>
-              </a:highlight>
-              <a:latin typeface="Open Sans"/>
-              <a:ea typeface="Open Sans"/>
-              <a:cs typeface="Open Sans"/>
-              <a:sym typeface="Open Sans"/>
-            </a:endParaRPr>
-          </a:p>
-          <a:p>
-            <a:pPr marL="0" lvl="0" indent="0" algn="l" rtl="0">
-              <a:lnSpc>
-                <a:spcPct val="170000"/>
-              </a:lnSpc>
-              <a:spcBef>
-                <a:spcPts val="1100"/>
-              </a:spcBef>
-              <a:spcAft>
-                <a:spcPts val="0"/>
-              </a:spcAft>
-              <a:buNone/>
-            </a:pPr>
-            <a:endParaRPr sz="500">
-              <a:solidFill>
-                <a:srgbClr val="525C65"/>
-              </a:solidFill>
-              <a:highlight>
-                <a:srgbClr val="FFFFFF"/>
-              </a:highlight>
-              <a:latin typeface="Open Sans"/>
-              <a:ea typeface="Open Sans"/>
-              <a:cs typeface="Open Sans"/>
-              <a:sym typeface="Open Sans"/>
-            </a:endParaRPr>
-          </a:p>
-          <a:p>
-            <a:pPr marL="0" lvl="0" indent="0" algn="l" rtl="0">
-              <a:lnSpc>
-                <a:spcPct val="170000"/>
-              </a:lnSpc>
-              <a:spcBef>
-                <a:spcPts val="1100"/>
-              </a:spcBef>
-              <a:spcAft>
-                <a:spcPts val="0"/>
-              </a:spcAft>
-              <a:buClr>
-                <a:schemeClr val="dk1"/>
-              </a:buClr>
-              <a:buSzPts val="1100"/>
-              <a:buFont typeface="Arial"/>
-              <a:buNone/>
-            </a:pPr>
-            <a:r>
-              <a:rPr lang="en" sz="1500">
-                <a:solidFill>
-                  <a:srgbClr val="525C65"/>
-                </a:solidFill>
-                <a:highlight>
-                  <a:srgbClr val="FFFFFF"/>
-                </a:highlight>
-                <a:latin typeface="Open Sans"/>
-                <a:ea typeface="Open Sans"/>
-                <a:cs typeface="Open Sans"/>
-                <a:sym typeface="Open Sans"/>
-              </a:rPr>
-              <a:t>You will submit a screenshot for each of the 3 ERDs you create. You will find detailed instructions for developing each of the ERDs over the next several pages.</a:t>
-            </a:r>
-            <a:endParaRPr sz="1500">
-              <a:solidFill>
-                <a:srgbClr val="525C65"/>
-              </a:solidFill>
-              <a:highlight>
-                <a:srgbClr val="FFFFFF"/>
-              </a:highlight>
-              <a:latin typeface="Open Sans"/>
-              <a:ea typeface="Open Sans"/>
-              <a:cs typeface="Open Sans"/>
-              <a:sym typeface="Open Sans"/>
-            </a:endParaRPr>
-          </a:p>
-          <a:p>
-            <a:pPr marL="0" lvl="0" indent="0" algn="l" rtl="0">
-              <a:spcBef>
-                <a:spcPts val="1100"/>
-              </a:spcBef>
-              <a:spcAft>
-                <a:spcPts val="1600"/>
-              </a:spcAft>
-              <a:buNone/>
-            </a:pPr>
-            <a:endParaRPr sz="2200"/>
-          </a:p>
-        </p:txBody>
-      </p:sp>
-    </p:spTree>
-  </p:cSld>
-  <p:clrMapOvr>
-    <a:masterClrMapping/>
-  </p:clrMapOvr>
-</p:sld>
-</file>
-
-<file path=ppt/slides/slide12.xml><?xml version="1.0" encoding="utf-8"?>
-<p:sld xmlns:a="http://schemas.openxmlformats.org/drawingml/2006/main" xmlns:r="http://schemas.openxmlformats.org/officeDocument/2006/relationships" xmlns:p="http://schemas.openxmlformats.org/presentationml/2006/main">
-  <p:cSld>
     <p:spTree>
       <p:nvGrpSpPr>
         <p:cNvPr id="1" name="Shape 247"/>
@@ -28678,7 +28192,7 @@
               <a:buChar char="●"/>
             </a:pPr>
             <a:r>
-              <a:rPr lang="en" sz="1900" b="1">
+              <a:rPr lang="en" sz="1900" b="1" dirty="0">
                 <a:latin typeface="Open Sans"/>
                 <a:ea typeface="Open Sans"/>
                 <a:cs typeface="Open Sans"/>
@@ -28686,7 +28200,7 @@
               </a:rPr>
               <a:t>Conceptual</a:t>
             </a:r>
-            <a:endParaRPr sz="1900" b="1">
+            <a:endParaRPr sz="1900" b="1" dirty="0">
               <a:latin typeface="Open Sans"/>
               <a:ea typeface="Open Sans"/>
               <a:cs typeface="Open Sans"/>
@@ -28707,7 +28221,7 @@
               <a:buNone/>
             </a:pPr>
             <a:r>
-              <a:rPr lang="en" sz="1200">
+              <a:rPr lang="en" sz="1200" dirty="0">
                 <a:solidFill>
                   <a:srgbClr val="525C65"/>
                 </a:solidFill>
@@ -28721,7 +28235,7 @@
               </a:rPr>
               <a:t>This is the most general level of data modeling. At the conceptual level, you should be thinking about creating entities that represent business objects for the database. Think broadly here. Attributes (or column names) are not required at this point, but relationship lines are required (although Crow's foot notation is not needed at this level). Create at least three entities for this model; thinking about the 3NF will aid you in deciding the type of entities to create.</a:t>
             </a:r>
-            <a:endParaRPr sz="1200">
+            <a:endParaRPr sz="1200" dirty="0">
               <a:solidFill>
                 <a:srgbClr val="525C65"/>
               </a:solidFill>
@@ -28748,7 +28262,7 @@
               <a:buNone/>
             </a:pPr>
             <a:r>
-              <a:rPr lang="en" sz="1200">
+              <a:rPr lang="en" sz="1200" dirty="0">
                 <a:solidFill>
                   <a:srgbClr val="525C65"/>
                 </a:solidFill>
@@ -28760,9 +28274,39 @@
                 <a:cs typeface="Open Sans"/>
                 <a:sym typeface="Open Sans"/>
               </a:rPr>
-              <a:t>Use Lucidchart’s built-in template for DBMS ER Diagram UML.</a:t>
+              <a:t>Use </a:t>
             </a:r>
-            <a:endParaRPr sz="1200">
+            <a:r>
+              <a:rPr lang="en" sz="1200" dirty="0" err="1">
+                <a:solidFill>
+                  <a:srgbClr val="525C65"/>
+                </a:solidFill>
+                <a:highlight>
+                  <a:srgbClr val="FFFFFF"/>
+                </a:highlight>
+                <a:latin typeface="Open Sans"/>
+                <a:ea typeface="Open Sans"/>
+                <a:cs typeface="Open Sans"/>
+                <a:sym typeface="Open Sans"/>
+              </a:rPr>
+              <a:t>Lucidchart’s</a:t>
+            </a:r>
+            <a:r>
+              <a:rPr lang="en" sz="1200" dirty="0">
+                <a:solidFill>
+                  <a:srgbClr val="525C65"/>
+                </a:solidFill>
+                <a:highlight>
+                  <a:srgbClr val="FFFFFF"/>
+                </a:highlight>
+                <a:latin typeface="Open Sans"/>
+                <a:ea typeface="Open Sans"/>
+                <a:cs typeface="Open Sans"/>
+                <a:sym typeface="Open Sans"/>
+              </a:rPr>
+              <a:t> built-in template for DBMS ER Diagram UML.</a:t>
+            </a:r>
+            <a:endParaRPr sz="1200" dirty="0">
               <a:solidFill>
                 <a:srgbClr val="525C65"/>
               </a:solidFill>
@@ -28788,7 +28332,7 @@
               </a:spcAft>
               <a:buNone/>
             </a:pPr>
-            <a:endParaRPr sz="1200">
+            <a:endParaRPr lang="en-US" sz="1200" dirty="0">
               <a:solidFill>
                 <a:srgbClr val="525C65"/>
               </a:solidFill>
@@ -28801,123 +28345,50 @@
               <a:sym typeface="Open Sans"/>
             </a:endParaRPr>
           </a:p>
-          <a:p>
-            <a:pPr marL="0" lvl="0" indent="0" algn="l" rtl="0">
-              <a:lnSpc>
-                <a:spcPct val="170000"/>
-              </a:lnSpc>
-              <a:spcBef>
-                <a:spcPts val="0"/>
-              </a:spcBef>
-              <a:spcAft>
-                <a:spcPts val="0"/>
-              </a:spcAft>
-              <a:buNone/>
-            </a:pPr>
-            <a:r>
-              <a:rPr lang="en" sz="1200">
-                <a:solidFill>
-                  <a:srgbClr val="FF0000"/>
-                </a:solidFill>
-                <a:highlight>
-                  <a:srgbClr val="FFFFFF"/>
-                </a:highlight>
-                <a:latin typeface="Open Sans"/>
-                <a:ea typeface="Open Sans"/>
-                <a:cs typeface="Open Sans"/>
-                <a:sym typeface="Open Sans"/>
-              </a:rPr>
-              <a:t>** Replace example screenshot below with your response</a:t>
-            </a:r>
-            <a:endParaRPr sz="1200">
-              <a:solidFill>
-                <a:srgbClr val="FF0000"/>
-              </a:solidFill>
-              <a:highlight>
-                <a:srgbClr val="FFFFFF"/>
-              </a:highlight>
-              <a:latin typeface="Open Sans"/>
-              <a:ea typeface="Open Sans"/>
-              <a:cs typeface="Open Sans"/>
-              <a:sym typeface="Open Sans"/>
-            </a:endParaRPr>
-          </a:p>
-          <a:p>
-            <a:pPr marL="0" lvl="0" indent="0" algn="l" rtl="0">
-              <a:lnSpc>
-                <a:spcPct val="170000"/>
-              </a:lnSpc>
-              <a:spcBef>
-                <a:spcPts val="0"/>
-              </a:spcBef>
-              <a:spcAft>
-                <a:spcPts val="0"/>
-              </a:spcAft>
-              <a:buNone/>
-            </a:pPr>
-            <a:endParaRPr sz="1200">
-              <a:solidFill>
-                <a:srgbClr val="525C65"/>
-              </a:solidFill>
-              <a:highlight>
-                <a:srgbClr val="FFFFFF"/>
-              </a:highlight>
-              <a:latin typeface="Open Sans"/>
-              <a:ea typeface="Open Sans"/>
-              <a:cs typeface="Open Sans"/>
-              <a:sym typeface="Open Sans"/>
-            </a:endParaRPr>
-          </a:p>
-          <a:p>
-            <a:pPr marL="457200" lvl="0" indent="0" algn="l" rtl="0">
-              <a:spcBef>
-                <a:spcPts val="0"/>
-              </a:spcBef>
-              <a:spcAft>
-                <a:spcPts val="1600"/>
-              </a:spcAft>
-              <a:buClr>
-                <a:schemeClr val="dk1"/>
-              </a:buClr>
-              <a:buSzPts val="1100"/>
-              <a:buFont typeface="Arial"/>
-              <a:buNone/>
-            </a:pPr>
-            <a:endParaRPr sz="1900"/>
-          </a:p>
         </p:txBody>
       </p:sp>
       <p:pic>
         <p:nvPicPr>
-          <p:cNvPr id="250" name="Google Shape;250;p62"/>
-          <p:cNvPicPr preferRelativeResize="0"/>
+          <p:cNvPr id="1030" name="Picture 6">
+            <a:extLst>
+              <a:ext uri="{FF2B5EF4-FFF2-40B4-BE49-F238E27FC236}">
+                <a16:creationId xmlns:a16="http://schemas.microsoft.com/office/drawing/2014/main" id="{D248BFED-1491-BB46-9843-2C46448F1C32}"/>
+              </a:ext>
+            </a:extLst>
+          </p:cNvPr>
+          <p:cNvPicPr>
+            <a:picLocks noChangeAspect="1" noChangeArrowheads="1"/>
+          </p:cNvPicPr>
           <p:nvPr/>
         </p:nvPicPr>
         <p:blipFill>
           <a:blip r:embed="rId3">
-            <a:alphaModFix/>
+            <a:extLst>
+              <a:ext uri="{28A0092B-C50C-407E-A947-70E740481C1C}">
+                <a14:useLocalDpi xmlns:a14="http://schemas.microsoft.com/office/drawing/2010/main" val="0"/>
+              </a:ext>
+            </a:extLst>
           </a:blip>
+          <a:srcRect/>
           <a:stretch>
             <a:fillRect/>
           </a:stretch>
         </p:blipFill>
-        <p:spPr>
+        <p:spPr bwMode="auto">
           <a:xfrm>
-            <a:off x="755850" y="5786403"/>
-            <a:ext cx="6085425" cy="2570274"/>
+            <a:off x="546100" y="5029200"/>
+            <a:ext cx="6819900" cy="4158929"/>
           </a:xfrm>
           <a:prstGeom prst="rect">
             <a:avLst/>
           </a:prstGeom>
-          <a:noFill/>
-          <a:ln w="9525" cap="flat" cmpd="sng">
+          <a:solidFill>
+            <a:schemeClr val="accent1"/>
+          </a:solidFill>
+          <a:ln>
             <a:solidFill>
-              <a:schemeClr val="dk2"/>
+              <a:schemeClr val="accent1"/>
             </a:solidFill>
-            <a:prstDash val="solid"/>
-            <a:round/>
-            <a:headEnd type="none" w="sm" len="sm"/>
-            <a:tailEnd type="none" w="sm" len="sm"/>
           </a:ln>
         </p:spPr>
       </p:pic>
@@ -28929,7 +28400,2214 @@
 </p:sld>
 </file>
 
-<file path=ppt/slides/slide13.xml><?xml version="1.0" encoding="utf-8"?>
+<file path=ppt/slides/slide11.xml><?xml version="1.0" encoding="utf-8"?>
+<p:sld xmlns:a="http://schemas.openxmlformats.org/drawingml/2006/main" xmlns:r="http://schemas.openxmlformats.org/officeDocument/2006/relationships" xmlns:p="http://schemas.openxmlformats.org/presentationml/2006/main">
+  <p:cSld>
+    <p:spTree>
+      <p:nvGrpSpPr>
+        <p:cNvPr id="1" name="Shape 254"/>
+        <p:cNvGrpSpPr/>
+        <p:nvPr/>
+      </p:nvGrpSpPr>
+      <p:grpSpPr>
+        <a:xfrm>
+          <a:off x="0" y="0"/>
+          <a:ext cx="0" cy="0"/>
+          <a:chOff x="0" y="0"/>
+          <a:chExt cx="0" cy="0"/>
+        </a:xfrm>
+      </p:grpSpPr>
+      <p:sp>
+        <p:nvSpPr>
+          <p:cNvPr id="255" name="Google Shape;255;p63"/>
+          <p:cNvSpPr txBox="1">
+            <a:spLocks noGrp="1"/>
+          </p:cNvSpPr>
+          <p:nvPr>
+            <p:ph type="title"/>
+          </p:nvPr>
+        </p:nvSpPr>
+        <p:spPr>
+          <a:xfrm>
+            <a:off x="264945" y="489271"/>
+            <a:ext cx="7242600" cy="1119900"/>
+          </a:xfrm>
+          <a:prstGeom prst="rect">
+            <a:avLst/>
+          </a:prstGeom>
+        </p:spPr>
+        <p:txBody>
+          <a:bodyPr spcFirstLastPara="1" wrap="square" lIns="91425" tIns="91425" rIns="91425" bIns="91425" anchor="ctr" anchorCtr="0">
+            <a:noAutofit/>
+          </a:bodyPr>
+          <a:lstStyle/>
+          <a:p>
+            <a:pPr marL="0" lvl="0" indent="0" algn="l" rtl="0">
+              <a:spcBef>
+                <a:spcPts val="0"/>
+              </a:spcBef>
+              <a:spcAft>
+                <a:spcPts val="0"/>
+              </a:spcAft>
+              <a:buNone/>
+            </a:pPr>
+            <a:r>
+              <a:rPr lang="en" dirty="0"/>
+              <a:t>ERD</a:t>
+            </a:r>
+            <a:endParaRPr dirty="0"/>
+          </a:p>
+        </p:txBody>
+      </p:sp>
+      <p:sp>
+        <p:nvSpPr>
+          <p:cNvPr id="256" name="Google Shape;256;p63"/>
+          <p:cNvSpPr txBox="1">
+            <a:spLocks noGrp="1"/>
+          </p:cNvSpPr>
+          <p:nvPr>
+            <p:ph type="body" idx="1"/>
+          </p:nvPr>
+        </p:nvSpPr>
+        <p:spPr>
+          <a:xfrm>
+            <a:off x="264855" y="1339324"/>
+            <a:ext cx="7242600" cy="8630176"/>
+          </a:xfrm>
+          <a:prstGeom prst="rect">
+            <a:avLst/>
+          </a:prstGeom>
+        </p:spPr>
+        <p:txBody>
+          <a:bodyPr spcFirstLastPara="1" wrap="square" lIns="91425" tIns="91425" rIns="91425" bIns="91425" anchor="t" anchorCtr="0">
+            <a:noAutofit/>
+          </a:bodyPr>
+          <a:lstStyle/>
+          <a:p>
+            <a:pPr marL="457200" lvl="0" indent="-349250" algn="l" rtl="0">
+              <a:spcBef>
+                <a:spcPts val="0"/>
+              </a:spcBef>
+              <a:spcAft>
+                <a:spcPts val="0"/>
+              </a:spcAft>
+              <a:buSzPts val="1900"/>
+              <a:buFont typeface="Open Sans"/>
+              <a:buChar char="●"/>
+            </a:pPr>
+            <a:r>
+              <a:rPr lang="en" sz="1900" b="1" dirty="0">
+                <a:latin typeface="Open Sans"/>
+                <a:ea typeface="Open Sans"/>
+                <a:cs typeface="Open Sans"/>
+                <a:sym typeface="Open Sans"/>
+              </a:rPr>
+              <a:t>Logical</a:t>
+            </a:r>
+            <a:endParaRPr sz="1900" b="1" dirty="0">
+              <a:latin typeface="Open Sans"/>
+              <a:ea typeface="Open Sans"/>
+              <a:cs typeface="Open Sans"/>
+              <a:sym typeface="Open Sans"/>
+            </a:endParaRPr>
+          </a:p>
+          <a:p>
+            <a:pPr marL="0" lvl="0" indent="0" algn="l" rtl="0">
+              <a:lnSpc>
+                <a:spcPct val="170000"/>
+              </a:lnSpc>
+              <a:spcBef>
+                <a:spcPts val="500"/>
+              </a:spcBef>
+              <a:spcAft>
+                <a:spcPts val="0"/>
+              </a:spcAft>
+              <a:buNone/>
+            </a:pPr>
+            <a:r>
+              <a:rPr lang="en" sz="1400" dirty="0">
+                <a:solidFill>
+                  <a:srgbClr val="525C65"/>
+                </a:solidFill>
+                <a:highlight>
+                  <a:srgbClr val="FFFFFF"/>
+                </a:highlight>
+                <a:latin typeface="Open Sans" panose="020B0606030504020204" pitchFamily="34" charset="0"/>
+                <a:ea typeface="Open Sans" panose="020B0606030504020204" pitchFamily="34" charset="0"/>
+                <a:cs typeface="Open Sans" panose="020B0606030504020204" pitchFamily="34" charset="0"/>
+                <a:sym typeface="Open Sans"/>
+              </a:rPr>
+              <a:t>The logical model is the next level of refinement from the conceptual ERD. At this point, you should have normalized the data to the 3NF. Attributes should also be listed now in the ERD. You can still use human-friendly entity and attribute names in the logical model, and while relationship lines are required, Crow's foot notation is still not needed at this point.</a:t>
+            </a:r>
+            <a:endParaRPr sz="1400" dirty="0">
+              <a:solidFill>
+                <a:srgbClr val="525C65"/>
+              </a:solidFill>
+              <a:highlight>
+                <a:srgbClr val="FFFFFF"/>
+              </a:highlight>
+              <a:latin typeface="Open Sans" panose="020B0606030504020204" pitchFamily="34" charset="0"/>
+              <a:ea typeface="Open Sans" panose="020B0606030504020204" pitchFamily="34" charset="0"/>
+              <a:cs typeface="Open Sans" panose="020B0606030504020204" pitchFamily="34" charset="0"/>
+              <a:sym typeface="Open Sans"/>
+            </a:endParaRPr>
+          </a:p>
+          <a:p>
+            <a:pPr marL="0" lvl="0" indent="0" algn="l" rtl="0">
+              <a:lnSpc>
+                <a:spcPct val="170000"/>
+              </a:lnSpc>
+              <a:spcAft>
+                <a:spcPts val="0"/>
+              </a:spcAft>
+              <a:buNone/>
+            </a:pPr>
+            <a:r>
+              <a:rPr lang="en" sz="1400" dirty="0">
+                <a:solidFill>
+                  <a:srgbClr val="525C65"/>
+                </a:solidFill>
+                <a:highlight>
+                  <a:srgbClr val="FFFFFF"/>
+                </a:highlight>
+                <a:latin typeface="Open Sans" panose="020B0606030504020204" pitchFamily="34" charset="0"/>
+                <a:ea typeface="Open Sans" panose="020B0606030504020204" pitchFamily="34" charset="0"/>
+                <a:cs typeface="Open Sans" panose="020B0606030504020204" pitchFamily="34" charset="0"/>
+                <a:sym typeface="Open Sans"/>
+              </a:rPr>
+              <a:t>Use </a:t>
+            </a:r>
+            <a:r>
+              <a:rPr lang="en" sz="1400" dirty="0" err="1">
+                <a:solidFill>
+                  <a:srgbClr val="525C65"/>
+                </a:solidFill>
+                <a:highlight>
+                  <a:srgbClr val="FFFFFF"/>
+                </a:highlight>
+                <a:latin typeface="Open Sans" panose="020B0606030504020204" pitchFamily="34" charset="0"/>
+                <a:ea typeface="Open Sans" panose="020B0606030504020204" pitchFamily="34" charset="0"/>
+                <a:cs typeface="Open Sans" panose="020B0606030504020204" pitchFamily="34" charset="0"/>
+                <a:sym typeface="Open Sans"/>
+              </a:rPr>
+              <a:t>Lucidchart’s</a:t>
+            </a:r>
+            <a:r>
+              <a:rPr lang="en" sz="1400" dirty="0">
+                <a:solidFill>
+                  <a:srgbClr val="525C65"/>
+                </a:solidFill>
+                <a:highlight>
+                  <a:srgbClr val="FFFFFF"/>
+                </a:highlight>
+                <a:latin typeface="Open Sans" panose="020B0606030504020204" pitchFamily="34" charset="0"/>
+                <a:ea typeface="Open Sans" panose="020B0606030504020204" pitchFamily="34" charset="0"/>
+                <a:cs typeface="Open Sans" panose="020B0606030504020204" pitchFamily="34" charset="0"/>
+                <a:sym typeface="Open Sans"/>
+              </a:rPr>
+              <a:t> built-in template for DBMS ER Diagram UML.</a:t>
+            </a:r>
+            <a:endParaRPr lang="en" sz="1400" dirty="0">
+              <a:solidFill>
+                <a:srgbClr val="525C65"/>
+              </a:solidFill>
+              <a:highlight>
+                <a:schemeClr val="lt1"/>
+              </a:highlight>
+              <a:latin typeface="Open Sans" panose="020B0606030504020204" pitchFamily="34" charset="0"/>
+              <a:ea typeface="Open Sans" panose="020B0606030504020204" pitchFamily="34" charset="0"/>
+              <a:cs typeface="Open Sans" panose="020B0606030504020204" pitchFamily="34" charset="0"/>
+              <a:sym typeface="Open Sans"/>
+            </a:endParaRPr>
+          </a:p>
+          <a:p>
+            <a:pPr marL="0" lvl="0" indent="0" algn="l" rtl="0">
+              <a:lnSpc>
+                <a:spcPct val="170000"/>
+              </a:lnSpc>
+              <a:spcAft>
+                <a:spcPts val="0"/>
+              </a:spcAft>
+              <a:buNone/>
+            </a:pPr>
+            <a:r>
+              <a:rPr lang="en-US" sz="1400" b="1" u="sng" dirty="0">
+                <a:latin typeface="Open Sans" panose="020B0606030504020204" pitchFamily="34" charset="0"/>
+                <a:ea typeface="Open Sans" panose="020B0606030504020204" pitchFamily="34" charset="0"/>
+                <a:cs typeface="Open Sans" panose="020B0606030504020204" pitchFamily="34" charset="0"/>
+              </a:rPr>
+              <a:t>Rationale for primary key in Employee History table. </a:t>
+            </a:r>
+          </a:p>
+          <a:p>
+            <a:pPr marL="457200" lvl="0" indent="0" algn="l" rtl="0">
+              <a:spcBef>
+                <a:spcPts val="0"/>
+              </a:spcBef>
+              <a:spcAft>
+                <a:spcPts val="0"/>
+              </a:spcAft>
+              <a:buNone/>
+            </a:pPr>
+            <a:endParaRPr lang="en-US" sz="1900" dirty="0"/>
+          </a:p>
+          <a:p>
+            <a:pPr marL="0" lvl="0" indent="0" algn="l" rtl="0">
+              <a:spcBef>
+                <a:spcPts val="1600"/>
+              </a:spcBef>
+              <a:spcAft>
+                <a:spcPts val="0"/>
+              </a:spcAft>
+              <a:buNone/>
+            </a:pPr>
+            <a:endParaRPr lang="en-US" sz="1900" dirty="0"/>
+          </a:p>
+          <a:p>
+            <a:pPr marL="0" lvl="0" indent="0" algn="l" rtl="0">
+              <a:spcBef>
+                <a:spcPts val="1600"/>
+              </a:spcBef>
+              <a:spcAft>
+                <a:spcPts val="0"/>
+              </a:spcAft>
+              <a:buNone/>
+            </a:pPr>
+            <a:endParaRPr lang="en-US" sz="1900" dirty="0"/>
+          </a:p>
+          <a:p>
+            <a:pPr marL="0" lvl="0" indent="0" algn="l" rtl="0">
+              <a:spcBef>
+                <a:spcPts val="1600"/>
+              </a:spcBef>
+              <a:spcAft>
+                <a:spcPts val="0"/>
+              </a:spcAft>
+              <a:buNone/>
+            </a:pPr>
+            <a:endParaRPr lang="en-US" sz="1900" dirty="0"/>
+          </a:p>
+          <a:p>
+            <a:pPr marL="0" lvl="0" indent="0" algn="l" rtl="0">
+              <a:spcBef>
+                <a:spcPts val="1600"/>
+              </a:spcBef>
+              <a:spcAft>
+                <a:spcPts val="0"/>
+              </a:spcAft>
+              <a:buNone/>
+            </a:pPr>
+            <a:endParaRPr lang="en-US" sz="1900" dirty="0"/>
+          </a:p>
+          <a:p>
+            <a:pPr marL="0" lvl="0" indent="0" algn="l" rtl="0">
+              <a:spcBef>
+                <a:spcPts val="1600"/>
+              </a:spcBef>
+              <a:spcAft>
+                <a:spcPts val="0"/>
+              </a:spcAft>
+              <a:buNone/>
+            </a:pPr>
+            <a:endParaRPr sz="1900" dirty="0"/>
+          </a:p>
+          <a:p>
+            <a:pPr marL="0" lvl="0" indent="0" algn="l" rtl="0">
+              <a:spcBef>
+                <a:spcPts val="1600"/>
+              </a:spcBef>
+              <a:spcAft>
+                <a:spcPts val="0"/>
+              </a:spcAft>
+              <a:buNone/>
+            </a:pPr>
+            <a:endParaRPr sz="1900" dirty="0"/>
+          </a:p>
+          <a:p>
+            <a:pPr marL="0" lvl="0" indent="0">
+              <a:lnSpc>
+                <a:spcPct val="150000"/>
+              </a:lnSpc>
+              <a:buNone/>
+            </a:pPr>
+            <a:endParaRPr lang="en-US" sz="1200" dirty="0">
+              <a:solidFill>
+                <a:srgbClr val="525C65"/>
+              </a:solidFill>
+              <a:highlight>
+                <a:srgbClr val="FFFFFF"/>
+              </a:highlight>
+              <a:latin typeface="Open Sans"/>
+              <a:ea typeface="Open Sans"/>
+              <a:cs typeface="Open Sans"/>
+            </a:endParaRPr>
+          </a:p>
+          <a:p>
+            <a:pPr marL="0" lvl="0" indent="0">
+              <a:lnSpc>
+                <a:spcPct val="150000"/>
+              </a:lnSpc>
+              <a:buNone/>
+            </a:pPr>
+            <a:endParaRPr lang="en-US" sz="1200" dirty="0">
+              <a:solidFill>
+                <a:srgbClr val="525C65"/>
+              </a:solidFill>
+              <a:highlight>
+                <a:srgbClr val="FFFFFF"/>
+              </a:highlight>
+              <a:latin typeface="Open Sans"/>
+              <a:ea typeface="Open Sans"/>
+              <a:cs typeface="Open Sans"/>
+            </a:endParaRPr>
+          </a:p>
+          <a:p>
+            <a:pPr marL="0" lvl="0" indent="0">
+              <a:lnSpc>
+                <a:spcPct val="150000"/>
+              </a:lnSpc>
+              <a:buNone/>
+            </a:pPr>
+            <a:r>
+              <a:rPr lang="en-US" sz="1200" dirty="0">
+                <a:solidFill>
+                  <a:srgbClr val="525C65"/>
+                </a:solidFill>
+                <a:highlight>
+                  <a:srgbClr val="FFFFFF"/>
+                </a:highlight>
+                <a:latin typeface="Open Sans"/>
+                <a:ea typeface="Open Sans"/>
+                <a:cs typeface="Open Sans"/>
+              </a:rPr>
+              <a:t>1. So, primary key for this table is combination of </a:t>
+            </a:r>
+            <a:r>
+              <a:rPr lang="en-US" sz="1200" dirty="0">
+                <a:solidFill>
+                  <a:srgbClr val="525C65"/>
+                </a:solidFill>
+                <a:latin typeface="Open Sans"/>
+                <a:ea typeface="Open Sans"/>
+                <a:cs typeface="Open Sans"/>
+              </a:rPr>
+              <a:t>Employee ID, Job Title, Address ID, Manager ID, Department ID, Salary ID attributes. </a:t>
+            </a:r>
+          </a:p>
+          <a:p>
+            <a:pPr marL="0" lvl="0" indent="0">
+              <a:lnSpc>
+                <a:spcPct val="150000"/>
+              </a:lnSpc>
+              <a:buNone/>
+            </a:pPr>
+            <a:r>
+              <a:rPr lang="en-US" sz="1200" dirty="0">
+                <a:solidFill>
+                  <a:srgbClr val="525C65"/>
+                </a:solidFill>
+                <a:latin typeface="Open Sans"/>
+                <a:ea typeface="Open Sans"/>
+                <a:cs typeface="Open Sans"/>
+              </a:rPr>
+              <a:t>2. Alternate key – We could have chosen a combination of Employee ID and Start Date also as a “Primary Key”, if there is a new start populated whenever there is a change in Department, Job title, Address, Manager and Salary. </a:t>
+            </a:r>
+            <a:endParaRPr lang="en-US" sz="1200" dirty="0">
+              <a:solidFill>
+                <a:srgbClr val="525C65"/>
+              </a:solidFill>
+              <a:highlight>
+                <a:srgbClr val="FFFFFF"/>
+              </a:highlight>
+              <a:latin typeface="Open Sans"/>
+              <a:ea typeface="Open Sans"/>
+              <a:cs typeface="Open Sans"/>
+            </a:endParaRPr>
+          </a:p>
+          <a:p>
+            <a:pPr marL="0" lvl="0" indent="0" algn="l" rtl="0">
+              <a:spcBef>
+                <a:spcPts val="1600"/>
+              </a:spcBef>
+              <a:spcAft>
+                <a:spcPts val="1600"/>
+              </a:spcAft>
+              <a:buNone/>
+            </a:pPr>
+            <a:endParaRPr sz="1900" dirty="0"/>
+          </a:p>
+        </p:txBody>
+      </p:sp>
+      <p:graphicFrame>
+        <p:nvGraphicFramePr>
+          <p:cNvPr id="6" name="Table 5">
+            <a:extLst>
+              <a:ext uri="{FF2B5EF4-FFF2-40B4-BE49-F238E27FC236}">
+                <a16:creationId xmlns:a16="http://schemas.microsoft.com/office/drawing/2014/main" id="{5ADB25AF-7302-8043-AC27-8D52221DB3A0}"/>
+              </a:ext>
+            </a:extLst>
+          </p:cNvPr>
+          <p:cNvGraphicFramePr>
+            <a:graphicFrameLocks noGrp="1"/>
+          </p:cNvGraphicFramePr>
+          <p:nvPr>
+            <p:extLst>
+              <p:ext uri="{D42A27DB-BD31-4B8C-83A1-F6EECF244321}">
+                <p14:modId xmlns:p14="http://schemas.microsoft.com/office/powerpoint/2010/main" val="856448958"/>
+              </p:ext>
+            </p:extLst>
+          </p:nvPr>
+        </p:nvGraphicFramePr>
+        <p:xfrm>
+          <a:off x="265280" y="4419600"/>
+          <a:ext cx="7242175" cy="4009881"/>
+        </p:xfrm>
+        <a:graphic>
+          <a:graphicData uri="http://schemas.openxmlformats.org/drawingml/2006/table">
+            <a:tbl>
+              <a:tblPr/>
+              <a:tblGrid>
+                <a:gridCol w="357233">
+                  <a:extLst>
+                    <a:ext uri="{9D8B030D-6E8A-4147-A177-3AD203B41FA5}">
+                      <a16:colId xmlns:a16="http://schemas.microsoft.com/office/drawing/2014/main" val="3079068522"/>
+                    </a:ext>
+                  </a:extLst>
+                </a:gridCol>
+                <a:gridCol w="4699000">
+                  <a:extLst>
+                    <a:ext uri="{9D8B030D-6E8A-4147-A177-3AD203B41FA5}">
+                      <a16:colId xmlns:a16="http://schemas.microsoft.com/office/drawing/2014/main" val="1032043424"/>
+                    </a:ext>
+                  </a:extLst>
+                </a:gridCol>
+                <a:gridCol w="901487">
+                  <a:extLst>
+                    <a:ext uri="{9D8B030D-6E8A-4147-A177-3AD203B41FA5}">
+                      <a16:colId xmlns:a16="http://schemas.microsoft.com/office/drawing/2014/main" val="907581887"/>
+                    </a:ext>
+                  </a:extLst>
+                </a:gridCol>
+                <a:gridCol w="1284455">
+                  <a:extLst>
+                    <a:ext uri="{9D8B030D-6E8A-4147-A177-3AD203B41FA5}">
+                      <a16:colId xmlns:a16="http://schemas.microsoft.com/office/drawing/2014/main" val="3626420216"/>
+                    </a:ext>
+                  </a:extLst>
+                </a:gridCol>
+              </a:tblGrid>
+              <a:tr h="365032">
+                <a:tc>
+                  <a:txBody>
+                    <a:bodyPr/>
+                    <a:lstStyle/>
+                    <a:p>
+                      <a:pPr algn="ctr" fontAlgn="b"/>
+                      <a:r>
+                        <a:rPr lang="en-US" sz="1200" b="1" i="0" u="none" strike="noStrike" dirty="0">
+                          <a:solidFill>
+                            <a:schemeClr val="tx1"/>
+                          </a:solidFill>
+                          <a:effectLst/>
+                          <a:latin typeface="Calibri" panose="020F0502020204030204" pitchFamily="34" charset="0"/>
+                        </a:rPr>
+                        <a:t>S No</a:t>
+                      </a:r>
+                    </a:p>
+                  </a:txBody>
+                  <a:tcPr marL="5394" marR="5394" marT="5394" marB="0" anchor="b">
+                    <a:lnL w="12700" cap="flat" cmpd="sng" algn="ctr">
+                      <a:solidFill>
+                        <a:schemeClr val="tx1"/>
+                      </a:solidFill>
+                      <a:prstDash val="solid"/>
+                      <a:round/>
+                      <a:headEnd type="none" w="med" len="med"/>
+                      <a:tailEnd type="none" w="med" len="med"/>
+                    </a:lnL>
+                    <a:lnR w="12700" cap="flat" cmpd="sng" algn="ctr">
+                      <a:solidFill>
+                        <a:schemeClr val="tx1"/>
+                      </a:solidFill>
+                      <a:prstDash val="solid"/>
+                      <a:round/>
+                      <a:headEnd type="none" w="med" len="med"/>
+                      <a:tailEnd type="none" w="med" len="med"/>
+                    </a:lnR>
+                    <a:lnT w="12700" cap="flat" cmpd="sng" algn="ctr">
+                      <a:solidFill>
+                        <a:schemeClr val="tx1"/>
+                      </a:solidFill>
+                      <a:prstDash val="solid"/>
+                      <a:round/>
+                      <a:headEnd type="none" w="med" len="med"/>
+                      <a:tailEnd type="none" w="med" len="med"/>
+                    </a:lnT>
+                    <a:lnB w="12700" cap="flat" cmpd="sng" algn="ctr">
+                      <a:solidFill>
+                        <a:schemeClr val="tx1"/>
+                      </a:solidFill>
+                      <a:prstDash val="solid"/>
+                      <a:round/>
+                      <a:headEnd type="none" w="med" len="med"/>
+                      <a:tailEnd type="none" w="med" len="med"/>
+                    </a:lnB>
+                    <a:solidFill>
+                      <a:schemeClr val="lt1"/>
+                    </a:solidFill>
+                  </a:tcPr>
+                </a:tc>
+                <a:tc>
+                  <a:txBody>
+                    <a:bodyPr/>
+                    <a:lstStyle/>
+                    <a:p>
+                      <a:pPr algn="ctr" fontAlgn="b"/>
+                      <a:r>
+                        <a:rPr lang="en-US" sz="1200" b="1" i="0" u="none" strike="noStrike" dirty="0">
+                          <a:solidFill>
+                            <a:schemeClr val="tx1"/>
+                          </a:solidFill>
+                          <a:effectLst/>
+                          <a:latin typeface="Calibri" panose="020F0502020204030204" pitchFamily="34" charset="0"/>
+                        </a:rPr>
+                        <a:t>Assumptions</a:t>
+                      </a:r>
+                    </a:p>
+                  </a:txBody>
+                  <a:tcPr marL="5394" marR="5394" marT="5394" marB="0" anchor="b">
+                    <a:lnL w="12700" cap="flat" cmpd="sng" algn="ctr">
+                      <a:solidFill>
+                        <a:schemeClr val="tx1"/>
+                      </a:solidFill>
+                      <a:prstDash val="solid"/>
+                      <a:round/>
+                      <a:headEnd type="none" w="med" len="med"/>
+                      <a:tailEnd type="none" w="med" len="med"/>
+                    </a:lnL>
+                    <a:lnR w="12700" cap="flat" cmpd="sng" algn="ctr">
+                      <a:solidFill>
+                        <a:schemeClr val="tx1"/>
+                      </a:solidFill>
+                      <a:prstDash val="solid"/>
+                      <a:round/>
+                      <a:headEnd type="none" w="med" len="med"/>
+                      <a:tailEnd type="none" w="med" len="med"/>
+                    </a:lnR>
+                    <a:lnT w="12700" cap="flat" cmpd="sng" algn="ctr">
+                      <a:solidFill>
+                        <a:schemeClr val="tx1"/>
+                      </a:solidFill>
+                      <a:prstDash val="solid"/>
+                      <a:round/>
+                      <a:headEnd type="none" w="med" len="med"/>
+                      <a:tailEnd type="none" w="med" len="med"/>
+                    </a:lnT>
+                    <a:lnB w="12700" cap="flat" cmpd="sng" algn="ctr">
+                      <a:solidFill>
+                        <a:schemeClr val="tx1"/>
+                      </a:solidFill>
+                      <a:prstDash val="solid"/>
+                      <a:round/>
+                      <a:headEnd type="none" w="med" len="med"/>
+                      <a:tailEnd type="none" w="med" len="med"/>
+                    </a:lnB>
+                    <a:solidFill>
+                      <a:schemeClr val="lt1"/>
+                    </a:solidFill>
+                  </a:tcPr>
+                </a:tc>
+                <a:tc>
+                  <a:txBody>
+                    <a:bodyPr/>
+                    <a:lstStyle/>
+                    <a:p>
+                      <a:pPr algn="ctr" fontAlgn="b"/>
+                      <a:r>
+                        <a:rPr lang="en-US" sz="1200" b="1" i="0" u="none" strike="noStrike" dirty="0">
+                          <a:solidFill>
+                            <a:schemeClr val="tx1"/>
+                          </a:solidFill>
+                          <a:effectLst/>
+                          <a:latin typeface="Calibri" panose="020F0502020204030204" pitchFamily="34" charset="0"/>
+                        </a:rPr>
+                        <a:t>Case</a:t>
+                      </a:r>
+                    </a:p>
+                  </a:txBody>
+                  <a:tcPr marL="5394" marR="5394" marT="5394" marB="0" anchor="b">
+                    <a:lnL w="12700" cap="flat" cmpd="sng" algn="ctr">
+                      <a:solidFill>
+                        <a:schemeClr val="tx1"/>
+                      </a:solidFill>
+                      <a:prstDash val="solid"/>
+                      <a:round/>
+                      <a:headEnd type="none" w="med" len="med"/>
+                      <a:tailEnd type="none" w="med" len="med"/>
+                    </a:lnL>
+                    <a:lnR w="12700" cap="flat" cmpd="sng" algn="ctr">
+                      <a:solidFill>
+                        <a:schemeClr val="tx1"/>
+                      </a:solidFill>
+                      <a:prstDash val="solid"/>
+                      <a:round/>
+                      <a:headEnd type="none" w="med" len="med"/>
+                      <a:tailEnd type="none" w="med" len="med"/>
+                    </a:lnR>
+                    <a:lnT w="12700" cap="flat" cmpd="sng" algn="ctr">
+                      <a:solidFill>
+                        <a:schemeClr val="tx1"/>
+                      </a:solidFill>
+                      <a:prstDash val="solid"/>
+                      <a:round/>
+                      <a:headEnd type="none" w="med" len="med"/>
+                      <a:tailEnd type="none" w="med" len="med"/>
+                    </a:lnT>
+                    <a:lnB w="12700" cap="flat" cmpd="sng" algn="ctr">
+                      <a:solidFill>
+                        <a:schemeClr val="tx1"/>
+                      </a:solidFill>
+                      <a:prstDash val="solid"/>
+                      <a:round/>
+                      <a:headEnd type="none" w="med" len="med"/>
+                      <a:tailEnd type="none" w="med" len="med"/>
+                    </a:lnB>
+                    <a:solidFill>
+                      <a:schemeClr val="lt1"/>
+                    </a:solidFill>
+                  </a:tcPr>
+                </a:tc>
+                <a:tc>
+                  <a:txBody>
+                    <a:bodyPr/>
+                    <a:lstStyle/>
+                    <a:p>
+                      <a:pPr algn="ctr" fontAlgn="b"/>
+                      <a:r>
+                        <a:rPr lang="en-US" sz="1200" b="1" i="0" u="none" strike="noStrike" dirty="0">
+                          <a:solidFill>
+                            <a:schemeClr val="tx1"/>
+                          </a:solidFill>
+                          <a:effectLst/>
+                          <a:latin typeface="Calibri" panose="020F0502020204030204" pitchFamily="34" charset="0"/>
+                        </a:rPr>
+                        <a:t>Employee Hist Primary Key</a:t>
+                      </a:r>
+                    </a:p>
+                  </a:txBody>
+                  <a:tcPr marL="5394" marR="5394" marT="5394" marB="0" anchor="b">
+                    <a:lnL w="12700" cap="flat" cmpd="sng" algn="ctr">
+                      <a:solidFill>
+                        <a:schemeClr val="tx1"/>
+                      </a:solidFill>
+                      <a:prstDash val="solid"/>
+                      <a:round/>
+                      <a:headEnd type="none" w="med" len="med"/>
+                      <a:tailEnd type="none" w="med" len="med"/>
+                    </a:lnL>
+                    <a:lnR w="12700" cap="flat" cmpd="sng" algn="ctr">
+                      <a:solidFill>
+                        <a:schemeClr val="tx1"/>
+                      </a:solidFill>
+                      <a:prstDash val="solid"/>
+                      <a:round/>
+                      <a:headEnd type="none" w="med" len="med"/>
+                      <a:tailEnd type="none" w="med" len="med"/>
+                    </a:lnR>
+                    <a:lnT w="12700" cap="flat" cmpd="sng" algn="ctr">
+                      <a:solidFill>
+                        <a:schemeClr val="tx1"/>
+                      </a:solidFill>
+                      <a:prstDash val="solid"/>
+                      <a:round/>
+                      <a:headEnd type="none" w="med" len="med"/>
+                      <a:tailEnd type="none" w="med" len="med"/>
+                    </a:lnT>
+                    <a:lnB w="12700" cap="flat" cmpd="sng" algn="ctr">
+                      <a:solidFill>
+                        <a:schemeClr val="tx1"/>
+                      </a:solidFill>
+                      <a:prstDash val="solid"/>
+                      <a:round/>
+                      <a:headEnd type="none" w="med" len="med"/>
+                      <a:tailEnd type="none" w="med" len="med"/>
+                    </a:lnB>
+                    <a:solidFill>
+                      <a:schemeClr val="lt1"/>
+                    </a:solidFill>
+                  </a:tcPr>
+                </a:tc>
+                <a:extLst>
+                  <a:ext uri="{0D108BD9-81ED-4DB2-BD59-A6C34878D82A}">
+                    <a16:rowId xmlns:a16="http://schemas.microsoft.com/office/drawing/2014/main" val="2949236405"/>
+                  </a:ext>
+                </a:extLst>
+              </a:tr>
+              <a:tr h="1006376">
+                <a:tc>
+                  <a:txBody>
+                    <a:bodyPr/>
+                    <a:lstStyle/>
+                    <a:p>
+                      <a:pPr algn="ctr" fontAlgn="b"/>
+                      <a:r>
+                        <a:rPr lang="en-US" sz="1000" b="0" i="0" u="none" strike="noStrike" cap="none" dirty="0">
+                          <a:solidFill>
+                            <a:schemeClr val="tx1"/>
+                          </a:solidFill>
+                          <a:highlight>
+                            <a:srgbClr val="FFFFFF"/>
+                          </a:highlight>
+                          <a:latin typeface="Open Sans"/>
+                          <a:ea typeface="Open Sans"/>
+                          <a:cs typeface="Open Sans"/>
+                          <a:sym typeface="Open Sans Light"/>
+                        </a:rPr>
+                        <a:t>1</a:t>
+                      </a:r>
+                    </a:p>
+                  </a:txBody>
+                  <a:tcPr marL="5394" marR="5394" marT="5394" marB="0" anchor="ctr">
+                    <a:lnL w="12700" cap="flat" cmpd="sng" algn="ctr">
+                      <a:solidFill>
+                        <a:schemeClr val="tx1"/>
+                      </a:solidFill>
+                      <a:prstDash val="solid"/>
+                      <a:round/>
+                      <a:headEnd type="none" w="med" len="med"/>
+                      <a:tailEnd type="none" w="med" len="med"/>
+                    </a:lnL>
+                    <a:lnR w="12700" cap="flat" cmpd="sng" algn="ctr">
+                      <a:solidFill>
+                        <a:schemeClr val="tx1"/>
+                      </a:solidFill>
+                      <a:prstDash val="solid"/>
+                      <a:round/>
+                      <a:headEnd type="none" w="med" len="med"/>
+                      <a:tailEnd type="none" w="med" len="med"/>
+                    </a:lnR>
+                    <a:lnT w="12700" cap="flat" cmpd="sng" algn="ctr">
+                      <a:solidFill>
+                        <a:schemeClr val="tx1"/>
+                      </a:solidFill>
+                      <a:prstDash val="solid"/>
+                      <a:round/>
+                      <a:headEnd type="none" w="med" len="med"/>
+                      <a:tailEnd type="none" w="med" len="med"/>
+                    </a:lnT>
+                    <a:lnB w="12700" cap="flat" cmpd="sng" algn="ctr">
+                      <a:solidFill>
+                        <a:schemeClr val="tx1"/>
+                      </a:solidFill>
+                      <a:prstDash val="solid"/>
+                      <a:round/>
+                      <a:headEnd type="none" w="med" len="med"/>
+                      <a:tailEnd type="none" w="med" len="med"/>
+                    </a:lnB>
+                    <a:solidFill>
+                      <a:schemeClr val="lt1"/>
+                    </a:solidFill>
+                  </a:tcPr>
+                </a:tc>
+                <a:tc>
+                  <a:txBody>
+                    <a:bodyPr/>
+                    <a:lstStyle/>
+                    <a:p>
+                      <a:pPr algn="l" fontAlgn="b"/>
+                      <a:r>
+                        <a:rPr lang="en-US" sz="1000" b="0" i="0" u="none" strike="noStrike" cap="none" dirty="0">
+                          <a:solidFill>
+                            <a:schemeClr val="tx1"/>
+                          </a:solidFill>
+                          <a:highlight>
+                            <a:srgbClr val="FFFFFF"/>
+                          </a:highlight>
+                          <a:latin typeface="Open Sans"/>
+                          <a:ea typeface="Open Sans"/>
+                          <a:cs typeface="Open Sans"/>
+                          <a:sym typeface="Open Sans Light"/>
+                        </a:rPr>
+                        <a:t>Employee  department can change keeping all the other attribute same.  </a:t>
+                      </a:r>
+                      <a:br>
+                        <a:rPr lang="en-US" sz="1000" b="0" i="0" u="none" strike="noStrike" cap="none" dirty="0">
+                          <a:solidFill>
+                            <a:schemeClr val="tx1"/>
+                          </a:solidFill>
+                          <a:highlight>
+                            <a:srgbClr val="FFFFFF"/>
+                          </a:highlight>
+                          <a:latin typeface="Open Sans"/>
+                          <a:ea typeface="Open Sans"/>
+                          <a:cs typeface="Open Sans"/>
+                          <a:sym typeface="Open Sans Light"/>
+                        </a:rPr>
+                      </a:br>
+                      <a:r>
+                        <a:rPr lang="en-US" sz="1000" b="0" i="0" u="none" strike="noStrike" cap="none" dirty="0">
+                          <a:solidFill>
+                            <a:schemeClr val="tx1"/>
+                          </a:solidFill>
+                          <a:highlight>
+                            <a:srgbClr val="FFFFFF"/>
+                          </a:highlight>
+                          <a:latin typeface="Open Sans"/>
+                          <a:ea typeface="Open Sans"/>
+                          <a:cs typeface="Open Sans"/>
+                          <a:sym typeface="Open Sans Light"/>
+                        </a:rPr>
+                        <a:t>For e.g.,  Product Development and IT department have same job title "Design Engineer" and "Network Engineer" . So, employee may change department without a change in manager, job title, Address ,salary attribute change</a:t>
+                      </a:r>
+                    </a:p>
+                  </a:txBody>
+                  <a:tcPr marL="5394" marR="5394" marT="5394" marB="0" anchor="ctr">
+                    <a:lnL w="12700" cap="flat" cmpd="sng" algn="ctr">
+                      <a:solidFill>
+                        <a:schemeClr val="tx1"/>
+                      </a:solidFill>
+                      <a:prstDash val="solid"/>
+                      <a:round/>
+                      <a:headEnd type="none" w="med" len="med"/>
+                      <a:tailEnd type="none" w="med" len="med"/>
+                    </a:lnL>
+                    <a:lnR w="12700" cap="flat" cmpd="sng" algn="ctr">
+                      <a:solidFill>
+                        <a:schemeClr val="tx1"/>
+                      </a:solidFill>
+                      <a:prstDash val="solid"/>
+                      <a:round/>
+                      <a:headEnd type="none" w="med" len="med"/>
+                      <a:tailEnd type="none" w="med" len="med"/>
+                    </a:lnR>
+                    <a:lnT w="12700" cap="flat" cmpd="sng" algn="ctr">
+                      <a:solidFill>
+                        <a:schemeClr val="tx1"/>
+                      </a:solidFill>
+                      <a:prstDash val="solid"/>
+                      <a:round/>
+                      <a:headEnd type="none" w="med" len="med"/>
+                      <a:tailEnd type="none" w="med" len="med"/>
+                    </a:lnT>
+                    <a:lnB w="12700" cap="flat" cmpd="sng" algn="ctr">
+                      <a:solidFill>
+                        <a:schemeClr val="tx1"/>
+                      </a:solidFill>
+                      <a:prstDash val="solid"/>
+                      <a:round/>
+                      <a:headEnd type="none" w="med" len="med"/>
+                      <a:tailEnd type="none" w="med" len="med"/>
+                    </a:lnB>
+                    <a:solidFill>
+                      <a:schemeClr val="lt1"/>
+                    </a:solidFill>
+                  </a:tcPr>
+                </a:tc>
+                <a:tc>
+                  <a:txBody>
+                    <a:bodyPr/>
+                    <a:lstStyle/>
+                    <a:p>
+                      <a:pPr algn="ctr" fontAlgn="b"/>
+                      <a:r>
+                        <a:rPr lang="en-US" sz="1000" b="0" i="0" u="none" strike="noStrike" cap="none" dirty="0">
+                          <a:solidFill>
+                            <a:schemeClr val="tx1"/>
+                          </a:solidFill>
+                          <a:highlight>
+                            <a:srgbClr val="FFFFFF"/>
+                          </a:highlight>
+                          <a:latin typeface="Open Sans"/>
+                          <a:ea typeface="Open Sans"/>
+                          <a:cs typeface="Open Sans"/>
+                          <a:sym typeface="Open Sans Light"/>
+                        </a:rPr>
+                        <a:t>Department Change</a:t>
+                      </a:r>
+                    </a:p>
+                  </a:txBody>
+                  <a:tcPr marL="5394" marR="5394" marT="5394" marB="0" anchor="ctr">
+                    <a:lnL w="12700" cap="flat" cmpd="sng" algn="ctr">
+                      <a:solidFill>
+                        <a:schemeClr val="tx1"/>
+                      </a:solidFill>
+                      <a:prstDash val="solid"/>
+                      <a:round/>
+                      <a:headEnd type="none" w="med" len="med"/>
+                      <a:tailEnd type="none" w="med" len="med"/>
+                    </a:lnL>
+                    <a:lnR w="12700" cap="flat" cmpd="sng" algn="ctr">
+                      <a:solidFill>
+                        <a:schemeClr val="tx1"/>
+                      </a:solidFill>
+                      <a:prstDash val="solid"/>
+                      <a:round/>
+                      <a:headEnd type="none" w="med" len="med"/>
+                      <a:tailEnd type="none" w="med" len="med"/>
+                    </a:lnR>
+                    <a:lnT w="12700" cap="flat" cmpd="sng" algn="ctr">
+                      <a:solidFill>
+                        <a:schemeClr val="tx1"/>
+                      </a:solidFill>
+                      <a:prstDash val="solid"/>
+                      <a:round/>
+                      <a:headEnd type="none" w="med" len="med"/>
+                      <a:tailEnd type="none" w="med" len="med"/>
+                    </a:lnT>
+                    <a:lnB w="12700" cap="flat" cmpd="sng" algn="ctr">
+                      <a:solidFill>
+                        <a:schemeClr val="tx1"/>
+                      </a:solidFill>
+                      <a:prstDash val="solid"/>
+                      <a:round/>
+                      <a:headEnd type="none" w="med" len="med"/>
+                      <a:tailEnd type="none" w="med" len="med"/>
+                    </a:lnB>
+                    <a:solidFill>
+                      <a:schemeClr val="lt1"/>
+                    </a:solidFill>
+                  </a:tcPr>
+                </a:tc>
+                <a:tc>
+                  <a:txBody>
+                    <a:bodyPr/>
+                    <a:lstStyle/>
+                    <a:p>
+                      <a:pPr algn="ctr" fontAlgn="b"/>
+                      <a:r>
+                        <a:rPr lang="en-US" sz="1000" b="0" i="0" u="none" strike="noStrike" cap="none" dirty="0">
+                          <a:solidFill>
+                            <a:schemeClr val="tx1"/>
+                          </a:solidFill>
+                          <a:highlight>
+                            <a:srgbClr val="FFFFFF"/>
+                          </a:highlight>
+                          <a:latin typeface="Open Sans"/>
+                          <a:ea typeface="Open Sans"/>
+                          <a:cs typeface="Open Sans"/>
+                          <a:sym typeface="Open Sans Light"/>
+                        </a:rPr>
+                        <a:t>Yes</a:t>
+                      </a:r>
+                    </a:p>
+                  </a:txBody>
+                  <a:tcPr marL="5394" marR="5394" marT="5394" marB="0" anchor="ctr">
+                    <a:lnL w="12700" cap="flat" cmpd="sng" algn="ctr">
+                      <a:solidFill>
+                        <a:schemeClr val="tx1"/>
+                      </a:solidFill>
+                      <a:prstDash val="solid"/>
+                      <a:round/>
+                      <a:headEnd type="none" w="med" len="med"/>
+                      <a:tailEnd type="none" w="med" len="med"/>
+                    </a:lnL>
+                    <a:lnR w="12700" cap="flat" cmpd="sng" algn="ctr">
+                      <a:solidFill>
+                        <a:schemeClr val="tx1"/>
+                      </a:solidFill>
+                      <a:prstDash val="solid"/>
+                      <a:round/>
+                      <a:headEnd type="none" w="med" len="med"/>
+                      <a:tailEnd type="none" w="med" len="med"/>
+                    </a:lnR>
+                    <a:lnT w="12700" cap="flat" cmpd="sng" algn="ctr">
+                      <a:solidFill>
+                        <a:schemeClr val="tx1"/>
+                      </a:solidFill>
+                      <a:prstDash val="solid"/>
+                      <a:round/>
+                      <a:headEnd type="none" w="med" len="med"/>
+                      <a:tailEnd type="none" w="med" len="med"/>
+                    </a:lnT>
+                    <a:lnB w="12700" cap="flat" cmpd="sng" algn="ctr">
+                      <a:solidFill>
+                        <a:schemeClr val="tx1"/>
+                      </a:solidFill>
+                      <a:prstDash val="solid"/>
+                      <a:round/>
+                      <a:headEnd type="none" w="med" len="med"/>
+                      <a:tailEnd type="none" w="med" len="med"/>
+                    </a:lnB>
+                    <a:solidFill>
+                      <a:schemeClr val="lt1"/>
+                    </a:solidFill>
+                  </a:tcPr>
+                </a:tc>
+                <a:extLst>
+                  <a:ext uri="{0D108BD9-81ED-4DB2-BD59-A6C34878D82A}">
+                    <a16:rowId xmlns:a16="http://schemas.microsoft.com/office/drawing/2014/main" val="2840013262"/>
+                  </a:ext>
+                </a:extLst>
+              </a:tr>
+              <a:tr h="720156">
+                <a:tc>
+                  <a:txBody>
+                    <a:bodyPr/>
+                    <a:lstStyle/>
+                    <a:p>
+                      <a:pPr algn="ctr" fontAlgn="b"/>
+                      <a:r>
+                        <a:rPr lang="en-US" sz="1000" b="0" i="0" u="none" strike="noStrike" cap="none" dirty="0">
+                          <a:solidFill>
+                            <a:schemeClr val="tx1"/>
+                          </a:solidFill>
+                          <a:highlight>
+                            <a:srgbClr val="FFFFFF"/>
+                          </a:highlight>
+                          <a:latin typeface="Open Sans"/>
+                          <a:ea typeface="Open Sans"/>
+                          <a:cs typeface="Open Sans"/>
+                          <a:sym typeface="Open Sans Light"/>
+                        </a:rPr>
+                        <a:t>2</a:t>
+                      </a:r>
+                    </a:p>
+                  </a:txBody>
+                  <a:tcPr marL="5394" marR="5394" marT="5394" marB="0" anchor="ctr">
+                    <a:lnL w="12700" cap="flat" cmpd="sng" algn="ctr">
+                      <a:solidFill>
+                        <a:schemeClr val="tx1"/>
+                      </a:solidFill>
+                      <a:prstDash val="solid"/>
+                      <a:round/>
+                      <a:headEnd type="none" w="med" len="med"/>
+                      <a:tailEnd type="none" w="med" len="med"/>
+                    </a:lnL>
+                    <a:lnR w="12700" cap="flat" cmpd="sng" algn="ctr">
+                      <a:solidFill>
+                        <a:schemeClr val="tx1"/>
+                      </a:solidFill>
+                      <a:prstDash val="solid"/>
+                      <a:round/>
+                      <a:headEnd type="none" w="med" len="med"/>
+                      <a:tailEnd type="none" w="med" len="med"/>
+                    </a:lnR>
+                    <a:lnT w="12700" cap="flat" cmpd="sng" algn="ctr">
+                      <a:solidFill>
+                        <a:schemeClr val="tx1"/>
+                      </a:solidFill>
+                      <a:prstDash val="solid"/>
+                      <a:round/>
+                      <a:headEnd type="none" w="med" len="med"/>
+                      <a:tailEnd type="none" w="med" len="med"/>
+                    </a:lnT>
+                    <a:lnB w="12700" cap="flat" cmpd="sng" algn="ctr">
+                      <a:solidFill>
+                        <a:schemeClr val="tx1"/>
+                      </a:solidFill>
+                      <a:prstDash val="solid"/>
+                      <a:round/>
+                      <a:headEnd type="none" w="med" len="med"/>
+                      <a:tailEnd type="none" w="med" len="med"/>
+                    </a:lnB>
+                    <a:solidFill>
+                      <a:schemeClr val="lt1"/>
+                    </a:solidFill>
+                  </a:tcPr>
+                </a:tc>
+                <a:tc>
+                  <a:txBody>
+                    <a:bodyPr/>
+                    <a:lstStyle/>
+                    <a:p>
+                      <a:pPr algn="l" fontAlgn="b"/>
+                      <a:r>
+                        <a:rPr lang="en-US" sz="1000" b="0" i="0" u="none" strike="noStrike" cap="none" dirty="0">
+                          <a:solidFill>
+                            <a:schemeClr val="tx1"/>
+                          </a:solidFill>
+                          <a:highlight>
+                            <a:srgbClr val="FFFFFF"/>
+                          </a:highlight>
+                          <a:latin typeface="Open Sans"/>
+                          <a:ea typeface="Open Sans"/>
+                          <a:cs typeface="Open Sans"/>
+                          <a:sym typeface="Open Sans Light"/>
+                        </a:rPr>
+                        <a:t>Employee job title may change keeping all the other attributes same. </a:t>
+                      </a:r>
+                      <a:br>
+                        <a:rPr lang="en-US" sz="1000" b="0" i="0" u="none" strike="noStrike" cap="none" dirty="0">
+                          <a:solidFill>
+                            <a:schemeClr val="tx1"/>
+                          </a:solidFill>
+                          <a:highlight>
+                            <a:srgbClr val="FFFFFF"/>
+                          </a:highlight>
+                          <a:latin typeface="Open Sans"/>
+                          <a:ea typeface="Open Sans"/>
+                          <a:cs typeface="Open Sans"/>
+                          <a:sym typeface="Open Sans Light"/>
+                        </a:rPr>
+                      </a:br>
+                      <a:r>
+                        <a:rPr lang="en-US" sz="1000" b="0" i="0" u="none" strike="noStrike" cap="none" dirty="0">
+                          <a:solidFill>
+                            <a:schemeClr val="tx1"/>
+                          </a:solidFill>
+                          <a:highlight>
+                            <a:srgbClr val="FFFFFF"/>
+                          </a:highlight>
+                          <a:latin typeface="Open Sans"/>
+                          <a:ea typeface="Open Sans"/>
+                          <a:cs typeface="Open Sans"/>
+                          <a:sym typeface="Open Sans Light"/>
+                        </a:rPr>
+                        <a:t>For Ex,  Employee may draw the same salary and be in same department even after changing the job title.</a:t>
+                      </a:r>
+                    </a:p>
+                  </a:txBody>
+                  <a:tcPr marL="5394" marR="5394" marT="5394" marB="0" anchor="ctr">
+                    <a:lnL w="12700" cap="flat" cmpd="sng" algn="ctr">
+                      <a:solidFill>
+                        <a:schemeClr val="tx1"/>
+                      </a:solidFill>
+                      <a:prstDash val="solid"/>
+                      <a:round/>
+                      <a:headEnd type="none" w="med" len="med"/>
+                      <a:tailEnd type="none" w="med" len="med"/>
+                    </a:lnL>
+                    <a:lnR w="12700" cap="flat" cmpd="sng" algn="ctr">
+                      <a:solidFill>
+                        <a:schemeClr val="tx1"/>
+                      </a:solidFill>
+                      <a:prstDash val="solid"/>
+                      <a:round/>
+                      <a:headEnd type="none" w="med" len="med"/>
+                      <a:tailEnd type="none" w="med" len="med"/>
+                    </a:lnR>
+                    <a:lnT w="12700" cap="flat" cmpd="sng" algn="ctr">
+                      <a:solidFill>
+                        <a:schemeClr val="tx1"/>
+                      </a:solidFill>
+                      <a:prstDash val="solid"/>
+                      <a:round/>
+                      <a:headEnd type="none" w="med" len="med"/>
+                      <a:tailEnd type="none" w="med" len="med"/>
+                    </a:lnT>
+                    <a:lnB w="12700" cap="flat" cmpd="sng" algn="ctr">
+                      <a:solidFill>
+                        <a:schemeClr val="tx1"/>
+                      </a:solidFill>
+                      <a:prstDash val="solid"/>
+                      <a:round/>
+                      <a:headEnd type="none" w="med" len="med"/>
+                      <a:tailEnd type="none" w="med" len="med"/>
+                    </a:lnB>
+                    <a:solidFill>
+                      <a:schemeClr val="lt1"/>
+                    </a:solidFill>
+                  </a:tcPr>
+                </a:tc>
+                <a:tc>
+                  <a:txBody>
+                    <a:bodyPr/>
+                    <a:lstStyle/>
+                    <a:p>
+                      <a:pPr algn="ctr" fontAlgn="b"/>
+                      <a:r>
+                        <a:rPr lang="en-US" sz="1000" b="0" i="0" u="none" strike="noStrike" cap="none" dirty="0">
+                          <a:solidFill>
+                            <a:schemeClr val="tx1"/>
+                          </a:solidFill>
+                          <a:highlight>
+                            <a:srgbClr val="FFFFFF"/>
+                          </a:highlight>
+                          <a:latin typeface="Open Sans"/>
+                          <a:ea typeface="Open Sans"/>
+                          <a:cs typeface="Open Sans"/>
+                          <a:sym typeface="Open Sans Light"/>
+                        </a:rPr>
+                        <a:t>Job Title Change</a:t>
+                      </a:r>
+                    </a:p>
+                  </a:txBody>
+                  <a:tcPr marL="5394" marR="5394" marT="5394" marB="0" anchor="ctr">
+                    <a:lnL w="12700" cap="flat" cmpd="sng" algn="ctr">
+                      <a:solidFill>
+                        <a:schemeClr val="tx1"/>
+                      </a:solidFill>
+                      <a:prstDash val="solid"/>
+                      <a:round/>
+                      <a:headEnd type="none" w="med" len="med"/>
+                      <a:tailEnd type="none" w="med" len="med"/>
+                    </a:lnL>
+                    <a:lnR w="12700" cap="flat" cmpd="sng" algn="ctr">
+                      <a:solidFill>
+                        <a:schemeClr val="tx1"/>
+                      </a:solidFill>
+                      <a:prstDash val="solid"/>
+                      <a:round/>
+                      <a:headEnd type="none" w="med" len="med"/>
+                      <a:tailEnd type="none" w="med" len="med"/>
+                    </a:lnR>
+                    <a:lnT w="12700" cap="flat" cmpd="sng" algn="ctr">
+                      <a:solidFill>
+                        <a:schemeClr val="tx1"/>
+                      </a:solidFill>
+                      <a:prstDash val="solid"/>
+                      <a:round/>
+                      <a:headEnd type="none" w="med" len="med"/>
+                      <a:tailEnd type="none" w="med" len="med"/>
+                    </a:lnT>
+                    <a:lnB w="12700" cap="flat" cmpd="sng" algn="ctr">
+                      <a:solidFill>
+                        <a:schemeClr val="tx1"/>
+                      </a:solidFill>
+                      <a:prstDash val="solid"/>
+                      <a:round/>
+                      <a:headEnd type="none" w="med" len="med"/>
+                      <a:tailEnd type="none" w="med" len="med"/>
+                    </a:lnB>
+                    <a:solidFill>
+                      <a:schemeClr val="lt1"/>
+                    </a:solidFill>
+                  </a:tcPr>
+                </a:tc>
+                <a:tc>
+                  <a:txBody>
+                    <a:bodyPr/>
+                    <a:lstStyle/>
+                    <a:p>
+                      <a:pPr algn="ctr" fontAlgn="b"/>
+                      <a:r>
+                        <a:rPr lang="en-US" sz="1000" b="0" i="0" u="none" strike="noStrike" cap="none" dirty="0">
+                          <a:solidFill>
+                            <a:schemeClr val="tx1"/>
+                          </a:solidFill>
+                          <a:highlight>
+                            <a:srgbClr val="FFFFFF"/>
+                          </a:highlight>
+                          <a:latin typeface="Open Sans"/>
+                          <a:ea typeface="Open Sans"/>
+                          <a:cs typeface="Open Sans"/>
+                          <a:sym typeface="Open Sans Light"/>
+                        </a:rPr>
+                        <a:t>Yes</a:t>
+                      </a:r>
+                    </a:p>
+                  </a:txBody>
+                  <a:tcPr marL="5394" marR="5394" marT="5394" marB="0" anchor="ctr">
+                    <a:lnL w="12700" cap="flat" cmpd="sng" algn="ctr">
+                      <a:solidFill>
+                        <a:schemeClr val="tx1"/>
+                      </a:solidFill>
+                      <a:prstDash val="solid"/>
+                      <a:round/>
+                      <a:headEnd type="none" w="med" len="med"/>
+                      <a:tailEnd type="none" w="med" len="med"/>
+                    </a:lnL>
+                    <a:lnR w="12700" cap="flat" cmpd="sng" algn="ctr">
+                      <a:solidFill>
+                        <a:schemeClr val="tx1"/>
+                      </a:solidFill>
+                      <a:prstDash val="solid"/>
+                      <a:round/>
+                      <a:headEnd type="none" w="med" len="med"/>
+                      <a:tailEnd type="none" w="med" len="med"/>
+                    </a:lnR>
+                    <a:lnT w="12700" cap="flat" cmpd="sng" algn="ctr">
+                      <a:solidFill>
+                        <a:schemeClr val="tx1"/>
+                      </a:solidFill>
+                      <a:prstDash val="solid"/>
+                      <a:round/>
+                      <a:headEnd type="none" w="med" len="med"/>
+                      <a:tailEnd type="none" w="med" len="med"/>
+                    </a:lnT>
+                    <a:lnB w="12700" cap="flat" cmpd="sng" algn="ctr">
+                      <a:solidFill>
+                        <a:schemeClr val="tx1"/>
+                      </a:solidFill>
+                      <a:prstDash val="solid"/>
+                      <a:round/>
+                      <a:headEnd type="none" w="med" len="med"/>
+                      <a:tailEnd type="none" w="med" len="med"/>
+                    </a:lnB>
+                    <a:solidFill>
+                      <a:schemeClr val="lt1"/>
+                    </a:solidFill>
+                  </a:tcPr>
+                </a:tc>
+                <a:extLst>
+                  <a:ext uri="{0D108BD9-81ED-4DB2-BD59-A6C34878D82A}">
+                    <a16:rowId xmlns:a16="http://schemas.microsoft.com/office/drawing/2014/main" val="2481423283"/>
+                  </a:ext>
+                </a:extLst>
+              </a:tr>
+              <a:tr h="863266">
+                <a:tc>
+                  <a:txBody>
+                    <a:bodyPr/>
+                    <a:lstStyle/>
+                    <a:p>
+                      <a:pPr algn="ctr" fontAlgn="b"/>
+                      <a:r>
+                        <a:rPr lang="en-US" sz="1000" b="0" i="0" u="none" strike="noStrike" cap="none" dirty="0">
+                          <a:solidFill>
+                            <a:schemeClr val="tx1"/>
+                          </a:solidFill>
+                          <a:highlight>
+                            <a:srgbClr val="FFFFFF"/>
+                          </a:highlight>
+                          <a:latin typeface="Open Sans"/>
+                          <a:ea typeface="Open Sans"/>
+                          <a:cs typeface="Open Sans"/>
+                          <a:sym typeface="Open Sans Light"/>
+                        </a:rPr>
+                        <a:t>3</a:t>
+                      </a:r>
+                    </a:p>
+                  </a:txBody>
+                  <a:tcPr marL="5394" marR="5394" marT="5394" marB="0" anchor="ctr">
+                    <a:lnL w="12700" cap="flat" cmpd="sng" algn="ctr">
+                      <a:solidFill>
+                        <a:schemeClr val="tx1"/>
+                      </a:solidFill>
+                      <a:prstDash val="solid"/>
+                      <a:round/>
+                      <a:headEnd type="none" w="med" len="med"/>
+                      <a:tailEnd type="none" w="med" len="med"/>
+                    </a:lnL>
+                    <a:lnR w="12700" cap="flat" cmpd="sng" algn="ctr">
+                      <a:solidFill>
+                        <a:schemeClr val="tx1"/>
+                      </a:solidFill>
+                      <a:prstDash val="solid"/>
+                      <a:round/>
+                      <a:headEnd type="none" w="med" len="med"/>
+                      <a:tailEnd type="none" w="med" len="med"/>
+                    </a:lnR>
+                    <a:lnT w="12700" cap="flat" cmpd="sng" algn="ctr">
+                      <a:solidFill>
+                        <a:schemeClr val="tx1"/>
+                      </a:solidFill>
+                      <a:prstDash val="solid"/>
+                      <a:round/>
+                      <a:headEnd type="none" w="med" len="med"/>
+                      <a:tailEnd type="none" w="med" len="med"/>
+                    </a:lnT>
+                    <a:lnB w="12700" cap="flat" cmpd="sng" algn="ctr">
+                      <a:solidFill>
+                        <a:schemeClr val="tx1"/>
+                      </a:solidFill>
+                      <a:prstDash val="solid"/>
+                      <a:round/>
+                      <a:headEnd type="none" w="med" len="med"/>
+                      <a:tailEnd type="none" w="med" len="med"/>
+                    </a:lnB>
+                    <a:solidFill>
+                      <a:schemeClr val="lt1"/>
+                    </a:solidFill>
+                  </a:tcPr>
+                </a:tc>
+                <a:tc>
+                  <a:txBody>
+                    <a:bodyPr/>
+                    <a:lstStyle/>
+                    <a:p>
+                      <a:pPr algn="l" fontAlgn="b"/>
+                      <a:r>
+                        <a:rPr lang="en-US" sz="1000" b="0" i="0" u="none" strike="noStrike" cap="none" dirty="0">
+                          <a:solidFill>
+                            <a:schemeClr val="tx1"/>
+                          </a:solidFill>
+                          <a:highlight>
+                            <a:srgbClr val="FFFFFF"/>
+                          </a:highlight>
+                          <a:latin typeface="Open Sans"/>
+                          <a:ea typeface="Open Sans"/>
+                          <a:cs typeface="Open Sans"/>
+                          <a:sym typeface="Open Sans Light"/>
+                        </a:rPr>
+                        <a:t>Employee can move to different manager keeping all the other attributes same. </a:t>
+                      </a:r>
+                      <a:br>
+                        <a:rPr lang="en-US" sz="1000" b="0" i="0" u="none" strike="noStrike" cap="none" dirty="0">
+                          <a:solidFill>
+                            <a:schemeClr val="tx1"/>
+                          </a:solidFill>
+                          <a:highlight>
+                            <a:srgbClr val="FFFFFF"/>
+                          </a:highlight>
+                          <a:latin typeface="Open Sans"/>
+                          <a:ea typeface="Open Sans"/>
+                          <a:cs typeface="Open Sans"/>
+                          <a:sym typeface="Open Sans Light"/>
+                        </a:rPr>
+                      </a:br>
+                      <a:r>
+                        <a:rPr lang="en-US" sz="1000" b="0" i="0" u="none" strike="noStrike" cap="none" dirty="0">
+                          <a:solidFill>
+                            <a:schemeClr val="tx1"/>
+                          </a:solidFill>
+                          <a:highlight>
+                            <a:srgbClr val="FFFFFF"/>
+                          </a:highlight>
+                          <a:latin typeface="Open Sans"/>
+                          <a:ea typeface="Open Sans"/>
+                          <a:cs typeface="Open Sans"/>
+                          <a:sym typeface="Open Sans Light"/>
+                        </a:rPr>
+                        <a:t>For ex, Employee may get transferred from manager  "Tyrone Hutchison" to  "Allison Gentle" both of whom department is "Distribution". </a:t>
+                      </a:r>
+                    </a:p>
+                  </a:txBody>
+                  <a:tcPr marL="5394" marR="5394" marT="5394" marB="0" anchor="ctr">
+                    <a:lnL w="12700" cap="flat" cmpd="sng" algn="ctr">
+                      <a:solidFill>
+                        <a:schemeClr val="tx1"/>
+                      </a:solidFill>
+                      <a:prstDash val="solid"/>
+                      <a:round/>
+                      <a:headEnd type="none" w="med" len="med"/>
+                      <a:tailEnd type="none" w="med" len="med"/>
+                    </a:lnL>
+                    <a:lnR w="12700" cap="flat" cmpd="sng" algn="ctr">
+                      <a:solidFill>
+                        <a:schemeClr val="tx1"/>
+                      </a:solidFill>
+                      <a:prstDash val="solid"/>
+                      <a:round/>
+                      <a:headEnd type="none" w="med" len="med"/>
+                      <a:tailEnd type="none" w="med" len="med"/>
+                    </a:lnR>
+                    <a:lnT w="12700" cap="flat" cmpd="sng" algn="ctr">
+                      <a:solidFill>
+                        <a:schemeClr val="tx1"/>
+                      </a:solidFill>
+                      <a:prstDash val="solid"/>
+                      <a:round/>
+                      <a:headEnd type="none" w="med" len="med"/>
+                      <a:tailEnd type="none" w="med" len="med"/>
+                    </a:lnT>
+                    <a:lnB w="12700" cap="flat" cmpd="sng" algn="ctr">
+                      <a:solidFill>
+                        <a:schemeClr val="tx1"/>
+                      </a:solidFill>
+                      <a:prstDash val="solid"/>
+                      <a:round/>
+                      <a:headEnd type="none" w="med" len="med"/>
+                      <a:tailEnd type="none" w="med" len="med"/>
+                    </a:lnB>
+                    <a:solidFill>
+                      <a:schemeClr val="lt1"/>
+                    </a:solidFill>
+                  </a:tcPr>
+                </a:tc>
+                <a:tc>
+                  <a:txBody>
+                    <a:bodyPr/>
+                    <a:lstStyle/>
+                    <a:p>
+                      <a:pPr algn="ctr" fontAlgn="b"/>
+                      <a:r>
+                        <a:rPr lang="en-US" sz="1000" b="0" i="0" u="none" strike="noStrike" cap="none" dirty="0">
+                          <a:solidFill>
+                            <a:schemeClr val="tx1"/>
+                          </a:solidFill>
+                          <a:highlight>
+                            <a:srgbClr val="FFFFFF"/>
+                          </a:highlight>
+                          <a:latin typeface="Open Sans"/>
+                          <a:ea typeface="Open Sans"/>
+                          <a:cs typeface="Open Sans"/>
+                          <a:sym typeface="Open Sans Light"/>
+                        </a:rPr>
+                        <a:t>Manager Change</a:t>
+                      </a:r>
+                    </a:p>
+                  </a:txBody>
+                  <a:tcPr marL="5394" marR="5394" marT="5394" marB="0" anchor="ctr">
+                    <a:lnL w="12700" cap="flat" cmpd="sng" algn="ctr">
+                      <a:solidFill>
+                        <a:schemeClr val="tx1"/>
+                      </a:solidFill>
+                      <a:prstDash val="solid"/>
+                      <a:round/>
+                      <a:headEnd type="none" w="med" len="med"/>
+                      <a:tailEnd type="none" w="med" len="med"/>
+                    </a:lnL>
+                    <a:lnR w="12700" cap="flat" cmpd="sng" algn="ctr">
+                      <a:solidFill>
+                        <a:schemeClr val="tx1"/>
+                      </a:solidFill>
+                      <a:prstDash val="solid"/>
+                      <a:round/>
+                      <a:headEnd type="none" w="med" len="med"/>
+                      <a:tailEnd type="none" w="med" len="med"/>
+                    </a:lnR>
+                    <a:lnT w="12700" cap="flat" cmpd="sng" algn="ctr">
+                      <a:solidFill>
+                        <a:schemeClr val="tx1"/>
+                      </a:solidFill>
+                      <a:prstDash val="solid"/>
+                      <a:round/>
+                      <a:headEnd type="none" w="med" len="med"/>
+                      <a:tailEnd type="none" w="med" len="med"/>
+                    </a:lnT>
+                    <a:lnB w="12700" cap="flat" cmpd="sng" algn="ctr">
+                      <a:solidFill>
+                        <a:schemeClr val="tx1"/>
+                      </a:solidFill>
+                      <a:prstDash val="solid"/>
+                      <a:round/>
+                      <a:headEnd type="none" w="med" len="med"/>
+                      <a:tailEnd type="none" w="med" len="med"/>
+                    </a:lnB>
+                    <a:solidFill>
+                      <a:schemeClr val="lt1"/>
+                    </a:solidFill>
+                  </a:tcPr>
+                </a:tc>
+                <a:tc>
+                  <a:txBody>
+                    <a:bodyPr/>
+                    <a:lstStyle/>
+                    <a:p>
+                      <a:pPr algn="ctr" fontAlgn="b"/>
+                      <a:r>
+                        <a:rPr lang="en-US" sz="1000" b="0" i="0" u="none" strike="noStrike" cap="none" dirty="0">
+                          <a:solidFill>
+                            <a:schemeClr val="tx1"/>
+                          </a:solidFill>
+                          <a:highlight>
+                            <a:srgbClr val="FFFFFF"/>
+                          </a:highlight>
+                          <a:latin typeface="Open Sans"/>
+                          <a:ea typeface="Open Sans"/>
+                          <a:cs typeface="Open Sans"/>
+                          <a:sym typeface="Open Sans Light"/>
+                        </a:rPr>
+                        <a:t>Yes</a:t>
+                      </a:r>
+                    </a:p>
+                  </a:txBody>
+                  <a:tcPr marL="5394" marR="5394" marT="5394" marB="0" anchor="ctr">
+                    <a:lnL w="12700" cap="flat" cmpd="sng" algn="ctr">
+                      <a:solidFill>
+                        <a:schemeClr val="tx1"/>
+                      </a:solidFill>
+                      <a:prstDash val="solid"/>
+                      <a:round/>
+                      <a:headEnd type="none" w="med" len="med"/>
+                      <a:tailEnd type="none" w="med" len="med"/>
+                    </a:lnL>
+                    <a:lnR w="12700" cap="flat" cmpd="sng" algn="ctr">
+                      <a:solidFill>
+                        <a:schemeClr val="tx1"/>
+                      </a:solidFill>
+                      <a:prstDash val="solid"/>
+                      <a:round/>
+                      <a:headEnd type="none" w="med" len="med"/>
+                      <a:tailEnd type="none" w="med" len="med"/>
+                    </a:lnR>
+                    <a:lnT w="12700" cap="flat" cmpd="sng" algn="ctr">
+                      <a:solidFill>
+                        <a:schemeClr val="tx1"/>
+                      </a:solidFill>
+                      <a:prstDash val="solid"/>
+                      <a:round/>
+                      <a:headEnd type="none" w="med" len="med"/>
+                      <a:tailEnd type="none" w="med" len="med"/>
+                    </a:lnT>
+                    <a:lnB w="12700" cap="flat" cmpd="sng" algn="ctr">
+                      <a:solidFill>
+                        <a:schemeClr val="tx1"/>
+                      </a:solidFill>
+                      <a:prstDash val="solid"/>
+                      <a:round/>
+                      <a:headEnd type="none" w="med" len="med"/>
+                      <a:tailEnd type="none" w="med" len="med"/>
+                    </a:lnB>
+                    <a:solidFill>
+                      <a:schemeClr val="lt1"/>
+                    </a:solidFill>
+                  </a:tcPr>
+                </a:tc>
+                <a:extLst>
+                  <a:ext uri="{0D108BD9-81ED-4DB2-BD59-A6C34878D82A}">
+                    <a16:rowId xmlns:a16="http://schemas.microsoft.com/office/drawing/2014/main" val="1521843540"/>
+                  </a:ext>
+                </a:extLst>
+              </a:tr>
+              <a:tr h="433935">
+                <a:tc>
+                  <a:txBody>
+                    <a:bodyPr/>
+                    <a:lstStyle/>
+                    <a:p>
+                      <a:pPr algn="ctr" fontAlgn="b"/>
+                      <a:r>
+                        <a:rPr lang="en-US" sz="1000" b="0" i="0" u="none" strike="noStrike" cap="none" dirty="0">
+                          <a:solidFill>
+                            <a:schemeClr val="tx1"/>
+                          </a:solidFill>
+                          <a:highlight>
+                            <a:srgbClr val="FFFFFF"/>
+                          </a:highlight>
+                          <a:latin typeface="Open Sans"/>
+                          <a:ea typeface="Open Sans"/>
+                          <a:cs typeface="Open Sans"/>
+                          <a:sym typeface="Open Sans Light"/>
+                        </a:rPr>
+                        <a:t>4</a:t>
+                      </a:r>
+                    </a:p>
+                  </a:txBody>
+                  <a:tcPr marL="5394" marR="5394" marT="5394" marB="0" anchor="ctr">
+                    <a:lnL w="12700" cap="flat" cmpd="sng" algn="ctr">
+                      <a:solidFill>
+                        <a:schemeClr val="tx1"/>
+                      </a:solidFill>
+                      <a:prstDash val="solid"/>
+                      <a:round/>
+                      <a:headEnd type="none" w="med" len="med"/>
+                      <a:tailEnd type="none" w="med" len="med"/>
+                    </a:lnL>
+                    <a:lnR w="12700" cap="flat" cmpd="sng" algn="ctr">
+                      <a:solidFill>
+                        <a:schemeClr val="tx1"/>
+                      </a:solidFill>
+                      <a:prstDash val="solid"/>
+                      <a:round/>
+                      <a:headEnd type="none" w="med" len="med"/>
+                      <a:tailEnd type="none" w="med" len="med"/>
+                    </a:lnR>
+                    <a:lnT w="12700" cap="flat" cmpd="sng" algn="ctr">
+                      <a:solidFill>
+                        <a:schemeClr val="tx1"/>
+                      </a:solidFill>
+                      <a:prstDash val="solid"/>
+                      <a:round/>
+                      <a:headEnd type="none" w="med" len="med"/>
+                      <a:tailEnd type="none" w="med" len="med"/>
+                    </a:lnT>
+                    <a:lnB w="12700" cap="flat" cmpd="sng" algn="ctr">
+                      <a:solidFill>
+                        <a:schemeClr val="tx1"/>
+                      </a:solidFill>
+                      <a:prstDash val="solid"/>
+                      <a:round/>
+                      <a:headEnd type="none" w="med" len="med"/>
+                      <a:tailEnd type="none" w="med" len="med"/>
+                    </a:lnB>
+                    <a:solidFill>
+                      <a:schemeClr val="lt1"/>
+                    </a:solidFill>
+                  </a:tcPr>
+                </a:tc>
+                <a:tc>
+                  <a:txBody>
+                    <a:bodyPr/>
+                    <a:lstStyle/>
+                    <a:p>
+                      <a:pPr algn="l" fontAlgn="b"/>
+                      <a:r>
+                        <a:rPr lang="en-US" sz="1000" b="0" i="0" u="none" strike="noStrike" cap="none" dirty="0">
+                          <a:solidFill>
+                            <a:schemeClr val="tx1"/>
+                          </a:solidFill>
+                          <a:highlight>
+                            <a:srgbClr val="FFFFFF"/>
+                          </a:highlight>
+                          <a:latin typeface="Open Sans"/>
+                          <a:ea typeface="Open Sans"/>
+                          <a:cs typeface="Open Sans"/>
+                          <a:sym typeface="Open Sans Light"/>
+                        </a:rPr>
+                        <a:t>Employee may get transferred to other office (Change in address) without changing all the other attributes.</a:t>
+                      </a:r>
+                    </a:p>
+                  </a:txBody>
+                  <a:tcPr marL="5394" marR="5394" marT="5394" marB="0" anchor="ctr">
+                    <a:lnL w="12700" cap="flat" cmpd="sng" algn="ctr">
+                      <a:solidFill>
+                        <a:schemeClr val="tx1"/>
+                      </a:solidFill>
+                      <a:prstDash val="solid"/>
+                      <a:round/>
+                      <a:headEnd type="none" w="med" len="med"/>
+                      <a:tailEnd type="none" w="med" len="med"/>
+                    </a:lnL>
+                    <a:lnR w="12700" cap="flat" cmpd="sng" algn="ctr">
+                      <a:solidFill>
+                        <a:schemeClr val="tx1"/>
+                      </a:solidFill>
+                      <a:prstDash val="solid"/>
+                      <a:round/>
+                      <a:headEnd type="none" w="med" len="med"/>
+                      <a:tailEnd type="none" w="med" len="med"/>
+                    </a:lnR>
+                    <a:lnT w="12700" cap="flat" cmpd="sng" algn="ctr">
+                      <a:solidFill>
+                        <a:schemeClr val="tx1"/>
+                      </a:solidFill>
+                      <a:prstDash val="solid"/>
+                      <a:round/>
+                      <a:headEnd type="none" w="med" len="med"/>
+                      <a:tailEnd type="none" w="med" len="med"/>
+                    </a:lnT>
+                    <a:lnB w="12700" cap="flat" cmpd="sng" algn="ctr">
+                      <a:solidFill>
+                        <a:schemeClr val="tx1"/>
+                      </a:solidFill>
+                      <a:prstDash val="solid"/>
+                      <a:round/>
+                      <a:headEnd type="none" w="med" len="med"/>
+                      <a:tailEnd type="none" w="med" len="med"/>
+                    </a:lnB>
+                    <a:solidFill>
+                      <a:schemeClr val="lt1"/>
+                    </a:solidFill>
+                  </a:tcPr>
+                </a:tc>
+                <a:tc>
+                  <a:txBody>
+                    <a:bodyPr/>
+                    <a:lstStyle/>
+                    <a:p>
+                      <a:pPr algn="ctr" fontAlgn="b"/>
+                      <a:r>
+                        <a:rPr lang="en-US" sz="1000" b="0" i="0" u="none" strike="noStrike" cap="none" dirty="0">
+                          <a:solidFill>
+                            <a:schemeClr val="tx1"/>
+                          </a:solidFill>
+                          <a:highlight>
+                            <a:srgbClr val="FFFFFF"/>
+                          </a:highlight>
+                          <a:latin typeface="Open Sans"/>
+                          <a:ea typeface="Open Sans"/>
+                          <a:cs typeface="Open Sans"/>
+                          <a:sym typeface="Open Sans Light"/>
+                        </a:rPr>
+                        <a:t>Address Change</a:t>
+                      </a:r>
+                    </a:p>
+                  </a:txBody>
+                  <a:tcPr marL="5394" marR="5394" marT="5394" marB="0" anchor="ctr">
+                    <a:lnL w="12700" cap="flat" cmpd="sng" algn="ctr">
+                      <a:solidFill>
+                        <a:schemeClr val="tx1"/>
+                      </a:solidFill>
+                      <a:prstDash val="solid"/>
+                      <a:round/>
+                      <a:headEnd type="none" w="med" len="med"/>
+                      <a:tailEnd type="none" w="med" len="med"/>
+                    </a:lnL>
+                    <a:lnR w="12700" cap="flat" cmpd="sng" algn="ctr">
+                      <a:solidFill>
+                        <a:schemeClr val="tx1"/>
+                      </a:solidFill>
+                      <a:prstDash val="solid"/>
+                      <a:round/>
+                      <a:headEnd type="none" w="med" len="med"/>
+                      <a:tailEnd type="none" w="med" len="med"/>
+                    </a:lnR>
+                    <a:lnT w="12700" cap="flat" cmpd="sng" algn="ctr">
+                      <a:solidFill>
+                        <a:schemeClr val="tx1"/>
+                      </a:solidFill>
+                      <a:prstDash val="solid"/>
+                      <a:round/>
+                      <a:headEnd type="none" w="med" len="med"/>
+                      <a:tailEnd type="none" w="med" len="med"/>
+                    </a:lnT>
+                    <a:lnB w="12700" cap="flat" cmpd="sng" algn="ctr">
+                      <a:solidFill>
+                        <a:schemeClr val="tx1"/>
+                      </a:solidFill>
+                      <a:prstDash val="solid"/>
+                      <a:round/>
+                      <a:headEnd type="none" w="med" len="med"/>
+                      <a:tailEnd type="none" w="med" len="med"/>
+                    </a:lnB>
+                    <a:solidFill>
+                      <a:schemeClr val="lt1"/>
+                    </a:solidFill>
+                  </a:tcPr>
+                </a:tc>
+                <a:tc>
+                  <a:txBody>
+                    <a:bodyPr/>
+                    <a:lstStyle/>
+                    <a:p>
+                      <a:pPr algn="ctr" fontAlgn="b"/>
+                      <a:r>
+                        <a:rPr lang="en-US" sz="1000" b="0" i="0" u="none" strike="noStrike" cap="none" dirty="0">
+                          <a:solidFill>
+                            <a:schemeClr val="tx1"/>
+                          </a:solidFill>
+                          <a:highlight>
+                            <a:srgbClr val="FFFFFF"/>
+                          </a:highlight>
+                          <a:latin typeface="Open Sans"/>
+                          <a:ea typeface="Open Sans"/>
+                          <a:cs typeface="Open Sans"/>
+                          <a:sym typeface="Open Sans Light"/>
+                        </a:rPr>
+                        <a:t>Yes</a:t>
+                      </a:r>
+                    </a:p>
+                  </a:txBody>
+                  <a:tcPr marL="5394" marR="5394" marT="5394" marB="0" anchor="ctr">
+                    <a:lnL w="12700" cap="flat" cmpd="sng" algn="ctr">
+                      <a:solidFill>
+                        <a:schemeClr val="tx1"/>
+                      </a:solidFill>
+                      <a:prstDash val="solid"/>
+                      <a:round/>
+                      <a:headEnd type="none" w="med" len="med"/>
+                      <a:tailEnd type="none" w="med" len="med"/>
+                    </a:lnL>
+                    <a:lnR w="12700" cap="flat" cmpd="sng" algn="ctr">
+                      <a:solidFill>
+                        <a:schemeClr val="tx1"/>
+                      </a:solidFill>
+                      <a:prstDash val="solid"/>
+                      <a:round/>
+                      <a:headEnd type="none" w="med" len="med"/>
+                      <a:tailEnd type="none" w="med" len="med"/>
+                    </a:lnR>
+                    <a:lnT w="12700" cap="flat" cmpd="sng" algn="ctr">
+                      <a:solidFill>
+                        <a:schemeClr val="tx1"/>
+                      </a:solidFill>
+                      <a:prstDash val="solid"/>
+                      <a:round/>
+                      <a:headEnd type="none" w="med" len="med"/>
+                      <a:tailEnd type="none" w="med" len="med"/>
+                    </a:lnT>
+                    <a:lnB w="12700" cap="flat" cmpd="sng" algn="ctr">
+                      <a:solidFill>
+                        <a:schemeClr val="tx1"/>
+                      </a:solidFill>
+                      <a:prstDash val="solid"/>
+                      <a:round/>
+                      <a:headEnd type="none" w="med" len="med"/>
+                      <a:tailEnd type="none" w="med" len="med"/>
+                    </a:lnB>
+                    <a:solidFill>
+                      <a:schemeClr val="lt1"/>
+                    </a:solidFill>
+                  </a:tcPr>
+                </a:tc>
+                <a:extLst>
+                  <a:ext uri="{0D108BD9-81ED-4DB2-BD59-A6C34878D82A}">
+                    <a16:rowId xmlns:a16="http://schemas.microsoft.com/office/drawing/2014/main" val="1256993961"/>
+                  </a:ext>
+                </a:extLst>
+              </a:tr>
+              <a:tr h="0">
+                <a:tc>
+                  <a:txBody>
+                    <a:bodyPr/>
+                    <a:lstStyle/>
+                    <a:p>
+                      <a:pPr algn="ctr" fontAlgn="b"/>
+                      <a:r>
+                        <a:rPr lang="en-US" sz="1000" b="0" i="0" u="none" strike="noStrike" cap="none" dirty="0">
+                          <a:solidFill>
+                            <a:schemeClr val="tx1"/>
+                          </a:solidFill>
+                          <a:highlight>
+                            <a:srgbClr val="FFFFFF"/>
+                          </a:highlight>
+                          <a:latin typeface="Open Sans"/>
+                          <a:ea typeface="Open Sans"/>
+                          <a:cs typeface="Open Sans"/>
+                          <a:sym typeface="Open Sans Light"/>
+                        </a:rPr>
+                        <a:t>5</a:t>
+                      </a:r>
+                    </a:p>
+                  </a:txBody>
+                  <a:tcPr marL="5394" marR="5394" marT="5394" marB="0" anchor="ctr">
+                    <a:lnL w="12700" cap="flat" cmpd="sng" algn="ctr">
+                      <a:solidFill>
+                        <a:schemeClr val="tx1"/>
+                      </a:solidFill>
+                      <a:prstDash val="solid"/>
+                      <a:round/>
+                      <a:headEnd type="none" w="med" len="med"/>
+                      <a:tailEnd type="none" w="med" len="med"/>
+                    </a:lnL>
+                    <a:lnR w="12700" cap="flat" cmpd="sng" algn="ctr">
+                      <a:solidFill>
+                        <a:schemeClr val="tx1"/>
+                      </a:solidFill>
+                      <a:prstDash val="solid"/>
+                      <a:round/>
+                      <a:headEnd type="none" w="med" len="med"/>
+                      <a:tailEnd type="none" w="med" len="med"/>
+                    </a:lnR>
+                    <a:lnT w="12700" cap="flat" cmpd="sng" algn="ctr">
+                      <a:solidFill>
+                        <a:schemeClr val="tx1"/>
+                      </a:solidFill>
+                      <a:prstDash val="solid"/>
+                      <a:round/>
+                      <a:headEnd type="none" w="med" len="med"/>
+                      <a:tailEnd type="none" w="med" len="med"/>
+                    </a:lnT>
+                    <a:lnB w="12700" cap="flat" cmpd="sng" algn="ctr">
+                      <a:solidFill>
+                        <a:schemeClr val="tx1"/>
+                      </a:solidFill>
+                      <a:prstDash val="solid"/>
+                      <a:round/>
+                      <a:headEnd type="none" w="med" len="med"/>
+                      <a:tailEnd type="none" w="med" len="med"/>
+                    </a:lnB>
+                    <a:solidFill>
+                      <a:schemeClr val="lt1"/>
+                    </a:solidFill>
+                  </a:tcPr>
+                </a:tc>
+                <a:tc>
+                  <a:txBody>
+                    <a:bodyPr/>
+                    <a:lstStyle/>
+                    <a:p>
+                      <a:pPr algn="l" fontAlgn="b"/>
+                      <a:endParaRPr lang="en-US" sz="1000" b="0" i="0" u="none" strike="noStrike" cap="none" dirty="0">
+                        <a:solidFill>
+                          <a:schemeClr val="tx1"/>
+                        </a:solidFill>
+                        <a:highlight>
+                          <a:srgbClr val="FFFFFF"/>
+                        </a:highlight>
+                        <a:latin typeface="Open Sans"/>
+                        <a:ea typeface="Open Sans"/>
+                        <a:cs typeface="Open Sans"/>
+                        <a:sym typeface="Open Sans Light"/>
+                      </a:endParaRPr>
+                    </a:p>
+                    <a:p>
+                      <a:pPr algn="l" fontAlgn="b"/>
+                      <a:r>
+                        <a:rPr lang="en-US" sz="1000" b="0" i="0" u="none" strike="noStrike" cap="none" dirty="0">
+                          <a:solidFill>
+                            <a:schemeClr val="tx1"/>
+                          </a:solidFill>
+                          <a:highlight>
+                            <a:srgbClr val="FFFFFF"/>
+                          </a:highlight>
+                          <a:latin typeface="Open Sans"/>
+                          <a:ea typeface="Open Sans"/>
+                          <a:cs typeface="Open Sans"/>
+                          <a:sym typeface="Open Sans Light"/>
+                        </a:rPr>
+                        <a:t>Employee received salary hike without change in designation and other attributes. This usually happens in most of the organization. </a:t>
+                      </a:r>
+                    </a:p>
+                    <a:p>
+                      <a:pPr algn="l" fontAlgn="b"/>
+                      <a:endParaRPr lang="en-US" sz="1000" b="0" i="0" u="none" strike="noStrike" cap="none" dirty="0">
+                        <a:solidFill>
+                          <a:schemeClr val="tx1"/>
+                        </a:solidFill>
+                        <a:highlight>
+                          <a:srgbClr val="FFFFFF"/>
+                        </a:highlight>
+                        <a:latin typeface="Open Sans"/>
+                        <a:ea typeface="Open Sans"/>
+                        <a:cs typeface="Open Sans"/>
+                        <a:sym typeface="Open Sans Light"/>
+                      </a:endParaRPr>
+                    </a:p>
+                  </a:txBody>
+                  <a:tcPr marL="5394" marR="5394" marT="5394" marB="0" anchor="ctr">
+                    <a:lnL w="12700" cap="flat" cmpd="sng" algn="ctr">
+                      <a:solidFill>
+                        <a:schemeClr val="tx1"/>
+                      </a:solidFill>
+                      <a:prstDash val="solid"/>
+                      <a:round/>
+                      <a:headEnd type="none" w="med" len="med"/>
+                      <a:tailEnd type="none" w="med" len="med"/>
+                    </a:lnL>
+                    <a:lnR w="12700" cap="flat" cmpd="sng" algn="ctr">
+                      <a:solidFill>
+                        <a:schemeClr val="tx1"/>
+                      </a:solidFill>
+                      <a:prstDash val="solid"/>
+                      <a:round/>
+                      <a:headEnd type="none" w="med" len="med"/>
+                      <a:tailEnd type="none" w="med" len="med"/>
+                    </a:lnR>
+                    <a:lnT w="12700" cap="flat" cmpd="sng" algn="ctr">
+                      <a:solidFill>
+                        <a:schemeClr val="tx1"/>
+                      </a:solidFill>
+                      <a:prstDash val="solid"/>
+                      <a:round/>
+                      <a:headEnd type="none" w="med" len="med"/>
+                      <a:tailEnd type="none" w="med" len="med"/>
+                    </a:lnT>
+                    <a:lnB w="12700" cap="flat" cmpd="sng" algn="ctr">
+                      <a:solidFill>
+                        <a:schemeClr val="tx1"/>
+                      </a:solidFill>
+                      <a:prstDash val="solid"/>
+                      <a:round/>
+                      <a:headEnd type="none" w="med" len="med"/>
+                      <a:tailEnd type="none" w="med" len="med"/>
+                    </a:lnB>
+                    <a:solidFill>
+                      <a:schemeClr val="lt1"/>
+                    </a:solidFill>
+                  </a:tcPr>
+                </a:tc>
+                <a:tc>
+                  <a:txBody>
+                    <a:bodyPr/>
+                    <a:lstStyle/>
+                    <a:p>
+                      <a:pPr algn="ctr" fontAlgn="b"/>
+                      <a:r>
+                        <a:rPr lang="en-US" sz="1000" b="0" i="0" u="none" strike="noStrike" cap="none" dirty="0">
+                          <a:solidFill>
+                            <a:schemeClr val="tx1"/>
+                          </a:solidFill>
+                          <a:highlight>
+                            <a:srgbClr val="FFFFFF"/>
+                          </a:highlight>
+                          <a:latin typeface="Open Sans"/>
+                          <a:ea typeface="Open Sans"/>
+                          <a:cs typeface="Open Sans"/>
+                          <a:sym typeface="Open Sans Light"/>
+                        </a:rPr>
+                        <a:t>Salary Change</a:t>
+                      </a:r>
+                    </a:p>
+                  </a:txBody>
+                  <a:tcPr marL="5394" marR="5394" marT="5394" marB="0" anchor="ctr">
+                    <a:lnL w="12700" cap="flat" cmpd="sng" algn="ctr">
+                      <a:solidFill>
+                        <a:schemeClr val="tx1"/>
+                      </a:solidFill>
+                      <a:prstDash val="solid"/>
+                      <a:round/>
+                      <a:headEnd type="none" w="med" len="med"/>
+                      <a:tailEnd type="none" w="med" len="med"/>
+                    </a:lnL>
+                    <a:lnR w="12700" cap="flat" cmpd="sng" algn="ctr">
+                      <a:solidFill>
+                        <a:schemeClr val="tx1"/>
+                      </a:solidFill>
+                      <a:prstDash val="solid"/>
+                      <a:round/>
+                      <a:headEnd type="none" w="med" len="med"/>
+                      <a:tailEnd type="none" w="med" len="med"/>
+                    </a:lnR>
+                    <a:lnT w="12700" cap="flat" cmpd="sng" algn="ctr">
+                      <a:solidFill>
+                        <a:schemeClr val="tx1"/>
+                      </a:solidFill>
+                      <a:prstDash val="solid"/>
+                      <a:round/>
+                      <a:headEnd type="none" w="med" len="med"/>
+                      <a:tailEnd type="none" w="med" len="med"/>
+                    </a:lnT>
+                    <a:lnB w="12700" cap="flat" cmpd="sng" algn="ctr">
+                      <a:solidFill>
+                        <a:schemeClr val="tx1"/>
+                      </a:solidFill>
+                      <a:prstDash val="solid"/>
+                      <a:round/>
+                      <a:headEnd type="none" w="med" len="med"/>
+                      <a:tailEnd type="none" w="med" len="med"/>
+                    </a:lnB>
+                    <a:solidFill>
+                      <a:schemeClr val="lt1"/>
+                    </a:solidFill>
+                  </a:tcPr>
+                </a:tc>
+                <a:tc>
+                  <a:txBody>
+                    <a:bodyPr/>
+                    <a:lstStyle/>
+                    <a:p>
+                      <a:pPr algn="ctr" fontAlgn="b"/>
+                      <a:r>
+                        <a:rPr lang="en-US" sz="1000" b="0" i="0" u="none" strike="noStrike" cap="none" dirty="0">
+                          <a:solidFill>
+                            <a:schemeClr val="tx1"/>
+                          </a:solidFill>
+                          <a:highlight>
+                            <a:srgbClr val="FFFFFF"/>
+                          </a:highlight>
+                          <a:latin typeface="Open Sans"/>
+                          <a:ea typeface="Open Sans"/>
+                          <a:cs typeface="Open Sans"/>
+                          <a:sym typeface="Open Sans Light"/>
+                        </a:rPr>
+                        <a:t>Yes</a:t>
+                      </a:r>
+                    </a:p>
+                  </a:txBody>
+                  <a:tcPr marL="5394" marR="5394" marT="5394" marB="0" anchor="ctr">
+                    <a:lnL w="12700" cap="flat" cmpd="sng" algn="ctr">
+                      <a:solidFill>
+                        <a:schemeClr val="tx1"/>
+                      </a:solidFill>
+                      <a:prstDash val="solid"/>
+                      <a:round/>
+                      <a:headEnd type="none" w="med" len="med"/>
+                      <a:tailEnd type="none" w="med" len="med"/>
+                    </a:lnL>
+                    <a:lnR w="12700" cap="flat" cmpd="sng" algn="ctr">
+                      <a:solidFill>
+                        <a:schemeClr val="tx1"/>
+                      </a:solidFill>
+                      <a:prstDash val="solid"/>
+                      <a:round/>
+                      <a:headEnd type="none" w="med" len="med"/>
+                      <a:tailEnd type="none" w="med" len="med"/>
+                    </a:lnR>
+                    <a:lnT w="12700" cap="flat" cmpd="sng" algn="ctr">
+                      <a:solidFill>
+                        <a:schemeClr val="tx1"/>
+                      </a:solidFill>
+                      <a:prstDash val="solid"/>
+                      <a:round/>
+                      <a:headEnd type="none" w="med" len="med"/>
+                      <a:tailEnd type="none" w="med" len="med"/>
+                    </a:lnT>
+                    <a:lnB w="12700" cap="flat" cmpd="sng" algn="ctr">
+                      <a:solidFill>
+                        <a:schemeClr val="tx1"/>
+                      </a:solidFill>
+                      <a:prstDash val="solid"/>
+                      <a:round/>
+                      <a:headEnd type="none" w="med" len="med"/>
+                      <a:tailEnd type="none" w="med" len="med"/>
+                    </a:lnB>
+                    <a:solidFill>
+                      <a:schemeClr val="lt1"/>
+                    </a:solidFill>
+                  </a:tcPr>
+                </a:tc>
+                <a:extLst>
+                  <a:ext uri="{0D108BD9-81ED-4DB2-BD59-A6C34878D82A}">
+                    <a16:rowId xmlns:a16="http://schemas.microsoft.com/office/drawing/2014/main" val="3483222379"/>
+                  </a:ext>
+                </a:extLst>
+              </a:tr>
+            </a:tbl>
+          </a:graphicData>
+        </a:graphic>
+      </p:graphicFrame>
+    </p:spTree>
+  </p:cSld>
+  <p:clrMapOvr>
+    <a:masterClrMapping/>
+  </p:clrMapOvr>
+</p:sld>
+</file>
+
+<file path=ppt/slides/slide12.xml><?xml version="1.0" encoding="utf-8"?>
 <p:sld xmlns:a="http://schemas.openxmlformats.org/drawingml/2006/main" xmlns:r="http://schemas.openxmlformats.org/officeDocument/2006/relationships" xmlns:p="http://schemas.openxmlformats.org/presentationml/2006/main">
   <p:cSld>
     <p:spTree>
@@ -29013,6 +30691,161 @@
           </a:bodyPr>
           <a:lstStyle/>
           <a:p>
+            <a:pPr marL="0" lvl="0" indent="0" algn="l" rtl="0">
+              <a:spcBef>
+                <a:spcPts val="1600"/>
+              </a:spcBef>
+              <a:spcAft>
+                <a:spcPts val="1600"/>
+              </a:spcAft>
+              <a:buNone/>
+            </a:pPr>
+            <a:endParaRPr sz="1900" dirty="0"/>
+          </a:p>
+        </p:txBody>
+      </p:sp>
+      <p:pic>
+        <p:nvPicPr>
+          <p:cNvPr id="2050" name="Picture 2">
+            <a:extLst>
+              <a:ext uri="{FF2B5EF4-FFF2-40B4-BE49-F238E27FC236}">
+                <a16:creationId xmlns:a16="http://schemas.microsoft.com/office/drawing/2014/main" id="{312D85F9-CF8F-014C-A294-4718C9B132CA}"/>
+              </a:ext>
+            </a:extLst>
+          </p:cNvPr>
+          <p:cNvPicPr>
+            <a:picLocks noChangeAspect="1" noChangeArrowheads="1"/>
+          </p:cNvPicPr>
+          <p:nvPr/>
+        </p:nvPicPr>
+        <p:blipFill>
+          <a:blip r:embed="rId3">
+            <a:extLst>
+              <a:ext uri="{28A0092B-C50C-407E-A947-70E740481C1C}">
+                <a14:useLocalDpi xmlns:a14="http://schemas.microsoft.com/office/drawing/2010/main" val="0"/>
+              </a:ext>
+            </a:extLst>
+          </a:blip>
+          <a:srcRect/>
+          <a:stretch>
+            <a:fillRect/>
+          </a:stretch>
+        </p:blipFill>
+        <p:spPr bwMode="auto">
+          <a:xfrm>
+            <a:off x="264850" y="1963738"/>
+            <a:ext cx="7075750" cy="6130925"/>
+          </a:xfrm>
+          <a:prstGeom prst="rect">
+            <a:avLst/>
+          </a:prstGeom>
+          <a:solidFill>
+            <a:schemeClr val="lt1"/>
+          </a:solidFill>
+          <a:ln>
+            <a:solidFill>
+              <a:schemeClr val="accent1"/>
+            </a:solidFill>
+          </a:ln>
+        </p:spPr>
+      </p:pic>
+    </p:spTree>
+    <p:extLst>
+      <p:ext uri="{BB962C8B-B14F-4D97-AF65-F5344CB8AC3E}">
+        <p14:creationId xmlns:p14="http://schemas.microsoft.com/office/powerpoint/2010/main" val="1587079734"/>
+      </p:ext>
+    </p:extLst>
+  </p:cSld>
+  <p:clrMapOvr>
+    <a:masterClrMapping/>
+  </p:clrMapOvr>
+</p:sld>
+</file>
+
+<file path=ppt/slides/slide13.xml><?xml version="1.0" encoding="utf-8"?>
+<p:sld xmlns:a="http://schemas.openxmlformats.org/drawingml/2006/main" xmlns:r="http://schemas.openxmlformats.org/officeDocument/2006/relationships" xmlns:p="http://schemas.openxmlformats.org/presentationml/2006/main">
+  <p:cSld>
+    <p:spTree>
+      <p:nvGrpSpPr>
+        <p:cNvPr id="1" name="Shape 261"/>
+        <p:cNvGrpSpPr/>
+        <p:nvPr/>
+      </p:nvGrpSpPr>
+      <p:grpSpPr>
+        <a:xfrm>
+          <a:off x="0" y="0"/>
+          <a:ext cx="0" cy="0"/>
+          <a:chOff x="0" y="0"/>
+          <a:chExt cx="0" cy="0"/>
+        </a:xfrm>
+      </p:grpSpPr>
+      <p:sp>
+        <p:nvSpPr>
+          <p:cNvPr id="262" name="Google Shape;262;p64"/>
+          <p:cNvSpPr txBox="1">
+            <a:spLocks noGrp="1"/>
+          </p:cNvSpPr>
+          <p:nvPr>
+            <p:ph type="title"/>
+          </p:nvPr>
+        </p:nvSpPr>
+        <p:spPr>
+          <a:xfrm>
+            <a:off x="264945" y="870271"/>
+            <a:ext cx="7242600" cy="1119900"/>
+          </a:xfrm>
+          <a:prstGeom prst="rect">
+            <a:avLst/>
+          </a:prstGeom>
+        </p:spPr>
+        <p:txBody>
+          <a:bodyPr spcFirstLastPara="1" wrap="square" lIns="91425" tIns="91425" rIns="91425" bIns="91425" anchor="ctr" anchorCtr="0">
+            <a:noAutofit/>
+          </a:bodyPr>
+          <a:lstStyle/>
+          <a:p>
+            <a:pPr marL="0" lvl="0" indent="0" algn="l" rtl="0">
+              <a:spcBef>
+                <a:spcPts val="0"/>
+              </a:spcBef>
+              <a:spcAft>
+                <a:spcPts val="0"/>
+              </a:spcAft>
+              <a:buNone/>
+            </a:pPr>
+            <a:r>
+              <a:rPr lang="en" dirty="0"/>
+              <a:t>ERD</a:t>
+            </a:r>
+            <a:endParaRPr dirty="0"/>
+          </a:p>
+        </p:txBody>
+      </p:sp>
+      <p:sp>
+        <p:nvSpPr>
+          <p:cNvPr id="263" name="Google Shape;263;p64"/>
+          <p:cNvSpPr txBox="1">
+            <a:spLocks noGrp="1"/>
+          </p:cNvSpPr>
+          <p:nvPr>
+            <p:ph type="body" idx="1"/>
+          </p:nvPr>
+        </p:nvSpPr>
+        <p:spPr>
+          <a:xfrm>
+            <a:off x="264950" y="1990174"/>
+            <a:ext cx="7242600" cy="7731900"/>
+          </a:xfrm>
+          <a:prstGeom prst="rect">
+            <a:avLst/>
+          </a:prstGeom>
+        </p:spPr>
+        <p:txBody>
+          <a:bodyPr spcFirstLastPara="1" wrap="square" lIns="91425" tIns="91425" rIns="91425" bIns="91425" anchor="t" anchorCtr="0">
+            <a:noAutofit/>
+          </a:bodyPr>
+          <a:lstStyle/>
+          <a:p>
             <a:pPr marL="457200" lvl="0" indent="-349250" algn="l" rtl="0">
               <a:spcBef>
                 <a:spcPts val="0"/>
@@ -29025,15 +30858,15 @@
               <a:buChar char="●"/>
             </a:pPr>
             <a:r>
-              <a:rPr lang="en" sz="1900" b="1">
+              <a:rPr lang="en" sz="1900" b="1" dirty="0">
                 <a:latin typeface="Open Sans"/>
                 <a:ea typeface="Open Sans"/>
                 <a:cs typeface="Open Sans"/>
                 <a:sym typeface="Open Sans"/>
               </a:rPr>
-              <a:t>Logical</a:t>
+              <a:t>Physical</a:t>
             </a:r>
-            <a:endParaRPr sz="1900" b="1">
+            <a:endParaRPr sz="1900" b="1" dirty="0">
               <a:latin typeface="Open Sans"/>
               <a:ea typeface="Open Sans"/>
               <a:cs typeface="Open Sans"/>
@@ -29041,7 +30874,7 @@
             </a:endParaRPr>
           </a:p>
           <a:p>
-            <a:pPr marL="0" lvl="0" indent="0" algn="l" rtl="0">
+            <a:pPr marL="457200" lvl="0" indent="0" algn="l" rtl="0">
               <a:lnSpc>
                 <a:spcPct val="170000"/>
               </a:lnSpc>
@@ -29054,7 +30887,7 @@
               <a:buNone/>
             </a:pPr>
             <a:r>
-              <a:rPr lang="en" sz="1400">
+              <a:rPr lang="en" sz="1400" dirty="0">
                 <a:solidFill>
                   <a:srgbClr val="525C65"/>
                 </a:solidFill>
@@ -29066,9 +30899,55 @@
                 <a:cs typeface="Open Sans"/>
                 <a:sym typeface="Open Sans"/>
               </a:rPr>
-              <a:t>The logical model is the next level of refinement from the conceptual ERD. At this point, you should have normalized the data to the 3NF. Attributes should also be listed now in the ERD. You can still use human-friendly entity and attribute names in the logical model, and while relationship lines are required, Crow's foot notation is still not needed at this point.</a:t>
+              <a:t>The physical model is what will be built in the database. Each entity should represent a database table, complete with column names and data types. Primary keys and foreign keys should also be represented here. Primary keys should be in bold type with the (PK) designation following the field name. Foreign keys should be in normal type face, but have the designation (FK) after the column name. Finally, in the physical model, Crow's foot notation is important.</a:t>
             </a:r>
-            <a:endParaRPr sz="1400">
+            <a:endParaRPr sz="1200" dirty="0">
+              <a:solidFill>
+                <a:srgbClr val="525C65"/>
+              </a:solidFill>
+              <a:highlight>
+                <a:schemeClr val="lt1"/>
+              </a:highlight>
+              <a:latin typeface="Open Sans"/>
+              <a:ea typeface="Open Sans"/>
+              <a:cs typeface="Open Sans"/>
+              <a:sym typeface="Open Sans"/>
+            </a:endParaRPr>
+          </a:p>
+          <a:p>
+            <a:pPr marL="0" lvl="0" indent="0" algn="l" rtl="0">
+              <a:lnSpc>
+                <a:spcPct val="170000"/>
+              </a:lnSpc>
+              <a:spcBef>
+                <a:spcPts val="1600"/>
+              </a:spcBef>
+              <a:spcAft>
+                <a:spcPts val="0"/>
+              </a:spcAft>
+              <a:buClr>
+                <a:schemeClr val="dk1"/>
+              </a:buClr>
+              <a:buSzPts val="1100"/>
+              <a:buFont typeface="Arial"/>
+              <a:buNone/>
+            </a:pPr>
+            <a:r>
+              <a:rPr lang="en-US" sz="1400" dirty="0">
+                <a:solidFill>
+                  <a:srgbClr val="525C65"/>
+                </a:solidFill>
+                <a:highlight>
+                  <a:srgbClr val="FFFFFF"/>
+                </a:highlight>
+                <a:latin typeface="Open Sans"/>
+                <a:ea typeface="Open Sans"/>
+                <a:cs typeface="Open Sans"/>
+                <a:sym typeface="Open Sans"/>
+              </a:rPr>
+              <a:t>Physical ERD is on next page</a:t>
+            </a:r>
+            <a:endParaRPr sz="1400" dirty="0">
               <a:solidFill>
                 <a:srgbClr val="525C65"/>
               </a:solidFill>
@@ -29082,34 +30961,16 @@
             </a:endParaRPr>
           </a:p>
           <a:p>
-            <a:pPr marL="0" lvl="0" indent="0" algn="l" rtl="0">
-              <a:lnSpc>
-                <a:spcPct val="170000"/>
-              </a:lnSpc>
-              <a:spcBef>
-                <a:spcPts val="1100"/>
-              </a:spcBef>
-              <a:spcAft>
-                <a:spcPts val="0"/>
+            <a:pPr marL="457200" lvl="0" indent="0" algn="l" rtl="0">
+              <a:spcBef>
+                <a:spcPts val="0"/>
+              </a:spcBef>
+              <a:spcAft>
+                <a:spcPts val="1600"/>
               </a:spcAft>
               <a:buNone/>
             </a:pPr>
-            <a:r>
-              <a:rPr lang="en" sz="1400">
-                <a:solidFill>
-                  <a:srgbClr val="525C65"/>
-                </a:solidFill>
-                <a:highlight>
-                  <a:srgbClr val="FFFFFF"/>
-                </a:highlight>
-                <a:latin typeface="Open Sans"/>
-                <a:ea typeface="Open Sans"/>
-                <a:cs typeface="Open Sans"/>
-                <a:sym typeface="Open Sans"/>
-              </a:rPr>
-              <a:t>Use Lucidchart’s built-in template for DBMS ER Diagram UML.</a:t>
-            </a:r>
-            <a:endParaRPr sz="1400">
+            <a:endParaRPr sz="1500" dirty="0">
               <a:solidFill>
                 <a:srgbClr val="525C65"/>
               </a:solidFill>
@@ -29122,179 +30983,8 @@
               <a:sym typeface="Open Sans"/>
             </a:endParaRPr>
           </a:p>
-          <a:p>
-            <a:pPr marL="0" lvl="0" indent="0" algn="l" rtl="0">
-              <a:lnSpc>
-                <a:spcPct val="170000"/>
-              </a:lnSpc>
-              <a:spcBef>
-                <a:spcPts val="0"/>
-              </a:spcBef>
-              <a:spcAft>
-                <a:spcPts val="0"/>
-              </a:spcAft>
-              <a:buClr>
-                <a:schemeClr val="dk1"/>
-              </a:buClr>
-              <a:buSzPts val="1100"/>
-              <a:buFont typeface="Arial"/>
-              <a:buNone/>
-            </a:pPr>
-            <a:endParaRPr sz="1200">
-              <a:solidFill>
-                <a:srgbClr val="525C65"/>
-              </a:solidFill>
-              <a:highlight>
-                <a:schemeClr val="lt1"/>
-              </a:highlight>
-              <a:latin typeface="Open Sans"/>
-              <a:ea typeface="Open Sans"/>
-              <a:cs typeface="Open Sans"/>
-              <a:sym typeface="Open Sans"/>
-            </a:endParaRPr>
-          </a:p>
-          <a:p>
-            <a:pPr marL="0" lvl="0" indent="0" algn="l" rtl="0">
-              <a:lnSpc>
-                <a:spcPct val="170000"/>
-              </a:lnSpc>
-              <a:spcBef>
-                <a:spcPts val="0"/>
-              </a:spcBef>
-              <a:spcAft>
-                <a:spcPts val="0"/>
-              </a:spcAft>
-              <a:buClr>
-                <a:schemeClr val="dk1"/>
-              </a:buClr>
-              <a:buSzPts val="1100"/>
-              <a:buFont typeface="Arial"/>
-              <a:buNone/>
-            </a:pPr>
-            <a:r>
-              <a:rPr lang="en" sz="1200">
-                <a:solidFill>
-                  <a:srgbClr val="FF0000"/>
-                </a:solidFill>
-                <a:highlight>
-                  <a:schemeClr val="lt1"/>
-                </a:highlight>
-                <a:latin typeface="Open Sans"/>
-                <a:ea typeface="Open Sans"/>
-                <a:cs typeface="Open Sans"/>
-                <a:sym typeface="Open Sans"/>
-              </a:rPr>
-              <a:t>** Replace example screenshot below with your response</a:t>
-            </a:r>
-            <a:endParaRPr sz="1400">
-              <a:solidFill>
-                <a:srgbClr val="525C65"/>
-              </a:solidFill>
-              <a:highlight>
-                <a:srgbClr val="FFFFFF"/>
-              </a:highlight>
-              <a:latin typeface="Open Sans"/>
-              <a:ea typeface="Open Sans"/>
-              <a:cs typeface="Open Sans"/>
-              <a:sym typeface="Open Sans"/>
-            </a:endParaRPr>
-          </a:p>
-          <a:p>
-            <a:pPr marL="457200" lvl="0" indent="0" algn="l" rtl="0">
-              <a:spcBef>
-                <a:spcPts val="0"/>
-              </a:spcBef>
-              <a:spcAft>
-                <a:spcPts val="0"/>
-              </a:spcAft>
-              <a:buNone/>
-            </a:pPr>
-            <a:endParaRPr sz="1900"/>
-          </a:p>
-          <a:p>
-            <a:pPr marL="0" lvl="0" indent="0" algn="l" rtl="0">
-              <a:spcBef>
-                <a:spcPts val="1600"/>
-              </a:spcBef>
-              <a:spcAft>
-                <a:spcPts val="0"/>
-              </a:spcAft>
-              <a:buNone/>
-            </a:pPr>
-            <a:endParaRPr sz="1900"/>
-          </a:p>
-          <a:p>
-            <a:pPr marL="0" lvl="0" indent="0" algn="l" rtl="0">
-              <a:spcBef>
-                <a:spcPts val="1600"/>
-              </a:spcBef>
-              <a:spcAft>
-                <a:spcPts val="0"/>
-              </a:spcAft>
-              <a:buNone/>
-            </a:pPr>
-            <a:endParaRPr sz="1900"/>
-          </a:p>
-          <a:p>
-            <a:pPr marL="0" lvl="0" indent="0" algn="l" rtl="0">
-              <a:spcBef>
-                <a:spcPts val="1600"/>
-              </a:spcBef>
-              <a:spcAft>
-                <a:spcPts val="0"/>
-              </a:spcAft>
-              <a:buNone/>
-            </a:pPr>
-            <a:endParaRPr sz="1900"/>
-          </a:p>
-          <a:p>
-            <a:pPr marL="0" lvl="0" indent="0" algn="l" rtl="0">
-              <a:spcBef>
-                <a:spcPts val="1600"/>
-              </a:spcBef>
-              <a:spcAft>
-                <a:spcPts val="1600"/>
-              </a:spcAft>
-              <a:buNone/>
-            </a:pPr>
-            <a:endParaRPr sz="1900"/>
-          </a:p>
         </p:txBody>
       </p:sp>
-      <p:pic>
-        <p:nvPicPr>
-          <p:cNvPr id="257" name="Google Shape;257;p63"/>
-          <p:cNvPicPr preferRelativeResize="0"/>
-          <p:nvPr/>
-        </p:nvPicPr>
-        <p:blipFill>
-          <a:blip r:embed="rId3">
-            <a:alphaModFix/>
-          </a:blip>
-          <a:stretch>
-            <a:fillRect/>
-          </a:stretch>
-        </p:blipFill>
-        <p:spPr>
-          <a:xfrm>
-            <a:off x="484950" y="5969175"/>
-            <a:ext cx="6802502" cy="3038826"/>
-          </a:xfrm>
-          <a:prstGeom prst="rect">
-            <a:avLst/>
-          </a:prstGeom>
-          <a:noFill/>
-          <a:ln w="9525" cap="flat" cmpd="sng">
-            <a:solidFill>
-              <a:schemeClr val="dk2"/>
-            </a:solidFill>
-            <a:prstDash val="solid"/>
-            <a:round/>
-            <a:headEnd type="none" w="sm" len="sm"/>
-            <a:tailEnd type="none" w="sm" len="sm"/>
-          </a:ln>
-        </p:spPr>
-      </p:pic>
     </p:spTree>
   </p:cSld>
   <p:clrMapOvr>
@@ -29355,212 +31045,64 @@
               <a:buNone/>
             </a:pPr>
             <a:r>
-              <a:rPr lang="en"/>
+              <a:rPr lang="en" dirty="0"/>
               <a:t>ERD</a:t>
             </a:r>
-            <a:endParaRPr/>
+            <a:endParaRPr dirty="0"/>
           </a:p>
         </p:txBody>
       </p:sp>
-      <p:sp>
-        <p:nvSpPr>
-          <p:cNvPr id="263" name="Google Shape;263;p64"/>
-          <p:cNvSpPr txBox="1">
-            <a:spLocks noGrp="1"/>
-          </p:cNvSpPr>
-          <p:nvPr>
-            <p:ph type="body" idx="1"/>
-          </p:nvPr>
-        </p:nvSpPr>
-        <p:spPr>
+      <p:pic>
+        <p:nvPicPr>
+          <p:cNvPr id="3074" name="Picture 2">
+            <a:extLst>
+              <a:ext uri="{FF2B5EF4-FFF2-40B4-BE49-F238E27FC236}">
+                <a16:creationId xmlns:a16="http://schemas.microsoft.com/office/drawing/2014/main" id="{CDCCA308-9DB0-4441-8908-4C7E16B4185E}"/>
+              </a:ext>
+            </a:extLst>
+          </p:cNvPr>
+          <p:cNvPicPr>
+            <a:picLocks noChangeAspect="1" noChangeArrowheads="1"/>
+          </p:cNvPicPr>
+          <p:nvPr/>
+        </p:nvPicPr>
+        <p:blipFill>
+          <a:blip r:embed="rId3">
+            <a:extLst>
+              <a:ext uri="{28A0092B-C50C-407E-A947-70E740481C1C}">
+                <a14:useLocalDpi xmlns:a14="http://schemas.microsoft.com/office/drawing/2010/main" val="0"/>
+              </a:ext>
+            </a:extLst>
+          </a:blip>
+          <a:srcRect/>
+          <a:stretch>
+            <a:fillRect/>
+          </a:stretch>
+        </p:blipFill>
+        <p:spPr bwMode="auto">
           <a:xfrm>
-            <a:off x="264950" y="1990174"/>
-            <a:ext cx="7242600" cy="7731900"/>
+            <a:off x="196306" y="1931989"/>
+            <a:ext cx="7311239" cy="5268912"/>
           </a:xfrm>
           <a:prstGeom prst="rect">
             <a:avLst/>
           </a:prstGeom>
-        </p:spPr>
-        <p:txBody>
-          <a:bodyPr spcFirstLastPara="1" wrap="square" lIns="91425" tIns="91425" rIns="91425" bIns="91425" anchor="t" anchorCtr="0">
-            <a:noAutofit/>
-          </a:bodyPr>
-          <a:lstStyle/>
-          <a:p>
-            <a:pPr marL="457200" lvl="0" indent="-349250" algn="l" rtl="0">
-              <a:spcBef>
-                <a:spcPts val="0"/>
-              </a:spcBef>
-              <a:spcAft>
-                <a:spcPts val="0"/>
-              </a:spcAft>
-              <a:buSzPts val="1900"/>
-              <a:buFont typeface="Open Sans"/>
-              <a:buChar char="●"/>
-            </a:pPr>
-            <a:r>
-              <a:rPr lang="en" sz="1900" b="1">
-                <a:latin typeface="Open Sans"/>
-                <a:ea typeface="Open Sans"/>
-                <a:cs typeface="Open Sans"/>
-                <a:sym typeface="Open Sans"/>
-              </a:rPr>
-              <a:t>Physical</a:t>
-            </a:r>
-            <a:endParaRPr sz="1900" b="1">
-              <a:latin typeface="Open Sans"/>
-              <a:ea typeface="Open Sans"/>
-              <a:cs typeface="Open Sans"/>
-              <a:sym typeface="Open Sans"/>
-            </a:endParaRPr>
-          </a:p>
-          <a:p>
-            <a:pPr marL="457200" lvl="0" indent="0" algn="l" rtl="0">
-              <a:lnSpc>
-                <a:spcPct val="170000"/>
-              </a:lnSpc>
-              <a:spcBef>
-                <a:spcPts val="1600"/>
-              </a:spcBef>
-              <a:spcAft>
-                <a:spcPts val="0"/>
-              </a:spcAft>
-              <a:buNone/>
-            </a:pPr>
-            <a:r>
-              <a:rPr lang="en" sz="1400">
-                <a:solidFill>
-                  <a:srgbClr val="525C65"/>
-                </a:solidFill>
-                <a:highlight>
-                  <a:srgbClr val="FFFFFF"/>
-                </a:highlight>
-                <a:latin typeface="Open Sans"/>
-                <a:ea typeface="Open Sans"/>
-                <a:cs typeface="Open Sans"/>
-                <a:sym typeface="Open Sans"/>
-              </a:rPr>
-              <a:t>The physical model is what will be built in the database. Each entity should represent a database table, complete with column names and data types. Primary keys and foreign keys should also be represented here. Primary keys should be in bold type with the (PK) designation following the field name. Foreign keys should be in normal type face, but have the designation (FK) after the column name. Finally, in the physical model, Crow's foot notation is important.</a:t>
-            </a:r>
-            <a:endParaRPr sz="1200">
-              <a:solidFill>
-                <a:srgbClr val="525C65"/>
-              </a:solidFill>
-              <a:highlight>
-                <a:schemeClr val="lt1"/>
-              </a:highlight>
-              <a:latin typeface="Open Sans"/>
-              <a:ea typeface="Open Sans"/>
-              <a:cs typeface="Open Sans"/>
-              <a:sym typeface="Open Sans"/>
-            </a:endParaRPr>
-          </a:p>
-          <a:p>
-            <a:pPr marL="0" lvl="0" indent="0" algn="l" rtl="0">
-              <a:lnSpc>
-                <a:spcPct val="170000"/>
-              </a:lnSpc>
-              <a:spcBef>
-                <a:spcPts val="1600"/>
-              </a:spcBef>
-              <a:spcAft>
-                <a:spcPts val="0"/>
-              </a:spcAft>
-              <a:buClr>
-                <a:schemeClr val="dk1"/>
-              </a:buClr>
-              <a:buSzPts val="1100"/>
-              <a:buFont typeface="Arial"/>
-              <a:buNone/>
-            </a:pPr>
-            <a:r>
-              <a:rPr lang="en" sz="1200">
-                <a:solidFill>
-                  <a:srgbClr val="FF0000"/>
-                </a:solidFill>
-                <a:highlight>
-                  <a:schemeClr val="lt1"/>
-                </a:highlight>
-                <a:latin typeface="Open Sans"/>
-                <a:ea typeface="Open Sans"/>
-                <a:cs typeface="Open Sans"/>
-                <a:sym typeface="Open Sans"/>
-              </a:rPr>
-              <a:t>** Replace example screenshot below with your response</a:t>
-            </a:r>
-            <a:endParaRPr sz="1500">
-              <a:solidFill>
-                <a:srgbClr val="525C65"/>
-              </a:solidFill>
-              <a:highlight>
-                <a:srgbClr val="FFFFFF"/>
-              </a:highlight>
-              <a:latin typeface="Open Sans"/>
-              <a:ea typeface="Open Sans"/>
-              <a:cs typeface="Open Sans"/>
-              <a:sym typeface="Open Sans"/>
-            </a:endParaRPr>
-          </a:p>
-          <a:p>
-            <a:pPr marL="457200" lvl="0" indent="0" algn="l" rtl="0">
-              <a:spcBef>
-                <a:spcPts val="0"/>
-              </a:spcBef>
-              <a:spcAft>
-                <a:spcPts val="1600"/>
-              </a:spcAft>
-              <a:buNone/>
-            </a:pPr>
-            <a:endParaRPr sz="1500">
-              <a:solidFill>
-                <a:srgbClr val="525C65"/>
-              </a:solidFill>
-              <a:highlight>
-                <a:srgbClr val="FFFFFF"/>
-              </a:highlight>
-              <a:latin typeface="Open Sans"/>
-              <a:ea typeface="Open Sans"/>
-              <a:cs typeface="Open Sans"/>
-              <a:sym typeface="Open Sans"/>
-            </a:endParaRPr>
-          </a:p>
-        </p:txBody>
-      </p:sp>
-      <p:pic>
-        <p:nvPicPr>
-          <p:cNvPr id="264" name="Google Shape;264;p64"/>
-          <p:cNvPicPr preferRelativeResize="0"/>
-          <p:nvPr/>
-        </p:nvPicPr>
-        <p:blipFill>
-          <a:blip r:embed="rId3">
-            <a:alphaModFix/>
-          </a:blip>
-          <a:stretch>
-            <a:fillRect/>
-          </a:stretch>
-        </p:blipFill>
-        <p:spPr>
-          <a:xfrm>
-            <a:off x="832174" y="5859975"/>
-            <a:ext cx="6108049" cy="3630424"/>
-          </a:xfrm>
-          <a:prstGeom prst="rect">
-            <a:avLst/>
-          </a:prstGeom>
-          <a:noFill/>
-          <a:ln w="9525" cap="flat" cmpd="sng">
+          <a:solidFill>
+            <a:schemeClr val="lt1"/>
+          </a:solidFill>
+          <a:ln>
             <a:solidFill>
               <a:schemeClr val="dk2"/>
             </a:solidFill>
-            <a:prstDash val="solid"/>
-            <a:round/>
-            <a:headEnd type="none" w="sm" len="sm"/>
-            <a:tailEnd type="none" w="sm" len="sm"/>
           </a:ln>
         </p:spPr>
       </p:pic>
     </p:spTree>
+    <p:extLst>
+      <p:ext uri="{BB962C8B-B14F-4D97-AF65-F5344CB8AC3E}">
+        <p14:creationId xmlns:p14="http://schemas.microsoft.com/office/powerpoint/2010/main" val="1226635049"/>
+      </p:ext>
+    </p:extLst>
   </p:cSld>
   <p:clrMapOvr>
     <a:masterClrMapping/>
@@ -31844,9 +33386,17 @@
 <file path=ppt/slides/slide2.xml><?xml version="1.0" encoding="utf-8"?>
 <p:sld xmlns:a="http://schemas.openxmlformats.org/drawingml/2006/main" xmlns:r="http://schemas.openxmlformats.org/officeDocument/2006/relationships" xmlns:p="http://schemas.openxmlformats.org/presentationml/2006/main">
   <p:cSld>
+    <p:bg>
+      <p:bgPr>
+        <a:solidFill>
+          <a:srgbClr val="02B4E5"/>
+        </a:solidFill>
+        <a:effectLst/>
+      </p:bgPr>
+    </p:bg>
     <p:spTree>
       <p:nvGrpSpPr>
-        <p:cNvPr id="1" name="Shape 184"/>
+        <p:cNvPr id="1" name="Shape 198"/>
         <p:cNvGrpSpPr/>
         <p:nvPr/>
       </p:nvGrpSpPr>
@@ -31860,197 +33410,124 @@
       </p:grpSpPr>
       <p:sp>
         <p:nvSpPr>
-          <p:cNvPr id="185" name="Google Shape;185;p52"/>
-          <p:cNvSpPr txBox="1">
-            <a:spLocks noGrp="1"/>
-          </p:cNvSpPr>
-          <p:nvPr>
-            <p:ph type="title"/>
-          </p:nvPr>
+          <p:cNvPr id="199" name="Google Shape;199;p54"/>
+          <p:cNvSpPr/>
+          <p:nvPr/>
         </p:nvSpPr>
         <p:spPr>
           <a:xfrm>
-            <a:off x="264945" y="870271"/>
-            <a:ext cx="7242600" cy="1119900"/>
+            <a:off x="3582591" y="3663029"/>
+            <a:ext cx="607200" cy="74400"/>
           </a:xfrm>
           <a:prstGeom prst="rect">
             <a:avLst/>
           </a:prstGeom>
+          <a:solidFill>
+            <a:srgbClr val="02B4E5"/>
+          </a:solidFill>
+          <a:ln>
+            <a:noFill/>
+          </a:ln>
         </p:spPr>
         <p:txBody>
-          <a:bodyPr spcFirstLastPara="1" wrap="square" lIns="91425" tIns="91425" rIns="91425" bIns="91425" anchor="ctr" anchorCtr="0">
+          <a:bodyPr spcFirstLastPara="1" wrap="square" lIns="26775" tIns="26775" rIns="26775" bIns="26775" anchor="ctr" anchorCtr="0">
             <a:noAutofit/>
           </a:bodyPr>
           <a:lstStyle/>
           <a:p>
-            <a:pPr marL="0" lvl="0" indent="0" algn="l" rtl="0">
-              <a:spcBef>
-                <a:spcPts val="0"/>
-              </a:spcBef>
-              <a:spcAft>
-                <a:spcPts val="0"/>
-              </a:spcAft>
+            <a:pPr marL="0" marR="0" lvl="0" indent="0" algn="ctr" rtl="0">
+              <a:lnSpc>
+                <a:spcPct val="100000"/>
+              </a:lnSpc>
+              <a:spcBef>
+                <a:spcPts val="0"/>
+              </a:spcBef>
+              <a:spcAft>
+                <a:spcPts val="0"/>
+              </a:spcAft>
+              <a:buClr>
+                <a:srgbClr val="FFFFFF"/>
+              </a:buClr>
+              <a:buFont typeface="Helvetica Neue"/>
               <a:buNone/>
             </a:pPr>
-            <a:r>
-              <a:rPr lang="en"/>
-              <a:t>How to use this Template</a:t>
-            </a:r>
-            <a:endParaRPr/>
+            <a:endParaRPr sz="1200" b="0" i="0" u="none" strike="noStrike" cap="none">
+              <a:solidFill>
+                <a:srgbClr val="02B4E5"/>
+              </a:solidFill>
+              <a:latin typeface="Helvetica Neue"/>
+              <a:ea typeface="Helvetica Neue"/>
+              <a:cs typeface="Helvetica Neue"/>
+              <a:sym typeface="Helvetica Neue"/>
+            </a:endParaRPr>
           </a:p>
         </p:txBody>
       </p:sp>
       <p:sp>
         <p:nvSpPr>
-          <p:cNvPr id="186" name="Google Shape;186;p52"/>
-          <p:cNvSpPr txBox="1">
-            <a:spLocks noGrp="1"/>
-          </p:cNvSpPr>
-          <p:nvPr>
-            <p:ph type="body" idx="1"/>
-          </p:nvPr>
+          <p:cNvPr id="200" name="Google Shape;200;p54"/>
+          <p:cNvSpPr/>
+          <p:nvPr/>
         </p:nvSpPr>
         <p:spPr>
           <a:xfrm>
-            <a:off x="264945" y="2253729"/>
-            <a:ext cx="7242600" cy="6239700"/>
+            <a:off x="3582591" y="3663029"/>
+            <a:ext cx="607200" cy="74400"/>
           </a:xfrm>
           <a:prstGeom prst="rect">
             <a:avLst/>
           </a:prstGeom>
+          <a:solidFill>
+            <a:schemeClr val="lt1"/>
+          </a:solidFill>
+          <a:ln>
+            <a:noFill/>
+          </a:ln>
         </p:spPr>
         <p:txBody>
-          <a:bodyPr spcFirstLastPara="1" wrap="square" lIns="91425" tIns="91425" rIns="91425" bIns="91425" anchor="t" anchorCtr="0">
+          <a:bodyPr spcFirstLastPara="1" wrap="square" lIns="26775" tIns="26775" rIns="26775" bIns="26775" anchor="ctr" anchorCtr="0">
             <a:noAutofit/>
           </a:bodyPr>
           <a:lstStyle/>
           <a:p>
-            <a:pPr marL="457200" lvl="0" indent="-368300" algn="l" rtl="0">
-              <a:spcBef>
-                <a:spcPts val="0"/>
-              </a:spcBef>
-              <a:spcAft>
-                <a:spcPts val="0"/>
-              </a:spcAft>
-              <a:buSzPts val="2200"/>
-              <a:buChar char="●"/>
+            <a:pPr marL="0" marR="0" lvl="0" indent="0" algn="ctr" rtl="0">
+              <a:lnSpc>
+                <a:spcPct val="100000"/>
+              </a:lnSpc>
+              <a:spcBef>
+                <a:spcPts val="0"/>
+              </a:spcBef>
+              <a:spcAft>
+                <a:spcPts val="0"/>
+              </a:spcAft>
+              <a:buClr>
+                <a:srgbClr val="FFFFFF"/>
+              </a:buClr>
+              <a:buFont typeface="Helvetica Neue"/>
+              <a:buNone/>
             </a:pPr>
-            <a:r>
-              <a:rPr lang="en" sz="2200"/>
-              <a:t>Make a copy of this Google Slide deck.</a:t>
-            </a:r>
-            <a:endParaRPr sz="2200"/>
-          </a:p>
-          <a:p>
-            <a:pPr marL="457200" lvl="0" indent="-368300" algn="l" rtl="0">
-              <a:spcBef>
-                <a:spcPts val="0"/>
-              </a:spcBef>
-              <a:spcAft>
-                <a:spcPts val="0"/>
-              </a:spcAft>
-              <a:buSzPts val="2200"/>
-              <a:buChar char="●"/>
-            </a:pPr>
-            <a:r>
-              <a:rPr lang="en" sz="2200"/>
-              <a:t>We have provided these slides as a guide to ensure that you submit all the required components to successfully complete your project. </a:t>
-            </a:r>
-            <a:endParaRPr sz="2200"/>
-          </a:p>
-          <a:p>
-            <a:pPr marL="457200" lvl="0" indent="-368300" algn="l" rtl="0">
-              <a:spcBef>
-                <a:spcPts val="0"/>
-              </a:spcBef>
-              <a:spcAft>
-                <a:spcPts val="0"/>
-              </a:spcAft>
-              <a:buSzPts val="2200"/>
-              <a:buChar char="●"/>
-            </a:pPr>
-            <a:r>
-              <a:rPr lang="en" sz="2200"/>
-              <a:t>When presenting your project, please only think of this as a guide. We encourage you to use creative freedom when making changes, as long as the required information is present. </a:t>
-            </a:r>
-            <a:endParaRPr sz="2200"/>
-          </a:p>
-          <a:p>
-            <a:pPr marL="457200" lvl="0" indent="-368300" algn="l" rtl="0">
-              <a:spcBef>
-                <a:spcPts val="0"/>
-              </a:spcBef>
-              <a:spcAft>
-                <a:spcPts val="0"/>
-              </a:spcAft>
-              <a:buSzPts val="2200"/>
-              <a:buChar char="●"/>
-            </a:pPr>
-            <a:r>
-              <a:rPr lang="en" sz="2200" b="1">
-                <a:latin typeface="Open Sans"/>
-                <a:ea typeface="Open Sans"/>
-                <a:cs typeface="Open Sans"/>
-                <a:sym typeface="Open Sans"/>
-              </a:rPr>
-              <a:t>Remember to delete this and all</a:t>
-            </a:r>
-            <a:r>
-              <a:rPr lang="en" sz="2200"/>
-              <a:t> of the other example slides before you submit your project.</a:t>
-            </a:r>
-            <a:endParaRPr sz="2200"/>
-          </a:p>
-          <a:p>
-            <a:pPr marL="457200" lvl="0" indent="-368300" algn="l" rtl="0">
-              <a:spcBef>
-                <a:spcPts val="0"/>
-              </a:spcBef>
-              <a:spcAft>
-                <a:spcPts val="0"/>
-              </a:spcAft>
-              <a:buSzPts val="2200"/>
-              <a:buChar char="●"/>
-            </a:pPr>
-            <a:r>
-              <a:rPr lang="en" sz="2200" b="1">
-                <a:latin typeface="Open Sans"/>
-                <a:ea typeface="Open Sans"/>
-                <a:cs typeface="Open Sans"/>
-                <a:sym typeface="Open Sans"/>
-              </a:rPr>
-              <a:t>Remember to add your name and the date</a:t>
-            </a:r>
-            <a:r>
-              <a:rPr lang="en" sz="2200"/>
-              <a:t> to the cover slide</a:t>
-            </a:r>
-            <a:endParaRPr sz="2200"/>
-          </a:p>
-          <a:p>
-            <a:pPr marL="457200" lvl="0" indent="0" algn="l" rtl="0">
-              <a:spcBef>
-                <a:spcPts val="1600"/>
-              </a:spcBef>
-              <a:spcAft>
-                <a:spcPts val="1600"/>
-              </a:spcAft>
-              <a:buNone/>
-            </a:pPr>
-            <a:endParaRPr sz="2200"/>
+            <a:endParaRPr sz="1200" b="0" i="0" u="none" strike="noStrike" cap="none">
+              <a:solidFill>
+                <a:srgbClr val="02B4E5"/>
+              </a:solidFill>
+              <a:latin typeface="Helvetica Neue"/>
+              <a:ea typeface="Helvetica Neue"/>
+              <a:cs typeface="Helvetica Neue"/>
+              <a:sym typeface="Helvetica Neue"/>
+            </a:endParaRPr>
           </a:p>
         </p:txBody>
       </p:sp>
       <p:sp>
         <p:nvSpPr>
-          <p:cNvPr id="187" name="Google Shape;187;p52"/>
-          <p:cNvSpPr txBox="1"/>
+          <p:cNvPr id="201" name="Google Shape;201;p54"/>
+          <p:cNvSpPr/>
           <p:nvPr/>
         </p:nvSpPr>
         <p:spPr>
           <a:xfrm>
-            <a:off x="1028425" y="7749175"/>
-            <a:ext cx="5652900" cy="1119900"/>
+            <a:off x="1807121" y="4003549"/>
+            <a:ext cx="4158000" cy="2460000"/>
           </a:xfrm>
           <a:prstGeom prst="rect">
             <a:avLst/>
@@ -32061,22 +33538,29 @@
           </a:ln>
         </p:spPr>
         <p:txBody>
-          <a:bodyPr spcFirstLastPara="1" wrap="square" lIns="91425" tIns="91425" rIns="91425" bIns="91425" anchor="t" anchorCtr="0">
+          <a:bodyPr spcFirstLastPara="1" wrap="square" lIns="26775" tIns="26775" rIns="26775" bIns="26775" anchor="t" anchorCtr="0">
             <a:noAutofit/>
           </a:bodyPr>
           <a:lstStyle/>
           <a:p>
-            <a:pPr marL="0" lvl="0" indent="0" algn="ctr" rtl="0">
-              <a:spcBef>
-                <a:spcPts val="0"/>
-              </a:spcBef>
-              <a:spcAft>
-                <a:spcPts val="0"/>
-              </a:spcAft>
+            <a:pPr marL="0" marR="0" lvl="0" indent="0" algn="ctr" rtl="0">
+              <a:lnSpc>
+                <a:spcPct val="150000"/>
+              </a:lnSpc>
+              <a:spcBef>
+                <a:spcPts val="0"/>
+              </a:spcBef>
+              <a:spcAft>
+                <a:spcPts val="0"/>
+              </a:spcAft>
+              <a:buClr>
+                <a:srgbClr val="FFFFFF"/>
+              </a:buClr>
+              <a:buFont typeface="Open Sans"/>
               <a:buNone/>
             </a:pPr>
             <a:r>
-              <a:rPr lang="en" sz="4500">
+              <a:rPr lang="en" sz="3000" b="1">
                 <a:solidFill>
                   <a:srgbClr val="FFFFFF"/>
                 </a:solidFill>
@@ -32085,9 +33569,9 @@
                 <a:cs typeface="Open Sans"/>
                 <a:sym typeface="Open Sans"/>
               </a:rPr>
-              <a:t>Remove this slide</a:t>
+              <a:t>Step 1</a:t>
             </a:r>
-            <a:endParaRPr sz="4500">
+            <a:endParaRPr sz="3000" b="1">
               <a:solidFill>
                 <a:srgbClr val="FFFFFF"/>
               </a:solidFill>
@@ -32097,35 +33581,47 @@
               <a:sym typeface="Open Sans"/>
             </a:endParaRPr>
           </a:p>
+          <a:p>
+            <a:pPr marL="0" marR="0" lvl="0" indent="0" algn="ctr" rtl="0">
+              <a:lnSpc>
+                <a:spcPct val="150000"/>
+              </a:lnSpc>
+              <a:spcBef>
+                <a:spcPts val="0"/>
+              </a:spcBef>
+              <a:spcAft>
+                <a:spcPts val="0"/>
+              </a:spcAft>
+              <a:buClr>
+                <a:srgbClr val="FFFFFF"/>
+              </a:buClr>
+              <a:buFont typeface="Open Sans"/>
+              <a:buNone/>
+            </a:pPr>
+            <a:r>
+              <a:rPr lang="en" sz="3000">
+                <a:solidFill>
+                  <a:srgbClr val="FFFFFF"/>
+                </a:solidFill>
+                <a:latin typeface="Open Sans"/>
+                <a:ea typeface="Open Sans"/>
+                <a:cs typeface="Open Sans"/>
+                <a:sym typeface="Open Sans"/>
+              </a:rPr>
+              <a:t>Data Architecture Foundations</a:t>
+            </a:r>
+            <a:endParaRPr sz="3000">
+              <a:solidFill>
+                <a:srgbClr val="FFFFFF"/>
+              </a:solidFill>
+              <a:latin typeface="Open Sans"/>
+              <a:ea typeface="Open Sans"/>
+              <a:cs typeface="Open Sans"/>
+              <a:sym typeface="Open Sans"/>
+            </a:endParaRPr>
+          </a:p>
         </p:txBody>
       </p:sp>
-      <p:pic>
-        <p:nvPicPr>
-          <p:cNvPr id="188" name="Google Shape;188;p52"/>
-          <p:cNvPicPr preferRelativeResize="0"/>
-          <p:nvPr/>
-        </p:nvPicPr>
-        <p:blipFill rotWithShape="1">
-          <a:blip r:embed="rId3">
-            <a:alphaModFix/>
-          </a:blip>
-          <a:srcRect l="18073" t="20988" r="14486" b="11824"/>
-          <a:stretch/>
-        </p:blipFill>
-        <p:spPr>
-          <a:xfrm>
-            <a:off x="374375" y="7823200"/>
-            <a:ext cx="7023750" cy="1749275"/>
-          </a:xfrm>
-          <a:prstGeom prst="rect">
-            <a:avLst/>
-          </a:prstGeom>
-          <a:noFill/>
-          <a:ln>
-            <a:noFill/>
-          </a:ln>
-        </p:spPr>
-      </p:pic>
     </p:spTree>
   </p:cSld>
   <p:clrMapOvr>
@@ -34897,7 +36393,7 @@
   <p:cSld>
     <p:spTree>
       <p:nvGrpSpPr>
-        <p:cNvPr id="1" name="Shape 192"/>
+        <p:cNvPr id="1" name="Shape 205"/>
         <p:cNvGrpSpPr/>
         <p:nvPr/>
       </p:nvGrpSpPr>
@@ -34911,7 +36407,7 @@
       </p:grpSpPr>
       <p:sp>
         <p:nvSpPr>
-          <p:cNvPr id="193" name="Google Shape;193;p53"/>
+          <p:cNvPr id="206" name="Google Shape;206;p55"/>
           <p:cNvSpPr txBox="1">
             <a:spLocks noGrp="1"/>
           </p:cNvSpPr>
@@ -34945,7 +36441,7 @@
             </a:pPr>
             <a:r>
               <a:rPr lang="en"/>
-              <a:t>Business Scenario</a:t>
+              <a:t>Step 1: Data Architecture Foundations</a:t>
             </a:r>
             <a:endParaRPr/>
           </a:p>
@@ -34953,7 +36449,7 @@
       </p:sp>
       <p:sp>
         <p:nvSpPr>
-          <p:cNvPr id="194" name="Google Shape;194;p53"/>
+          <p:cNvPr id="207" name="Google Shape;207;p55"/>
           <p:cNvSpPr txBox="1">
             <a:spLocks noGrp="1"/>
           </p:cNvSpPr>
@@ -34963,8 +36459,8 @@
         </p:nvSpPr>
         <p:spPr>
           <a:xfrm>
-            <a:off x="264945" y="2253729"/>
-            <a:ext cx="7242600" cy="6239700"/>
+            <a:off x="264950" y="2253724"/>
+            <a:ext cx="7242600" cy="7534500"/>
           </a:xfrm>
           <a:prstGeom prst="rect">
             <a:avLst/>
@@ -34976,10 +36472,7 @@
           </a:bodyPr>
           <a:lstStyle/>
           <a:p>
-            <a:pPr marL="0" marR="241300" lvl="0" indent="0" algn="l" rtl="0">
-              <a:lnSpc>
-                <a:spcPct val="170000"/>
-              </a:lnSpc>
+            <a:pPr marL="0" lvl="0" indent="0" algn="l" rtl="0">
               <a:spcBef>
                 <a:spcPts val="0"/>
               </a:spcBef>
@@ -34993,10 +36486,41 @@
               <a:buFont typeface="Arial"/>
               <a:buNone/>
             </a:pPr>
+            <a:endParaRPr sz="1000" dirty="0">
+              <a:solidFill>
+                <a:schemeClr val="dk1"/>
+              </a:solidFill>
+              <a:highlight>
+                <a:srgbClr val="DBE2E8"/>
+              </a:highlight>
+              <a:latin typeface="Open Sans"/>
+              <a:ea typeface="Open Sans"/>
+              <a:cs typeface="Open Sans"/>
+              <a:sym typeface="Open Sans"/>
+            </a:endParaRPr>
+          </a:p>
+          <a:p>
+            <a:pPr marL="0" lvl="0" indent="0" algn="l" rtl="0">
+              <a:lnSpc>
+                <a:spcPct val="115000"/>
+              </a:lnSpc>
+              <a:spcBef>
+                <a:spcPts val="0"/>
+              </a:spcBef>
+              <a:spcAft>
+                <a:spcPts val="0"/>
+              </a:spcAft>
+              <a:buClr>
+                <a:schemeClr val="dk1"/>
+              </a:buClr>
+              <a:buSzPts val="1100"/>
+              <a:buFont typeface="Arial"/>
+              <a:buNone/>
+            </a:pPr>
             <a:r>
-              <a:rPr lang="en" sz="1350" b="1">
-                <a:solidFill>
-                  <a:srgbClr val="2E3D49"/>
+              <a:rPr lang="en" sz="1000" dirty="0">
+                <a:solidFill>
+                  <a:srgbClr val="525C65"/>
                 </a:solidFill>
                 <a:highlight>
                   <a:srgbClr val="FFFFFF"/>
@@ -35006,70 +36530,9 @@
                 <a:cs typeface="Open Sans"/>
                 <a:sym typeface="Open Sans"/>
               </a:rPr>
-              <a:t>  </a:t>
+              <a:t>Hi,</a:t>
             </a:r>
-            <a:r>
-              <a:rPr lang="en" sz="1500" b="1">
-                <a:solidFill>
-                  <a:srgbClr val="2E3D49"/>
-                </a:solidFill>
-                <a:highlight>
-                  <a:srgbClr val="FFFFFF"/>
-                </a:highlight>
-                <a:latin typeface="Open Sans"/>
-                <a:ea typeface="Open Sans"/>
-                <a:cs typeface="Open Sans"/>
-                <a:sym typeface="Open Sans"/>
-              </a:rPr>
-              <a:t>   Business requirement</a:t>
-            </a:r>
-            <a:endParaRPr sz="1500" b="1">
-              <a:solidFill>
-                <a:srgbClr val="2E3D49"/>
-              </a:solidFill>
-              <a:highlight>
-                <a:srgbClr val="FFFFFF"/>
-              </a:highlight>
-              <a:latin typeface="Open Sans"/>
-              <a:ea typeface="Open Sans"/>
-              <a:cs typeface="Open Sans"/>
-              <a:sym typeface="Open Sans"/>
-            </a:endParaRPr>
-          </a:p>
-          <a:p>
-            <a:pPr marL="241300" marR="241300" lvl="0" indent="0" algn="l" rtl="0">
-              <a:lnSpc>
-                <a:spcPct val="170000"/>
-              </a:lnSpc>
-              <a:spcBef>
-                <a:spcPts val="400"/>
-              </a:spcBef>
-              <a:spcAft>
-                <a:spcPts val="0"/>
-              </a:spcAft>
-              <a:buClr>
-                <a:schemeClr val="dk1"/>
-              </a:buClr>
-              <a:buSzPts val="1100"/>
-              <a:buFont typeface="Arial"/>
-              <a:buNone/>
-            </a:pPr>
-            <a:r>
-              <a:rPr lang="en" sz="1300">
-                <a:solidFill>
-                  <a:srgbClr val="525C65"/>
-                </a:solidFill>
-                <a:highlight>
-                  <a:srgbClr val="FFFFFF"/>
-                </a:highlight>
-                <a:latin typeface="Open Sans"/>
-                <a:ea typeface="Open Sans"/>
-                <a:cs typeface="Open Sans"/>
-                <a:sym typeface="Open Sans"/>
-              </a:rPr>
-              <a:t>Tech ABC Corp saw explosive growth with a sudden appearance onto the gaming scene with their new AI-powered video game console. As a result, they have gone from a small 10 person operation to 200 employees and 5 locations in under a year. HR is having trouble keeping up with the growth, since they are still maintaining employee information in a spreadsheet. While that worked for ten employees, it has becoming increasingly cumbersome to manage as the company expands.</a:t>
-            </a:r>
-            <a:endParaRPr sz="1300">
+            <a:endParaRPr sz="1000" dirty="0">
               <a:solidFill>
                 <a:srgbClr val="525C65"/>
               </a:solidFill>
@@ -35083,9 +36546,9 @@
             </a:endParaRPr>
           </a:p>
           <a:p>
-            <a:pPr marL="241300" marR="241300" lvl="0" indent="0" algn="l" rtl="0">
-              <a:lnSpc>
-                <a:spcPct val="170000"/>
+            <a:pPr marL="0" lvl="0" indent="0" algn="l" rtl="0">
+              <a:lnSpc>
+                <a:spcPct val="115000"/>
               </a:lnSpc>
               <a:spcBef>
                 <a:spcPts val="0"/>
@@ -35100,7 +36563,50 @@
               <a:buFont typeface="Arial"/>
               <a:buNone/>
             </a:pPr>
-            <a:endParaRPr sz="1300">
+            <a:endParaRPr sz="1200" dirty="0">
+              <a:solidFill>
+                <a:schemeClr val="dk1"/>
+              </a:solidFill>
+              <a:latin typeface="Arial"/>
+              <a:ea typeface="Arial"/>
+              <a:cs typeface="Arial"/>
+              <a:sym typeface="Arial"/>
+            </a:endParaRPr>
+          </a:p>
+          <a:p>
+            <a:pPr marL="0" lvl="0" indent="0" algn="l" rtl="0">
+              <a:lnSpc>
+                <a:spcPct val="115000"/>
+              </a:lnSpc>
+              <a:spcBef>
+                <a:spcPts val="0"/>
+              </a:spcBef>
+              <a:spcAft>
+                <a:spcPts val="0"/>
+              </a:spcAft>
+              <a:buClr>
+                <a:schemeClr val="dk1"/>
+              </a:buClr>
+              <a:buSzPts val="1100"/>
+              <a:buFont typeface="Arial"/>
+              <a:buNone/>
+            </a:pPr>
+            <a:r>
+              <a:rPr lang="en" sz="1000" dirty="0">
+                <a:solidFill>
+                  <a:srgbClr val="525C65"/>
+                </a:solidFill>
+                <a:highlight>
+                  <a:srgbClr val="FFFFFF"/>
+                </a:highlight>
+                <a:latin typeface="Open Sans"/>
+                <a:ea typeface="Open Sans"/>
+                <a:cs typeface="Open Sans"/>
+                <a:sym typeface="Open Sans"/>
+              </a:rPr>
+              <a:t>Welcome to Tech ABC Corp. We are excited to have some new talent onboard. As you may already know, Tech ABC Corp has recently experienced a lot of growth. Our AI powered video game console WOPR has been hugely successful and as a result, our company has grown from 10 employees to 200 in only 6 months (and we are projecting a 20% growth a year for the next 5 years). We have also grown from our Dallas, Texas office, to 4 other locations nationwide: New York City, NY, San Francisco, CA, Minneapolis, MN, and Nashville, TN.</a:t>
+            </a:r>
+            <a:endParaRPr sz="1000" dirty="0">
               <a:solidFill>
                 <a:srgbClr val="525C65"/>
               </a:solidFill>
@@ -35114,9 +36620,9 @@
             </a:endParaRPr>
           </a:p>
           <a:p>
-            <a:pPr marL="241300" marR="241300" lvl="0" indent="0" algn="l" rtl="0">
-              <a:lnSpc>
-                <a:spcPct val="170000"/>
+            <a:pPr marL="0" lvl="0" indent="0" algn="l" rtl="0">
+              <a:lnSpc>
+                <a:spcPct val="115000"/>
               </a:lnSpc>
               <a:spcBef>
                 <a:spcPts val="0"/>
@@ -35131,8 +36637,36 @@
               <a:buFont typeface="Arial"/>
               <a:buNone/>
             </a:pPr>
+            <a:endParaRPr sz="1200" dirty="0">
+              <a:solidFill>
+                <a:schemeClr val="dk1"/>
+              </a:solidFill>
+              <a:latin typeface="Arial"/>
+              <a:ea typeface="Arial"/>
+              <a:cs typeface="Arial"/>
+              <a:sym typeface="Arial"/>
+            </a:endParaRPr>
+          </a:p>
+          <a:p>
+            <a:pPr marL="0" lvl="0" indent="0" algn="l" rtl="0">
+              <a:lnSpc>
+                <a:spcPct val="115000"/>
+              </a:lnSpc>
+              <a:spcBef>
+                <a:spcPts val="0"/>
+              </a:spcBef>
+              <a:spcAft>
+                <a:spcPts val="0"/>
+              </a:spcAft>
+              <a:buClr>
+                <a:schemeClr val="dk1"/>
+              </a:buClr>
+              <a:buSzPts val="1100"/>
+              <a:buFont typeface="Arial"/>
+              <a:buNone/>
+            </a:pPr>
             <a:r>
-              <a:rPr lang="en" sz="1300">
+              <a:rPr lang="en" sz="1000" dirty="0">
                 <a:solidFill>
                   <a:srgbClr val="525C65"/>
                 </a:solidFill>
@@ -35144,9 +36678,9 @@
                 <a:cs typeface="Open Sans"/>
                 <a:sym typeface="Open Sans"/>
               </a:rPr>
-              <a:t>As such, the HR department has tasked you, as the new data architect, to design and build a database capable of managing their employee information.</a:t>
+              <a:t>While this growth is great, it is really starting to put a strain on our record keeping in HR. We currently maintain all employee information on a shared spreadsheet. When HR consisted of only myself, managing everyone on an Excel spreadsheet was simple, but now that it is a shared document I am having serious reservations about data integrity and data security. If the wrong person got their hands on the HR file, they would see the salaries of every employee in the company, all the way up to the president.</a:t>
             </a:r>
-            <a:endParaRPr sz="1300">
+            <a:endParaRPr sz="1000" dirty="0">
               <a:solidFill>
                 <a:srgbClr val="525C65"/>
               </a:solidFill>
@@ -35160,9 +36694,9 @@
             </a:endParaRPr>
           </a:p>
           <a:p>
-            <a:pPr marL="241300" marR="241300" lvl="0" indent="0" algn="l" rtl="0">
-              <a:lnSpc>
-                <a:spcPct val="170000"/>
+            <a:pPr marL="0" lvl="0" indent="0" algn="l" rtl="0">
+              <a:lnSpc>
+                <a:spcPct val="115000"/>
               </a:lnSpc>
               <a:spcBef>
                 <a:spcPts val="0"/>
@@ -35177,7 +36711,50 @@
               <a:buFont typeface="Arial"/>
               <a:buNone/>
             </a:pPr>
-            <a:endParaRPr sz="1200">
+            <a:endParaRPr sz="1200" dirty="0">
+              <a:solidFill>
+                <a:schemeClr val="dk1"/>
+              </a:solidFill>
+              <a:latin typeface="Arial"/>
+              <a:ea typeface="Arial"/>
+              <a:cs typeface="Arial"/>
+              <a:sym typeface="Arial"/>
+            </a:endParaRPr>
+          </a:p>
+          <a:p>
+            <a:pPr marL="0" lvl="0" indent="0" algn="l" rtl="0">
+              <a:lnSpc>
+                <a:spcPct val="115000"/>
+              </a:lnSpc>
+              <a:spcBef>
+                <a:spcPts val="0"/>
+              </a:spcBef>
+              <a:spcAft>
+                <a:spcPts val="0"/>
+              </a:spcAft>
+              <a:buClr>
+                <a:schemeClr val="dk1"/>
+              </a:buClr>
+              <a:buSzPts val="1100"/>
+              <a:buFont typeface="Arial"/>
+              <a:buNone/>
+            </a:pPr>
+            <a:r>
+              <a:rPr lang="en" sz="1000" dirty="0">
+                <a:solidFill>
+                  <a:srgbClr val="525C65"/>
+                </a:solidFill>
+                <a:highlight>
+                  <a:srgbClr val="FFFFFF"/>
+                </a:highlight>
+                <a:latin typeface="Open Sans"/>
+                <a:ea typeface="Open Sans"/>
+                <a:cs typeface="Open Sans"/>
+                <a:sym typeface="Open Sans"/>
+              </a:rPr>
+              <a:t>After speaking with Jacob Lauber, the manager of IT, he suggested I put in a request to have my HR Excel file converted into a database. He suggested I reach out to you as I am told you have experience in designing and building databases. When you are building this, please keep in mind that I want any employee with a domain login to be have read only access the database. I just don't want them having access to salary information. That needs to be restricted to HR and management level employees only. Management and HR employees should also be the only ones with write access. By our current estimates, 90% of users will be read only.</a:t>
+            </a:r>
+            <a:endParaRPr sz="1000" dirty="0">
               <a:solidFill>
                 <a:srgbClr val="525C65"/>
               </a:solidFill>
@@ -35191,9 +36768,9 @@
             </a:endParaRPr>
           </a:p>
           <a:p>
-            <a:pPr marL="241300" marR="241300" lvl="0" indent="0" algn="l" rtl="0">
-              <a:lnSpc>
-                <a:spcPct val="170000"/>
+            <a:pPr marL="0" lvl="0" indent="0" algn="l" rtl="0">
+              <a:lnSpc>
+                <a:spcPct val="115000"/>
               </a:lnSpc>
               <a:spcBef>
                 <a:spcPts val="0"/>
@@ -35208,10 +36785,38 @@
               <a:buFont typeface="Arial"/>
               <a:buNone/>
             </a:pPr>
+            <a:endParaRPr sz="1200" dirty="0">
+              <a:solidFill>
+                <a:schemeClr val="dk1"/>
+              </a:solidFill>
+              <a:latin typeface="Arial"/>
+              <a:ea typeface="Arial"/>
+              <a:cs typeface="Arial"/>
+              <a:sym typeface="Arial"/>
+            </a:endParaRPr>
+          </a:p>
+          <a:p>
+            <a:pPr marL="0" lvl="0" indent="0" algn="l" rtl="0">
+              <a:lnSpc>
+                <a:spcPct val="115000"/>
+              </a:lnSpc>
+              <a:spcBef>
+                <a:spcPts val="0"/>
+              </a:spcBef>
+              <a:spcAft>
+                <a:spcPts val="0"/>
+              </a:spcAft>
+              <a:buClr>
+                <a:schemeClr val="dk1"/>
+              </a:buClr>
+              <a:buSzPts val="1100"/>
+              <a:buFont typeface="Arial"/>
+              <a:buNone/>
+            </a:pPr>
             <a:r>
-              <a:rPr lang="en" sz="1500" b="1">
-                <a:solidFill>
-                  <a:srgbClr val="2E3D49"/>
+              <a:rPr lang="en" sz="1000" dirty="0">
+                <a:solidFill>
+                  <a:srgbClr val="525C65"/>
                 </a:solidFill>
                 <a:highlight>
                   <a:srgbClr val="FFFFFF"/>
@@ -35221,86 +36826,9 @@
                 <a:cs typeface="Open Sans"/>
                 <a:sym typeface="Open Sans"/>
               </a:rPr>
-              <a:t>Dataset</a:t>
+              <a:t>I also want to make sure you know that am looking to turn my spreadsheet into a live database, one I can input and edit information into. I am not really concerned with reporting capabilities at the moment. Since we are working with employee data we are required by federal regulations to maintain this data for at least 7 years; additionally, since this is considered business critical data, we need to make sure it gets backed up properly.</a:t>
             </a:r>
-            <a:endParaRPr sz="1500" b="1">
-              <a:solidFill>
-                <a:srgbClr val="2E3D49"/>
-              </a:solidFill>
-              <a:highlight>
-                <a:srgbClr val="FFFFFF"/>
-              </a:highlight>
-              <a:latin typeface="Open Sans"/>
-              <a:ea typeface="Open Sans"/>
-              <a:cs typeface="Open Sans"/>
-              <a:sym typeface="Open Sans"/>
-            </a:endParaRPr>
-          </a:p>
-          <a:p>
-            <a:pPr marL="241300" marR="241300" lvl="0" indent="0" algn="l" rtl="0">
-              <a:lnSpc>
-                <a:spcPct val="170000"/>
-              </a:lnSpc>
-              <a:spcBef>
-                <a:spcPts val="0"/>
-              </a:spcBef>
-              <a:spcAft>
-                <a:spcPts val="0"/>
-              </a:spcAft>
-              <a:buClr>
-                <a:schemeClr val="dk1"/>
-              </a:buClr>
-              <a:buSzPts val="1100"/>
-              <a:buFont typeface="Arial"/>
-              <a:buNone/>
-            </a:pPr>
-            <a:r>
-              <a:rPr lang="en" sz="1300">
-                <a:solidFill>
-                  <a:srgbClr val="525C65"/>
-                </a:solidFill>
-                <a:highlight>
-                  <a:srgbClr val="FFFFFF"/>
-                </a:highlight>
-                <a:latin typeface="Open Sans"/>
-                <a:ea typeface="Open Sans"/>
-                <a:cs typeface="Open Sans"/>
-                <a:sym typeface="Open Sans"/>
-              </a:rPr>
-              <a:t>The </a:t>
-            </a:r>
-            <a:r>
-              <a:rPr lang="en" sz="1300" u="sng">
-                <a:solidFill>
-                  <a:schemeClr val="hlink"/>
-                </a:solidFill>
-                <a:highlight>
-                  <a:srgbClr val="FFFFFF"/>
-                </a:highlight>
-                <a:latin typeface="Open Sans"/>
-                <a:ea typeface="Open Sans"/>
-                <a:cs typeface="Open Sans"/>
-                <a:sym typeface="Open Sans"/>
-                <a:hlinkClick r:id="rId3"/>
-              </a:rPr>
-              <a:t>HR dataset</a:t>
-            </a:r>
-            <a:r>
-              <a:rPr lang="en" sz="1300">
-                <a:solidFill>
-                  <a:srgbClr val="525C65"/>
-                </a:solidFill>
-                <a:highlight>
-                  <a:srgbClr val="FFFFFF"/>
-                </a:highlight>
-                <a:latin typeface="Open Sans"/>
-                <a:ea typeface="Open Sans"/>
-                <a:cs typeface="Open Sans"/>
-                <a:sym typeface="Open Sans"/>
-              </a:rPr>
-              <a:t> you will be working with is an Excel workbook which consists of 206 records, with eleven columns. The data is in human readable format, and has not been normalized at all. The data lists the names of employees at Tech ABC Corp as well as information such as job title, department, manager's name, hire date, start date, end date, work location, and salary.</a:t>
-            </a:r>
-            <a:endParaRPr sz="1300">
+            <a:endParaRPr sz="1000" dirty="0">
               <a:solidFill>
                 <a:srgbClr val="525C65"/>
               </a:solidFill>
@@ -35314,9 +36842,9 @@
             </a:endParaRPr>
           </a:p>
           <a:p>
-            <a:pPr marL="241300" marR="241300" lvl="0" indent="0" algn="l" rtl="0">
-              <a:lnSpc>
-                <a:spcPct val="170000"/>
+            <a:pPr marL="0" lvl="0" indent="0" algn="l" rtl="0">
+              <a:lnSpc>
+                <a:spcPct val="115000"/>
               </a:lnSpc>
               <a:spcBef>
                 <a:spcPts val="0"/>
@@ -35331,7 +36859,50 @@
               <a:buFont typeface="Arial"/>
               <a:buNone/>
             </a:pPr>
-            <a:endParaRPr sz="1300">
+            <a:endParaRPr sz="1200" dirty="0">
+              <a:solidFill>
+                <a:schemeClr val="dk1"/>
+              </a:solidFill>
+              <a:latin typeface="Arial"/>
+              <a:ea typeface="Arial"/>
+              <a:cs typeface="Arial"/>
+              <a:sym typeface="Arial"/>
+            </a:endParaRPr>
+          </a:p>
+          <a:p>
+            <a:pPr marL="0" lvl="0" indent="0" algn="l" rtl="0">
+              <a:lnSpc>
+                <a:spcPct val="115000"/>
+              </a:lnSpc>
+              <a:spcBef>
+                <a:spcPts val="0"/>
+              </a:spcBef>
+              <a:spcAft>
+                <a:spcPts val="0"/>
+              </a:spcAft>
+              <a:buClr>
+                <a:schemeClr val="dk1"/>
+              </a:buClr>
+              <a:buSzPts val="1100"/>
+              <a:buFont typeface="Arial"/>
+              <a:buNone/>
+            </a:pPr>
+            <a:r>
+              <a:rPr lang="en" sz="1000" dirty="0">
+                <a:solidFill>
+                  <a:srgbClr val="525C65"/>
+                </a:solidFill>
+                <a:highlight>
+                  <a:srgbClr val="FFFFFF"/>
+                </a:highlight>
+                <a:latin typeface="Open Sans"/>
+                <a:ea typeface="Open Sans"/>
+                <a:cs typeface="Open Sans"/>
+                <a:sym typeface="Open Sans"/>
+              </a:rPr>
+              <a:t>As a final consideration. We would like to be able to connect with the payroll department's system in the future. They maintain employee attendance and paid time off information. It would be nice if the two systems could interface in the future</a:t>
+            </a:r>
+            <a:endParaRPr sz="1000" dirty="0">
               <a:solidFill>
                 <a:srgbClr val="525C65"/>
               </a:solidFill>
@@ -35345,9 +36916,9 @@
             </a:endParaRPr>
           </a:p>
           <a:p>
-            <a:pPr marL="241300" marR="241300" lvl="0" indent="0" algn="l" rtl="0">
-              <a:lnSpc>
-                <a:spcPct val="170000"/>
+            <a:pPr marL="0" lvl="0" indent="0" algn="l" rtl="0">
+              <a:lnSpc>
+                <a:spcPct val="115000"/>
               </a:lnSpc>
               <a:spcBef>
                 <a:spcPts val="0"/>
@@ -35362,99 +36933,50 @@
               <a:buFont typeface="Arial"/>
               <a:buNone/>
             </a:pPr>
+            <a:endParaRPr sz="1200" dirty="0">
+              <a:solidFill>
+                <a:schemeClr val="dk1"/>
+              </a:solidFill>
+              <a:latin typeface="Arial"/>
+              <a:ea typeface="Arial"/>
+              <a:cs typeface="Arial"/>
+              <a:sym typeface="Arial"/>
+            </a:endParaRPr>
+          </a:p>
+          <a:p>
+            <a:pPr marL="0" lvl="0" indent="0" algn="l" rtl="0">
+              <a:lnSpc>
+                <a:spcPct val="115000"/>
+              </a:lnSpc>
+              <a:spcBef>
+                <a:spcPts val="0"/>
+              </a:spcBef>
+              <a:spcAft>
+                <a:spcPts val="0"/>
+              </a:spcAft>
+              <a:buClr>
+                <a:schemeClr val="dk1"/>
+              </a:buClr>
+              <a:buSzPts val="1100"/>
+              <a:buFont typeface="Arial"/>
+              <a:buNone/>
+            </a:pPr>
             <a:r>
-              <a:rPr lang="en" sz="1500" b="1">
-                <a:solidFill>
-                  <a:srgbClr val="2E3D49"/>
+              <a:rPr lang="en" sz="1000" dirty="0">
+                <a:solidFill>
+                  <a:srgbClr val="525C65"/>
                 </a:solidFill>
                 <a:highlight>
-                  <a:schemeClr val="lt1"/>
+                  <a:srgbClr val="FFFFFF"/>
                 </a:highlight>
                 <a:latin typeface="Open Sans"/>
                 <a:ea typeface="Open Sans"/>
                 <a:cs typeface="Open Sans"/>
                 <a:sym typeface="Open Sans"/>
               </a:rPr>
-              <a:t>IT Department Best Practices</a:t>
+              <a:t>I am looking forward to working with you and seeing what kind of database you design for us.</a:t>
             </a:r>
-            <a:endParaRPr sz="1500" b="1">
-              <a:solidFill>
-                <a:srgbClr val="2E3D49"/>
-              </a:solidFill>
-              <a:highlight>
-                <a:schemeClr val="lt1"/>
-              </a:highlight>
-              <a:latin typeface="Open Sans"/>
-              <a:ea typeface="Open Sans"/>
-              <a:cs typeface="Open Sans"/>
-              <a:sym typeface="Open Sans"/>
-            </a:endParaRPr>
-          </a:p>
-          <a:p>
-            <a:pPr marL="241300" marR="241300" lvl="0" indent="0" algn="l" rtl="0">
-              <a:lnSpc>
-                <a:spcPct val="170000"/>
-              </a:lnSpc>
-              <a:spcBef>
-                <a:spcPts val="0"/>
-              </a:spcBef>
-              <a:spcAft>
-                <a:spcPts val="0"/>
-              </a:spcAft>
-              <a:buClr>
-                <a:schemeClr val="dk1"/>
-              </a:buClr>
-              <a:buSzPts val="1100"/>
-              <a:buFont typeface="Arial"/>
-              <a:buNone/>
-            </a:pPr>
-            <a:r>
-              <a:rPr lang="en" sz="1300">
-                <a:solidFill>
-                  <a:srgbClr val="525C65"/>
-                </a:solidFill>
-                <a:highlight>
-                  <a:schemeClr val="lt1"/>
-                </a:highlight>
-                <a:latin typeface="Open Sans"/>
-                <a:ea typeface="Open Sans"/>
-                <a:cs typeface="Open Sans"/>
-                <a:sym typeface="Open Sans"/>
-              </a:rPr>
-              <a:t>The IT Department has certain Best Practices policies for databases you should follow, as detailed in the </a:t>
-            </a:r>
-            <a:r>
-              <a:rPr lang="en" sz="1300" u="sng">
-                <a:solidFill>
-                  <a:schemeClr val="hlink"/>
-                </a:solidFill>
-                <a:highlight>
-                  <a:schemeClr val="lt1"/>
-                </a:highlight>
-                <a:latin typeface="Open Sans"/>
-                <a:ea typeface="Open Sans"/>
-                <a:cs typeface="Open Sans"/>
-                <a:sym typeface="Open Sans"/>
-                <a:hlinkClick r:id="rId4"/>
-              </a:rPr>
-              <a:t>Best Practices document</a:t>
-            </a:r>
-            <a:r>
-              <a:rPr lang="en" sz="1300">
-                <a:solidFill>
-                  <a:srgbClr val="525C65"/>
-                </a:solidFill>
-                <a:highlight>
-                  <a:schemeClr val="lt1"/>
-                </a:highlight>
-                <a:latin typeface="Open Sans"/>
-                <a:ea typeface="Open Sans"/>
-                <a:cs typeface="Open Sans"/>
-                <a:sym typeface="Open Sans"/>
-              </a:rPr>
-              <a:t>.</a:t>
-            </a:r>
-            <a:endParaRPr sz="1300">
+            <a:endParaRPr sz="1000" dirty="0">
               <a:solidFill>
                 <a:srgbClr val="525C65"/>
               </a:solidFill>
@@ -35469,15 +36991,212 @@
           </a:p>
           <a:p>
             <a:pPr marL="0" lvl="0" indent="0" algn="l" rtl="0">
-              <a:spcBef>
-                <a:spcPts val="0"/>
+              <a:lnSpc>
+                <a:spcPct val="115000"/>
+              </a:lnSpc>
+              <a:spcBef>
+                <a:spcPts val="0"/>
+              </a:spcBef>
+              <a:spcAft>
+                <a:spcPts val="0"/>
+              </a:spcAft>
+              <a:buClr>
+                <a:schemeClr val="dk1"/>
+              </a:buClr>
+              <a:buSzPts val="1100"/>
+              <a:buFont typeface="Arial"/>
+              <a:buNone/>
+            </a:pPr>
+            <a:endParaRPr sz="1200" dirty="0">
+              <a:solidFill>
+                <a:schemeClr val="dk1"/>
+              </a:solidFill>
+              <a:latin typeface="Arial"/>
+              <a:ea typeface="Arial"/>
+              <a:cs typeface="Arial"/>
+              <a:sym typeface="Arial"/>
+            </a:endParaRPr>
+          </a:p>
+          <a:p>
+            <a:pPr marL="0" lvl="0" indent="0" algn="l" rtl="0">
+              <a:lnSpc>
+                <a:spcPct val="115000"/>
+              </a:lnSpc>
+              <a:spcBef>
+                <a:spcPts val="0"/>
+              </a:spcBef>
+              <a:spcAft>
+                <a:spcPts val="0"/>
+              </a:spcAft>
+              <a:buClr>
+                <a:schemeClr val="dk1"/>
+              </a:buClr>
+              <a:buSzPts val="1100"/>
+              <a:buFont typeface="Arial"/>
+              <a:buNone/>
+            </a:pPr>
+            <a:r>
+              <a:rPr lang="en" sz="1000" dirty="0">
+                <a:solidFill>
+                  <a:srgbClr val="525C65"/>
+                </a:solidFill>
+                <a:highlight>
+                  <a:srgbClr val="FFFFFF"/>
+                </a:highlight>
+                <a:latin typeface="Open Sans"/>
+                <a:ea typeface="Open Sans"/>
+                <a:cs typeface="Open Sans"/>
+                <a:sym typeface="Open Sans"/>
+              </a:rPr>
+              <a:t>Thanks,</a:t>
+            </a:r>
+            <a:endParaRPr sz="1000" dirty="0">
+              <a:solidFill>
+                <a:srgbClr val="525C65"/>
+              </a:solidFill>
+              <a:highlight>
+                <a:srgbClr val="FFFFFF"/>
+              </a:highlight>
+              <a:latin typeface="Open Sans"/>
+              <a:ea typeface="Open Sans"/>
+              <a:cs typeface="Open Sans"/>
+              <a:sym typeface="Open Sans"/>
+            </a:endParaRPr>
+          </a:p>
+          <a:p>
+            <a:pPr marL="0" lvl="0" indent="0" algn="l" rtl="0">
+              <a:lnSpc>
+                <a:spcPct val="115000"/>
+              </a:lnSpc>
+              <a:spcBef>
+                <a:spcPts val="0"/>
+              </a:spcBef>
+              <a:spcAft>
+                <a:spcPts val="0"/>
+              </a:spcAft>
+              <a:buClr>
+                <a:schemeClr val="dk1"/>
+              </a:buClr>
+              <a:buSzPts val="1100"/>
+              <a:buFont typeface="Arial"/>
+              <a:buNone/>
+            </a:pPr>
+            <a:r>
+              <a:rPr lang="en" sz="1000" dirty="0">
+                <a:solidFill>
+                  <a:srgbClr val="525C65"/>
+                </a:solidFill>
+                <a:highlight>
+                  <a:srgbClr val="FFFFFF"/>
+                </a:highlight>
+                <a:latin typeface="Open Sans"/>
+                <a:ea typeface="Open Sans"/>
+                <a:cs typeface="Open Sans"/>
+                <a:sym typeface="Open Sans"/>
+              </a:rPr>
+              <a:t>Sarah Collins</a:t>
+            </a:r>
+            <a:endParaRPr sz="1000" dirty="0">
+              <a:solidFill>
+                <a:srgbClr val="525C65"/>
+              </a:solidFill>
+              <a:highlight>
+                <a:srgbClr val="FFFFFF"/>
+              </a:highlight>
+              <a:latin typeface="Open Sans"/>
+              <a:ea typeface="Open Sans"/>
+              <a:cs typeface="Open Sans"/>
+              <a:sym typeface="Open Sans"/>
+            </a:endParaRPr>
+          </a:p>
+          <a:p>
+            <a:pPr marL="0" lvl="0" indent="0" algn="l" rtl="0">
+              <a:lnSpc>
+                <a:spcPct val="115000"/>
+              </a:lnSpc>
+              <a:spcBef>
+                <a:spcPts val="0"/>
+              </a:spcBef>
+              <a:spcAft>
+                <a:spcPts val="0"/>
+              </a:spcAft>
+              <a:buClr>
+                <a:schemeClr val="dk1"/>
+              </a:buClr>
+              <a:buSzPts val="1100"/>
+              <a:buFont typeface="Arial"/>
+              <a:buNone/>
+            </a:pPr>
+            <a:r>
+              <a:rPr lang="en" sz="1000" dirty="0">
+                <a:solidFill>
+                  <a:srgbClr val="525C65"/>
+                </a:solidFill>
+                <a:highlight>
+                  <a:srgbClr val="FFFFFF"/>
+                </a:highlight>
+                <a:latin typeface="Open Sans"/>
+                <a:ea typeface="Open Sans"/>
+                <a:cs typeface="Open Sans"/>
+                <a:sym typeface="Open Sans"/>
+              </a:rPr>
+              <a:t>Head of HR</a:t>
+            </a:r>
+            <a:endParaRPr sz="1100" dirty="0">
+              <a:solidFill>
+                <a:srgbClr val="525C65"/>
+              </a:solidFill>
+              <a:highlight>
+                <a:srgbClr val="FFFFFF"/>
+              </a:highlight>
+              <a:latin typeface="Open Sans"/>
+              <a:ea typeface="Open Sans"/>
+              <a:cs typeface="Open Sans"/>
+              <a:sym typeface="Open Sans"/>
+            </a:endParaRPr>
+          </a:p>
+          <a:p>
+            <a:pPr marL="0" lvl="0" indent="0" algn="l" rtl="0">
+              <a:lnSpc>
+                <a:spcPct val="170000"/>
+              </a:lnSpc>
+              <a:spcBef>
+                <a:spcPts val="0"/>
+              </a:spcBef>
+              <a:spcAft>
+                <a:spcPts val="0"/>
+              </a:spcAft>
+              <a:buClr>
+                <a:schemeClr val="dk1"/>
+              </a:buClr>
+              <a:buSzPts val="1100"/>
+              <a:buFont typeface="Arial"/>
+              <a:buNone/>
+            </a:pPr>
+            <a:endParaRPr sz="1000" dirty="0">
+              <a:solidFill>
+                <a:srgbClr val="525C65"/>
+              </a:solidFill>
+              <a:highlight>
+                <a:srgbClr val="FFFFFF"/>
+              </a:highlight>
+              <a:latin typeface="Open Sans"/>
+              <a:ea typeface="Open Sans"/>
+              <a:cs typeface="Open Sans"/>
+              <a:sym typeface="Open Sans"/>
+            </a:endParaRPr>
+          </a:p>
+          <a:p>
+            <a:pPr marL="0" lvl="0" indent="0" algn="l" rtl="0">
+              <a:spcBef>
+                <a:spcPts val="1100"/>
               </a:spcBef>
               <a:spcAft>
                 <a:spcPts val="1600"/>
               </a:spcAft>
               <a:buNone/>
             </a:pPr>
-            <a:endParaRPr sz="2200"/>
+            <a:endParaRPr sz="2200" dirty="0"/>
           </a:p>
         </p:txBody>
       </p:sp>
@@ -35805,1073 +37524,6 @@
 <file path=ppt/slides/slide4.xml><?xml version="1.0" encoding="utf-8"?>
 <p:sld xmlns:a="http://schemas.openxmlformats.org/drawingml/2006/main" xmlns:r="http://schemas.openxmlformats.org/officeDocument/2006/relationships" xmlns:p="http://schemas.openxmlformats.org/presentationml/2006/main">
   <p:cSld>
-    <p:bg>
-      <p:bgPr>
-        <a:solidFill>
-          <a:srgbClr val="02B4E5"/>
-        </a:solidFill>
-        <a:effectLst/>
-      </p:bgPr>
-    </p:bg>
-    <p:spTree>
-      <p:nvGrpSpPr>
-        <p:cNvPr id="1" name="Shape 198"/>
-        <p:cNvGrpSpPr/>
-        <p:nvPr/>
-      </p:nvGrpSpPr>
-      <p:grpSpPr>
-        <a:xfrm>
-          <a:off x="0" y="0"/>
-          <a:ext cx="0" cy="0"/>
-          <a:chOff x="0" y="0"/>
-          <a:chExt cx="0" cy="0"/>
-        </a:xfrm>
-      </p:grpSpPr>
-      <p:sp>
-        <p:nvSpPr>
-          <p:cNvPr id="199" name="Google Shape;199;p54"/>
-          <p:cNvSpPr/>
-          <p:nvPr/>
-        </p:nvSpPr>
-        <p:spPr>
-          <a:xfrm>
-            <a:off x="3582591" y="3663029"/>
-            <a:ext cx="607200" cy="74400"/>
-          </a:xfrm>
-          <a:prstGeom prst="rect">
-            <a:avLst/>
-          </a:prstGeom>
-          <a:solidFill>
-            <a:srgbClr val="02B4E5"/>
-          </a:solidFill>
-          <a:ln>
-            <a:noFill/>
-          </a:ln>
-        </p:spPr>
-        <p:txBody>
-          <a:bodyPr spcFirstLastPara="1" wrap="square" lIns="26775" tIns="26775" rIns="26775" bIns="26775" anchor="ctr" anchorCtr="0">
-            <a:noAutofit/>
-          </a:bodyPr>
-          <a:lstStyle/>
-          <a:p>
-            <a:pPr marL="0" marR="0" lvl="0" indent="0" algn="ctr" rtl="0">
-              <a:lnSpc>
-                <a:spcPct val="100000"/>
-              </a:lnSpc>
-              <a:spcBef>
-                <a:spcPts val="0"/>
-              </a:spcBef>
-              <a:spcAft>
-                <a:spcPts val="0"/>
-              </a:spcAft>
-              <a:buClr>
-                <a:srgbClr val="FFFFFF"/>
-              </a:buClr>
-              <a:buFont typeface="Helvetica Neue"/>
-              <a:buNone/>
-            </a:pPr>
-            <a:endParaRPr sz="1200" b="0" i="0" u="none" strike="noStrike" cap="none">
-              <a:solidFill>
-                <a:srgbClr val="02B4E5"/>
-              </a:solidFill>
-              <a:latin typeface="Helvetica Neue"/>
-              <a:ea typeface="Helvetica Neue"/>
-              <a:cs typeface="Helvetica Neue"/>
-              <a:sym typeface="Helvetica Neue"/>
-            </a:endParaRPr>
-          </a:p>
-        </p:txBody>
-      </p:sp>
-      <p:sp>
-        <p:nvSpPr>
-          <p:cNvPr id="200" name="Google Shape;200;p54"/>
-          <p:cNvSpPr/>
-          <p:nvPr/>
-        </p:nvSpPr>
-        <p:spPr>
-          <a:xfrm>
-            <a:off x="3582591" y="3663029"/>
-            <a:ext cx="607200" cy="74400"/>
-          </a:xfrm>
-          <a:prstGeom prst="rect">
-            <a:avLst/>
-          </a:prstGeom>
-          <a:solidFill>
-            <a:schemeClr val="lt1"/>
-          </a:solidFill>
-          <a:ln>
-            <a:noFill/>
-          </a:ln>
-        </p:spPr>
-        <p:txBody>
-          <a:bodyPr spcFirstLastPara="1" wrap="square" lIns="26775" tIns="26775" rIns="26775" bIns="26775" anchor="ctr" anchorCtr="0">
-            <a:noAutofit/>
-          </a:bodyPr>
-          <a:lstStyle/>
-          <a:p>
-            <a:pPr marL="0" marR="0" lvl="0" indent="0" algn="ctr" rtl="0">
-              <a:lnSpc>
-                <a:spcPct val="100000"/>
-              </a:lnSpc>
-              <a:spcBef>
-                <a:spcPts val="0"/>
-              </a:spcBef>
-              <a:spcAft>
-                <a:spcPts val="0"/>
-              </a:spcAft>
-              <a:buClr>
-                <a:srgbClr val="FFFFFF"/>
-              </a:buClr>
-              <a:buFont typeface="Helvetica Neue"/>
-              <a:buNone/>
-            </a:pPr>
-            <a:endParaRPr sz="1200" b="0" i="0" u="none" strike="noStrike" cap="none">
-              <a:solidFill>
-                <a:srgbClr val="02B4E5"/>
-              </a:solidFill>
-              <a:latin typeface="Helvetica Neue"/>
-              <a:ea typeface="Helvetica Neue"/>
-              <a:cs typeface="Helvetica Neue"/>
-              <a:sym typeface="Helvetica Neue"/>
-            </a:endParaRPr>
-          </a:p>
-        </p:txBody>
-      </p:sp>
-      <p:sp>
-        <p:nvSpPr>
-          <p:cNvPr id="201" name="Google Shape;201;p54"/>
-          <p:cNvSpPr/>
-          <p:nvPr/>
-        </p:nvSpPr>
-        <p:spPr>
-          <a:xfrm>
-            <a:off x="1807121" y="4003549"/>
-            <a:ext cx="4158000" cy="2460000"/>
-          </a:xfrm>
-          <a:prstGeom prst="rect">
-            <a:avLst/>
-          </a:prstGeom>
-          <a:noFill/>
-          <a:ln>
-            <a:noFill/>
-          </a:ln>
-        </p:spPr>
-        <p:txBody>
-          <a:bodyPr spcFirstLastPara="1" wrap="square" lIns="26775" tIns="26775" rIns="26775" bIns="26775" anchor="t" anchorCtr="0">
-            <a:noAutofit/>
-          </a:bodyPr>
-          <a:lstStyle/>
-          <a:p>
-            <a:pPr marL="0" marR="0" lvl="0" indent="0" algn="ctr" rtl="0">
-              <a:lnSpc>
-                <a:spcPct val="150000"/>
-              </a:lnSpc>
-              <a:spcBef>
-                <a:spcPts val="0"/>
-              </a:spcBef>
-              <a:spcAft>
-                <a:spcPts val="0"/>
-              </a:spcAft>
-              <a:buClr>
-                <a:srgbClr val="FFFFFF"/>
-              </a:buClr>
-              <a:buFont typeface="Open Sans"/>
-              <a:buNone/>
-            </a:pPr>
-            <a:r>
-              <a:rPr lang="en" sz="3000" b="1">
-                <a:solidFill>
-                  <a:srgbClr val="FFFFFF"/>
-                </a:solidFill>
-                <a:latin typeface="Open Sans"/>
-                <a:ea typeface="Open Sans"/>
-                <a:cs typeface="Open Sans"/>
-                <a:sym typeface="Open Sans"/>
-              </a:rPr>
-              <a:t>Step 1</a:t>
-            </a:r>
-            <a:endParaRPr sz="3000" b="1">
-              <a:solidFill>
-                <a:srgbClr val="FFFFFF"/>
-              </a:solidFill>
-              <a:latin typeface="Open Sans"/>
-              <a:ea typeface="Open Sans"/>
-              <a:cs typeface="Open Sans"/>
-              <a:sym typeface="Open Sans"/>
-            </a:endParaRPr>
-          </a:p>
-          <a:p>
-            <a:pPr marL="0" marR="0" lvl="0" indent="0" algn="ctr" rtl="0">
-              <a:lnSpc>
-                <a:spcPct val="150000"/>
-              </a:lnSpc>
-              <a:spcBef>
-                <a:spcPts val="0"/>
-              </a:spcBef>
-              <a:spcAft>
-                <a:spcPts val="0"/>
-              </a:spcAft>
-              <a:buClr>
-                <a:srgbClr val="FFFFFF"/>
-              </a:buClr>
-              <a:buFont typeface="Open Sans"/>
-              <a:buNone/>
-            </a:pPr>
-            <a:r>
-              <a:rPr lang="en" sz="3000">
-                <a:solidFill>
-                  <a:srgbClr val="FFFFFF"/>
-                </a:solidFill>
-                <a:latin typeface="Open Sans"/>
-                <a:ea typeface="Open Sans"/>
-                <a:cs typeface="Open Sans"/>
-                <a:sym typeface="Open Sans"/>
-              </a:rPr>
-              <a:t>Data Architecture Foundations</a:t>
-            </a:r>
-            <a:endParaRPr sz="3000">
-              <a:solidFill>
-                <a:srgbClr val="FFFFFF"/>
-              </a:solidFill>
-              <a:latin typeface="Open Sans"/>
-              <a:ea typeface="Open Sans"/>
-              <a:cs typeface="Open Sans"/>
-              <a:sym typeface="Open Sans"/>
-            </a:endParaRPr>
-          </a:p>
-        </p:txBody>
-      </p:sp>
-    </p:spTree>
-  </p:cSld>
-  <p:clrMapOvr>
-    <a:masterClrMapping/>
-  </p:clrMapOvr>
-</p:sld>
-</file>
-
-<file path=ppt/slides/slide5.xml><?xml version="1.0" encoding="utf-8"?>
-<p:sld xmlns:a="http://schemas.openxmlformats.org/drawingml/2006/main" xmlns:r="http://schemas.openxmlformats.org/officeDocument/2006/relationships" xmlns:p="http://schemas.openxmlformats.org/presentationml/2006/main">
-  <p:cSld>
-    <p:spTree>
-      <p:nvGrpSpPr>
-        <p:cNvPr id="1" name="Shape 205"/>
-        <p:cNvGrpSpPr/>
-        <p:nvPr/>
-      </p:nvGrpSpPr>
-      <p:grpSpPr>
-        <a:xfrm>
-          <a:off x="0" y="0"/>
-          <a:ext cx="0" cy="0"/>
-          <a:chOff x="0" y="0"/>
-          <a:chExt cx="0" cy="0"/>
-        </a:xfrm>
-      </p:grpSpPr>
-      <p:sp>
-        <p:nvSpPr>
-          <p:cNvPr id="206" name="Google Shape;206;p55"/>
-          <p:cNvSpPr txBox="1">
-            <a:spLocks noGrp="1"/>
-          </p:cNvSpPr>
-          <p:nvPr>
-            <p:ph type="title"/>
-          </p:nvPr>
-        </p:nvSpPr>
-        <p:spPr>
-          <a:xfrm>
-            <a:off x="264945" y="870271"/>
-            <a:ext cx="7242600" cy="1119900"/>
-          </a:xfrm>
-          <a:prstGeom prst="rect">
-            <a:avLst/>
-          </a:prstGeom>
-        </p:spPr>
-        <p:txBody>
-          <a:bodyPr spcFirstLastPara="1" wrap="square" lIns="91425" tIns="91425" rIns="91425" bIns="91425" anchor="ctr" anchorCtr="0">
-            <a:noAutofit/>
-          </a:bodyPr>
-          <a:lstStyle/>
-          <a:p>
-            <a:pPr marL="0" lvl="0" indent="0" algn="l" rtl="0">
-              <a:spcBef>
-                <a:spcPts val="0"/>
-              </a:spcBef>
-              <a:spcAft>
-                <a:spcPts val="0"/>
-              </a:spcAft>
-              <a:buNone/>
-            </a:pPr>
-            <a:r>
-              <a:rPr lang="en"/>
-              <a:t>Step 1: Data Architecture Foundations</a:t>
-            </a:r>
-            <a:endParaRPr/>
-          </a:p>
-        </p:txBody>
-      </p:sp>
-      <p:sp>
-        <p:nvSpPr>
-          <p:cNvPr id="207" name="Google Shape;207;p55"/>
-          <p:cNvSpPr txBox="1">
-            <a:spLocks noGrp="1"/>
-          </p:cNvSpPr>
-          <p:nvPr>
-            <p:ph type="body" idx="1"/>
-          </p:nvPr>
-        </p:nvSpPr>
-        <p:spPr>
-          <a:xfrm>
-            <a:off x="264950" y="2253724"/>
-            <a:ext cx="7242600" cy="7534500"/>
-          </a:xfrm>
-          <a:prstGeom prst="rect">
-            <a:avLst/>
-          </a:prstGeom>
-        </p:spPr>
-        <p:txBody>
-          <a:bodyPr spcFirstLastPara="1" wrap="square" lIns="91425" tIns="91425" rIns="91425" bIns="91425" anchor="t" anchorCtr="0">
-            <a:noAutofit/>
-          </a:bodyPr>
-          <a:lstStyle/>
-          <a:p>
-            <a:pPr marL="0" lvl="0" indent="0" algn="l" rtl="0">
-              <a:spcBef>
-                <a:spcPts val="0"/>
-              </a:spcBef>
-              <a:spcAft>
-                <a:spcPts val="0"/>
-              </a:spcAft>
-              <a:buClr>
-                <a:schemeClr val="dk1"/>
-              </a:buClr>
-              <a:buSzPts val="1100"/>
-              <a:buFont typeface="Arial"/>
-              <a:buNone/>
-            </a:pPr>
-            <a:endParaRPr sz="1000">
-              <a:solidFill>
-                <a:schemeClr val="dk1"/>
-              </a:solidFill>
-              <a:highlight>
-                <a:srgbClr val="DBE2E8"/>
-              </a:highlight>
-              <a:latin typeface="Open Sans"/>
-              <a:ea typeface="Open Sans"/>
-              <a:cs typeface="Open Sans"/>
-              <a:sym typeface="Open Sans"/>
-            </a:endParaRPr>
-          </a:p>
-          <a:p>
-            <a:pPr marL="0" lvl="0" indent="0" algn="l" rtl="0">
-              <a:lnSpc>
-                <a:spcPct val="115000"/>
-              </a:lnSpc>
-              <a:spcBef>
-                <a:spcPts val="0"/>
-              </a:spcBef>
-              <a:spcAft>
-                <a:spcPts val="0"/>
-              </a:spcAft>
-              <a:buClr>
-                <a:schemeClr val="dk1"/>
-              </a:buClr>
-              <a:buSzPts val="1100"/>
-              <a:buFont typeface="Arial"/>
-              <a:buNone/>
-            </a:pPr>
-            <a:r>
-              <a:rPr lang="en" sz="1000">
-                <a:solidFill>
-                  <a:srgbClr val="525C65"/>
-                </a:solidFill>
-                <a:highlight>
-                  <a:srgbClr val="FFFFFF"/>
-                </a:highlight>
-                <a:latin typeface="Open Sans"/>
-                <a:ea typeface="Open Sans"/>
-                <a:cs typeface="Open Sans"/>
-                <a:sym typeface="Open Sans"/>
-              </a:rPr>
-              <a:t>Hi,</a:t>
-            </a:r>
-            <a:endParaRPr sz="1000">
-              <a:solidFill>
-                <a:srgbClr val="525C65"/>
-              </a:solidFill>
-              <a:highlight>
-                <a:srgbClr val="FFFFFF"/>
-              </a:highlight>
-              <a:latin typeface="Open Sans"/>
-              <a:ea typeface="Open Sans"/>
-              <a:cs typeface="Open Sans"/>
-              <a:sym typeface="Open Sans"/>
-            </a:endParaRPr>
-          </a:p>
-          <a:p>
-            <a:pPr marL="0" lvl="0" indent="0" algn="l" rtl="0">
-              <a:lnSpc>
-                <a:spcPct val="115000"/>
-              </a:lnSpc>
-              <a:spcBef>
-                <a:spcPts val="0"/>
-              </a:spcBef>
-              <a:spcAft>
-                <a:spcPts val="0"/>
-              </a:spcAft>
-              <a:buClr>
-                <a:schemeClr val="dk1"/>
-              </a:buClr>
-              <a:buSzPts val="1100"/>
-              <a:buFont typeface="Arial"/>
-              <a:buNone/>
-            </a:pPr>
-            <a:endParaRPr sz="1200">
-              <a:solidFill>
-                <a:schemeClr val="dk1"/>
-              </a:solidFill>
-              <a:latin typeface="Arial"/>
-              <a:ea typeface="Arial"/>
-              <a:cs typeface="Arial"/>
-              <a:sym typeface="Arial"/>
-            </a:endParaRPr>
-          </a:p>
-          <a:p>
-            <a:pPr marL="0" lvl="0" indent="0" algn="l" rtl="0">
-              <a:lnSpc>
-                <a:spcPct val="115000"/>
-              </a:lnSpc>
-              <a:spcBef>
-                <a:spcPts val="0"/>
-              </a:spcBef>
-              <a:spcAft>
-                <a:spcPts val="0"/>
-              </a:spcAft>
-              <a:buClr>
-                <a:schemeClr val="dk1"/>
-              </a:buClr>
-              <a:buSzPts val="1100"/>
-              <a:buFont typeface="Arial"/>
-              <a:buNone/>
-            </a:pPr>
-            <a:r>
-              <a:rPr lang="en" sz="1000">
-                <a:solidFill>
-                  <a:srgbClr val="525C65"/>
-                </a:solidFill>
-                <a:highlight>
-                  <a:srgbClr val="FFFFFF"/>
-                </a:highlight>
-                <a:latin typeface="Open Sans"/>
-                <a:ea typeface="Open Sans"/>
-                <a:cs typeface="Open Sans"/>
-                <a:sym typeface="Open Sans"/>
-              </a:rPr>
-              <a:t>Welcome to Tech ABC Corp. We are excited to have some new talent onboard. As you may already know, Tech ABC Corp has recently experienced a lot of growth. Our AI powered video game console WOPR has been hugely successful and as a result, our company has grown from 10 employees to 200 in only 6 months (and we are projecting a 20% growth a year for the next 5 years). We have also grown from our Dallas, Texas office, to 4 other locations nationwide: New York City, NY, San Francisco, CA, Minneapolis, MN, and Nashville, TN.</a:t>
-            </a:r>
-            <a:endParaRPr sz="1000">
-              <a:solidFill>
-                <a:srgbClr val="525C65"/>
-              </a:solidFill>
-              <a:highlight>
-                <a:srgbClr val="FFFFFF"/>
-              </a:highlight>
-              <a:latin typeface="Open Sans"/>
-              <a:ea typeface="Open Sans"/>
-              <a:cs typeface="Open Sans"/>
-              <a:sym typeface="Open Sans"/>
-            </a:endParaRPr>
-          </a:p>
-          <a:p>
-            <a:pPr marL="0" lvl="0" indent="0" algn="l" rtl="0">
-              <a:lnSpc>
-                <a:spcPct val="115000"/>
-              </a:lnSpc>
-              <a:spcBef>
-                <a:spcPts val="0"/>
-              </a:spcBef>
-              <a:spcAft>
-                <a:spcPts val="0"/>
-              </a:spcAft>
-              <a:buClr>
-                <a:schemeClr val="dk1"/>
-              </a:buClr>
-              <a:buSzPts val="1100"/>
-              <a:buFont typeface="Arial"/>
-              <a:buNone/>
-            </a:pPr>
-            <a:endParaRPr sz="1200">
-              <a:solidFill>
-                <a:schemeClr val="dk1"/>
-              </a:solidFill>
-              <a:latin typeface="Arial"/>
-              <a:ea typeface="Arial"/>
-              <a:cs typeface="Arial"/>
-              <a:sym typeface="Arial"/>
-            </a:endParaRPr>
-          </a:p>
-          <a:p>
-            <a:pPr marL="0" lvl="0" indent="0" algn="l" rtl="0">
-              <a:lnSpc>
-                <a:spcPct val="115000"/>
-              </a:lnSpc>
-              <a:spcBef>
-                <a:spcPts val="0"/>
-              </a:spcBef>
-              <a:spcAft>
-                <a:spcPts val="0"/>
-              </a:spcAft>
-              <a:buClr>
-                <a:schemeClr val="dk1"/>
-              </a:buClr>
-              <a:buSzPts val="1100"/>
-              <a:buFont typeface="Arial"/>
-              <a:buNone/>
-            </a:pPr>
-            <a:r>
-              <a:rPr lang="en" sz="1000">
-                <a:solidFill>
-                  <a:srgbClr val="525C65"/>
-                </a:solidFill>
-                <a:highlight>
-                  <a:srgbClr val="FFFFFF"/>
-                </a:highlight>
-                <a:latin typeface="Open Sans"/>
-                <a:ea typeface="Open Sans"/>
-                <a:cs typeface="Open Sans"/>
-                <a:sym typeface="Open Sans"/>
-              </a:rPr>
-              <a:t>While this growth is great, it is really starting to put a strain on our record keeping in HR. We currently maintain all employee information on a shared spreadsheet. When HR consisted of only myself, managing everyone on an Excel spreadsheet was simple, but now that it is a shared document I am having serious reservations about data integrity and data security. If the wrong person got their hands on the HR file, they would see the salaries of every employee in the company, all the way up to the president.</a:t>
-            </a:r>
-            <a:endParaRPr sz="1000">
-              <a:solidFill>
-                <a:srgbClr val="525C65"/>
-              </a:solidFill>
-              <a:highlight>
-                <a:srgbClr val="FFFFFF"/>
-              </a:highlight>
-              <a:latin typeface="Open Sans"/>
-              <a:ea typeface="Open Sans"/>
-              <a:cs typeface="Open Sans"/>
-              <a:sym typeface="Open Sans"/>
-            </a:endParaRPr>
-          </a:p>
-          <a:p>
-            <a:pPr marL="0" lvl="0" indent="0" algn="l" rtl="0">
-              <a:lnSpc>
-                <a:spcPct val="115000"/>
-              </a:lnSpc>
-              <a:spcBef>
-                <a:spcPts val="0"/>
-              </a:spcBef>
-              <a:spcAft>
-                <a:spcPts val="0"/>
-              </a:spcAft>
-              <a:buClr>
-                <a:schemeClr val="dk1"/>
-              </a:buClr>
-              <a:buSzPts val="1100"/>
-              <a:buFont typeface="Arial"/>
-              <a:buNone/>
-            </a:pPr>
-            <a:endParaRPr sz="1200">
-              <a:solidFill>
-                <a:schemeClr val="dk1"/>
-              </a:solidFill>
-              <a:latin typeface="Arial"/>
-              <a:ea typeface="Arial"/>
-              <a:cs typeface="Arial"/>
-              <a:sym typeface="Arial"/>
-            </a:endParaRPr>
-          </a:p>
-          <a:p>
-            <a:pPr marL="0" lvl="0" indent="0" algn="l" rtl="0">
-              <a:lnSpc>
-                <a:spcPct val="115000"/>
-              </a:lnSpc>
-              <a:spcBef>
-                <a:spcPts val="0"/>
-              </a:spcBef>
-              <a:spcAft>
-                <a:spcPts val="0"/>
-              </a:spcAft>
-              <a:buClr>
-                <a:schemeClr val="dk1"/>
-              </a:buClr>
-              <a:buSzPts val="1100"/>
-              <a:buFont typeface="Arial"/>
-              <a:buNone/>
-            </a:pPr>
-            <a:r>
-              <a:rPr lang="en" sz="1000">
-                <a:solidFill>
-                  <a:srgbClr val="525C65"/>
-                </a:solidFill>
-                <a:highlight>
-                  <a:srgbClr val="FFFFFF"/>
-                </a:highlight>
-                <a:latin typeface="Open Sans"/>
-                <a:ea typeface="Open Sans"/>
-                <a:cs typeface="Open Sans"/>
-                <a:sym typeface="Open Sans"/>
-              </a:rPr>
-              <a:t>After speaking with Jacob Lauber, the manager of IT, he suggested I put in a request to have my HR Excel file converted into a database. He suggested I reach out to you as I am told you have experience in designing and building databases. When you are building this, please keep in mind that I want any employee with a domain login to be have read only access the database. I just don't want them having access to salary information. That needs to be restricted to HR and management level employees only. Management and HR employees should also be the only ones with write access. By our current estimates, 90% of users will be read only.</a:t>
-            </a:r>
-            <a:endParaRPr sz="1000">
-              <a:solidFill>
-                <a:srgbClr val="525C65"/>
-              </a:solidFill>
-              <a:highlight>
-                <a:srgbClr val="FFFFFF"/>
-              </a:highlight>
-              <a:latin typeface="Open Sans"/>
-              <a:ea typeface="Open Sans"/>
-              <a:cs typeface="Open Sans"/>
-              <a:sym typeface="Open Sans"/>
-            </a:endParaRPr>
-          </a:p>
-          <a:p>
-            <a:pPr marL="0" lvl="0" indent="0" algn="l" rtl="0">
-              <a:lnSpc>
-                <a:spcPct val="115000"/>
-              </a:lnSpc>
-              <a:spcBef>
-                <a:spcPts val="0"/>
-              </a:spcBef>
-              <a:spcAft>
-                <a:spcPts val="0"/>
-              </a:spcAft>
-              <a:buClr>
-                <a:schemeClr val="dk1"/>
-              </a:buClr>
-              <a:buSzPts val="1100"/>
-              <a:buFont typeface="Arial"/>
-              <a:buNone/>
-            </a:pPr>
-            <a:endParaRPr sz="1200">
-              <a:solidFill>
-                <a:schemeClr val="dk1"/>
-              </a:solidFill>
-              <a:latin typeface="Arial"/>
-              <a:ea typeface="Arial"/>
-              <a:cs typeface="Arial"/>
-              <a:sym typeface="Arial"/>
-            </a:endParaRPr>
-          </a:p>
-          <a:p>
-            <a:pPr marL="0" lvl="0" indent="0" algn="l" rtl="0">
-              <a:lnSpc>
-                <a:spcPct val="115000"/>
-              </a:lnSpc>
-              <a:spcBef>
-                <a:spcPts val="0"/>
-              </a:spcBef>
-              <a:spcAft>
-                <a:spcPts val="0"/>
-              </a:spcAft>
-              <a:buClr>
-                <a:schemeClr val="dk1"/>
-              </a:buClr>
-              <a:buSzPts val="1100"/>
-              <a:buFont typeface="Arial"/>
-              <a:buNone/>
-            </a:pPr>
-            <a:r>
-              <a:rPr lang="en" sz="1000">
-                <a:solidFill>
-                  <a:srgbClr val="525C65"/>
-                </a:solidFill>
-                <a:highlight>
-                  <a:srgbClr val="FFFFFF"/>
-                </a:highlight>
-                <a:latin typeface="Open Sans"/>
-                <a:ea typeface="Open Sans"/>
-                <a:cs typeface="Open Sans"/>
-                <a:sym typeface="Open Sans"/>
-              </a:rPr>
-              <a:t>I also want to make sure you know that am looking to turn my spreadsheet into a live database, one I can input and edit information into. I am not really concerned with reporting capabilities at the moment. Since we are working with employee data we are required by federal regulations to maintain this data for at least 7 years; additionally, since this is considered business critical data, we need to make sure it gets backed up properly.</a:t>
-            </a:r>
-            <a:endParaRPr sz="1000">
-              <a:solidFill>
-                <a:srgbClr val="525C65"/>
-              </a:solidFill>
-              <a:highlight>
-                <a:srgbClr val="FFFFFF"/>
-              </a:highlight>
-              <a:latin typeface="Open Sans"/>
-              <a:ea typeface="Open Sans"/>
-              <a:cs typeface="Open Sans"/>
-              <a:sym typeface="Open Sans"/>
-            </a:endParaRPr>
-          </a:p>
-          <a:p>
-            <a:pPr marL="0" lvl="0" indent="0" algn="l" rtl="0">
-              <a:lnSpc>
-                <a:spcPct val="115000"/>
-              </a:lnSpc>
-              <a:spcBef>
-                <a:spcPts val="0"/>
-              </a:spcBef>
-              <a:spcAft>
-                <a:spcPts val="0"/>
-              </a:spcAft>
-              <a:buClr>
-                <a:schemeClr val="dk1"/>
-              </a:buClr>
-              <a:buSzPts val="1100"/>
-              <a:buFont typeface="Arial"/>
-              <a:buNone/>
-            </a:pPr>
-            <a:endParaRPr sz="1200">
-              <a:solidFill>
-                <a:schemeClr val="dk1"/>
-              </a:solidFill>
-              <a:latin typeface="Arial"/>
-              <a:ea typeface="Arial"/>
-              <a:cs typeface="Arial"/>
-              <a:sym typeface="Arial"/>
-            </a:endParaRPr>
-          </a:p>
-          <a:p>
-            <a:pPr marL="0" lvl="0" indent="0" algn="l" rtl="0">
-              <a:lnSpc>
-                <a:spcPct val="115000"/>
-              </a:lnSpc>
-              <a:spcBef>
-                <a:spcPts val="0"/>
-              </a:spcBef>
-              <a:spcAft>
-                <a:spcPts val="0"/>
-              </a:spcAft>
-              <a:buClr>
-                <a:schemeClr val="dk1"/>
-              </a:buClr>
-              <a:buSzPts val="1100"/>
-              <a:buFont typeface="Arial"/>
-              <a:buNone/>
-            </a:pPr>
-            <a:r>
-              <a:rPr lang="en" sz="1000">
-                <a:solidFill>
-                  <a:srgbClr val="525C65"/>
-                </a:solidFill>
-                <a:highlight>
-                  <a:srgbClr val="FFFFFF"/>
-                </a:highlight>
-                <a:latin typeface="Open Sans"/>
-                <a:ea typeface="Open Sans"/>
-                <a:cs typeface="Open Sans"/>
-                <a:sym typeface="Open Sans"/>
-              </a:rPr>
-              <a:t>As a final consideration. We would like to be able to connect with the payroll department's system in the future. They maintain employee attendance and paid time off information. It would be nice if the two systems could interface in the future</a:t>
-            </a:r>
-            <a:endParaRPr sz="1000">
-              <a:solidFill>
-                <a:srgbClr val="525C65"/>
-              </a:solidFill>
-              <a:highlight>
-                <a:srgbClr val="FFFFFF"/>
-              </a:highlight>
-              <a:latin typeface="Open Sans"/>
-              <a:ea typeface="Open Sans"/>
-              <a:cs typeface="Open Sans"/>
-              <a:sym typeface="Open Sans"/>
-            </a:endParaRPr>
-          </a:p>
-          <a:p>
-            <a:pPr marL="0" lvl="0" indent="0" algn="l" rtl="0">
-              <a:lnSpc>
-                <a:spcPct val="115000"/>
-              </a:lnSpc>
-              <a:spcBef>
-                <a:spcPts val="0"/>
-              </a:spcBef>
-              <a:spcAft>
-                <a:spcPts val="0"/>
-              </a:spcAft>
-              <a:buClr>
-                <a:schemeClr val="dk1"/>
-              </a:buClr>
-              <a:buSzPts val="1100"/>
-              <a:buFont typeface="Arial"/>
-              <a:buNone/>
-            </a:pPr>
-            <a:endParaRPr sz="1200">
-              <a:solidFill>
-                <a:schemeClr val="dk1"/>
-              </a:solidFill>
-              <a:latin typeface="Arial"/>
-              <a:ea typeface="Arial"/>
-              <a:cs typeface="Arial"/>
-              <a:sym typeface="Arial"/>
-            </a:endParaRPr>
-          </a:p>
-          <a:p>
-            <a:pPr marL="0" lvl="0" indent="0" algn="l" rtl="0">
-              <a:lnSpc>
-                <a:spcPct val="115000"/>
-              </a:lnSpc>
-              <a:spcBef>
-                <a:spcPts val="0"/>
-              </a:spcBef>
-              <a:spcAft>
-                <a:spcPts val="0"/>
-              </a:spcAft>
-              <a:buClr>
-                <a:schemeClr val="dk1"/>
-              </a:buClr>
-              <a:buSzPts val="1100"/>
-              <a:buFont typeface="Arial"/>
-              <a:buNone/>
-            </a:pPr>
-            <a:r>
-              <a:rPr lang="en" sz="1000">
-                <a:solidFill>
-                  <a:srgbClr val="525C65"/>
-                </a:solidFill>
-                <a:highlight>
-                  <a:srgbClr val="FFFFFF"/>
-                </a:highlight>
-                <a:latin typeface="Open Sans"/>
-                <a:ea typeface="Open Sans"/>
-                <a:cs typeface="Open Sans"/>
-                <a:sym typeface="Open Sans"/>
-              </a:rPr>
-              <a:t>I am looking forward to working with you and seeing what kind of database you design for us.</a:t>
-            </a:r>
-            <a:endParaRPr sz="1000">
-              <a:solidFill>
-                <a:srgbClr val="525C65"/>
-              </a:solidFill>
-              <a:highlight>
-                <a:srgbClr val="FFFFFF"/>
-              </a:highlight>
-              <a:latin typeface="Open Sans"/>
-              <a:ea typeface="Open Sans"/>
-              <a:cs typeface="Open Sans"/>
-              <a:sym typeface="Open Sans"/>
-            </a:endParaRPr>
-          </a:p>
-          <a:p>
-            <a:pPr marL="0" lvl="0" indent="0" algn="l" rtl="0">
-              <a:lnSpc>
-                <a:spcPct val="115000"/>
-              </a:lnSpc>
-              <a:spcBef>
-                <a:spcPts val="0"/>
-              </a:spcBef>
-              <a:spcAft>
-                <a:spcPts val="0"/>
-              </a:spcAft>
-              <a:buClr>
-                <a:schemeClr val="dk1"/>
-              </a:buClr>
-              <a:buSzPts val="1100"/>
-              <a:buFont typeface="Arial"/>
-              <a:buNone/>
-            </a:pPr>
-            <a:endParaRPr sz="1200">
-              <a:solidFill>
-                <a:schemeClr val="dk1"/>
-              </a:solidFill>
-              <a:latin typeface="Arial"/>
-              <a:ea typeface="Arial"/>
-              <a:cs typeface="Arial"/>
-              <a:sym typeface="Arial"/>
-            </a:endParaRPr>
-          </a:p>
-          <a:p>
-            <a:pPr marL="0" lvl="0" indent="0" algn="l" rtl="0">
-              <a:lnSpc>
-                <a:spcPct val="115000"/>
-              </a:lnSpc>
-              <a:spcBef>
-                <a:spcPts val="0"/>
-              </a:spcBef>
-              <a:spcAft>
-                <a:spcPts val="0"/>
-              </a:spcAft>
-              <a:buClr>
-                <a:schemeClr val="dk1"/>
-              </a:buClr>
-              <a:buSzPts val="1100"/>
-              <a:buFont typeface="Arial"/>
-              <a:buNone/>
-            </a:pPr>
-            <a:r>
-              <a:rPr lang="en" sz="1000">
-                <a:solidFill>
-                  <a:srgbClr val="525C65"/>
-                </a:solidFill>
-                <a:highlight>
-                  <a:srgbClr val="FFFFFF"/>
-                </a:highlight>
-                <a:latin typeface="Open Sans"/>
-                <a:ea typeface="Open Sans"/>
-                <a:cs typeface="Open Sans"/>
-                <a:sym typeface="Open Sans"/>
-              </a:rPr>
-              <a:t>Thanks,</a:t>
-            </a:r>
-            <a:endParaRPr sz="1000">
-              <a:solidFill>
-                <a:srgbClr val="525C65"/>
-              </a:solidFill>
-              <a:highlight>
-                <a:srgbClr val="FFFFFF"/>
-              </a:highlight>
-              <a:latin typeface="Open Sans"/>
-              <a:ea typeface="Open Sans"/>
-              <a:cs typeface="Open Sans"/>
-              <a:sym typeface="Open Sans"/>
-            </a:endParaRPr>
-          </a:p>
-          <a:p>
-            <a:pPr marL="0" lvl="0" indent="0" algn="l" rtl="0">
-              <a:lnSpc>
-                <a:spcPct val="115000"/>
-              </a:lnSpc>
-              <a:spcBef>
-                <a:spcPts val="0"/>
-              </a:spcBef>
-              <a:spcAft>
-                <a:spcPts val="0"/>
-              </a:spcAft>
-              <a:buClr>
-                <a:schemeClr val="dk1"/>
-              </a:buClr>
-              <a:buSzPts val="1100"/>
-              <a:buFont typeface="Arial"/>
-              <a:buNone/>
-            </a:pPr>
-            <a:r>
-              <a:rPr lang="en" sz="1000">
-                <a:solidFill>
-                  <a:srgbClr val="525C65"/>
-                </a:solidFill>
-                <a:highlight>
-                  <a:srgbClr val="FFFFFF"/>
-                </a:highlight>
-                <a:latin typeface="Open Sans"/>
-                <a:ea typeface="Open Sans"/>
-                <a:cs typeface="Open Sans"/>
-                <a:sym typeface="Open Sans"/>
-              </a:rPr>
-              <a:t>Sarah Collins</a:t>
-            </a:r>
-            <a:endParaRPr sz="1000">
-              <a:solidFill>
-                <a:srgbClr val="525C65"/>
-              </a:solidFill>
-              <a:highlight>
-                <a:srgbClr val="FFFFFF"/>
-              </a:highlight>
-              <a:latin typeface="Open Sans"/>
-              <a:ea typeface="Open Sans"/>
-              <a:cs typeface="Open Sans"/>
-              <a:sym typeface="Open Sans"/>
-            </a:endParaRPr>
-          </a:p>
-          <a:p>
-            <a:pPr marL="0" lvl="0" indent="0" algn="l" rtl="0">
-              <a:lnSpc>
-                <a:spcPct val="115000"/>
-              </a:lnSpc>
-              <a:spcBef>
-                <a:spcPts val="0"/>
-              </a:spcBef>
-              <a:spcAft>
-                <a:spcPts val="0"/>
-              </a:spcAft>
-              <a:buClr>
-                <a:schemeClr val="dk1"/>
-              </a:buClr>
-              <a:buSzPts val="1100"/>
-              <a:buFont typeface="Arial"/>
-              <a:buNone/>
-            </a:pPr>
-            <a:r>
-              <a:rPr lang="en" sz="1000">
-                <a:solidFill>
-                  <a:srgbClr val="525C65"/>
-                </a:solidFill>
-                <a:highlight>
-                  <a:srgbClr val="FFFFFF"/>
-                </a:highlight>
-                <a:latin typeface="Open Sans"/>
-                <a:ea typeface="Open Sans"/>
-                <a:cs typeface="Open Sans"/>
-                <a:sym typeface="Open Sans"/>
-              </a:rPr>
-              <a:t>Head of HR</a:t>
-            </a:r>
-            <a:endParaRPr sz="1100">
-              <a:solidFill>
-                <a:srgbClr val="525C65"/>
-              </a:solidFill>
-              <a:highlight>
-                <a:srgbClr val="FFFFFF"/>
-              </a:highlight>
-              <a:latin typeface="Open Sans"/>
-              <a:ea typeface="Open Sans"/>
-              <a:cs typeface="Open Sans"/>
-              <a:sym typeface="Open Sans"/>
-            </a:endParaRPr>
-          </a:p>
-          <a:p>
-            <a:pPr marL="0" lvl="0" indent="0" algn="l" rtl="0">
-              <a:lnSpc>
-                <a:spcPct val="170000"/>
-              </a:lnSpc>
-              <a:spcBef>
-                <a:spcPts val="0"/>
-              </a:spcBef>
-              <a:spcAft>
-                <a:spcPts val="0"/>
-              </a:spcAft>
-              <a:buClr>
-                <a:schemeClr val="dk1"/>
-              </a:buClr>
-              <a:buSzPts val="1100"/>
-              <a:buFont typeface="Arial"/>
-              <a:buNone/>
-            </a:pPr>
-            <a:endParaRPr sz="1000">
-              <a:solidFill>
-                <a:srgbClr val="525C65"/>
-              </a:solidFill>
-              <a:highlight>
-                <a:srgbClr val="FFFFFF"/>
-              </a:highlight>
-              <a:latin typeface="Open Sans"/>
-              <a:ea typeface="Open Sans"/>
-              <a:cs typeface="Open Sans"/>
-              <a:sym typeface="Open Sans"/>
-            </a:endParaRPr>
-          </a:p>
-          <a:p>
-            <a:pPr marL="0" lvl="0" indent="0" algn="l" rtl="0">
-              <a:spcBef>
-                <a:spcPts val="1100"/>
-              </a:spcBef>
-              <a:spcAft>
-                <a:spcPts val="1600"/>
-              </a:spcAft>
-              <a:buNone/>
-            </a:pPr>
-            <a:endParaRPr sz="2200"/>
-          </a:p>
-        </p:txBody>
-      </p:sp>
-    </p:spTree>
-  </p:cSld>
-  <p:clrMapOvr>
-    <a:masterClrMapping/>
-  </p:clrMapOvr>
-</p:sld>
-</file>
-
-<file path=ppt/slides/slide6.xml><?xml version="1.0" encoding="utf-8"?>
-<p:sld xmlns:a="http://schemas.openxmlformats.org/drawingml/2006/main" xmlns:r="http://schemas.openxmlformats.org/officeDocument/2006/relationships" xmlns:p="http://schemas.openxmlformats.org/presentationml/2006/main">
-  <p:cSld>
     <p:spTree>
       <p:nvGrpSpPr>
         <p:cNvPr id="1" name="Shape 211"/>
@@ -36968,7 +37620,7 @@
               <a:buChar char="●"/>
             </a:pPr>
             <a:r>
-              <a:rPr lang="en" sz="1900" b="1">
+              <a:rPr lang="en" sz="1900" b="1" dirty="0">
                 <a:latin typeface="Open Sans"/>
                 <a:ea typeface="Open Sans"/>
                 <a:cs typeface="Open Sans"/>
@@ -36976,7 +37628,7 @@
               </a:rPr>
               <a:t>Purpose of the new database:</a:t>
             </a:r>
-            <a:endParaRPr sz="1900" b="1">
+            <a:endParaRPr sz="1900" b="1" dirty="0">
               <a:latin typeface="Open Sans"/>
               <a:ea typeface="Open Sans"/>
               <a:cs typeface="Open Sans"/>
@@ -37002,10 +37654,10 @@
               <a:buNone/>
             </a:pPr>
             <a:r>
-              <a:rPr lang="en" sz="1700"/>
+              <a:rPr lang="en" sz="1700" dirty="0"/>
               <a:t>What is the business partner requesting  </a:t>
             </a:r>
-            <a:endParaRPr sz="1700"/>
+            <a:endParaRPr sz="1700" dirty="0"/>
           </a:p>
           <a:p>
             <a:pPr marL="457200" lvl="0" indent="0" algn="l" rtl="0">
@@ -37025,7 +37677,7 @@
               <a:buFont typeface="Arial"/>
               <a:buNone/>
             </a:pPr>
-            <a:endParaRPr sz="1700"/>
+            <a:endParaRPr sz="1700" dirty="0"/>
           </a:p>
           <a:p>
             <a:pPr marL="457200" lvl="0" indent="-349250" algn="l" rtl="0">
@@ -37040,7 +37692,7 @@
               <a:buChar char="●"/>
             </a:pPr>
             <a:r>
-              <a:rPr lang="en" sz="1900" b="1">
+              <a:rPr lang="en" sz="1900" b="1" dirty="0">
                 <a:latin typeface="Open Sans"/>
                 <a:ea typeface="Open Sans"/>
                 <a:cs typeface="Open Sans"/>
@@ -37048,7 +37700,7 @@
               </a:rPr>
               <a:t>Describe current data management solution:</a:t>
             </a:r>
-            <a:endParaRPr sz="1900" b="1">
+            <a:endParaRPr sz="1900" b="1" dirty="0">
               <a:solidFill>
                 <a:srgbClr val="000000"/>
               </a:solidFill>
@@ -37069,10 +37721,10 @@
               <a:buNone/>
             </a:pPr>
             <a:r>
-              <a:rPr lang="en" sz="1700"/>
+              <a:rPr lang="en" sz="1700" dirty="0"/>
               <a:t>What is the current method data storage/management</a:t>
             </a:r>
-            <a:endParaRPr sz="1900">
+            <a:endParaRPr sz="1900" dirty="0">
               <a:solidFill>
                 <a:srgbClr val="000000"/>
               </a:solidFill>
@@ -37092,7 +37744,7 @@
               </a:spcAft>
               <a:buNone/>
             </a:pPr>
-            <a:endParaRPr sz="1100">
+            <a:endParaRPr sz="1100" dirty="0">
               <a:solidFill>
                 <a:srgbClr val="000000"/>
               </a:solidFill>
@@ -37115,7 +37767,7 @@
               <a:buChar char="●"/>
             </a:pPr>
             <a:r>
-              <a:rPr lang="en" sz="1900" b="1">
+              <a:rPr lang="en" sz="1900" b="1" dirty="0">
                 <a:latin typeface="Open Sans"/>
                 <a:ea typeface="Open Sans"/>
                 <a:cs typeface="Open Sans"/>
@@ -37123,7 +37775,7 @@
               </a:rPr>
               <a:t>Describe current data available:</a:t>
             </a:r>
-            <a:endParaRPr sz="1900" b="1">
+            <a:endParaRPr sz="1900" b="1" dirty="0">
               <a:latin typeface="Open Sans"/>
               <a:ea typeface="Open Sans"/>
               <a:cs typeface="Open Sans"/>
@@ -37141,7 +37793,7 @@
               <a:buNone/>
             </a:pPr>
             <a:r>
-              <a:rPr lang="en" sz="1900" b="1">
+              <a:rPr lang="en" sz="1900" b="1" dirty="0">
                 <a:latin typeface="Open Sans"/>
                 <a:ea typeface="Open Sans"/>
                 <a:cs typeface="Open Sans"/>
@@ -37150,10 +37802,10 @@
               <a:t>	</a:t>
             </a:r>
             <a:r>
-              <a:rPr lang="en" sz="1900"/>
+              <a:rPr lang="en" sz="1900" dirty="0"/>
               <a:t>What data does the business currently have available</a:t>
             </a:r>
-            <a:endParaRPr sz="1900"/>
+            <a:endParaRPr sz="1900" dirty="0"/>
           </a:p>
           <a:p>
             <a:pPr marL="457200" lvl="0" indent="-349250" algn="l" rtl="0">
@@ -37168,7 +37820,7 @@
               <a:buChar char="●"/>
             </a:pPr>
             <a:r>
-              <a:rPr lang="en" sz="1900" b="1">
+              <a:rPr lang="en" sz="1900" b="1" dirty="0">
                 <a:latin typeface="Open Sans"/>
                 <a:ea typeface="Open Sans"/>
                 <a:cs typeface="Open Sans"/>
@@ -37176,7 +37828,7 @@
               </a:rPr>
               <a:t>Additional data requests:</a:t>
             </a:r>
-            <a:endParaRPr sz="1900" b="1">
+            <a:endParaRPr sz="1900" b="1" dirty="0">
               <a:latin typeface="Open Sans"/>
               <a:ea typeface="Open Sans"/>
               <a:cs typeface="Open Sans"/>
@@ -37197,10 +37849,10 @@
               <a:buNone/>
             </a:pPr>
             <a:r>
-              <a:rPr lang="en" sz="1700"/>
+              <a:rPr lang="en" sz="1700" dirty="0"/>
               <a:t>Does the user have future data requests</a:t>
             </a:r>
-            <a:endParaRPr sz="1900"/>
+            <a:endParaRPr sz="1900" dirty="0"/>
           </a:p>
           <a:p>
             <a:pPr marL="457200" lvl="0" indent="0" algn="l" rtl="0">
@@ -37217,7 +37869,7 @@
               <a:buFont typeface="Arial"/>
               <a:buNone/>
             </a:pPr>
-            <a:endParaRPr sz="1900"/>
+            <a:endParaRPr sz="1900" dirty="0"/>
           </a:p>
           <a:p>
             <a:pPr marL="457200" lvl="0" indent="-349250" algn="l" rtl="0">
@@ -37232,7 +37884,7 @@
               <a:buChar char="●"/>
             </a:pPr>
             <a:r>
-              <a:rPr lang="en" sz="1900" b="1">
+              <a:rPr lang="en" sz="1900" b="1" dirty="0">
                 <a:latin typeface="Open Sans"/>
                 <a:ea typeface="Open Sans"/>
                 <a:cs typeface="Open Sans"/>
@@ -37240,7 +37892,7 @@
               </a:rPr>
               <a:t>Who will own/manage data</a:t>
             </a:r>
-            <a:endParaRPr sz="1900" b="1">
+            <a:endParaRPr sz="1900" b="1" dirty="0">
               <a:latin typeface="Open Sans"/>
               <a:ea typeface="Open Sans"/>
               <a:cs typeface="Open Sans"/>
@@ -37261,10 +37913,10 @@
               <a:buNone/>
             </a:pPr>
             <a:r>
-              <a:rPr lang="en" sz="1700"/>
+              <a:rPr lang="en" sz="1700" dirty="0"/>
               <a:t>What department will own / manage the data in the database</a:t>
             </a:r>
-            <a:endParaRPr sz="1900"/>
+            <a:endParaRPr sz="1900" dirty="0"/>
           </a:p>
           <a:p>
             <a:pPr marL="457200" lvl="0" indent="0" algn="l" rtl="0">
@@ -37279,7 +37931,7 @@
               </a:spcAft>
               <a:buNone/>
             </a:pPr>
-            <a:endParaRPr sz="1900"/>
+            <a:endParaRPr sz="1900" dirty="0"/>
           </a:p>
           <a:p>
             <a:pPr marL="457200" lvl="0" indent="-349250" algn="l" rtl="0">
@@ -37294,7 +37946,7 @@
               <a:buChar char="●"/>
             </a:pPr>
             <a:r>
-              <a:rPr lang="en" sz="1900" b="1">
+              <a:rPr lang="en" sz="1900" b="1" dirty="0">
                 <a:latin typeface="Open Sans"/>
                 <a:ea typeface="Open Sans"/>
                 <a:cs typeface="Open Sans"/>
@@ -37302,7 +37954,7 @@
               </a:rPr>
               <a:t>Who will have access to database</a:t>
             </a:r>
-            <a:endParaRPr sz="1900" b="1">
+            <a:endParaRPr sz="1900" b="1" dirty="0">
               <a:latin typeface="Open Sans"/>
               <a:ea typeface="Open Sans"/>
               <a:cs typeface="Open Sans"/>
@@ -37323,10 +37975,10 @@
               <a:buNone/>
             </a:pPr>
             <a:r>
-              <a:rPr lang="en" sz="1700"/>
+              <a:rPr lang="en" sz="1700" dirty="0"/>
               <a:t>List user types that will have access; also list any restrictions to access.</a:t>
             </a:r>
-            <a:endParaRPr sz="1900"/>
+            <a:endParaRPr sz="1900" dirty="0"/>
           </a:p>
           <a:p>
             <a:pPr marL="457200" lvl="0" indent="0" algn="l" rtl="0">
@@ -37343,7 +37995,7 @@
               <a:buFont typeface="Arial"/>
               <a:buNone/>
             </a:pPr>
-            <a:endParaRPr sz="1900"/>
+            <a:endParaRPr sz="1900" dirty="0"/>
           </a:p>
           <a:p>
             <a:pPr marL="457200" lvl="0" indent="0" algn="l" rtl="0">
@@ -37355,7 +38007,7 @@
               </a:spcAft>
               <a:buNone/>
             </a:pPr>
-            <a:endParaRPr sz="1900"/>
+            <a:endParaRPr sz="1900" dirty="0"/>
           </a:p>
         </p:txBody>
       </p:sp>
@@ -37367,7 +38019,7 @@
 </p:sld>
 </file>
 
-<file path=ppt/slides/slide7.xml><?xml version="1.0" encoding="utf-8"?>
+<file path=ppt/slides/slide5.xml><?xml version="1.0" encoding="utf-8"?>
 <p:sld xmlns:a="http://schemas.openxmlformats.org/drawingml/2006/main" xmlns:r="http://schemas.openxmlformats.org/officeDocument/2006/relationships" xmlns:p="http://schemas.openxmlformats.org/presentationml/2006/main">
   <p:cSld>
     <p:spTree>
@@ -37463,7 +38115,7 @@
               <a:buChar char="●"/>
             </a:pPr>
             <a:r>
-              <a:rPr lang="en" sz="1900" b="1">
+              <a:rPr lang="en" sz="1900" b="1" dirty="0">
                 <a:latin typeface="Open Sans"/>
                 <a:ea typeface="Open Sans"/>
                 <a:cs typeface="Open Sans"/>
@@ -37471,7 +38123,7 @@
               </a:rPr>
               <a:t>Estimated size of database</a:t>
             </a:r>
-            <a:endParaRPr sz="1900" b="1">
+            <a:endParaRPr sz="1900" b="1" dirty="0">
               <a:latin typeface="Open Sans"/>
               <a:ea typeface="Open Sans"/>
               <a:cs typeface="Open Sans"/>
@@ -37492,10 +38144,10 @@
               <a:buNone/>
             </a:pPr>
             <a:r>
-              <a:rPr lang="en" sz="1700"/>
+              <a:rPr lang="en" sz="1700" dirty="0"/>
               <a:t>List the size of the database in terms of numbers of rows. Business users often understand row or column size instead of GBs or MBs</a:t>
             </a:r>
-            <a:endParaRPr sz="1900"/>
+            <a:endParaRPr sz="1900" dirty="0"/>
           </a:p>
           <a:p>
             <a:pPr marL="0" lvl="0" indent="0" algn="l" rtl="0">
@@ -37507,7 +38159,7 @@
               </a:spcAft>
               <a:buNone/>
             </a:pPr>
-            <a:endParaRPr sz="1900"/>
+            <a:endParaRPr sz="1900" dirty="0"/>
           </a:p>
           <a:p>
             <a:pPr marL="457200" lvl="0" indent="-349250" algn="l" rtl="0">
@@ -37522,7 +38174,7 @@
               <a:buChar char="●"/>
             </a:pPr>
             <a:r>
-              <a:rPr lang="en" sz="1900" b="1">
+              <a:rPr lang="en" sz="1900" b="1" dirty="0">
                 <a:latin typeface="Open Sans"/>
                 <a:ea typeface="Open Sans"/>
                 <a:cs typeface="Open Sans"/>
@@ -37530,7 +38182,7 @@
               </a:rPr>
               <a:t>Estimated annual growth</a:t>
             </a:r>
-            <a:endParaRPr sz="1900" b="1">
+            <a:endParaRPr sz="1900" b="1" dirty="0">
               <a:latin typeface="Open Sans"/>
               <a:ea typeface="Open Sans"/>
               <a:cs typeface="Open Sans"/>
@@ -37551,10 +38203,10 @@
               <a:buNone/>
             </a:pPr>
             <a:r>
-              <a:rPr lang="en" sz="1700"/>
+              <a:rPr lang="en" sz="1700" dirty="0"/>
               <a:t>List any expected growth to the data</a:t>
             </a:r>
-            <a:endParaRPr sz="1900" b="1">
+            <a:endParaRPr sz="1900" b="1" dirty="0">
               <a:latin typeface="Open Sans"/>
               <a:ea typeface="Open Sans"/>
               <a:cs typeface="Open Sans"/>
@@ -37571,7 +38223,7 @@
               </a:spcAft>
               <a:buNone/>
             </a:pPr>
-            <a:endParaRPr sz="1900" b="1">
+            <a:endParaRPr sz="1900" b="1" dirty="0">
               <a:latin typeface="Open Sans"/>
               <a:ea typeface="Open Sans"/>
               <a:cs typeface="Open Sans"/>
@@ -37591,7 +38243,7 @@
               <a:buChar char="●"/>
             </a:pPr>
             <a:r>
-              <a:rPr lang="en" sz="1900" b="1">
+              <a:rPr lang="en" sz="1900" b="1" dirty="0">
                 <a:latin typeface="Open Sans"/>
                 <a:ea typeface="Open Sans"/>
                 <a:cs typeface="Open Sans"/>
@@ -37599,7 +38251,7 @@
               </a:rPr>
               <a:t>Is any of the data sensitive/restricted</a:t>
             </a:r>
-            <a:endParaRPr sz="1900" b="1">
+            <a:endParaRPr sz="1900" b="1" dirty="0">
               <a:latin typeface="Open Sans"/>
               <a:ea typeface="Open Sans"/>
               <a:cs typeface="Open Sans"/>
@@ -37620,10 +38272,10 @@
               <a:buNone/>
             </a:pPr>
             <a:r>
-              <a:rPr lang="en" sz="1700"/>
+              <a:rPr lang="en" sz="1700" dirty="0"/>
               <a:t>List any data that may be sensitive or restricted from particular users</a:t>
             </a:r>
-            <a:endParaRPr sz="1900"/>
+            <a:endParaRPr sz="1900" dirty="0"/>
           </a:p>
           <a:p>
             <a:pPr marL="0" lvl="0" indent="0" algn="l" rtl="0">
@@ -37635,7 +38287,7 @@
               </a:spcAft>
               <a:buNone/>
             </a:pPr>
-            <a:endParaRPr sz="1900" b="1">
+            <a:endParaRPr sz="1900" b="1" dirty="0">
               <a:latin typeface="Open Sans"/>
               <a:ea typeface="Open Sans"/>
               <a:cs typeface="Open Sans"/>
@@ -37655,7 +38307,7 @@
               </a:spcAft>
               <a:buNone/>
             </a:pPr>
-            <a:endParaRPr sz="1700"/>
+            <a:endParaRPr sz="1700" dirty="0"/>
           </a:p>
           <a:p>
             <a:pPr marL="457200" lvl="0" indent="0" algn="l" rtl="0">
@@ -37670,7 +38322,7 @@
               </a:spcAft>
               <a:buNone/>
             </a:pPr>
-            <a:endParaRPr sz="1700"/>
+            <a:endParaRPr sz="1700" dirty="0"/>
           </a:p>
         </p:txBody>
       </p:sp>
@@ -37682,7 +38334,7 @@
 </p:sld>
 </file>
 
-<file path=ppt/slides/slide8.xml><?xml version="1.0" encoding="utf-8"?>
+<file path=ppt/slides/slide6.xml><?xml version="1.0" encoding="utf-8"?>
 <p:sld xmlns:a="http://schemas.openxmlformats.org/drawingml/2006/main" xmlns:r="http://schemas.openxmlformats.org/officeDocument/2006/relationships" xmlns:p="http://schemas.openxmlformats.org/presentationml/2006/main">
   <p:cSld>
     <p:spTree>
@@ -37778,7 +38430,7 @@
               <a:buChar char="●"/>
             </a:pPr>
             <a:r>
-              <a:rPr lang="en" sz="1900" b="1">
+              <a:rPr lang="en" sz="1900" b="1" dirty="0">
                 <a:latin typeface="Open Sans"/>
                 <a:ea typeface="Open Sans"/>
                 <a:cs typeface="Open Sans"/>
@@ -37786,7 +38438,7 @@
               </a:rPr>
               <a:t>Justification for the new database</a:t>
             </a:r>
-            <a:endParaRPr sz="1900" b="1">
+            <a:endParaRPr sz="1900" b="1" dirty="0">
               <a:latin typeface="Open Sans"/>
               <a:ea typeface="Open Sans"/>
               <a:cs typeface="Open Sans"/>
@@ -37807,10 +38459,10 @@
               <a:buNone/>
             </a:pPr>
             <a:r>
-              <a:rPr lang="en" sz="1700"/>
+              <a:rPr lang="en" sz="1700" dirty="0"/>
               <a:t>Provide at least two justifications for building a database</a:t>
             </a:r>
-            <a:endParaRPr sz="1900"/>
+            <a:endParaRPr sz="1900" dirty="0"/>
           </a:p>
           <a:p>
             <a:pPr marL="0" lvl="0" indent="0" algn="l" rtl="0">
@@ -37822,7 +38474,7 @@
               </a:spcAft>
               <a:buNone/>
             </a:pPr>
-            <a:endParaRPr sz="1900"/>
+            <a:endParaRPr sz="1900" dirty="0"/>
           </a:p>
           <a:p>
             <a:pPr marL="457200" lvl="0" indent="-349250" algn="l" rtl="0">
@@ -37837,7 +38489,7 @@
               <a:buChar char="●"/>
             </a:pPr>
             <a:r>
-              <a:rPr lang="en" sz="1900" b="1">
+              <a:rPr lang="en" sz="1900" b="1" dirty="0">
                 <a:latin typeface="Open Sans"/>
                 <a:ea typeface="Open Sans"/>
                 <a:cs typeface="Open Sans"/>
@@ -37845,7 +38497,7 @@
               </a:rPr>
               <a:t>Database objects</a:t>
             </a:r>
-            <a:endParaRPr sz="1900" b="1">
+            <a:endParaRPr sz="1900" b="1" dirty="0">
               <a:latin typeface="Open Sans"/>
               <a:ea typeface="Open Sans"/>
               <a:cs typeface="Open Sans"/>
@@ -37866,10 +38518,10 @@
               <a:buNone/>
             </a:pPr>
             <a:r>
-              <a:rPr lang="en" sz="1700"/>
+              <a:rPr lang="en" sz="1700" dirty="0"/>
               <a:t>List the database objects (tables, views, special procedures)  that will be created for the database. </a:t>
             </a:r>
-            <a:endParaRPr sz="1700"/>
+            <a:endParaRPr sz="1700" dirty="0"/>
           </a:p>
           <a:p>
             <a:pPr marL="457200" lvl="0" indent="0" algn="l" rtl="0">
@@ -37884,7 +38536,7 @@
               </a:spcAft>
               <a:buNone/>
             </a:pPr>
-            <a:endParaRPr sz="1700"/>
+            <a:endParaRPr sz="1700" dirty="0"/>
           </a:p>
           <a:p>
             <a:pPr marL="457200" lvl="0" indent="0" algn="l" rtl="0">
@@ -37900,10 +38552,10 @@
               <a:buNone/>
             </a:pPr>
             <a:r>
-              <a:rPr lang="en" sz="1700"/>
+              <a:rPr lang="en" sz="1700" dirty="0"/>
               <a:t>Hint - you may want to circle back to this answer after completing the logical ERD in step 2.</a:t>
             </a:r>
-            <a:endParaRPr sz="1700"/>
+            <a:endParaRPr sz="1700" dirty="0"/>
           </a:p>
           <a:p>
             <a:pPr marL="457200" lvl="0" indent="0" algn="l" rtl="0">
@@ -37915,7 +38567,7 @@
               </a:spcAft>
               <a:buNone/>
             </a:pPr>
-            <a:endParaRPr sz="1900"/>
+            <a:endParaRPr sz="1900" dirty="0"/>
           </a:p>
           <a:p>
             <a:pPr marL="457200" lvl="0" indent="-349250" algn="l" rtl="0">
@@ -37930,7 +38582,7 @@
               <a:buChar char="●"/>
             </a:pPr>
             <a:r>
-              <a:rPr lang="en" sz="1900" b="1">
+              <a:rPr lang="en" sz="1900" b="1" dirty="0">
                 <a:latin typeface="Open Sans"/>
                 <a:ea typeface="Open Sans"/>
                 <a:cs typeface="Open Sans"/>
@@ -37938,7 +38590,7 @@
               </a:rPr>
               <a:t>Data ingestion</a:t>
             </a:r>
-            <a:endParaRPr sz="1900" b="1">
+            <a:endParaRPr sz="1900" b="1" dirty="0">
               <a:latin typeface="Open Sans"/>
               <a:ea typeface="Open Sans"/>
               <a:cs typeface="Open Sans"/>
@@ -37964,10 +38616,10 @@
               <a:buNone/>
             </a:pPr>
             <a:r>
-              <a:rPr lang="en" sz="1700"/>
+              <a:rPr lang="en" sz="1700" dirty="0"/>
               <a:t>Select a data ingestion method (ETL, Direct feed, API) based on the information provided. </a:t>
             </a:r>
-            <a:endParaRPr sz="1900"/>
+            <a:endParaRPr sz="1900" dirty="0"/>
           </a:p>
         </p:txBody>
       </p:sp>
@@ -37979,7 +38631,7 @@
 </p:sld>
 </file>
 
-<file path=ppt/slides/slide9.xml><?xml version="1.0" encoding="utf-8"?>
+<file path=ppt/slides/slide7.xml><?xml version="1.0" encoding="utf-8"?>
 <p:sld xmlns:a="http://schemas.openxmlformats.org/drawingml/2006/main" xmlns:r="http://schemas.openxmlformats.org/officeDocument/2006/relationships" xmlns:p="http://schemas.openxmlformats.org/presentationml/2006/main">
   <p:cSld>
     <p:spTree>
@@ -38075,7 +38727,7 @@
               <a:buChar char="●"/>
             </a:pPr>
             <a:r>
-              <a:rPr lang="en" sz="1900" b="1">
+              <a:rPr lang="en" sz="1900" b="1" dirty="0">
                 <a:latin typeface="Open Sans"/>
                 <a:ea typeface="Open Sans"/>
                 <a:cs typeface="Open Sans"/>
@@ -38083,7 +38735,7 @@
               </a:rPr>
               <a:t>Data governance (Ownership and User access)</a:t>
             </a:r>
-            <a:endParaRPr sz="1900" b="1">
+            <a:endParaRPr sz="1900" b="1" dirty="0">
               <a:latin typeface="Open Sans"/>
               <a:ea typeface="Open Sans"/>
               <a:cs typeface="Open Sans"/>
@@ -38104,7 +38756,7 @@
               <a:buNone/>
             </a:pPr>
             <a:r>
-              <a:rPr lang="en" sz="1700" b="1">
+              <a:rPr lang="en" sz="1700" b="1" dirty="0">
                 <a:latin typeface="Open Sans"/>
                 <a:ea typeface="Open Sans"/>
                 <a:cs typeface="Open Sans"/>
@@ -38113,10 +38765,10 @@
               <a:t>Ownership: </a:t>
             </a:r>
             <a:r>
-              <a:rPr lang="en" sz="1700"/>
+              <a:rPr lang="en" sz="1700" dirty="0"/>
               <a:t>who will own and maintain the data</a:t>
             </a:r>
-            <a:endParaRPr sz="1700"/>
+            <a:endParaRPr sz="1700" dirty="0"/>
           </a:p>
           <a:p>
             <a:pPr marL="457200" lvl="0" indent="0" algn="l" rtl="0">
@@ -38131,7 +38783,7 @@
               </a:spcAft>
               <a:buNone/>
             </a:pPr>
-            <a:endParaRPr sz="1700"/>
+            <a:endParaRPr sz="1700" dirty="0"/>
           </a:p>
           <a:p>
             <a:pPr marL="457200" lvl="0" indent="0" algn="l" rtl="0">
@@ -38147,7 +38799,7 @@
               <a:buNone/>
             </a:pPr>
             <a:r>
-              <a:rPr lang="en" sz="1700" b="1">
+              <a:rPr lang="en" sz="1700" b="1" dirty="0">
                 <a:latin typeface="Open Sans"/>
                 <a:ea typeface="Open Sans"/>
                 <a:cs typeface="Open Sans"/>
@@ -38156,10 +38808,10 @@
               <a:t>User Access: </a:t>
             </a:r>
             <a:r>
-              <a:rPr lang="en" sz="1700"/>
+              <a:rPr lang="en" sz="1700" dirty="0"/>
               <a:t>who will and will not have access to the data</a:t>
             </a:r>
-            <a:endParaRPr sz="1700"/>
+            <a:endParaRPr sz="1700" dirty="0"/>
           </a:p>
           <a:p>
             <a:pPr marL="457200" lvl="0" indent="0" algn="l" rtl="0">
@@ -38174,7 +38826,7 @@
               </a:spcAft>
               <a:buNone/>
             </a:pPr>
-            <a:endParaRPr sz="1700"/>
+            <a:endParaRPr sz="1700" dirty="0"/>
           </a:p>
           <a:p>
             <a:pPr marL="457200" lvl="0" indent="-349250" algn="l" rtl="0">
@@ -38189,7 +38841,7 @@
               <a:buChar char="●"/>
             </a:pPr>
             <a:r>
-              <a:rPr lang="en" sz="1900" b="1">
+              <a:rPr lang="en" sz="1900" b="1" dirty="0">
                 <a:latin typeface="Open Sans"/>
                 <a:ea typeface="Open Sans"/>
                 <a:cs typeface="Open Sans"/>
@@ -38197,7 +38849,7 @@
               </a:rPr>
               <a:t>Scalability </a:t>
             </a:r>
-            <a:endParaRPr sz="1900" b="1">
+            <a:endParaRPr sz="1900" b="1" dirty="0">
               <a:latin typeface="Open Sans"/>
               <a:ea typeface="Open Sans"/>
               <a:cs typeface="Open Sans"/>
@@ -38215,10 +38867,18 @@
               <a:buNone/>
             </a:pPr>
             <a:r>
-              <a:rPr lang="en" sz="1900"/>
-              <a:t>Should replication or sharding be used to ensure scalability based on user needs</a:t>
+              <a:rPr lang="en" sz="1900" dirty="0"/>
+              <a:t>Should replication or </a:t>
             </a:r>
-            <a:endParaRPr sz="1900"/>
+            <a:r>
+              <a:rPr lang="en" sz="1900" dirty="0" err="1"/>
+              <a:t>sharding</a:t>
+            </a:r>
+            <a:r>
+              <a:rPr lang="en" sz="1900" dirty="0"/>
+              <a:t> be used to ensure scalability based on user needs</a:t>
+            </a:r>
+            <a:endParaRPr sz="1900" dirty="0"/>
           </a:p>
           <a:p>
             <a:pPr marL="457200" lvl="0" indent="-349250" algn="l" rtl="0">
@@ -38233,7 +38893,7 @@
               <a:buChar char="●"/>
             </a:pPr>
             <a:r>
-              <a:rPr lang="en" sz="1900" b="1">
+              <a:rPr lang="en" sz="1900" b="1" dirty="0">
                 <a:latin typeface="Open Sans"/>
                 <a:ea typeface="Open Sans"/>
                 <a:cs typeface="Open Sans"/>
@@ -38241,7 +38901,7 @@
               </a:rPr>
               <a:t>Flexibility</a:t>
             </a:r>
-            <a:endParaRPr sz="1900"/>
+            <a:endParaRPr sz="1900" dirty="0"/>
           </a:p>
           <a:p>
             <a:pPr marL="457200" lvl="0" indent="0" algn="l" rtl="0">
@@ -38254,10 +38914,10 @@
               <a:buNone/>
             </a:pPr>
             <a:r>
-              <a:rPr lang="en" sz="1900"/>
+              <a:rPr lang="en" sz="1900" dirty="0"/>
               <a:t>Describe measures taken to ensure future data integration if needed</a:t>
             </a:r>
-            <a:endParaRPr sz="1900"/>
+            <a:endParaRPr sz="1900" dirty="0"/>
           </a:p>
           <a:p>
             <a:pPr marL="457200" lvl="0" indent="-349250" algn="l" rtl="0">
@@ -38272,7 +38932,7 @@
               <a:buChar char="●"/>
             </a:pPr>
             <a:r>
-              <a:rPr lang="en" sz="1900" b="1">
+              <a:rPr lang="en" sz="1900" b="1" dirty="0">
                 <a:latin typeface="Open Sans"/>
                 <a:ea typeface="Open Sans"/>
                 <a:cs typeface="Open Sans"/>
@@ -38280,7 +38940,7 @@
               </a:rPr>
               <a:t>Storage &amp; retention</a:t>
             </a:r>
-            <a:endParaRPr sz="1900" b="1">
+            <a:endParaRPr sz="1900" b="1" dirty="0">
               <a:latin typeface="Open Sans"/>
               <a:ea typeface="Open Sans"/>
               <a:cs typeface="Open Sans"/>
@@ -38301,7 +38961,7 @@
               <a:buNone/>
             </a:pPr>
             <a:r>
-              <a:rPr lang="en" sz="1700" b="1">
+              <a:rPr lang="en" sz="1700" b="1" dirty="0">
                 <a:latin typeface="Open Sans"/>
                 <a:ea typeface="Open Sans"/>
                 <a:cs typeface="Open Sans"/>
@@ -38310,11 +38970,11 @@
               <a:t>Storage (disk or in-memory): </a:t>
             </a:r>
             <a:r>
-              <a:rPr lang="en" sz="1700"/>
+              <a:rPr lang="en" sz="1700" dirty="0"/>
               <a:t>check </a:t>
             </a:r>
             <a:r>
-              <a:rPr lang="en" sz="1700" u="sng">
+              <a:rPr lang="en" sz="1700" u="sng" dirty="0">
                 <a:solidFill>
                   <a:schemeClr val="hlink"/>
                 </a:solidFill>
@@ -38322,7 +38982,7 @@
               </a:rPr>
               <a:t>IT best practices document</a:t>
             </a:r>
-            <a:endParaRPr sz="1700"/>
+            <a:endParaRPr sz="1700" dirty="0"/>
           </a:p>
           <a:p>
             <a:pPr marL="457200" lvl="0" indent="0" algn="l" rtl="0">
@@ -38337,7 +38997,7 @@
               </a:spcAft>
               <a:buNone/>
             </a:pPr>
-            <a:endParaRPr sz="1700"/>
+            <a:endParaRPr sz="1700" dirty="0"/>
           </a:p>
           <a:p>
             <a:pPr marL="457200" lvl="0" indent="0" algn="l" rtl="0">
@@ -38353,7 +39013,7 @@
               <a:buNone/>
             </a:pPr>
             <a:r>
-              <a:rPr lang="en" sz="1700" b="1">
+              <a:rPr lang="en" sz="1700" b="1" dirty="0">
                 <a:latin typeface="Open Sans"/>
                 <a:ea typeface="Open Sans"/>
                 <a:cs typeface="Open Sans"/>
@@ -38362,10 +39022,10 @@
               <a:t>Retention: </a:t>
             </a:r>
             <a:r>
-              <a:rPr lang="en" sz="1700"/>
+              <a:rPr lang="en" sz="1700" dirty="0"/>
               <a:t>how long does the data have to be kept for?</a:t>
             </a:r>
-            <a:endParaRPr sz="1700"/>
+            <a:endParaRPr sz="1700" dirty="0"/>
           </a:p>
           <a:p>
             <a:pPr marL="457200" lvl="0" indent="0" algn="l" rtl="0">
@@ -38380,7 +39040,7 @@
               </a:spcAft>
               <a:buNone/>
             </a:pPr>
-            <a:endParaRPr sz="1700"/>
+            <a:endParaRPr sz="1700" dirty="0"/>
           </a:p>
           <a:p>
             <a:pPr marL="457200" lvl="0" indent="0" algn="l" rtl="0">
@@ -38395,7 +39055,7 @@
               </a:spcAft>
               <a:buNone/>
             </a:pPr>
-            <a:endParaRPr sz="1700"/>
+            <a:endParaRPr sz="1700" dirty="0"/>
           </a:p>
           <a:p>
             <a:pPr marL="457200" lvl="0" indent="-349250" algn="l" rtl="0">
@@ -38410,7 +39070,7 @@
               <a:buChar char="●"/>
             </a:pPr>
             <a:r>
-              <a:rPr lang="en" sz="1900" b="1">
+              <a:rPr lang="en" sz="1900" b="1" dirty="0">
                 <a:latin typeface="Open Sans"/>
                 <a:ea typeface="Open Sans"/>
                 <a:cs typeface="Open Sans"/>
@@ -38418,7 +39078,7 @@
               </a:rPr>
               <a:t>Backup</a:t>
             </a:r>
-            <a:endParaRPr sz="1900" b="1">
+            <a:endParaRPr sz="1900" b="1" dirty="0">
               <a:latin typeface="Open Sans"/>
               <a:ea typeface="Open Sans"/>
               <a:cs typeface="Open Sans"/>
@@ -38436,11 +39096,11 @@
               <a:buNone/>
             </a:pPr>
             <a:r>
-              <a:rPr lang="en" sz="1700"/>
+              <a:rPr lang="en" sz="1700" dirty="0"/>
               <a:t> </a:t>
             </a:r>
             <a:r>
-              <a:rPr lang="en" sz="1700" u="sng">
+              <a:rPr lang="en" sz="1700" u="sng" dirty="0">
                 <a:solidFill>
                   <a:schemeClr val="hlink"/>
                 </a:solidFill>
@@ -38449,10 +39109,10 @@
               <a:t>IT Best Practices document</a:t>
             </a:r>
             <a:r>
-              <a:rPr lang="en" sz="1700"/>
+              <a:rPr lang="en" sz="1700" dirty="0"/>
               <a:t> lists Backup schedule requirements</a:t>
             </a:r>
-            <a:endParaRPr sz="1700"/>
+            <a:endParaRPr sz="1700" dirty="0"/>
           </a:p>
           <a:p>
             <a:pPr marL="457200" lvl="0" indent="0" algn="l" rtl="0">
@@ -38467,7 +39127,7 @@
               </a:spcAft>
               <a:buNone/>
             </a:pPr>
-            <a:endParaRPr sz="1700"/>
+            <a:endParaRPr sz="1700" dirty="0"/>
           </a:p>
           <a:p>
             <a:pPr marL="0" lvl="0" indent="0" algn="l" rtl="0">
@@ -38487,7 +39147,515 @@
               <a:buFont typeface="Arial"/>
               <a:buNone/>
             </a:pPr>
-            <a:endParaRPr sz="1700"/>
+            <a:endParaRPr sz="1700" dirty="0"/>
+          </a:p>
+        </p:txBody>
+      </p:sp>
+    </p:spTree>
+  </p:cSld>
+  <p:clrMapOvr>
+    <a:masterClrMapping/>
+  </p:clrMapOvr>
+</p:sld>
+</file>
+
+<file path=ppt/slides/slide8.xml><?xml version="1.0" encoding="utf-8"?>
+<p:sld xmlns:a="http://schemas.openxmlformats.org/drawingml/2006/main" xmlns:r="http://schemas.openxmlformats.org/officeDocument/2006/relationships" xmlns:p="http://schemas.openxmlformats.org/presentationml/2006/main">
+  <p:cSld>
+    <p:bg>
+      <p:bgPr>
+        <a:solidFill>
+          <a:srgbClr val="02B4E5"/>
+        </a:solidFill>
+        <a:effectLst/>
+      </p:bgPr>
+    </p:bg>
+    <p:spTree>
+      <p:nvGrpSpPr>
+        <p:cNvPr id="1" name="Shape 235"/>
+        <p:cNvGrpSpPr/>
+        <p:nvPr/>
+      </p:nvGrpSpPr>
+      <p:grpSpPr>
+        <a:xfrm>
+          <a:off x="0" y="0"/>
+          <a:ext cx="0" cy="0"/>
+          <a:chOff x="0" y="0"/>
+          <a:chExt cx="0" cy="0"/>
+        </a:xfrm>
+      </p:grpSpPr>
+      <p:sp>
+        <p:nvSpPr>
+          <p:cNvPr id="236" name="Google Shape;236;p60"/>
+          <p:cNvSpPr/>
+          <p:nvPr/>
+        </p:nvSpPr>
+        <p:spPr>
+          <a:xfrm>
+            <a:off x="1807121" y="4003549"/>
+            <a:ext cx="4158000" cy="2460000"/>
+          </a:xfrm>
+          <a:prstGeom prst="rect">
+            <a:avLst/>
+          </a:prstGeom>
+          <a:noFill/>
+          <a:ln>
+            <a:noFill/>
+          </a:ln>
+        </p:spPr>
+        <p:txBody>
+          <a:bodyPr spcFirstLastPara="1" wrap="square" lIns="26775" tIns="26775" rIns="26775" bIns="26775" anchor="t" anchorCtr="0">
+            <a:noAutofit/>
+          </a:bodyPr>
+          <a:lstStyle/>
+          <a:p>
+            <a:pPr marL="0" marR="0" lvl="0" indent="0" algn="ctr" rtl="0">
+              <a:lnSpc>
+                <a:spcPct val="150000"/>
+              </a:lnSpc>
+              <a:spcBef>
+                <a:spcPts val="0"/>
+              </a:spcBef>
+              <a:spcAft>
+                <a:spcPts val="0"/>
+              </a:spcAft>
+              <a:buClr>
+                <a:srgbClr val="FFFFFF"/>
+              </a:buClr>
+              <a:buFont typeface="Open Sans"/>
+              <a:buNone/>
+            </a:pPr>
+            <a:r>
+              <a:rPr lang="en" sz="3000" b="1">
+                <a:solidFill>
+                  <a:srgbClr val="FFFFFF"/>
+                </a:solidFill>
+                <a:latin typeface="Open Sans"/>
+                <a:ea typeface="Open Sans"/>
+                <a:cs typeface="Open Sans"/>
+                <a:sym typeface="Open Sans"/>
+              </a:rPr>
+              <a:t>Step 2</a:t>
+            </a:r>
+            <a:endParaRPr sz="3000" b="1">
+              <a:solidFill>
+                <a:srgbClr val="FFFFFF"/>
+              </a:solidFill>
+              <a:latin typeface="Open Sans"/>
+              <a:ea typeface="Open Sans"/>
+              <a:cs typeface="Open Sans"/>
+              <a:sym typeface="Open Sans"/>
+            </a:endParaRPr>
+          </a:p>
+          <a:p>
+            <a:pPr marL="0" marR="0" lvl="0" indent="0" algn="ctr" rtl="0">
+              <a:lnSpc>
+                <a:spcPct val="150000"/>
+              </a:lnSpc>
+              <a:spcBef>
+                <a:spcPts val="0"/>
+              </a:spcBef>
+              <a:spcAft>
+                <a:spcPts val="0"/>
+              </a:spcAft>
+              <a:buClr>
+                <a:srgbClr val="FFFFFF"/>
+              </a:buClr>
+              <a:buFont typeface="Open Sans"/>
+              <a:buNone/>
+            </a:pPr>
+            <a:r>
+              <a:rPr lang="en" sz="3000">
+                <a:solidFill>
+                  <a:srgbClr val="FFFFFF"/>
+                </a:solidFill>
+                <a:latin typeface="Open Sans"/>
+                <a:ea typeface="Open Sans"/>
+                <a:cs typeface="Open Sans"/>
+                <a:sym typeface="Open Sans"/>
+              </a:rPr>
+              <a:t>Relational Database Design</a:t>
+            </a:r>
+            <a:endParaRPr sz="3000">
+              <a:solidFill>
+                <a:srgbClr val="FFFFFF"/>
+              </a:solidFill>
+              <a:latin typeface="Open Sans"/>
+              <a:ea typeface="Open Sans"/>
+              <a:cs typeface="Open Sans"/>
+              <a:sym typeface="Open Sans"/>
+            </a:endParaRPr>
+          </a:p>
+        </p:txBody>
+      </p:sp>
+      <p:sp>
+        <p:nvSpPr>
+          <p:cNvPr id="237" name="Google Shape;237;p60"/>
+          <p:cNvSpPr/>
+          <p:nvPr/>
+        </p:nvSpPr>
+        <p:spPr>
+          <a:xfrm>
+            <a:off x="3582591" y="3663029"/>
+            <a:ext cx="607200" cy="74400"/>
+          </a:xfrm>
+          <a:prstGeom prst="rect">
+            <a:avLst/>
+          </a:prstGeom>
+          <a:solidFill>
+            <a:schemeClr val="lt1"/>
+          </a:solidFill>
+          <a:ln>
+            <a:noFill/>
+          </a:ln>
+        </p:spPr>
+        <p:txBody>
+          <a:bodyPr spcFirstLastPara="1" wrap="square" lIns="26775" tIns="26775" rIns="26775" bIns="26775" anchor="ctr" anchorCtr="0">
+            <a:noAutofit/>
+          </a:bodyPr>
+          <a:lstStyle/>
+          <a:p>
+            <a:pPr marL="0" marR="0" lvl="0" indent="0" algn="ctr" rtl="0">
+              <a:lnSpc>
+                <a:spcPct val="100000"/>
+              </a:lnSpc>
+              <a:spcBef>
+                <a:spcPts val="0"/>
+              </a:spcBef>
+              <a:spcAft>
+                <a:spcPts val="0"/>
+              </a:spcAft>
+              <a:buClr>
+                <a:srgbClr val="FFFFFF"/>
+              </a:buClr>
+              <a:buFont typeface="Helvetica Neue"/>
+              <a:buNone/>
+            </a:pPr>
+            <a:endParaRPr sz="1200" b="0" i="0" u="none" strike="noStrike" cap="none">
+              <a:solidFill>
+                <a:srgbClr val="02B4E5"/>
+              </a:solidFill>
+              <a:latin typeface="Helvetica Neue"/>
+              <a:ea typeface="Helvetica Neue"/>
+              <a:cs typeface="Helvetica Neue"/>
+              <a:sym typeface="Helvetica Neue"/>
+            </a:endParaRPr>
+          </a:p>
+        </p:txBody>
+      </p:sp>
+    </p:spTree>
+  </p:cSld>
+  <p:clrMapOvr>
+    <a:masterClrMapping/>
+  </p:clrMapOvr>
+</p:sld>
+</file>
+
+<file path=ppt/slides/slide9.xml><?xml version="1.0" encoding="utf-8"?>
+<p:sld xmlns:a="http://schemas.openxmlformats.org/drawingml/2006/main" xmlns:r="http://schemas.openxmlformats.org/officeDocument/2006/relationships" xmlns:p="http://schemas.openxmlformats.org/presentationml/2006/main">
+  <p:cSld>
+    <p:spTree>
+      <p:nvGrpSpPr>
+        <p:cNvPr id="1" name="Shape 241"/>
+        <p:cNvGrpSpPr/>
+        <p:nvPr/>
+      </p:nvGrpSpPr>
+      <p:grpSpPr>
+        <a:xfrm>
+          <a:off x="0" y="0"/>
+          <a:ext cx="0" cy="0"/>
+          <a:chOff x="0" y="0"/>
+          <a:chExt cx="0" cy="0"/>
+        </a:xfrm>
+      </p:grpSpPr>
+      <p:sp>
+        <p:nvSpPr>
+          <p:cNvPr id="242" name="Google Shape;242;p61"/>
+          <p:cNvSpPr txBox="1">
+            <a:spLocks noGrp="1"/>
+          </p:cNvSpPr>
+          <p:nvPr>
+            <p:ph type="title"/>
+          </p:nvPr>
+        </p:nvSpPr>
+        <p:spPr>
+          <a:xfrm>
+            <a:off x="264945" y="870271"/>
+            <a:ext cx="7242600" cy="1119900"/>
+          </a:xfrm>
+          <a:prstGeom prst="rect">
+            <a:avLst/>
+          </a:prstGeom>
+        </p:spPr>
+        <p:txBody>
+          <a:bodyPr spcFirstLastPara="1" wrap="square" lIns="91425" tIns="91425" rIns="91425" bIns="91425" anchor="ctr" anchorCtr="0">
+            <a:noAutofit/>
+          </a:bodyPr>
+          <a:lstStyle/>
+          <a:p>
+            <a:pPr marL="0" lvl="0" indent="0" algn="l" rtl="0">
+              <a:spcBef>
+                <a:spcPts val="0"/>
+              </a:spcBef>
+              <a:spcAft>
+                <a:spcPts val="0"/>
+              </a:spcAft>
+              <a:buNone/>
+            </a:pPr>
+            <a:r>
+              <a:rPr lang="en"/>
+              <a:t>Step 2: Relational Database Design</a:t>
+            </a:r>
+            <a:endParaRPr/>
+          </a:p>
+        </p:txBody>
+      </p:sp>
+      <p:sp>
+        <p:nvSpPr>
+          <p:cNvPr id="243" name="Google Shape;243;p61"/>
+          <p:cNvSpPr txBox="1">
+            <a:spLocks noGrp="1"/>
+          </p:cNvSpPr>
+          <p:nvPr>
+            <p:ph type="body" idx="1"/>
+          </p:nvPr>
+        </p:nvSpPr>
+        <p:spPr>
+          <a:xfrm>
+            <a:off x="264945" y="2253729"/>
+            <a:ext cx="7242600" cy="6239700"/>
+          </a:xfrm>
+          <a:prstGeom prst="rect">
+            <a:avLst/>
+          </a:prstGeom>
+        </p:spPr>
+        <p:txBody>
+          <a:bodyPr spcFirstLastPara="1" wrap="square" lIns="91425" tIns="91425" rIns="91425" bIns="91425" anchor="t" anchorCtr="0">
+            <a:noAutofit/>
+          </a:bodyPr>
+          <a:lstStyle/>
+          <a:p>
+            <a:pPr marL="0" lvl="0" indent="0" algn="l" rtl="0">
+              <a:lnSpc>
+                <a:spcPct val="170000"/>
+              </a:lnSpc>
+              <a:spcBef>
+                <a:spcPts val="0"/>
+              </a:spcBef>
+              <a:spcAft>
+                <a:spcPts val="0"/>
+              </a:spcAft>
+              <a:buNone/>
+            </a:pPr>
+            <a:r>
+              <a:rPr lang="en" sz="1500">
+                <a:solidFill>
+                  <a:srgbClr val="525C65"/>
+                </a:solidFill>
+                <a:highlight>
+                  <a:srgbClr val="FFFFFF"/>
+                </a:highlight>
+                <a:latin typeface="Open Sans"/>
+                <a:ea typeface="Open Sans"/>
+                <a:cs typeface="Open Sans"/>
+                <a:sym typeface="Open Sans"/>
+              </a:rPr>
+              <a:t>This step is where you will go through the process of designing a new database for Tech ABC Corp's HR department. Using the </a:t>
+            </a:r>
+            <a:r>
+              <a:rPr lang="en" sz="1500" u="sng">
+                <a:solidFill>
+                  <a:schemeClr val="hlink"/>
+                </a:solidFill>
+                <a:highlight>
+                  <a:srgbClr val="FFFFFF"/>
+                </a:highlight>
+                <a:latin typeface="Open Sans"/>
+                <a:ea typeface="Open Sans"/>
+                <a:cs typeface="Open Sans"/>
+                <a:sym typeface="Open Sans"/>
+                <a:hlinkClick r:id="rId3"/>
+              </a:rPr>
+              <a:t>dataset</a:t>
+            </a:r>
+            <a:r>
+              <a:rPr lang="en" sz="1500">
+                <a:solidFill>
+                  <a:srgbClr val="525C65"/>
+                </a:solidFill>
+                <a:highlight>
+                  <a:srgbClr val="FFFFFF"/>
+                </a:highlight>
+                <a:latin typeface="Open Sans"/>
+                <a:ea typeface="Open Sans"/>
+                <a:cs typeface="Open Sans"/>
+                <a:sym typeface="Open Sans"/>
+              </a:rPr>
+              <a:t> provided, along with the requirements gathered in step one, you are going to develop a relational database set to the 3NF.</a:t>
+            </a:r>
+            <a:endParaRPr sz="1500">
+              <a:solidFill>
+                <a:srgbClr val="525C65"/>
+              </a:solidFill>
+              <a:highlight>
+                <a:srgbClr val="FFFFFF"/>
+              </a:highlight>
+              <a:latin typeface="Open Sans"/>
+              <a:ea typeface="Open Sans"/>
+              <a:cs typeface="Open Sans"/>
+              <a:sym typeface="Open Sans"/>
+            </a:endParaRPr>
+          </a:p>
+          <a:p>
+            <a:pPr marL="0" lvl="0" indent="0" algn="l" rtl="0">
+              <a:lnSpc>
+                <a:spcPct val="170000"/>
+              </a:lnSpc>
+              <a:spcBef>
+                <a:spcPts val="1100"/>
+              </a:spcBef>
+              <a:spcAft>
+                <a:spcPts val="0"/>
+              </a:spcAft>
+              <a:buNone/>
+            </a:pPr>
+            <a:endParaRPr sz="500">
+              <a:solidFill>
+                <a:srgbClr val="525C65"/>
+              </a:solidFill>
+              <a:highlight>
+                <a:srgbClr val="FFFFFF"/>
+              </a:highlight>
+              <a:latin typeface="Open Sans"/>
+              <a:ea typeface="Open Sans"/>
+              <a:cs typeface="Open Sans"/>
+              <a:sym typeface="Open Sans"/>
+            </a:endParaRPr>
+          </a:p>
+          <a:p>
+            <a:pPr marL="0" lvl="0" indent="0" algn="l" rtl="0">
+              <a:lnSpc>
+                <a:spcPct val="170000"/>
+              </a:lnSpc>
+              <a:spcBef>
+                <a:spcPts val="1100"/>
+              </a:spcBef>
+              <a:spcAft>
+                <a:spcPts val="0"/>
+              </a:spcAft>
+              <a:buNone/>
+            </a:pPr>
+            <a:r>
+              <a:rPr lang="en" sz="1500">
+                <a:solidFill>
+                  <a:srgbClr val="525C65"/>
+                </a:solidFill>
+                <a:highlight>
+                  <a:srgbClr val="FFFFFF"/>
+                </a:highlight>
+                <a:latin typeface="Open Sans"/>
+                <a:ea typeface="Open Sans"/>
+                <a:cs typeface="Open Sans"/>
+                <a:sym typeface="Open Sans"/>
+              </a:rPr>
+              <a:t>Using Lucidchart, you will create 3 entity relationship diagrams (ERDs) to show how you developed the final design for your data.</a:t>
+            </a:r>
+            <a:endParaRPr sz="1500">
+              <a:solidFill>
+                <a:srgbClr val="525C65"/>
+              </a:solidFill>
+              <a:highlight>
+                <a:srgbClr val="FFFFFF"/>
+              </a:highlight>
+              <a:latin typeface="Open Sans"/>
+              <a:ea typeface="Open Sans"/>
+              <a:cs typeface="Open Sans"/>
+              <a:sym typeface="Open Sans"/>
+            </a:endParaRPr>
+          </a:p>
+          <a:p>
+            <a:pPr marL="0" lvl="0" indent="0" algn="l" rtl="0">
+              <a:lnSpc>
+                <a:spcPct val="170000"/>
+              </a:lnSpc>
+              <a:spcBef>
+                <a:spcPts val="1100"/>
+              </a:spcBef>
+              <a:spcAft>
+                <a:spcPts val="0"/>
+              </a:spcAft>
+              <a:buNone/>
+            </a:pPr>
+            <a:endParaRPr sz="500">
+              <a:solidFill>
+                <a:srgbClr val="525C65"/>
+              </a:solidFill>
+              <a:highlight>
+                <a:srgbClr val="FFFFFF"/>
+              </a:highlight>
+              <a:latin typeface="Open Sans"/>
+              <a:ea typeface="Open Sans"/>
+              <a:cs typeface="Open Sans"/>
+              <a:sym typeface="Open Sans"/>
+            </a:endParaRPr>
+          </a:p>
+          <a:p>
+            <a:pPr marL="0" lvl="0" indent="0" algn="l" rtl="0">
+              <a:lnSpc>
+                <a:spcPct val="170000"/>
+              </a:lnSpc>
+              <a:spcBef>
+                <a:spcPts val="1100"/>
+              </a:spcBef>
+              <a:spcAft>
+                <a:spcPts val="0"/>
+              </a:spcAft>
+              <a:buClr>
+                <a:schemeClr val="dk1"/>
+              </a:buClr>
+              <a:buSzPts val="1100"/>
+              <a:buFont typeface="Arial"/>
+              <a:buNone/>
+            </a:pPr>
+            <a:r>
+              <a:rPr lang="en" sz="1500">
+                <a:solidFill>
+                  <a:srgbClr val="525C65"/>
+                </a:solidFill>
+                <a:highlight>
+                  <a:srgbClr val="FFFFFF"/>
+                </a:highlight>
+                <a:latin typeface="Open Sans"/>
+                <a:ea typeface="Open Sans"/>
+                <a:cs typeface="Open Sans"/>
+                <a:sym typeface="Open Sans"/>
+              </a:rPr>
+              <a:t>You will submit a screenshot for each of the 3 ERDs you create. You will find detailed instructions for developing each of the ERDs over the next several pages.</a:t>
+            </a:r>
+            <a:endParaRPr sz="1500">
+              <a:solidFill>
+                <a:srgbClr val="525C65"/>
+              </a:solidFill>
+              <a:highlight>
+                <a:srgbClr val="FFFFFF"/>
+              </a:highlight>
+              <a:latin typeface="Open Sans"/>
+              <a:ea typeface="Open Sans"/>
+              <a:cs typeface="Open Sans"/>
+              <a:sym typeface="Open Sans"/>
+            </a:endParaRPr>
+          </a:p>
+          <a:p>
+            <a:pPr marL="0" lvl="0" indent="0" algn="l" rtl="0">
+              <a:spcBef>
+                <a:spcPts val="1100"/>
+              </a:spcBef>
+              <a:spcAft>
+                <a:spcPts val="1600"/>
+              </a:spcAft>
+              <a:buNone/>
+            </a:pPr>
+            <a:endParaRPr sz="2200"/>
           </a:p>
         </p:txBody>
       </p:sp>

--- a/HR_Dataset_Assignment.pptx
+++ b/HR_Dataset_Assignment.pptx
@@ -8,78 +8,79 @@
     <p:sldMasterId id="2147483697" r:id="rId4"/>
   </p:sldMasterIdLst>
   <p:notesMasterIdLst>
-    <p:notesMasterId r:id="rId36"/>
+    <p:notesMasterId r:id="rId37"/>
   </p:notesMasterIdLst>
   <p:sldIdLst>
     <p:sldId id="256" r:id="rId5"/>
     <p:sldId id="259" r:id="rId6"/>
     <p:sldId id="260" r:id="rId7"/>
-    <p:sldId id="261" r:id="rId8"/>
-    <p:sldId id="262" r:id="rId9"/>
-    <p:sldId id="263" r:id="rId10"/>
-    <p:sldId id="264" r:id="rId11"/>
-    <p:sldId id="265" r:id="rId12"/>
-    <p:sldId id="266" r:id="rId13"/>
-    <p:sldId id="267" r:id="rId14"/>
-    <p:sldId id="268" r:id="rId15"/>
-    <p:sldId id="287" r:id="rId16"/>
-    <p:sldId id="269" r:id="rId17"/>
-    <p:sldId id="288" r:id="rId18"/>
-    <p:sldId id="270" r:id="rId19"/>
-    <p:sldId id="271" r:id="rId20"/>
-    <p:sldId id="272" r:id="rId21"/>
-    <p:sldId id="273" r:id="rId22"/>
-    <p:sldId id="274" r:id="rId23"/>
-    <p:sldId id="275" r:id="rId24"/>
-    <p:sldId id="276" r:id="rId25"/>
-    <p:sldId id="277" r:id="rId26"/>
-    <p:sldId id="278" r:id="rId27"/>
-    <p:sldId id="279" r:id="rId28"/>
-    <p:sldId id="280" r:id="rId29"/>
-    <p:sldId id="281" r:id="rId30"/>
-    <p:sldId id="282" r:id="rId31"/>
-    <p:sldId id="283" r:id="rId32"/>
-    <p:sldId id="284" r:id="rId33"/>
-    <p:sldId id="285" r:id="rId34"/>
-    <p:sldId id="286" r:id="rId35"/>
+    <p:sldId id="289" r:id="rId8"/>
+    <p:sldId id="261" r:id="rId9"/>
+    <p:sldId id="262" r:id="rId10"/>
+    <p:sldId id="263" r:id="rId11"/>
+    <p:sldId id="264" r:id="rId12"/>
+    <p:sldId id="265" r:id="rId13"/>
+    <p:sldId id="266" r:id="rId14"/>
+    <p:sldId id="267" r:id="rId15"/>
+    <p:sldId id="268" r:id="rId16"/>
+    <p:sldId id="287" r:id="rId17"/>
+    <p:sldId id="269" r:id="rId18"/>
+    <p:sldId id="288" r:id="rId19"/>
+    <p:sldId id="270" r:id="rId20"/>
+    <p:sldId id="271" r:id="rId21"/>
+    <p:sldId id="272" r:id="rId22"/>
+    <p:sldId id="273" r:id="rId23"/>
+    <p:sldId id="274" r:id="rId24"/>
+    <p:sldId id="275" r:id="rId25"/>
+    <p:sldId id="276" r:id="rId26"/>
+    <p:sldId id="277" r:id="rId27"/>
+    <p:sldId id="278" r:id="rId28"/>
+    <p:sldId id="279" r:id="rId29"/>
+    <p:sldId id="280" r:id="rId30"/>
+    <p:sldId id="281" r:id="rId31"/>
+    <p:sldId id="282" r:id="rId32"/>
+    <p:sldId id="283" r:id="rId33"/>
+    <p:sldId id="284" r:id="rId34"/>
+    <p:sldId id="285" r:id="rId35"/>
+    <p:sldId id="286" r:id="rId36"/>
   </p:sldIdLst>
   <p:sldSz cx="7772400" cy="10058400"/>
   <p:notesSz cx="6858000" cy="9144000"/>
   <p:embeddedFontLst>
     <p:embeddedFont>
       <p:font typeface="Calibri" panose="020F0502020204030204" pitchFamily="34" charset="0"/>
-      <p:regular r:id="rId37"/>
-      <p:bold r:id="rId38"/>
-      <p:italic r:id="rId39"/>
-      <p:boldItalic r:id="rId40"/>
+      <p:regular r:id="rId38"/>
+      <p:bold r:id="rId39"/>
+      <p:italic r:id="rId40"/>
+      <p:boldItalic r:id="rId41"/>
     </p:embeddedFont>
     <p:embeddedFont>
       <p:font typeface="Helvetica Neue" panose="02000503000000020004" pitchFamily="2" charset="0"/>
-      <p:regular r:id="rId41"/>
-      <p:bold r:id="rId42"/>
-      <p:italic r:id="rId43"/>
-      <p:boldItalic r:id="rId44"/>
+      <p:regular r:id="rId42"/>
+      <p:bold r:id="rId43"/>
+      <p:italic r:id="rId44"/>
+      <p:boldItalic r:id="rId45"/>
     </p:embeddedFont>
     <p:embeddedFont>
       <p:font typeface="Open Sans" panose="020B0606030504020204" pitchFamily="34" charset="0"/>
-      <p:regular r:id="rId45"/>
-      <p:bold r:id="rId46"/>
-      <p:italic r:id="rId47"/>
-      <p:boldItalic r:id="rId48"/>
+      <p:regular r:id="rId46"/>
+      <p:bold r:id="rId47"/>
+      <p:italic r:id="rId48"/>
+      <p:boldItalic r:id="rId49"/>
     </p:embeddedFont>
     <p:embeddedFont>
       <p:font typeface="Open Sans Light" panose="020F0302020204030204" pitchFamily="34" charset="0"/>
-      <p:regular r:id="rId49"/>
-      <p:bold r:id="rId50"/>
-      <p:italic r:id="rId51"/>
-      <p:boldItalic r:id="rId52"/>
+      <p:regular r:id="rId50"/>
+      <p:bold r:id="rId51"/>
+      <p:italic r:id="rId52"/>
+      <p:boldItalic r:id="rId53"/>
     </p:embeddedFont>
     <p:embeddedFont>
       <p:font typeface="Source Code Pro" panose="020B0509030403020204" pitchFamily="49" charset="0"/>
-      <p:regular r:id="rId53"/>
-      <p:bold r:id="rId54"/>
-      <p:italic r:id="rId55"/>
-      <p:boldItalic r:id="rId56"/>
+      <p:regular r:id="rId54"/>
+      <p:bold r:id="rId55"/>
+      <p:italic r:id="rId56"/>
+      <p:boldItalic r:id="rId57"/>
     </p:embeddedFont>
   </p:embeddedFontLst>
   <p:defaultTextStyle>
@@ -869,6 +870,110 @@
   <p:cSld>
     <p:spTree>
       <p:nvGrpSpPr>
+        <p:cNvPr id="1" name="Shape 238"/>
+        <p:cNvGrpSpPr/>
+        <p:nvPr/>
+      </p:nvGrpSpPr>
+      <p:grpSpPr>
+        <a:xfrm>
+          <a:off x="0" y="0"/>
+          <a:ext cx="0" cy="0"/>
+          <a:chOff x="0" y="0"/>
+          <a:chExt cx="0" cy="0"/>
+        </a:xfrm>
+      </p:grpSpPr>
+      <p:sp>
+        <p:nvSpPr>
+          <p:cNvPr id="239" name="Google Shape;239;g8d8c850c25_0_92:notes"/>
+          <p:cNvSpPr>
+            <a:spLocks noGrp="1" noRot="1" noChangeAspect="1"/>
+          </p:cNvSpPr>
+          <p:nvPr>
+            <p:ph type="sldImg" idx="2"/>
+          </p:nvPr>
+        </p:nvSpPr>
+        <p:spPr>
+          <a:xfrm>
+            <a:off x="2104459" y="685800"/>
+            <a:ext cx="2649600" cy="3429000"/>
+          </a:xfrm>
+          <a:custGeom>
+            <a:avLst/>
+            <a:gdLst/>
+            <a:ahLst/>
+            <a:cxnLst/>
+            <a:rect l="l" t="t" r="r" b="b"/>
+            <a:pathLst>
+              <a:path w="120000" h="120000" extrusionOk="0">
+                <a:moveTo>
+                  <a:pt x="0" y="0"/>
+                </a:moveTo>
+                <a:lnTo>
+                  <a:pt x="120000" y="0"/>
+                </a:lnTo>
+                <a:lnTo>
+                  <a:pt x="120000" y="120000"/>
+                </a:lnTo>
+                <a:lnTo>
+                  <a:pt x="0" y="120000"/>
+                </a:lnTo>
+                <a:close/>
+              </a:path>
+            </a:pathLst>
+          </a:custGeom>
+        </p:spPr>
+      </p:sp>
+      <p:sp>
+        <p:nvSpPr>
+          <p:cNvPr id="240" name="Google Shape;240;g8d8c850c25_0_92:notes"/>
+          <p:cNvSpPr txBox="1">
+            <a:spLocks noGrp="1"/>
+          </p:cNvSpPr>
+          <p:nvPr>
+            <p:ph type="body" idx="1"/>
+          </p:nvPr>
+        </p:nvSpPr>
+        <p:spPr>
+          <a:xfrm>
+            <a:off x="685800" y="4343400"/>
+            <a:ext cx="5486400" cy="4114800"/>
+          </a:xfrm>
+          <a:prstGeom prst="rect">
+            <a:avLst/>
+          </a:prstGeom>
+        </p:spPr>
+        <p:txBody>
+          <a:bodyPr spcFirstLastPara="1" wrap="square" lIns="91425" tIns="91425" rIns="91425" bIns="91425" anchor="t" anchorCtr="0">
+            <a:noAutofit/>
+          </a:bodyPr>
+          <a:lstStyle/>
+          <a:p>
+            <a:pPr marL="0" lvl="0" indent="0" algn="l" rtl="0">
+              <a:spcBef>
+                <a:spcPts val="0"/>
+              </a:spcBef>
+              <a:spcAft>
+                <a:spcPts val="0"/>
+              </a:spcAft>
+              <a:buNone/>
+            </a:pPr>
+            <a:endParaRPr/>
+          </a:p>
+        </p:txBody>
+      </p:sp>
+    </p:spTree>
+  </p:cSld>
+  <p:clrMapOvr>
+    <a:masterClrMapping/>
+  </p:clrMapOvr>
+</p:notes>
+</file>
+
+<file path=ppt/notesSlides/notesSlide11.xml><?xml version="1.0" encoding="utf-8"?>
+<p:notes xmlns:a="http://schemas.openxmlformats.org/drawingml/2006/main" xmlns:r="http://schemas.openxmlformats.org/officeDocument/2006/relationships" xmlns:p="http://schemas.openxmlformats.org/presentationml/2006/main" showMasterSp="0" showMasterPhAnim="0">
+  <p:cSld>
+    <p:spTree>
+      <p:nvGrpSpPr>
         <p:cNvPr id="1" name="Shape 244"/>
         <p:cNvGrpSpPr/>
         <p:nvPr/>
@@ -957,110 +1062,6 @@
               <a:buNone/>
             </a:pPr>
             <a:endParaRPr/>
-          </a:p>
-        </p:txBody>
-      </p:sp>
-    </p:spTree>
-  </p:cSld>
-  <p:clrMapOvr>
-    <a:masterClrMapping/>
-  </p:clrMapOvr>
-</p:notes>
-</file>
-
-<file path=ppt/notesSlides/notesSlide11.xml><?xml version="1.0" encoding="utf-8"?>
-<p:notes xmlns:a="http://schemas.openxmlformats.org/drawingml/2006/main" xmlns:r="http://schemas.openxmlformats.org/officeDocument/2006/relationships" xmlns:p="http://schemas.openxmlformats.org/presentationml/2006/main" showMasterSp="0" showMasterPhAnim="0">
-  <p:cSld>
-    <p:spTree>
-      <p:nvGrpSpPr>
-        <p:cNvPr id="1" name="Shape 251"/>
-        <p:cNvGrpSpPr/>
-        <p:nvPr/>
-      </p:nvGrpSpPr>
-      <p:grpSpPr>
-        <a:xfrm>
-          <a:off x="0" y="0"/>
-          <a:ext cx="0" cy="0"/>
-          <a:chOff x="0" y="0"/>
-          <a:chExt cx="0" cy="0"/>
-        </a:xfrm>
-      </p:grpSpPr>
-      <p:sp>
-        <p:nvSpPr>
-          <p:cNvPr id="252" name="Google Shape;252;g8d8c850c25_0_103:notes"/>
-          <p:cNvSpPr>
-            <a:spLocks noGrp="1" noRot="1" noChangeAspect="1"/>
-          </p:cNvSpPr>
-          <p:nvPr>
-            <p:ph type="sldImg" idx="2"/>
-          </p:nvPr>
-        </p:nvSpPr>
-        <p:spPr>
-          <a:xfrm>
-            <a:off x="2105025" y="685800"/>
-            <a:ext cx="2649538" cy="3429000"/>
-          </a:xfrm>
-          <a:custGeom>
-            <a:avLst/>
-            <a:gdLst/>
-            <a:ahLst/>
-            <a:cxnLst/>
-            <a:rect l="l" t="t" r="r" b="b"/>
-            <a:pathLst>
-              <a:path w="120000" h="120000" extrusionOk="0">
-                <a:moveTo>
-                  <a:pt x="0" y="0"/>
-                </a:moveTo>
-                <a:lnTo>
-                  <a:pt x="120000" y="0"/>
-                </a:lnTo>
-                <a:lnTo>
-                  <a:pt x="120000" y="120000"/>
-                </a:lnTo>
-                <a:lnTo>
-                  <a:pt x="0" y="120000"/>
-                </a:lnTo>
-                <a:close/>
-              </a:path>
-            </a:pathLst>
-          </a:custGeom>
-        </p:spPr>
-      </p:sp>
-      <p:sp>
-        <p:nvSpPr>
-          <p:cNvPr id="253" name="Google Shape;253;g8d8c850c25_0_103:notes"/>
-          <p:cNvSpPr txBox="1">
-            <a:spLocks noGrp="1"/>
-          </p:cNvSpPr>
-          <p:nvPr>
-            <p:ph type="body" idx="1"/>
-          </p:nvPr>
-        </p:nvSpPr>
-        <p:spPr>
-          <a:xfrm>
-            <a:off x="685800" y="4343400"/>
-            <a:ext cx="5486400" cy="4114800"/>
-          </a:xfrm>
-          <a:prstGeom prst="rect">
-            <a:avLst/>
-          </a:prstGeom>
-        </p:spPr>
-        <p:txBody>
-          <a:bodyPr spcFirstLastPara="1" wrap="square" lIns="91425" tIns="91425" rIns="91425" bIns="91425" anchor="t" anchorCtr="0">
-            <a:noAutofit/>
-          </a:bodyPr>
-          <a:lstStyle/>
-          <a:p>
-            <a:pPr marL="0" lvl="0" indent="0" algn="l" rtl="0">
-              <a:spcBef>
-                <a:spcPts val="0"/>
-              </a:spcBef>
-              <a:spcAft>
-                <a:spcPts val="0"/>
-              </a:spcAft>
-              <a:buNone/>
-            </a:pPr>
-            <a:endParaRPr dirty="0"/>
           </a:p>
         </p:txBody>
       </p:sp>
@@ -1164,16 +1165,11 @@
               </a:spcAft>
               <a:buNone/>
             </a:pPr>
-            <a:endParaRPr/>
+            <a:endParaRPr dirty="0"/>
           </a:p>
         </p:txBody>
       </p:sp>
     </p:spTree>
-    <p:extLst>
-      <p:ext uri="{BB962C8B-B14F-4D97-AF65-F5344CB8AC3E}">
-        <p14:creationId xmlns:p14="http://schemas.microsoft.com/office/powerpoint/2010/main" val="3855889293"/>
-      </p:ext>
-    </p:extLst>
   </p:cSld>
   <p:clrMapOvr>
     <a:masterClrMapping/>
@@ -1186,7 +1182,7 @@
   <p:cSld>
     <p:spTree>
       <p:nvGrpSpPr>
-        <p:cNvPr id="1" name="Shape 258"/>
+        <p:cNvPr id="1" name="Shape 251"/>
         <p:cNvGrpSpPr/>
         <p:nvPr/>
       </p:nvGrpSpPr>
@@ -1200,7 +1196,7 @@
       </p:grpSpPr>
       <p:sp>
         <p:nvSpPr>
-          <p:cNvPr id="259" name="Google Shape;259;g8d8c850c25_0_108:notes"/>
+          <p:cNvPr id="252" name="Google Shape;252;g8d8c850c25_0_103:notes"/>
           <p:cNvSpPr>
             <a:spLocks noGrp="1" noRot="1" noChangeAspect="1"/>
           </p:cNvSpPr>
@@ -1241,7 +1237,7 @@
       </p:sp>
       <p:sp>
         <p:nvSpPr>
-          <p:cNvPr id="260" name="Google Shape;260;g8d8c850c25_0_108:notes"/>
+          <p:cNvPr id="253" name="Google Shape;253;g8d8c850c25_0_103:notes"/>
           <p:cNvSpPr txBox="1">
             <a:spLocks noGrp="1"/>
           </p:cNvSpPr>
@@ -1278,6 +1274,11 @@
         </p:txBody>
       </p:sp>
     </p:spTree>
+    <p:extLst>
+      <p:ext uri="{BB962C8B-B14F-4D97-AF65-F5344CB8AC3E}">
+        <p14:creationId xmlns:p14="http://schemas.microsoft.com/office/powerpoint/2010/main" val="3855889293"/>
+      </p:ext>
+    </p:extLst>
   </p:cSld>
   <p:clrMapOvr>
     <a:masterClrMapping/>
@@ -1382,6 +1383,110 @@
         </p:txBody>
       </p:sp>
     </p:spTree>
+  </p:cSld>
+  <p:clrMapOvr>
+    <a:masterClrMapping/>
+  </p:clrMapOvr>
+</p:notes>
+</file>
+
+<file path=ppt/notesSlides/notesSlide15.xml><?xml version="1.0" encoding="utf-8"?>
+<p:notes xmlns:a="http://schemas.openxmlformats.org/drawingml/2006/main" xmlns:r="http://schemas.openxmlformats.org/officeDocument/2006/relationships" xmlns:p="http://schemas.openxmlformats.org/presentationml/2006/main" showMasterSp="0" showMasterPhAnim="0">
+  <p:cSld>
+    <p:spTree>
+      <p:nvGrpSpPr>
+        <p:cNvPr id="1" name="Shape 258"/>
+        <p:cNvGrpSpPr/>
+        <p:nvPr/>
+      </p:nvGrpSpPr>
+      <p:grpSpPr>
+        <a:xfrm>
+          <a:off x="0" y="0"/>
+          <a:ext cx="0" cy="0"/>
+          <a:chOff x="0" y="0"/>
+          <a:chExt cx="0" cy="0"/>
+        </a:xfrm>
+      </p:grpSpPr>
+      <p:sp>
+        <p:nvSpPr>
+          <p:cNvPr id="259" name="Google Shape;259;g8d8c850c25_0_108:notes"/>
+          <p:cNvSpPr>
+            <a:spLocks noGrp="1" noRot="1" noChangeAspect="1"/>
+          </p:cNvSpPr>
+          <p:nvPr>
+            <p:ph type="sldImg" idx="2"/>
+          </p:nvPr>
+        </p:nvSpPr>
+        <p:spPr>
+          <a:xfrm>
+            <a:off x="2105025" y="685800"/>
+            <a:ext cx="2649538" cy="3429000"/>
+          </a:xfrm>
+          <a:custGeom>
+            <a:avLst/>
+            <a:gdLst/>
+            <a:ahLst/>
+            <a:cxnLst/>
+            <a:rect l="l" t="t" r="r" b="b"/>
+            <a:pathLst>
+              <a:path w="120000" h="120000" extrusionOk="0">
+                <a:moveTo>
+                  <a:pt x="0" y="0"/>
+                </a:moveTo>
+                <a:lnTo>
+                  <a:pt x="120000" y="0"/>
+                </a:lnTo>
+                <a:lnTo>
+                  <a:pt x="120000" y="120000"/>
+                </a:lnTo>
+                <a:lnTo>
+                  <a:pt x="0" y="120000"/>
+                </a:lnTo>
+                <a:close/>
+              </a:path>
+            </a:pathLst>
+          </a:custGeom>
+        </p:spPr>
+      </p:sp>
+      <p:sp>
+        <p:nvSpPr>
+          <p:cNvPr id="260" name="Google Shape;260;g8d8c850c25_0_108:notes"/>
+          <p:cNvSpPr txBox="1">
+            <a:spLocks noGrp="1"/>
+          </p:cNvSpPr>
+          <p:nvPr>
+            <p:ph type="body" idx="1"/>
+          </p:nvPr>
+        </p:nvSpPr>
+        <p:spPr>
+          <a:xfrm>
+            <a:off x="685800" y="4343400"/>
+            <a:ext cx="5486400" cy="4114800"/>
+          </a:xfrm>
+          <a:prstGeom prst="rect">
+            <a:avLst/>
+          </a:prstGeom>
+        </p:spPr>
+        <p:txBody>
+          <a:bodyPr spcFirstLastPara="1" wrap="square" lIns="91425" tIns="91425" rIns="91425" bIns="91425" anchor="t" anchorCtr="0">
+            <a:noAutofit/>
+          </a:bodyPr>
+          <a:lstStyle/>
+          <a:p>
+            <a:pPr marL="0" lvl="0" indent="0" algn="l" rtl="0">
+              <a:spcBef>
+                <a:spcPts val="0"/>
+              </a:spcBef>
+              <a:spcAft>
+                <a:spcPts val="0"/>
+              </a:spcAft>
+              <a:buNone/>
+            </a:pPr>
+            <a:endParaRPr/>
+          </a:p>
+        </p:txBody>
+      </p:sp>
+    </p:spTree>
     <p:extLst>
       <p:ext uri="{BB962C8B-B14F-4D97-AF65-F5344CB8AC3E}">
         <p14:creationId xmlns:p14="http://schemas.microsoft.com/office/powerpoint/2010/main" val="3781836248"/>
@@ -1394,7 +1499,7 @@
 </p:notes>
 </file>
 
-<file path=ppt/notesSlides/notesSlide15.xml><?xml version="1.0" encoding="utf-8"?>
+<file path=ppt/notesSlides/notesSlide16.xml><?xml version="1.0" encoding="utf-8"?>
 <p:notes xmlns:a="http://schemas.openxmlformats.org/drawingml/2006/main" xmlns:r="http://schemas.openxmlformats.org/officeDocument/2006/relationships" xmlns:p="http://schemas.openxmlformats.org/presentationml/2006/main" showMasterSp="0" showMasterPhAnim="0">
   <p:cSld>
     <p:spTree>
@@ -1502,7 +1607,7 @@
 </p:notes>
 </file>
 
-<file path=ppt/notesSlides/notesSlide16.xml><?xml version="1.0" encoding="utf-8"?>
+<file path=ppt/notesSlides/notesSlide17.xml><?xml version="1.0" encoding="utf-8"?>
 <p:notes xmlns:a="http://schemas.openxmlformats.org/drawingml/2006/main" xmlns:r="http://schemas.openxmlformats.org/officeDocument/2006/relationships" xmlns:p="http://schemas.openxmlformats.org/presentationml/2006/main" showMasterSp="0" showMasterPhAnim="0">
   <p:cSld>
     <p:spTree>
@@ -1606,7 +1711,7 @@
 </p:notes>
 </file>
 
-<file path=ppt/notesSlides/notesSlide17.xml><?xml version="1.0" encoding="utf-8"?>
+<file path=ppt/notesSlides/notesSlide18.xml><?xml version="1.0" encoding="utf-8"?>
 <p:notes xmlns:a="http://schemas.openxmlformats.org/drawingml/2006/main" xmlns:r="http://schemas.openxmlformats.org/officeDocument/2006/relationships" xmlns:p="http://schemas.openxmlformats.org/presentationml/2006/main" showMasterSp="0" showMasterPhAnim="0">
   <p:cSld>
     <p:spTree>
@@ -1710,7 +1815,7 @@
 </p:notes>
 </file>
 
-<file path=ppt/notesSlides/notesSlide18.xml><?xml version="1.0" encoding="utf-8"?>
+<file path=ppt/notesSlides/notesSlide19.xml><?xml version="1.0" encoding="utf-8"?>
 <p:notes xmlns:a="http://schemas.openxmlformats.org/drawingml/2006/main" xmlns:r="http://schemas.openxmlformats.org/officeDocument/2006/relationships" xmlns:p="http://schemas.openxmlformats.org/presentationml/2006/main" showMasterSp="0" showMasterPhAnim="0">
   <p:cSld>
     <p:spTree>
@@ -1814,7 +1919,115 @@
 </p:notes>
 </file>
 
-<file path=ppt/notesSlides/notesSlide19.xml><?xml version="1.0" encoding="utf-8"?>
+<file path=ppt/notesSlides/notesSlide2.xml><?xml version="1.0" encoding="utf-8"?>
+<p:notes xmlns:a="http://schemas.openxmlformats.org/drawingml/2006/main" xmlns:r="http://schemas.openxmlformats.org/officeDocument/2006/relationships" xmlns:p="http://schemas.openxmlformats.org/presentationml/2006/main" showMasterSp="0" showMasterPhAnim="0">
+  <p:cSld>
+    <p:spTree>
+      <p:nvGrpSpPr>
+        <p:cNvPr id="1" name="Shape 195"/>
+        <p:cNvGrpSpPr/>
+        <p:nvPr/>
+      </p:nvGrpSpPr>
+      <p:grpSpPr>
+        <a:xfrm>
+          <a:off x="0" y="0"/>
+          <a:ext cx="0" cy="0"/>
+          <a:chOff x="0" y="0"/>
+          <a:chExt cx="0" cy="0"/>
+        </a:xfrm>
+      </p:grpSpPr>
+      <p:sp>
+        <p:nvSpPr>
+          <p:cNvPr id="196" name="Google Shape;196;g8d8c850c25_0_33:notes"/>
+          <p:cNvSpPr txBox="1">
+            <a:spLocks noGrp="1"/>
+          </p:cNvSpPr>
+          <p:nvPr>
+            <p:ph type="body" idx="1"/>
+          </p:nvPr>
+        </p:nvSpPr>
+        <p:spPr>
+          <a:xfrm>
+            <a:off x="914400" y="4343400"/>
+            <a:ext cx="5029200" cy="4114800"/>
+          </a:xfrm>
+          <a:prstGeom prst="rect">
+            <a:avLst/>
+          </a:prstGeom>
+          <a:noFill/>
+          <a:ln>
+            <a:noFill/>
+          </a:ln>
+        </p:spPr>
+        <p:txBody>
+          <a:bodyPr spcFirstLastPara="1" wrap="square" lIns="91425" tIns="91425" rIns="91425" bIns="91425" anchor="ctr" anchorCtr="0">
+            <a:noAutofit/>
+          </a:bodyPr>
+          <a:lstStyle/>
+          <a:p>
+            <a:pPr marL="0" lvl="0" indent="0" algn="l" rtl="0">
+              <a:spcBef>
+                <a:spcPts val="0"/>
+              </a:spcBef>
+              <a:spcAft>
+                <a:spcPts val="0"/>
+              </a:spcAft>
+              <a:buNone/>
+            </a:pPr>
+            <a:endParaRPr/>
+          </a:p>
+        </p:txBody>
+      </p:sp>
+      <p:sp>
+        <p:nvSpPr>
+          <p:cNvPr id="197" name="Google Shape;197;g8d8c850c25_0_33:notes"/>
+          <p:cNvSpPr>
+            <a:spLocks noGrp="1" noRot="1" noChangeAspect="1"/>
+          </p:cNvSpPr>
+          <p:nvPr>
+            <p:ph type="sldImg" idx="2"/>
+          </p:nvPr>
+        </p:nvSpPr>
+        <p:spPr>
+          <a:xfrm>
+            <a:off x="2435369" y="685800"/>
+            <a:ext cx="1987200" cy="3429000"/>
+          </a:xfrm>
+          <a:custGeom>
+            <a:avLst/>
+            <a:gdLst/>
+            <a:ahLst/>
+            <a:cxnLst/>
+            <a:rect l="l" t="t" r="r" b="b"/>
+            <a:pathLst>
+              <a:path w="120000" h="120000" extrusionOk="0">
+                <a:moveTo>
+                  <a:pt x="0" y="0"/>
+                </a:moveTo>
+                <a:lnTo>
+                  <a:pt x="120000" y="0"/>
+                </a:lnTo>
+                <a:lnTo>
+                  <a:pt x="120000" y="120000"/>
+                </a:lnTo>
+                <a:lnTo>
+                  <a:pt x="0" y="120000"/>
+                </a:lnTo>
+                <a:close/>
+              </a:path>
+            </a:pathLst>
+          </a:custGeom>
+        </p:spPr>
+      </p:sp>
+    </p:spTree>
+  </p:cSld>
+  <p:clrMapOvr>
+    <a:masterClrMapping/>
+  </p:clrMapOvr>
+</p:notes>
+</file>
+
+<file path=ppt/notesSlides/notesSlide20.xml><?xml version="1.0" encoding="utf-8"?>
 <p:notes xmlns:a="http://schemas.openxmlformats.org/drawingml/2006/main" xmlns:r="http://schemas.openxmlformats.org/officeDocument/2006/relationships" xmlns:p="http://schemas.openxmlformats.org/presentationml/2006/main" showMasterSp="0" showMasterPhAnim="0">
   <p:cSld>
     <p:spTree>
@@ -1918,115 +2131,7 @@
 </p:notes>
 </file>
 
-<file path=ppt/notesSlides/notesSlide2.xml><?xml version="1.0" encoding="utf-8"?>
-<p:notes xmlns:a="http://schemas.openxmlformats.org/drawingml/2006/main" xmlns:r="http://schemas.openxmlformats.org/officeDocument/2006/relationships" xmlns:p="http://schemas.openxmlformats.org/presentationml/2006/main" showMasterSp="0" showMasterPhAnim="0">
-  <p:cSld>
-    <p:spTree>
-      <p:nvGrpSpPr>
-        <p:cNvPr id="1" name="Shape 195"/>
-        <p:cNvGrpSpPr/>
-        <p:nvPr/>
-      </p:nvGrpSpPr>
-      <p:grpSpPr>
-        <a:xfrm>
-          <a:off x="0" y="0"/>
-          <a:ext cx="0" cy="0"/>
-          <a:chOff x="0" y="0"/>
-          <a:chExt cx="0" cy="0"/>
-        </a:xfrm>
-      </p:grpSpPr>
-      <p:sp>
-        <p:nvSpPr>
-          <p:cNvPr id="196" name="Google Shape;196;g8d8c850c25_0_33:notes"/>
-          <p:cNvSpPr txBox="1">
-            <a:spLocks noGrp="1"/>
-          </p:cNvSpPr>
-          <p:nvPr>
-            <p:ph type="body" idx="1"/>
-          </p:nvPr>
-        </p:nvSpPr>
-        <p:spPr>
-          <a:xfrm>
-            <a:off x="914400" y="4343400"/>
-            <a:ext cx="5029200" cy="4114800"/>
-          </a:xfrm>
-          <a:prstGeom prst="rect">
-            <a:avLst/>
-          </a:prstGeom>
-          <a:noFill/>
-          <a:ln>
-            <a:noFill/>
-          </a:ln>
-        </p:spPr>
-        <p:txBody>
-          <a:bodyPr spcFirstLastPara="1" wrap="square" lIns="91425" tIns="91425" rIns="91425" bIns="91425" anchor="ctr" anchorCtr="0">
-            <a:noAutofit/>
-          </a:bodyPr>
-          <a:lstStyle/>
-          <a:p>
-            <a:pPr marL="0" lvl="0" indent="0" algn="l" rtl="0">
-              <a:spcBef>
-                <a:spcPts val="0"/>
-              </a:spcBef>
-              <a:spcAft>
-                <a:spcPts val="0"/>
-              </a:spcAft>
-              <a:buNone/>
-            </a:pPr>
-            <a:endParaRPr/>
-          </a:p>
-        </p:txBody>
-      </p:sp>
-      <p:sp>
-        <p:nvSpPr>
-          <p:cNvPr id="197" name="Google Shape;197;g8d8c850c25_0_33:notes"/>
-          <p:cNvSpPr>
-            <a:spLocks noGrp="1" noRot="1" noChangeAspect="1"/>
-          </p:cNvSpPr>
-          <p:nvPr>
-            <p:ph type="sldImg" idx="2"/>
-          </p:nvPr>
-        </p:nvSpPr>
-        <p:spPr>
-          <a:xfrm>
-            <a:off x="2435369" y="685800"/>
-            <a:ext cx="1987200" cy="3429000"/>
-          </a:xfrm>
-          <a:custGeom>
-            <a:avLst/>
-            <a:gdLst/>
-            <a:ahLst/>
-            <a:cxnLst/>
-            <a:rect l="l" t="t" r="r" b="b"/>
-            <a:pathLst>
-              <a:path w="120000" h="120000" extrusionOk="0">
-                <a:moveTo>
-                  <a:pt x="0" y="0"/>
-                </a:moveTo>
-                <a:lnTo>
-                  <a:pt x="120000" y="0"/>
-                </a:lnTo>
-                <a:lnTo>
-                  <a:pt x="120000" y="120000"/>
-                </a:lnTo>
-                <a:lnTo>
-                  <a:pt x="0" y="120000"/>
-                </a:lnTo>
-                <a:close/>
-              </a:path>
-            </a:pathLst>
-          </a:custGeom>
-        </p:spPr>
-      </p:sp>
-    </p:spTree>
-  </p:cSld>
-  <p:clrMapOvr>
-    <a:masterClrMapping/>
-  </p:clrMapOvr>
-</p:notes>
-</file>
-
-<file path=ppt/notesSlides/notesSlide20.xml><?xml version="1.0" encoding="utf-8"?>
+<file path=ppt/notesSlides/notesSlide21.xml><?xml version="1.0" encoding="utf-8"?>
 <p:notes xmlns:a="http://schemas.openxmlformats.org/drawingml/2006/main" xmlns:r="http://schemas.openxmlformats.org/officeDocument/2006/relationships" xmlns:p="http://schemas.openxmlformats.org/presentationml/2006/main" showMasterSp="0" showMasterPhAnim="0">
   <p:cSld>
     <p:spTree>
@@ -2130,7 +2235,7 @@
 </p:notes>
 </file>
 
-<file path=ppt/notesSlides/notesSlide21.xml><?xml version="1.0" encoding="utf-8"?>
+<file path=ppt/notesSlides/notesSlide22.xml><?xml version="1.0" encoding="utf-8"?>
 <p:notes xmlns:a="http://schemas.openxmlformats.org/drawingml/2006/main" xmlns:r="http://schemas.openxmlformats.org/officeDocument/2006/relationships" xmlns:p="http://schemas.openxmlformats.org/presentationml/2006/main" showMasterSp="0" showMasterPhAnim="0">
   <p:cSld>
     <p:spTree>
@@ -2234,7 +2339,7 @@
 </p:notes>
 </file>
 
-<file path=ppt/notesSlides/notesSlide22.xml><?xml version="1.0" encoding="utf-8"?>
+<file path=ppt/notesSlides/notesSlide23.xml><?xml version="1.0" encoding="utf-8"?>
 <p:notes xmlns:a="http://schemas.openxmlformats.org/drawingml/2006/main" xmlns:r="http://schemas.openxmlformats.org/officeDocument/2006/relationships" xmlns:p="http://schemas.openxmlformats.org/presentationml/2006/main" showMasterSp="0" showMasterPhAnim="0">
   <p:cSld>
     <p:spTree>
@@ -2338,7 +2443,7 @@
 </p:notes>
 </file>
 
-<file path=ppt/notesSlides/notesSlide23.xml><?xml version="1.0" encoding="utf-8"?>
+<file path=ppt/notesSlides/notesSlide24.xml><?xml version="1.0" encoding="utf-8"?>
 <p:notes xmlns:a="http://schemas.openxmlformats.org/drawingml/2006/main" xmlns:r="http://schemas.openxmlformats.org/officeDocument/2006/relationships" xmlns:p="http://schemas.openxmlformats.org/presentationml/2006/main" showMasterSp="0" showMasterPhAnim="0">
   <p:cSld>
     <p:spTree>
@@ -2442,7 +2547,7 @@
 </p:notes>
 </file>
 
-<file path=ppt/notesSlides/notesSlide24.xml><?xml version="1.0" encoding="utf-8"?>
+<file path=ppt/notesSlides/notesSlide25.xml><?xml version="1.0" encoding="utf-8"?>
 <p:notes xmlns:a="http://schemas.openxmlformats.org/drawingml/2006/main" xmlns:r="http://schemas.openxmlformats.org/officeDocument/2006/relationships" xmlns:p="http://schemas.openxmlformats.org/presentationml/2006/main" showMasterSp="0" showMasterPhAnim="0">
   <p:cSld>
     <p:spTree>
@@ -2546,7 +2651,7 @@
 </p:notes>
 </file>
 
-<file path=ppt/notesSlides/notesSlide25.xml><?xml version="1.0" encoding="utf-8"?>
+<file path=ppt/notesSlides/notesSlide26.xml><?xml version="1.0" encoding="utf-8"?>
 <p:notes xmlns:a="http://schemas.openxmlformats.org/drawingml/2006/main" xmlns:r="http://schemas.openxmlformats.org/officeDocument/2006/relationships" xmlns:p="http://schemas.openxmlformats.org/presentationml/2006/main" showMasterSp="0" showMasterPhAnim="0">
   <p:cSld>
     <p:spTree>
@@ -2654,7 +2759,7 @@
 </p:notes>
 </file>
 
-<file path=ppt/notesSlides/notesSlide26.xml><?xml version="1.0" encoding="utf-8"?>
+<file path=ppt/notesSlides/notesSlide27.xml><?xml version="1.0" encoding="utf-8"?>
 <p:notes xmlns:a="http://schemas.openxmlformats.org/drawingml/2006/main" xmlns:r="http://schemas.openxmlformats.org/officeDocument/2006/relationships" xmlns:p="http://schemas.openxmlformats.org/presentationml/2006/main" showMasterSp="0" showMasterPhAnim="0">
   <p:cSld>
     <p:spTree>
@@ -2758,7 +2863,7 @@
 </p:notes>
 </file>
 
-<file path=ppt/notesSlides/notesSlide27.xml><?xml version="1.0" encoding="utf-8"?>
+<file path=ppt/notesSlides/notesSlide28.xml><?xml version="1.0" encoding="utf-8"?>
 <p:notes xmlns:a="http://schemas.openxmlformats.org/drawingml/2006/main" xmlns:r="http://schemas.openxmlformats.org/officeDocument/2006/relationships" xmlns:p="http://schemas.openxmlformats.org/presentationml/2006/main" showMasterSp="0" showMasterPhAnim="0">
   <p:cSld>
     <p:spTree>
@@ -2862,7 +2967,7 @@
 </p:notes>
 </file>
 
-<file path=ppt/notesSlides/notesSlide28.xml><?xml version="1.0" encoding="utf-8"?>
+<file path=ppt/notesSlides/notesSlide29.xml><?xml version="1.0" encoding="utf-8"?>
 <p:notes xmlns:a="http://schemas.openxmlformats.org/drawingml/2006/main" xmlns:r="http://schemas.openxmlformats.org/officeDocument/2006/relationships" xmlns:p="http://schemas.openxmlformats.org/presentationml/2006/main" showMasterSp="0" showMasterPhAnim="0">
   <p:cSld>
     <p:spTree>
@@ -2923,110 +3028,6 @@
       <p:sp>
         <p:nvSpPr>
           <p:cNvPr id="352" name="Google Shape;352;g8c49221f98_6_21:notes"/>
-          <p:cNvSpPr txBox="1">
-            <a:spLocks noGrp="1"/>
-          </p:cNvSpPr>
-          <p:nvPr>
-            <p:ph type="body" idx="1"/>
-          </p:nvPr>
-        </p:nvSpPr>
-        <p:spPr>
-          <a:xfrm>
-            <a:off x="685800" y="4343400"/>
-            <a:ext cx="5486400" cy="4114800"/>
-          </a:xfrm>
-          <a:prstGeom prst="rect">
-            <a:avLst/>
-          </a:prstGeom>
-        </p:spPr>
-        <p:txBody>
-          <a:bodyPr spcFirstLastPara="1" wrap="square" lIns="91425" tIns="91425" rIns="91425" bIns="91425" anchor="t" anchorCtr="0">
-            <a:noAutofit/>
-          </a:bodyPr>
-          <a:lstStyle/>
-          <a:p>
-            <a:pPr marL="0" lvl="0" indent="0" algn="l" rtl="0">
-              <a:spcBef>
-                <a:spcPts val="0"/>
-              </a:spcBef>
-              <a:spcAft>
-                <a:spcPts val="0"/>
-              </a:spcAft>
-              <a:buNone/>
-            </a:pPr>
-            <a:endParaRPr/>
-          </a:p>
-        </p:txBody>
-      </p:sp>
-    </p:spTree>
-  </p:cSld>
-  <p:clrMapOvr>
-    <a:masterClrMapping/>
-  </p:clrMapOvr>
-</p:notes>
-</file>
-
-<file path=ppt/notesSlides/notesSlide29.xml><?xml version="1.0" encoding="utf-8"?>
-<p:notes xmlns:a="http://schemas.openxmlformats.org/drawingml/2006/main" xmlns:r="http://schemas.openxmlformats.org/officeDocument/2006/relationships" xmlns:p="http://schemas.openxmlformats.org/presentationml/2006/main" showMasterSp="0" showMasterPhAnim="0">
-  <p:cSld>
-    <p:spTree>
-      <p:nvGrpSpPr>
-        <p:cNvPr id="1" name="Shape 356"/>
-        <p:cNvGrpSpPr/>
-        <p:nvPr/>
-      </p:nvGrpSpPr>
-      <p:grpSpPr>
-        <a:xfrm>
-          <a:off x="0" y="0"/>
-          <a:ext cx="0" cy="0"/>
-          <a:chOff x="0" y="0"/>
-          <a:chExt cx="0" cy="0"/>
-        </a:xfrm>
-      </p:grpSpPr>
-      <p:sp>
-        <p:nvSpPr>
-          <p:cNvPr id="357" name="Google Shape;357;g8c49221f98_6_26:notes"/>
-          <p:cNvSpPr>
-            <a:spLocks noGrp="1" noRot="1" noChangeAspect="1"/>
-          </p:cNvSpPr>
-          <p:nvPr>
-            <p:ph type="sldImg" idx="2"/>
-          </p:nvPr>
-        </p:nvSpPr>
-        <p:spPr>
-          <a:xfrm>
-            <a:off x="2104459" y="685800"/>
-            <a:ext cx="2649600" cy="3429000"/>
-          </a:xfrm>
-          <a:custGeom>
-            <a:avLst/>
-            <a:gdLst/>
-            <a:ahLst/>
-            <a:cxnLst/>
-            <a:rect l="l" t="t" r="r" b="b"/>
-            <a:pathLst>
-              <a:path w="120000" h="120000" extrusionOk="0">
-                <a:moveTo>
-                  <a:pt x="0" y="0"/>
-                </a:moveTo>
-                <a:lnTo>
-                  <a:pt x="120000" y="0"/>
-                </a:lnTo>
-                <a:lnTo>
-                  <a:pt x="120000" y="120000"/>
-                </a:lnTo>
-                <a:lnTo>
-                  <a:pt x="0" y="120000"/>
-                </a:lnTo>
-                <a:close/>
-              </a:path>
-            </a:pathLst>
-          </a:custGeom>
-        </p:spPr>
-      </p:sp>
-      <p:sp>
-        <p:nvSpPr>
-          <p:cNvPr id="358" name="Google Shape;358;g8c49221f98_6_26:notes"/>
           <p:cNvSpPr txBox="1">
             <a:spLocks noGrp="1"/>
           </p:cNvSpPr>
@@ -3179,6 +3180,110 @@
   <p:cSld>
     <p:spTree>
       <p:nvGrpSpPr>
+        <p:cNvPr id="1" name="Shape 356"/>
+        <p:cNvGrpSpPr/>
+        <p:nvPr/>
+      </p:nvGrpSpPr>
+      <p:grpSpPr>
+        <a:xfrm>
+          <a:off x="0" y="0"/>
+          <a:ext cx="0" cy="0"/>
+          <a:chOff x="0" y="0"/>
+          <a:chExt cx="0" cy="0"/>
+        </a:xfrm>
+      </p:grpSpPr>
+      <p:sp>
+        <p:nvSpPr>
+          <p:cNvPr id="357" name="Google Shape;357;g8c49221f98_6_26:notes"/>
+          <p:cNvSpPr>
+            <a:spLocks noGrp="1" noRot="1" noChangeAspect="1"/>
+          </p:cNvSpPr>
+          <p:nvPr>
+            <p:ph type="sldImg" idx="2"/>
+          </p:nvPr>
+        </p:nvSpPr>
+        <p:spPr>
+          <a:xfrm>
+            <a:off x="2104459" y="685800"/>
+            <a:ext cx="2649600" cy="3429000"/>
+          </a:xfrm>
+          <a:custGeom>
+            <a:avLst/>
+            <a:gdLst/>
+            <a:ahLst/>
+            <a:cxnLst/>
+            <a:rect l="l" t="t" r="r" b="b"/>
+            <a:pathLst>
+              <a:path w="120000" h="120000" extrusionOk="0">
+                <a:moveTo>
+                  <a:pt x="0" y="0"/>
+                </a:moveTo>
+                <a:lnTo>
+                  <a:pt x="120000" y="0"/>
+                </a:lnTo>
+                <a:lnTo>
+                  <a:pt x="120000" y="120000"/>
+                </a:lnTo>
+                <a:lnTo>
+                  <a:pt x="0" y="120000"/>
+                </a:lnTo>
+                <a:close/>
+              </a:path>
+            </a:pathLst>
+          </a:custGeom>
+        </p:spPr>
+      </p:sp>
+      <p:sp>
+        <p:nvSpPr>
+          <p:cNvPr id="358" name="Google Shape;358;g8c49221f98_6_26:notes"/>
+          <p:cNvSpPr txBox="1">
+            <a:spLocks noGrp="1"/>
+          </p:cNvSpPr>
+          <p:nvPr>
+            <p:ph type="body" idx="1"/>
+          </p:nvPr>
+        </p:nvSpPr>
+        <p:spPr>
+          <a:xfrm>
+            <a:off x="685800" y="4343400"/>
+            <a:ext cx="5486400" cy="4114800"/>
+          </a:xfrm>
+          <a:prstGeom prst="rect">
+            <a:avLst/>
+          </a:prstGeom>
+        </p:spPr>
+        <p:txBody>
+          <a:bodyPr spcFirstLastPara="1" wrap="square" lIns="91425" tIns="91425" rIns="91425" bIns="91425" anchor="t" anchorCtr="0">
+            <a:noAutofit/>
+          </a:bodyPr>
+          <a:lstStyle/>
+          <a:p>
+            <a:pPr marL="0" lvl="0" indent="0" algn="l" rtl="0">
+              <a:spcBef>
+                <a:spcPts val="0"/>
+              </a:spcBef>
+              <a:spcAft>
+                <a:spcPts val="0"/>
+              </a:spcAft>
+              <a:buNone/>
+            </a:pPr>
+            <a:endParaRPr/>
+          </a:p>
+        </p:txBody>
+      </p:sp>
+    </p:spTree>
+  </p:cSld>
+  <p:clrMapOvr>
+    <a:masterClrMapping/>
+  </p:clrMapOvr>
+</p:notes>
+</file>
+
+<file path=ppt/notesSlides/notesSlide31.xml><?xml version="1.0" encoding="utf-8"?>
+<p:notes xmlns:a="http://schemas.openxmlformats.org/drawingml/2006/main" xmlns:r="http://schemas.openxmlformats.org/officeDocument/2006/relationships" xmlns:p="http://schemas.openxmlformats.org/presentationml/2006/main" showMasterSp="0" showMasterPhAnim="0">
+  <p:cSld>
+    <p:spTree>
+      <p:nvGrpSpPr>
         <p:cNvPr id="1" name="Shape 362"/>
         <p:cNvGrpSpPr/>
         <p:nvPr/>
@@ -3282,7 +3387,7 @@
 </p:notes>
 </file>
 
-<file path=ppt/notesSlides/notesSlide31.xml><?xml version="1.0" encoding="utf-8"?>
+<file path=ppt/notesSlides/notesSlide32.xml><?xml version="1.0" encoding="utf-8"?>
 <p:notes xmlns:a="http://schemas.openxmlformats.org/drawingml/2006/main" xmlns:r="http://schemas.openxmlformats.org/officeDocument/2006/relationships" xmlns:p="http://schemas.openxmlformats.org/presentationml/2006/main" showMasterSp="0" showMasterPhAnim="0">
   <p:cSld>
     <p:spTree>
@@ -3415,8 +3520,8 @@
         </p:nvSpPr>
         <p:spPr>
           <a:xfrm>
-            <a:off x="2104459" y="685800"/>
-            <a:ext cx="2649600" cy="3429000"/>
+            <a:off x="2105025" y="685800"/>
+            <a:ext cx="2649538" cy="3429000"/>
           </a:xfrm>
           <a:custGeom>
             <a:avLst/>
@@ -3483,6 +3588,11 @@
         </p:txBody>
       </p:sp>
     </p:spTree>
+    <p:extLst>
+      <p:ext uri="{BB962C8B-B14F-4D97-AF65-F5344CB8AC3E}">
+        <p14:creationId xmlns:p14="http://schemas.microsoft.com/office/powerpoint/2010/main" val="4140992862"/>
+      </p:ext>
+    </p:extLst>
   </p:cSld>
   <p:clrMapOvr>
     <a:masterClrMapping/>
@@ -3491,6 +3601,110 @@
 </file>
 
 <file path=ppt/notesSlides/notesSlide5.xml><?xml version="1.0" encoding="utf-8"?>
+<p:notes xmlns:a="http://schemas.openxmlformats.org/drawingml/2006/main" xmlns:r="http://schemas.openxmlformats.org/officeDocument/2006/relationships" xmlns:p="http://schemas.openxmlformats.org/presentationml/2006/main" showMasterSp="0" showMasterPhAnim="0">
+  <p:cSld>
+    <p:spTree>
+      <p:nvGrpSpPr>
+        <p:cNvPr id="1" name="Shape 208"/>
+        <p:cNvGrpSpPr/>
+        <p:nvPr/>
+      </p:nvGrpSpPr>
+      <p:grpSpPr>
+        <a:xfrm>
+          <a:off x="0" y="0"/>
+          <a:ext cx="0" cy="0"/>
+          <a:chOff x="0" y="0"/>
+          <a:chExt cx="0" cy="0"/>
+        </a:xfrm>
+      </p:grpSpPr>
+      <p:sp>
+        <p:nvSpPr>
+          <p:cNvPr id="209" name="Google Shape;209;g8d8c850c25_0_51:notes"/>
+          <p:cNvSpPr>
+            <a:spLocks noGrp="1" noRot="1" noChangeAspect="1"/>
+          </p:cNvSpPr>
+          <p:nvPr>
+            <p:ph type="sldImg" idx="2"/>
+          </p:nvPr>
+        </p:nvSpPr>
+        <p:spPr>
+          <a:xfrm>
+            <a:off x="2105025" y="685800"/>
+            <a:ext cx="2649538" cy="3429000"/>
+          </a:xfrm>
+          <a:custGeom>
+            <a:avLst/>
+            <a:gdLst/>
+            <a:ahLst/>
+            <a:cxnLst/>
+            <a:rect l="l" t="t" r="r" b="b"/>
+            <a:pathLst>
+              <a:path w="120000" h="120000" extrusionOk="0">
+                <a:moveTo>
+                  <a:pt x="0" y="0"/>
+                </a:moveTo>
+                <a:lnTo>
+                  <a:pt x="120000" y="0"/>
+                </a:lnTo>
+                <a:lnTo>
+                  <a:pt x="120000" y="120000"/>
+                </a:lnTo>
+                <a:lnTo>
+                  <a:pt x="0" y="120000"/>
+                </a:lnTo>
+                <a:close/>
+              </a:path>
+            </a:pathLst>
+          </a:custGeom>
+        </p:spPr>
+      </p:sp>
+      <p:sp>
+        <p:nvSpPr>
+          <p:cNvPr id="210" name="Google Shape;210;g8d8c850c25_0_51:notes"/>
+          <p:cNvSpPr txBox="1">
+            <a:spLocks noGrp="1"/>
+          </p:cNvSpPr>
+          <p:nvPr>
+            <p:ph type="body" idx="1"/>
+          </p:nvPr>
+        </p:nvSpPr>
+        <p:spPr>
+          <a:xfrm>
+            <a:off x="685800" y="4343400"/>
+            <a:ext cx="5486400" cy="4114800"/>
+          </a:xfrm>
+          <a:prstGeom prst="rect">
+            <a:avLst/>
+          </a:prstGeom>
+        </p:spPr>
+        <p:txBody>
+          <a:bodyPr spcFirstLastPara="1" wrap="square" lIns="91425" tIns="91425" rIns="91425" bIns="91425" anchor="t" anchorCtr="0">
+            <a:noAutofit/>
+          </a:bodyPr>
+          <a:lstStyle/>
+          <a:p>
+            <a:pPr marL="0" lvl="0" indent="0" algn="l" rtl="0">
+              <a:spcBef>
+                <a:spcPts val="0"/>
+              </a:spcBef>
+              <a:spcAft>
+                <a:spcPts val="0"/>
+              </a:spcAft>
+              <a:buNone/>
+            </a:pPr>
+            <a:endParaRPr/>
+          </a:p>
+        </p:txBody>
+      </p:sp>
+    </p:spTree>
+  </p:cSld>
+  <p:clrMapOvr>
+    <a:masterClrMapping/>
+  </p:clrMapOvr>
+</p:notes>
+</file>
+
+<file path=ppt/notesSlides/notesSlide6.xml><?xml version="1.0" encoding="utf-8"?>
 <p:notes xmlns:a="http://schemas.openxmlformats.org/drawingml/2006/main" xmlns:r="http://schemas.openxmlformats.org/officeDocument/2006/relationships" xmlns:p="http://schemas.openxmlformats.org/presentationml/2006/main" showMasterSp="0" showMasterPhAnim="0">
   <p:cSld>
     <p:spTree>
@@ -3519,8 +3733,8 @@
         </p:nvSpPr>
         <p:spPr>
           <a:xfrm>
-            <a:off x="2104459" y="685800"/>
-            <a:ext cx="2649600" cy="3429000"/>
+            <a:off x="2105025" y="685800"/>
+            <a:ext cx="2649538" cy="3429000"/>
           </a:xfrm>
           <a:custGeom>
             <a:avLst/>
@@ -3594,7 +3808,7 @@
 </p:notes>
 </file>
 
-<file path=ppt/notesSlides/notesSlide6.xml><?xml version="1.0" encoding="utf-8"?>
+<file path=ppt/notesSlides/notesSlide7.xml><?xml version="1.0" encoding="utf-8"?>
 <p:notes xmlns:a="http://schemas.openxmlformats.org/drawingml/2006/main" xmlns:r="http://schemas.openxmlformats.org/officeDocument/2006/relationships" xmlns:p="http://schemas.openxmlformats.org/presentationml/2006/main" showMasterSp="0" showMasterPhAnim="0">
   <p:cSld>
     <p:spTree>
@@ -3623,8 +3837,8 @@
         </p:nvSpPr>
         <p:spPr>
           <a:xfrm>
-            <a:off x="2104459" y="685800"/>
-            <a:ext cx="2649600" cy="3429000"/>
+            <a:off x="2105025" y="685800"/>
+            <a:ext cx="2649538" cy="3429000"/>
           </a:xfrm>
           <a:custGeom>
             <a:avLst/>
@@ -3698,7 +3912,7 @@
 </p:notes>
 </file>
 
-<file path=ppt/notesSlides/notesSlide7.xml><?xml version="1.0" encoding="utf-8"?>
+<file path=ppt/notesSlides/notesSlide8.xml><?xml version="1.0" encoding="utf-8"?>
 <p:notes xmlns:a="http://schemas.openxmlformats.org/drawingml/2006/main" xmlns:r="http://schemas.openxmlformats.org/officeDocument/2006/relationships" xmlns:p="http://schemas.openxmlformats.org/presentationml/2006/main" showMasterSp="0" showMasterPhAnim="0">
   <p:cSld>
     <p:spTree>
@@ -3802,7 +4016,7 @@
 </p:notes>
 </file>
 
-<file path=ppt/notesSlides/notesSlide8.xml><?xml version="1.0" encoding="utf-8"?>
+<file path=ppt/notesSlides/notesSlide9.xml><?xml version="1.0" encoding="utf-8"?>
 <p:notes xmlns:a="http://schemas.openxmlformats.org/drawingml/2006/main" xmlns:r="http://schemas.openxmlformats.org/officeDocument/2006/relationships" xmlns:p="http://schemas.openxmlformats.org/presentationml/2006/main" showMasterSp="0" showMasterPhAnim="0">
   <p:cSld>
     <p:spTree>
@@ -3901,110 +4115,6 @@
             </a:pathLst>
           </a:custGeom>
         </p:spPr>
-      </p:sp>
-    </p:spTree>
-  </p:cSld>
-  <p:clrMapOvr>
-    <a:masterClrMapping/>
-  </p:clrMapOvr>
-</p:notes>
-</file>
-
-<file path=ppt/notesSlides/notesSlide9.xml><?xml version="1.0" encoding="utf-8"?>
-<p:notes xmlns:a="http://schemas.openxmlformats.org/drawingml/2006/main" xmlns:r="http://schemas.openxmlformats.org/officeDocument/2006/relationships" xmlns:p="http://schemas.openxmlformats.org/presentationml/2006/main" showMasterSp="0" showMasterPhAnim="0">
-  <p:cSld>
-    <p:spTree>
-      <p:nvGrpSpPr>
-        <p:cNvPr id="1" name="Shape 238"/>
-        <p:cNvGrpSpPr/>
-        <p:nvPr/>
-      </p:nvGrpSpPr>
-      <p:grpSpPr>
-        <a:xfrm>
-          <a:off x="0" y="0"/>
-          <a:ext cx="0" cy="0"/>
-          <a:chOff x="0" y="0"/>
-          <a:chExt cx="0" cy="0"/>
-        </a:xfrm>
-      </p:grpSpPr>
-      <p:sp>
-        <p:nvSpPr>
-          <p:cNvPr id="239" name="Google Shape;239;g8d8c850c25_0_92:notes"/>
-          <p:cNvSpPr>
-            <a:spLocks noGrp="1" noRot="1" noChangeAspect="1"/>
-          </p:cNvSpPr>
-          <p:nvPr>
-            <p:ph type="sldImg" idx="2"/>
-          </p:nvPr>
-        </p:nvSpPr>
-        <p:spPr>
-          <a:xfrm>
-            <a:off x="2104459" y="685800"/>
-            <a:ext cx="2649600" cy="3429000"/>
-          </a:xfrm>
-          <a:custGeom>
-            <a:avLst/>
-            <a:gdLst/>
-            <a:ahLst/>
-            <a:cxnLst/>
-            <a:rect l="l" t="t" r="r" b="b"/>
-            <a:pathLst>
-              <a:path w="120000" h="120000" extrusionOk="0">
-                <a:moveTo>
-                  <a:pt x="0" y="0"/>
-                </a:moveTo>
-                <a:lnTo>
-                  <a:pt x="120000" y="0"/>
-                </a:lnTo>
-                <a:lnTo>
-                  <a:pt x="120000" y="120000"/>
-                </a:lnTo>
-                <a:lnTo>
-                  <a:pt x="0" y="120000"/>
-                </a:lnTo>
-                <a:close/>
-              </a:path>
-            </a:pathLst>
-          </a:custGeom>
-        </p:spPr>
-      </p:sp>
-      <p:sp>
-        <p:nvSpPr>
-          <p:cNvPr id="240" name="Google Shape;240;g8d8c850c25_0_92:notes"/>
-          <p:cNvSpPr txBox="1">
-            <a:spLocks noGrp="1"/>
-          </p:cNvSpPr>
-          <p:nvPr>
-            <p:ph type="body" idx="1"/>
-          </p:nvPr>
-        </p:nvSpPr>
-        <p:spPr>
-          <a:xfrm>
-            <a:off x="685800" y="4343400"/>
-            <a:ext cx="5486400" cy="4114800"/>
-          </a:xfrm>
-          <a:prstGeom prst="rect">
-            <a:avLst/>
-          </a:prstGeom>
-        </p:spPr>
-        <p:txBody>
-          <a:bodyPr spcFirstLastPara="1" wrap="square" lIns="91425" tIns="91425" rIns="91425" bIns="91425" anchor="t" anchorCtr="0">
-            <a:noAutofit/>
-          </a:bodyPr>
-          <a:lstStyle/>
-          <a:p>
-            <a:pPr marL="0" lvl="0" indent="0" algn="l" rtl="0">
-              <a:spcBef>
-                <a:spcPts val="0"/>
-              </a:spcBef>
-              <a:spcAft>
-                <a:spcPts val="0"/>
-              </a:spcAft>
-              <a:buNone/>
-            </a:pPr>
-            <a:endParaRPr/>
-          </a:p>
-        </p:txBody>
       </p:sp>
     </p:spTree>
   </p:cSld>
@@ -28101,6 +28211,322 @@
   <p:cSld>
     <p:spTree>
       <p:nvGrpSpPr>
+        <p:cNvPr id="1" name="Shape 241"/>
+        <p:cNvGrpSpPr/>
+        <p:nvPr/>
+      </p:nvGrpSpPr>
+      <p:grpSpPr>
+        <a:xfrm>
+          <a:off x="0" y="0"/>
+          <a:ext cx="0" cy="0"/>
+          <a:chOff x="0" y="0"/>
+          <a:chExt cx="0" cy="0"/>
+        </a:xfrm>
+      </p:grpSpPr>
+      <p:sp>
+        <p:nvSpPr>
+          <p:cNvPr id="242" name="Google Shape;242;p61"/>
+          <p:cNvSpPr txBox="1">
+            <a:spLocks noGrp="1"/>
+          </p:cNvSpPr>
+          <p:nvPr>
+            <p:ph type="title"/>
+          </p:nvPr>
+        </p:nvSpPr>
+        <p:spPr>
+          <a:xfrm>
+            <a:off x="264945" y="870271"/>
+            <a:ext cx="7242600" cy="1119900"/>
+          </a:xfrm>
+          <a:prstGeom prst="rect">
+            <a:avLst/>
+          </a:prstGeom>
+        </p:spPr>
+        <p:txBody>
+          <a:bodyPr spcFirstLastPara="1" wrap="square" lIns="91425" tIns="91425" rIns="91425" bIns="91425" anchor="ctr" anchorCtr="0">
+            <a:noAutofit/>
+          </a:bodyPr>
+          <a:lstStyle/>
+          <a:p>
+            <a:pPr marL="0" lvl="0" indent="0" algn="l" rtl="0">
+              <a:spcBef>
+                <a:spcPts val="0"/>
+              </a:spcBef>
+              <a:spcAft>
+                <a:spcPts val="0"/>
+              </a:spcAft>
+              <a:buNone/>
+            </a:pPr>
+            <a:r>
+              <a:rPr lang="en"/>
+              <a:t>Step 2: Relational Database Design</a:t>
+            </a:r>
+            <a:endParaRPr/>
+          </a:p>
+        </p:txBody>
+      </p:sp>
+      <p:sp>
+        <p:nvSpPr>
+          <p:cNvPr id="243" name="Google Shape;243;p61"/>
+          <p:cNvSpPr txBox="1">
+            <a:spLocks noGrp="1"/>
+          </p:cNvSpPr>
+          <p:nvPr>
+            <p:ph type="body" idx="1"/>
+          </p:nvPr>
+        </p:nvSpPr>
+        <p:spPr>
+          <a:xfrm>
+            <a:off x="264945" y="2253729"/>
+            <a:ext cx="7242600" cy="6239700"/>
+          </a:xfrm>
+          <a:prstGeom prst="rect">
+            <a:avLst/>
+          </a:prstGeom>
+        </p:spPr>
+        <p:txBody>
+          <a:bodyPr spcFirstLastPara="1" wrap="square" lIns="91425" tIns="91425" rIns="91425" bIns="91425" anchor="t" anchorCtr="0">
+            <a:noAutofit/>
+          </a:bodyPr>
+          <a:lstStyle/>
+          <a:p>
+            <a:pPr marL="0" lvl="0" indent="0" algn="l" rtl="0">
+              <a:lnSpc>
+                <a:spcPct val="170000"/>
+              </a:lnSpc>
+              <a:spcBef>
+                <a:spcPts val="0"/>
+              </a:spcBef>
+              <a:spcAft>
+                <a:spcPts val="0"/>
+              </a:spcAft>
+              <a:buNone/>
+            </a:pPr>
+            <a:r>
+              <a:rPr lang="en" sz="1500">
+                <a:solidFill>
+                  <a:srgbClr val="525C65"/>
+                </a:solidFill>
+                <a:highlight>
+                  <a:srgbClr val="FFFFFF"/>
+                </a:highlight>
+                <a:latin typeface="Open Sans"/>
+                <a:ea typeface="Open Sans"/>
+                <a:cs typeface="Open Sans"/>
+                <a:sym typeface="Open Sans"/>
+              </a:rPr>
+              <a:t>This step is where you will go through the process of designing a new database for Tech ABC Corp's HR department. Using the </a:t>
+            </a:r>
+            <a:r>
+              <a:rPr lang="en" sz="1500" u="sng">
+                <a:solidFill>
+                  <a:schemeClr val="hlink"/>
+                </a:solidFill>
+                <a:highlight>
+                  <a:srgbClr val="FFFFFF"/>
+                </a:highlight>
+                <a:latin typeface="Open Sans"/>
+                <a:ea typeface="Open Sans"/>
+                <a:cs typeface="Open Sans"/>
+                <a:sym typeface="Open Sans"/>
+                <a:hlinkClick r:id="rId3"/>
+              </a:rPr>
+              <a:t>dataset</a:t>
+            </a:r>
+            <a:r>
+              <a:rPr lang="en" sz="1500">
+                <a:solidFill>
+                  <a:srgbClr val="525C65"/>
+                </a:solidFill>
+                <a:highlight>
+                  <a:srgbClr val="FFFFFF"/>
+                </a:highlight>
+                <a:latin typeface="Open Sans"/>
+                <a:ea typeface="Open Sans"/>
+                <a:cs typeface="Open Sans"/>
+                <a:sym typeface="Open Sans"/>
+              </a:rPr>
+              <a:t> provided, along with the requirements gathered in step one, you are going to develop a relational database set to the 3NF.</a:t>
+            </a:r>
+            <a:endParaRPr sz="1500">
+              <a:solidFill>
+                <a:srgbClr val="525C65"/>
+              </a:solidFill>
+              <a:highlight>
+                <a:srgbClr val="FFFFFF"/>
+              </a:highlight>
+              <a:latin typeface="Open Sans"/>
+              <a:ea typeface="Open Sans"/>
+              <a:cs typeface="Open Sans"/>
+              <a:sym typeface="Open Sans"/>
+            </a:endParaRPr>
+          </a:p>
+          <a:p>
+            <a:pPr marL="0" lvl="0" indent="0" algn="l" rtl="0">
+              <a:lnSpc>
+                <a:spcPct val="170000"/>
+              </a:lnSpc>
+              <a:spcBef>
+                <a:spcPts val="1100"/>
+              </a:spcBef>
+              <a:spcAft>
+                <a:spcPts val="0"/>
+              </a:spcAft>
+              <a:buNone/>
+            </a:pPr>
+            <a:endParaRPr sz="500">
+              <a:solidFill>
+                <a:srgbClr val="525C65"/>
+              </a:solidFill>
+              <a:highlight>
+                <a:srgbClr val="FFFFFF"/>
+              </a:highlight>
+              <a:latin typeface="Open Sans"/>
+              <a:ea typeface="Open Sans"/>
+              <a:cs typeface="Open Sans"/>
+              <a:sym typeface="Open Sans"/>
+            </a:endParaRPr>
+          </a:p>
+          <a:p>
+            <a:pPr marL="0" lvl="0" indent="0" algn="l" rtl="0">
+              <a:lnSpc>
+                <a:spcPct val="170000"/>
+              </a:lnSpc>
+              <a:spcBef>
+                <a:spcPts val="1100"/>
+              </a:spcBef>
+              <a:spcAft>
+                <a:spcPts val="0"/>
+              </a:spcAft>
+              <a:buNone/>
+            </a:pPr>
+            <a:r>
+              <a:rPr lang="en" sz="1500">
+                <a:solidFill>
+                  <a:srgbClr val="525C65"/>
+                </a:solidFill>
+                <a:highlight>
+                  <a:srgbClr val="FFFFFF"/>
+                </a:highlight>
+                <a:latin typeface="Open Sans"/>
+                <a:ea typeface="Open Sans"/>
+                <a:cs typeface="Open Sans"/>
+                <a:sym typeface="Open Sans"/>
+              </a:rPr>
+              <a:t>Using Lucidchart, you will create 3 entity relationship diagrams (ERDs) to show how you developed the final design for your data.</a:t>
+            </a:r>
+            <a:endParaRPr sz="1500">
+              <a:solidFill>
+                <a:srgbClr val="525C65"/>
+              </a:solidFill>
+              <a:highlight>
+                <a:srgbClr val="FFFFFF"/>
+              </a:highlight>
+              <a:latin typeface="Open Sans"/>
+              <a:ea typeface="Open Sans"/>
+              <a:cs typeface="Open Sans"/>
+              <a:sym typeface="Open Sans"/>
+            </a:endParaRPr>
+          </a:p>
+          <a:p>
+            <a:pPr marL="0" lvl="0" indent="0" algn="l" rtl="0">
+              <a:lnSpc>
+                <a:spcPct val="170000"/>
+              </a:lnSpc>
+              <a:spcBef>
+                <a:spcPts val="1100"/>
+              </a:spcBef>
+              <a:spcAft>
+                <a:spcPts val="0"/>
+              </a:spcAft>
+              <a:buNone/>
+            </a:pPr>
+            <a:endParaRPr sz="500">
+              <a:solidFill>
+                <a:srgbClr val="525C65"/>
+              </a:solidFill>
+              <a:highlight>
+                <a:srgbClr val="FFFFFF"/>
+              </a:highlight>
+              <a:latin typeface="Open Sans"/>
+              <a:ea typeface="Open Sans"/>
+              <a:cs typeface="Open Sans"/>
+              <a:sym typeface="Open Sans"/>
+            </a:endParaRPr>
+          </a:p>
+          <a:p>
+            <a:pPr marL="0" lvl="0" indent="0" algn="l" rtl="0">
+              <a:lnSpc>
+                <a:spcPct val="170000"/>
+              </a:lnSpc>
+              <a:spcBef>
+                <a:spcPts val="1100"/>
+              </a:spcBef>
+              <a:spcAft>
+                <a:spcPts val="0"/>
+              </a:spcAft>
+              <a:buClr>
+                <a:schemeClr val="dk1"/>
+              </a:buClr>
+              <a:buSzPts val="1100"/>
+              <a:buFont typeface="Arial"/>
+              <a:buNone/>
+            </a:pPr>
+            <a:r>
+              <a:rPr lang="en" sz="1500">
+                <a:solidFill>
+                  <a:srgbClr val="525C65"/>
+                </a:solidFill>
+                <a:highlight>
+                  <a:srgbClr val="FFFFFF"/>
+                </a:highlight>
+                <a:latin typeface="Open Sans"/>
+                <a:ea typeface="Open Sans"/>
+                <a:cs typeface="Open Sans"/>
+                <a:sym typeface="Open Sans"/>
+              </a:rPr>
+              <a:t>You will submit a screenshot for each of the 3 ERDs you create. You will find detailed instructions for developing each of the ERDs over the next several pages.</a:t>
+            </a:r>
+            <a:endParaRPr sz="1500">
+              <a:solidFill>
+                <a:srgbClr val="525C65"/>
+              </a:solidFill>
+              <a:highlight>
+                <a:srgbClr val="FFFFFF"/>
+              </a:highlight>
+              <a:latin typeface="Open Sans"/>
+              <a:ea typeface="Open Sans"/>
+              <a:cs typeface="Open Sans"/>
+              <a:sym typeface="Open Sans"/>
+            </a:endParaRPr>
+          </a:p>
+          <a:p>
+            <a:pPr marL="0" lvl="0" indent="0" algn="l" rtl="0">
+              <a:spcBef>
+                <a:spcPts val="1100"/>
+              </a:spcBef>
+              <a:spcAft>
+                <a:spcPts val="1600"/>
+              </a:spcAft>
+              <a:buNone/>
+            </a:pPr>
+            <a:endParaRPr sz="2200"/>
+          </a:p>
+        </p:txBody>
+      </p:sp>
+    </p:spTree>
+  </p:cSld>
+  <p:clrMapOvr>
+    <a:masterClrMapping/>
+  </p:clrMapOvr>
+</p:sld>
+</file>
+
+<file path=ppt/slides/slide11.xml><?xml version="1.0" encoding="utf-8"?>
+<p:sld xmlns:a="http://schemas.openxmlformats.org/drawingml/2006/main" xmlns:r="http://schemas.openxmlformats.org/officeDocument/2006/relationships" xmlns:p="http://schemas.openxmlformats.org/presentationml/2006/main">
+  <p:cSld>
+    <p:spTree>
+      <p:nvGrpSpPr>
         <p:cNvPr id="1" name="Shape 247"/>
         <p:cNvGrpSpPr/>
         <p:nvPr/>
@@ -28400,7 +28826,7 @@
 </p:sld>
 </file>
 
-<file path=ppt/slides/slide11.xml><?xml version="1.0" encoding="utf-8"?>
+<file path=ppt/slides/slide12.xml><?xml version="1.0" encoding="utf-8"?>
 <p:sld xmlns:a="http://schemas.openxmlformats.org/drawingml/2006/main" xmlns:r="http://schemas.openxmlformats.org/officeDocument/2006/relationships" xmlns:p="http://schemas.openxmlformats.org/presentationml/2006/main">
   <p:cSld>
     <p:spTree>
@@ -30607,7 +31033,7 @@
 </p:sld>
 </file>
 
-<file path=ppt/slides/slide12.xml><?xml version="1.0" encoding="utf-8"?>
+<file path=ppt/slides/slide13.xml><?xml version="1.0" encoding="utf-8"?>
 <p:sld xmlns:a="http://schemas.openxmlformats.org/drawingml/2006/main" xmlns:r="http://schemas.openxmlformats.org/officeDocument/2006/relationships" xmlns:p="http://schemas.openxmlformats.org/presentationml/2006/main">
   <p:cSld>
     <p:spTree>
@@ -30762,7 +31188,7 @@
 </p:sld>
 </file>
 
-<file path=ppt/slides/slide13.xml><?xml version="1.0" encoding="utf-8"?>
+<file path=ppt/slides/slide14.xml><?xml version="1.0" encoding="utf-8"?>
 <p:sld xmlns:a="http://schemas.openxmlformats.org/drawingml/2006/main" xmlns:r="http://schemas.openxmlformats.org/officeDocument/2006/relationships" xmlns:p="http://schemas.openxmlformats.org/presentationml/2006/main">
   <p:cSld>
     <p:spTree>
@@ -30993,7 +31419,7 @@
 </p:sld>
 </file>
 
-<file path=ppt/slides/slide14.xml><?xml version="1.0" encoding="utf-8"?>
+<file path=ppt/slides/slide15.xml><?xml version="1.0" encoding="utf-8"?>
 <p:sld xmlns:a="http://schemas.openxmlformats.org/drawingml/2006/main" xmlns:r="http://schemas.openxmlformats.org/officeDocument/2006/relationships" xmlns:p="http://schemas.openxmlformats.org/presentationml/2006/main">
   <p:cSld>
     <p:spTree>
@@ -31110,7 +31536,7 @@
 </p:sld>
 </file>
 
-<file path=ppt/slides/slide15.xml><?xml version="1.0" encoding="utf-8"?>
+<file path=ppt/slides/slide16.xml><?xml version="1.0" encoding="utf-8"?>
 <p:sld xmlns:a="http://schemas.openxmlformats.org/drawingml/2006/main" xmlns:r="http://schemas.openxmlformats.org/officeDocument/2006/relationships" xmlns:p="http://schemas.openxmlformats.org/presentationml/2006/main">
   <p:cSld>
     <p:bg>
@@ -31302,7 +31728,7 @@
 </p:sld>
 </file>
 
-<file path=ppt/slides/slide16.xml><?xml version="1.0" encoding="utf-8"?>
+<file path=ppt/slides/slide17.xml><?xml version="1.0" encoding="utf-8"?>
 <p:sld xmlns:a="http://schemas.openxmlformats.org/drawingml/2006/main" xmlns:r="http://schemas.openxmlformats.org/officeDocument/2006/relationships" xmlns:p="http://schemas.openxmlformats.org/presentationml/2006/main">
   <p:cSld>
     <p:spTree>
@@ -32179,7 +32605,7 @@
 </p:sld>
 </file>
 
-<file path=ppt/slides/slide17.xml><?xml version="1.0" encoding="utf-8"?>
+<file path=ppt/slides/slide18.xml><?xml version="1.0" encoding="utf-8"?>
 <p:sld xmlns:a="http://schemas.openxmlformats.org/drawingml/2006/main" xmlns:r="http://schemas.openxmlformats.org/officeDocument/2006/relationships" xmlns:p="http://schemas.openxmlformats.org/presentationml/2006/main">
   <p:cSld>
     <p:spTree>
@@ -32605,7 +33031,7 @@
 </p:sld>
 </file>
 
-<file path=ppt/slides/slide18.xml><?xml version="1.0" encoding="utf-8"?>
+<file path=ppt/slides/slide19.xml><?xml version="1.0" encoding="utf-8"?>
 <p:sld xmlns:a="http://schemas.openxmlformats.org/drawingml/2006/main" xmlns:r="http://schemas.openxmlformats.org/officeDocument/2006/relationships" xmlns:p="http://schemas.openxmlformats.org/presentationml/2006/main">
   <p:cSld>
     <p:spTree>
@@ -32938,412 +33364,6 @@
       <p:pic>
         <p:nvPicPr>
           <p:cNvPr id="290" name="Google Shape;290;p68"/>
-          <p:cNvPicPr preferRelativeResize="0"/>
-          <p:nvPr/>
-        </p:nvPicPr>
-        <p:blipFill>
-          <a:blip r:embed="rId3">
-            <a:alphaModFix/>
-          </a:blip>
-          <a:stretch>
-            <a:fillRect/>
-          </a:stretch>
-        </p:blipFill>
-        <p:spPr>
-          <a:xfrm>
-            <a:off x="1088175" y="4781750"/>
-            <a:ext cx="5036025" cy="3241700"/>
-          </a:xfrm>
-          <a:prstGeom prst="rect">
-            <a:avLst/>
-          </a:prstGeom>
-          <a:noFill/>
-          <a:ln w="9525" cap="flat" cmpd="sng">
-            <a:solidFill>
-              <a:schemeClr val="dk2"/>
-            </a:solidFill>
-            <a:prstDash val="solid"/>
-            <a:round/>
-            <a:headEnd type="none" w="sm" len="sm"/>
-            <a:tailEnd type="none" w="sm" len="sm"/>
-          </a:ln>
-        </p:spPr>
-      </p:pic>
-    </p:spTree>
-  </p:cSld>
-  <p:clrMapOvr>
-    <a:masterClrMapping/>
-  </p:clrMapOvr>
-</p:sld>
-</file>
-
-<file path=ppt/slides/slide19.xml><?xml version="1.0" encoding="utf-8"?>
-<p:sld xmlns:a="http://schemas.openxmlformats.org/drawingml/2006/main" xmlns:r="http://schemas.openxmlformats.org/officeDocument/2006/relationships" xmlns:p="http://schemas.openxmlformats.org/presentationml/2006/main">
-  <p:cSld>
-    <p:spTree>
-      <p:nvGrpSpPr>
-        <p:cNvPr id="1" name="Shape 294"/>
-        <p:cNvGrpSpPr/>
-        <p:nvPr/>
-      </p:nvGrpSpPr>
-      <p:grpSpPr>
-        <a:xfrm>
-          <a:off x="0" y="0"/>
-          <a:ext cx="0" cy="0"/>
-          <a:chOff x="0" y="0"/>
-          <a:chExt cx="0" cy="0"/>
-        </a:xfrm>
-      </p:grpSpPr>
-      <p:sp>
-        <p:nvSpPr>
-          <p:cNvPr id="295" name="Google Shape;295;p69"/>
-          <p:cNvSpPr txBox="1">
-            <a:spLocks noGrp="1"/>
-          </p:cNvSpPr>
-          <p:nvPr>
-            <p:ph type="title"/>
-          </p:nvPr>
-        </p:nvSpPr>
-        <p:spPr>
-          <a:xfrm>
-            <a:off x="264945" y="870271"/>
-            <a:ext cx="7242600" cy="1119900"/>
-          </a:xfrm>
-          <a:prstGeom prst="rect">
-            <a:avLst/>
-          </a:prstGeom>
-        </p:spPr>
-        <p:txBody>
-          <a:bodyPr spcFirstLastPara="1" wrap="square" lIns="91425" tIns="91425" rIns="91425" bIns="91425" anchor="ctr" anchorCtr="0">
-            <a:noAutofit/>
-          </a:bodyPr>
-          <a:lstStyle/>
-          <a:p>
-            <a:pPr marL="0" lvl="0" indent="0" algn="l" rtl="0">
-              <a:spcBef>
-                <a:spcPts val="0"/>
-              </a:spcBef>
-              <a:spcAft>
-                <a:spcPts val="0"/>
-              </a:spcAft>
-              <a:buNone/>
-            </a:pPr>
-            <a:r>
-              <a:rPr lang="en"/>
-              <a:t>CRUD</a:t>
-            </a:r>
-            <a:endParaRPr/>
-          </a:p>
-        </p:txBody>
-      </p:sp>
-      <p:sp>
-        <p:nvSpPr>
-          <p:cNvPr id="296" name="Google Shape;296;p69"/>
-          <p:cNvSpPr txBox="1">
-            <a:spLocks noGrp="1"/>
-          </p:cNvSpPr>
-          <p:nvPr>
-            <p:ph type="body" idx="1"/>
-          </p:nvPr>
-        </p:nvSpPr>
-        <p:spPr>
-          <a:xfrm>
-            <a:off x="264950" y="2118049"/>
-            <a:ext cx="7242600" cy="7731900"/>
-          </a:xfrm>
-          <a:prstGeom prst="rect">
-            <a:avLst/>
-          </a:prstGeom>
-        </p:spPr>
-        <p:txBody>
-          <a:bodyPr spcFirstLastPara="1" wrap="square" lIns="91425" tIns="91425" rIns="91425" bIns="91425" anchor="t" anchorCtr="0">
-            <a:noAutofit/>
-          </a:bodyPr>
-          <a:lstStyle/>
-          <a:p>
-            <a:pPr marL="0" lvl="0" indent="0" algn="l" rtl="0">
-              <a:spcBef>
-                <a:spcPts val="0"/>
-              </a:spcBef>
-              <a:spcAft>
-                <a:spcPts val="0"/>
-              </a:spcAft>
-              <a:buNone/>
-            </a:pPr>
-            <a:endParaRPr sz="1900"/>
-          </a:p>
-          <a:p>
-            <a:pPr marL="457200" lvl="0" indent="-349250" algn="l" rtl="0">
-              <a:spcBef>
-                <a:spcPts val="1600"/>
-              </a:spcBef>
-              <a:spcAft>
-                <a:spcPts val="0"/>
-              </a:spcAft>
-              <a:buSzPts val="1900"/>
-              <a:buFont typeface="Open Sans"/>
-              <a:buChar char="●"/>
-            </a:pPr>
-            <a:r>
-              <a:rPr lang="en" sz="1900" b="1">
-                <a:latin typeface="Open Sans"/>
-                <a:ea typeface="Open Sans"/>
-                <a:cs typeface="Open Sans"/>
-                <a:sym typeface="Open Sans"/>
-              </a:rPr>
-              <a:t>Question 2: Insert Web Programmer as a new job title</a:t>
-            </a:r>
-            <a:endParaRPr sz="1900" b="1">
-              <a:latin typeface="Open Sans"/>
-              <a:ea typeface="Open Sans"/>
-              <a:cs typeface="Open Sans"/>
-              <a:sym typeface="Open Sans"/>
-            </a:endParaRPr>
-          </a:p>
-          <a:p>
-            <a:pPr marL="0" lvl="0" indent="0" algn="l" rtl="0">
-              <a:spcBef>
-                <a:spcPts val="1600"/>
-              </a:spcBef>
-              <a:spcAft>
-                <a:spcPts val="0"/>
-              </a:spcAft>
-              <a:buNone/>
-            </a:pPr>
-            <a:endParaRPr sz="1900" b="1">
-              <a:latin typeface="Open Sans"/>
-              <a:ea typeface="Open Sans"/>
-              <a:cs typeface="Open Sans"/>
-              <a:sym typeface="Open Sans"/>
-            </a:endParaRPr>
-          </a:p>
-          <a:p>
-            <a:pPr marL="0" lvl="0" indent="0" algn="l" rtl="0">
-              <a:lnSpc>
-                <a:spcPct val="170000"/>
-              </a:lnSpc>
-              <a:spcBef>
-                <a:spcPts val="1600"/>
-              </a:spcBef>
-              <a:spcAft>
-                <a:spcPts val="0"/>
-              </a:spcAft>
-              <a:buClr>
-                <a:schemeClr val="dk1"/>
-              </a:buClr>
-              <a:buSzPts val="1100"/>
-              <a:buFont typeface="Arial"/>
-              <a:buNone/>
-            </a:pPr>
-            <a:r>
-              <a:rPr lang="en" sz="1200">
-                <a:solidFill>
-                  <a:srgbClr val="525C65"/>
-                </a:solidFill>
-                <a:highlight>
-                  <a:schemeClr val="lt1"/>
-                </a:highlight>
-                <a:latin typeface="Open Sans"/>
-                <a:ea typeface="Open Sans"/>
-                <a:cs typeface="Open Sans"/>
-                <a:sym typeface="Open Sans"/>
-              </a:rPr>
-              <a:t>    </a:t>
-            </a:r>
-            <a:r>
-              <a:rPr lang="en" sz="1200">
-                <a:solidFill>
-                  <a:srgbClr val="FF0000"/>
-                </a:solidFill>
-                <a:highlight>
-                  <a:schemeClr val="lt1"/>
-                </a:highlight>
-                <a:latin typeface="Open Sans"/>
-                <a:ea typeface="Open Sans"/>
-                <a:cs typeface="Open Sans"/>
-                <a:sym typeface="Open Sans"/>
-              </a:rPr>
-              <a:t>** Replace example screenshot below with your response, and include the query in a SQL file</a:t>
-            </a:r>
-            <a:endParaRPr sz="1900" b="1">
-              <a:latin typeface="Open Sans"/>
-              <a:ea typeface="Open Sans"/>
-              <a:cs typeface="Open Sans"/>
-              <a:sym typeface="Open Sans"/>
-            </a:endParaRPr>
-          </a:p>
-          <a:p>
-            <a:pPr marL="0" lvl="0" indent="0" algn="l" rtl="0">
-              <a:spcBef>
-                <a:spcPts val="0"/>
-              </a:spcBef>
-              <a:spcAft>
-                <a:spcPts val="0"/>
-              </a:spcAft>
-              <a:buNone/>
-            </a:pPr>
-            <a:endParaRPr sz="1900" b="1">
-              <a:latin typeface="Open Sans"/>
-              <a:ea typeface="Open Sans"/>
-              <a:cs typeface="Open Sans"/>
-              <a:sym typeface="Open Sans"/>
-            </a:endParaRPr>
-          </a:p>
-          <a:p>
-            <a:pPr marL="0" lvl="0" indent="0" algn="l" rtl="0">
-              <a:spcBef>
-                <a:spcPts val="1600"/>
-              </a:spcBef>
-              <a:spcAft>
-                <a:spcPts val="0"/>
-              </a:spcAft>
-              <a:buNone/>
-            </a:pPr>
-            <a:endParaRPr sz="1900" b="1">
-              <a:latin typeface="Open Sans"/>
-              <a:ea typeface="Open Sans"/>
-              <a:cs typeface="Open Sans"/>
-              <a:sym typeface="Open Sans"/>
-            </a:endParaRPr>
-          </a:p>
-          <a:p>
-            <a:pPr marL="0" lvl="0" indent="0" algn="l" rtl="0">
-              <a:spcBef>
-                <a:spcPts val="1600"/>
-              </a:spcBef>
-              <a:spcAft>
-                <a:spcPts val="0"/>
-              </a:spcAft>
-              <a:buNone/>
-            </a:pPr>
-            <a:endParaRPr sz="1900" b="1">
-              <a:latin typeface="Open Sans"/>
-              <a:ea typeface="Open Sans"/>
-              <a:cs typeface="Open Sans"/>
-              <a:sym typeface="Open Sans"/>
-            </a:endParaRPr>
-          </a:p>
-          <a:p>
-            <a:pPr marL="0" lvl="0" indent="0" algn="l" rtl="0">
-              <a:spcBef>
-                <a:spcPts val="1600"/>
-              </a:spcBef>
-              <a:spcAft>
-                <a:spcPts val="0"/>
-              </a:spcAft>
-              <a:buNone/>
-            </a:pPr>
-            <a:endParaRPr sz="1900" b="1">
-              <a:latin typeface="Open Sans"/>
-              <a:ea typeface="Open Sans"/>
-              <a:cs typeface="Open Sans"/>
-              <a:sym typeface="Open Sans"/>
-            </a:endParaRPr>
-          </a:p>
-          <a:p>
-            <a:pPr marL="457200" lvl="0" indent="0" algn="l" rtl="0">
-              <a:spcBef>
-                <a:spcPts val="1600"/>
-              </a:spcBef>
-              <a:spcAft>
-                <a:spcPts val="0"/>
-              </a:spcAft>
-              <a:buNone/>
-            </a:pPr>
-            <a:endParaRPr sz="1900" b="1">
-              <a:latin typeface="Open Sans"/>
-              <a:ea typeface="Open Sans"/>
-              <a:cs typeface="Open Sans"/>
-              <a:sym typeface="Open Sans"/>
-            </a:endParaRPr>
-          </a:p>
-          <a:p>
-            <a:pPr marL="0" lvl="0" indent="0" algn="l" rtl="0">
-              <a:spcBef>
-                <a:spcPts val="1600"/>
-              </a:spcBef>
-              <a:spcAft>
-                <a:spcPts val="0"/>
-              </a:spcAft>
-              <a:buNone/>
-            </a:pPr>
-            <a:endParaRPr sz="1900" b="1">
-              <a:latin typeface="Open Sans"/>
-              <a:ea typeface="Open Sans"/>
-              <a:cs typeface="Open Sans"/>
-              <a:sym typeface="Open Sans"/>
-            </a:endParaRPr>
-          </a:p>
-          <a:p>
-            <a:pPr marL="0" lvl="0" indent="0" algn="l" rtl="0">
-              <a:spcBef>
-                <a:spcPts val="1600"/>
-              </a:spcBef>
-              <a:spcAft>
-                <a:spcPts val="0"/>
-              </a:spcAft>
-              <a:buNone/>
-            </a:pPr>
-            <a:endParaRPr sz="1900" b="1">
-              <a:latin typeface="Open Sans"/>
-              <a:ea typeface="Open Sans"/>
-              <a:cs typeface="Open Sans"/>
-              <a:sym typeface="Open Sans"/>
-            </a:endParaRPr>
-          </a:p>
-          <a:p>
-            <a:pPr marL="0" lvl="0" indent="0" algn="l" rtl="0">
-              <a:spcBef>
-                <a:spcPts val="1600"/>
-              </a:spcBef>
-              <a:spcAft>
-                <a:spcPts val="0"/>
-              </a:spcAft>
-              <a:buNone/>
-            </a:pPr>
-            <a:endParaRPr sz="1900"/>
-          </a:p>
-          <a:p>
-            <a:pPr marL="457200" lvl="0" indent="0" algn="l" rtl="0">
-              <a:spcBef>
-                <a:spcPts val="1600"/>
-              </a:spcBef>
-              <a:spcAft>
-                <a:spcPts val="0"/>
-              </a:spcAft>
-              <a:buNone/>
-            </a:pPr>
-            <a:endParaRPr sz="1900"/>
-          </a:p>
-          <a:p>
-            <a:pPr marL="457200" lvl="0" indent="0" algn="l" rtl="0">
-              <a:spcBef>
-                <a:spcPts val="1600"/>
-              </a:spcBef>
-              <a:spcAft>
-                <a:spcPts val="0"/>
-              </a:spcAft>
-              <a:buNone/>
-            </a:pPr>
-            <a:endParaRPr sz="1900"/>
-          </a:p>
-          <a:p>
-            <a:pPr marL="457200" lvl="0" indent="0" algn="l" rtl="0">
-              <a:spcBef>
-                <a:spcPts val="1600"/>
-              </a:spcBef>
-              <a:spcAft>
-                <a:spcPts val="1600"/>
-              </a:spcAft>
-              <a:buNone/>
-            </a:pPr>
-            <a:endParaRPr sz="1900"/>
-          </a:p>
-        </p:txBody>
-      </p:sp>
-      <p:pic>
-        <p:nvPicPr>
-          <p:cNvPr id="297" name="Google Shape;297;p69"/>
           <p:cNvPicPr preferRelativeResize="0"/>
           <p:nvPr/>
         </p:nvPicPr>
@@ -33635,6 +33655,412 @@
   <p:cSld>
     <p:spTree>
       <p:nvGrpSpPr>
+        <p:cNvPr id="1" name="Shape 294"/>
+        <p:cNvGrpSpPr/>
+        <p:nvPr/>
+      </p:nvGrpSpPr>
+      <p:grpSpPr>
+        <a:xfrm>
+          <a:off x="0" y="0"/>
+          <a:ext cx="0" cy="0"/>
+          <a:chOff x="0" y="0"/>
+          <a:chExt cx="0" cy="0"/>
+        </a:xfrm>
+      </p:grpSpPr>
+      <p:sp>
+        <p:nvSpPr>
+          <p:cNvPr id="295" name="Google Shape;295;p69"/>
+          <p:cNvSpPr txBox="1">
+            <a:spLocks noGrp="1"/>
+          </p:cNvSpPr>
+          <p:nvPr>
+            <p:ph type="title"/>
+          </p:nvPr>
+        </p:nvSpPr>
+        <p:spPr>
+          <a:xfrm>
+            <a:off x="264945" y="870271"/>
+            <a:ext cx="7242600" cy="1119900"/>
+          </a:xfrm>
+          <a:prstGeom prst="rect">
+            <a:avLst/>
+          </a:prstGeom>
+        </p:spPr>
+        <p:txBody>
+          <a:bodyPr spcFirstLastPara="1" wrap="square" lIns="91425" tIns="91425" rIns="91425" bIns="91425" anchor="ctr" anchorCtr="0">
+            <a:noAutofit/>
+          </a:bodyPr>
+          <a:lstStyle/>
+          <a:p>
+            <a:pPr marL="0" lvl="0" indent="0" algn="l" rtl="0">
+              <a:spcBef>
+                <a:spcPts val="0"/>
+              </a:spcBef>
+              <a:spcAft>
+                <a:spcPts val="0"/>
+              </a:spcAft>
+              <a:buNone/>
+            </a:pPr>
+            <a:r>
+              <a:rPr lang="en"/>
+              <a:t>CRUD</a:t>
+            </a:r>
+            <a:endParaRPr/>
+          </a:p>
+        </p:txBody>
+      </p:sp>
+      <p:sp>
+        <p:nvSpPr>
+          <p:cNvPr id="296" name="Google Shape;296;p69"/>
+          <p:cNvSpPr txBox="1">
+            <a:spLocks noGrp="1"/>
+          </p:cNvSpPr>
+          <p:nvPr>
+            <p:ph type="body" idx="1"/>
+          </p:nvPr>
+        </p:nvSpPr>
+        <p:spPr>
+          <a:xfrm>
+            <a:off x="264950" y="2118049"/>
+            <a:ext cx="7242600" cy="7731900"/>
+          </a:xfrm>
+          <a:prstGeom prst="rect">
+            <a:avLst/>
+          </a:prstGeom>
+        </p:spPr>
+        <p:txBody>
+          <a:bodyPr spcFirstLastPara="1" wrap="square" lIns="91425" tIns="91425" rIns="91425" bIns="91425" anchor="t" anchorCtr="0">
+            <a:noAutofit/>
+          </a:bodyPr>
+          <a:lstStyle/>
+          <a:p>
+            <a:pPr marL="0" lvl="0" indent="0" algn="l" rtl="0">
+              <a:spcBef>
+                <a:spcPts val="0"/>
+              </a:spcBef>
+              <a:spcAft>
+                <a:spcPts val="0"/>
+              </a:spcAft>
+              <a:buNone/>
+            </a:pPr>
+            <a:endParaRPr sz="1900"/>
+          </a:p>
+          <a:p>
+            <a:pPr marL="457200" lvl="0" indent="-349250" algn="l" rtl="0">
+              <a:spcBef>
+                <a:spcPts val="1600"/>
+              </a:spcBef>
+              <a:spcAft>
+                <a:spcPts val="0"/>
+              </a:spcAft>
+              <a:buSzPts val="1900"/>
+              <a:buFont typeface="Open Sans"/>
+              <a:buChar char="●"/>
+            </a:pPr>
+            <a:r>
+              <a:rPr lang="en" sz="1900" b="1">
+                <a:latin typeface="Open Sans"/>
+                <a:ea typeface="Open Sans"/>
+                <a:cs typeface="Open Sans"/>
+                <a:sym typeface="Open Sans"/>
+              </a:rPr>
+              <a:t>Question 2: Insert Web Programmer as a new job title</a:t>
+            </a:r>
+            <a:endParaRPr sz="1900" b="1">
+              <a:latin typeface="Open Sans"/>
+              <a:ea typeface="Open Sans"/>
+              <a:cs typeface="Open Sans"/>
+              <a:sym typeface="Open Sans"/>
+            </a:endParaRPr>
+          </a:p>
+          <a:p>
+            <a:pPr marL="0" lvl="0" indent="0" algn="l" rtl="0">
+              <a:spcBef>
+                <a:spcPts val="1600"/>
+              </a:spcBef>
+              <a:spcAft>
+                <a:spcPts val="0"/>
+              </a:spcAft>
+              <a:buNone/>
+            </a:pPr>
+            <a:endParaRPr sz="1900" b="1">
+              <a:latin typeface="Open Sans"/>
+              <a:ea typeface="Open Sans"/>
+              <a:cs typeface="Open Sans"/>
+              <a:sym typeface="Open Sans"/>
+            </a:endParaRPr>
+          </a:p>
+          <a:p>
+            <a:pPr marL="0" lvl="0" indent="0" algn="l" rtl="0">
+              <a:lnSpc>
+                <a:spcPct val="170000"/>
+              </a:lnSpc>
+              <a:spcBef>
+                <a:spcPts val="1600"/>
+              </a:spcBef>
+              <a:spcAft>
+                <a:spcPts val="0"/>
+              </a:spcAft>
+              <a:buClr>
+                <a:schemeClr val="dk1"/>
+              </a:buClr>
+              <a:buSzPts val="1100"/>
+              <a:buFont typeface="Arial"/>
+              <a:buNone/>
+            </a:pPr>
+            <a:r>
+              <a:rPr lang="en" sz="1200">
+                <a:solidFill>
+                  <a:srgbClr val="525C65"/>
+                </a:solidFill>
+                <a:highlight>
+                  <a:schemeClr val="lt1"/>
+                </a:highlight>
+                <a:latin typeface="Open Sans"/>
+                <a:ea typeface="Open Sans"/>
+                <a:cs typeface="Open Sans"/>
+                <a:sym typeface="Open Sans"/>
+              </a:rPr>
+              <a:t>    </a:t>
+            </a:r>
+            <a:r>
+              <a:rPr lang="en" sz="1200">
+                <a:solidFill>
+                  <a:srgbClr val="FF0000"/>
+                </a:solidFill>
+                <a:highlight>
+                  <a:schemeClr val="lt1"/>
+                </a:highlight>
+                <a:latin typeface="Open Sans"/>
+                <a:ea typeface="Open Sans"/>
+                <a:cs typeface="Open Sans"/>
+                <a:sym typeface="Open Sans"/>
+              </a:rPr>
+              <a:t>** Replace example screenshot below with your response, and include the query in a SQL file</a:t>
+            </a:r>
+            <a:endParaRPr sz="1900" b="1">
+              <a:latin typeface="Open Sans"/>
+              <a:ea typeface="Open Sans"/>
+              <a:cs typeface="Open Sans"/>
+              <a:sym typeface="Open Sans"/>
+            </a:endParaRPr>
+          </a:p>
+          <a:p>
+            <a:pPr marL="0" lvl="0" indent="0" algn="l" rtl="0">
+              <a:spcBef>
+                <a:spcPts val="0"/>
+              </a:spcBef>
+              <a:spcAft>
+                <a:spcPts val="0"/>
+              </a:spcAft>
+              <a:buNone/>
+            </a:pPr>
+            <a:endParaRPr sz="1900" b="1">
+              <a:latin typeface="Open Sans"/>
+              <a:ea typeface="Open Sans"/>
+              <a:cs typeface="Open Sans"/>
+              <a:sym typeface="Open Sans"/>
+            </a:endParaRPr>
+          </a:p>
+          <a:p>
+            <a:pPr marL="0" lvl="0" indent="0" algn="l" rtl="0">
+              <a:spcBef>
+                <a:spcPts val="1600"/>
+              </a:spcBef>
+              <a:spcAft>
+                <a:spcPts val="0"/>
+              </a:spcAft>
+              <a:buNone/>
+            </a:pPr>
+            <a:endParaRPr sz="1900" b="1">
+              <a:latin typeface="Open Sans"/>
+              <a:ea typeface="Open Sans"/>
+              <a:cs typeface="Open Sans"/>
+              <a:sym typeface="Open Sans"/>
+            </a:endParaRPr>
+          </a:p>
+          <a:p>
+            <a:pPr marL="0" lvl="0" indent="0" algn="l" rtl="0">
+              <a:spcBef>
+                <a:spcPts val="1600"/>
+              </a:spcBef>
+              <a:spcAft>
+                <a:spcPts val="0"/>
+              </a:spcAft>
+              <a:buNone/>
+            </a:pPr>
+            <a:endParaRPr sz="1900" b="1">
+              <a:latin typeface="Open Sans"/>
+              <a:ea typeface="Open Sans"/>
+              <a:cs typeface="Open Sans"/>
+              <a:sym typeface="Open Sans"/>
+            </a:endParaRPr>
+          </a:p>
+          <a:p>
+            <a:pPr marL="0" lvl="0" indent="0" algn="l" rtl="0">
+              <a:spcBef>
+                <a:spcPts val="1600"/>
+              </a:spcBef>
+              <a:spcAft>
+                <a:spcPts val="0"/>
+              </a:spcAft>
+              <a:buNone/>
+            </a:pPr>
+            <a:endParaRPr sz="1900" b="1">
+              <a:latin typeface="Open Sans"/>
+              <a:ea typeface="Open Sans"/>
+              <a:cs typeface="Open Sans"/>
+              <a:sym typeface="Open Sans"/>
+            </a:endParaRPr>
+          </a:p>
+          <a:p>
+            <a:pPr marL="457200" lvl="0" indent="0" algn="l" rtl="0">
+              <a:spcBef>
+                <a:spcPts val="1600"/>
+              </a:spcBef>
+              <a:spcAft>
+                <a:spcPts val="0"/>
+              </a:spcAft>
+              <a:buNone/>
+            </a:pPr>
+            <a:endParaRPr sz="1900" b="1">
+              <a:latin typeface="Open Sans"/>
+              <a:ea typeface="Open Sans"/>
+              <a:cs typeface="Open Sans"/>
+              <a:sym typeface="Open Sans"/>
+            </a:endParaRPr>
+          </a:p>
+          <a:p>
+            <a:pPr marL="0" lvl="0" indent="0" algn="l" rtl="0">
+              <a:spcBef>
+                <a:spcPts val="1600"/>
+              </a:spcBef>
+              <a:spcAft>
+                <a:spcPts val="0"/>
+              </a:spcAft>
+              <a:buNone/>
+            </a:pPr>
+            <a:endParaRPr sz="1900" b="1">
+              <a:latin typeface="Open Sans"/>
+              <a:ea typeface="Open Sans"/>
+              <a:cs typeface="Open Sans"/>
+              <a:sym typeface="Open Sans"/>
+            </a:endParaRPr>
+          </a:p>
+          <a:p>
+            <a:pPr marL="0" lvl="0" indent="0" algn="l" rtl="0">
+              <a:spcBef>
+                <a:spcPts val="1600"/>
+              </a:spcBef>
+              <a:spcAft>
+                <a:spcPts val="0"/>
+              </a:spcAft>
+              <a:buNone/>
+            </a:pPr>
+            <a:endParaRPr sz="1900" b="1">
+              <a:latin typeface="Open Sans"/>
+              <a:ea typeface="Open Sans"/>
+              <a:cs typeface="Open Sans"/>
+              <a:sym typeface="Open Sans"/>
+            </a:endParaRPr>
+          </a:p>
+          <a:p>
+            <a:pPr marL="0" lvl="0" indent="0" algn="l" rtl="0">
+              <a:spcBef>
+                <a:spcPts val="1600"/>
+              </a:spcBef>
+              <a:spcAft>
+                <a:spcPts val="0"/>
+              </a:spcAft>
+              <a:buNone/>
+            </a:pPr>
+            <a:endParaRPr sz="1900"/>
+          </a:p>
+          <a:p>
+            <a:pPr marL="457200" lvl="0" indent="0" algn="l" rtl="0">
+              <a:spcBef>
+                <a:spcPts val="1600"/>
+              </a:spcBef>
+              <a:spcAft>
+                <a:spcPts val="0"/>
+              </a:spcAft>
+              <a:buNone/>
+            </a:pPr>
+            <a:endParaRPr sz="1900"/>
+          </a:p>
+          <a:p>
+            <a:pPr marL="457200" lvl="0" indent="0" algn="l" rtl="0">
+              <a:spcBef>
+                <a:spcPts val="1600"/>
+              </a:spcBef>
+              <a:spcAft>
+                <a:spcPts val="0"/>
+              </a:spcAft>
+              <a:buNone/>
+            </a:pPr>
+            <a:endParaRPr sz="1900"/>
+          </a:p>
+          <a:p>
+            <a:pPr marL="457200" lvl="0" indent="0" algn="l" rtl="0">
+              <a:spcBef>
+                <a:spcPts val="1600"/>
+              </a:spcBef>
+              <a:spcAft>
+                <a:spcPts val="1600"/>
+              </a:spcAft>
+              <a:buNone/>
+            </a:pPr>
+            <a:endParaRPr sz="1900"/>
+          </a:p>
+        </p:txBody>
+      </p:sp>
+      <p:pic>
+        <p:nvPicPr>
+          <p:cNvPr id="297" name="Google Shape;297;p69"/>
+          <p:cNvPicPr preferRelativeResize="0"/>
+          <p:nvPr/>
+        </p:nvPicPr>
+        <p:blipFill>
+          <a:blip r:embed="rId3">
+            <a:alphaModFix/>
+          </a:blip>
+          <a:stretch>
+            <a:fillRect/>
+          </a:stretch>
+        </p:blipFill>
+        <p:spPr>
+          <a:xfrm>
+            <a:off x="1088175" y="4781750"/>
+            <a:ext cx="5036025" cy="3241700"/>
+          </a:xfrm>
+          <a:prstGeom prst="rect">
+            <a:avLst/>
+          </a:prstGeom>
+          <a:noFill/>
+          <a:ln w="9525" cap="flat" cmpd="sng">
+            <a:solidFill>
+              <a:schemeClr val="dk2"/>
+            </a:solidFill>
+            <a:prstDash val="solid"/>
+            <a:round/>
+            <a:headEnd type="none" w="sm" len="sm"/>
+            <a:tailEnd type="none" w="sm" len="sm"/>
+          </a:ln>
+        </p:spPr>
+      </p:pic>
+    </p:spTree>
+  </p:cSld>
+  <p:clrMapOvr>
+    <a:masterClrMapping/>
+  </p:clrMapOvr>
+</p:sld>
+</file>
+
+<file path=ppt/slides/slide21.xml><?xml version="1.0" encoding="utf-8"?>
+<p:sld xmlns:a="http://schemas.openxmlformats.org/drawingml/2006/main" xmlns:r="http://schemas.openxmlformats.org/officeDocument/2006/relationships" xmlns:p="http://schemas.openxmlformats.org/presentationml/2006/main">
+  <p:cSld>
+    <p:spTree>
+      <p:nvGrpSpPr>
         <p:cNvPr id="1" name="Shape 301"/>
         <p:cNvGrpSpPr/>
         <p:nvPr/>
@@ -34055,7 +34481,7 @@
 </p:sld>
 </file>
 
-<file path=ppt/slides/slide21.xml><?xml version="1.0" encoding="utf-8"?>
+<file path=ppt/slides/slide22.xml><?xml version="1.0" encoding="utf-8"?>
 <p:sld xmlns:a="http://schemas.openxmlformats.org/drawingml/2006/main" xmlns:r="http://schemas.openxmlformats.org/officeDocument/2006/relationships" xmlns:p="http://schemas.openxmlformats.org/presentationml/2006/main">
   <p:cSld>
     <p:spTree>
@@ -34480,7 +34906,7 @@
 </p:sld>
 </file>
 
-<file path=ppt/slides/slide22.xml><?xml version="1.0" encoding="utf-8"?>
+<file path=ppt/slides/slide23.xml><?xml version="1.0" encoding="utf-8"?>
 <p:sld xmlns:a="http://schemas.openxmlformats.org/drawingml/2006/main" xmlns:r="http://schemas.openxmlformats.org/officeDocument/2006/relationships" xmlns:p="http://schemas.openxmlformats.org/presentationml/2006/main">
   <p:cSld>
     <p:spTree>
@@ -34881,7 +35307,7 @@
 </p:sld>
 </file>
 
-<file path=ppt/slides/slide23.xml><?xml version="1.0" encoding="utf-8"?>
+<file path=ppt/slides/slide24.xml><?xml version="1.0" encoding="utf-8"?>
 <p:sld xmlns:a="http://schemas.openxmlformats.org/drawingml/2006/main" xmlns:r="http://schemas.openxmlformats.org/officeDocument/2006/relationships" xmlns:p="http://schemas.openxmlformats.org/presentationml/2006/main">
   <p:cSld>
     <p:spTree>
@@ -35265,7 +35691,7 @@
 </p:sld>
 </file>
 
-<file path=ppt/slides/slide24.xml><?xml version="1.0" encoding="utf-8"?>
+<file path=ppt/slides/slide25.xml><?xml version="1.0" encoding="utf-8"?>
 <p:sld xmlns:a="http://schemas.openxmlformats.org/drawingml/2006/main" xmlns:r="http://schemas.openxmlformats.org/officeDocument/2006/relationships" xmlns:p="http://schemas.openxmlformats.org/presentationml/2006/main">
   <p:cSld>
     <p:spTree>
@@ -35483,7 +35909,7 @@
 </p:sld>
 </file>
 
-<file path=ppt/slides/slide25.xml><?xml version="1.0" encoding="utf-8"?>
+<file path=ppt/slides/slide26.xml><?xml version="1.0" encoding="utf-8"?>
 <p:sld xmlns:a="http://schemas.openxmlformats.org/drawingml/2006/main" xmlns:r="http://schemas.openxmlformats.org/officeDocument/2006/relationships" xmlns:p="http://schemas.openxmlformats.org/presentationml/2006/main">
   <p:cSld>
     <p:bg>
@@ -35675,7 +36101,7 @@
 </p:sld>
 </file>
 
-<file path=ppt/slides/slide26.xml><?xml version="1.0" encoding="utf-8"?>
+<file path=ppt/slides/slide27.xml><?xml version="1.0" encoding="utf-8"?>
 <p:sld xmlns:a="http://schemas.openxmlformats.org/drawingml/2006/main" xmlns:r="http://schemas.openxmlformats.org/officeDocument/2006/relationships" xmlns:p="http://schemas.openxmlformats.org/presentationml/2006/main">
   <p:cSld>
     <p:spTree>
@@ -35843,7 +36269,7 @@
 </p:sld>
 </file>
 
-<file path=ppt/slides/slide27.xml><?xml version="1.0" encoding="utf-8"?>
+<file path=ppt/slides/slide28.xml><?xml version="1.0" encoding="utf-8"?>
 <p:sld xmlns:a="http://schemas.openxmlformats.org/drawingml/2006/main" xmlns:r="http://schemas.openxmlformats.org/officeDocument/2006/relationships" xmlns:p="http://schemas.openxmlformats.org/presentationml/2006/main">
   <p:cSld>
     <p:spTree>
@@ -36010,7 +36436,7 @@
 </p:sld>
 </file>
 
-<file path=ppt/slides/slide28.xml><?xml version="1.0" encoding="utf-8"?>
+<file path=ppt/slides/slide29.xml><?xml version="1.0" encoding="utf-8"?>
 <p:sld xmlns:a="http://schemas.openxmlformats.org/drawingml/2006/main" xmlns:r="http://schemas.openxmlformats.org/officeDocument/2006/relationships" xmlns:p="http://schemas.openxmlformats.org/presentationml/2006/main">
   <p:cSld>
     <p:spTree>
@@ -36154,217 +36580,6 @@
               <a:buNone/>
             </a:pPr>
             <a:endParaRPr sz="1900"/>
-          </a:p>
-          <a:p>
-            <a:pPr marL="457200" lvl="0" indent="0" algn="l" rtl="0">
-              <a:spcBef>
-                <a:spcPts val="1600"/>
-              </a:spcBef>
-              <a:spcAft>
-                <a:spcPts val="1600"/>
-              </a:spcAft>
-              <a:buNone/>
-            </a:pPr>
-            <a:endParaRPr sz="1900"/>
-          </a:p>
-        </p:txBody>
-      </p:sp>
-    </p:spTree>
-  </p:cSld>
-  <p:clrMapOvr>
-    <a:masterClrMapping/>
-  </p:clrMapOvr>
-</p:sld>
-</file>
-
-<file path=ppt/slides/slide29.xml><?xml version="1.0" encoding="utf-8"?>
-<p:sld xmlns:a="http://schemas.openxmlformats.org/drawingml/2006/main" xmlns:r="http://schemas.openxmlformats.org/officeDocument/2006/relationships" xmlns:p="http://schemas.openxmlformats.org/presentationml/2006/main">
-  <p:cSld>
-    <p:spTree>
-      <p:nvGrpSpPr>
-        <p:cNvPr id="1" name="Shape 359"/>
-        <p:cNvGrpSpPr/>
-        <p:nvPr/>
-      </p:nvGrpSpPr>
-      <p:grpSpPr>
-        <a:xfrm>
-          <a:off x="0" y="0"/>
-          <a:ext cx="0" cy="0"/>
-          <a:chOff x="0" y="0"/>
-          <a:chExt cx="0" cy="0"/>
-        </a:xfrm>
-      </p:grpSpPr>
-      <p:sp>
-        <p:nvSpPr>
-          <p:cNvPr id="360" name="Google Shape;360;p79"/>
-          <p:cNvSpPr txBox="1">
-            <a:spLocks noGrp="1"/>
-          </p:cNvSpPr>
-          <p:nvPr>
-            <p:ph type="title"/>
-          </p:nvPr>
-        </p:nvSpPr>
-        <p:spPr>
-          <a:xfrm>
-            <a:off x="264945" y="870271"/>
-            <a:ext cx="7242600" cy="1119900"/>
-          </a:xfrm>
-          <a:prstGeom prst="rect">
-            <a:avLst/>
-          </a:prstGeom>
-        </p:spPr>
-        <p:txBody>
-          <a:bodyPr spcFirstLastPara="1" wrap="square" lIns="91425" tIns="91425" rIns="91425" bIns="91425" anchor="ctr" anchorCtr="0">
-            <a:noAutofit/>
-          </a:bodyPr>
-          <a:lstStyle/>
-          <a:p>
-            <a:pPr marL="0" lvl="0" indent="0" algn="l" rtl="0">
-              <a:spcBef>
-                <a:spcPts val="0"/>
-              </a:spcBef>
-              <a:spcAft>
-                <a:spcPts val="0"/>
-              </a:spcAft>
-              <a:buNone/>
-            </a:pPr>
-            <a:r>
-              <a:rPr lang="en"/>
-              <a:t>Standout Suggestion 3</a:t>
-            </a:r>
-            <a:endParaRPr/>
-          </a:p>
-        </p:txBody>
-      </p:sp>
-      <p:sp>
-        <p:nvSpPr>
-          <p:cNvPr id="361" name="Google Shape;361;p79"/>
-          <p:cNvSpPr txBox="1">
-            <a:spLocks noGrp="1"/>
-          </p:cNvSpPr>
-          <p:nvPr>
-            <p:ph type="body" idx="1"/>
-          </p:nvPr>
-        </p:nvSpPr>
-        <p:spPr>
-          <a:xfrm>
-            <a:off x="264950" y="2253724"/>
-            <a:ext cx="7242600" cy="7731900"/>
-          </a:xfrm>
-          <a:prstGeom prst="rect">
-            <a:avLst/>
-          </a:prstGeom>
-        </p:spPr>
-        <p:txBody>
-          <a:bodyPr spcFirstLastPara="1" wrap="square" lIns="91425" tIns="91425" rIns="91425" bIns="91425" anchor="t" anchorCtr="0">
-            <a:noAutofit/>
-          </a:bodyPr>
-          <a:lstStyle/>
-          <a:p>
-            <a:pPr marL="0" lvl="0" indent="0" algn="l" rtl="0">
-              <a:spcBef>
-                <a:spcPts val="0"/>
-              </a:spcBef>
-              <a:spcAft>
-                <a:spcPts val="0"/>
-              </a:spcAft>
-              <a:buNone/>
-            </a:pPr>
-            <a:r>
-              <a:rPr lang="en" sz="2000" b="1">
-                <a:latin typeface="Open Sans"/>
-                <a:ea typeface="Open Sans"/>
-                <a:cs typeface="Open Sans"/>
-                <a:sym typeface="Open Sans"/>
-              </a:rPr>
-              <a:t>Implement user security on the restricted salary attribute.</a:t>
-            </a:r>
-            <a:endParaRPr sz="2000" b="1">
-              <a:latin typeface="Open Sans"/>
-              <a:ea typeface="Open Sans"/>
-              <a:cs typeface="Open Sans"/>
-              <a:sym typeface="Open Sans"/>
-            </a:endParaRPr>
-          </a:p>
-          <a:p>
-            <a:pPr marL="0" lvl="0" indent="0" algn="l" rtl="0">
-              <a:spcBef>
-                <a:spcPts val="1600"/>
-              </a:spcBef>
-              <a:spcAft>
-                <a:spcPts val="0"/>
-              </a:spcAft>
-              <a:buNone/>
-            </a:pPr>
-            <a:r>
-              <a:rPr lang="en" sz="1900">
-                <a:solidFill>
-                  <a:srgbClr val="FF0000"/>
-                </a:solidFill>
-              </a:rPr>
-              <a:t>Create a non-management user named </a:t>
-            </a:r>
-            <a:r>
-              <a:rPr lang="en" sz="1900">
-                <a:solidFill>
-                  <a:srgbClr val="FF0000"/>
-                </a:solidFill>
-                <a:latin typeface="Source Code Pro"/>
-                <a:ea typeface="Source Code Pro"/>
-                <a:cs typeface="Source Code Pro"/>
-                <a:sym typeface="Source Code Pro"/>
-              </a:rPr>
-              <a:t>NoMgr</a:t>
-            </a:r>
-            <a:r>
-              <a:rPr lang="en" sz="1900">
-                <a:solidFill>
-                  <a:srgbClr val="FF0000"/>
-                </a:solidFill>
-                <a:latin typeface="Open Sans"/>
-                <a:ea typeface="Open Sans"/>
-                <a:cs typeface="Open Sans"/>
-                <a:sym typeface="Open Sans"/>
-              </a:rPr>
-              <a:t>.</a:t>
-            </a:r>
-            <a:r>
-              <a:rPr lang="en" sz="1900">
-                <a:solidFill>
-                  <a:srgbClr val="FF0000"/>
-                </a:solidFill>
-              </a:rPr>
-              <a:t> Show the code of how your would grant access to the database, but revoke access to the salary data.</a:t>
-            </a:r>
-            <a:endParaRPr sz="1900">
-              <a:solidFill>
-                <a:srgbClr val="FF0000"/>
-              </a:solidFill>
-            </a:endParaRPr>
-          </a:p>
-          <a:p>
-            <a:pPr marL="0" lvl="0" indent="0" algn="l" rtl="0">
-              <a:spcBef>
-                <a:spcPts val="1600"/>
-              </a:spcBef>
-              <a:spcAft>
-                <a:spcPts val="0"/>
-              </a:spcAft>
-              <a:buNone/>
-            </a:pPr>
-            <a:r>
-              <a:rPr lang="en" sz="1900">
-                <a:solidFill>
-                  <a:srgbClr val="FF0000"/>
-                </a:solidFill>
-              </a:rPr>
-              <a:t>Submit screenshot of code</a:t>
-            </a:r>
-            <a:endParaRPr sz="1900">
-              <a:solidFill>
-                <a:srgbClr val="FF0000"/>
-              </a:solidFill>
-            </a:endParaRPr>
           </a:p>
           <a:p>
             <a:pPr marL="457200" lvl="0" indent="0" algn="l" rtl="0">
@@ -37211,6 +37426,217 @@
 <file path=ppt/slides/slide30.xml><?xml version="1.0" encoding="utf-8"?>
 <p:sld xmlns:a="http://schemas.openxmlformats.org/drawingml/2006/main" xmlns:r="http://schemas.openxmlformats.org/officeDocument/2006/relationships" xmlns:p="http://schemas.openxmlformats.org/presentationml/2006/main">
   <p:cSld>
+    <p:spTree>
+      <p:nvGrpSpPr>
+        <p:cNvPr id="1" name="Shape 359"/>
+        <p:cNvGrpSpPr/>
+        <p:nvPr/>
+      </p:nvGrpSpPr>
+      <p:grpSpPr>
+        <a:xfrm>
+          <a:off x="0" y="0"/>
+          <a:ext cx="0" cy="0"/>
+          <a:chOff x="0" y="0"/>
+          <a:chExt cx="0" cy="0"/>
+        </a:xfrm>
+      </p:grpSpPr>
+      <p:sp>
+        <p:nvSpPr>
+          <p:cNvPr id="360" name="Google Shape;360;p79"/>
+          <p:cNvSpPr txBox="1">
+            <a:spLocks noGrp="1"/>
+          </p:cNvSpPr>
+          <p:nvPr>
+            <p:ph type="title"/>
+          </p:nvPr>
+        </p:nvSpPr>
+        <p:spPr>
+          <a:xfrm>
+            <a:off x="264945" y="870271"/>
+            <a:ext cx="7242600" cy="1119900"/>
+          </a:xfrm>
+          <a:prstGeom prst="rect">
+            <a:avLst/>
+          </a:prstGeom>
+        </p:spPr>
+        <p:txBody>
+          <a:bodyPr spcFirstLastPara="1" wrap="square" lIns="91425" tIns="91425" rIns="91425" bIns="91425" anchor="ctr" anchorCtr="0">
+            <a:noAutofit/>
+          </a:bodyPr>
+          <a:lstStyle/>
+          <a:p>
+            <a:pPr marL="0" lvl="0" indent="0" algn="l" rtl="0">
+              <a:spcBef>
+                <a:spcPts val="0"/>
+              </a:spcBef>
+              <a:spcAft>
+                <a:spcPts val="0"/>
+              </a:spcAft>
+              <a:buNone/>
+            </a:pPr>
+            <a:r>
+              <a:rPr lang="en"/>
+              <a:t>Standout Suggestion 3</a:t>
+            </a:r>
+            <a:endParaRPr/>
+          </a:p>
+        </p:txBody>
+      </p:sp>
+      <p:sp>
+        <p:nvSpPr>
+          <p:cNvPr id="361" name="Google Shape;361;p79"/>
+          <p:cNvSpPr txBox="1">
+            <a:spLocks noGrp="1"/>
+          </p:cNvSpPr>
+          <p:nvPr>
+            <p:ph type="body" idx="1"/>
+          </p:nvPr>
+        </p:nvSpPr>
+        <p:spPr>
+          <a:xfrm>
+            <a:off x="264950" y="2253724"/>
+            <a:ext cx="7242600" cy="7731900"/>
+          </a:xfrm>
+          <a:prstGeom prst="rect">
+            <a:avLst/>
+          </a:prstGeom>
+        </p:spPr>
+        <p:txBody>
+          <a:bodyPr spcFirstLastPara="1" wrap="square" lIns="91425" tIns="91425" rIns="91425" bIns="91425" anchor="t" anchorCtr="0">
+            <a:noAutofit/>
+          </a:bodyPr>
+          <a:lstStyle/>
+          <a:p>
+            <a:pPr marL="0" lvl="0" indent="0" algn="l" rtl="0">
+              <a:spcBef>
+                <a:spcPts val="0"/>
+              </a:spcBef>
+              <a:spcAft>
+                <a:spcPts val="0"/>
+              </a:spcAft>
+              <a:buNone/>
+            </a:pPr>
+            <a:r>
+              <a:rPr lang="en" sz="2000" b="1">
+                <a:latin typeface="Open Sans"/>
+                <a:ea typeface="Open Sans"/>
+                <a:cs typeface="Open Sans"/>
+                <a:sym typeface="Open Sans"/>
+              </a:rPr>
+              <a:t>Implement user security on the restricted salary attribute.</a:t>
+            </a:r>
+            <a:endParaRPr sz="2000" b="1">
+              <a:latin typeface="Open Sans"/>
+              <a:ea typeface="Open Sans"/>
+              <a:cs typeface="Open Sans"/>
+              <a:sym typeface="Open Sans"/>
+            </a:endParaRPr>
+          </a:p>
+          <a:p>
+            <a:pPr marL="0" lvl="0" indent="0" algn="l" rtl="0">
+              <a:spcBef>
+                <a:spcPts val="1600"/>
+              </a:spcBef>
+              <a:spcAft>
+                <a:spcPts val="0"/>
+              </a:spcAft>
+              <a:buNone/>
+            </a:pPr>
+            <a:r>
+              <a:rPr lang="en" sz="1900">
+                <a:solidFill>
+                  <a:srgbClr val="FF0000"/>
+                </a:solidFill>
+              </a:rPr>
+              <a:t>Create a non-management user named </a:t>
+            </a:r>
+            <a:r>
+              <a:rPr lang="en" sz="1900">
+                <a:solidFill>
+                  <a:srgbClr val="FF0000"/>
+                </a:solidFill>
+                <a:latin typeface="Source Code Pro"/>
+                <a:ea typeface="Source Code Pro"/>
+                <a:cs typeface="Source Code Pro"/>
+                <a:sym typeface="Source Code Pro"/>
+              </a:rPr>
+              <a:t>NoMgr</a:t>
+            </a:r>
+            <a:r>
+              <a:rPr lang="en" sz="1900">
+                <a:solidFill>
+                  <a:srgbClr val="FF0000"/>
+                </a:solidFill>
+                <a:latin typeface="Open Sans"/>
+                <a:ea typeface="Open Sans"/>
+                <a:cs typeface="Open Sans"/>
+                <a:sym typeface="Open Sans"/>
+              </a:rPr>
+              <a:t>.</a:t>
+            </a:r>
+            <a:r>
+              <a:rPr lang="en" sz="1900">
+                <a:solidFill>
+                  <a:srgbClr val="FF0000"/>
+                </a:solidFill>
+              </a:rPr>
+              <a:t> Show the code of how your would grant access to the database, but revoke access to the salary data.</a:t>
+            </a:r>
+            <a:endParaRPr sz="1900">
+              <a:solidFill>
+                <a:srgbClr val="FF0000"/>
+              </a:solidFill>
+            </a:endParaRPr>
+          </a:p>
+          <a:p>
+            <a:pPr marL="0" lvl="0" indent="0" algn="l" rtl="0">
+              <a:spcBef>
+                <a:spcPts val="1600"/>
+              </a:spcBef>
+              <a:spcAft>
+                <a:spcPts val="0"/>
+              </a:spcAft>
+              <a:buNone/>
+            </a:pPr>
+            <a:r>
+              <a:rPr lang="en" sz="1900">
+                <a:solidFill>
+                  <a:srgbClr val="FF0000"/>
+                </a:solidFill>
+              </a:rPr>
+              <a:t>Submit screenshot of code</a:t>
+            </a:r>
+            <a:endParaRPr sz="1900">
+              <a:solidFill>
+                <a:srgbClr val="FF0000"/>
+              </a:solidFill>
+            </a:endParaRPr>
+          </a:p>
+          <a:p>
+            <a:pPr marL="457200" lvl="0" indent="0" algn="l" rtl="0">
+              <a:spcBef>
+                <a:spcPts val="1600"/>
+              </a:spcBef>
+              <a:spcAft>
+                <a:spcPts val="1600"/>
+              </a:spcAft>
+              <a:buNone/>
+            </a:pPr>
+            <a:endParaRPr sz="1900"/>
+          </a:p>
+        </p:txBody>
+      </p:sp>
+    </p:spTree>
+  </p:cSld>
+  <p:clrMapOvr>
+    <a:masterClrMapping/>
+  </p:clrMapOvr>
+</p:sld>
+</file>
+
+<file path=ppt/slides/slide31.xml><?xml version="1.0" encoding="utf-8"?>
+<p:sld xmlns:a="http://schemas.openxmlformats.org/drawingml/2006/main" xmlns:r="http://schemas.openxmlformats.org/officeDocument/2006/relationships" xmlns:p="http://schemas.openxmlformats.org/presentationml/2006/main">
+  <p:cSld>
     <p:bg>
       <p:bgPr>
         <a:solidFill>
@@ -37388,7 +37814,7 @@
 </p:sld>
 </file>
 
-<file path=ppt/slides/slide31.xml><?xml version="1.0" encoding="utf-8"?>
+<file path=ppt/slides/slide32.xml><?xml version="1.0" encoding="utf-8"?>
 <p:sld xmlns:a="http://schemas.openxmlformats.org/drawingml/2006/main" xmlns:r="http://schemas.openxmlformats.org/officeDocument/2006/relationships" xmlns:p="http://schemas.openxmlformats.org/presentationml/2006/main">
   <p:cSld>
     <p:spTree>
@@ -37620,7 +38046,7 @@
               <a:buChar char="●"/>
             </a:pPr>
             <a:r>
-              <a:rPr lang="en" sz="1900" b="1" dirty="0">
+              <a:rPr lang="en" sz="1800" b="1" dirty="0">
                 <a:latin typeface="Open Sans"/>
                 <a:ea typeface="Open Sans"/>
                 <a:cs typeface="Open Sans"/>
@@ -37628,7 +38054,7 @@
               </a:rPr>
               <a:t>Purpose of the new database:</a:t>
             </a:r>
-            <a:endParaRPr sz="1900" b="1" dirty="0">
+            <a:endParaRPr sz="1800" b="1" dirty="0">
               <a:latin typeface="Open Sans"/>
               <a:ea typeface="Open Sans"/>
               <a:cs typeface="Open Sans"/>
@@ -37654,30 +38080,19 @@
               <a:buNone/>
             </a:pPr>
             <a:r>
-              <a:rPr lang="en" sz="1700" dirty="0"/>
+              <a:rPr lang="en" sz="1600" dirty="0"/>
               <a:t>What is the business partner requesting  </a:t>
             </a:r>
-            <a:endParaRPr sz="1700" dirty="0"/>
-          </a:p>
-          <a:p>
-            <a:pPr marL="457200" lvl="0" indent="0" algn="l" rtl="0">
-              <a:lnSpc>
-                <a:spcPct val="100000"/>
-              </a:lnSpc>
-              <a:spcBef>
-                <a:spcPts val="0"/>
-              </a:spcBef>
-              <a:spcAft>
-                <a:spcPts val="0"/>
-              </a:spcAft>
-              <a:buClr>
-                <a:schemeClr val="dk1"/>
-              </a:buClr>
-              <a:buSzPts val="1100"/>
-              <a:buFont typeface="Arial"/>
-              <a:buNone/>
+          </a:p>
+          <a:p>
+            <a:pPr marL="742950" lvl="1" indent="-285750">
+              <a:buFont typeface="Wingdings" pitchFamily="2" charset="2"/>
+              <a:buChar char="§"/>
             </a:pPr>
-            <a:endParaRPr sz="1700" dirty="0"/>
+            <a:r>
+              <a:rPr lang="en-US" sz="1600" dirty="0"/>
+              <a:t>Tech ABC Corp has recently experienced a lot of growth with its new AI powered video game console. As a result, company started operations in 4 new locations and its employee strength grew from 10 to over 200 employees. So, it is getting difficult for business partner (HR) to maintain employee information in shared spreadsheet. Besides this, HR partner has serious concerns  about data integrity and data security. Therefore, HR partner wants to maintain this information in database.</a:t>
+            </a:r>
           </a:p>
           <a:p>
             <a:pPr marL="457200" lvl="0" indent="-349250" algn="l" rtl="0">
@@ -37692,7 +38107,7 @@
               <a:buChar char="●"/>
             </a:pPr>
             <a:r>
-              <a:rPr lang="en" sz="1900" b="1" dirty="0">
+              <a:rPr lang="en" sz="1800" b="1" dirty="0">
                 <a:latin typeface="Open Sans"/>
                 <a:ea typeface="Open Sans"/>
                 <a:cs typeface="Open Sans"/>
@@ -37700,7 +38115,7 @@
               </a:rPr>
               <a:t>Describe current data management solution:</a:t>
             </a:r>
-            <a:endParaRPr sz="1900" b="1" dirty="0">
+            <a:endParaRPr sz="1800" b="1" dirty="0">
               <a:solidFill>
                 <a:srgbClr val="000000"/>
               </a:solidFill>
@@ -37721,10 +38136,10 @@
               <a:buNone/>
             </a:pPr>
             <a:r>
-              <a:rPr lang="en" sz="1700" dirty="0"/>
+              <a:rPr lang="en" sz="1600" dirty="0"/>
               <a:t>What is the current method data storage/management</a:t>
             </a:r>
-            <a:endParaRPr sz="1900" dirty="0">
+            <a:endParaRPr sz="1800" dirty="0">
               <a:solidFill>
                 <a:srgbClr val="000000"/>
               </a:solidFill>
@@ -37735,39 +38150,29 @@
             </a:endParaRPr>
           </a:p>
           <a:p>
-            <a:pPr marL="457200" lvl="0" indent="0" algn="l" rtl="0">
+            <a:pPr marL="742950" indent="-285750">
               <a:spcBef>
                 <a:spcPts val="1200"/>
               </a:spcBef>
-              <a:spcAft>
-                <a:spcPts val="0"/>
-              </a:spcAft>
-              <a:buNone/>
+              <a:buFont typeface="Wingdings" pitchFamily="2" charset="2"/>
+              <a:buChar char="§"/>
             </a:pPr>
-            <a:endParaRPr sz="1100" dirty="0">
-              <a:solidFill>
-                <a:srgbClr val="000000"/>
-              </a:solidFill>
-              <a:latin typeface="Arial"/>
-              <a:ea typeface="Arial"/>
-              <a:cs typeface="Arial"/>
-              <a:sym typeface="Arial"/>
-            </a:endParaRPr>
-          </a:p>
-          <a:p>
-            <a:pPr marL="457200" lvl="0" indent="-349250" algn="l" rtl="0">
+            <a:r>
+              <a:rPr lang="en-US" sz="1600" dirty="0"/>
+              <a:t>The current data management solution is manual as employee data is maintained in excel spreadsheet on shared location. </a:t>
+            </a:r>
+          </a:p>
+          <a:p>
+            <a:pPr lvl="0" indent="-349250">
               <a:spcBef>
                 <a:spcPts val="1200"/>
               </a:spcBef>
-              <a:spcAft>
-                <a:spcPts val="0"/>
-              </a:spcAft>
               <a:buSzPts val="1900"/>
               <a:buFont typeface="Open Sans"/>
               <a:buChar char="●"/>
             </a:pPr>
             <a:r>
-              <a:rPr lang="en" sz="1900" b="1" dirty="0">
+              <a:rPr lang="en-US" sz="1800" b="1" dirty="0">
                 <a:latin typeface="Open Sans"/>
                 <a:ea typeface="Open Sans"/>
                 <a:cs typeface="Open Sans"/>
@@ -37775,25 +38180,16 @@
               </a:rPr>
               <a:t>Describe current data available:</a:t>
             </a:r>
-            <a:endParaRPr sz="1900" b="1" dirty="0">
-              <a:latin typeface="Open Sans"/>
-              <a:ea typeface="Open Sans"/>
-              <a:cs typeface="Open Sans"/>
-              <a:sym typeface="Open Sans"/>
-            </a:endParaRPr>
-          </a:p>
-          <a:p>
-            <a:pPr marL="0" lvl="0" indent="0" algn="l" rtl="0">
+          </a:p>
+          <a:p>
+            <a:pPr marL="0" lvl="0" indent="0">
               <a:spcBef>
                 <a:spcPts val="1600"/>
               </a:spcBef>
-              <a:spcAft>
-                <a:spcPts val="0"/>
-              </a:spcAft>
               <a:buNone/>
             </a:pPr>
             <a:r>
-              <a:rPr lang="en" sz="1900" b="1" dirty="0">
+              <a:rPr lang="en-US" sz="1800" b="1" dirty="0">
                 <a:latin typeface="Open Sans"/>
                 <a:ea typeface="Open Sans"/>
                 <a:cs typeface="Open Sans"/>
@@ -37802,11 +38198,166 @@
               <a:t>	</a:t>
             </a:r>
             <a:r>
-              <a:rPr lang="en" sz="1900" dirty="0"/>
+              <a:rPr lang="en-US" sz="1800" dirty="0"/>
               <a:t>What data does the business currently have available</a:t>
             </a:r>
+          </a:p>
+          <a:p>
+            <a:pPr marL="742950" lvl="1" indent="-285750">
+              <a:buFont typeface="Wingdings" pitchFamily="2" charset="2"/>
+              <a:buChar char="§"/>
+            </a:pPr>
+            <a:r>
+              <a:rPr lang="en-US" sz="1600" dirty="0"/>
+              <a:t>The </a:t>
+            </a:r>
+            <a:r>
+              <a:rPr lang="en-US" sz="1600" dirty="0">
+                <a:hlinkClick r:id="rId3">
+                  <a:extLst>
+                    <a:ext uri="{A12FA001-AC4F-418D-AE19-62706E023703}">
+                      <ahyp:hlinkClr xmlns:ahyp="http://schemas.microsoft.com/office/drawing/2018/hyperlinkcolor" val="tx"/>
+                    </a:ext>
+                  </a:extLst>
+                </a:hlinkClick>
+              </a:rPr>
+              <a:t>HR dataset</a:t>
+            </a:r>
+            <a:r>
+              <a:rPr lang="en-US" sz="1600" dirty="0"/>
+              <a:t>  is an Excel workbook consisting of 206 records, with eleven columns. The data is in human-readable format and has not been normalized at all. It contains information such as job title, department, manager's name, hire date, start date, end date, work location, and salary.</a:t>
+            </a:r>
+            <a:endParaRPr sz="1600" dirty="0">
+              <a:sym typeface="Arial"/>
+            </a:endParaRPr>
+          </a:p>
+          <a:p>
+            <a:pPr marL="457200" lvl="0" indent="0" algn="l" rtl="0">
+              <a:spcBef>
+                <a:spcPts val="0"/>
+              </a:spcBef>
+              <a:spcAft>
+                <a:spcPts val="0"/>
+              </a:spcAft>
+              <a:buClr>
+                <a:schemeClr val="dk1"/>
+              </a:buClr>
+              <a:buSzPts val="1100"/>
+              <a:buFont typeface="Arial"/>
+              <a:buNone/>
+            </a:pPr>
             <a:endParaRPr sz="1900" dirty="0"/>
           </a:p>
+          <a:p>
+            <a:pPr marL="457200" lvl="0" indent="0" algn="l" rtl="0">
+              <a:spcBef>
+                <a:spcPts val="1600"/>
+              </a:spcBef>
+              <a:spcAft>
+                <a:spcPts val="1600"/>
+              </a:spcAft>
+              <a:buNone/>
+            </a:pPr>
+            <a:endParaRPr sz="1900" dirty="0"/>
+          </a:p>
+        </p:txBody>
+      </p:sp>
+    </p:spTree>
+    <p:extLst>
+      <p:ext uri="{BB962C8B-B14F-4D97-AF65-F5344CB8AC3E}">
+        <p14:creationId xmlns:p14="http://schemas.microsoft.com/office/powerpoint/2010/main" val="3798810066"/>
+      </p:ext>
+    </p:extLst>
+  </p:cSld>
+  <p:clrMapOvr>
+    <a:masterClrMapping/>
+  </p:clrMapOvr>
+</p:sld>
+</file>
+
+<file path=ppt/slides/slide5.xml><?xml version="1.0" encoding="utf-8"?>
+<p:sld xmlns:a="http://schemas.openxmlformats.org/drawingml/2006/main" xmlns:r="http://schemas.openxmlformats.org/officeDocument/2006/relationships" xmlns:p="http://schemas.openxmlformats.org/presentationml/2006/main">
+  <p:cSld>
+    <p:spTree>
+      <p:nvGrpSpPr>
+        <p:cNvPr id="1" name="Shape 211"/>
+        <p:cNvGrpSpPr/>
+        <p:nvPr/>
+      </p:nvGrpSpPr>
+      <p:grpSpPr>
+        <a:xfrm>
+          <a:off x="0" y="0"/>
+          <a:ext cx="0" cy="0"/>
+          <a:chOff x="0" y="0"/>
+          <a:chExt cx="0" cy="0"/>
+        </a:xfrm>
+      </p:grpSpPr>
+      <p:sp>
+        <p:nvSpPr>
+          <p:cNvPr id="212" name="Google Shape;212;p56"/>
+          <p:cNvSpPr txBox="1">
+            <a:spLocks noGrp="1"/>
+          </p:cNvSpPr>
+          <p:nvPr>
+            <p:ph type="title"/>
+          </p:nvPr>
+        </p:nvSpPr>
+        <p:spPr>
+          <a:xfrm>
+            <a:off x="264945" y="870271"/>
+            <a:ext cx="7242600" cy="1119900"/>
+          </a:xfrm>
+          <a:prstGeom prst="rect">
+            <a:avLst/>
+          </a:prstGeom>
+        </p:spPr>
+        <p:txBody>
+          <a:bodyPr spcFirstLastPara="1" wrap="square" lIns="91425" tIns="91425" rIns="91425" bIns="91425" anchor="ctr" anchorCtr="0">
+            <a:noAutofit/>
+          </a:bodyPr>
+          <a:lstStyle/>
+          <a:p>
+            <a:pPr marL="0" lvl="0" indent="0" algn="l" rtl="0">
+              <a:spcBef>
+                <a:spcPts val="0"/>
+              </a:spcBef>
+              <a:spcAft>
+                <a:spcPts val="0"/>
+              </a:spcAft>
+              <a:buNone/>
+            </a:pPr>
+            <a:r>
+              <a:rPr lang="en"/>
+              <a:t>Data Architect Business Requirement</a:t>
+            </a:r>
+            <a:endParaRPr/>
+          </a:p>
+        </p:txBody>
+      </p:sp>
+      <p:sp>
+        <p:nvSpPr>
+          <p:cNvPr id="213" name="Google Shape;213;p56"/>
+          <p:cNvSpPr txBox="1">
+            <a:spLocks noGrp="1"/>
+          </p:cNvSpPr>
+          <p:nvPr>
+            <p:ph type="body" idx="1"/>
+          </p:nvPr>
+        </p:nvSpPr>
+        <p:spPr>
+          <a:xfrm>
+            <a:off x="264950" y="2253724"/>
+            <a:ext cx="7242600" cy="7731900"/>
+          </a:xfrm>
+          <a:prstGeom prst="rect">
+            <a:avLst/>
+          </a:prstGeom>
+        </p:spPr>
+        <p:txBody>
+          <a:bodyPr spcFirstLastPara="1" wrap="square" lIns="91425" tIns="91425" rIns="91425" bIns="91425" anchor="t" anchorCtr="0">
+            <a:noAutofit/>
+          </a:bodyPr>
+          <a:lstStyle/>
           <a:p>
             <a:pPr marL="457200" lvl="0" indent="-349250" algn="l" rtl="0">
               <a:spcBef>
@@ -37820,7 +38371,7 @@
               <a:buChar char="●"/>
             </a:pPr>
             <a:r>
-              <a:rPr lang="en" sz="1900" b="1" dirty="0">
+              <a:rPr lang="en" sz="1800" b="1" dirty="0">
                 <a:latin typeface="Open Sans"/>
                 <a:ea typeface="Open Sans"/>
                 <a:cs typeface="Open Sans"/>
@@ -37828,7 +38379,7 @@
               </a:rPr>
               <a:t>Additional data requests:</a:t>
             </a:r>
-            <a:endParaRPr sz="1900" b="1" dirty="0">
+            <a:endParaRPr sz="1800" b="1" dirty="0">
               <a:latin typeface="Open Sans"/>
               <a:ea typeface="Open Sans"/>
               <a:cs typeface="Open Sans"/>
@@ -37849,27 +38400,24 @@
               <a:buNone/>
             </a:pPr>
             <a:r>
-              <a:rPr lang="en" sz="1700" dirty="0"/>
+              <a:rPr lang="en" sz="1600" dirty="0"/>
               <a:t>Does the user have future data requests</a:t>
             </a:r>
-            <a:endParaRPr sz="1900" dirty="0"/>
-          </a:p>
-          <a:p>
-            <a:pPr marL="457200" lvl="0" indent="0" algn="l" rtl="0">
-              <a:spcBef>
-                <a:spcPts val="0"/>
-              </a:spcBef>
-              <a:spcAft>
-                <a:spcPts val="0"/>
-              </a:spcAft>
+            <a:endParaRPr sz="1800" dirty="0"/>
+          </a:p>
+          <a:p>
+            <a:pPr indent="0">
               <a:buClr>
                 <a:schemeClr val="dk1"/>
               </a:buClr>
               <a:buSzPts val="1100"/>
-              <a:buFont typeface="Arial"/>
               <a:buNone/>
             </a:pPr>
-            <a:endParaRPr sz="1900" dirty="0"/>
+            <a:r>
+              <a:rPr lang="en-US" sz="1600" dirty="0"/>
+              <a:t>Yes. The HR manager wants this new database to interface with payroll application in the future. </a:t>
+            </a:r>
+            <a:endParaRPr sz="1800" dirty="0"/>
           </a:p>
           <a:p>
             <a:pPr marL="457200" lvl="0" indent="-349250" algn="l" rtl="0">
@@ -37884,7 +38432,7 @@
               <a:buChar char="●"/>
             </a:pPr>
             <a:r>
-              <a:rPr lang="en" sz="1900" b="1" dirty="0">
+              <a:rPr lang="en" sz="1800" b="1" dirty="0">
                 <a:latin typeface="Open Sans"/>
                 <a:ea typeface="Open Sans"/>
                 <a:cs typeface="Open Sans"/>
@@ -37892,7 +38440,7 @@
               </a:rPr>
               <a:t>Who will own/manage data</a:t>
             </a:r>
-            <a:endParaRPr sz="1900" b="1" dirty="0">
+            <a:endParaRPr sz="1800" b="1" dirty="0">
               <a:latin typeface="Open Sans"/>
               <a:ea typeface="Open Sans"/>
               <a:cs typeface="Open Sans"/>
@@ -37913,10 +38461,22 @@
               <a:buNone/>
             </a:pPr>
             <a:r>
-              <a:rPr lang="en" sz="1700" dirty="0"/>
+              <a:rPr lang="en" sz="1600" dirty="0"/>
               <a:t>What department will own / manage the data in the database</a:t>
             </a:r>
-            <a:endParaRPr sz="1900" dirty="0"/>
+            <a:endParaRPr sz="1800" dirty="0"/>
+          </a:p>
+          <a:p>
+            <a:pPr indent="0">
+              <a:lnSpc>
+                <a:spcPct val="100000"/>
+              </a:lnSpc>
+              <a:buNone/>
+            </a:pPr>
+            <a:r>
+              <a:rPr lang="en-US" sz="1600" dirty="0"/>
+              <a:t>Management and HR employees will own and manage data. </a:t>
+            </a:r>
           </a:p>
           <a:p>
             <a:pPr marL="457200" lvl="0" indent="0" algn="l" rtl="0">
@@ -37931,7 +38491,7 @@
               </a:spcAft>
               <a:buNone/>
             </a:pPr>
-            <a:endParaRPr sz="1900" dirty="0"/>
+            <a:endParaRPr sz="1800" dirty="0"/>
           </a:p>
           <a:p>
             <a:pPr marL="457200" lvl="0" indent="-349250" algn="l" rtl="0">
@@ -37946,7 +38506,7 @@
               <a:buChar char="●"/>
             </a:pPr>
             <a:r>
-              <a:rPr lang="en" sz="1900" b="1" dirty="0">
+              <a:rPr lang="en" sz="1800" b="1" dirty="0">
                 <a:latin typeface="Open Sans"/>
                 <a:ea typeface="Open Sans"/>
                 <a:cs typeface="Open Sans"/>
@@ -37954,7 +38514,7 @@
               </a:rPr>
               <a:t>Who will have access to database</a:t>
             </a:r>
-            <a:endParaRPr sz="1900" b="1" dirty="0">
+            <a:endParaRPr sz="1800" b="1" dirty="0">
               <a:latin typeface="Open Sans"/>
               <a:ea typeface="Open Sans"/>
               <a:cs typeface="Open Sans"/>
@@ -37975,10 +38535,23 @@
               <a:buNone/>
             </a:pPr>
             <a:r>
-              <a:rPr lang="en" sz="1700" dirty="0"/>
+              <a:rPr lang="en" sz="1600" dirty="0"/>
               <a:t>List user types that will have access; also list any restrictions to access.</a:t>
             </a:r>
-            <a:endParaRPr sz="1900" dirty="0"/>
+            <a:endParaRPr sz="1800" dirty="0"/>
+          </a:p>
+          <a:p>
+            <a:pPr indent="0">
+              <a:buClr>
+                <a:schemeClr val="dk1"/>
+              </a:buClr>
+              <a:buSzPts val="1100"/>
+              <a:buNone/>
+            </a:pPr>
+            <a:r>
+              <a:rPr lang="en-US" sz="1600" dirty="0"/>
+              <a:t>Following are the two user types who will have access to this new database </a:t>
+            </a:r>
           </a:p>
           <a:p>
             <a:pPr marL="457200" lvl="0" indent="0" algn="l" rtl="0">
@@ -38011,6 +38584,595 @@
           </a:p>
         </p:txBody>
       </p:sp>
+      <p:graphicFrame>
+        <p:nvGraphicFramePr>
+          <p:cNvPr id="5" name="Table 4">
+            <a:extLst>
+              <a:ext uri="{FF2B5EF4-FFF2-40B4-BE49-F238E27FC236}">
+                <a16:creationId xmlns:a16="http://schemas.microsoft.com/office/drawing/2014/main" id="{6E64342E-B3B2-CF46-AFA8-9A8EDB718277}"/>
+              </a:ext>
+            </a:extLst>
+          </p:cNvPr>
+          <p:cNvGraphicFramePr>
+            <a:graphicFrameLocks noGrp="1"/>
+          </p:cNvGraphicFramePr>
+          <p:nvPr>
+            <p:extLst>
+              <p:ext uri="{D42A27DB-BD31-4B8C-83A1-F6EECF244321}">
+                <p14:modId xmlns:p14="http://schemas.microsoft.com/office/powerpoint/2010/main" val="1518919574"/>
+              </p:ext>
+            </p:extLst>
+          </p:nvPr>
+        </p:nvGraphicFramePr>
+        <p:xfrm>
+          <a:off x="752475" y="6845300"/>
+          <a:ext cx="5937250" cy="2170747"/>
+        </p:xfrm>
+        <a:graphic>
+          <a:graphicData uri="http://schemas.openxmlformats.org/drawingml/2006/table">
+            <a:tbl>
+              <a:tblPr firstRow="1" firstCol="1" bandRow="1">
+                <a:tableStyleId>{9D7B26C5-4107-4FEC-AEDC-1716B250A1EF}</a:tableStyleId>
+              </a:tblPr>
+              <a:tblGrid>
+                <a:gridCol w="2968625">
+                  <a:extLst>
+                    <a:ext uri="{9D8B030D-6E8A-4147-A177-3AD203B41FA5}">
+                      <a16:colId xmlns:a16="http://schemas.microsoft.com/office/drawing/2014/main" val="4273966921"/>
+                    </a:ext>
+                  </a:extLst>
+                </a:gridCol>
+                <a:gridCol w="2968625">
+                  <a:extLst>
+                    <a:ext uri="{9D8B030D-6E8A-4147-A177-3AD203B41FA5}">
+                      <a16:colId xmlns:a16="http://schemas.microsoft.com/office/drawing/2014/main" val="3288209409"/>
+                    </a:ext>
+                  </a:extLst>
+                </a:gridCol>
+              </a:tblGrid>
+              <a:tr h="271343">
+                <a:tc>
+                  <a:txBody>
+                    <a:bodyPr/>
+                    <a:lstStyle/>
+                    <a:p>
+                      <a:pPr marL="0" marR="0">
+                        <a:spcBef>
+                          <a:spcPts val="0"/>
+                        </a:spcBef>
+                        <a:spcAft>
+                          <a:spcPts val="0"/>
+                        </a:spcAft>
+                      </a:pPr>
+                      <a:r>
+                        <a:rPr lang="en-US" sz="1600" dirty="0">
+                          <a:effectLst/>
+                        </a:rPr>
+                        <a:t>User Types</a:t>
+                      </a:r>
+                      <a:endParaRPr lang="en-US" sz="1600" dirty="0">
+                        <a:effectLst/>
+                        <a:latin typeface="Times New Roman" panose="02020603050405020304" pitchFamily="18" charset="0"/>
+                        <a:ea typeface="Times New Roman" panose="02020603050405020304" pitchFamily="18" charset="0"/>
+                        <a:cs typeface="Times New Roman" panose="02020603050405020304" pitchFamily="18" charset="0"/>
+                      </a:endParaRPr>
+                    </a:p>
+                  </a:txBody>
+                  <a:tcPr marL="68580" marR="68580" marT="0" marB="0">
+                    <a:lnL w="3175" cap="flat" cmpd="sng" algn="ctr">
+                      <a:solidFill>
+                        <a:schemeClr val="tx1"/>
+                      </a:solidFill>
+                      <a:prstDash val="solid"/>
+                      <a:round/>
+                      <a:headEnd type="none" w="med" len="med"/>
+                      <a:tailEnd type="none" w="med" len="med"/>
+                    </a:lnL>
+                    <a:lnR w="3175" cap="flat" cmpd="sng" algn="ctr">
+                      <a:solidFill>
+                        <a:schemeClr val="tx1"/>
+                      </a:solidFill>
+                      <a:prstDash val="solid"/>
+                      <a:round/>
+                      <a:headEnd type="none" w="med" len="med"/>
+                      <a:tailEnd type="none" w="med" len="med"/>
+                    </a:lnR>
+                    <a:lnT w="3175" cap="flat" cmpd="sng" algn="ctr">
+                      <a:solidFill>
+                        <a:schemeClr val="tx1"/>
+                      </a:solidFill>
+                      <a:prstDash val="solid"/>
+                      <a:round/>
+                      <a:headEnd type="none" w="med" len="med"/>
+                      <a:tailEnd type="none" w="med" len="med"/>
+                    </a:lnT>
+                    <a:lnB w="3175" cap="flat" cmpd="sng" algn="ctr">
+                      <a:solidFill>
+                        <a:schemeClr val="tx1"/>
+                      </a:solidFill>
+                      <a:prstDash val="solid"/>
+                      <a:round/>
+                      <a:headEnd type="none" w="med" len="med"/>
+                      <a:tailEnd type="none" w="med" len="med"/>
+                    </a:lnB>
+                    <a:noFill/>
+                  </a:tcPr>
+                </a:tc>
+                <a:tc>
+                  <a:txBody>
+                    <a:bodyPr/>
+                    <a:lstStyle/>
+                    <a:p>
+                      <a:pPr marL="0" marR="0">
+                        <a:spcBef>
+                          <a:spcPts val="0"/>
+                        </a:spcBef>
+                        <a:spcAft>
+                          <a:spcPts val="0"/>
+                        </a:spcAft>
+                      </a:pPr>
+                      <a:r>
+                        <a:rPr lang="en-US" sz="1600" dirty="0">
+                          <a:effectLst/>
+                        </a:rPr>
+                        <a:t>Access Level &amp; Restrictions</a:t>
+                      </a:r>
+                      <a:endParaRPr lang="en-US" sz="1600" dirty="0">
+                        <a:effectLst/>
+                        <a:latin typeface="Times New Roman" panose="02020603050405020304" pitchFamily="18" charset="0"/>
+                        <a:ea typeface="Times New Roman" panose="02020603050405020304" pitchFamily="18" charset="0"/>
+                        <a:cs typeface="Times New Roman" panose="02020603050405020304" pitchFamily="18" charset="0"/>
+                      </a:endParaRPr>
+                    </a:p>
+                  </a:txBody>
+                  <a:tcPr marL="68580" marR="68580" marT="0" marB="0">
+                    <a:lnL w="3175" cap="flat" cmpd="sng" algn="ctr">
+                      <a:solidFill>
+                        <a:schemeClr val="tx1"/>
+                      </a:solidFill>
+                      <a:prstDash val="solid"/>
+                      <a:round/>
+                      <a:headEnd type="none" w="med" len="med"/>
+                      <a:tailEnd type="none" w="med" len="med"/>
+                    </a:lnL>
+                    <a:lnR w="3175" cap="flat" cmpd="sng" algn="ctr">
+                      <a:solidFill>
+                        <a:schemeClr val="tx1"/>
+                      </a:solidFill>
+                      <a:prstDash val="solid"/>
+                      <a:round/>
+                      <a:headEnd type="none" w="med" len="med"/>
+                      <a:tailEnd type="none" w="med" len="med"/>
+                    </a:lnR>
+                    <a:lnT w="3175" cap="flat" cmpd="sng" algn="ctr">
+                      <a:solidFill>
+                        <a:schemeClr val="tx1"/>
+                      </a:solidFill>
+                      <a:prstDash val="solid"/>
+                      <a:round/>
+                      <a:headEnd type="none" w="med" len="med"/>
+                      <a:tailEnd type="none" w="med" len="med"/>
+                    </a:lnT>
+                    <a:lnB w="3175" cap="flat" cmpd="sng" algn="ctr">
+                      <a:solidFill>
+                        <a:schemeClr val="tx1"/>
+                      </a:solidFill>
+                      <a:prstDash val="solid"/>
+                      <a:round/>
+                      <a:headEnd type="none" w="med" len="med"/>
+                      <a:tailEnd type="none" w="med" len="med"/>
+                    </a:lnB>
+                    <a:noFill/>
+                  </a:tcPr>
+                </a:tc>
+                <a:extLst>
+                  <a:ext uri="{0D108BD9-81ED-4DB2-BD59-A6C34878D82A}">
+                    <a16:rowId xmlns:a16="http://schemas.microsoft.com/office/drawing/2014/main" val="1787259444"/>
+                  </a:ext>
+                </a:extLst>
+              </a:tr>
+              <a:tr h="1085374">
+                <a:tc>
+                  <a:txBody>
+                    <a:bodyPr/>
+                    <a:lstStyle/>
+                    <a:p>
+                      <a:pPr marL="0" marR="0">
+                        <a:spcBef>
+                          <a:spcPts val="0"/>
+                        </a:spcBef>
+                        <a:spcAft>
+                          <a:spcPts val="0"/>
+                        </a:spcAft>
+                      </a:pPr>
+                      <a:r>
+                        <a:rPr lang="en-US" sz="1600" b="0" i="0" u="none" strike="noStrike" cap="none" dirty="0">
+                          <a:solidFill>
+                            <a:schemeClr val="dk2"/>
+                          </a:solidFill>
+                          <a:latin typeface="Open Sans Light"/>
+                          <a:cs typeface="Open Sans Light"/>
+                          <a:sym typeface="Open Sans Light"/>
+                        </a:rPr>
+                        <a:t>Employees</a:t>
+                      </a:r>
+                      <a:endParaRPr lang="en-US" sz="1600" b="0" i="0" u="none" strike="noStrike" cap="none" dirty="0">
+                        <a:solidFill>
+                          <a:schemeClr val="dk2"/>
+                        </a:solidFill>
+                        <a:latin typeface="Open Sans Light"/>
+                        <a:ea typeface="Times New Roman" panose="02020603050405020304" pitchFamily="18" charset="0"/>
+                        <a:cs typeface="Open Sans Light"/>
+                        <a:sym typeface="Open Sans Light"/>
+                      </a:endParaRPr>
+                    </a:p>
+                  </a:txBody>
+                  <a:tcPr marL="68580" marR="68580" marT="0" marB="0">
+                    <a:lnL w="3175" cap="flat" cmpd="sng" algn="ctr">
+                      <a:solidFill>
+                        <a:schemeClr val="tx1"/>
+                      </a:solidFill>
+                      <a:prstDash val="solid"/>
+                      <a:round/>
+                      <a:headEnd type="none" w="med" len="med"/>
+                      <a:tailEnd type="none" w="med" len="med"/>
+                    </a:lnL>
+                    <a:lnR w="3175" cap="flat" cmpd="sng" algn="ctr">
+                      <a:solidFill>
+                        <a:schemeClr val="tx1"/>
+                      </a:solidFill>
+                      <a:prstDash val="solid"/>
+                      <a:round/>
+                      <a:headEnd type="none" w="med" len="med"/>
+                      <a:tailEnd type="none" w="med" len="med"/>
+                    </a:lnR>
+                    <a:lnT w="3175" cap="flat" cmpd="sng" algn="ctr">
+                      <a:solidFill>
+                        <a:schemeClr val="tx1"/>
+                      </a:solidFill>
+                      <a:prstDash val="solid"/>
+                      <a:round/>
+                      <a:headEnd type="none" w="med" len="med"/>
+                      <a:tailEnd type="none" w="med" len="med"/>
+                    </a:lnT>
+                    <a:lnB w="3175" cap="flat" cmpd="sng" algn="ctr">
+                      <a:solidFill>
+                        <a:schemeClr val="tx1"/>
+                      </a:solidFill>
+                      <a:prstDash val="solid"/>
+                      <a:round/>
+                      <a:headEnd type="none" w="med" len="med"/>
+                      <a:tailEnd type="none" w="med" len="med"/>
+                    </a:lnB>
+                    <a:noFill/>
+                  </a:tcPr>
+                </a:tc>
+                <a:tc>
+                  <a:txBody>
+                    <a:bodyPr/>
+                    <a:lstStyle/>
+                    <a:p>
+                      <a:pPr marL="0" marR="0">
+                        <a:spcBef>
+                          <a:spcPts val="0"/>
+                        </a:spcBef>
+                        <a:spcAft>
+                          <a:spcPts val="0"/>
+                        </a:spcAft>
+                      </a:pPr>
+                      <a:r>
+                        <a:rPr lang="en-US" sz="1600" b="0" i="0" u="none" strike="noStrike" cap="none" dirty="0">
+                          <a:solidFill>
+                            <a:schemeClr val="dk2"/>
+                          </a:solidFill>
+                          <a:latin typeface="Open Sans Light"/>
+                          <a:cs typeface="Open Sans Light"/>
+                          <a:sym typeface="Open Sans Light"/>
+                        </a:rPr>
+                        <a:t>- Read only access</a:t>
+                      </a:r>
+                    </a:p>
+                    <a:p>
+                      <a:pPr marL="0" marR="0">
+                        <a:spcBef>
+                          <a:spcPts val="0"/>
+                        </a:spcBef>
+                        <a:spcAft>
+                          <a:spcPts val="0"/>
+                        </a:spcAft>
+                      </a:pPr>
+                      <a:r>
+                        <a:rPr lang="en-US" sz="1600" b="0" i="0" u="none" strike="noStrike" cap="none" dirty="0">
+                          <a:solidFill>
+                            <a:schemeClr val="dk2"/>
+                          </a:solidFill>
+                          <a:latin typeface="Open Sans Light"/>
+                          <a:cs typeface="Open Sans Light"/>
+                          <a:sym typeface="Open Sans Light"/>
+                        </a:rPr>
+                        <a:t>- No access to salary information</a:t>
+                      </a:r>
+                    </a:p>
+                    <a:p>
+                      <a:pPr marL="0" marR="0">
+                        <a:spcBef>
+                          <a:spcPts val="0"/>
+                        </a:spcBef>
+                        <a:spcAft>
+                          <a:spcPts val="0"/>
+                        </a:spcAft>
+                      </a:pPr>
+                      <a:r>
+                        <a:rPr lang="en-US" sz="1600" b="0" i="0" u="none" strike="noStrike" cap="none" dirty="0">
+                          <a:solidFill>
+                            <a:schemeClr val="dk2"/>
+                          </a:solidFill>
+                          <a:latin typeface="Open Sans Light"/>
+                          <a:cs typeface="Open Sans Light"/>
+                          <a:sym typeface="Open Sans Light"/>
+                        </a:rPr>
+                        <a:t> </a:t>
+                      </a:r>
+                      <a:endParaRPr lang="en-US" sz="1600" b="0" i="0" u="none" strike="noStrike" cap="none" dirty="0">
+                        <a:solidFill>
+                          <a:schemeClr val="dk2"/>
+                        </a:solidFill>
+                        <a:latin typeface="Open Sans Light"/>
+                        <a:ea typeface="Times New Roman" panose="02020603050405020304" pitchFamily="18" charset="0"/>
+                        <a:cs typeface="Open Sans Light"/>
+                        <a:sym typeface="Open Sans Light"/>
+                      </a:endParaRPr>
+                    </a:p>
+                  </a:txBody>
+                  <a:tcPr marL="68580" marR="68580" marT="0" marB="0">
+                    <a:lnL w="3175" cap="flat" cmpd="sng" algn="ctr">
+                      <a:solidFill>
+                        <a:schemeClr val="tx1"/>
+                      </a:solidFill>
+                      <a:prstDash val="solid"/>
+                      <a:round/>
+                      <a:headEnd type="none" w="med" len="med"/>
+                      <a:tailEnd type="none" w="med" len="med"/>
+                    </a:lnL>
+                    <a:lnR w="3175" cap="flat" cmpd="sng" algn="ctr">
+                      <a:solidFill>
+                        <a:schemeClr val="tx1"/>
+                      </a:solidFill>
+                      <a:prstDash val="solid"/>
+                      <a:round/>
+                      <a:headEnd type="none" w="med" len="med"/>
+                      <a:tailEnd type="none" w="med" len="med"/>
+                    </a:lnR>
+                    <a:lnT w="3175" cap="flat" cmpd="sng" algn="ctr">
+                      <a:solidFill>
+                        <a:schemeClr val="tx1"/>
+                      </a:solidFill>
+                      <a:prstDash val="solid"/>
+                      <a:round/>
+                      <a:headEnd type="none" w="med" len="med"/>
+                      <a:tailEnd type="none" w="med" len="med"/>
+                    </a:lnT>
+                    <a:lnB w="3175" cap="flat" cmpd="sng" algn="ctr">
+                      <a:solidFill>
+                        <a:schemeClr val="tx1"/>
+                      </a:solidFill>
+                      <a:prstDash val="solid"/>
+                      <a:round/>
+                      <a:headEnd type="none" w="med" len="med"/>
+                      <a:tailEnd type="none" w="med" len="med"/>
+                    </a:lnB>
+                    <a:noFill/>
+                  </a:tcPr>
+                </a:tc>
+                <a:extLst>
+                  <a:ext uri="{0D108BD9-81ED-4DB2-BD59-A6C34878D82A}">
+                    <a16:rowId xmlns:a16="http://schemas.microsoft.com/office/drawing/2014/main" val="2353780201"/>
+                  </a:ext>
+                </a:extLst>
+              </a:tr>
+              <a:tr h="814030">
+                <a:tc>
+                  <a:txBody>
+                    <a:bodyPr/>
+                    <a:lstStyle/>
+                    <a:p>
+                      <a:pPr marL="0" marR="0">
+                        <a:spcBef>
+                          <a:spcPts val="0"/>
+                        </a:spcBef>
+                        <a:spcAft>
+                          <a:spcPts val="0"/>
+                        </a:spcAft>
+                      </a:pPr>
+                      <a:r>
+                        <a:rPr lang="en-US" sz="1600" b="0" i="0" u="none" strike="noStrike" cap="none">
+                          <a:solidFill>
+                            <a:schemeClr val="dk2"/>
+                          </a:solidFill>
+                          <a:latin typeface="Open Sans Light"/>
+                          <a:cs typeface="Open Sans Light"/>
+                          <a:sym typeface="Open Sans Light"/>
+                        </a:rPr>
+                        <a:t>HR and management level Employees</a:t>
+                      </a:r>
+                    </a:p>
+                    <a:p>
+                      <a:pPr marL="0" marR="0">
+                        <a:spcBef>
+                          <a:spcPts val="0"/>
+                        </a:spcBef>
+                        <a:spcAft>
+                          <a:spcPts val="0"/>
+                        </a:spcAft>
+                      </a:pPr>
+                      <a:r>
+                        <a:rPr lang="en-US" sz="1600" b="0" i="0" u="none" strike="noStrike" cap="none">
+                          <a:solidFill>
+                            <a:schemeClr val="dk2"/>
+                          </a:solidFill>
+                          <a:latin typeface="Open Sans Light"/>
+                          <a:cs typeface="Open Sans Light"/>
+                          <a:sym typeface="Open Sans Light"/>
+                        </a:rPr>
+                        <a:t> </a:t>
+                      </a:r>
+                      <a:endParaRPr lang="en-US" sz="1600" b="0" i="0" u="none" strike="noStrike" cap="none">
+                        <a:solidFill>
+                          <a:schemeClr val="dk2"/>
+                        </a:solidFill>
+                        <a:latin typeface="Open Sans Light"/>
+                        <a:ea typeface="Times New Roman" panose="02020603050405020304" pitchFamily="18" charset="0"/>
+                        <a:cs typeface="Open Sans Light"/>
+                        <a:sym typeface="Open Sans Light"/>
+                      </a:endParaRPr>
+                    </a:p>
+                  </a:txBody>
+                  <a:tcPr marL="68580" marR="68580" marT="0" marB="0">
+                    <a:lnL w="3175" cap="flat" cmpd="sng" algn="ctr">
+                      <a:solidFill>
+                        <a:schemeClr val="tx1"/>
+                      </a:solidFill>
+                      <a:prstDash val="solid"/>
+                      <a:round/>
+                      <a:headEnd type="none" w="med" len="med"/>
+                      <a:tailEnd type="none" w="med" len="med"/>
+                    </a:lnL>
+                    <a:lnR w="3175" cap="flat" cmpd="sng" algn="ctr">
+                      <a:solidFill>
+                        <a:schemeClr val="tx1"/>
+                      </a:solidFill>
+                      <a:prstDash val="solid"/>
+                      <a:round/>
+                      <a:headEnd type="none" w="med" len="med"/>
+                      <a:tailEnd type="none" w="med" len="med"/>
+                    </a:lnR>
+                    <a:lnT w="3175" cap="flat" cmpd="sng" algn="ctr">
+                      <a:solidFill>
+                        <a:schemeClr val="tx1"/>
+                      </a:solidFill>
+                      <a:prstDash val="solid"/>
+                      <a:round/>
+                      <a:headEnd type="none" w="med" len="med"/>
+                      <a:tailEnd type="none" w="med" len="med"/>
+                    </a:lnT>
+                    <a:lnB w="3175" cap="flat" cmpd="sng" algn="ctr">
+                      <a:solidFill>
+                        <a:schemeClr val="tx1"/>
+                      </a:solidFill>
+                      <a:prstDash val="solid"/>
+                      <a:round/>
+                      <a:headEnd type="none" w="med" len="med"/>
+                      <a:tailEnd type="none" w="med" len="med"/>
+                    </a:lnB>
+                    <a:noFill/>
+                  </a:tcPr>
+                </a:tc>
+                <a:tc>
+                  <a:txBody>
+                    <a:bodyPr/>
+                    <a:lstStyle/>
+                    <a:p>
+                      <a:pPr marL="0" marR="0">
+                        <a:spcBef>
+                          <a:spcPts val="0"/>
+                        </a:spcBef>
+                        <a:spcAft>
+                          <a:spcPts val="0"/>
+                        </a:spcAft>
+                      </a:pPr>
+                      <a:r>
+                        <a:rPr lang="en-US" sz="1600" b="0" i="0" u="none" strike="noStrike" cap="none" dirty="0">
+                          <a:solidFill>
+                            <a:schemeClr val="dk2"/>
+                          </a:solidFill>
+                          <a:latin typeface="Open Sans Light"/>
+                          <a:cs typeface="Open Sans Light"/>
+                          <a:sym typeface="Open Sans Light"/>
+                        </a:rPr>
+                        <a:t>- Write access</a:t>
+                      </a:r>
+                    </a:p>
+                    <a:p>
+                      <a:pPr marL="0" marR="0">
+                        <a:spcBef>
+                          <a:spcPts val="0"/>
+                        </a:spcBef>
+                        <a:spcAft>
+                          <a:spcPts val="0"/>
+                        </a:spcAft>
+                      </a:pPr>
+                      <a:r>
+                        <a:rPr lang="en-US" sz="1600" b="0" i="0" u="none" strike="noStrike" cap="none" dirty="0">
+                          <a:solidFill>
+                            <a:schemeClr val="dk2"/>
+                          </a:solidFill>
+                          <a:latin typeface="Open Sans Light"/>
+                          <a:cs typeface="Open Sans Light"/>
+                          <a:sym typeface="Open Sans Light"/>
+                        </a:rPr>
+                        <a:t>- No restrictions </a:t>
+                      </a:r>
+                      <a:endParaRPr lang="en-US" sz="1600" b="0" i="0" u="none" strike="noStrike" cap="none" dirty="0">
+                        <a:solidFill>
+                          <a:schemeClr val="dk2"/>
+                        </a:solidFill>
+                        <a:latin typeface="Open Sans Light"/>
+                        <a:ea typeface="Times New Roman" panose="02020603050405020304" pitchFamily="18" charset="0"/>
+                        <a:cs typeface="Open Sans Light"/>
+                        <a:sym typeface="Open Sans Light"/>
+                      </a:endParaRPr>
+                    </a:p>
+                  </a:txBody>
+                  <a:tcPr marL="68580" marR="68580" marT="0" marB="0">
+                    <a:lnL w="3175" cap="flat" cmpd="sng" algn="ctr">
+                      <a:solidFill>
+                        <a:schemeClr val="tx1"/>
+                      </a:solidFill>
+                      <a:prstDash val="solid"/>
+                      <a:round/>
+                      <a:headEnd type="none" w="med" len="med"/>
+                      <a:tailEnd type="none" w="med" len="med"/>
+                    </a:lnL>
+                    <a:lnR w="3175" cap="flat" cmpd="sng" algn="ctr">
+                      <a:solidFill>
+                        <a:schemeClr val="tx1"/>
+                      </a:solidFill>
+                      <a:prstDash val="solid"/>
+                      <a:round/>
+                      <a:headEnd type="none" w="med" len="med"/>
+                      <a:tailEnd type="none" w="med" len="med"/>
+                    </a:lnR>
+                    <a:lnT w="3175" cap="flat" cmpd="sng" algn="ctr">
+                      <a:solidFill>
+                        <a:schemeClr val="tx1"/>
+                      </a:solidFill>
+                      <a:prstDash val="solid"/>
+                      <a:round/>
+                      <a:headEnd type="none" w="med" len="med"/>
+                      <a:tailEnd type="none" w="med" len="med"/>
+                    </a:lnT>
+                    <a:lnB w="3175" cap="flat" cmpd="sng" algn="ctr">
+                      <a:solidFill>
+                        <a:schemeClr val="tx1"/>
+                      </a:solidFill>
+                      <a:prstDash val="solid"/>
+                      <a:round/>
+                      <a:headEnd type="none" w="med" len="med"/>
+                      <a:tailEnd type="none" w="med" len="med"/>
+                    </a:lnB>
+                    <a:noFill/>
+                  </a:tcPr>
+                </a:tc>
+                <a:extLst>
+                  <a:ext uri="{0D108BD9-81ED-4DB2-BD59-A6C34878D82A}">
+                    <a16:rowId xmlns:a16="http://schemas.microsoft.com/office/drawing/2014/main" val="611807478"/>
+                  </a:ext>
+                </a:extLst>
+              </a:tr>
+            </a:tbl>
+          </a:graphicData>
+        </a:graphic>
+      </p:graphicFrame>
     </p:spTree>
   </p:cSld>
   <p:clrMapOvr>
@@ -38019,7 +39181,7 @@
 </p:sld>
 </file>
 
-<file path=ppt/slides/slide5.xml><?xml version="1.0" encoding="utf-8"?>
+<file path=ppt/slides/slide6.xml><?xml version="1.0" encoding="utf-8"?>
 <p:sld xmlns:a="http://schemas.openxmlformats.org/drawingml/2006/main" xmlns:r="http://schemas.openxmlformats.org/officeDocument/2006/relationships" xmlns:p="http://schemas.openxmlformats.org/presentationml/2006/main">
   <p:cSld>
     <p:spTree>
@@ -38159,7 +39321,16 @@
               </a:spcAft>
               <a:buNone/>
             </a:pPr>
-            <a:endParaRPr sz="1900" dirty="0"/>
+            <a:endParaRPr lang="en-US" sz="1900" dirty="0"/>
+          </a:p>
+          <a:p>
+            <a:pPr marL="457200" lvl="1" indent="0">
+              <a:buNone/>
+            </a:pPr>
+            <a:r>
+              <a:rPr lang="en-US" sz="1700" dirty="0"/>
+              <a:t>-206 number of rows and 11 number of columns.</a:t>
+            </a:r>
           </a:p>
           <a:p>
             <a:pPr marL="457200" lvl="0" indent="-349250" algn="l" rtl="0">
@@ -38214,19 +39385,14 @@
             </a:endParaRPr>
           </a:p>
           <a:p>
-            <a:pPr marL="0" lvl="0" indent="0" algn="l" rtl="0">
-              <a:spcBef>
-                <a:spcPts val="0"/>
-              </a:spcBef>
-              <a:spcAft>
-                <a:spcPts val="0"/>
-              </a:spcAft>
+            <a:pPr marL="457200" lvl="1" indent="0">
               <a:buNone/>
             </a:pPr>
-            <a:endParaRPr sz="1900" b="1" dirty="0">
-              <a:latin typeface="Open Sans"/>
-              <a:ea typeface="Open Sans"/>
-              <a:cs typeface="Open Sans"/>
+            <a:r>
+              <a:rPr lang="en-US" sz="1700" dirty="0"/>
+              <a:t>-20% growth a year for the next 5 years. </a:t>
+            </a:r>
+            <a:endParaRPr sz="1700" dirty="0">
               <a:sym typeface="Open Sans"/>
             </a:endParaRPr>
           </a:p>
@@ -38295,33 +39461,19 @@
             </a:endParaRPr>
           </a:p>
           <a:p>
-            <a:pPr marL="457200" lvl="0" indent="0" algn="l" rtl="0">
+            <a:pPr indent="0">
               <a:lnSpc>
                 <a:spcPct val="100000"/>
               </a:lnSpc>
               <a:spcBef>
                 <a:spcPts val="1600"/>
               </a:spcBef>
-              <a:spcAft>
-                <a:spcPts val="0"/>
-              </a:spcAft>
               <a:buNone/>
             </a:pPr>
-            <a:endParaRPr sz="1700" dirty="0"/>
-          </a:p>
-          <a:p>
-            <a:pPr marL="457200" lvl="0" indent="0" algn="l" rtl="0">
-              <a:lnSpc>
-                <a:spcPct val="100000"/>
-              </a:lnSpc>
-              <a:spcBef>
-                <a:spcPts val="0"/>
-              </a:spcBef>
-              <a:spcAft>
-                <a:spcPts val="0"/>
-              </a:spcAft>
-              <a:buNone/>
-            </a:pPr>
+            <a:r>
+              <a:rPr lang="en-US" sz="1700" dirty="0"/>
+              <a:t>- Yes, salary data is sensitive, and its access should be restricted to HR partner or management level employees.  No other employees should be able to access salary information. </a:t>
+            </a:r>
             <a:endParaRPr sz="1700" dirty="0"/>
           </a:p>
         </p:txBody>
@@ -38334,7 +39486,7 @@
 </p:sld>
 </file>
 
-<file path=ppt/slides/slide6.xml><?xml version="1.0" encoding="utf-8"?>
+<file path=ppt/slides/slide7.xml><?xml version="1.0" encoding="utf-8"?>
 <p:sld xmlns:a="http://schemas.openxmlformats.org/drawingml/2006/main" xmlns:r="http://schemas.openxmlformats.org/officeDocument/2006/relationships" xmlns:p="http://schemas.openxmlformats.org/presentationml/2006/main">
   <p:cSld>
     <p:spTree>
@@ -38386,10 +39538,10 @@
               <a:buNone/>
             </a:pPr>
             <a:r>
-              <a:rPr lang="en"/>
+              <a:rPr lang="en" dirty="0"/>
               <a:t>Data Architect Technical Requirement</a:t>
             </a:r>
-            <a:endParaRPr/>
+            <a:endParaRPr dirty="0"/>
           </a:p>
         </p:txBody>
       </p:sp>
@@ -38430,7 +39582,7 @@
               <a:buChar char="●"/>
             </a:pPr>
             <a:r>
-              <a:rPr lang="en" sz="1900" b="1" dirty="0">
+              <a:rPr lang="en" sz="1800" b="1" dirty="0">
                 <a:latin typeface="Open Sans"/>
                 <a:ea typeface="Open Sans"/>
                 <a:cs typeface="Open Sans"/>
@@ -38438,7 +39590,7 @@
               </a:rPr>
               <a:t>Justification for the new database</a:t>
             </a:r>
-            <a:endParaRPr sz="1900" b="1" dirty="0">
+            <a:endParaRPr sz="1800" b="1" dirty="0">
               <a:latin typeface="Open Sans"/>
               <a:ea typeface="Open Sans"/>
               <a:cs typeface="Open Sans"/>
@@ -38459,22 +39611,30 @@
               <a:buNone/>
             </a:pPr>
             <a:r>
-              <a:rPr lang="en" sz="1700" dirty="0"/>
+              <a:rPr lang="en" sz="1600" dirty="0"/>
               <a:t>Provide at least two justifications for building a database</a:t>
             </a:r>
-            <a:endParaRPr sz="1900" dirty="0"/>
-          </a:p>
-          <a:p>
-            <a:pPr marL="0" lvl="0" indent="0" algn="l" rtl="0">
-              <a:spcBef>
-                <a:spcPts val="0"/>
-              </a:spcBef>
-              <a:spcAft>
-                <a:spcPts val="0"/>
-              </a:spcAft>
-              <a:buNone/>
+            <a:endParaRPr sz="1800" dirty="0"/>
+          </a:p>
+          <a:p>
+            <a:pPr lvl="1">
+              <a:buFont typeface="Wingdings" pitchFamily="2" charset="2"/>
+              <a:buChar char="§"/>
             </a:pPr>
-            <a:endParaRPr sz="1900" dirty="0"/>
+            <a:r>
+              <a:rPr lang="en-US" sz="1600" dirty="0"/>
+              <a:t>Data integrity and data security issues will be addressed by building database. </a:t>
+            </a:r>
+          </a:p>
+          <a:p>
+            <a:pPr lvl="1">
+              <a:buFont typeface="Wingdings" pitchFamily="2" charset="2"/>
+              <a:buChar char="§"/>
+            </a:pPr>
+            <a:r>
+              <a:rPr lang="en-US" sz="1600" dirty="0"/>
+              <a:t>It is becoming cumbersome to manage employee details in excel spreadsheet as employee numbers grew from 10-person team to 200+ person. Also, 20% growth is projected for next 5 years which will make it difficult to manager information in excel file. </a:t>
+            </a:r>
           </a:p>
           <a:p>
             <a:pPr marL="457200" lvl="0" indent="-349250" algn="l" rtl="0">
@@ -38489,7 +39649,7 @@
               <a:buChar char="●"/>
             </a:pPr>
             <a:r>
-              <a:rPr lang="en" sz="1900" b="1" dirty="0">
+              <a:rPr lang="en" sz="1800" b="1" dirty="0">
                 <a:latin typeface="Open Sans"/>
                 <a:ea typeface="Open Sans"/>
                 <a:cs typeface="Open Sans"/>
@@ -38497,7 +39657,7 @@
               </a:rPr>
               <a:t>Database objects</a:t>
             </a:r>
-            <a:endParaRPr sz="1900" b="1" dirty="0">
+            <a:endParaRPr sz="1800" b="1" dirty="0">
               <a:latin typeface="Open Sans"/>
               <a:ea typeface="Open Sans"/>
               <a:cs typeface="Open Sans"/>
@@ -38518,10 +39678,10 @@
               <a:buNone/>
             </a:pPr>
             <a:r>
-              <a:rPr lang="en" sz="1700" dirty="0"/>
+              <a:rPr lang="en" sz="1600" dirty="0"/>
               <a:t>List the database objects (tables, views, special procedures)  that will be created for the database. </a:t>
             </a:r>
-            <a:endParaRPr sz="1700" dirty="0"/>
+            <a:endParaRPr sz="1600" dirty="0"/>
           </a:p>
           <a:p>
             <a:pPr marL="457200" lvl="0" indent="0" algn="l" rtl="0">
@@ -38536,7 +39696,7 @@
               </a:spcAft>
               <a:buNone/>
             </a:pPr>
-            <a:endParaRPr sz="1700" dirty="0"/>
+            <a:endParaRPr sz="1600" dirty="0"/>
           </a:p>
           <a:p>
             <a:pPr marL="457200" lvl="0" indent="0" algn="l" rtl="0">
@@ -38552,10 +39712,10 @@
               <a:buNone/>
             </a:pPr>
             <a:r>
-              <a:rPr lang="en" sz="1700" dirty="0"/>
+              <a:rPr lang="en" sz="1600" dirty="0"/>
               <a:t>Hint - you may want to circle back to this answer after completing the logical ERD in step 2.</a:t>
             </a:r>
-            <a:endParaRPr sz="1700" dirty="0"/>
+            <a:endParaRPr sz="1600" dirty="0"/>
           </a:p>
           <a:p>
             <a:pPr marL="457200" lvl="0" indent="0" algn="l" rtl="0">
@@ -38567,7 +39727,7 @@
               </a:spcAft>
               <a:buNone/>
             </a:pPr>
-            <a:endParaRPr sz="1900" dirty="0"/>
+            <a:endParaRPr sz="1800" dirty="0"/>
           </a:p>
           <a:p>
             <a:pPr marL="457200" lvl="0" indent="-349250" algn="l" rtl="0">
@@ -38582,7 +39742,7 @@
               <a:buChar char="●"/>
             </a:pPr>
             <a:r>
-              <a:rPr lang="en" sz="1900" b="1" dirty="0">
+              <a:rPr lang="en" sz="1800" b="1" dirty="0">
                 <a:latin typeface="Open Sans"/>
                 <a:ea typeface="Open Sans"/>
                 <a:cs typeface="Open Sans"/>
@@ -38590,7 +39750,7 @@
               </a:rPr>
               <a:t>Data ingestion</a:t>
             </a:r>
-            <a:endParaRPr sz="1900" b="1" dirty="0">
+            <a:endParaRPr sz="1800" b="1" dirty="0">
               <a:latin typeface="Open Sans"/>
               <a:ea typeface="Open Sans"/>
               <a:cs typeface="Open Sans"/>
@@ -38616,10 +39776,10 @@
               <a:buNone/>
             </a:pPr>
             <a:r>
-              <a:rPr lang="en" sz="1700" dirty="0"/>
+              <a:rPr lang="en" sz="1600" dirty="0"/>
               <a:t>Select a data ingestion method (ETL, Direct feed, API) based on the information provided. </a:t>
             </a:r>
-            <a:endParaRPr sz="1900" dirty="0"/>
+            <a:endParaRPr sz="1800" dirty="0"/>
           </a:p>
         </p:txBody>
       </p:sp>
@@ -38631,7 +39791,7 @@
 </p:sld>
 </file>
 
-<file path=ppt/slides/slide7.xml><?xml version="1.0" encoding="utf-8"?>
+<file path=ppt/slides/slide8.xml><?xml version="1.0" encoding="utf-8"?>
 <p:sld xmlns:a="http://schemas.openxmlformats.org/drawingml/2006/main" xmlns:r="http://schemas.openxmlformats.org/officeDocument/2006/relationships" xmlns:p="http://schemas.openxmlformats.org/presentationml/2006/main">
   <p:cSld>
     <p:spTree>
@@ -39159,7 +40319,7 @@
 </p:sld>
 </file>
 
-<file path=ppt/slides/slide8.xml><?xml version="1.0" encoding="utf-8"?>
+<file path=ppt/slides/slide9.xml><?xml version="1.0" encoding="utf-8"?>
 <p:sld xmlns:a="http://schemas.openxmlformats.org/drawingml/2006/main" xmlns:r="http://schemas.openxmlformats.org/officeDocument/2006/relationships" xmlns:p="http://schemas.openxmlformats.org/presentationml/2006/main">
   <p:cSld>
     <p:bg>
@@ -39340,322 +40500,6 @@
               <a:cs typeface="Helvetica Neue"/>
               <a:sym typeface="Helvetica Neue"/>
             </a:endParaRPr>
-          </a:p>
-        </p:txBody>
-      </p:sp>
-    </p:spTree>
-  </p:cSld>
-  <p:clrMapOvr>
-    <a:masterClrMapping/>
-  </p:clrMapOvr>
-</p:sld>
-</file>
-
-<file path=ppt/slides/slide9.xml><?xml version="1.0" encoding="utf-8"?>
-<p:sld xmlns:a="http://schemas.openxmlformats.org/drawingml/2006/main" xmlns:r="http://schemas.openxmlformats.org/officeDocument/2006/relationships" xmlns:p="http://schemas.openxmlformats.org/presentationml/2006/main">
-  <p:cSld>
-    <p:spTree>
-      <p:nvGrpSpPr>
-        <p:cNvPr id="1" name="Shape 241"/>
-        <p:cNvGrpSpPr/>
-        <p:nvPr/>
-      </p:nvGrpSpPr>
-      <p:grpSpPr>
-        <a:xfrm>
-          <a:off x="0" y="0"/>
-          <a:ext cx="0" cy="0"/>
-          <a:chOff x="0" y="0"/>
-          <a:chExt cx="0" cy="0"/>
-        </a:xfrm>
-      </p:grpSpPr>
-      <p:sp>
-        <p:nvSpPr>
-          <p:cNvPr id="242" name="Google Shape;242;p61"/>
-          <p:cNvSpPr txBox="1">
-            <a:spLocks noGrp="1"/>
-          </p:cNvSpPr>
-          <p:nvPr>
-            <p:ph type="title"/>
-          </p:nvPr>
-        </p:nvSpPr>
-        <p:spPr>
-          <a:xfrm>
-            <a:off x="264945" y="870271"/>
-            <a:ext cx="7242600" cy="1119900"/>
-          </a:xfrm>
-          <a:prstGeom prst="rect">
-            <a:avLst/>
-          </a:prstGeom>
-        </p:spPr>
-        <p:txBody>
-          <a:bodyPr spcFirstLastPara="1" wrap="square" lIns="91425" tIns="91425" rIns="91425" bIns="91425" anchor="ctr" anchorCtr="0">
-            <a:noAutofit/>
-          </a:bodyPr>
-          <a:lstStyle/>
-          <a:p>
-            <a:pPr marL="0" lvl="0" indent="0" algn="l" rtl="0">
-              <a:spcBef>
-                <a:spcPts val="0"/>
-              </a:spcBef>
-              <a:spcAft>
-                <a:spcPts val="0"/>
-              </a:spcAft>
-              <a:buNone/>
-            </a:pPr>
-            <a:r>
-              <a:rPr lang="en"/>
-              <a:t>Step 2: Relational Database Design</a:t>
-            </a:r>
-            <a:endParaRPr/>
-          </a:p>
-        </p:txBody>
-      </p:sp>
-      <p:sp>
-        <p:nvSpPr>
-          <p:cNvPr id="243" name="Google Shape;243;p61"/>
-          <p:cNvSpPr txBox="1">
-            <a:spLocks noGrp="1"/>
-          </p:cNvSpPr>
-          <p:nvPr>
-            <p:ph type="body" idx="1"/>
-          </p:nvPr>
-        </p:nvSpPr>
-        <p:spPr>
-          <a:xfrm>
-            <a:off x="264945" y="2253729"/>
-            <a:ext cx="7242600" cy="6239700"/>
-          </a:xfrm>
-          <a:prstGeom prst="rect">
-            <a:avLst/>
-          </a:prstGeom>
-        </p:spPr>
-        <p:txBody>
-          <a:bodyPr spcFirstLastPara="1" wrap="square" lIns="91425" tIns="91425" rIns="91425" bIns="91425" anchor="t" anchorCtr="0">
-            <a:noAutofit/>
-          </a:bodyPr>
-          <a:lstStyle/>
-          <a:p>
-            <a:pPr marL="0" lvl="0" indent="0" algn="l" rtl="0">
-              <a:lnSpc>
-                <a:spcPct val="170000"/>
-              </a:lnSpc>
-              <a:spcBef>
-                <a:spcPts val="0"/>
-              </a:spcBef>
-              <a:spcAft>
-                <a:spcPts val="0"/>
-              </a:spcAft>
-              <a:buNone/>
-            </a:pPr>
-            <a:r>
-              <a:rPr lang="en" sz="1500">
-                <a:solidFill>
-                  <a:srgbClr val="525C65"/>
-                </a:solidFill>
-                <a:highlight>
-                  <a:srgbClr val="FFFFFF"/>
-                </a:highlight>
-                <a:latin typeface="Open Sans"/>
-                <a:ea typeface="Open Sans"/>
-                <a:cs typeface="Open Sans"/>
-                <a:sym typeface="Open Sans"/>
-              </a:rPr>
-              <a:t>This step is where you will go through the process of designing a new database for Tech ABC Corp's HR department. Using the </a:t>
-            </a:r>
-            <a:r>
-              <a:rPr lang="en" sz="1500" u="sng">
-                <a:solidFill>
-                  <a:schemeClr val="hlink"/>
-                </a:solidFill>
-                <a:highlight>
-                  <a:srgbClr val="FFFFFF"/>
-                </a:highlight>
-                <a:latin typeface="Open Sans"/>
-                <a:ea typeface="Open Sans"/>
-                <a:cs typeface="Open Sans"/>
-                <a:sym typeface="Open Sans"/>
-                <a:hlinkClick r:id="rId3"/>
-              </a:rPr>
-              <a:t>dataset</a:t>
-            </a:r>
-            <a:r>
-              <a:rPr lang="en" sz="1500">
-                <a:solidFill>
-                  <a:srgbClr val="525C65"/>
-                </a:solidFill>
-                <a:highlight>
-                  <a:srgbClr val="FFFFFF"/>
-                </a:highlight>
-                <a:latin typeface="Open Sans"/>
-                <a:ea typeface="Open Sans"/>
-                <a:cs typeface="Open Sans"/>
-                <a:sym typeface="Open Sans"/>
-              </a:rPr>
-              <a:t> provided, along with the requirements gathered in step one, you are going to develop a relational database set to the 3NF.</a:t>
-            </a:r>
-            <a:endParaRPr sz="1500">
-              <a:solidFill>
-                <a:srgbClr val="525C65"/>
-              </a:solidFill>
-              <a:highlight>
-                <a:srgbClr val="FFFFFF"/>
-              </a:highlight>
-              <a:latin typeface="Open Sans"/>
-              <a:ea typeface="Open Sans"/>
-              <a:cs typeface="Open Sans"/>
-              <a:sym typeface="Open Sans"/>
-            </a:endParaRPr>
-          </a:p>
-          <a:p>
-            <a:pPr marL="0" lvl="0" indent="0" algn="l" rtl="0">
-              <a:lnSpc>
-                <a:spcPct val="170000"/>
-              </a:lnSpc>
-              <a:spcBef>
-                <a:spcPts val="1100"/>
-              </a:spcBef>
-              <a:spcAft>
-                <a:spcPts val="0"/>
-              </a:spcAft>
-              <a:buNone/>
-            </a:pPr>
-            <a:endParaRPr sz="500">
-              <a:solidFill>
-                <a:srgbClr val="525C65"/>
-              </a:solidFill>
-              <a:highlight>
-                <a:srgbClr val="FFFFFF"/>
-              </a:highlight>
-              <a:latin typeface="Open Sans"/>
-              <a:ea typeface="Open Sans"/>
-              <a:cs typeface="Open Sans"/>
-              <a:sym typeface="Open Sans"/>
-            </a:endParaRPr>
-          </a:p>
-          <a:p>
-            <a:pPr marL="0" lvl="0" indent="0" algn="l" rtl="0">
-              <a:lnSpc>
-                <a:spcPct val="170000"/>
-              </a:lnSpc>
-              <a:spcBef>
-                <a:spcPts val="1100"/>
-              </a:spcBef>
-              <a:spcAft>
-                <a:spcPts val="0"/>
-              </a:spcAft>
-              <a:buNone/>
-            </a:pPr>
-            <a:r>
-              <a:rPr lang="en" sz="1500">
-                <a:solidFill>
-                  <a:srgbClr val="525C65"/>
-                </a:solidFill>
-                <a:highlight>
-                  <a:srgbClr val="FFFFFF"/>
-                </a:highlight>
-                <a:latin typeface="Open Sans"/>
-                <a:ea typeface="Open Sans"/>
-                <a:cs typeface="Open Sans"/>
-                <a:sym typeface="Open Sans"/>
-              </a:rPr>
-              <a:t>Using Lucidchart, you will create 3 entity relationship diagrams (ERDs) to show how you developed the final design for your data.</a:t>
-            </a:r>
-            <a:endParaRPr sz="1500">
-              <a:solidFill>
-                <a:srgbClr val="525C65"/>
-              </a:solidFill>
-              <a:highlight>
-                <a:srgbClr val="FFFFFF"/>
-              </a:highlight>
-              <a:latin typeface="Open Sans"/>
-              <a:ea typeface="Open Sans"/>
-              <a:cs typeface="Open Sans"/>
-              <a:sym typeface="Open Sans"/>
-            </a:endParaRPr>
-          </a:p>
-          <a:p>
-            <a:pPr marL="0" lvl="0" indent="0" algn="l" rtl="0">
-              <a:lnSpc>
-                <a:spcPct val="170000"/>
-              </a:lnSpc>
-              <a:spcBef>
-                <a:spcPts val="1100"/>
-              </a:spcBef>
-              <a:spcAft>
-                <a:spcPts val="0"/>
-              </a:spcAft>
-              <a:buNone/>
-            </a:pPr>
-            <a:endParaRPr sz="500">
-              <a:solidFill>
-                <a:srgbClr val="525C65"/>
-              </a:solidFill>
-              <a:highlight>
-                <a:srgbClr val="FFFFFF"/>
-              </a:highlight>
-              <a:latin typeface="Open Sans"/>
-              <a:ea typeface="Open Sans"/>
-              <a:cs typeface="Open Sans"/>
-              <a:sym typeface="Open Sans"/>
-            </a:endParaRPr>
-          </a:p>
-          <a:p>
-            <a:pPr marL="0" lvl="0" indent="0" algn="l" rtl="0">
-              <a:lnSpc>
-                <a:spcPct val="170000"/>
-              </a:lnSpc>
-              <a:spcBef>
-                <a:spcPts val="1100"/>
-              </a:spcBef>
-              <a:spcAft>
-                <a:spcPts val="0"/>
-              </a:spcAft>
-              <a:buClr>
-                <a:schemeClr val="dk1"/>
-              </a:buClr>
-              <a:buSzPts val="1100"/>
-              <a:buFont typeface="Arial"/>
-              <a:buNone/>
-            </a:pPr>
-            <a:r>
-              <a:rPr lang="en" sz="1500">
-                <a:solidFill>
-                  <a:srgbClr val="525C65"/>
-                </a:solidFill>
-                <a:highlight>
-                  <a:srgbClr val="FFFFFF"/>
-                </a:highlight>
-                <a:latin typeface="Open Sans"/>
-                <a:ea typeface="Open Sans"/>
-                <a:cs typeface="Open Sans"/>
-                <a:sym typeface="Open Sans"/>
-              </a:rPr>
-              <a:t>You will submit a screenshot for each of the 3 ERDs you create. You will find detailed instructions for developing each of the ERDs over the next several pages.</a:t>
-            </a:r>
-            <a:endParaRPr sz="1500">
-              <a:solidFill>
-                <a:srgbClr val="525C65"/>
-              </a:solidFill>
-              <a:highlight>
-                <a:srgbClr val="FFFFFF"/>
-              </a:highlight>
-              <a:latin typeface="Open Sans"/>
-              <a:ea typeface="Open Sans"/>
-              <a:cs typeface="Open Sans"/>
-              <a:sym typeface="Open Sans"/>
-            </a:endParaRPr>
-          </a:p>
-          <a:p>
-            <a:pPr marL="0" lvl="0" indent="0" algn="l" rtl="0">
-              <a:spcBef>
-                <a:spcPts val="1100"/>
-              </a:spcBef>
-              <a:spcAft>
-                <a:spcPts val="1600"/>
-              </a:spcAft>
-              <a:buNone/>
-            </a:pPr>
-            <a:endParaRPr sz="2200"/>
           </a:p>
         </p:txBody>
       </p:sp>

--- a/HR_Dataset_Assignment.pptx
+++ b/HR_Dataset_Assignment.pptx
@@ -8,7 +8,7 @@
     <p:sldMasterId id="2147483697" r:id="rId4"/>
   </p:sldMasterIdLst>
   <p:notesMasterIdLst>
-    <p:notesMasterId r:id="rId37"/>
+    <p:notesMasterId r:id="rId39"/>
   </p:notesMasterIdLst>
   <p:sldIdLst>
     <p:sldId id="256" r:id="rId5"/>
@@ -17,70 +17,72 @@
     <p:sldId id="289" r:id="rId8"/>
     <p:sldId id="261" r:id="rId9"/>
     <p:sldId id="262" r:id="rId10"/>
-    <p:sldId id="263" r:id="rId11"/>
-    <p:sldId id="264" r:id="rId12"/>
-    <p:sldId id="265" r:id="rId13"/>
-    <p:sldId id="266" r:id="rId14"/>
-    <p:sldId id="267" r:id="rId15"/>
-    <p:sldId id="268" r:id="rId16"/>
-    <p:sldId id="287" r:id="rId17"/>
-    <p:sldId id="269" r:id="rId18"/>
-    <p:sldId id="288" r:id="rId19"/>
-    <p:sldId id="270" r:id="rId20"/>
-    <p:sldId id="271" r:id="rId21"/>
-    <p:sldId id="272" r:id="rId22"/>
-    <p:sldId id="273" r:id="rId23"/>
-    <p:sldId id="274" r:id="rId24"/>
-    <p:sldId id="275" r:id="rId25"/>
-    <p:sldId id="276" r:id="rId26"/>
-    <p:sldId id="277" r:id="rId27"/>
-    <p:sldId id="278" r:id="rId28"/>
-    <p:sldId id="279" r:id="rId29"/>
-    <p:sldId id="280" r:id="rId30"/>
-    <p:sldId id="281" r:id="rId31"/>
-    <p:sldId id="282" r:id="rId32"/>
-    <p:sldId id="283" r:id="rId33"/>
-    <p:sldId id="284" r:id="rId34"/>
-    <p:sldId id="285" r:id="rId35"/>
-    <p:sldId id="286" r:id="rId36"/>
+    <p:sldId id="290" r:id="rId11"/>
+    <p:sldId id="263" r:id="rId12"/>
+    <p:sldId id="264" r:id="rId13"/>
+    <p:sldId id="291" r:id="rId14"/>
+    <p:sldId id="265" r:id="rId15"/>
+    <p:sldId id="266" r:id="rId16"/>
+    <p:sldId id="267" r:id="rId17"/>
+    <p:sldId id="268" r:id="rId18"/>
+    <p:sldId id="287" r:id="rId19"/>
+    <p:sldId id="269" r:id="rId20"/>
+    <p:sldId id="288" r:id="rId21"/>
+    <p:sldId id="270" r:id="rId22"/>
+    <p:sldId id="271" r:id="rId23"/>
+    <p:sldId id="272" r:id="rId24"/>
+    <p:sldId id="273" r:id="rId25"/>
+    <p:sldId id="274" r:id="rId26"/>
+    <p:sldId id="275" r:id="rId27"/>
+    <p:sldId id="276" r:id="rId28"/>
+    <p:sldId id="277" r:id="rId29"/>
+    <p:sldId id="278" r:id="rId30"/>
+    <p:sldId id="279" r:id="rId31"/>
+    <p:sldId id="280" r:id="rId32"/>
+    <p:sldId id="281" r:id="rId33"/>
+    <p:sldId id="282" r:id="rId34"/>
+    <p:sldId id="283" r:id="rId35"/>
+    <p:sldId id="284" r:id="rId36"/>
+    <p:sldId id="285" r:id="rId37"/>
+    <p:sldId id="286" r:id="rId38"/>
   </p:sldIdLst>
   <p:sldSz cx="7772400" cy="10058400"/>
   <p:notesSz cx="6858000" cy="9144000"/>
   <p:embeddedFontLst>
     <p:embeddedFont>
       <p:font typeface="Calibri" panose="020F0502020204030204" pitchFamily="34" charset="0"/>
-      <p:regular r:id="rId38"/>
-      <p:bold r:id="rId39"/>
-      <p:italic r:id="rId40"/>
-      <p:boldItalic r:id="rId41"/>
+      <p:regular r:id="rId40"/>
+      <p:bold r:id="rId41"/>
+      <p:italic r:id="rId42"/>
+      <p:boldItalic r:id="rId43"/>
     </p:embeddedFont>
     <p:embeddedFont>
       <p:font typeface="Helvetica Neue" panose="02000503000000020004" pitchFamily="2" charset="0"/>
-      <p:regular r:id="rId42"/>
-      <p:bold r:id="rId43"/>
-      <p:italic r:id="rId44"/>
-      <p:boldItalic r:id="rId45"/>
+      <p:regular r:id="rId44"/>
+      <p:bold r:id="rId45"/>
+      <p:italic r:id="rId46"/>
+      <p:boldItalic r:id="rId47"/>
     </p:embeddedFont>
     <p:embeddedFont>
       <p:font typeface="Open Sans" panose="020B0606030504020204" pitchFamily="34" charset="0"/>
-      <p:regular r:id="rId46"/>
-      <p:bold r:id="rId47"/>
-      <p:italic r:id="rId48"/>
-      <p:boldItalic r:id="rId49"/>
+      <p:regular r:id="rId48"/>
+      <p:bold r:id="rId49"/>
+      <p:italic r:id="rId50"/>
+      <p:boldItalic r:id="rId51"/>
     </p:embeddedFont>
     <p:embeddedFont>
       <p:font typeface="Open Sans Light" panose="020F0302020204030204" pitchFamily="34" charset="0"/>
-      <p:regular r:id="rId50"/>
-      <p:bold r:id="rId51"/>
-      <p:italic r:id="rId52"/>
-      <p:boldItalic r:id="rId53"/>
+      <p:regular r:id="rId52"/>
+      <p:bold r:id="rId53"/>
+      <p:italic r:id="rId54"/>
+      <p:boldItalic r:id="rId55"/>
     </p:embeddedFont>
     <p:embeddedFont>
       <p:font typeface="Source Code Pro" panose="020B0509030403020204" pitchFamily="49" charset="0"/>
-      <p:regular r:id="rId54"/>
-      <p:bold r:id="rId55"/>
-      <p:italic r:id="rId56"/>
-      <p:boldItalic r:id="rId57"/>
+      <p:regular r:id="rId56"/>
+      <p:bold r:id="rId57"/>
+      <p:italic r:id="rId58"/>
+      <p:boldItalic r:id="rId59"/>
     </p:embeddedFont>
   </p:embeddedFontLst>
   <p:defaultTextStyle>
@@ -870,6 +872,223 @@
   <p:cSld>
     <p:spTree>
       <p:nvGrpSpPr>
+        <p:cNvPr id="1" name="Shape 226"/>
+        <p:cNvGrpSpPr/>
+        <p:nvPr/>
+      </p:nvGrpSpPr>
+      <p:grpSpPr>
+        <a:xfrm>
+          <a:off x="0" y="0"/>
+          <a:ext cx="0" cy="0"/>
+          <a:chOff x="0" y="0"/>
+          <a:chExt cx="0" cy="0"/>
+        </a:xfrm>
+      </p:grpSpPr>
+      <p:sp>
+        <p:nvSpPr>
+          <p:cNvPr id="227" name="Google Shape;227;g8d8c850c25_0_68:notes"/>
+          <p:cNvSpPr>
+            <a:spLocks noGrp="1" noRot="1" noChangeAspect="1"/>
+          </p:cNvSpPr>
+          <p:nvPr>
+            <p:ph type="sldImg" idx="2"/>
+          </p:nvPr>
+        </p:nvSpPr>
+        <p:spPr>
+          <a:xfrm>
+            <a:off x="2105025" y="685800"/>
+            <a:ext cx="2649538" cy="3429000"/>
+          </a:xfrm>
+          <a:custGeom>
+            <a:avLst/>
+            <a:gdLst/>
+            <a:ahLst/>
+            <a:cxnLst/>
+            <a:rect l="l" t="t" r="r" b="b"/>
+            <a:pathLst>
+              <a:path w="120000" h="120000" extrusionOk="0">
+                <a:moveTo>
+                  <a:pt x="0" y="0"/>
+                </a:moveTo>
+                <a:lnTo>
+                  <a:pt x="120000" y="0"/>
+                </a:lnTo>
+                <a:lnTo>
+                  <a:pt x="120000" y="120000"/>
+                </a:lnTo>
+                <a:lnTo>
+                  <a:pt x="0" y="120000"/>
+                </a:lnTo>
+                <a:close/>
+              </a:path>
+            </a:pathLst>
+          </a:custGeom>
+        </p:spPr>
+      </p:sp>
+      <p:sp>
+        <p:nvSpPr>
+          <p:cNvPr id="228" name="Google Shape;228;g8d8c850c25_0_68:notes"/>
+          <p:cNvSpPr txBox="1">
+            <a:spLocks noGrp="1"/>
+          </p:cNvSpPr>
+          <p:nvPr>
+            <p:ph type="body" idx="1"/>
+          </p:nvPr>
+        </p:nvSpPr>
+        <p:spPr>
+          <a:xfrm>
+            <a:off x="685800" y="4343400"/>
+            <a:ext cx="5486400" cy="4114800"/>
+          </a:xfrm>
+          <a:prstGeom prst="rect">
+            <a:avLst/>
+          </a:prstGeom>
+        </p:spPr>
+        <p:txBody>
+          <a:bodyPr spcFirstLastPara="1" wrap="square" lIns="91425" tIns="91425" rIns="91425" bIns="91425" anchor="t" anchorCtr="0">
+            <a:noAutofit/>
+          </a:bodyPr>
+          <a:lstStyle/>
+          <a:p>
+            <a:pPr marL="0" lvl="0" indent="0" algn="l" rtl="0">
+              <a:spcBef>
+                <a:spcPts val="0"/>
+              </a:spcBef>
+              <a:spcAft>
+                <a:spcPts val="0"/>
+              </a:spcAft>
+              <a:buNone/>
+            </a:pPr>
+            <a:endParaRPr/>
+          </a:p>
+        </p:txBody>
+      </p:sp>
+    </p:spTree>
+    <p:extLst>
+      <p:ext uri="{BB962C8B-B14F-4D97-AF65-F5344CB8AC3E}">
+        <p14:creationId xmlns:p14="http://schemas.microsoft.com/office/powerpoint/2010/main" val="2332749059"/>
+      </p:ext>
+    </p:extLst>
+  </p:cSld>
+  <p:clrMapOvr>
+    <a:masterClrMapping/>
+  </p:clrMapOvr>
+</p:notes>
+</file>
+
+<file path=ppt/notesSlides/notesSlide11.xml><?xml version="1.0" encoding="utf-8"?>
+<p:notes xmlns:a="http://schemas.openxmlformats.org/drawingml/2006/main" xmlns:r="http://schemas.openxmlformats.org/officeDocument/2006/relationships" xmlns:p="http://schemas.openxmlformats.org/presentationml/2006/main" showMasterSp="0" showMasterPhAnim="0">
+  <p:cSld>
+    <p:spTree>
+      <p:nvGrpSpPr>
+        <p:cNvPr id="1" name="Shape 232"/>
+        <p:cNvGrpSpPr/>
+        <p:nvPr/>
+      </p:nvGrpSpPr>
+      <p:grpSpPr>
+        <a:xfrm>
+          <a:off x="0" y="0"/>
+          <a:ext cx="0" cy="0"/>
+          <a:chOff x="0" y="0"/>
+          <a:chExt cx="0" cy="0"/>
+        </a:xfrm>
+      </p:grpSpPr>
+      <p:sp>
+        <p:nvSpPr>
+          <p:cNvPr id="233" name="Google Shape;233;g62fb0d8af8_0_0:notes"/>
+          <p:cNvSpPr txBox="1">
+            <a:spLocks noGrp="1"/>
+          </p:cNvSpPr>
+          <p:nvPr>
+            <p:ph type="body" idx="1"/>
+          </p:nvPr>
+        </p:nvSpPr>
+        <p:spPr>
+          <a:xfrm>
+            <a:off x="914400" y="4343400"/>
+            <a:ext cx="5029200" cy="4114800"/>
+          </a:xfrm>
+          <a:prstGeom prst="rect">
+            <a:avLst/>
+          </a:prstGeom>
+          <a:noFill/>
+          <a:ln>
+            <a:noFill/>
+          </a:ln>
+        </p:spPr>
+        <p:txBody>
+          <a:bodyPr spcFirstLastPara="1" wrap="square" lIns="91425" tIns="91425" rIns="91425" bIns="91425" anchor="ctr" anchorCtr="0">
+            <a:noAutofit/>
+          </a:bodyPr>
+          <a:lstStyle/>
+          <a:p>
+            <a:pPr marL="0" lvl="0" indent="0" algn="l" rtl="0">
+              <a:spcBef>
+                <a:spcPts val="0"/>
+              </a:spcBef>
+              <a:spcAft>
+                <a:spcPts val="0"/>
+              </a:spcAft>
+              <a:buNone/>
+            </a:pPr>
+            <a:endParaRPr/>
+          </a:p>
+        </p:txBody>
+      </p:sp>
+      <p:sp>
+        <p:nvSpPr>
+          <p:cNvPr id="234" name="Google Shape;234;g62fb0d8af8_0_0:notes"/>
+          <p:cNvSpPr>
+            <a:spLocks noGrp="1" noRot="1" noChangeAspect="1"/>
+          </p:cNvSpPr>
+          <p:nvPr>
+            <p:ph type="sldImg" idx="2"/>
+          </p:nvPr>
+        </p:nvSpPr>
+        <p:spPr>
+          <a:xfrm>
+            <a:off x="2435369" y="685800"/>
+            <a:ext cx="1987200" cy="3429000"/>
+          </a:xfrm>
+          <a:custGeom>
+            <a:avLst/>
+            <a:gdLst/>
+            <a:ahLst/>
+            <a:cxnLst/>
+            <a:rect l="l" t="t" r="r" b="b"/>
+            <a:pathLst>
+              <a:path w="120000" h="120000" extrusionOk="0">
+                <a:moveTo>
+                  <a:pt x="0" y="0"/>
+                </a:moveTo>
+                <a:lnTo>
+                  <a:pt x="120000" y="0"/>
+                </a:lnTo>
+                <a:lnTo>
+                  <a:pt x="120000" y="120000"/>
+                </a:lnTo>
+                <a:lnTo>
+                  <a:pt x="0" y="120000"/>
+                </a:lnTo>
+                <a:close/>
+              </a:path>
+            </a:pathLst>
+          </a:custGeom>
+        </p:spPr>
+      </p:sp>
+    </p:spTree>
+  </p:cSld>
+  <p:clrMapOvr>
+    <a:masterClrMapping/>
+  </p:clrMapOvr>
+</p:notes>
+</file>
+
+<file path=ppt/notesSlides/notesSlide12.xml><?xml version="1.0" encoding="utf-8"?>
+<p:notes xmlns:a="http://schemas.openxmlformats.org/drawingml/2006/main" xmlns:r="http://schemas.openxmlformats.org/officeDocument/2006/relationships" xmlns:p="http://schemas.openxmlformats.org/presentationml/2006/main" showMasterSp="0" showMasterPhAnim="0">
+  <p:cSld>
+    <p:spTree>
+      <p:nvGrpSpPr>
         <p:cNvPr id="1" name="Shape 238"/>
         <p:cNvGrpSpPr/>
         <p:nvPr/>
@@ -969,7 +1188,7 @@
 </p:notes>
 </file>
 
-<file path=ppt/notesSlides/notesSlide11.xml><?xml version="1.0" encoding="utf-8"?>
+<file path=ppt/notesSlides/notesSlide13.xml><?xml version="1.0" encoding="utf-8"?>
 <p:notes xmlns:a="http://schemas.openxmlformats.org/drawingml/2006/main" xmlns:r="http://schemas.openxmlformats.org/officeDocument/2006/relationships" xmlns:p="http://schemas.openxmlformats.org/presentationml/2006/main" showMasterSp="0" showMasterPhAnim="0">
   <p:cSld>
     <p:spTree>
@@ -1073,7 +1292,7 @@
 </p:notes>
 </file>
 
-<file path=ppt/notesSlides/notesSlide12.xml><?xml version="1.0" encoding="utf-8"?>
+<file path=ppt/notesSlides/notesSlide14.xml><?xml version="1.0" encoding="utf-8"?>
 <p:notes xmlns:a="http://schemas.openxmlformats.org/drawingml/2006/main" xmlns:r="http://schemas.openxmlformats.org/officeDocument/2006/relationships" xmlns:p="http://schemas.openxmlformats.org/presentationml/2006/main" showMasterSp="0" showMasterPhAnim="0">
   <p:cSld>
     <p:spTree>
@@ -1177,7 +1396,7 @@
 </p:notes>
 </file>
 
-<file path=ppt/notesSlides/notesSlide13.xml><?xml version="1.0" encoding="utf-8"?>
+<file path=ppt/notesSlides/notesSlide15.xml><?xml version="1.0" encoding="utf-8"?>
 <p:notes xmlns:a="http://schemas.openxmlformats.org/drawingml/2006/main" xmlns:r="http://schemas.openxmlformats.org/officeDocument/2006/relationships" xmlns:p="http://schemas.openxmlformats.org/presentationml/2006/main" showMasterSp="0" showMasterPhAnim="0">
   <p:cSld>
     <p:spTree>
@@ -1286,7 +1505,7 @@
 </p:notes>
 </file>
 
-<file path=ppt/notesSlides/notesSlide14.xml><?xml version="1.0" encoding="utf-8"?>
+<file path=ppt/notesSlides/notesSlide16.xml><?xml version="1.0" encoding="utf-8"?>
 <p:notes xmlns:a="http://schemas.openxmlformats.org/drawingml/2006/main" xmlns:r="http://schemas.openxmlformats.org/officeDocument/2006/relationships" xmlns:p="http://schemas.openxmlformats.org/presentationml/2006/main" showMasterSp="0" showMasterPhAnim="0">
   <p:cSld>
     <p:spTree>
@@ -1390,7 +1609,7 @@
 </p:notes>
 </file>
 
-<file path=ppt/notesSlides/notesSlide15.xml><?xml version="1.0" encoding="utf-8"?>
+<file path=ppt/notesSlides/notesSlide17.xml><?xml version="1.0" encoding="utf-8"?>
 <p:notes xmlns:a="http://schemas.openxmlformats.org/drawingml/2006/main" xmlns:r="http://schemas.openxmlformats.org/officeDocument/2006/relationships" xmlns:p="http://schemas.openxmlformats.org/presentationml/2006/main" showMasterSp="0" showMasterPhAnim="0">
   <p:cSld>
     <p:spTree>
@@ -1499,7 +1718,7 @@
 </p:notes>
 </file>
 
-<file path=ppt/notesSlides/notesSlide16.xml><?xml version="1.0" encoding="utf-8"?>
+<file path=ppt/notesSlides/notesSlide18.xml><?xml version="1.0" encoding="utf-8"?>
 <p:notes xmlns:a="http://schemas.openxmlformats.org/drawingml/2006/main" xmlns:r="http://schemas.openxmlformats.org/officeDocument/2006/relationships" xmlns:p="http://schemas.openxmlformats.org/presentationml/2006/main" showMasterSp="0" showMasterPhAnim="0">
   <p:cSld>
     <p:spTree>
@@ -1607,7 +1826,7 @@
 </p:notes>
 </file>
 
-<file path=ppt/notesSlides/notesSlide17.xml><?xml version="1.0" encoding="utf-8"?>
+<file path=ppt/notesSlides/notesSlide19.xml><?xml version="1.0" encoding="utf-8"?>
 <p:notes xmlns:a="http://schemas.openxmlformats.org/drawingml/2006/main" xmlns:r="http://schemas.openxmlformats.org/officeDocument/2006/relationships" xmlns:p="http://schemas.openxmlformats.org/presentationml/2006/main" showMasterSp="0" showMasterPhAnim="0">
   <p:cSld>
     <p:spTree>
@@ -1711,7 +1930,115 @@
 </p:notes>
 </file>
 
-<file path=ppt/notesSlides/notesSlide18.xml><?xml version="1.0" encoding="utf-8"?>
+<file path=ppt/notesSlides/notesSlide2.xml><?xml version="1.0" encoding="utf-8"?>
+<p:notes xmlns:a="http://schemas.openxmlformats.org/drawingml/2006/main" xmlns:r="http://schemas.openxmlformats.org/officeDocument/2006/relationships" xmlns:p="http://schemas.openxmlformats.org/presentationml/2006/main" showMasterSp="0" showMasterPhAnim="0">
+  <p:cSld>
+    <p:spTree>
+      <p:nvGrpSpPr>
+        <p:cNvPr id="1" name="Shape 195"/>
+        <p:cNvGrpSpPr/>
+        <p:nvPr/>
+      </p:nvGrpSpPr>
+      <p:grpSpPr>
+        <a:xfrm>
+          <a:off x="0" y="0"/>
+          <a:ext cx="0" cy="0"/>
+          <a:chOff x="0" y="0"/>
+          <a:chExt cx="0" cy="0"/>
+        </a:xfrm>
+      </p:grpSpPr>
+      <p:sp>
+        <p:nvSpPr>
+          <p:cNvPr id="196" name="Google Shape;196;g8d8c850c25_0_33:notes"/>
+          <p:cNvSpPr txBox="1">
+            <a:spLocks noGrp="1"/>
+          </p:cNvSpPr>
+          <p:nvPr>
+            <p:ph type="body" idx="1"/>
+          </p:nvPr>
+        </p:nvSpPr>
+        <p:spPr>
+          <a:xfrm>
+            <a:off x="914400" y="4343400"/>
+            <a:ext cx="5029200" cy="4114800"/>
+          </a:xfrm>
+          <a:prstGeom prst="rect">
+            <a:avLst/>
+          </a:prstGeom>
+          <a:noFill/>
+          <a:ln>
+            <a:noFill/>
+          </a:ln>
+        </p:spPr>
+        <p:txBody>
+          <a:bodyPr spcFirstLastPara="1" wrap="square" lIns="91425" tIns="91425" rIns="91425" bIns="91425" anchor="ctr" anchorCtr="0">
+            <a:noAutofit/>
+          </a:bodyPr>
+          <a:lstStyle/>
+          <a:p>
+            <a:pPr marL="0" lvl="0" indent="0" algn="l" rtl="0">
+              <a:spcBef>
+                <a:spcPts val="0"/>
+              </a:spcBef>
+              <a:spcAft>
+                <a:spcPts val="0"/>
+              </a:spcAft>
+              <a:buNone/>
+            </a:pPr>
+            <a:endParaRPr/>
+          </a:p>
+        </p:txBody>
+      </p:sp>
+      <p:sp>
+        <p:nvSpPr>
+          <p:cNvPr id="197" name="Google Shape;197;g8d8c850c25_0_33:notes"/>
+          <p:cNvSpPr>
+            <a:spLocks noGrp="1" noRot="1" noChangeAspect="1"/>
+          </p:cNvSpPr>
+          <p:nvPr>
+            <p:ph type="sldImg" idx="2"/>
+          </p:nvPr>
+        </p:nvSpPr>
+        <p:spPr>
+          <a:xfrm>
+            <a:off x="2435369" y="685800"/>
+            <a:ext cx="1987200" cy="3429000"/>
+          </a:xfrm>
+          <a:custGeom>
+            <a:avLst/>
+            <a:gdLst/>
+            <a:ahLst/>
+            <a:cxnLst/>
+            <a:rect l="l" t="t" r="r" b="b"/>
+            <a:pathLst>
+              <a:path w="120000" h="120000" extrusionOk="0">
+                <a:moveTo>
+                  <a:pt x="0" y="0"/>
+                </a:moveTo>
+                <a:lnTo>
+                  <a:pt x="120000" y="0"/>
+                </a:lnTo>
+                <a:lnTo>
+                  <a:pt x="120000" y="120000"/>
+                </a:lnTo>
+                <a:lnTo>
+                  <a:pt x="0" y="120000"/>
+                </a:lnTo>
+                <a:close/>
+              </a:path>
+            </a:pathLst>
+          </a:custGeom>
+        </p:spPr>
+      </p:sp>
+    </p:spTree>
+  </p:cSld>
+  <p:clrMapOvr>
+    <a:masterClrMapping/>
+  </p:clrMapOvr>
+</p:notes>
+</file>
+
+<file path=ppt/notesSlides/notesSlide20.xml><?xml version="1.0" encoding="utf-8"?>
 <p:notes xmlns:a="http://schemas.openxmlformats.org/drawingml/2006/main" xmlns:r="http://schemas.openxmlformats.org/officeDocument/2006/relationships" xmlns:p="http://schemas.openxmlformats.org/presentationml/2006/main" showMasterSp="0" showMasterPhAnim="0">
   <p:cSld>
     <p:spTree>
@@ -1815,7 +2142,7 @@
 </p:notes>
 </file>
 
-<file path=ppt/notesSlides/notesSlide19.xml><?xml version="1.0" encoding="utf-8"?>
+<file path=ppt/notesSlides/notesSlide21.xml><?xml version="1.0" encoding="utf-8"?>
 <p:notes xmlns:a="http://schemas.openxmlformats.org/drawingml/2006/main" xmlns:r="http://schemas.openxmlformats.org/officeDocument/2006/relationships" xmlns:p="http://schemas.openxmlformats.org/presentationml/2006/main" showMasterSp="0" showMasterPhAnim="0">
   <p:cSld>
     <p:spTree>
@@ -1919,115 +2246,7 @@
 </p:notes>
 </file>
 
-<file path=ppt/notesSlides/notesSlide2.xml><?xml version="1.0" encoding="utf-8"?>
-<p:notes xmlns:a="http://schemas.openxmlformats.org/drawingml/2006/main" xmlns:r="http://schemas.openxmlformats.org/officeDocument/2006/relationships" xmlns:p="http://schemas.openxmlformats.org/presentationml/2006/main" showMasterSp="0" showMasterPhAnim="0">
-  <p:cSld>
-    <p:spTree>
-      <p:nvGrpSpPr>
-        <p:cNvPr id="1" name="Shape 195"/>
-        <p:cNvGrpSpPr/>
-        <p:nvPr/>
-      </p:nvGrpSpPr>
-      <p:grpSpPr>
-        <a:xfrm>
-          <a:off x="0" y="0"/>
-          <a:ext cx="0" cy="0"/>
-          <a:chOff x="0" y="0"/>
-          <a:chExt cx="0" cy="0"/>
-        </a:xfrm>
-      </p:grpSpPr>
-      <p:sp>
-        <p:nvSpPr>
-          <p:cNvPr id="196" name="Google Shape;196;g8d8c850c25_0_33:notes"/>
-          <p:cNvSpPr txBox="1">
-            <a:spLocks noGrp="1"/>
-          </p:cNvSpPr>
-          <p:nvPr>
-            <p:ph type="body" idx="1"/>
-          </p:nvPr>
-        </p:nvSpPr>
-        <p:spPr>
-          <a:xfrm>
-            <a:off x="914400" y="4343400"/>
-            <a:ext cx="5029200" cy="4114800"/>
-          </a:xfrm>
-          <a:prstGeom prst="rect">
-            <a:avLst/>
-          </a:prstGeom>
-          <a:noFill/>
-          <a:ln>
-            <a:noFill/>
-          </a:ln>
-        </p:spPr>
-        <p:txBody>
-          <a:bodyPr spcFirstLastPara="1" wrap="square" lIns="91425" tIns="91425" rIns="91425" bIns="91425" anchor="ctr" anchorCtr="0">
-            <a:noAutofit/>
-          </a:bodyPr>
-          <a:lstStyle/>
-          <a:p>
-            <a:pPr marL="0" lvl="0" indent="0" algn="l" rtl="0">
-              <a:spcBef>
-                <a:spcPts val="0"/>
-              </a:spcBef>
-              <a:spcAft>
-                <a:spcPts val="0"/>
-              </a:spcAft>
-              <a:buNone/>
-            </a:pPr>
-            <a:endParaRPr/>
-          </a:p>
-        </p:txBody>
-      </p:sp>
-      <p:sp>
-        <p:nvSpPr>
-          <p:cNvPr id="197" name="Google Shape;197;g8d8c850c25_0_33:notes"/>
-          <p:cNvSpPr>
-            <a:spLocks noGrp="1" noRot="1" noChangeAspect="1"/>
-          </p:cNvSpPr>
-          <p:nvPr>
-            <p:ph type="sldImg" idx="2"/>
-          </p:nvPr>
-        </p:nvSpPr>
-        <p:spPr>
-          <a:xfrm>
-            <a:off x="2435369" y="685800"/>
-            <a:ext cx="1987200" cy="3429000"/>
-          </a:xfrm>
-          <a:custGeom>
-            <a:avLst/>
-            <a:gdLst/>
-            <a:ahLst/>
-            <a:cxnLst/>
-            <a:rect l="l" t="t" r="r" b="b"/>
-            <a:pathLst>
-              <a:path w="120000" h="120000" extrusionOk="0">
-                <a:moveTo>
-                  <a:pt x="0" y="0"/>
-                </a:moveTo>
-                <a:lnTo>
-                  <a:pt x="120000" y="0"/>
-                </a:lnTo>
-                <a:lnTo>
-                  <a:pt x="120000" y="120000"/>
-                </a:lnTo>
-                <a:lnTo>
-                  <a:pt x="0" y="120000"/>
-                </a:lnTo>
-                <a:close/>
-              </a:path>
-            </a:pathLst>
-          </a:custGeom>
-        </p:spPr>
-      </p:sp>
-    </p:spTree>
-  </p:cSld>
-  <p:clrMapOvr>
-    <a:masterClrMapping/>
-  </p:clrMapOvr>
-</p:notes>
-</file>
-
-<file path=ppt/notesSlides/notesSlide20.xml><?xml version="1.0" encoding="utf-8"?>
+<file path=ppt/notesSlides/notesSlide22.xml><?xml version="1.0" encoding="utf-8"?>
 <p:notes xmlns:a="http://schemas.openxmlformats.org/drawingml/2006/main" xmlns:r="http://schemas.openxmlformats.org/officeDocument/2006/relationships" xmlns:p="http://schemas.openxmlformats.org/presentationml/2006/main" showMasterSp="0" showMasterPhAnim="0">
   <p:cSld>
     <p:spTree>
@@ -2131,7 +2350,7 @@
 </p:notes>
 </file>
 
-<file path=ppt/notesSlides/notesSlide21.xml><?xml version="1.0" encoding="utf-8"?>
+<file path=ppt/notesSlides/notesSlide23.xml><?xml version="1.0" encoding="utf-8"?>
 <p:notes xmlns:a="http://schemas.openxmlformats.org/drawingml/2006/main" xmlns:r="http://schemas.openxmlformats.org/officeDocument/2006/relationships" xmlns:p="http://schemas.openxmlformats.org/presentationml/2006/main" showMasterSp="0" showMasterPhAnim="0">
   <p:cSld>
     <p:spTree>
@@ -2235,7 +2454,7 @@
 </p:notes>
 </file>
 
-<file path=ppt/notesSlides/notesSlide22.xml><?xml version="1.0" encoding="utf-8"?>
+<file path=ppt/notesSlides/notesSlide24.xml><?xml version="1.0" encoding="utf-8"?>
 <p:notes xmlns:a="http://schemas.openxmlformats.org/drawingml/2006/main" xmlns:r="http://schemas.openxmlformats.org/officeDocument/2006/relationships" xmlns:p="http://schemas.openxmlformats.org/presentationml/2006/main" showMasterSp="0" showMasterPhAnim="0">
   <p:cSld>
     <p:spTree>
@@ -2339,7 +2558,7 @@
 </p:notes>
 </file>
 
-<file path=ppt/notesSlides/notesSlide23.xml><?xml version="1.0" encoding="utf-8"?>
+<file path=ppt/notesSlides/notesSlide25.xml><?xml version="1.0" encoding="utf-8"?>
 <p:notes xmlns:a="http://schemas.openxmlformats.org/drawingml/2006/main" xmlns:r="http://schemas.openxmlformats.org/officeDocument/2006/relationships" xmlns:p="http://schemas.openxmlformats.org/presentationml/2006/main" showMasterSp="0" showMasterPhAnim="0">
   <p:cSld>
     <p:spTree>
@@ -2443,7 +2662,7 @@
 </p:notes>
 </file>
 
-<file path=ppt/notesSlides/notesSlide24.xml><?xml version="1.0" encoding="utf-8"?>
+<file path=ppt/notesSlides/notesSlide26.xml><?xml version="1.0" encoding="utf-8"?>
 <p:notes xmlns:a="http://schemas.openxmlformats.org/drawingml/2006/main" xmlns:r="http://schemas.openxmlformats.org/officeDocument/2006/relationships" xmlns:p="http://schemas.openxmlformats.org/presentationml/2006/main" showMasterSp="0" showMasterPhAnim="0">
   <p:cSld>
     <p:spTree>
@@ -2547,7 +2766,7 @@
 </p:notes>
 </file>
 
-<file path=ppt/notesSlides/notesSlide25.xml><?xml version="1.0" encoding="utf-8"?>
+<file path=ppt/notesSlides/notesSlide27.xml><?xml version="1.0" encoding="utf-8"?>
 <p:notes xmlns:a="http://schemas.openxmlformats.org/drawingml/2006/main" xmlns:r="http://schemas.openxmlformats.org/officeDocument/2006/relationships" xmlns:p="http://schemas.openxmlformats.org/presentationml/2006/main" showMasterSp="0" showMasterPhAnim="0">
   <p:cSld>
     <p:spTree>
@@ -2651,7 +2870,7 @@
 </p:notes>
 </file>
 
-<file path=ppt/notesSlides/notesSlide26.xml><?xml version="1.0" encoding="utf-8"?>
+<file path=ppt/notesSlides/notesSlide28.xml><?xml version="1.0" encoding="utf-8"?>
 <p:notes xmlns:a="http://schemas.openxmlformats.org/drawingml/2006/main" xmlns:r="http://schemas.openxmlformats.org/officeDocument/2006/relationships" xmlns:p="http://schemas.openxmlformats.org/presentationml/2006/main" showMasterSp="0" showMasterPhAnim="0">
   <p:cSld>
     <p:spTree>
@@ -2759,7 +2978,7 @@
 </p:notes>
 </file>
 
-<file path=ppt/notesSlides/notesSlide27.xml><?xml version="1.0" encoding="utf-8"?>
+<file path=ppt/notesSlides/notesSlide29.xml><?xml version="1.0" encoding="utf-8"?>
 <p:notes xmlns:a="http://schemas.openxmlformats.org/drawingml/2006/main" xmlns:r="http://schemas.openxmlformats.org/officeDocument/2006/relationships" xmlns:p="http://schemas.openxmlformats.org/presentationml/2006/main" showMasterSp="0" showMasterPhAnim="0">
   <p:cSld>
     <p:spTree>
@@ -2820,214 +3039,6 @@
       <p:sp>
         <p:nvSpPr>
           <p:cNvPr id="340" name="Google Shape;340;g8c28c705c4_0_17:notes"/>
-          <p:cNvSpPr txBox="1">
-            <a:spLocks noGrp="1"/>
-          </p:cNvSpPr>
-          <p:nvPr>
-            <p:ph type="body" idx="1"/>
-          </p:nvPr>
-        </p:nvSpPr>
-        <p:spPr>
-          <a:xfrm>
-            <a:off x="685800" y="4343400"/>
-            <a:ext cx="5486400" cy="4114800"/>
-          </a:xfrm>
-          <a:prstGeom prst="rect">
-            <a:avLst/>
-          </a:prstGeom>
-        </p:spPr>
-        <p:txBody>
-          <a:bodyPr spcFirstLastPara="1" wrap="square" lIns="91425" tIns="91425" rIns="91425" bIns="91425" anchor="t" anchorCtr="0">
-            <a:noAutofit/>
-          </a:bodyPr>
-          <a:lstStyle/>
-          <a:p>
-            <a:pPr marL="0" lvl="0" indent="0" algn="l" rtl="0">
-              <a:spcBef>
-                <a:spcPts val="0"/>
-              </a:spcBef>
-              <a:spcAft>
-                <a:spcPts val="0"/>
-              </a:spcAft>
-              <a:buNone/>
-            </a:pPr>
-            <a:endParaRPr/>
-          </a:p>
-        </p:txBody>
-      </p:sp>
-    </p:spTree>
-  </p:cSld>
-  <p:clrMapOvr>
-    <a:masterClrMapping/>
-  </p:clrMapOvr>
-</p:notes>
-</file>
-
-<file path=ppt/notesSlides/notesSlide28.xml><?xml version="1.0" encoding="utf-8"?>
-<p:notes xmlns:a="http://schemas.openxmlformats.org/drawingml/2006/main" xmlns:r="http://schemas.openxmlformats.org/officeDocument/2006/relationships" xmlns:p="http://schemas.openxmlformats.org/presentationml/2006/main" showMasterSp="0" showMasterPhAnim="0">
-  <p:cSld>
-    <p:spTree>
-      <p:nvGrpSpPr>
-        <p:cNvPr id="1" name="Shape 344"/>
-        <p:cNvGrpSpPr/>
-        <p:nvPr/>
-      </p:nvGrpSpPr>
-      <p:grpSpPr>
-        <a:xfrm>
-          <a:off x="0" y="0"/>
-          <a:ext cx="0" cy="0"/>
-          <a:chOff x="0" y="0"/>
-          <a:chExt cx="0" cy="0"/>
-        </a:xfrm>
-      </p:grpSpPr>
-      <p:sp>
-        <p:nvSpPr>
-          <p:cNvPr id="345" name="Google Shape;345;g8d8c850c25_0_130:notes"/>
-          <p:cNvSpPr>
-            <a:spLocks noGrp="1" noRot="1" noChangeAspect="1"/>
-          </p:cNvSpPr>
-          <p:nvPr>
-            <p:ph type="sldImg" idx="2"/>
-          </p:nvPr>
-        </p:nvSpPr>
-        <p:spPr>
-          <a:xfrm>
-            <a:off x="2104459" y="685800"/>
-            <a:ext cx="2649600" cy="3429000"/>
-          </a:xfrm>
-          <a:custGeom>
-            <a:avLst/>
-            <a:gdLst/>
-            <a:ahLst/>
-            <a:cxnLst/>
-            <a:rect l="l" t="t" r="r" b="b"/>
-            <a:pathLst>
-              <a:path w="120000" h="120000" extrusionOk="0">
-                <a:moveTo>
-                  <a:pt x="0" y="0"/>
-                </a:moveTo>
-                <a:lnTo>
-                  <a:pt x="120000" y="0"/>
-                </a:lnTo>
-                <a:lnTo>
-                  <a:pt x="120000" y="120000"/>
-                </a:lnTo>
-                <a:lnTo>
-                  <a:pt x="0" y="120000"/>
-                </a:lnTo>
-                <a:close/>
-              </a:path>
-            </a:pathLst>
-          </a:custGeom>
-        </p:spPr>
-      </p:sp>
-      <p:sp>
-        <p:nvSpPr>
-          <p:cNvPr id="346" name="Google Shape;346;g8d8c850c25_0_130:notes"/>
-          <p:cNvSpPr txBox="1">
-            <a:spLocks noGrp="1"/>
-          </p:cNvSpPr>
-          <p:nvPr>
-            <p:ph type="body" idx="1"/>
-          </p:nvPr>
-        </p:nvSpPr>
-        <p:spPr>
-          <a:xfrm>
-            <a:off x="685800" y="4343400"/>
-            <a:ext cx="5486400" cy="4114800"/>
-          </a:xfrm>
-          <a:prstGeom prst="rect">
-            <a:avLst/>
-          </a:prstGeom>
-        </p:spPr>
-        <p:txBody>
-          <a:bodyPr spcFirstLastPara="1" wrap="square" lIns="91425" tIns="91425" rIns="91425" bIns="91425" anchor="t" anchorCtr="0">
-            <a:noAutofit/>
-          </a:bodyPr>
-          <a:lstStyle/>
-          <a:p>
-            <a:pPr marL="0" lvl="0" indent="0" algn="l" rtl="0">
-              <a:spcBef>
-                <a:spcPts val="0"/>
-              </a:spcBef>
-              <a:spcAft>
-                <a:spcPts val="0"/>
-              </a:spcAft>
-              <a:buNone/>
-            </a:pPr>
-            <a:endParaRPr/>
-          </a:p>
-        </p:txBody>
-      </p:sp>
-    </p:spTree>
-  </p:cSld>
-  <p:clrMapOvr>
-    <a:masterClrMapping/>
-  </p:clrMapOvr>
-</p:notes>
-</file>
-
-<file path=ppt/notesSlides/notesSlide29.xml><?xml version="1.0" encoding="utf-8"?>
-<p:notes xmlns:a="http://schemas.openxmlformats.org/drawingml/2006/main" xmlns:r="http://schemas.openxmlformats.org/officeDocument/2006/relationships" xmlns:p="http://schemas.openxmlformats.org/presentationml/2006/main" showMasterSp="0" showMasterPhAnim="0">
-  <p:cSld>
-    <p:spTree>
-      <p:nvGrpSpPr>
-        <p:cNvPr id="1" name="Shape 350"/>
-        <p:cNvGrpSpPr/>
-        <p:nvPr/>
-      </p:nvGrpSpPr>
-      <p:grpSpPr>
-        <a:xfrm>
-          <a:off x="0" y="0"/>
-          <a:ext cx="0" cy="0"/>
-          <a:chOff x="0" y="0"/>
-          <a:chExt cx="0" cy="0"/>
-        </a:xfrm>
-      </p:grpSpPr>
-      <p:sp>
-        <p:nvSpPr>
-          <p:cNvPr id="351" name="Google Shape;351;g8c49221f98_6_21:notes"/>
-          <p:cNvSpPr>
-            <a:spLocks noGrp="1" noRot="1" noChangeAspect="1"/>
-          </p:cNvSpPr>
-          <p:nvPr>
-            <p:ph type="sldImg" idx="2"/>
-          </p:nvPr>
-        </p:nvSpPr>
-        <p:spPr>
-          <a:xfrm>
-            <a:off x="2104459" y="685800"/>
-            <a:ext cx="2649600" cy="3429000"/>
-          </a:xfrm>
-          <a:custGeom>
-            <a:avLst/>
-            <a:gdLst/>
-            <a:ahLst/>
-            <a:cxnLst/>
-            <a:rect l="l" t="t" r="r" b="b"/>
-            <a:pathLst>
-              <a:path w="120000" h="120000" extrusionOk="0">
-                <a:moveTo>
-                  <a:pt x="0" y="0"/>
-                </a:moveTo>
-                <a:lnTo>
-                  <a:pt x="120000" y="0"/>
-                </a:lnTo>
-                <a:lnTo>
-                  <a:pt x="120000" y="120000"/>
-                </a:lnTo>
-                <a:lnTo>
-                  <a:pt x="0" y="120000"/>
-                </a:lnTo>
-                <a:close/>
-              </a:path>
-            </a:pathLst>
-          </a:custGeom>
-        </p:spPr>
-      </p:sp>
-      <p:sp>
-        <p:nvSpPr>
-          <p:cNvPr id="352" name="Google Shape;352;g8c49221f98_6_21:notes"/>
           <p:cNvSpPr txBox="1">
             <a:spLocks noGrp="1"/>
           </p:cNvSpPr>
@@ -3180,6 +3191,214 @@
   <p:cSld>
     <p:spTree>
       <p:nvGrpSpPr>
+        <p:cNvPr id="1" name="Shape 344"/>
+        <p:cNvGrpSpPr/>
+        <p:nvPr/>
+      </p:nvGrpSpPr>
+      <p:grpSpPr>
+        <a:xfrm>
+          <a:off x="0" y="0"/>
+          <a:ext cx="0" cy="0"/>
+          <a:chOff x="0" y="0"/>
+          <a:chExt cx="0" cy="0"/>
+        </a:xfrm>
+      </p:grpSpPr>
+      <p:sp>
+        <p:nvSpPr>
+          <p:cNvPr id="345" name="Google Shape;345;g8d8c850c25_0_130:notes"/>
+          <p:cNvSpPr>
+            <a:spLocks noGrp="1" noRot="1" noChangeAspect="1"/>
+          </p:cNvSpPr>
+          <p:nvPr>
+            <p:ph type="sldImg" idx="2"/>
+          </p:nvPr>
+        </p:nvSpPr>
+        <p:spPr>
+          <a:xfrm>
+            <a:off x="2104459" y="685800"/>
+            <a:ext cx="2649600" cy="3429000"/>
+          </a:xfrm>
+          <a:custGeom>
+            <a:avLst/>
+            <a:gdLst/>
+            <a:ahLst/>
+            <a:cxnLst/>
+            <a:rect l="l" t="t" r="r" b="b"/>
+            <a:pathLst>
+              <a:path w="120000" h="120000" extrusionOk="0">
+                <a:moveTo>
+                  <a:pt x="0" y="0"/>
+                </a:moveTo>
+                <a:lnTo>
+                  <a:pt x="120000" y="0"/>
+                </a:lnTo>
+                <a:lnTo>
+                  <a:pt x="120000" y="120000"/>
+                </a:lnTo>
+                <a:lnTo>
+                  <a:pt x="0" y="120000"/>
+                </a:lnTo>
+                <a:close/>
+              </a:path>
+            </a:pathLst>
+          </a:custGeom>
+        </p:spPr>
+      </p:sp>
+      <p:sp>
+        <p:nvSpPr>
+          <p:cNvPr id="346" name="Google Shape;346;g8d8c850c25_0_130:notes"/>
+          <p:cNvSpPr txBox="1">
+            <a:spLocks noGrp="1"/>
+          </p:cNvSpPr>
+          <p:nvPr>
+            <p:ph type="body" idx="1"/>
+          </p:nvPr>
+        </p:nvSpPr>
+        <p:spPr>
+          <a:xfrm>
+            <a:off x="685800" y="4343400"/>
+            <a:ext cx="5486400" cy="4114800"/>
+          </a:xfrm>
+          <a:prstGeom prst="rect">
+            <a:avLst/>
+          </a:prstGeom>
+        </p:spPr>
+        <p:txBody>
+          <a:bodyPr spcFirstLastPara="1" wrap="square" lIns="91425" tIns="91425" rIns="91425" bIns="91425" anchor="t" anchorCtr="0">
+            <a:noAutofit/>
+          </a:bodyPr>
+          <a:lstStyle/>
+          <a:p>
+            <a:pPr marL="0" lvl="0" indent="0" algn="l" rtl="0">
+              <a:spcBef>
+                <a:spcPts val="0"/>
+              </a:spcBef>
+              <a:spcAft>
+                <a:spcPts val="0"/>
+              </a:spcAft>
+              <a:buNone/>
+            </a:pPr>
+            <a:endParaRPr/>
+          </a:p>
+        </p:txBody>
+      </p:sp>
+    </p:spTree>
+  </p:cSld>
+  <p:clrMapOvr>
+    <a:masterClrMapping/>
+  </p:clrMapOvr>
+</p:notes>
+</file>
+
+<file path=ppt/notesSlides/notesSlide31.xml><?xml version="1.0" encoding="utf-8"?>
+<p:notes xmlns:a="http://schemas.openxmlformats.org/drawingml/2006/main" xmlns:r="http://schemas.openxmlformats.org/officeDocument/2006/relationships" xmlns:p="http://schemas.openxmlformats.org/presentationml/2006/main" showMasterSp="0" showMasterPhAnim="0">
+  <p:cSld>
+    <p:spTree>
+      <p:nvGrpSpPr>
+        <p:cNvPr id="1" name="Shape 350"/>
+        <p:cNvGrpSpPr/>
+        <p:nvPr/>
+      </p:nvGrpSpPr>
+      <p:grpSpPr>
+        <a:xfrm>
+          <a:off x="0" y="0"/>
+          <a:ext cx="0" cy="0"/>
+          <a:chOff x="0" y="0"/>
+          <a:chExt cx="0" cy="0"/>
+        </a:xfrm>
+      </p:grpSpPr>
+      <p:sp>
+        <p:nvSpPr>
+          <p:cNvPr id="351" name="Google Shape;351;g8c49221f98_6_21:notes"/>
+          <p:cNvSpPr>
+            <a:spLocks noGrp="1" noRot="1" noChangeAspect="1"/>
+          </p:cNvSpPr>
+          <p:nvPr>
+            <p:ph type="sldImg" idx="2"/>
+          </p:nvPr>
+        </p:nvSpPr>
+        <p:spPr>
+          <a:xfrm>
+            <a:off x="2104459" y="685800"/>
+            <a:ext cx="2649600" cy="3429000"/>
+          </a:xfrm>
+          <a:custGeom>
+            <a:avLst/>
+            <a:gdLst/>
+            <a:ahLst/>
+            <a:cxnLst/>
+            <a:rect l="l" t="t" r="r" b="b"/>
+            <a:pathLst>
+              <a:path w="120000" h="120000" extrusionOk="0">
+                <a:moveTo>
+                  <a:pt x="0" y="0"/>
+                </a:moveTo>
+                <a:lnTo>
+                  <a:pt x="120000" y="0"/>
+                </a:lnTo>
+                <a:lnTo>
+                  <a:pt x="120000" y="120000"/>
+                </a:lnTo>
+                <a:lnTo>
+                  <a:pt x="0" y="120000"/>
+                </a:lnTo>
+                <a:close/>
+              </a:path>
+            </a:pathLst>
+          </a:custGeom>
+        </p:spPr>
+      </p:sp>
+      <p:sp>
+        <p:nvSpPr>
+          <p:cNvPr id="352" name="Google Shape;352;g8c49221f98_6_21:notes"/>
+          <p:cNvSpPr txBox="1">
+            <a:spLocks noGrp="1"/>
+          </p:cNvSpPr>
+          <p:nvPr>
+            <p:ph type="body" idx="1"/>
+          </p:nvPr>
+        </p:nvSpPr>
+        <p:spPr>
+          <a:xfrm>
+            <a:off x="685800" y="4343400"/>
+            <a:ext cx="5486400" cy="4114800"/>
+          </a:xfrm>
+          <a:prstGeom prst="rect">
+            <a:avLst/>
+          </a:prstGeom>
+        </p:spPr>
+        <p:txBody>
+          <a:bodyPr spcFirstLastPara="1" wrap="square" lIns="91425" tIns="91425" rIns="91425" bIns="91425" anchor="t" anchorCtr="0">
+            <a:noAutofit/>
+          </a:bodyPr>
+          <a:lstStyle/>
+          <a:p>
+            <a:pPr marL="0" lvl="0" indent="0" algn="l" rtl="0">
+              <a:spcBef>
+                <a:spcPts val="0"/>
+              </a:spcBef>
+              <a:spcAft>
+                <a:spcPts val="0"/>
+              </a:spcAft>
+              <a:buNone/>
+            </a:pPr>
+            <a:endParaRPr/>
+          </a:p>
+        </p:txBody>
+      </p:sp>
+    </p:spTree>
+  </p:cSld>
+  <p:clrMapOvr>
+    <a:masterClrMapping/>
+  </p:clrMapOvr>
+</p:notes>
+</file>
+
+<file path=ppt/notesSlides/notesSlide32.xml><?xml version="1.0" encoding="utf-8"?>
+<p:notes xmlns:a="http://schemas.openxmlformats.org/drawingml/2006/main" xmlns:r="http://schemas.openxmlformats.org/officeDocument/2006/relationships" xmlns:p="http://schemas.openxmlformats.org/presentationml/2006/main" showMasterSp="0" showMasterPhAnim="0">
+  <p:cSld>
+    <p:spTree>
+      <p:nvGrpSpPr>
         <p:cNvPr id="1" name="Shape 356"/>
         <p:cNvGrpSpPr/>
         <p:nvPr/>
@@ -3279,7 +3498,7 @@
 </p:notes>
 </file>
 
-<file path=ppt/notesSlides/notesSlide31.xml><?xml version="1.0" encoding="utf-8"?>
+<file path=ppt/notesSlides/notesSlide33.xml><?xml version="1.0" encoding="utf-8"?>
 <p:notes xmlns:a="http://schemas.openxmlformats.org/drawingml/2006/main" xmlns:r="http://schemas.openxmlformats.org/officeDocument/2006/relationships" xmlns:p="http://schemas.openxmlformats.org/presentationml/2006/main" showMasterSp="0" showMasterPhAnim="0">
   <p:cSld>
     <p:spTree>
@@ -3387,7 +3606,7 @@
 </p:notes>
 </file>
 
-<file path=ppt/notesSlides/notesSlide32.xml><?xml version="1.0" encoding="utf-8"?>
+<file path=ppt/notesSlides/notesSlide34.xml><?xml version="1.0" encoding="utf-8"?>
 <p:notes xmlns:a="http://schemas.openxmlformats.org/drawingml/2006/main" xmlns:r="http://schemas.openxmlformats.org/officeDocument/2006/relationships" xmlns:p="http://schemas.openxmlformats.org/presentationml/2006/main" showMasterSp="0" showMasterPhAnim="0">
   <p:cSld>
     <p:spTree>
@@ -3905,6 +4124,11 @@
         </p:txBody>
       </p:sp>
     </p:spTree>
+    <p:extLst>
+      <p:ext uri="{BB962C8B-B14F-4D97-AF65-F5344CB8AC3E}">
+        <p14:creationId xmlns:p14="http://schemas.microsoft.com/office/powerpoint/2010/main" val="2309598099"/>
+      </p:ext>
+    </p:extLst>
   </p:cSld>
   <p:clrMapOvr>
     <a:masterClrMapping/>
@@ -3913,6 +4137,110 @@
 </file>
 
 <file path=ppt/notesSlides/notesSlide8.xml><?xml version="1.0" encoding="utf-8"?>
+<p:notes xmlns:a="http://schemas.openxmlformats.org/drawingml/2006/main" xmlns:r="http://schemas.openxmlformats.org/officeDocument/2006/relationships" xmlns:p="http://schemas.openxmlformats.org/presentationml/2006/main" showMasterSp="0" showMasterPhAnim="0">
+  <p:cSld>
+    <p:spTree>
+      <p:nvGrpSpPr>
+        <p:cNvPr id="1" name="Shape 220"/>
+        <p:cNvGrpSpPr/>
+        <p:nvPr/>
+      </p:nvGrpSpPr>
+      <p:grpSpPr>
+        <a:xfrm>
+          <a:off x="0" y="0"/>
+          <a:ext cx="0" cy="0"/>
+          <a:chOff x="0" y="0"/>
+          <a:chExt cx="0" cy="0"/>
+        </a:xfrm>
+      </p:grpSpPr>
+      <p:sp>
+        <p:nvSpPr>
+          <p:cNvPr id="221" name="Google Shape;221;g8d8c850c25_0_74:notes"/>
+          <p:cNvSpPr>
+            <a:spLocks noGrp="1" noRot="1" noChangeAspect="1"/>
+          </p:cNvSpPr>
+          <p:nvPr>
+            <p:ph type="sldImg" idx="2"/>
+          </p:nvPr>
+        </p:nvSpPr>
+        <p:spPr>
+          <a:xfrm>
+            <a:off x="2105025" y="685800"/>
+            <a:ext cx="2649538" cy="3429000"/>
+          </a:xfrm>
+          <a:custGeom>
+            <a:avLst/>
+            <a:gdLst/>
+            <a:ahLst/>
+            <a:cxnLst/>
+            <a:rect l="l" t="t" r="r" b="b"/>
+            <a:pathLst>
+              <a:path w="120000" h="120000" extrusionOk="0">
+                <a:moveTo>
+                  <a:pt x="0" y="0"/>
+                </a:moveTo>
+                <a:lnTo>
+                  <a:pt x="120000" y="0"/>
+                </a:lnTo>
+                <a:lnTo>
+                  <a:pt x="120000" y="120000"/>
+                </a:lnTo>
+                <a:lnTo>
+                  <a:pt x="0" y="120000"/>
+                </a:lnTo>
+                <a:close/>
+              </a:path>
+            </a:pathLst>
+          </a:custGeom>
+        </p:spPr>
+      </p:sp>
+      <p:sp>
+        <p:nvSpPr>
+          <p:cNvPr id="222" name="Google Shape;222;g8d8c850c25_0_74:notes"/>
+          <p:cNvSpPr txBox="1">
+            <a:spLocks noGrp="1"/>
+          </p:cNvSpPr>
+          <p:nvPr>
+            <p:ph type="body" idx="1"/>
+          </p:nvPr>
+        </p:nvSpPr>
+        <p:spPr>
+          <a:xfrm>
+            <a:off x="685800" y="4343400"/>
+            <a:ext cx="5486400" cy="4114800"/>
+          </a:xfrm>
+          <a:prstGeom prst="rect">
+            <a:avLst/>
+          </a:prstGeom>
+        </p:spPr>
+        <p:txBody>
+          <a:bodyPr spcFirstLastPara="1" wrap="square" lIns="91425" tIns="91425" rIns="91425" bIns="91425" anchor="t" anchorCtr="0">
+            <a:noAutofit/>
+          </a:bodyPr>
+          <a:lstStyle/>
+          <a:p>
+            <a:pPr marL="0" lvl="0" indent="0" algn="l" rtl="0">
+              <a:spcBef>
+                <a:spcPts val="0"/>
+              </a:spcBef>
+              <a:spcAft>
+                <a:spcPts val="0"/>
+              </a:spcAft>
+              <a:buNone/>
+            </a:pPr>
+            <a:endParaRPr/>
+          </a:p>
+        </p:txBody>
+      </p:sp>
+    </p:spTree>
+  </p:cSld>
+  <p:clrMapOvr>
+    <a:masterClrMapping/>
+  </p:clrMapOvr>
+</p:notes>
+</file>
+
+<file path=ppt/notesSlides/notesSlide9.xml><?xml version="1.0" encoding="utf-8"?>
 <p:notes xmlns:a="http://schemas.openxmlformats.org/drawingml/2006/main" xmlns:r="http://schemas.openxmlformats.org/officeDocument/2006/relationships" xmlns:p="http://schemas.openxmlformats.org/presentationml/2006/main" showMasterSp="0" showMasterPhAnim="0">
   <p:cSld>
     <p:spTree>
@@ -3941,8 +4269,8 @@
         </p:nvSpPr>
         <p:spPr>
           <a:xfrm>
-            <a:off x="2104459" y="685800"/>
-            <a:ext cx="2649600" cy="3429000"/>
+            <a:off x="2105025" y="685800"/>
+            <a:ext cx="2649538" cy="3429000"/>
           </a:xfrm>
           <a:custGeom>
             <a:avLst/>
@@ -4007,114 +4335,6 @@
             <a:endParaRPr/>
           </a:p>
         </p:txBody>
-      </p:sp>
-    </p:spTree>
-  </p:cSld>
-  <p:clrMapOvr>
-    <a:masterClrMapping/>
-  </p:clrMapOvr>
-</p:notes>
-</file>
-
-<file path=ppt/notesSlides/notesSlide9.xml><?xml version="1.0" encoding="utf-8"?>
-<p:notes xmlns:a="http://schemas.openxmlformats.org/drawingml/2006/main" xmlns:r="http://schemas.openxmlformats.org/officeDocument/2006/relationships" xmlns:p="http://schemas.openxmlformats.org/presentationml/2006/main" showMasterSp="0" showMasterPhAnim="0">
-  <p:cSld>
-    <p:spTree>
-      <p:nvGrpSpPr>
-        <p:cNvPr id="1" name="Shape 232"/>
-        <p:cNvGrpSpPr/>
-        <p:nvPr/>
-      </p:nvGrpSpPr>
-      <p:grpSpPr>
-        <a:xfrm>
-          <a:off x="0" y="0"/>
-          <a:ext cx="0" cy="0"/>
-          <a:chOff x="0" y="0"/>
-          <a:chExt cx="0" cy="0"/>
-        </a:xfrm>
-      </p:grpSpPr>
-      <p:sp>
-        <p:nvSpPr>
-          <p:cNvPr id="233" name="Google Shape;233;g62fb0d8af8_0_0:notes"/>
-          <p:cNvSpPr txBox="1">
-            <a:spLocks noGrp="1"/>
-          </p:cNvSpPr>
-          <p:nvPr>
-            <p:ph type="body" idx="1"/>
-          </p:nvPr>
-        </p:nvSpPr>
-        <p:spPr>
-          <a:xfrm>
-            <a:off x="914400" y="4343400"/>
-            <a:ext cx="5029200" cy="4114800"/>
-          </a:xfrm>
-          <a:prstGeom prst="rect">
-            <a:avLst/>
-          </a:prstGeom>
-          <a:noFill/>
-          <a:ln>
-            <a:noFill/>
-          </a:ln>
-        </p:spPr>
-        <p:txBody>
-          <a:bodyPr spcFirstLastPara="1" wrap="square" lIns="91425" tIns="91425" rIns="91425" bIns="91425" anchor="ctr" anchorCtr="0">
-            <a:noAutofit/>
-          </a:bodyPr>
-          <a:lstStyle/>
-          <a:p>
-            <a:pPr marL="0" lvl="0" indent="0" algn="l" rtl="0">
-              <a:spcBef>
-                <a:spcPts val="0"/>
-              </a:spcBef>
-              <a:spcAft>
-                <a:spcPts val="0"/>
-              </a:spcAft>
-              <a:buNone/>
-            </a:pPr>
-            <a:endParaRPr/>
-          </a:p>
-        </p:txBody>
-      </p:sp>
-      <p:sp>
-        <p:nvSpPr>
-          <p:cNvPr id="234" name="Google Shape;234;g62fb0d8af8_0_0:notes"/>
-          <p:cNvSpPr>
-            <a:spLocks noGrp="1" noRot="1" noChangeAspect="1"/>
-          </p:cNvSpPr>
-          <p:nvPr>
-            <p:ph type="sldImg" idx="2"/>
-          </p:nvPr>
-        </p:nvSpPr>
-        <p:spPr>
-          <a:xfrm>
-            <a:off x="2435369" y="685800"/>
-            <a:ext cx="1987200" cy="3429000"/>
-          </a:xfrm>
-          <a:custGeom>
-            <a:avLst/>
-            <a:gdLst/>
-            <a:ahLst/>
-            <a:cxnLst/>
-            <a:rect l="l" t="t" r="r" b="b"/>
-            <a:pathLst>
-              <a:path w="120000" h="120000" extrusionOk="0">
-                <a:moveTo>
-                  <a:pt x="0" y="0"/>
-                </a:moveTo>
-                <a:lnTo>
-                  <a:pt x="120000" y="0"/>
-                </a:lnTo>
-                <a:lnTo>
-                  <a:pt x="120000" y="120000"/>
-                </a:lnTo>
-                <a:lnTo>
-                  <a:pt x="0" y="120000"/>
-                </a:lnTo>
-                <a:close/>
-              </a:path>
-            </a:pathLst>
-          </a:custGeom>
-        </p:spPr>
       </p:sp>
     </p:spTree>
   </p:cSld>
@@ -28160,23 +28380,7 @@
                   <a:srgbClr val="FFFFFF"/>
                 </a:solidFill>
               </a:rPr>
-              <a:t>[Arpit Sharma&amp; 6</a:t>
-            </a:r>
-            <a:r>
-              <a:rPr lang="en" sz="2500" baseline="30000" dirty="0">
-                <a:solidFill>
-                  <a:srgbClr val="FFFFFF"/>
-                </a:solidFill>
-              </a:rPr>
-              <a:t>th</a:t>
-            </a:r>
-            <a:r>
-              <a:rPr lang="en" sz="2500" dirty="0">
-                <a:solidFill>
-                  <a:srgbClr val="FFFFFF"/>
-                </a:solidFill>
-              </a:rPr>
-              <a:t>-Jun-2021]</a:t>
+              <a:t>[Arpit Sharma &amp; 6-Jun-2021]</a:t>
             </a:r>
             <a:endParaRPr sz="2500" dirty="0">
               <a:solidFill>
@@ -28207,6 +28411,581 @@
 </file>
 
 <file path=ppt/slides/slide10.xml><?xml version="1.0" encoding="utf-8"?>
+<p:sld xmlns:a="http://schemas.openxmlformats.org/drawingml/2006/main" xmlns:r="http://schemas.openxmlformats.org/officeDocument/2006/relationships" xmlns:p="http://schemas.openxmlformats.org/presentationml/2006/main">
+  <p:cSld>
+    <p:spTree>
+      <p:nvGrpSpPr>
+        <p:cNvPr id="1" name="Shape 229"/>
+        <p:cNvGrpSpPr/>
+        <p:nvPr/>
+      </p:nvGrpSpPr>
+      <p:grpSpPr>
+        <a:xfrm>
+          <a:off x="0" y="0"/>
+          <a:ext cx="0" cy="0"/>
+          <a:chOff x="0" y="0"/>
+          <a:chExt cx="0" cy="0"/>
+        </a:xfrm>
+      </p:grpSpPr>
+      <p:sp>
+        <p:nvSpPr>
+          <p:cNvPr id="230" name="Google Shape;230;p59"/>
+          <p:cNvSpPr txBox="1">
+            <a:spLocks noGrp="1"/>
+          </p:cNvSpPr>
+          <p:nvPr>
+            <p:ph type="title"/>
+          </p:nvPr>
+        </p:nvSpPr>
+        <p:spPr>
+          <a:xfrm>
+            <a:off x="264945" y="870271"/>
+            <a:ext cx="7242600" cy="1119900"/>
+          </a:xfrm>
+          <a:prstGeom prst="rect">
+            <a:avLst/>
+          </a:prstGeom>
+        </p:spPr>
+        <p:txBody>
+          <a:bodyPr spcFirstLastPara="1" wrap="square" lIns="91425" tIns="91425" rIns="91425" bIns="91425" anchor="ctr" anchorCtr="0">
+            <a:noAutofit/>
+          </a:bodyPr>
+          <a:lstStyle/>
+          <a:p>
+            <a:pPr marL="0" lvl="0" indent="0" algn="l" rtl="0">
+              <a:spcBef>
+                <a:spcPts val="0"/>
+              </a:spcBef>
+              <a:spcAft>
+                <a:spcPts val="0"/>
+              </a:spcAft>
+              <a:buNone/>
+            </a:pPr>
+            <a:r>
+              <a:rPr lang="en"/>
+              <a:t>Data Architect Technical Requirement</a:t>
+            </a:r>
+            <a:endParaRPr/>
+          </a:p>
+        </p:txBody>
+      </p:sp>
+      <p:sp>
+        <p:nvSpPr>
+          <p:cNvPr id="231" name="Google Shape;231;p59"/>
+          <p:cNvSpPr txBox="1">
+            <a:spLocks noGrp="1"/>
+          </p:cNvSpPr>
+          <p:nvPr>
+            <p:ph type="body" idx="1"/>
+          </p:nvPr>
+        </p:nvSpPr>
+        <p:spPr>
+          <a:xfrm>
+            <a:off x="264950" y="2253724"/>
+            <a:ext cx="7242600" cy="7731900"/>
+          </a:xfrm>
+          <a:prstGeom prst="rect">
+            <a:avLst/>
+          </a:prstGeom>
+        </p:spPr>
+        <p:txBody>
+          <a:bodyPr spcFirstLastPara="1" wrap="square" lIns="91425" tIns="91425" rIns="91425" bIns="91425" anchor="t" anchorCtr="0">
+            <a:noAutofit/>
+          </a:bodyPr>
+          <a:lstStyle/>
+          <a:p>
+            <a:pPr marL="457200" lvl="0" indent="-349250" algn="l" rtl="0">
+              <a:lnSpc>
+                <a:spcPct val="100000"/>
+              </a:lnSpc>
+              <a:spcBef>
+                <a:spcPts val="1000"/>
+              </a:spcBef>
+              <a:spcAft>
+                <a:spcPts val="0"/>
+              </a:spcAft>
+              <a:buSzPts val="1900"/>
+              <a:buFont typeface="Open Sans"/>
+              <a:buChar char="●"/>
+            </a:pPr>
+            <a:r>
+              <a:rPr lang="en" sz="1800" b="1" dirty="0">
+                <a:latin typeface="Open Sans"/>
+                <a:ea typeface="Open Sans"/>
+                <a:cs typeface="Open Sans"/>
+                <a:sym typeface="Open Sans"/>
+              </a:rPr>
+              <a:t>Flexibility</a:t>
+            </a:r>
+            <a:endParaRPr lang="en-US" sz="1800" dirty="0"/>
+          </a:p>
+          <a:p>
+            <a:pPr marL="457200" lvl="0" indent="0" algn="l" rtl="0">
+              <a:lnSpc>
+                <a:spcPct val="100000"/>
+              </a:lnSpc>
+              <a:spcBef>
+                <a:spcPts val="1000"/>
+              </a:spcBef>
+              <a:spcAft>
+                <a:spcPts val="0"/>
+              </a:spcAft>
+              <a:buNone/>
+            </a:pPr>
+            <a:r>
+              <a:rPr lang="en-US" sz="1800" dirty="0"/>
+              <a:t>Describe measures taken to ensure future data integration if needed</a:t>
+            </a:r>
+          </a:p>
+          <a:p>
+            <a:pPr lvl="1">
+              <a:buFont typeface="Wingdings" pitchFamily="2" charset="2"/>
+              <a:buChar char="§"/>
+            </a:pPr>
+            <a:r>
+              <a:rPr lang="en-US" sz="1600" dirty="0"/>
+              <a:t>Database engine used for this requirement is similar to other platforms within the organization . This which ensure seamless integration with other apps in the future.</a:t>
+            </a:r>
+          </a:p>
+          <a:p>
+            <a:pPr marL="457200" lvl="0" indent="-349250" algn="l" rtl="0">
+              <a:spcBef>
+                <a:spcPts val="1000"/>
+              </a:spcBef>
+              <a:spcAft>
+                <a:spcPts val="0"/>
+              </a:spcAft>
+              <a:buSzPts val="1900"/>
+              <a:buFont typeface="Open Sans"/>
+              <a:buChar char="●"/>
+            </a:pPr>
+            <a:r>
+              <a:rPr lang="en" sz="1800" b="1" dirty="0">
+                <a:latin typeface="Open Sans"/>
+                <a:ea typeface="Open Sans"/>
+                <a:cs typeface="Open Sans"/>
+                <a:sym typeface="Open Sans"/>
+              </a:rPr>
+              <a:t>Storage &amp; retention</a:t>
+            </a:r>
+            <a:endParaRPr sz="1800" b="1" dirty="0">
+              <a:latin typeface="Open Sans"/>
+              <a:ea typeface="Open Sans"/>
+              <a:cs typeface="Open Sans"/>
+              <a:sym typeface="Open Sans"/>
+            </a:endParaRPr>
+          </a:p>
+          <a:p>
+            <a:pPr marL="457200" lvl="0" indent="0" algn="l" rtl="0">
+              <a:lnSpc>
+                <a:spcPct val="100000"/>
+              </a:lnSpc>
+              <a:spcBef>
+                <a:spcPts val="1000"/>
+              </a:spcBef>
+              <a:spcAft>
+                <a:spcPts val="0"/>
+              </a:spcAft>
+              <a:buNone/>
+            </a:pPr>
+            <a:r>
+              <a:rPr lang="en" sz="1600" b="1" dirty="0">
+                <a:latin typeface="Open Sans"/>
+                <a:ea typeface="Open Sans"/>
+                <a:cs typeface="Open Sans"/>
+                <a:sym typeface="Open Sans"/>
+              </a:rPr>
+              <a:t>Storage (disk or in-memory): </a:t>
+            </a:r>
+            <a:r>
+              <a:rPr lang="en" sz="1600" dirty="0"/>
+              <a:t>check </a:t>
+            </a:r>
+            <a:r>
+              <a:rPr lang="en" sz="1600" u="sng" dirty="0">
+                <a:solidFill>
+                  <a:schemeClr val="hlink"/>
+                </a:solidFill>
+                <a:hlinkClick r:id="rId3"/>
+              </a:rPr>
+              <a:t>IT best practices document</a:t>
+            </a:r>
+            <a:endParaRPr sz="1600" dirty="0"/>
+          </a:p>
+          <a:p>
+            <a:pPr lvl="1">
+              <a:buFont typeface="Wingdings" pitchFamily="2" charset="2"/>
+              <a:buChar char="§"/>
+            </a:pPr>
+            <a:r>
+              <a:rPr lang="en-US" sz="1600" dirty="0"/>
+              <a:t>Disk based storage should suffice for this requirement as there are no requirements related to advanced analytics, machine learning applications.</a:t>
+            </a:r>
+          </a:p>
+          <a:p>
+            <a:pPr marL="457200" lvl="0" indent="0" algn="l" rtl="0">
+              <a:lnSpc>
+                <a:spcPct val="100000"/>
+              </a:lnSpc>
+              <a:spcBef>
+                <a:spcPts val="0"/>
+              </a:spcBef>
+              <a:spcAft>
+                <a:spcPts val="0"/>
+              </a:spcAft>
+              <a:buNone/>
+            </a:pPr>
+            <a:endParaRPr sz="1700" dirty="0"/>
+          </a:p>
+          <a:p>
+            <a:pPr marL="457200" lvl="0" indent="0" algn="l" rtl="0">
+              <a:lnSpc>
+                <a:spcPct val="100000"/>
+              </a:lnSpc>
+              <a:spcBef>
+                <a:spcPts val="0"/>
+              </a:spcBef>
+              <a:spcAft>
+                <a:spcPts val="0"/>
+              </a:spcAft>
+              <a:buNone/>
+            </a:pPr>
+            <a:r>
+              <a:rPr lang="en" sz="1600" b="1" dirty="0">
+                <a:latin typeface="Open Sans"/>
+                <a:ea typeface="Open Sans"/>
+                <a:cs typeface="Open Sans"/>
+                <a:sym typeface="Open Sans"/>
+              </a:rPr>
+              <a:t>Retention: </a:t>
+            </a:r>
+            <a:r>
+              <a:rPr lang="en" sz="1600" dirty="0"/>
+              <a:t>how long does the data have to be kept for?</a:t>
+            </a:r>
+            <a:endParaRPr sz="1600" dirty="0"/>
+          </a:p>
+          <a:p>
+            <a:pPr lvl="1">
+              <a:buFont typeface="Wingdings" pitchFamily="2" charset="2"/>
+              <a:buChar char="§"/>
+            </a:pPr>
+            <a:r>
+              <a:rPr lang="en-US" sz="1600" dirty="0"/>
+              <a:t>According to regulatory requirements, data must be kept for 7 years.</a:t>
+            </a:r>
+            <a:endParaRPr sz="1700" dirty="0"/>
+          </a:p>
+          <a:p>
+            <a:pPr marL="457200" lvl="0" indent="-349250" algn="l" rtl="0">
+              <a:spcBef>
+                <a:spcPts val="1000"/>
+              </a:spcBef>
+              <a:spcAft>
+                <a:spcPts val="0"/>
+              </a:spcAft>
+              <a:buSzPts val="1900"/>
+              <a:buFont typeface="Open Sans"/>
+              <a:buChar char="●"/>
+            </a:pPr>
+            <a:r>
+              <a:rPr lang="en" sz="1800" b="1" dirty="0">
+                <a:latin typeface="Open Sans"/>
+                <a:ea typeface="Open Sans"/>
+                <a:cs typeface="Open Sans"/>
+                <a:sym typeface="Open Sans"/>
+              </a:rPr>
+              <a:t>Backup</a:t>
+            </a:r>
+            <a:endParaRPr sz="1800" b="1" dirty="0">
+              <a:latin typeface="Open Sans"/>
+              <a:ea typeface="Open Sans"/>
+              <a:cs typeface="Open Sans"/>
+              <a:sym typeface="Open Sans"/>
+            </a:endParaRPr>
+          </a:p>
+          <a:p>
+            <a:pPr marL="457200" lvl="0" indent="0" algn="l" rtl="0">
+              <a:spcBef>
+                <a:spcPts val="1000"/>
+              </a:spcBef>
+              <a:spcAft>
+                <a:spcPts val="0"/>
+              </a:spcAft>
+              <a:buNone/>
+            </a:pPr>
+            <a:r>
+              <a:rPr lang="en" sz="1600" dirty="0"/>
+              <a:t> </a:t>
+            </a:r>
+            <a:r>
+              <a:rPr lang="en" sz="1600" u="sng" dirty="0">
+                <a:solidFill>
+                  <a:schemeClr val="hlink"/>
+                </a:solidFill>
+                <a:hlinkClick r:id="rId3"/>
+              </a:rPr>
+              <a:t>IT Best Practices document</a:t>
+            </a:r>
+            <a:r>
+              <a:rPr lang="en" sz="1600" dirty="0"/>
+              <a:t> lists Backup schedule requirements</a:t>
+            </a:r>
+            <a:endParaRPr sz="1600" dirty="0"/>
+          </a:p>
+          <a:p>
+            <a:pPr lvl="1">
+              <a:buFont typeface="Wingdings" pitchFamily="2" charset="2"/>
+              <a:buChar char="§"/>
+            </a:pPr>
+            <a:r>
+              <a:rPr lang="en-US" sz="1600" dirty="0"/>
+              <a:t>HR partner stated requirement in the Memo that employee data is considered business critical. So, according to IT best practices guidelines, we need choose critical back up option. i.e., Backup schedule is full backup 1x per week, incremental backup daily.</a:t>
+            </a:r>
+          </a:p>
+          <a:p>
+            <a:pPr marL="457200" lvl="0" indent="0" algn="l" rtl="0">
+              <a:lnSpc>
+                <a:spcPct val="100000"/>
+              </a:lnSpc>
+              <a:spcBef>
+                <a:spcPts val="1600"/>
+              </a:spcBef>
+              <a:spcAft>
+                <a:spcPts val="0"/>
+              </a:spcAft>
+              <a:buNone/>
+            </a:pPr>
+            <a:endParaRPr sz="1700" dirty="0"/>
+          </a:p>
+          <a:p>
+            <a:pPr marL="0" lvl="0" indent="0" algn="l" rtl="0">
+              <a:lnSpc>
+                <a:spcPct val="100000"/>
+              </a:lnSpc>
+              <a:spcBef>
+                <a:spcPts val="0"/>
+              </a:spcBef>
+              <a:spcAft>
+                <a:spcPts val="0"/>
+              </a:spcAft>
+              <a:buClr>
+                <a:schemeClr val="dk1"/>
+              </a:buClr>
+              <a:buSzPts val="1100"/>
+              <a:buFont typeface="Arial"/>
+              <a:buNone/>
+            </a:pPr>
+            <a:endParaRPr sz="1700" dirty="0"/>
+          </a:p>
+        </p:txBody>
+      </p:sp>
+    </p:spTree>
+    <p:extLst>
+      <p:ext uri="{BB962C8B-B14F-4D97-AF65-F5344CB8AC3E}">
+        <p14:creationId xmlns:p14="http://schemas.microsoft.com/office/powerpoint/2010/main" val="3831713819"/>
+      </p:ext>
+    </p:extLst>
+  </p:cSld>
+  <p:clrMapOvr>
+    <a:masterClrMapping/>
+  </p:clrMapOvr>
+</p:sld>
+</file>
+
+<file path=ppt/slides/slide11.xml><?xml version="1.0" encoding="utf-8"?>
+<p:sld xmlns:a="http://schemas.openxmlformats.org/drawingml/2006/main" xmlns:r="http://schemas.openxmlformats.org/officeDocument/2006/relationships" xmlns:p="http://schemas.openxmlformats.org/presentationml/2006/main">
+  <p:cSld>
+    <p:bg>
+      <p:bgPr>
+        <a:solidFill>
+          <a:srgbClr val="02B4E5"/>
+        </a:solidFill>
+        <a:effectLst/>
+      </p:bgPr>
+    </p:bg>
+    <p:spTree>
+      <p:nvGrpSpPr>
+        <p:cNvPr id="1" name="Shape 235"/>
+        <p:cNvGrpSpPr/>
+        <p:nvPr/>
+      </p:nvGrpSpPr>
+      <p:grpSpPr>
+        <a:xfrm>
+          <a:off x="0" y="0"/>
+          <a:ext cx="0" cy="0"/>
+          <a:chOff x="0" y="0"/>
+          <a:chExt cx="0" cy="0"/>
+        </a:xfrm>
+      </p:grpSpPr>
+      <p:sp>
+        <p:nvSpPr>
+          <p:cNvPr id="236" name="Google Shape;236;p60"/>
+          <p:cNvSpPr/>
+          <p:nvPr/>
+        </p:nvSpPr>
+        <p:spPr>
+          <a:xfrm>
+            <a:off x="1807121" y="4003549"/>
+            <a:ext cx="4158000" cy="2460000"/>
+          </a:xfrm>
+          <a:prstGeom prst="rect">
+            <a:avLst/>
+          </a:prstGeom>
+          <a:noFill/>
+          <a:ln>
+            <a:noFill/>
+          </a:ln>
+        </p:spPr>
+        <p:txBody>
+          <a:bodyPr spcFirstLastPara="1" wrap="square" lIns="26775" tIns="26775" rIns="26775" bIns="26775" anchor="t" anchorCtr="0">
+            <a:noAutofit/>
+          </a:bodyPr>
+          <a:lstStyle/>
+          <a:p>
+            <a:pPr marL="0" marR="0" lvl="0" indent="0" algn="ctr" rtl="0">
+              <a:lnSpc>
+                <a:spcPct val="150000"/>
+              </a:lnSpc>
+              <a:spcBef>
+                <a:spcPts val="0"/>
+              </a:spcBef>
+              <a:spcAft>
+                <a:spcPts val="0"/>
+              </a:spcAft>
+              <a:buClr>
+                <a:srgbClr val="FFFFFF"/>
+              </a:buClr>
+              <a:buFont typeface="Open Sans"/>
+              <a:buNone/>
+            </a:pPr>
+            <a:r>
+              <a:rPr lang="en" sz="3000" b="1">
+                <a:solidFill>
+                  <a:srgbClr val="FFFFFF"/>
+                </a:solidFill>
+                <a:latin typeface="Open Sans"/>
+                <a:ea typeface="Open Sans"/>
+                <a:cs typeface="Open Sans"/>
+                <a:sym typeface="Open Sans"/>
+              </a:rPr>
+              <a:t>Step 2</a:t>
+            </a:r>
+            <a:endParaRPr sz="3000" b="1">
+              <a:solidFill>
+                <a:srgbClr val="FFFFFF"/>
+              </a:solidFill>
+              <a:latin typeface="Open Sans"/>
+              <a:ea typeface="Open Sans"/>
+              <a:cs typeface="Open Sans"/>
+              <a:sym typeface="Open Sans"/>
+            </a:endParaRPr>
+          </a:p>
+          <a:p>
+            <a:pPr marL="0" marR="0" lvl="0" indent="0" algn="ctr" rtl="0">
+              <a:lnSpc>
+                <a:spcPct val="150000"/>
+              </a:lnSpc>
+              <a:spcBef>
+                <a:spcPts val="0"/>
+              </a:spcBef>
+              <a:spcAft>
+                <a:spcPts val="0"/>
+              </a:spcAft>
+              <a:buClr>
+                <a:srgbClr val="FFFFFF"/>
+              </a:buClr>
+              <a:buFont typeface="Open Sans"/>
+              <a:buNone/>
+            </a:pPr>
+            <a:r>
+              <a:rPr lang="en" sz="3000">
+                <a:solidFill>
+                  <a:srgbClr val="FFFFFF"/>
+                </a:solidFill>
+                <a:latin typeface="Open Sans"/>
+                <a:ea typeface="Open Sans"/>
+                <a:cs typeface="Open Sans"/>
+                <a:sym typeface="Open Sans"/>
+              </a:rPr>
+              <a:t>Relational Database Design</a:t>
+            </a:r>
+            <a:endParaRPr sz="3000">
+              <a:solidFill>
+                <a:srgbClr val="FFFFFF"/>
+              </a:solidFill>
+              <a:latin typeface="Open Sans"/>
+              <a:ea typeface="Open Sans"/>
+              <a:cs typeface="Open Sans"/>
+              <a:sym typeface="Open Sans"/>
+            </a:endParaRPr>
+          </a:p>
+        </p:txBody>
+      </p:sp>
+      <p:sp>
+        <p:nvSpPr>
+          <p:cNvPr id="237" name="Google Shape;237;p60"/>
+          <p:cNvSpPr/>
+          <p:nvPr/>
+        </p:nvSpPr>
+        <p:spPr>
+          <a:xfrm>
+            <a:off x="3582591" y="3663029"/>
+            <a:ext cx="607200" cy="74400"/>
+          </a:xfrm>
+          <a:prstGeom prst="rect">
+            <a:avLst/>
+          </a:prstGeom>
+          <a:solidFill>
+            <a:schemeClr val="lt1"/>
+          </a:solidFill>
+          <a:ln>
+            <a:noFill/>
+          </a:ln>
+        </p:spPr>
+        <p:txBody>
+          <a:bodyPr spcFirstLastPara="1" wrap="square" lIns="26775" tIns="26775" rIns="26775" bIns="26775" anchor="ctr" anchorCtr="0">
+            <a:noAutofit/>
+          </a:bodyPr>
+          <a:lstStyle/>
+          <a:p>
+            <a:pPr marL="0" marR="0" lvl="0" indent="0" algn="ctr" rtl="0">
+              <a:lnSpc>
+                <a:spcPct val="100000"/>
+              </a:lnSpc>
+              <a:spcBef>
+                <a:spcPts val="0"/>
+              </a:spcBef>
+              <a:spcAft>
+                <a:spcPts val="0"/>
+              </a:spcAft>
+              <a:buClr>
+                <a:srgbClr val="FFFFFF"/>
+              </a:buClr>
+              <a:buFont typeface="Helvetica Neue"/>
+              <a:buNone/>
+            </a:pPr>
+            <a:endParaRPr sz="1200" b="0" i="0" u="none" strike="noStrike" cap="none">
+              <a:solidFill>
+                <a:srgbClr val="02B4E5"/>
+              </a:solidFill>
+              <a:latin typeface="Helvetica Neue"/>
+              <a:ea typeface="Helvetica Neue"/>
+              <a:cs typeface="Helvetica Neue"/>
+              <a:sym typeface="Helvetica Neue"/>
+            </a:endParaRPr>
+          </a:p>
+        </p:txBody>
+      </p:sp>
+    </p:spTree>
+  </p:cSld>
+  <p:clrMapOvr>
+    <a:masterClrMapping/>
+  </p:clrMapOvr>
+</p:sld>
+</file>
+
+<file path=ppt/slides/slide12.xml><?xml version="1.0" encoding="utf-8"?>
 <p:sld xmlns:a="http://schemas.openxmlformats.org/drawingml/2006/main" xmlns:r="http://schemas.openxmlformats.org/officeDocument/2006/relationships" xmlns:p="http://schemas.openxmlformats.org/presentationml/2006/main">
   <p:cSld>
     <p:spTree>
@@ -28522,7 +29301,7 @@
 </p:sld>
 </file>
 
-<file path=ppt/slides/slide11.xml><?xml version="1.0" encoding="utf-8"?>
+<file path=ppt/slides/slide13.xml><?xml version="1.0" encoding="utf-8"?>
 <p:sld xmlns:a="http://schemas.openxmlformats.org/drawingml/2006/main" xmlns:r="http://schemas.openxmlformats.org/officeDocument/2006/relationships" xmlns:p="http://schemas.openxmlformats.org/presentationml/2006/main">
   <p:cSld>
     <p:spTree>
@@ -28826,7 +29605,7 @@
 </p:sld>
 </file>
 
-<file path=ppt/slides/slide12.xml><?xml version="1.0" encoding="utf-8"?>
+<file path=ppt/slides/slide14.xml><?xml version="1.0" encoding="utf-8"?>
 <p:sld xmlns:a="http://schemas.openxmlformats.org/drawingml/2006/main" xmlns:r="http://schemas.openxmlformats.org/officeDocument/2006/relationships" xmlns:p="http://schemas.openxmlformats.org/presentationml/2006/main">
   <p:cSld>
     <p:spTree>
@@ -31033,7 +31812,7 @@
 </p:sld>
 </file>
 
-<file path=ppt/slides/slide13.xml><?xml version="1.0" encoding="utf-8"?>
+<file path=ppt/slides/slide15.xml><?xml version="1.0" encoding="utf-8"?>
 <p:sld xmlns:a="http://schemas.openxmlformats.org/drawingml/2006/main" xmlns:r="http://schemas.openxmlformats.org/officeDocument/2006/relationships" xmlns:p="http://schemas.openxmlformats.org/presentationml/2006/main">
   <p:cSld>
     <p:spTree>
@@ -31188,7 +31967,7 @@
 </p:sld>
 </file>
 
-<file path=ppt/slides/slide14.xml><?xml version="1.0" encoding="utf-8"?>
+<file path=ppt/slides/slide16.xml><?xml version="1.0" encoding="utf-8"?>
 <p:sld xmlns:a="http://schemas.openxmlformats.org/drawingml/2006/main" xmlns:r="http://schemas.openxmlformats.org/officeDocument/2006/relationships" xmlns:p="http://schemas.openxmlformats.org/presentationml/2006/main">
   <p:cSld>
     <p:spTree>
@@ -31419,7 +32198,7 @@
 </p:sld>
 </file>
 
-<file path=ppt/slides/slide15.xml><?xml version="1.0" encoding="utf-8"?>
+<file path=ppt/slides/slide17.xml><?xml version="1.0" encoding="utf-8"?>
 <p:sld xmlns:a="http://schemas.openxmlformats.org/drawingml/2006/main" xmlns:r="http://schemas.openxmlformats.org/officeDocument/2006/relationships" xmlns:p="http://schemas.openxmlformats.org/presentationml/2006/main">
   <p:cSld>
     <p:spTree>
@@ -31536,7 +32315,7 @@
 </p:sld>
 </file>
 
-<file path=ppt/slides/slide16.xml><?xml version="1.0" encoding="utf-8"?>
+<file path=ppt/slides/slide18.xml><?xml version="1.0" encoding="utf-8"?>
 <p:sld xmlns:a="http://schemas.openxmlformats.org/drawingml/2006/main" xmlns:r="http://schemas.openxmlformats.org/officeDocument/2006/relationships" xmlns:p="http://schemas.openxmlformats.org/presentationml/2006/main">
   <p:cSld>
     <p:bg>
@@ -31728,7 +32507,7 @@
 </p:sld>
 </file>
 
-<file path=ppt/slides/slide17.xml><?xml version="1.0" encoding="utf-8"?>
+<file path=ppt/slides/slide19.xml><?xml version="1.0" encoding="utf-8"?>
 <p:sld xmlns:a="http://schemas.openxmlformats.org/drawingml/2006/main" xmlns:r="http://schemas.openxmlformats.org/officeDocument/2006/relationships" xmlns:p="http://schemas.openxmlformats.org/presentationml/2006/main">
   <p:cSld>
     <p:spTree>
@@ -32597,804 +33376,6 @@
           </a:p>
         </p:txBody>
       </p:sp>
-    </p:spTree>
-  </p:cSld>
-  <p:clrMapOvr>
-    <a:masterClrMapping/>
-  </p:clrMapOvr>
-</p:sld>
-</file>
-
-<file path=ppt/slides/slide18.xml><?xml version="1.0" encoding="utf-8"?>
-<p:sld xmlns:a="http://schemas.openxmlformats.org/drawingml/2006/main" xmlns:r="http://schemas.openxmlformats.org/officeDocument/2006/relationships" xmlns:p="http://schemas.openxmlformats.org/presentationml/2006/main">
-  <p:cSld>
-    <p:spTree>
-      <p:nvGrpSpPr>
-        <p:cNvPr id="1" name="Shape 280"/>
-        <p:cNvGrpSpPr/>
-        <p:nvPr/>
-      </p:nvGrpSpPr>
-      <p:grpSpPr>
-        <a:xfrm>
-          <a:off x="0" y="0"/>
-          <a:ext cx="0" cy="0"/>
-          <a:chOff x="0" y="0"/>
-          <a:chExt cx="0" cy="0"/>
-        </a:xfrm>
-      </p:grpSpPr>
-      <p:sp>
-        <p:nvSpPr>
-          <p:cNvPr id="281" name="Google Shape;281;p67"/>
-          <p:cNvSpPr txBox="1">
-            <a:spLocks noGrp="1"/>
-          </p:cNvSpPr>
-          <p:nvPr>
-            <p:ph type="title"/>
-          </p:nvPr>
-        </p:nvSpPr>
-        <p:spPr>
-          <a:xfrm>
-            <a:off x="264945" y="870271"/>
-            <a:ext cx="7242600" cy="1119900"/>
-          </a:xfrm>
-          <a:prstGeom prst="rect">
-            <a:avLst/>
-          </a:prstGeom>
-        </p:spPr>
-        <p:txBody>
-          <a:bodyPr spcFirstLastPara="1" wrap="square" lIns="91425" tIns="91425" rIns="91425" bIns="91425" anchor="ctr" anchorCtr="0">
-            <a:noAutofit/>
-          </a:bodyPr>
-          <a:lstStyle/>
-          <a:p>
-            <a:pPr marL="0" lvl="0" indent="0" algn="l" rtl="0">
-              <a:spcBef>
-                <a:spcPts val="0"/>
-              </a:spcBef>
-              <a:spcAft>
-                <a:spcPts val="0"/>
-              </a:spcAft>
-              <a:buNone/>
-            </a:pPr>
-            <a:r>
-              <a:rPr lang="en"/>
-              <a:t>DDL</a:t>
-            </a:r>
-            <a:endParaRPr/>
-          </a:p>
-        </p:txBody>
-      </p:sp>
-      <p:sp>
-        <p:nvSpPr>
-          <p:cNvPr id="282" name="Google Shape;282;p67"/>
-          <p:cNvSpPr txBox="1">
-            <a:spLocks noGrp="1"/>
-          </p:cNvSpPr>
-          <p:nvPr>
-            <p:ph type="body" idx="1"/>
-          </p:nvPr>
-        </p:nvSpPr>
-        <p:spPr>
-          <a:xfrm>
-            <a:off x="264950" y="2253724"/>
-            <a:ext cx="7242600" cy="7731900"/>
-          </a:xfrm>
-          <a:prstGeom prst="rect">
-            <a:avLst/>
-          </a:prstGeom>
-        </p:spPr>
-        <p:txBody>
-          <a:bodyPr spcFirstLastPara="1" wrap="square" lIns="91425" tIns="91425" rIns="91425" bIns="91425" anchor="t" anchorCtr="0">
-            <a:noAutofit/>
-          </a:bodyPr>
-          <a:lstStyle/>
-          <a:p>
-            <a:pPr marL="0" lvl="0" indent="0" algn="l" rtl="0">
-              <a:spcBef>
-                <a:spcPts val="0"/>
-              </a:spcBef>
-              <a:spcAft>
-                <a:spcPts val="0"/>
-              </a:spcAft>
-              <a:buNone/>
-            </a:pPr>
-            <a:r>
-              <a:rPr lang="en" sz="1900"/>
-              <a:t>Create a DDL SQL script capable of building the database you designed in Step 2</a:t>
-            </a:r>
-            <a:endParaRPr sz="1900"/>
-          </a:p>
-          <a:p>
-            <a:pPr marL="241300" marR="241300" lvl="0" indent="0" algn="l" rtl="0">
-              <a:lnSpc>
-                <a:spcPct val="100000"/>
-              </a:lnSpc>
-              <a:spcBef>
-                <a:spcPts val="1600"/>
-              </a:spcBef>
-              <a:spcAft>
-                <a:spcPts val="0"/>
-              </a:spcAft>
-              <a:buClr>
-                <a:schemeClr val="dk1"/>
-              </a:buClr>
-              <a:buSzPts val="1100"/>
-              <a:buFont typeface="Arial"/>
-              <a:buNone/>
-            </a:pPr>
-            <a:r>
-              <a:rPr lang="en" sz="1350" b="1">
-                <a:solidFill>
-                  <a:srgbClr val="2E3D49"/>
-                </a:solidFill>
-                <a:highlight>
-                  <a:srgbClr val="FFFFFF"/>
-                </a:highlight>
-                <a:latin typeface="Open Sans"/>
-                <a:ea typeface="Open Sans"/>
-                <a:cs typeface="Open Sans"/>
-                <a:sym typeface="Open Sans"/>
-              </a:rPr>
-              <a:t>Hints</a:t>
-            </a:r>
-            <a:endParaRPr sz="1350" b="1">
-              <a:solidFill>
-                <a:srgbClr val="2E3D49"/>
-              </a:solidFill>
-              <a:highlight>
-                <a:srgbClr val="FFFFFF"/>
-              </a:highlight>
-              <a:latin typeface="Open Sans"/>
-              <a:ea typeface="Open Sans"/>
-              <a:cs typeface="Open Sans"/>
-              <a:sym typeface="Open Sans"/>
-            </a:endParaRPr>
-          </a:p>
-          <a:p>
-            <a:pPr marL="241300" marR="241300" lvl="0" indent="0" algn="l" rtl="0">
-              <a:lnSpc>
-                <a:spcPct val="100000"/>
-              </a:lnSpc>
-              <a:spcBef>
-                <a:spcPts val="0"/>
-              </a:spcBef>
-              <a:spcAft>
-                <a:spcPts val="0"/>
-              </a:spcAft>
-              <a:buClr>
-                <a:schemeClr val="dk1"/>
-              </a:buClr>
-              <a:buSzPts val="1100"/>
-              <a:buFont typeface="Arial"/>
-              <a:buNone/>
-            </a:pPr>
-            <a:r>
-              <a:rPr lang="en" sz="1350">
-                <a:solidFill>
-                  <a:srgbClr val="525C65"/>
-                </a:solidFill>
-                <a:highlight>
-                  <a:srgbClr val="FFFFFF"/>
-                </a:highlight>
-                <a:latin typeface="Open Sans"/>
-                <a:ea typeface="Open Sans"/>
-                <a:cs typeface="Open Sans"/>
-                <a:sym typeface="Open Sans"/>
-              </a:rPr>
-              <a:t>The DDL script will be graded by running the code you submit. Please ensure your SQL code runs properly.</a:t>
-            </a:r>
-            <a:endParaRPr sz="1350">
-              <a:solidFill>
-                <a:srgbClr val="525C65"/>
-              </a:solidFill>
-              <a:highlight>
-                <a:srgbClr val="FFFFFF"/>
-              </a:highlight>
-              <a:latin typeface="Open Sans"/>
-              <a:ea typeface="Open Sans"/>
-              <a:cs typeface="Open Sans"/>
-              <a:sym typeface="Open Sans"/>
-            </a:endParaRPr>
-          </a:p>
-          <a:p>
-            <a:pPr marL="241300" marR="241300" lvl="0" indent="0" algn="l" rtl="0">
-              <a:lnSpc>
-                <a:spcPct val="100000"/>
-              </a:lnSpc>
-              <a:spcBef>
-                <a:spcPts val="0"/>
-              </a:spcBef>
-              <a:spcAft>
-                <a:spcPts val="0"/>
-              </a:spcAft>
-              <a:buClr>
-                <a:schemeClr val="dk1"/>
-              </a:buClr>
-              <a:buSzPts val="1100"/>
-              <a:buFont typeface="Arial"/>
-              <a:buNone/>
-            </a:pPr>
-            <a:endParaRPr sz="1350">
-              <a:solidFill>
-                <a:srgbClr val="525C65"/>
-              </a:solidFill>
-              <a:highlight>
-                <a:srgbClr val="FFFFFF"/>
-              </a:highlight>
-              <a:latin typeface="Open Sans"/>
-              <a:ea typeface="Open Sans"/>
-              <a:cs typeface="Open Sans"/>
-              <a:sym typeface="Open Sans"/>
-            </a:endParaRPr>
-          </a:p>
-          <a:p>
-            <a:pPr marL="241300" marR="241300" lvl="0" indent="0" algn="l" rtl="0">
-              <a:lnSpc>
-                <a:spcPct val="100000"/>
-              </a:lnSpc>
-              <a:spcBef>
-                <a:spcPts val="0"/>
-              </a:spcBef>
-              <a:spcAft>
-                <a:spcPts val="0"/>
-              </a:spcAft>
-              <a:buNone/>
-            </a:pPr>
-            <a:r>
-              <a:rPr lang="en" sz="1350">
-                <a:solidFill>
-                  <a:srgbClr val="525C65"/>
-                </a:solidFill>
-                <a:highlight>
-                  <a:srgbClr val="FFFFFF"/>
-                </a:highlight>
-                <a:latin typeface="Open Sans"/>
-                <a:ea typeface="Open Sans"/>
-                <a:cs typeface="Open Sans"/>
-                <a:sym typeface="Open Sans"/>
-              </a:rPr>
-              <a:t>Foreign keys cannot be created on tables that do not exist yet, so it may be easier to create all tables in the database, then to go back and run modify statements on the tables to create foreign key constraints.</a:t>
-            </a:r>
-            <a:endParaRPr sz="1350">
-              <a:solidFill>
-                <a:srgbClr val="525C65"/>
-              </a:solidFill>
-              <a:highlight>
-                <a:srgbClr val="FFFFFF"/>
-              </a:highlight>
-              <a:latin typeface="Open Sans"/>
-              <a:ea typeface="Open Sans"/>
-              <a:cs typeface="Open Sans"/>
-              <a:sym typeface="Open Sans"/>
-            </a:endParaRPr>
-          </a:p>
-          <a:p>
-            <a:pPr marL="241300" marR="241300" lvl="0" indent="0" algn="l" rtl="0">
-              <a:lnSpc>
-                <a:spcPct val="100000"/>
-              </a:lnSpc>
-              <a:spcBef>
-                <a:spcPts val="0"/>
-              </a:spcBef>
-              <a:spcAft>
-                <a:spcPts val="0"/>
-              </a:spcAft>
-              <a:buNone/>
-            </a:pPr>
-            <a:endParaRPr sz="1350">
-              <a:solidFill>
-                <a:srgbClr val="2E3D49"/>
-              </a:solidFill>
-              <a:highlight>
-                <a:srgbClr val="FFFFFF"/>
-              </a:highlight>
-              <a:latin typeface="Open Sans"/>
-              <a:ea typeface="Open Sans"/>
-              <a:cs typeface="Open Sans"/>
-              <a:sym typeface="Open Sans"/>
-            </a:endParaRPr>
-          </a:p>
-          <a:p>
-            <a:pPr marL="241300" marR="241300" lvl="0" indent="0" algn="l" rtl="0">
-              <a:lnSpc>
-                <a:spcPct val="100000"/>
-              </a:lnSpc>
-              <a:spcBef>
-                <a:spcPts val="0"/>
-              </a:spcBef>
-              <a:spcAft>
-                <a:spcPts val="0"/>
-              </a:spcAft>
-              <a:buClr>
-                <a:schemeClr val="dk1"/>
-              </a:buClr>
-              <a:buSzPts val="1100"/>
-              <a:buFont typeface="Arial"/>
-              <a:buNone/>
-            </a:pPr>
-            <a:r>
-              <a:rPr lang="en" sz="1350">
-                <a:solidFill>
-                  <a:srgbClr val="FF0000"/>
-                </a:solidFill>
-                <a:highlight>
-                  <a:srgbClr val="FFFFFF"/>
-                </a:highlight>
-                <a:latin typeface="Open Sans"/>
-                <a:ea typeface="Open Sans"/>
-                <a:cs typeface="Open Sans"/>
-                <a:sym typeface="Open Sans"/>
-              </a:rPr>
-              <a:t>Remember to submit the related SQL file as well, not just a screenshot (replace the below screenshot).</a:t>
-            </a:r>
-            <a:endParaRPr sz="1350">
-              <a:solidFill>
-                <a:srgbClr val="FF0000"/>
-              </a:solidFill>
-              <a:highlight>
-                <a:srgbClr val="FFFFFF"/>
-              </a:highlight>
-              <a:latin typeface="Open Sans"/>
-              <a:ea typeface="Open Sans"/>
-              <a:cs typeface="Open Sans"/>
-              <a:sym typeface="Open Sans"/>
-            </a:endParaRPr>
-          </a:p>
-          <a:p>
-            <a:pPr marL="457200" lvl="0" indent="0" algn="l" rtl="0">
-              <a:spcBef>
-                <a:spcPts val="0"/>
-              </a:spcBef>
-              <a:spcAft>
-                <a:spcPts val="0"/>
-              </a:spcAft>
-              <a:buNone/>
-            </a:pPr>
-            <a:endParaRPr sz="1900"/>
-          </a:p>
-          <a:p>
-            <a:pPr marL="457200" lvl="0" indent="0" algn="l" rtl="0">
-              <a:spcBef>
-                <a:spcPts val="1600"/>
-              </a:spcBef>
-              <a:spcAft>
-                <a:spcPts val="0"/>
-              </a:spcAft>
-              <a:buNone/>
-            </a:pPr>
-            <a:endParaRPr sz="1900"/>
-          </a:p>
-          <a:p>
-            <a:pPr marL="457200" lvl="0" indent="0" algn="l" rtl="0">
-              <a:spcBef>
-                <a:spcPts val="1600"/>
-              </a:spcBef>
-              <a:spcAft>
-                <a:spcPts val="0"/>
-              </a:spcAft>
-              <a:buNone/>
-            </a:pPr>
-            <a:endParaRPr sz="1900"/>
-          </a:p>
-          <a:p>
-            <a:pPr marL="457200" lvl="0" indent="0" algn="l" rtl="0">
-              <a:spcBef>
-                <a:spcPts val="1600"/>
-              </a:spcBef>
-              <a:spcAft>
-                <a:spcPts val="1600"/>
-              </a:spcAft>
-              <a:buNone/>
-            </a:pPr>
-            <a:endParaRPr sz="1900"/>
-          </a:p>
-        </p:txBody>
-      </p:sp>
-      <p:pic>
-        <p:nvPicPr>
-          <p:cNvPr id="283" name="Google Shape;283;p67"/>
-          <p:cNvPicPr preferRelativeResize="0"/>
-          <p:nvPr/>
-        </p:nvPicPr>
-        <p:blipFill rotWithShape="1">
-          <a:blip r:embed="rId3">
-            <a:alphaModFix/>
-          </a:blip>
-          <a:srcRect l="2818" t="2391"/>
-          <a:stretch/>
-        </p:blipFill>
-        <p:spPr>
-          <a:xfrm>
-            <a:off x="1641775" y="5527975"/>
-            <a:ext cx="3823475" cy="3971125"/>
-          </a:xfrm>
-          <a:prstGeom prst="rect">
-            <a:avLst/>
-          </a:prstGeom>
-          <a:noFill/>
-          <a:ln w="9525" cap="flat" cmpd="sng">
-            <a:solidFill>
-              <a:schemeClr val="dk2"/>
-            </a:solidFill>
-            <a:prstDash val="solid"/>
-            <a:round/>
-            <a:headEnd type="none" w="sm" len="sm"/>
-            <a:tailEnd type="none" w="sm" len="sm"/>
-          </a:ln>
-        </p:spPr>
-      </p:pic>
-    </p:spTree>
-  </p:cSld>
-  <p:clrMapOvr>
-    <a:masterClrMapping/>
-  </p:clrMapOvr>
-</p:sld>
-</file>
-
-<file path=ppt/slides/slide19.xml><?xml version="1.0" encoding="utf-8"?>
-<p:sld xmlns:a="http://schemas.openxmlformats.org/drawingml/2006/main" xmlns:r="http://schemas.openxmlformats.org/officeDocument/2006/relationships" xmlns:p="http://schemas.openxmlformats.org/presentationml/2006/main">
-  <p:cSld>
-    <p:spTree>
-      <p:nvGrpSpPr>
-        <p:cNvPr id="1" name="Shape 287"/>
-        <p:cNvGrpSpPr/>
-        <p:nvPr/>
-      </p:nvGrpSpPr>
-      <p:grpSpPr>
-        <a:xfrm>
-          <a:off x="0" y="0"/>
-          <a:ext cx="0" cy="0"/>
-          <a:chOff x="0" y="0"/>
-          <a:chExt cx="0" cy="0"/>
-        </a:xfrm>
-      </p:grpSpPr>
-      <p:sp>
-        <p:nvSpPr>
-          <p:cNvPr id="288" name="Google Shape;288;p68"/>
-          <p:cNvSpPr txBox="1">
-            <a:spLocks noGrp="1"/>
-          </p:cNvSpPr>
-          <p:nvPr>
-            <p:ph type="title"/>
-          </p:nvPr>
-        </p:nvSpPr>
-        <p:spPr>
-          <a:xfrm>
-            <a:off x="264945" y="870271"/>
-            <a:ext cx="7242600" cy="1119900"/>
-          </a:xfrm>
-          <a:prstGeom prst="rect">
-            <a:avLst/>
-          </a:prstGeom>
-        </p:spPr>
-        <p:txBody>
-          <a:bodyPr spcFirstLastPara="1" wrap="square" lIns="91425" tIns="91425" rIns="91425" bIns="91425" anchor="ctr" anchorCtr="0">
-            <a:noAutofit/>
-          </a:bodyPr>
-          <a:lstStyle/>
-          <a:p>
-            <a:pPr marL="0" lvl="0" indent="0" algn="l" rtl="0">
-              <a:spcBef>
-                <a:spcPts val="0"/>
-              </a:spcBef>
-              <a:spcAft>
-                <a:spcPts val="0"/>
-              </a:spcAft>
-              <a:buNone/>
-            </a:pPr>
-            <a:r>
-              <a:rPr lang="en"/>
-              <a:t>CRUD</a:t>
-            </a:r>
-            <a:endParaRPr/>
-          </a:p>
-        </p:txBody>
-      </p:sp>
-      <p:sp>
-        <p:nvSpPr>
-          <p:cNvPr id="289" name="Google Shape;289;p68"/>
-          <p:cNvSpPr txBox="1">
-            <a:spLocks noGrp="1"/>
-          </p:cNvSpPr>
-          <p:nvPr>
-            <p:ph type="body" idx="1"/>
-          </p:nvPr>
-        </p:nvSpPr>
-        <p:spPr>
-          <a:xfrm>
-            <a:off x="264950" y="2156849"/>
-            <a:ext cx="7242600" cy="7731900"/>
-          </a:xfrm>
-          <a:prstGeom prst="rect">
-            <a:avLst/>
-          </a:prstGeom>
-        </p:spPr>
-        <p:txBody>
-          <a:bodyPr spcFirstLastPara="1" wrap="square" lIns="91425" tIns="91425" rIns="91425" bIns="91425" anchor="t" anchorCtr="0">
-            <a:noAutofit/>
-          </a:bodyPr>
-          <a:lstStyle/>
-          <a:p>
-            <a:pPr marL="0" lvl="0" indent="0" algn="l" rtl="0">
-              <a:spcBef>
-                <a:spcPts val="0"/>
-              </a:spcBef>
-              <a:spcAft>
-                <a:spcPts val="0"/>
-              </a:spcAft>
-              <a:buNone/>
-            </a:pPr>
-            <a:endParaRPr sz="1900"/>
-          </a:p>
-          <a:p>
-            <a:pPr marL="457200" lvl="0" indent="-349250" algn="l" rtl="0">
-              <a:spcBef>
-                <a:spcPts val="1600"/>
-              </a:spcBef>
-              <a:spcAft>
-                <a:spcPts val="0"/>
-              </a:spcAft>
-              <a:buSzPts val="1900"/>
-              <a:buFont typeface="Open Sans"/>
-              <a:buChar char="●"/>
-            </a:pPr>
-            <a:r>
-              <a:rPr lang="en" sz="1900" b="1">
-                <a:latin typeface="Open Sans"/>
-                <a:ea typeface="Open Sans"/>
-                <a:cs typeface="Open Sans"/>
-                <a:sym typeface="Open Sans"/>
-              </a:rPr>
-              <a:t>Question 1: Return a list of employees with Job Titles and Department Names</a:t>
-            </a:r>
-            <a:endParaRPr sz="1900" b="1">
-              <a:latin typeface="Open Sans"/>
-              <a:ea typeface="Open Sans"/>
-              <a:cs typeface="Open Sans"/>
-              <a:sym typeface="Open Sans"/>
-            </a:endParaRPr>
-          </a:p>
-          <a:p>
-            <a:pPr marL="0" lvl="0" indent="0" algn="l" rtl="0">
-              <a:spcBef>
-                <a:spcPts val="1600"/>
-              </a:spcBef>
-              <a:spcAft>
-                <a:spcPts val="0"/>
-              </a:spcAft>
-              <a:buNone/>
-            </a:pPr>
-            <a:endParaRPr sz="1900" b="1">
-              <a:latin typeface="Open Sans"/>
-              <a:ea typeface="Open Sans"/>
-              <a:cs typeface="Open Sans"/>
-              <a:sym typeface="Open Sans"/>
-            </a:endParaRPr>
-          </a:p>
-          <a:p>
-            <a:pPr marL="0" lvl="0" indent="0" algn="l" rtl="0">
-              <a:lnSpc>
-                <a:spcPct val="170000"/>
-              </a:lnSpc>
-              <a:spcBef>
-                <a:spcPts val="1600"/>
-              </a:spcBef>
-              <a:spcAft>
-                <a:spcPts val="0"/>
-              </a:spcAft>
-              <a:buClr>
-                <a:schemeClr val="dk1"/>
-              </a:buClr>
-              <a:buSzPts val="1100"/>
-              <a:buFont typeface="Arial"/>
-              <a:buNone/>
-            </a:pPr>
-            <a:r>
-              <a:rPr lang="en" sz="1200">
-                <a:solidFill>
-                  <a:srgbClr val="525C65"/>
-                </a:solidFill>
-                <a:highlight>
-                  <a:schemeClr val="lt1"/>
-                </a:highlight>
-                <a:latin typeface="Open Sans"/>
-                <a:ea typeface="Open Sans"/>
-                <a:cs typeface="Open Sans"/>
-                <a:sym typeface="Open Sans"/>
-              </a:rPr>
-              <a:t>     </a:t>
-            </a:r>
-            <a:r>
-              <a:rPr lang="en" sz="1200">
-                <a:solidFill>
-                  <a:srgbClr val="FF0000"/>
-                </a:solidFill>
-                <a:highlight>
-                  <a:schemeClr val="lt1"/>
-                </a:highlight>
-                <a:latin typeface="Open Sans"/>
-                <a:ea typeface="Open Sans"/>
-                <a:cs typeface="Open Sans"/>
-                <a:sym typeface="Open Sans"/>
-              </a:rPr>
-              <a:t>** Replace example screenshot below with your response, and include the query in a SQL file</a:t>
-            </a:r>
-            <a:endParaRPr sz="1900" b="1">
-              <a:latin typeface="Open Sans"/>
-              <a:ea typeface="Open Sans"/>
-              <a:cs typeface="Open Sans"/>
-              <a:sym typeface="Open Sans"/>
-            </a:endParaRPr>
-          </a:p>
-          <a:p>
-            <a:pPr marL="0" lvl="0" indent="0" algn="l" rtl="0">
-              <a:spcBef>
-                <a:spcPts val="0"/>
-              </a:spcBef>
-              <a:spcAft>
-                <a:spcPts val="0"/>
-              </a:spcAft>
-              <a:buNone/>
-            </a:pPr>
-            <a:endParaRPr sz="1900" b="1">
-              <a:latin typeface="Open Sans"/>
-              <a:ea typeface="Open Sans"/>
-              <a:cs typeface="Open Sans"/>
-              <a:sym typeface="Open Sans"/>
-            </a:endParaRPr>
-          </a:p>
-          <a:p>
-            <a:pPr marL="0" lvl="0" indent="0" algn="l" rtl="0">
-              <a:spcBef>
-                <a:spcPts val="1600"/>
-              </a:spcBef>
-              <a:spcAft>
-                <a:spcPts val="0"/>
-              </a:spcAft>
-              <a:buNone/>
-            </a:pPr>
-            <a:endParaRPr sz="1900" b="1">
-              <a:latin typeface="Open Sans"/>
-              <a:ea typeface="Open Sans"/>
-              <a:cs typeface="Open Sans"/>
-              <a:sym typeface="Open Sans"/>
-            </a:endParaRPr>
-          </a:p>
-          <a:p>
-            <a:pPr marL="457200" lvl="0" indent="0" algn="l" rtl="0">
-              <a:spcBef>
-                <a:spcPts val="1600"/>
-              </a:spcBef>
-              <a:spcAft>
-                <a:spcPts val="0"/>
-              </a:spcAft>
-              <a:buNone/>
-            </a:pPr>
-            <a:endParaRPr sz="1900" b="1">
-              <a:latin typeface="Open Sans"/>
-              <a:ea typeface="Open Sans"/>
-              <a:cs typeface="Open Sans"/>
-              <a:sym typeface="Open Sans"/>
-            </a:endParaRPr>
-          </a:p>
-          <a:p>
-            <a:pPr marL="0" lvl="0" indent="0" algn="l" rtl="0">
-              <a:spcBef>
-                <a:spcPts val="1600"/>
-              </a:spcBef>
-              <a:spcAft>
-                <a:spcPts val="0"/>
-              </a:spcAft>
-              <a:buNone/>
-            </a:pPr>
-            <a:endParaRPr sz="1900" b="1">
-              <a:latin typeface="Open Sans"/>
-              <a:ea typeface="Open Sans"/>
-              <a:cs typeface="Open Sans"/>
-              <a:sym typeface="Open Sans"/>
-            </a:endParaRPr>
-          </a:p>
-          <a:p>
-            <a:pPr marL="0" lvl="0" indent="0" algn="l" rtl="0">
-              <a:spcBef>
-                <a:spcPts val="1600"/>
-              </a:spcBef>
-              <a:spcAft>
-                <a:spcPts val="0"/>
-              </a:spcAft>
-              <a:buNone/>
-            </a:pPr>
-            <a:endParaRPr sz="1900" b="1">
-              <a:latin typeface="Open Sans"/>
-              <a:ea typeface="Open Sans"/>
-              <a:cs typeface="Open Sans"/>
-              <a:sym typeface="Open Sans"/>
-            </a:endParaRPr>
-          </a:p>
-          <a:p>
-            <a:pPr marL="0" lvl="0" indent="0" algn="l" rtl="0">
-              <a:spcBef>
-                <a:spcPts val="1600"/>
-              </a:spcBef>
-              <a:spcAft>
-                <a:spcPts val="0"/>
-              </a:spcAft>
-              <a:buNone/>
-            </a:pPr>
-            <a:endParaRPr sz="1900"/>
-          </a:p>
-          <a:p>
-            <a:pPr marL="457200" lvl="0" indent="0" algn="l" rtl="0">
-              <a:spcBef>
-                <a:spcPts val="1600"/>
-              </a:spcBef>
-              <a:spcAft>
-                <a:spcPts val="0"/>
-              </a:spcAft>
-              <a:buNone/>
-            </a:pPr>
-            <a:endParaRPr sz="1900"/>
-          </a:p>
-          <a:p>
-            <a:pPr marL="457200" lvl="0" indent="0" algn="l" rtl="0">
-              <a:spcBef>
-                <a:spcPts val="1600"/>
-              </a:spcBef>
-              <a:spcAft>
-                <a:spcPts val="0"/>
-              </a:spcAft>
-              <a:buNone/>
-            </a:pPr>
-            <a:endParaRPr sz="1900"/>
-          </a:p>
-          <a:p>
-            <a:pPr marL="457200" lvl="0" indent="0" algn="l" rtl="0">
-              <a:spcBef>
-                <a:spcPts val="1600"/>
-              </a:spcBef>
-              <a:spcAft>
-                <a:spcPts val="1600"/>
-              </a:spcAft>
-              <a:buNone/>
-            </a:pPr>
-            <a:endParaRPr sz="1900"/>
-          </a:p>
-        </p:txBody>
-      </p:sp>
-      <p:pic>
-        <p:nvPicPr>
-          <p:cNvPr id="290" name="Google Shape;290;p68"/>
-          <p:cNvPicPr preferRelativeResize="0"/>
-          <p:nvPr/>
-        </p:nvPicPr>
-        <p:blipFill>
-          <a:blip r:embed="rId3">
-            <a:alphaModFix/>
-          </a:blip>
-          <a:stretch>
-            <a:fillRect/>
-          </a:stretch>
-        </p:blipFill>
-        <p:spPr>
-          <a:xfrm>
-            <a:off x="1088175" y="4781750"/>
-            <a:ext cx="5036025" cy="3241700"/>
-          </a:xfrm>
-          <a:prstGeom prst="rect">
-            <a:avLst/>
-          </a:prstGeom>
-          <a:noFill/>
-          <a:ln w="9525" cap="flat" cmpd="sng">
-            <a:solidFill>
-              <a:schemeClr val="dk2"/>
-            </a:solidFill>
-            <a:prstDash val="solid"/>
-            <a:round/>
-            <a:headEnd type="none" w="sm" len="sm"/>
-            <a:tailEnd type="none" w="sm" len="sm"/>
-          </a:ln>
-        </p:spPr>
-      </p:pic>
     </p:spTree>
   </p:cSld>
   <p:clrMapOvr>
@@ -33655,6 +33636,804 @@
   <p:cSld>
     <p:spTree>
       <p:nvGrpSpPr>
+        <p:cNvPr id="1" name="Shape 280"/>
+        <p:cNvGrpSpPr/>
+        <p:nvPr/>
+      </p:nvGrpSpPr>
+      <p:grpSpPr>
+        <a:xfrm>
+          <a:off x="0" y="0"/>
+          <a:ext cx="0" cy="0"/>
+          <a:chOff x="0" y="0"/>
+          <a:chExt cx="0" cy="0"/>
+        </a:xfrm>
+      </p:grpSpPr>
+      <p:sp>
+        <p:nvSpPr>
+          <p:cNvPr id="281" name="Google Shape;281;p67"/>
+          <p:cNvSpPr txBox="1">
+            <a:spLocks noGrp="1"/>
+          </p:cNvSpPr>
+          <p:nvPr>
+            <p:ph type="title"/>
+          </p:nvPr>
+        </p:nvSpPr>
+        <p:spPr>
+          <a:xfrm>
+            <a:off x="264945" y="870271"/>
+            <a:ext cx="7242600" cy="1119900"/>
+          </a:xfrm>
+          <a:prstGeom prst="rect">
+            <a:avLst/>
+          </a:prstGeom>
+        </p:spPr>
+        <p:txBody>
+          <a:bodyPr spcFirstLastPara="1" wrap="square" lIns="91425" tIns="91425" rIns="91425" bIns="91425" anchor="ctr" anchorCtr="0">
+            <a:noAutofit/>
+          </a:bodyPr>
+          <a:lstStyle/>
+          <a:p>
+            <a:pPr marL="0" lvl="0" indent="0" algn="l" rtl="0">
+              <a:spcBef>
+                <a:spcPts val="0"/>
+              </a:spcBef>
+              <a:spcAft>
+                <a:spcPts val="0"/>
+              </a:spcAft>
+              <a:buNone/>
+            </a:pPr>
+            <a:r>
+              <a:rPr lang="en"/>
+              <a:t>DDL</a:t>
+            </a:r>
+            <a:endParaRPr/>
+          </a:p>
+        </p:txBody>
+      </p:sp>
+      <p:sp>
+        <p:nvSpPr>
+          <p:cNvPr id="282" name="Google Shape;282;p67"/>
+          <p:cNvSpPr txBox="1">
+            <a:spLocks noGrp="1"/>
+          </p:cNvSpPr>
+          <p:nvPr>
+            <p:ph type="body" idx="1"/>
+          </p:nvPr>
+        </p:nvSpPr>
+        <p:spPr>
+          <a:xfrm>
+            <a:off x="264950" y="2253724"/>
+            <a:ext cx="7242600" cy="7731900"/>
+          </a:xfrm>
+          <a:prstGeom prst="rect">
+            <a:avLst/>
+          </a:prstGeom>
+        </p:spPr>
+        <p:txBody>
+          <a:bodyPr spcFirstLastPara="1" wrap="square" lIns="91425" tIns="91425" rIns="91425" bIns="91425" anchor="t" anchorCtr="0">
+            <a:noAutofit/>
+          </a:bodyPr>
+          <a:lstStyle/>
+          <a:p>
+            <a:pPr marL="0" lvl="0" indent="0" algn="l" rtl="0">
+              <a:spcBef>
+                <a:spcPts val="0"/>
+              </a:spcBef>
+              <a:spcAft>
+                <a:spcPts val="0"/>
+              </a:spcAft>
+              <a:buNone/>
+            </a:pPr>
+            <a:r>
+              <a:rPr lang="en" sz="1900"/>
+              <a:t>Create a DDL SQL script capable of building the database you designed in Step 2</a:t>
+            </a:r>
+            <a:endParaRPr sz="1900"/>
+          </a:p>
+          <a:p>
+            <a:pPr marL="241300" marR="241300" lvl="0" indent="0" algn="l" rtl="0">
+              <a:lnSpc>
+                <a:spcPct val="100000"/>
+              </a:lnSpc>
+              <a:spcBef>
+                <a:spcPts val="1600"/>
+              </a:spcBef>
+              <a:spcAft>
+                <a:spcPts val="0"/>
+              </a:spcAft>
+              <a:buClr>
+                <a:schemeClr val="dk1"/>
+              </a:buClr>
+              <a:buSzPts val="1100"/>
+              <a:buFont typeface="Arial"/>
+              <a:buNone/>
+            </a:pPr>
+            <a:r>
+              <a:rPr lang="en" sz="1350" b="1">
+                <a:solidFill>
+                  <a:srgbClr val="2E3D49"/>
+                </a:solidFill>
+                <a:highlight>
+                  <a:srgbClr val="FFFFFF"/>
+                </a:highlight>
+                <a:latin typeface="Open Sans"/>
+                <a:ea typeface="Open Sans"/>
+                <a:cs typeface="Open Sans"/>
+                <a:sym typeface="Open Sans"/>
+              </a:rPr>
+              <a:t>Hints</a:t>
+            </a:r>
+            <a:endParaRPr sz="1350" b="1">
+              <a:solidFill>
+                <a:srgbClr val="2E3D49"/>
+              </a:solidFill>
+              <a:highlight>
+                <a:srgbClr val="FFFFFF"/>
+              </a:highlight>
+              <a:latin typeface="Open Sans"/>
+              <a:ea typeface="Open Sans"/>
+              <a:cs typeface="Open Sans"/>
+              <a:sym typeface="Open Sans"/>
+            </a:endParaRPr>
+          </a:p>
+          <a:p>
+            <a:pPr marL="241300" marR="241300" lvl="0" indent="0" algn="l" rtl="0">
+              <a:lnSpc>
+                <a:spcPct val="100000"/>
+              </a:lnSpc>
+              <a:spcBef>
+                <a:spcPts val="0"/>
+              </a:spcBef>
+              <a:spcAft>
+                <a:spcPts val="0"/>
+              </a:spcAft>
+              <a:buClr>
+                <a:schemeClr val="dk1"/>
+              </a:buClr>
+              <a:buSzPts val="1100"/>
+              <a:buFont typeface="Arial"/>
+              <a:buNone/>
+            </a:pPr>
+            <a:r>
+              <a:rPr lang="en" sz="1350">
+                <a:solidFill>
+                  <a:srgbClr val="525C65"/>
+                </a:solidFill>
+                <a:highlight>
+                  <a:srgbClr val="FFFFFF"/>
+                </a:highlight>
+                <a:latin typeface="Open Sans"/>
+                <a:ea typeface="Open Sans"/>
+                <a:cs typeface="Open Sans"/>
+                <a:sym typeface="Open Sans"/>
+              </a:rPr>
+              <a:t>The DDL script will be graded by running the code you submit. Please ensure your SQL code runs properly.</a:t>
+            </a:r>
+            <a:endParaRPr sz="1350">
+              <a:solidFill>
+                <a:srgbClr val="525C65"/>
+              </a:solidFill>
+              <a:highlight>
+                <a:srgbClr val="FFFFFF"/>
+              </a:highlight>
+              <a:latin typeface="Open Sans"/>
+              <a:ea typeface="Open Sans"/>
+              <a:cs typeface="Open Sans"/>
+              <a:sym typeface="Open Sans"/>
+            </a:endParaRPr>
+          </a:p>
+          <a:p>
+            <a:pPr marL="241300" marR="241300" lvl="0" indent="0" algn="l" rtl="0">
+              <a:lnSpc>
+                <a:spcPct val="100000"/>
+              </a:lnSpc>
+              <a:spcBef>
+                <a:spcPts val="0"/>
+              </a:spcBef>
+              <a:spcAft>
+                <a:spcPts val="0"/>
+              </a:spcAft>
+              <a:buClr>
+                <a:schemeClr val="dk1"/>
+              </a:buClr>
+              <a:buSzPts val="1100"/>
+              <a:buFont typeface="Arial"/>
+              <a:buNone/>
+            </a:pPr>
+            <a:endParaRPr sz="1350">
+              <a:solidFill>
+                <a:srgbClr val="525C65"/>
+              </a:solidFill>
+              <a:highlight>
+                <a:srgbClr val="FFFFFF"/>
+              </a:highlight>
+              <a:latin typeface="Open Sans"/>
+              <a:ea typeface="Open Sans"/>
+              <a:cs typeface="Open Sans"/>
+              <a:sym typeface="Open Sans"/>
+            </a:endParaRPr>
+          </a:p>
+          <a:p>
+            <a:pPr marL="241300" marR="241300" lvl="0" indent="0" algn="l" rtl="0">
+              <a:lnSpc>
+                <a:spcPct val="100000"/>
+              </a:lnSpc>
+              <a:spcBef>
+                <a:spcPts val="0"/>
+              </a:spcBef>
+              <a:spcAft>
+                <a:spcPts val="0"/>
+              </a:spcAft>
+              <a:buNone/>
+            </a:pPr>
+            <a:r>
+              <a:rPr lang="en" sz="1350">
+                <a:solidFill>
+                  <a:srgbClr val="525C65"/>
+                </a:solidFill>
+                <a:highlight>
+                  <a:srgbClr val="FFFFFF"/>
+                </a:highlight>
+                <a:latin typeface="Open Sans"/>
+                <a:ea typeface="Open Sans"/>
+                <a:cs typeface="Open Sans"/>
+                <a:sym typeface="Open Sans"/>
+              </a:rPr>
+              <a:t>Foreign keys cannot be created on tables that do not exist yet, so it may be easier to create all tables in the database, then to go back and run modify statements on the tables to create foreign key constraints.</a:t>
+            </a:r>
+            <a:endParaRPr sz="1350">
+              <a:solidFill>
+                <a:srgbClr val="525C65"/>
+              </a:solidFill>
+              <a:highlight>
+                <a:srgbClr val="FFFFFF"/>
+              </a:highlight>
+              <a:latin typeface="Open Sans"/>
+              <a:ea typeface="Open Sans"/>
+              <a:cs typeface="Open Sans"/>
+              <a:sym typeface="Open Sans"/>
+            </a:endParaRPr>
+          </a:p>
+          <a:p>
+            <a:pPr marL="241300" marR="241300" lvl="0" indent="0" algn="l" rtl="0">
+              <a:lnSpc>
+                <a:spcPct val="100000"/>
+              </a:lnSpc>
+              <a:spcBef>
+                <a:spcPts val="0"/>
+              </a:spcBef>
+              <a:spcAft>
+                <a:spcPts val="0"/>
+              </a:spcAft>
+              <a:buNone/>
+            </a:pPr>
+            <a:endParaRPr sz="1350">
+              <a:solidFill>
+                <a:srgbClr val="2E3D49"/>
+              </a:solidFill>
+              <a:highlight>
+                <a:srgbClr val="FFFFFF"/>
+              </a:highlight>
+              <a:latin typeface="Open Sans"/>
+              <a:ea typeface="Open Sans"/>
+              <a:cs typeface="Open Sans"/>
+              <a:sym typeface="Open Sans"/>
+            </a:endParaRPr>
+          </a:p>
+          <a:p>
+            <a:pPr marL="241300" marR="241300" lvl="0" indent="0" algn="l" rtl="0">
+              <a:lnSpc>
+                <a:spcPct val="100000"/>
+              </a:lnSpc>
+              <a:spcBef>
+                <a:spcPts val="0"/>
+              </a:spcBef>
+              <a:spcAft>
+                <a:spcPts val="0"/>
+              </a:spcAft>
+              <a:buClr>
+                <a:schemeClr val="dk1"/>
+              </a:buClr>
+              <a:buSzPts val="1100"/>
+              <a:buFont typeface="Arial"/>
+              <a:buNone/>
+            </a:pPr>
+            <a:r>
+              <a:rPr lang="en" sz="1350">
+                <a:solidFill>
+                  <a:srgbClr val="FF0000"/>
+                </a:solidFill>
+                <a:highlight>
+                  <a:srgbClr val="FFFFFF"/>
+                </a:highlight>
+                <a:latin typeface="Open Sans"/>
+                <a:ea typeface="Open Sans"/>
+                <a:cs typeface="Open Sans"/>
+                <a:sym typeface="Open Sans"/>
+              </a:rPr>
+              <a:t>Remember to submit the related SQL file as well, not just a screenshot (replace the below screenshot).</a:t>
+            </a:r>
+            <a:endParaRPr sz="1350">
+              <a:solidFill>
+                <a:srgbClr val="FF0000"/>
+              </a:solidFill>
+              <a:highlight>
+                <a:srgbClr val="FFFFFF"/>
+              </a:highlight>
+              <a:latin typeface="Open Sans"/>
+              <a:ea typeface="Open Sans"/>
+              <a:cs typeface="Open Sans"/>
+              <a:sym typeface="Open Sans"/>
+            </a:endParaRPr>
+          </a:p>
+          <a:p>
+            <a:pPr marL="457200" lvl="0" indent="0" algn="l" rtl="0">
+              <a:spcBef>
+                <a:spcPts val="0"/>
+              </a:spcBef>
+              <a:spcAft>
+                <a:spcPts val="0"/>
+              </a:spcAft>
+              <a:buNone/>
+            </a:pPr>
+            <a:endParaRPr sz="1900"/>
+          </a:p>
+          <a:p>
+            <a:pPr marL="457200" lvl="0" indent="0" algn="l" rtl="0">
+              <a:spcBef>
+                <a:spcPts val="1600"/>
+              </a:spcBef>
+              <a:spcAft>
+                <a:spcPts val="0"/>
+              </a:spcAft>
+              <a:buNone/>
+            </a:pPr>
+            <a:endParaRPr sz="1900"/>
+          </a:p>
+          <a:p>
+            <a:pPr marL="457200" lvl="0" indent="0" algn="l" rtl="0">
+              <a:spcBef>
+                <a:spcPts val="1600"/>
+              </a:spcBef>
+              <a:spcAft>
+                <a:spcPts val="0"/>
+              </a:spcAft>
+              <a:buNone/>
+            </a:pPr>
+            <a:endParaRPr sz="1900"/>
+          </a:p>
+          <a:p>
+            <a:pPr marL="457200" lvl="0" indent="0" algn="l" rtl="0">
+              <a:spcBef>
+                <a:spcPts val="1600"/>
+              </a:spcBef>
+              <a:spcAft>
+                <a:spcPts val="1600"/>
+              </a:spcAft>
+              <a:buNone/>
+            </a:pPr>
+            <a:endParaRPr sz="1900"/>
+          </a:p>
+        </p:txBody>
+      </p:sp>
+      <p:pic>
+        <p:nvPicPr>
+          <p:cNvPr id="283" name="Google Shape;283;p67"/>
+          <p:cNvPicPr preferRelativeResize="0"/>
+          <p:nvPr/>
+        </p:nvPicPr>
+        <p:blipFill rotWithShape="1">
+          <a:blip r:embed="rId3">
+            <a:alphaModFix/>
+          </a:blip>
+          <a:srcRect l="2818" t="2391"/>
+          <a:stretch/>
+        </p:blipFill>
+        <p:spPr>
+          <a:xfrm>
+            <a:off x="1641775" y="5527975"/>
+            <a:ext cx="3823475" cy="3971125"/>
+          </a:xfrm>
+          <a:prstGeom prst="rect">
+            <a:avLst/>
+          </a:prstGeom>
+          <a:noFill/>
+          <a:ln w="9525" cap="flat" cmpd="sng">
+            <a:solidFill>
+              <a:schemeClr val="dk2"/>
+            </a:solidFill>
+            <a:prstDash val="solid"/>
+            <a:round/>
+            <a:headEnd type="none" w="sm" len="sm"/>
+            <a:tailEnd type="none" w="sm" len="sm"/>
+          </a:ln>
+        </p:spPr>
+      </p:pic>
+    </p:spTree>
+  </p:cSld>
+  <p:clrMapOvr>
+    <a:masterClrMapping/>
+  </p:clrMapOvr>
+</p:sld>
+</file>
+
+<file path=ppt/slides/slide21.xml><?xml version="1.0" encoding="utf-8"?>
+<p:sld xmlns:a="http://schemas.openxmlformats.org/drawingml/2006/main" xmlns:r="http://schemas.openxmlformats.org/officeDocument/2006/relationships" xmlns:p="http://schemas.openxmlformats.org/presentationml/2006/main">
+  <p:cSld>
+    <p:spTree>
+      <p:nvGrpSpPr>
+        <p:cNvPr id="1" name="Shape 287"/>
+        <p:cNvGrpSpPr/>
+        <p:nvPr/>
+      </p:nvGrpSpPr>
+      <p:grpSpPr>
+        <a:xfrm>
+          <a:off x="0" y="0"/>
+          <a:ext cx="0" cy="0"/>
+          <a:chOff x="0" y="0"/>
+          <a:chExt cx="0" cy="0"/>
+        </a:xfrm>
+      </p:grpSpPr>
+      <p:sp>
+        <p:nvSpPr>
+          <p:cNvPr id="288" name="Google Shape;288;p68"/>
+          <p:cNvSpPr txBox="1">
+            <a:spLocks noGrp="1"/>
+          </p:cNvSpPr>
+          <p:nvPr>
+            <p:ph type="title"/>
+          </p:nvPr>
+        </p:nvSpPr>
+        <p:spPr>
+          <a:xfrm>
+            <a:off x="264945" y="870271"/>
+            <a:ext cx="7242600" cy="1119900"/>
+          </a:xfrm>
+          <a:prstGeom prst="rect">
+            <a:avLst/>
+          </a:prstGeom>
+        </p:spPr>
+        <p:txBody>
+          <a:bodyPr spcFirstLastPara="1" wrap="square" lIns="91425" tIns="91425" rIns="91425" bIns="91425" anchor="ctr" anchorCtr="0">
+            <a:noAutofit/>
+          </a:bodyPr>
+          <a:lstStyle/>
+          <a:p>
+            <a:pPr marL="0" lvl="0" indent="0" algn="l" rtl="0">
+              <a:spcBef>
+                <a:spcPts val="0"/>
+              </a:spcBef>
+              <a:spcAft>
+                <a:spcPts val="0"/>
+              </a:spcAft>
+              <a:buNone/>
+            </a:pPr>
+            <a:r>
+              <a:rPr lang="en"/>
+              <a:t>CRUD</a:t>
+            </a:r>
+            <a:endParaRPr/>
+          </a:p>
+        </p:txBody>
+      </p:sp>
+      <p:sp>
+        <p:nvSpPr>
+          <p:cNvPr id="289" name="Google Shape;289;p68"/>
+          <p:cNvSpPr txBox="1">
+            <a:spLocks noGrp="1"/>
+          </p:cNvSpPr>
+          <p:nvPr>
+            <p:ph type="body" idx="1"/>
+          </p:nvPr>
+        </p:nvSpPr>
+        <p:spPr>
+          <a:xfrm>
+            <a:off x="264950" y="2156849"/>
+            <a:ext cx="7242600" cy="7731900"/>
+          </a:xfrm>
+          <a:prstGeom prst="rect">
+            <a:avLst/>
+          </a:prstGeom>
+        </p:spPr>
+        <p:txBody>
+          <a:bodyPr spcFirstLastPara="1" wrap="square" lIns="91425" tIns="91425" rIns="91425" bIns="91425" anchor="t" anchorCtr="0">
+            <a:noAutofit/>
+          </a:bodyPr>
+          <a:lstStyle/>
+          <a:p>
+            <a:pPr marL="0" lvl="0" indent="0" algn="l" rtl="0">
+              <a:spcBef>
+                <a:spcPts val="0"/>
+              </a:spcBef>
+              <a:spcAft>
+                <a:spcPts val="0"/>
+              </a:spcAft>
+              <a:buNone/>
+            </a:pPr>
+            <a:endParaRPr sz="1900"/>
+          </a:p>
+          <a:p>
+            <a:pPr marL="457200" lvl="0" indent="-349250" algn="l" rtl="0">
+              <a:spcBef>
+                <a:spcPts val="1600"/>
+              </a:spcBef>
+              <a:spcAft>
+                <a:spcPts val="0"/>
+              </a:spcAft>
+              <a:buSzPts val="1900"/>
+              <a:buFont typeface="Open Sans"/>
+              <a:buChar char="●"/>
+            </a:pPr>
+            <a:r>
+              <a:rPr lang="en" sz="1900" b="1">
+                <a:latin typeface="Open Sans"/>
+                <a:ea typeface="Open Sans"/>
+                <a:cs typeface="Open Sans"/>
+                <a:sym typeface="Open Sans"/>
+              </a:rPr>
+              <a:t>Question 1: Return a list of employees with Job Titles and Department Names</a:t>
+            </a:r>
+            <a:endParaRPr sz="1900" b="1">
+              <a:latin typeface="Open Sans"/>
+              <a:ea typeface="Open Sans"/>
+              <a:cs typeface="Open Sans"/>
+              <a:sym typeface="Open Sans"/>
+            </a:endParaRPr>
+          </a:p>
+          <a:p>
+            <a:pPr marL="0" lvl="0" indent="0" algn="l" rtl="0">
+              <a:spcBef>
+                <a:spcPts val="1600"/>
+              </a:spcBef>
+              <a:spcAft>
+                <a:spcPts val="0"/>
+              </a:spcAft>
+              <a:buNone/>
+            </a:pPr>
+            <a:endParaRPr sz="1900" b="1">
+              <a:latin typeface="Open Sans"/>
+              <a:ea typeface="Open Sans"/>
+              <a:cs typeface="Open Sans"/>
+              <a:sym typeface="Open Sans"/>
+            </a:endParaRPr>
+          </a:p>
+          <a:p>
+            <a:pPr marL="0" lvl="0" indent="0" algn="l" rtl="0">
+              <a:lnSpc>
+                <a:spcPct val="170000"/>
+              </a:lnSpc>
+              <a:spcBef>
+                <a:spcPts val="1600"/>
+              </a:spcBef>
+              <a:spcAft>
+                <a:spcPts val="0"/>
+              </a:spcAft>
+              <a:buClr>
+                <a:schemeClr val="dk1"/>
+              </a:buClr>
+              <a:buSzPts val="1100"/>
+              <a:buFont typeface="Arial"/>
+              <a:buNone/>
+            </a:pPr>
+            <a:r>
+              <a:rPr lang="en" sz="1200">
+                <a:solidFill>
+                  <a:srgbClr val="525C65"/>
+                </a:solidFill>
+                <a:highlight>
+                  <a:schemeClr val="lt1"/>
+                </a:highlight>
+                <a:latin typeface="Open Sans"/>
+                <a:ea typeface="Open Sans"/>
+                <a:cs typeface="Open Sans"/>
+                <a:sym typeface="Open Sans"/>
+              </a:rPr>
+              <a:t>     </a:t>
+            </a:r>
+            <a:r>
+              <a:rPr lang="en" sz="1200">
+                <a:solidFill>
+                  <a:srgbClr val="FF0000"/>
+                </a:solidFill>
+                <a:highlight>
+                  <a:schemeClr val="lt1"/>
+                </a:highlight>
+                <a:latin typeface="Open Sans"/>
+                <a:ea typeface="Open Sans"/>
+                <a:cs typeface="Open Sans"/>
+                <a:sym typeface="Open Sans"/>
+              </a:rPr>
+              <a:t>** Replace example screenshot below with your response, and include the query in a SQL file</a:t>
+            </a:r>
+            <a:endParaRPr sz="1900" b="1">
+              <a:latin typeface="Open Sans"/>
+              <a:ea typeface="Open Sans"/>
+              <a:cs typeface="Open Sans"/>
+              <a:sym typeface="Open Sans"/>
+            </a:endParaRPr>
+          </a:p>
+          <a:p>
+            <a:pPr marL="0" lvl="0" indent="0" algn="l" rtl="0">
+              <a:spcBef>
+                <a:spcPts val="0"/>
+              </a:spcBef>
+              <a:spcAft>
+                <a:spcPts val="0"/>
+              </a:spcAft>
+              <a:buNone/>
+            </a:pPr>
+            <a:endParaRPr sz="1900" b="1">
+              <a:latin typeface="Open Sans"/>
+              <a:ea typeface="Open Sans"/>
+              <a:cs typeface="Open Sans"/>
+              <a:sym typeface="Open Sans"/>
+            </a:endParaRPr>
+          </a:p>
+          <a:p>
+            <a:pPr marL="0" lvl="0" indent="0" algn="l" rtl="0">
+              <a:spcBef>
+                <a:spcPts val="1600"/>
+              </a:spcBef>
+              <a:spcAft>
+                <a:spcPts val="0"/>
+              </a:spcAft>
+              <a:buNone/>
+            </a:pPr>
+            <a:endParaRPr sz="1900" b="1">
+              <a:latin typeface="Open Sans"/>
+              <a:ea typeface="Open Sans"/>
+              <a:cs typeface="Open Sans"/>
+              <a:sym typeface="Open Sans"/>
+            </a:endParaRPr>
+          </a:p>
+          <a:p>
+            <a:pPr marL="457200" lvl="0" indent="0" algn="l" rtl="0">
+              <a:spcBef>
+                <a:spcPts val="1600"/>
+              </a:spcBef>
+              <a:spcAft>
+                <a:spcPts val="0"/>
+              </a:spcAft>
+              <a:buNone/>
+            </a:pPr>
+            <a:endParaRPr sz="1900" b="1">
+              <a:latin typeface="Open Sans"/>
+              <a:ea typeface="Open Sans"/>
+              <a:cs typeface="Open Sans"/>
+              <a:sym typeface="Open Sans"/>
+            </a:endParaRPr>
+          </a:p>
+          <a:p>
+            <a:pPr marL="0" lvl="0" indent="0" algn="l" rtl="0">
+              <a:spcBef>
+                <a:spcPts val="1600"/>
+              </a:spcBef>
+              <a:spcAft>
+                <a:spcPts val="0"/>
+              </a:spcAft>
+              <a:buNone/>
+            </a:pPr>
+            <a:endParaRPr sz="1900" b="1">
+              <a:latin typeface="Open Sans"/>
+              <a:ea typeface="Open Sans"/>
+              <a:cs typeface="Open Sans"/>
+              <a:sym typeface="Open Sans"/>
+            </a:endParaRPr>
+          </a:p>
+          <a:p>
+            <a:pPr marL="0" lvl="0" indent="0" algn="l" rtl="0">
+              <a:spcBef>
+                <a:spcPts val="1600"/>
+              </a:spcBef>
+              <a:spcAft>
+                <a:spcPts val="0"/>
+              </a:spcAft>
+              <a:buNone/>
+            </a:pPr>
+            <a:endParaRPr sz="1900" b="1">
+              <a:latin typeface="Open Sans"/>
+              <a:ea typeface="Open Sans"/>
+              <a:cs typeface="Open Sans"/>
+              <a:sym typeface="Open Sans"/>
+            </a:endParaRPr>
+          </a:p>
+          <a:p>
+            <a:pPr marL="0" lvl="0" indent="0" algn="l" rtl="0">
+              <a:spcBef>
+                <a:spcPts val="1600"/>
+              </a:spcBef>
+              <a:spcAft>
+                <a:spcPts val="0"/>
+              </a:spcAft>
+              <a:buNone/>
+            </a:pPr>
+            <a:endParaRPr sz="1900"/>
+          </a:p>
+          <a:p>
+            <a:pPr marL="457200" lvl="0" indent="0" algn="l" rtl="0">
+              <a:spcBef>
+                <a:spcPts val="1600"/>
+              </a:spcBef>
+              <a:spcAft>
+                <a:spcPts val="0"/>
+              </a:spcAft>
+              <a:buNone/>
+            </a:pPr>
+            <a:endParaRPr sz="1900"/>
+          </a:p>
+          <a:p>
+            <a:pPr marL="457200" lvl="0" indent="0" algn="l" rtl="0">
+              <a:spcBef>
+                <a:spcPts val="1600"/>
+              </a:spcBef>
+              <a:spcAft>
+                <a:spcPts val="0"/>
+              </a:spcAft>
+              <a:buNone/>
+            </a:pPr>
+            <a:endParaRPr sz="1900"/>
+          </a:p>
+          <a:p>
+            <a:pPr marL="457200" lvl="0" indent="0" algn="l" rtl="0">
+              <a:spcBef>
+                <a:spcPts val="1600"/>
+              </a:spcBef>
+              <a:spcAft>
+                <a:spcPts val="1600"/>
+              </a:spcAft>
+              <a:buNone/>
+            </a:pPr>
+            <a:endParaRPr sz="1900"/>
+          </a:p>
+        </p:txBody>
+      </p:sp>
+      <p:pic>
+        <p:nvPicPr>
+          <p:cNvPr id="290" name="Google Shape;290;p68"/>
+          <p:cNvPicPr preferRelativeResize="0"/>
+          <p:nvPr/>
+        </p:nvPicPr>
+        <p:blipFill>
+          <a:blip r:embed="rId3">
+            <a:alphaModFix/>
+          </a:blip>
+          <a:stretch>
+            <a:fillRect/>
+          </a:stretch>
+        </p:blipFill>
+        <p:spPr>
+          <a:xfrm>
+            <a:off x="1088175" y="4781750"/>
+            <a:ext cx="5036025" cy="3241700"/>
+          </a:xfrm>
+          <a:prstGeom prst="rect">
+            <a:avLst/>
+          </a:prstGeom>
+          <a:noFill/>
+          <a:ln w="9525" cap="flat" cmpd="sng">
+            <a:solidFill>
+              <a:schemeClr val="dk2"/>
+            </a:solidFill>
+            <a:prstDash val="solid"/>
+            <a:round/>
+            <a:headEnd type="none" w="sm" len="sm"/>
+            <a:tailEnd type="none" w="sm" len="sm"/>
+          </a:ln>
+        </p:spPr>
+      </p:pic>
+    </p:spTree>
+  </p:cSld>
+  <p:clrMapOvr>
+    <a:masterClrMapping/>
+  </p:clrMapOvr>
+</p:sld>
+</file>
+
+<file path=ppt/slides/slide22.xml><?xml version="1.0" encoding="utf-8"?>
+<p:sld xmlns:a="http://schemas.openxmlformats.org/drawingml/2006/main" xmlns:r="http://schemas.openxmlformats.org/officeDocument/2006/relationships" xmlns:p="http://schemas.openxmlformats.org/presentationml/2006/main">
+  <p:cSld>
+    <p:spTree>
+      <p:nvGrpSpPr>
         <p:cNvPr id="1" name="Shape 294"/>
         <p:cNvGrpSpPr/>
         <p:nvPr/>
@@ -34056,7 +34835,7 @@
 </p:sld>
 </file>
 
-<file path=ppt/slides/slide21.xml><?xml version="1.0" encoding="utf-8"?>
+<file path=ppt/slides/slide23.xml><?xml version="1.0" encoding="utf-8"?>
 <p:sld xmlns:a="http://schemas.openxmlformats.org/drawingml/2006/main" xmlns:r="http://schemas.openxmlformats.org/officeDocument/2006/relationships" xmlns:p="http://schemas.openxmlformats.org/presentationml/2006/main">
   <p:cSld>
     <p:spTree>
@@ -34481,7 +35260,7 @@
 </p:sld>
 </file>
 
-<file path=ppt/slides/slide22.xml><?xml version="1.0" encoding="utf-8"?>
+<file path=ppt/slides/slide24.xml><?xml version="1.0" encoding="utf-8"?>
 <p:sld xmlns:a="http://schemas.openxmlformats.org/drawingml/2006/main" xmlns:r="http://schemas.openxmlformats.org/officeDocument/2006/relationships" xmlns:p="http://schemas.openxmlformats.org/presentationml/2006/main">
   <p:cSld>
     <p:spTree>
@@ -34906,7 +35685,7 @@
 </p:sld>
 </file>
 
-<file path=ppt/slides/slide23.xml><?xml version="1.0" encoding="utf-8"?>
+<file path=ppt/slides/slide25.xml><?xml version="1.0" encoding="utf-8"?>
 <p:sld xmlns:a="http://schemas.openxmlformats.org/drawingml/2006/main" xmlns:r="http://schemas.openxmlformats.org/officeDocument/2006/relationships" xmlns:p="http://schemas.openxmlformats.org/presentationml/2006/main">
   <p:cSld>
     <p:spTree>
@@ -35307,7 +36086,7 @@
 </p:sld>
 </file>
 
-<file path=ppt/slides/slide24.xml><?xml version="1.0" encoding="utf-8"?>
+<file path=ppt/slides/slide26.xml><?xml version="1.0" encoding="utf-8"?>
 <p:sld xmlns:a="http://schemas.openxmlformats.org/drawingml/2006/main" xmlns:r="http://schemas.openxmlformats.org/officeDocument/2006/relationships" xmlns:p="http://schemas.openxmlformats.org/presentationml/2006/main">
   <p:cSld>
     <p:spTree>
@@ -35691,7 +36470,7 @@
 </p:sld>
 </file>
 
-<file path=ppt/slides/slide25.xml><?xml version="1.0" encoding="utf-8"?>
+<file path=ppt/slides/slide27.xml><?xml version="1.0" encoding="utf-8"?>
 <p:sld xmlns:a="http://schemas.openxmlformats.org/drawingml/2006/main" xmlns:r="http://schemas.openxmlformats.org/officeDocument/2006/relationships" xmlns:p="http://schemas.openxmlformats.org/presentationml/2006/main">
   <p:cSld>
     <p:spTree>
@@ -35909,7 +36688,7 @@
 </p:sld>
 </file>
 
-<file path=ppt/slides/slide26.xml><?xml version="1.0" encoding="utf-8"?>
+<file path=ppt/slides/slide28.xml><?xml version="1.0" encoding="utf-8"?>
 <p:sld xmlns:a="http://schemas.openxmlformats.org/drawingml/2006/main" xmlns:r="http://schemas.openxmlformats.org/officeDocument/2006/relationships" xmlns:p="http://schemas.openxmlformats.org/presentationml/2006/main">
   <p:cSld>
     <p:bg>
@@ -36101,7 +36880,7 @@
 </p:sld>
 </file>
 
-<file path=ppt/slides/slide27.xml><?xml version="1.0" encoding="utf-8"?>
+<file path=ppt/slides/slide29.xml><?xml version="1.0" encoding="utf-8"?>
 <p:sld xmlns:a="http://schemas.openxmlformats.org/drawingml/2006/main" xmlns:r="http://schemas.openxmlformats.org/officeDocument/2006/relationships" xmlns:p="http://schemas.openxmlformats.org/presentationml/2006/main">
   <p:cSld>
     <p:spTree>
@@ -36258,340 +37037,6 @@
               <a:buNone/>
             </a:pPr>
             <a:endParaRPr sz="2200"/>
-          </a:p>
-        </p:txBody>
-      </p:sp>
-    </p:spTree>
-  </p:cSld>
-  <p:clrMapOvr>
-    <a:masterClrMapping/>
-  </p:clrMapOvr>
-</p:sld>
-</file>
-
-<file path=ppt/slides/slide28.xml><?xml version="1.0" encoding="utf-8"?>
-<p:sld xmlns:a="http://schemas.openxmlformats.org/drawingml/2006/main" xmlns:r="http://schemas.openxmlformats.org/officeDocument/2006/relationships" xmlns:p="http://schemas.openxmlformats.org/presentationml/2006/main">
-  <p:cSld>
-    <p:spTree>
-      <p:nvGrpSpPr>
-        <p:cNvPr id="1" name="Shape 347"/>
-        <p:cNvGrpSpPr/>
-        <p:nvPr/>
-      </p:nvGrpSpPr>
-      <p:grpSpPr>
-        <a:xfrm>
-          <a:off x="0" y="0"/>
-          <a:ext cx="0" cy="0"/>
-          <a:chOff x="0" y="0"/>
-          <a:chExt cx="0" cy="0"/>
-        </a:xfrm>
-      </p:grpSpPr>
-      <p:sp>
-        <p:nvSpPr>
-          <p:cNvPr id="348" name="Google Shape;348;p77"/>
-          <p:cNvSpPr txBox="1">
-            <a:spLocks noGrp="1"/>
-          </p:cNvSpPr>
-          <p:nvPr>
-            <p:ph type="title"/>
-          </p:nvPr>
-        </p:nvSpPr>
-        <p:spPr>
-          <a:xfrm>
-            <a:off x="264945" y="870271"/>
-            <a:ext cx="7242600" cy="1119900"/>
-          </a:xfrm>
-          <a:prstGeom prst="rect">
-            <a:avLst/>
-          </a:prstGeom>
-        </p:spPr>
-        <p:txBody>
-          <a:bodyPr spcFirstLastPara="1" wrap="square" lIns="91425" tIns="91425" rIns="91425" bIns="91425" anchor="ctr" anchorCtr="0">
-            <a:noAutofit/>
-          </a:bodyPr>
-          <a:lstStyle/>
-          <a:p>
-            <a:pPr marL="0" lvl="0" indent="0" algn="l" rtl="0">
-              <a:spcBef>
-                <a:spcPts val="0"/>
-              </a:spcBef>
-              <a:spcAft>
-                <a:spcPts val="0"/>
-              </a:spcAft>
-              <a:buNone/>
-            </a:pPr>
-            <a:r>
-              <a:rPr lang="en"/>
-              <a:t>Standout Suggestion 1</a:t>
-            </a:r>
-            <a:endParaRPr/>
-          </a:p>
-        </p:txBody>
-      </p:sp>
-      <p:sp>
-        <p:nvSpPr>
-          <p:cNvPr id="349" name="Google Shape;349;p77"/>
-          <p:cNvSpPr txBox="1">
-            <a:spLocks noGrp="1"/>
-          </p:cNvSpPr>
-          <p:nvPr>
-            <p:ph type="body" idx="1"/>
-          </p:nvPr>
-        </p:nvSpPr>
-        <p:spPr>
-          <a:xfrm>
-            <a:off x="264950" y="2253724"/>
-            <a:ext cx="7242600" cy="7731900"/>
-          </a:xfrm>
-          <a:prstGeom prst="rect">
-            <a:avLst/>
-          </a:prstGeom>
-        </p:spPr>
-        <p:txBody>
-          <a:bodyPr spcFirstLastPara="1" wrap="square" lIns="91425" tIns="91425" rIns="91425" bIns="91425" anchor="t" anchorCtr="0">
-            <a:noAutofit/>
-          </a:bodyPr>
-          <a:lstStyle/>
-          <a:p>
-            <a:pPr marL="0" lvl="0" indent="0" algn="l" rtl="0">
-              <a:spcBef>
-                <a:spcPts val="0"/>
-              </a:spcBef>
-              <a:spcAft>
-                <a:spcPts val="0"/>
-              </a:spcAft>
-              <a:buNone/>
-            </a:pPr>
-            <a:r>
-              <a:rPr lang="en" sz="2000" b="1">
-                <a:latin typeface="Open Sans"/>
-                <a:ea typeface="Open Sans"/>
-                <a:cs typeface="Open Sans"/>
-                <a:sym typeface="Open Sans"/>
-              </a:rPr>
-              <a:t>Create a view that returns all employee attributes; results should resemble initial Excel file</a:t>
-            </a:r>
-            <a:endParaRPr sz="2000" b="1">
-              <a:latin typeface="Open Sans"/>
-              <a:ea typeface="Open Sans"/>
-              <a:cs typeface="Open Sans"/>
-              <a:sym typeface="Open Sans"/>
-            </a:endParaRPr>
-          </a:p>
-          <a:p>
-            <a:pPr marL="0" lvl="0" indent="0" algn="l" rtl="0">
-              <a:spcBef>
-                <a:spcPts val="1600"/>
-              </a:spcBef>
-              <a:spcAft>
-                <a:spcPts val="0"/>
-              </a:spcAft>
-              <a:buNone/>
-            </a:pPr>
-            <a:r>
-              <a:rPr lang="en" sz="1900">
-                <a:solidFill>
-                  <a:srgbClr val="FF0000"/>
-                </a:solidFill>
-              </a:rPr>
-              <a:t>** return a screenshot of the view create code, along with the results of a select all on the view </a:t>
-            </a:r>
-            <a:endParaRPr sz="1900">
-              <a:solidFill>
-                <a:srgbClr val="FF0000"/>
-              </a:solidFill>
-            </a:endParaRPr>
-          </a:p>
-          <a:p>
-            <a:pPr marL="457200" lvl="0" indent="0" algn="l" rtl="0">
-              <a:spcBef>
-                <a:spcPts val="1600"/>
-              </a:spcBef>
-              <a:spcAft>
-                <a:spcPts val="0"/>
-              </a:spcAft>
-              <a:buNone/>
-            </a:pPr>
-            <a:endParaRPr sz="1900"/>
-          </a:p>
-          <a:p>
-            <a:pPr marL="457200" lvl="0" indent="0" algn="l" rtl="0">
-              <a:spcBef>
-                <a:spcPts val="1600"/>
-              </a:spcBef>
-              <a:spcAft>
-                <a:spcPts val="1600"/>
-              </a:spcAft>
-              <a:buNone/>
-            </a:pPr>
-            <a:endParaRPr sz="1900"/>
-          </a:p>
-        </p:txBody>
-      </p:sp>
-    </p:spTree>
-  </p:cSld>
-  <p:clrMapOvr>
-    <a:masterClrMapping/>
-  </p:clrMapOvr>
-</p:sld>
-</file>
-
-<file path=ppt/slides/slide29.xml><?xml version="1.0" encoding="utf-8"?>
-<p:sld xmlns:a="http://schemas.openxmlformats.org/drawingml/2006/main" xmlns:r="http://schemas.openxmlformats.org/officeDocument/2006/relationships" xmlns:p="http://schemas.openxmlformats.org/presentationml/2006/main">
-  <p:cSld>
-    <p:spTree>
-      <p:nvGrpSpPr>
-        <p:cNvPr id="1" name="Shape 353"/>
-        <p:cNvGrpSpPr/>
-        <p:nvPr/>
-      </p:nvGrpSpPr>
-      <p:grpSpPr>
-        <a:xfrm>
-          <a:off x="0" y="0"/>
-          <a:ext cx="0" cy="0"/>
-          <a:chOff x="0" y="0"/>
-          <a:chExt cx="0" cy="0"/>
-        </a:xfrm>
-      </p:grpSpPr>
-      <p:sp>
-        <p:nvSpPr>
-          <p:cNvPr id="354" name="Google Shape;354;p78"/>
-          <p:cNvSpPr txBox="1">
-            <a:spLocks noGrp="1"/>
-          </p:cNvSpPr>
-          <p:nvPr>
-            <p:ph type="title"/>
-          </p:nvPr>
-        </p:nvSpPr>
-        <p:spPr>
-          <a:xfrm>
-            <a:off x="264945" y="870271"/>
-            <a:ext cx="7242600" cy="1119900"/>
-          </a:xfrm>
-          <a:prstGeom prst="rect">
-            <a:avLst/>
-          </a:prstGeom>
-        </p:spPr>
-        <p:txBody>
-          <a:bodyPr spcFirstLastPara="1" wrap="square" lIns="91425" tIns="91425" rIns="91425" bIns="91425" anchor="ctr" anchorCtr="0">
-            <a:noAutofit/>
-          </a:bodyPr>
-          <a:lstStyle/>
-          <a:p>
-            <a:pPr marL="0" lvl="0" indent="0" algn="l" rtl="0">
-              <a:spcBef>
-                <a:spcPts val="0"/>
-              </a:spcBef>
-              <a:spcAft>
-                <a:spcPts val="0"/>
-              </a:spcAft>
-              <a:buNone/>
-            </a:pPr>
-            <a:r>
-              <a:rPr lang="en"/>
-              <a:t>Standout Suggestion 2</a:t>
-            </a:r>
-            <a:endParaRPr/>
-          </a:p>
-        </p:txBody>
-      </p:sp>
-      <p:sp>
-        <p:nvSpPr>
-          <p:cNvPr id="355" name="Google Shape;355;p78"/>
-          <p:cNvSpPr txBox="1">
-            <a:spLocks noGrp="1"/>
-          </p:cNvSpPr>
-          <p:nvPr>
-            <p:ph type="body" idx="1"/>
-          </p:nvPr>
-        </p:nvSpPr>
-        <p:spPr>
-          <a:xfrm>
-            <a:off x="264950" y="2253724"/>
-            <a:ext cx="7242600" cy="7731900"/>
-          </a:xfrm>
-          <a:prstGeom prst="rect">
-            <a:avLst/>
-          </a:prstGeom>
-        </p:spPr>
-        <p:txBody>
-          <a:bodyPr spcFirstLastPara="1" wrap="square" lIns="91425" tIns="91425" rIns="91425" bIns="91425" anchor="t" anchorCtr="0">
-            <a:noAutofit/>
-          </a:bodyPr>
-          <a:lstStyle/>
-          <a:p>
-            <a:pPr marL="0" lvl="0" indent="0" algn="l" rtl="0">
-              <a:spcBef>
-                <a:spcPts val="0"/>
-              </a:spcBef>
-              <a:spcAft>
-                <a:spcPts val="0"/>
-              </a:spcAft>
-              <a:buNone/>
-            </a:pPr>
-            <a:r>
-              <a:rPr lang="en" sz="2000" b="1">
-                <a:latin typeface="Open Sans"/>
-                <a:ea typeface="Open Sans"/>
-                <a:cs typeface="Open Sans"/>
-                <a:sym typeface="Open Sans"/>
-              </a:rPr>
-              <a:t>Create a stored procedure with parameters that returns current and past jobs (include employee name, job title, department, manager name, start and end date for position) when given an employee name.</a:t>
-            </a:r>
-            <a:endParaRPr sz="2000" b="1">
-              <a:latin typeface="Open Sans"/>
-              <a:ea typeface="Open Sans"/>
-              <a:cs typeface="Open Sans"/>
-              <a:sym typeface="Open Sans"/>
-            </a:endParaRPr>
-          </a:p>
-          <a:p>
-            <a:pPr marL="0" lvl="0" indent="0" algn="l" rtl="0">
-              <a:spcBef>
-                <a:spcPts val="1600"/>
-              </a:spcBef>
-              <a:spcAft>
-                <a:spcPts val="0"/>
-              </a:spcAft>
-              <a:buNone/>
-            </a:pPr>
-            <a:r>
-              <a:rPr lang="en" sz="1900">
-                <a:solidFill>
-                  <a:srgbClr val="FF0000"/>
-                </a:solidFill>
-              </a:rPr>
-              <a:t>** submit screenshot of stored procedure creation code, along with a screenshot of the stored procedure executed using Toni Lembeck as the parameter value</a:t>
-            </a:r>
-            <a:endParaRPr sz="1900">
-              <a:solidFill>
-                <a:srgbClr val="FF0000"/>
-              </a:solidFill>
-            </a:endParaRPr>
-          </a:p>
-          <a:p>
-            <a:pPr marL="457200" lvl="0" indent="0" algn="l" rtl="0">
-              <a:spcBef>
-                <a:spcPts val="1600"/>
-              </a:spcBef>
-              <a:spcAft>
-                <a:spcPts val="0"/>
-              </a:spcAft>
-              <a:buNone/>
-            </a:pPr>
-            <a:endParaRPr sz="1900"/>
-          </a:p>
-          <a:p>
-            <a:pPr marL="457200" lvl="0" indent="0" algn="l" rtl="0">
-              <a:spcBef>
-                <a:spcPts val="1600"/>
-              </a:spcBef>
-              <a:spcAft>
-                <a:spcPts val="1600"/>
-              </a:spcAft>
-              <a:buNone/>
-            </a:pPr>
-            <a:endParaRPr sz="1900"/>
           </a:p>
         </p:txBody>
       </p:sp>
@@ -37428,6 +37873,340 @@
   <p:cSld>
     <p:spTree>
       <p:nvGrpSpPr>
+        <p:cNvPr id="1" name="Shape 347"/>
+        <p:cNvGrpSpPr/>
+        <p:nvPr/>
+      </p:nvGrpSpPr>
+      <p:grpSpPr>
+        <a:xfrm>
+          <a:off x="0" y="0"/>
+          <a:ext cx="0" cy="0"/>
+          <a:chOff x="0" y="0"/>
+          <a:chExt cx="0" cy="0"/>
+        </a:xfrm>
+      </p:grpSpPr>
+      <p:sp>
+        <p:nvSpPr>
+          <p:cNvPr id="348" name="Google Shape;348;p77"/>
+          <p:cNvSpPr txBox="1">
+            <a:spLocks noGrp="1"/>
+          </p:cNvSpPr>
+          <p:nvPr>
+            <p:ph type="title"/>
+          </p:nvPr>
+        </p:nvSpPr>
+        <p:spPr>
+          <a:xfrm>
+            <a:off x="264945" y="870271"/>
+            <a:ext cx="7242600" cy="1119900"/>
+          </a:xfrm>
+          <a:prstGeom prst="rect">
+            <a:avLst/>
+          </a:prstGeom>
+        </p:spPr>
+        <p:txBody>
+          <a:bodyPr spcFirstLastPara="1" wrap="square" lIns="91425" tIns="91425" rIns="91425" bIns="91425" anchor="ctr" anchorCtr="0">
+            <a:noAutofit/>
+          </a:bodyPr>
+          <a:lstStyle/>
+          <a:p>
+            <a:pPr marL="0" lvl="0" indent="0" algn="l" rtl="0">
+              <a:spcBef>
+                <a:spcPts val="0"/>
+              </a:spcBef>
+              <a:spcAft>
+                <a:spcPts val="0"/>
+              </a:spcAft>
+              <a:buNone/>
+            </a:pPr>
+            <a:r>
+              <a:rPr lang="en"/>
+              <a:t>Standout Suggestion 1</a:t>
+            </a:r>
+            <a:endParaRPr/>
+          </a:p>
+        </p:txBody>
+      </p:sp>
+      <p:sp>
+        <p:nvSpPr>
+          <p:cNvPr id="349" name="Google Shape;349;p77"/>
+          <p:cNvSpPr txBox="1">
+            <a:spLocks noGrp="1"/>
+          </p:cNvSpPr>
+          <p:nvPr>
+            <p:ph type="body" idx="1"/>
+          </p:nvPr>
+        </p:nvSpPr>
+        <p:spPr>
+          <a:xfrm>
+            <a:off x="264950" y="2253724"/>
+            <a:ext cx="7242600" cy="7731900"/>
+          </a:xfrm>
+          <a:prstGeom prst="rect">
+            <a:avLst/>
+          </a:prstGeom>
+        </p:spPr>
+        <p:txBody>
+          <a:bodyPr spcFirstLastPara="1" wrap="square" lIns="91425" tIns="91425" rIns="91425" bIns="91425" anchor="t" anchorCtr="0">
+            <a:noAutofit/>
+          </a:bodyPr>
+          <a:lstStyle/>
+          <a:p>
+            <a:pPr marL="0" lvl="0" indent="0" algn="l" rtl="0">
+              <a:spcBef>
+                <a:spcPts val="0"/>
+              </a:spcBef>
+              <a:spcAft>
+                <a:spcPts val="0"/>
+              </a:spcAft>
+              <a:buNone/>
+            </a:pPr>
+            <a:r>
+              <a:rPr lang="en" sz="2000" b="1">
+                <a:latin typeface="Open Sans"/>
+                <a:ea typeface="Open Sans"/>
+                <a:cs typeface="Open Sans"/>
+                <a:sym typeface="Open Sans"/>
+              </a:rPr>
+              <a:t>Create a view that returns all employee attributes; results should resemble initial Excel file</a:t>
+            </a:r>
+            <a:endParaRPr sz="2000" b="1">
+              <a:latin typeface="Open Sans"/>
+              <a:ea typeface="Open Sans"/>
+              <a:cs typeface="Open Sans"/>
+              <a:sym typeface="Open Sans"/>
+            </a:endParaRPr>
+          </a:p>
+          <a:p>
+            <a:pPr marL="0" lvl="0" indent="0" algn="l" rtl="0">
+              <a:spcBef>
+                <a:spcPts val="1600"/>
+              </a:spcBef>
+              <a:spcAft>
+                <a:spcPts val="0"/>
+              </a:spcAft>
+              <a:buNone/>
+            </a:pPr>
+            <a:r>
+              <a:rPr lang="en" sz="1900">
+                <a:solidFill>
+                  <a:srgbClr val="FF0000"/>
+                </a:solidFill>
+              </a:rPr>
+              <a:t>** return a screenshot of the view create code, along with the results of a select all on the view </a:t>
+            </a:r>
+            <a:endParaRPr sz="1900">
+              <a:solidFill>
+                <a:srgbClr val="FF0000"/>
+              </a:solidFill>
+            </a:endParaRPr>
+          </a:p>
+          <a:p>
+            <a:pPr marL="457200" lvl="0" indent="0" algn="l" rtl="0">
+              <a:spcBef>
+                <a:spcPts val="1600"/>
+              </a:spcBef>
+              <a:spcAft>
+                <a:spcPts val="0"/>
+              </a:spcAft>
+              <a:buNone/>
+            </a:pPr>
+            <a:endParaRPr sz="1900"/>
+          </a:p>
+          <a:p>
+            <a:pPr marL="457200" lvl="0" indent="0" algn="l" rtl="0">
+              <a:spcBef>
+                <a:spcPts val="1600"/>
+              </a:spcBef>
+              <a:spcAft>
+                <a:spcPts val="1600"/>
+              </a:spcAft>
+              <a:buNone/>
+            </a:pPr>
+            <a:endParaRPr sz="1900"/>
+          </a:p>
+        </p:txBody>
+      </p:sp>
+    </p:spTree>
+  </p:cSld>
+  <p:clrMapOvr>
+    <a:masterClrMapping/>
+  </p:clrMapOvr>
+</p:sld>
+</file>
+
+<file path=ppt/slides/slide31.xml><?xml version="1.0" encoding="utf-8"?>
+<p:sld xmlns:a="http://schemas.openxmlformats.org/drawingml/2006/main" xmlns:r="http://schemas.openxmlformats.org/officeDocument/2006/relationships" xmlns:p="http://schemas.openxmlformats.org/presentationml/2006/main">
+  <p:cSld>
+    <p:spTree>
+      <p:nvGrpSpPr>
+        <p:cNvPr id="1" name="Shape 353"/>
+        <p:cNvGrpSpPr/>
+        <p:nvPr/>
+      </p:nvGrpSpPr>
+      <p:grpSpPr>
+        <a:xfrm>
+          <a:off x="0" y="0"/>
+          <a:ext cx="0" cy="0"/>
+          <a:chOff x="0" y="0"/>
+          <a:chExt cx="0" cy="0"/>
+        </a:xfrm>
+      </p:grpSpPr>
+      <p:sp>
+        <p:nvSpPr>
+          <p:cNvPr id="354" name="Google Shape;354;p78"/>
+          <p:cNvSpPr txBox="1">
+            <a:spLocks noGrp="1"/>
+          </p:cNvSpPr>
+          <p:nvPr>
+            <p:ph type="title"/>
+          </p:nvPr>
+        </p:nvSpPr>
+        <p:spPr>
+          <a:xfrm>
+            <a:off x="264945" y="870271"/>
+            <a:ext cx="7242600" cy="1119900"/>
+          </a:xfrm>
+          <a:prstGeom prst="rect">
+            <a:avLst/>
+          </a:prstGeom>
+        </p:spPr>
+        <p:txBody>
+          <a:bodyPr spcFirstLastPara="1" wrap="square" lIns="91425" tIns="91425" rIns="91425" bIns="91425" anchor="ctr" anchorCtr="0">
+            <a:noAutofit/>
+          </a:bodyPr>
+          <a:lstStyle/>
+          <a:p>
+            <a:pPr marL="0" lvl="0" indent="0" algn="l" rtl="0">
+              <a:spcBef>
+                <a:spcPts val="0"/>
+              </a:spcBef>
+              <a:spcAft>
+                <a:spcPts val="0"/>
+              </a:spcAft>
+              <a:buNone/>
+            </a:pPr>
+            <a:r>
+              <a:rPr lang="en"/>
+              <a:t>Standout Suggestion 2</a:t>
+            </a:r>
+            <a:endParaRPr/>
+          </a:p>
+        </p:txBody>
+      </p:sp>
+      <p:sp>
+        <p:nvSpPr>
+          <p:cNvPr id="355" name="Google Shape;355;p78"/>
+          <p:cNvSpPr txBox="1">
+            <a:spLocks noGrp="1"/>
+          </p:cNvSpPr>
+          <p:nvPr>
+            <p:ph type="body" idx="1"/>
+          </p:nvPr>
+        </p:nvSpPr>
+        <p:spPr>
+          <a:xfrm>
+            <a:off x="264950" y="2253724"/>
+            <a:ext cx="7242600" cy="7731900"/>
+          </a:xfrm>
+          <a:prstGeom prst="rect">
+            <a:avLst/>
+          </a:prstGeom>
+        </p:spPr>
+        <p:txBody>
+          <a:bodyPr spcFirstLastPara="1" wrap="square" lIns="91425" tIns="91425" rIns="91425" bIns="91425" anchor="t" anchorCtr="0">
+            <a:noAutofit/>
+          </a:bodyPr>
+          <a:lstStyle/>
+          <a:p>
+            <a:pPr marL="0" lvl="0" indent="0" algn="l" rtl="0">
+              <a:spcBef>
+                <a:spcPts val="0"/>
+              </a:spcBef>
+              <a:spcAft>
+                <a:spcPts val="0"/>
+              </a:spcAft>
+              <a:buNone/>
+            </a:pPr>
+            <a:r>
+              <a:rPr lang="en" sz="2000" b="1">
+                <a:latin typeface="Open Sans"/>
+                <a:ea typeface="Open Sans"/>
+                <a:cs typeface="Open Sans"/>
+                <a:sym typeface="Open Sans"/>
+              </a:rPr>
+              <a:t>Create a stored procedure with parameters that returns current and past jobs (include employee name, job title, department, manager name, start and end date for position) when given an employee name.</a:t>
+            </a:r>
+            <a:endParaRPr sz="2000" b="1">
+              <a:latin typeface="Open Sans"/>
+              <a:ea typeface="Open Sans"/>
+              <a:cs typeface="Open Sans"/>
+              <a:sym typeface="Open Sans"/>
+            </a:endParaRPr>
+          </a:p>
+          <a:p>
+            <a:pPr marL="0" lvl="0" indent="0" algn="l" rtl="0">
+              <a:spcBef>
+                <a:spcPts val="1600"/>
+              </a:spcBef>
+              <a:spcAft>
+                <a:spcPts val="0"/>
+              </a:spcAft>
+              <a:buNone/>
+            </a:pPr>
+            <a:r>
+              <a:rPr lang="en" sz="1900">
+                <a:solidFill>
+                  <a:srgbClr val="FF0000"/>
+                </a:solidFill>
+              </a:rPr>
+              <a:t>** submit screenshot of stored procedure creation code, along with a screenshot of the stored procedure executed using Toni Lembeck as the parameter value</a:t>
+            </a:r>
+            <a:endParaRPr sz="1900">
+              <a:solidFill>
+                <a:srgbClr val="FF0000"/>
+              </a:solidFill>
+            </a:endParaRPr>
+          </a:p>
+          <a:p>
+            <a:pPr marL="457200" lvl="0" indent="0" algn="l" rtl="0">
+              <a:spcBef>
+                <a:spcPts val="1600"/>
+              </a:spcBef>
+              <a:spcAft>
+                <a:spcPts val="0"/>
+              </a:spcAft>
+              <a:buNone/>
+            </a:pPr>
+            <a:endParaRPr sz="1900"/>
+          </a:p>
+          <a:p>
+            <a:pPr marL="457200" lvl="0" indent="0" algn="l" rtl="0">
+              <a:spcBef>
+                <a:spcPts val="1600"/>
+              </a:spcBef>
+              <a:spcAft>
+                <a:spcPts val="1600"/>
+              </a:spcAft>
+              <a:buNone/>
+            </a:pPr>
+            <a:endParaRPr sz="1900"/>
+          </a:p>
+        </p:txBody>
+      </p:sp>
+    </p:spTree>
+  </p:cSld>
+  <p:clrMapOvr>
+    <a:masterClrMapping/>
+  </p:clrMapOvr>
+</p:sld>
+</file>
+
+<file path=ppt/slides/slide32.xml><?xml version="1.0" encoding="utf-8"?>
+<p:sld xmlns:a="http://schemas.openxmlformats.org/drawingml/2006/main" xmlns:r="http://schemas.openxmlformats.org/officeDocument/2006/relationships" xmlns:p="http://schemas.openxmlformats.org/presentationml/2006/main">
+  <p:cSld>
+    <p:spTree>
+      <p:nvGrpSpPr>
         <p:cNvPr id="1" name="Shape 359"/>
         <p:cNvGrpSpPr/>
         <p:nvPr/>
@@ -37634,7 +38413,7 @@
 </p:sld>
 </file>
 
-<file path=ppt/slides/slide31.xml><?xml version="1.0" encoding="utf-8"?>
+<file path=ppt/slides/slide33.xml><?xml version="1.0" encoding="utf-8"?>
 <p:sld xmlns:a="http://schemas.openxmlformats.org/drawingml/2006/main" xmlns:r="http://schemas.openxmlformats.org/officeDocument/2006/relationships" xmlns:p="http://schemas.openxmlformats.org/presentationml/2006/main">
   <p:cSld>
     <p:bg>
@@ -37814,7 +38593,7 @@
 </p:sld>
 </file>
 
-<file path=ppt/slides/slide32.xml><?xml version="1.0" encoding="utf-8"?>
+<file path=ppt/slides/slide34.xml><?xml version="1.0" encoding="utf-8"?>
 <p:sld xmlns:a="http://schemas.openxmlformats.org/drawingml/2006/main" xmlns:r="http://schemas.openxmlformats.org/officeDocument/2006/relationships" xmlns:p="http://schemas.openxmlformats.org/presentationml/2006/main">
   <p:cSld>
     <p:spTree>
@@ -38150,10 +38929,7 @@
             </a:endParaRPr>
           </a:p>
           <a:p>
-            <a:pPr marL="742950" indent="-285750">
-              <a:spcBef>
-                <a:spcPts val="1200"/>
-              </a:spcBef>
+            <a:pPr marL="742950" lvl="1" indent="-285750">
               <a:buFont typeface="Wingdings" pitchFamily="2" charset="2"/>
               <a:buChar char="§"/>
             </a:pPr>
@@ -38406,18 +39182,15 @@
             <a:endParaRPr sz="1800" dirty="0"/>
           </a:p>
           <a:p>
-            <a:pPr indent="0">
-              <a:buClr>
-                <a:schemeClr val="dk1"/>
-              </a:buClr>
-              <a:buSzPts val="1100"/>
-              <a:buNone/>
+            <a:pPr marL="742950" lvl="1" indent="-285750">
+              <a:buFont typeface="Wingdings" pitchFamily="2" charset="2"/>
+              <a:buChar char="§"/>
             </a:pPr>
             <a:r>
               <a:rPr lang="en-US" sz="1600" dirty="0"/>
               <a:t>Yes. The HR manager wants this new database to interface with payroll application in the future. </a:t>
             </a:r>
-            <a:endParaRPr sz="1800" dirty="0"/>
+            <a:endParaRPr sz="1600" dirty="0"/>
           </a:p>
           <a:p>
             <a:pPr marL="457200" lvl="0" indent="-349250" algn="l" rtl="0">
@@ -38467,11 +39240,9 @@
             <a:endParaRPr sz="1800" dirty="0"/>
           </a:p>
           <a:p>
-            <a:pPr indent="0">
-              <a:lnSpc>
-                <a:spcPct val="100000"/>
-              </a:lnSpc>
-              <a:buNone/>
+            <a:pPr marL="742950" lvl="1" indent="-285750">
+              <a:buFont typeface="Wingdings" pitchFamily="2" charset="2"/>
+              <a:buChar char="§"/>
             </a:pPr>
             <a:r>
               <a:rPr lang="en-US" sz="1600" dirty="0"/>
@@ -38541,12 +39312,9 @@
             <a:endParaRPr sz="1800" dirty="0"/>
           </a:p>
           <a:p>
-            <a:pPr indent="0">
-              <a:buClr>
-                <a:schemeClr val="dk1"/>
-              </a:buClr>
-              <a:buSzPts val="1100"/>
-              <a:buNone/>
+            <a:pPr marL="742950" lvl="1" indent="-285750">
+              <a:buFont typeface="Wingdings" pitchFamily="2" charset="2"/>
+              <a:buChar char="§"/>
             </a:pPr>
             <a:r>
               <a:rPr lang="en-US" sz="1600" dirty="0"/>
@@ -38599,13 +39367,13 @@
           <p:nvPr>
             <p:extLst>
               <p:ext uri="{D42A27DB-BD31-4B8C-83A1-F6EECF244321}">
-                <p14:modId xmlns:p14="http://schemas.microsoft.com/office/powerpoint/2010/main" val="1518919574"/>
+                <p14:modId xmlns:p14="http://schemas.microsoft.com/office/powerpoint/2010/main" val="957027671"/>
               </p:ext>
             </p:extLst>
           </p:nvPr>
         </p:nvGraphicFramePr>
         <p:xfrm>
-          <a:off x="752475" y="6845300"/>
+          <a:off x="752475" y="7391400"/>
           <a:ext cx="5937250" cy="2170747"/>
         </p:xfrm>
         <a:graphic>
@@ -39312,24 +40080,13 @@
             <a:endParaRPr sz="1900" dirty="0"/>
           </a:p>
           <a:p>
-            <a:pPr marL="0" lvl="0" indent="0" algn="l" rtl="0">
-              <a:spcBef>
-                <a:spcPts val="0"/>
-              </a:spcBef>
-              <a:spcAft>
-                <a:spcPts val="0"/>
-              </a:spcAft>
-              <a:buNone/>
-            </a:pPr>
-            <a:endParaRPr lang="en-US" sz="1900" dirty="0"/>
-          </a:p>
-          <a:p>
-            <a:pPr marL="457200" lvl="1" indent="0">
-              <a:buNone/>
+            <a:pPr marL="742950" lvl="1" indent="-285750">
+              <a:buFont typeface="Wingdings" pitchFamily="2" charset="2"/>
+              <a:buChar char="§"/>
             </a:pPr>
             <a:r>
-              <a:rPr lang="en-US" sz="1700" dirty="0"/>
-              <a:t>-206 number of rows and 11 number of columns.</a:t>
+              <a:rPr lang="en-US" sz="1600" dirty="0"/>
+              <a:t>206 number of rows and 11 number of columns.</a:t>
             </a:r>
           </a:p>
           <a:p>
@@ -39385,14 +40142,15 @@
             </a:endParaRPr>
           </a:p>
           <a:p>
-            <a:pPr marL="457200" lvl="1" indent="0">
-              <a:buNone/>
+            <a:pPr marL="742950" lvl="1" indent="-285750">
+              <a:buFont typeface="Wingdings" pitchFamily="2" charset="2"/>
+              <a:buChar char="§"/>
             </a:pPr>
             <a:r>
-              <a:rPr lang="en-US" sz="1700" dirty="0"/>
-              <a:t>-20% growth a year for the next 5 years. </a:t>
+              <a:rPr lang="en-US" sz="1600" dirty="0"/>
+              <a:t>20% growth a year for the next 5 years. </a:t>
             </a:r>
-            <a:endParaRPr sz="1700" dirty="0">
+            <a:endParaRPr sz="1600" dirty="0">
               <a:sym typeface="Open Sans"/>
             </a:endParaRPr>
           </a:p>
@@ -39461,20 +40219,15 @@
             </a:endParaRPr>
           </a:p>
           <a:p>
-            <a:pPr indent="0">
-              <a:lnSpc>
-                <a:spcPct val="100000"/>
-              </a:lnSpc>
-              <a:spcBef>
-                <a:spcPts val="1600"/>
-              </a:spcBef>
-              <a:buNone/>
+            <a:pPr marL="742950" lvl="1" indent="-285750">
+              <a:buFont typeface="Wingdings" pitchFamily="2" charset="2"/>
+              <a:buChar char="§"/>
             </a:pPr>
             <a:r>
-              <a:rPr lang="en-US" sz="1700" dirty="0"/>
-              <a:t>- Yes, salary data is sensitive, and its access should be restricted to HR partner or management level employees.  No other employees should be able to access salary information. </a:t>
+              <a:rPr lang="en-US" sz="1600" dirty="0"/>
+              <a:t>Yes, salary data is sensitive, and its access should be restricted to HR partner or management level employees.  No other employees should be able to access salary information. </a:t>
             </a:r>
-            <a:endParaRPr sz="1700" dirty="0"/>
+            <a:endParaRPr sz="1600" dirty="0"/>
           </a:p>
         </p:txBody>
       </p:sp>
@@ -39582,7 +40335,7 @@
               <a:buChar char="●"/>
             </a:pPr>
             <a:r>
-              <a:rPr lang="en" sz="1800" b="1" dirty="0">
+              <a:rPr lang="en" sz="1600" b="1" dirty="0">
                 <a:latin typeface="Open Sans"/>
                 <a:ea typeface="Open Sans"/>
                 <a:cs typeface="Open Sans"/>
@@ -39590,7 +40343,7 @@
               </a:rPr>
               <a:t>Justification for the new database</a:t>
             </a:r>
-            <a:endParaRPr sz="1800" b="1" dirty="0">
+            <a:endParaRPr sz="1600" b="1" dirty="0">
               <a:latin typeface="Open Sans"/>
               <a:ea typeface="Open Sans"/>
               <a:cs typeface="Open Sans"/>
@@ -39611,10 +40364,10 @@
               <a:buNone/>
             </a:pPr>
             <a:r>
-              <a:rPr lang="en" sz="1600" dirty="0"/>
+              <a:rPr lang="en" sz="1400" dirty="0"/>
               <a:t>Provide at least two justifications for building a database</a:t>
             </a:r>
-            <a:endParaRPr sz="1800" dirty="0"/>
+            <a:endParaRPr sz="1600" dirty="0"/>
           </a:p>
           <a:p>
             <a:pPr lvl="1">
@@ -39622,7 +40375,7 @@
               <a:buChar char="§"/>
             </a:pPr>
             <a:r>
-              <a:rPr lang="en-US" sz="1600" dirty="0"/>
+              <a:rPr lang="en-US" sz="1400" dirty="0"/>
               <a:t>Data integrity and data security issues will be addressed by building database. </a:t>
             </a:r>
           </a:p>
@@ -39632,7 +40385,7 @@
               <a:buChar char="§"/>
             </a:pPr>
             <a:r>
-              <a:rPr lang="en-US" sz="1600" dirty="0"/>
+              <a:rPr lang="en-US" sz="1400" dirty="0"/>
               <a:t>It is becoming cumbersome to manage employee details in excel spreadsheet as employee numbers grew from 10-person team to 200+ person. Also, 20% growth is projected for next 5 years which will make it difficult to manager information in excel file. </a:t>
             </a:r>
           </a:p>
@@ -39649,7 +40402,7 @@
               <a:buChar char="●"/>
             </a:pPr>
             <a:r>
-              <a:rPr lang="en" sz="1800" b="1" dirty="0">
+              <a:rPr lang="en" sz="1600" b="1" dirty="0">
                 <a:latin typeface="Open Sans"/>
                 <a:ea typeface="Open Sans"/>
                 <a:cs typeface="Open Sans"/>
@@ -39657,7 +40410,7 @@
               </a:rPr>
               <a:t>Database objects</a:t>
             </a:r>
-            <a:endParaRPr sz="1800" b="1" dirty="0">
+            <a:endParaRPr sz="1600" b="1" dirty="0">
               <a:latin typeface="Open Sans"/>
               <a:ea typeface="Open Sans"/>
               <a:cs typeface="Open Sans"/>
@@ -39678,10 +40431,10 @@
               <a:buNone/>
             </a:pPr>
             <a:r>
-              <a:rPr lang="en" sz="1600" dirty="0"/>
+              <a:rPr lang="en" sz="1400" dirty="0"/>
               <a:t>List the database objects (tables, views, special procedures)  that will be created for the database. </a:t>
             </a:r>
-            <a:endParaRPr sz="1600" dirty="0"/>
+            <a:endParaRPr sz="1400" dirty="0"/>
           </a:p>
           <a:p>
             <a:pPr marL="457200" lvl="0" indent="0" algn="l" rtl="0">
@@ -39696,7 +40449,7 @@
               </a:spcAft>
               <a:buNone/>
             </a:pPr>
-            <a:endParaRPr sz="1600" dirty="0"/>
+            <a:endParaRPr sz="1400" dirty="0"/>
           </a:p>
           <a:p>
             <a:pPr marL="457200" lvl="0" indent="0" algn="l" rtl="0">
@@ -39712,10 +40465,192 @@
               <a:buNone/>
             </a:pPr>
             <a:r>
-              <a:rPr lang="en" sz="1600" dirty="0"/>
+              <a:rPr lang="en" sz="1400" dirty="0"/>
               <a:t>Hint - you may want to circle back to this answer after completing the logical ERD in step 2.</a:t>
             </a:r>
-            <a:endParaRPr sz="1600" dirty="0"/>
+            <a:endParaRPr sz="1400" dirty="0"/>
+          </a:p>
+          <a:p>
+            <a:pPr lvl="1">
+              <a:buFont typeface="Wingdings" pitchFamily="2" charset="2"/>
+              <a:buChar char="§"/>
+            </a:pPr>
+            <a:r>
+              <a:rPr lang="en-US" sz="1400" dirty="0"/>
+              <a:t>Following tables – attributes needs to be created for HR database – </a:t>
+            </a:r>
+          </a:p>
+          <a:p>
+            <a:pPr marL="38100" indent="0">
+              <a:lnSpc>
+                <a:spcPct val="100000"/>
+              </a:lnSpc>
+              <a:spcBef>
+                <a:spcPts val="300"/>
+              </a:spcBef>
+              <a:buNone/>
+            </a:pPr>
+            <a:endParaRPr lang="en-US" sz="1600" dirty="0"/>
+          </a:p>
+          <a:p>
+            <a:pPr lvl="2">
+              <a:lnSpc>
+                <a:spcPct val="100000"/>
+              </a:lnSpc>
+              <a:spcBef>
+                <a:spcPts val="300"/>
+              </a:spcBef>
+              <a:buFont typeface="Courier New" panose="02070309020205020404" pitchFamily="49" charset="0"/>
+              <a:buChar char="o"/>
+            </a:pPr>
+            <a:r>
+              <a:rPr lang="en-US" sz="1200" dirty="0"/>
+              <a:t>Employee -  Employee Id, Employee name, Employee Email, Hire Date, Education ID </a:t>
+            </a:r>
+          </a:p>
+          <a:p>
+            <a:pPr lvl="2">
+              <a:lnSpc>
+                <a:spcPct val="100000"/>
+              </a:lnSpc>
+              <a:spcBef>
+                <a:spcPts val="300"/>
+              </a:spcBef>
+              <a:buFont typeface="Courier New" panose="02070309020205020404" pitchFamily="49" charset="0"/>
+              <a:buChar char="o"/>
+            </a:pPr>
+            <a:r>
+              <a:rPr lang="en-US" sz="1200" dirty="0"/>
+              <a:t>Employee History – Employee Id, Manager Id, Job ID , Salary ID, Department ID, Address ID, Start Date, End Date</a:t>
+            </a:r>
+          </a:p>
+          <a:p>
+            <a:pPr lvl="2">
+              <a:lnSpc>
+                <a:spcPct val="100000"/>
+              </a:lnSpc>
+              <a:spcBef>
+                <a:spcPts val="300"/>
+              </a:spcBef>
+              <a:buFont typeface="Courier New" panose="02070309020205020404" pitchFamily="49" charset="0"/>
+              <a:buChar char="o"/>
+            </a:pPr>
+            <a:r>
+              <a:rPr lang="en-US" sz="1200" dirty="0"/>
+              <a:t>Education – Education Id, Education</a:t>
+            </a:r>
+          </a:p>
+          <a:p>
+            <a:pPr lvl="2">
+              <a:lnSpc>
+                <a:spcPct val="100000"/>
+              </a:lnSpc>
+              <a:spcBef>
+                <a:spcPts val="300"/>
+              </a:spcBef>
+              <a:buFont typeface="Courier New" panose="02070309020205020404" pitchFamily="49" charset="0"/>
+              <a:buChar char="o"/>
+            </a:pPr>
+            <a:r>
+              <a:rPr lang="en-US" sz="1200" dirty="0"/>
+              <a:t>Job – Job ID, Job Title</a:t>
+            </a:r>
+          </a:p>
+          <a:p>
+            <a:pPr lvl="2">
+              <a:lnSpc>
+                <a:spcPct val="100000"/>
+              </a:lnSpc>
+              <a:spcBef>
+                <a:spcPts val="300"/>
+              </a:spcBef>
+              <a:buFont typeface="Courier New" panose="02070309020205020404" pitchFamily="49" charset="0"/>
+              <a:buChar char="o"/>
+            </a:pPr>
+            <a:r>
+              <a:rPr lang="en-US" sz="1200" dirty="0"/>
+              <a:t>Salary – Salary Id, Salary</a:t>
+            </a:r>
+          </a:p>
+          <a:p>
+            <a:pPr lvl="2">
+              <a:lnSpc>
+                <a:spcPct val="100000"/>
+              </a:lnSpc>
+              <a:spcBef>
+                <a:spcPts val="300"/>
+              </a:spcBef>
+              <a:buFont typeface="Courier New" panose="02070309020205020404" pitchFamily="49" charset="0"/>
+              <a:buChar char="o"/>
+            </a:pPr>
+            <a:r>
+              <a:rPr lang="en-US" sz="1200" dirty="0"/>
+              <a:t>Department – Department Id, Department Name </a:t>
+            </a:r>
+          </a:p>
+          <a:p>
+            <a:pPr lvl="2">
+              <a:lnSpc>
+                <a:spcPct val="100000"/>
+              </a:lnSpc>
+              <a:spcBef>
+                <a:spcPts val="300"/>
+              </a:spcBef>
+              <a:buFont typeface="Courier New" panose="02070309020205020404" pitchFamily="49" charset="0"/>
+              <a:buChar char="o"/>
+            </a:pPr>
+            <a:r>
+              <a:rPr lang="en-US" sz="1200" dirty="0"/>
+              <a:t>Address – Address Id, Address , City ID </a:t>
+            </a:r>
+          </a:p>
+          <a:p>
+            <a:pPr lvl="2">
+              <a:lnSpc>
+                <a:spcPct val="100000"/>
+              </a:lnSpc>
+              <a:spcBef>
+                <a:spcPts val="300"/>
+              </a:spcBef>
+              <a:buFont typeface="Courier New" panose="02070309020205020404" pitchFamily="49" charset="0"/>
+              <a:buChar char="o"/>
+            </a:pPr>
+            <a:r>
+              <a:rPr lang="en-US" sz="1200" dirty="0"/>
+              <a:t>City – City Id, City, State Id</a:t>
+            </a:r>
+          </a:p>
+          <a:p>
+            <a:pPr lvl="2">
+              <a:lnSpc>
+                <a:spcPct val="100000"/>
+              </a:lnSpc>
+              <a:spcBef>
+                <a:spcPts val="300"/>
+              </a:spcBef>
+              <a:buFont typeface="Courier New" panose="02070309020205020404" pitchFamily="49" charset="0"/>
+              <a:buChar char="o"/>
+            </a:pPr>
+            <a:r>
+              <a:rPr lang="en-US" sz="1200" dirty="0"/>
+              <a:t>State  - State Id, State , Location Id</a:t>
+            </a:r>
+          </a:p>
+          <a:p>
+            <a:pPr lvl="2">
+              <a:lnSpc>
+                <a:spcPct val="100000"/>
+              </a:lnSpc>
+              <a:spcBef>
+                <a:spcPts val="300"/>
+              </a:spcBef>
+              <a:buFont typeface="Courier New" panose="02070309020205020404" pitchFamily="49" charset="0"/>
+              <a:buChar char="o"/>
+            </a:pPr>
+            <a:r>
+              <a:rPr lang="en-US" sz="1200" dirty="0"/>
+              <a:t>Location – Location Id, Location</a:t>
+            </a:r>
           </a:p>
           <a:p>
             <a:pPr marL="457200" lvl="0" indent="0" algn="l" rtl="0">
@@ -39729,6 +40664,104 @@
             </a:pPr>
             <a:endParaRPr sz="1800" dirty="0"/>
           </a:p>
+        </p:txBody>
+      </p:sp>
+    </p:spTree>
+    <p:extLst>
+      <p:ext uri="{BB962C8B-B14F-4D97-AF65-F5344CB8AC3E}">
+        <p14:creationId xmlns:p14="http://schemas.microsoft.com/office/powerpoint/2010/main" val="3399867989"/>
+      </p:ext>
+    </p:extLst>
+  </p:cSld>
+  <p:clrMapOvr>
+    <a:masterClrMapping/>
+  </p:clrMapOvr>
+</p:sld>
+</file>
+
+<file path=ppt/slides/slide8.xml><?xml version="1.0" encoding="utf-8"?>
+<p:sld xmlns:a="http://schemas.openxmlformats.org/drawingml/2006/main" xmlns:r="http://schemas.openxmlformats.org/officeDocument/2006/relationships" xmlns:p="http://schemas.openxmlformats.org/presentationml/2006/main">
+  <p:cSld>
+    <p:spTree>
+      <p:nvGrpSpPr>
+        <p:cNvPr id="1" name="Shape 223"/>
+        <p:cNvGrpSpPr/>
+        <p:nvPr/>
+      </p:nvGrpSpPr>
+      <p:grpSpPr>
+        <a:xfrm>
+          <a:off x="0" y="0"/>
+          <a:ext cx="0" cy="0"/>
+          <a:chOff x="0" y="0"/>
+          <a:chExt cx="0" cy="0"/>
+        </a:xfrm>
+      </p:grpSpPr>
+      <p:sp>
+        <p:nvSpPr>
+          <p:cNvPr id="224" name="Google Shape;224;p58"/>
+          <p:cNvSpPr txBox="1">
+            <a:spLocks noGrp="1"/>
+          </p:cNvSpPr>
+          <p:nvPr>
+            <p:ph type="title"/>
+          </p:nvPr>
+        </p:nvSpPr>
+        <p:spPr>
+          <a:xfrm>
+            <a:off x="264945" y="870271"/>
+            <a:ext cx="7242600" cy="1119900"/>
+          </a:xfrm>
+          <a:prstGeom prst="rect">
+            <a:avLst/>
+          </a:prstGeom>
+        </p:spPr>
+        <p:txBody>
+          <a:bodyPr spcFirstLastPara="1" wrap="square" lIns="91425" tIns="91425" rIns="91425" bIns="91425" anchor="ctr" anchorCtr="0">
+            <a:noAutofit/>
+          </a:bodyPr>
+          <a:lstStyle/>
+          <a:p>
+            <a:pPr marL="0" lvl="0" indent="0" algn="l" rtl="0">
+              <a:spcBef>
+                <a:spcPts val="0"/>
+              </a:spcBef>
+              <a:spcAft>
+                <a:spcPts val="0"/>
+              </a:spcAft>
+              <a:buNone/>
+            </a:pPr>
+            <a:r>
+              <a:rPr lang="en" dirty="0"/>
+              <a:t>Data Architect Technical Requirement</a:t>
+            </a:r>
+            <a:endParaRPr dirty="0"/>
+          </a:p>
+        </p:txBody>
+      </p:sp>
+      <p:sp>
+        <p:nvSpPr>
+          <p:cNvPr id="225" name="Google Shape;225;p58"/>
+          <p:cNvSpPr txBox="1">
+            <a:spLocks noGrp="1"/>
+          </p:cNvSpPr>
+          <p:nvPr>
+            <p:ph type="body" idx="1"/>
+          </p:nvPr>
+        </p:nvSpPr>
+        <p:spPr>
+          <a:xfrm>
+            <a:off x="264950" y="2253724"/>
+            <a:ext cx="7242600" cy="7731900"/>
+          </a:xfrm>
+          <a:prstGeom prst="rect">
+            <a:avLst/>
+          </a:prstGeom>
+        </p:spPr>
+        <p:txBody>
+          <a:bodyPr spcFirstLastPara="1" wrap="square" lIns="91425" tIns="91425" rIns="91425" bIns="91425" anchor="t" anchorCtr="0">
+            <a:noAutofit/>
+          </a:bodyPr>
+          <a:lstStyle/>
           <a:p>
             <a:pPr marL="457200" lvl="0" indent="-349250" algn="l" rtl="0">
               <a:spcBef>
@@ -39779,6 +40812,58 @@
               <a:rPr lang="en" sz="1600" dirty="0"/>
               <a:t>Select a data ingestion method (ETL, Direct feed, API) based on the information provided. </a:t>
             </a:r>
+          </a:p>
+          <a:p>
+            <a:pPr lvl="1">
+              <a:lnSpc>
+                <a:spcPct val="100000"/>
+              </a:lnSpc>
+              <a:buFont typeface="Wingdings" pitchFamily="2" charset="2"/>
+              <a:buChar char="§"/>
+            </a:pPr>
+            <a:r>
+              <a:rPr lang="en-US" sz="1600" dirty="0"/>
+              <a:t>ETL should be preferred data ingestion method to meet business requirements. Employee data is available in excel spreadsheet which can be loaded in staging table and after transformation we can load it in the destination tables. </a:t>
+            </a:r>
+          </a:p>
+          <a:p>
+            <a:pPr marL="457200" lvl="0" indent="0" algn="l" rtl="0">
+              <a:lnSpc>
+                <a:spcPct val="100000"/>
+              </a:lnSpc>
+              <a:spcBef>
+                <a:spcPts val="1600"/>
+              </a:spcBef>
+              <a:spcAft>
+                <a:spcPts val="0"/>
+              </a:spcAft>
+              <a:buClr>
+                <a:schemeClr val="dk1"/>
+              </a:buClr>
+              <a:buSzPts val="1100"/>
+              <a:buFont typeface="Arial"/>
+              <a:buNone/>
+            </a:pPr>
+            <a:endParaRPr lang="en" sz="1600" dirty="0"/>
+          </a:p>
+          <a:p>
+            <a:pPr marL="457200" lvl="0" indent="0" algn="l" rtl="0">
+              <a:lnSpc>
+                <a:spcPct val="100000"/>
+              </a:lnSpc>
+              <a:spcBef>
+                <a:spcPts val="1600"/>
+              </a:spcBef>
+              <a:spcAft>
+                <a:spcPts val="0"/>
+              </a:spcAft>
+              <a:buClr>
+                <a:schemeClr val="dk1"/>
+              </a:buClr>
+              <a:buSzPts val="1100"/>
+              <a:buFont typeface="Arial"/>
+              <a:buNone/>
+            </a:pPr>
             <a:endParaRPr sz="1800" dirty="0"/>
           </a:p>
         </p:txBody>
@@ -39791,7 +40876,7 @@
 </p:sld>
 </file>
 
-<file path=ppt/slides/slide8.xml><?xml version="1.0" encoding="utf-8"?>
+<file path=ppt/slides/slide9.xml><?xml version="1.0" encoding="utf-8"?>
 <p:sld xmlns:a="http://schemas.openxmlformats.org/drawingml/2006/main" xmlns:r="http://schemas.openxmlformats.org/officeDocument/2006/relationships" xmlns:p="http://schemas.openxmlformats.org/presentationml/2006/main">
   <p:cSld>
     <p:spTree>
@@ -39931,19 +41016,15 @@
             <a:endParaRPr sz="1700" dirty="0"/>
           </a:p>
           <a:p>
-            <a:pPr marL="457200" lvl="0" indent="0" algn="l" rtl="0">
-              <a:lnSpc>
-                <a:spcPct val="100000"/>
-              </a:lnSpc>
-              <a:spcBef>
-                <a:spcPts val="0"/>
-              </a:spcBef>
-              <a:spcAft>
-                <a:spcPts val="0"/>
-              </a:spcAft>
-              <a:buNone/>
+            <a:pPr lvl="1">
+              <a:buFont typeface="Wingdings" pitchFamily="2" charset="2"/>
+              <a:buChar char="§"/>
             </a:pPr>
-            <a:endParaRPr sz="1700" dirty="0"/>
+            <a:r>
+              <a:rPr lang="en-US" sz="1600" dirty="0"/>
+              <a:t>HR and management level employees </a:t>
+            </a:r>
+            <a:endParaRPr sz="1600" dirty="0"/>
           </a:p>
           <a:p>
             <a:pPr marL="457200" lvl="0" indent="0" algn="l" rtl="0">
@@ -39971,7 +41052,21 @@
               <a:rPr lang="en" sz="1700" dirty="0"/>
               <a:t>who will and will not have access to the data</a:t>
             </a:r>
-            <a:endParaRPr sz="1700" dirty="0"/>
+          </a:p>
+          <a:p>
+            <a:pPr marL="457200" lvl="0" indent="0" algn="l" rtl="0">
+              <a:lnSpc>
+                <a:spcPct val="100000"/>
+              </a:lnSpc>
+              <a:spcBef>
+                <a:spcPts val="0"/>
+              </a:spcBef>
+              <a:spcAft>
+                <a:spcPts val="0"/>
+              </a:spcAft>
+              <a:buNone/>
+            </a:pPr>
+            <a:endParaRPr lang="en" sz="1700" dirty="0"/>
           </a:p>
           <a:p>
             <a:pPr marL="457200" lvl="0" indent="0" algn="l" rtl="0">
@@ -39987,6 +41082,96 @@
               <a:buNone/>
             </a:pPr>
             <a:endParaRPr sz="1700" dirty="0"/>
+          </a:p>
+          <a:p>
+            <a:pPr marL="457200" lvl="0" indent="0" algn="l" rtl="0">
+              <a:lnSpc>
+                <a:spcPct val="100000"/>
+              </a:lnSpc>
+              <a:spcBef>
+                <a:spcPts val="0"/>
+              </a:spcBef>
+              <a:spcAft>
+                <a:spcPts val="0"/>
+              </a:spcAft>
+              <a:buNone/>
+            </a:pPr>
+            <a:endParaRPr sz="1700" dirty="0"/>
+          </a:p>
+          <a:p>
+            <a:pPr marL="457200" lvl="0" indent="-349250" algn="l" rtl="0">
+              <a:spcBef>
+                <a:spcPts val="0"/>
+              </a:spcBef>
+              <a:spcAft>
+                <a:spcPts val="0"/>
+              </a:spcAft>
+              <a:buSzPts val="1900"/>
+              <a:buFont typeface="Open Sans"/>
+              <a:buChar char="●"/>
+            </a:pPr>
+            <a:endParaRPr lang="en" sz="1900" b="1" dirty="0">
+              <a:latin typeface="Open Sans"/>
+              <a:ea typeface="Open Sans"/>
+              <a:cs typeface="Open Sans"/>
+              <a:sym typeface="Open Sans"/>
+            </a:endParaRPr>
+          </a:p>
+          <a:p>
+            <a:pPr marL="457200" lvl="0" indent="-349250" algn="l" rtl="0">
+              <a:spcBef>
+                <a:spcPts val="0"/>
+              </a:spcBef>
+              <a:spcAft>
+                <a:spcPts val="0"/>
+              </a:spcAft>
+              <a:buSzPts val="1900"/>
+              <a:buFont typeface="Open Sans"/>
+              <a:buChar char="●"/>
+            </a:pPr>
+            <a:endParaRPr lang="en" sz="1900" b="1" dirty="0">
+              <a:latin typeface="Open Sans"/>
+              <a:ea typeface="Open Sans"/>
+              <a:cs typeface="Open Sans"/>
+              <a:sym typeface="Open Sans"/>
+            </a:endParaRPr>
+          </a:p>
+          <a:p>
+            <a:pPr marL="457200" lvl="0" indent="-349250" algn="l" rtl="0">
+              <a:spcBef>
+                <a:spcPts val="0"/>
+              </a:spcBef>
+              <a:spcAft>
+                <a:spcPts val="0"/>
+              </a:spcAft>
+              <a:buSzPts val="1900"/>
+              <a:buFont typeface="Open Sans"/>
+              <a:buChar char="●"/>
+            </a:pPr>
+            <a:endParaRPr lang="en" sz="1900" b="1" dirty="0">
+              <a:latin typeface="Open Sans"/>
+              <a:ea typeface="Open Sans"/>
+              <a:cs typeface="Open Sans"/>
+              <a:sym typeface="Open Sans"/>
+            </a:endParaRPr>
+          </a:p>
+          <a:p>
+            <a:pPr marL="107950" lvl="0" indent="0" algn="l" rtl="0">
+              <a:spcBef>
+                <a:spcPts val="0"/>
+              </a:spcBef>
+              <a:spcAft>
+                <a:spcPts val="0"/>
+              </a:spcAft>
+              <a:buSzPts val="1900"/>
+              <a:buNone/>
+            </a:pPr>
+            <a:endParaRPr lang="en" sz="1900" b="1" dirty="0">
+              <a:latin typeface="Open Sans"/>
+              <a:ea typeface="Open Sans"/>
+              <a:cs typeface="Open Sans"/>
+              <a:sym typeface="Open Sans"/>
+            </a:endParaRPr>
           </a:p>
           <a:p>
             <a:pPr marL="457200" lvl="0" indent="-349250" algn="l" rtl="0">
@@ -40027,18 +41212,48 @@
               <a:buNone/>
             </a:pPr>
             <a:r>
-              <a:rPr lang="en" sz="1900" dirty="0"/>
+              <a:rPr lang="en" sz="1600" dirty="0"/>
               <a:t>Should replication or </a:t>
             </a:r>
             <a:r>
-              <a:rPr lang="en" sz="1900" dirty="0" err="1"/>
+              <a:rPr lang="en" sz="1600" dirty="0" err="1"/>
               <a:t>sharding</a:t>
             </a:r>
             <a:r>
-              <a:rPr lang="en" sz="1900" dirty="0"/>
+              <a:rPr lang="en" sz="1600" dirty="0"/>
               <a:t> be used to ensure scalability based on user needs</a:t>
             </a:r>
-            <a:endParaRPr sz="1900" dirty="0"/>
+            <a:endParaRPr sz="1600" dirty="0"/>
+          </a:p>
+          <a:p>
+            <a:pPr lvl="1">
+              <a:buFont typeface="Wingdings" pitchFamily="2" charset="2"/>
+              <a:buChar char="§"/>
+            </a:pPr>
+            <a:r>
+              <a:rPr lang="en-US" sz="1600" dirty="0"/>
+              <a:t>The database size would be quite small as it contains HR records for only 206 employees. Also, the database will grow at rate of 20% which will not increase database size significantly. We can also create an index on important columns to improve read performance. </a:t>
+            </a:r>
+          </a:p>
+          <a:p>
+            <a:pPr lvl="1">
+              <a:buFont typeface="Wingdings" pitchFamily="2" charset="2"/>
+              <a:buChar char="§"/>
+            </a:pPr>
+            <a:r>
+              <a:rPr lang="en-US" sz="1600" dirty="0"/>
+              <a:t>Replication may be used, if the number of employees accessing the database would increase significantly in the future.</a:t>
+            </a:r>
+          </a:p>
+          <a:p>
+            <a:pPr lvl="1">
+              <a:buFont typeface="Wingdings" pitchFamily="2" charset="2"/>
+              <a:buChar char="§"/>
+            </a:pPr>
+            <a:r>
+              <a:rPr lang="en-US" sz="1600" dirty="0"/>
+              <a:t>Shading is not required as this is not write heavy database.</a:t>
+            </a:r>
           </a:p>
           <a:p>
             <a:pPr marL="457200" lvl="0" indent="-349250" algn="l" rtl="0">
@@ -40052,105 +41267,15 @@
               <a:buFont typeface="Open Sans"/>
               <a:buChar char="●"/>
             </a:pPr>
-            <a:r>
-              <a:rPr lang="en" sz="1900" b="1" dirty="0">
-                <a:latin typeface="Open Sans"/>
-                <a:ea typeface="Open Sans"/>
-                <a:cs typeface="Open Sans"/>
-                <a:sym typeface="Open Sans"/>
-              </a:rPr>
-              <a:t>Flexibility</a:t>
-            </a:r>
-            <a:endParaRPr sz="1900" dirty="0"/>
+            <a:endParaRPr sz="1700" dirty="0"/>
           </a:p>
           <a:p>
             <a:pPr marL="457200" lvl="0" indent="0" algn="l" rtl="0">
+              <a:lnSpc>
+                <a:spcPct val="100000"/>
+              </a:lnSpc>
               <a:spcBef>
                 <a:spcPts val="1600"/>
-              </a:spcBef>
-              <a:spcAft>
-                <a:spcPts val="0"/>
-              </a:spcAft>
-              <a:buNone/>
-            </a:pPr>
-            <a:r>
-              <a:rPr lang="en" sz="1900" dirty="0"/>
-              <a:t>Describe measures taken to ensure future data integration if needed</a:t>
-            </a:r>
-            <a:endParaRPr sz="1900" dirty="0"/>
-          </a:p>
-          <a:p>
-            <a:pPr marL="457200" lvl="0" indent="-349250" algn="l" rtl="0">
-              <a:spcBef>
-                <a:spcPts val="1600"/>
-              </a:spcBef>
-              <a:spcAft>
-                <a:spcPts val="0"/>
-              </a:spcAft>
-              <a:buSzPts val="1900"/>
-              <a:buFont typeface="Open Sans"/>
-              <a:buChar char="●"/>
-            </a:pPr>
-            <a:r>
-              <a:rPr lang="en" sz="1900" b="1" dirty="0">
-                <a:latin typeface="Open Sans"/>
-                <a:ea typeface="Open Sans"/>
-                <a:cs typeface="Open Sans"/>
-                <a:sym typeface="Open Sans"/>
-              </a:rPr>
-              <a:t>Storage &amp; retention</a:t>
-            </a:r>
-            <a:endParaRPr sz="1900" b="1" dirty="0">
-              <a:latin typeface="Open Sans"/>
-              <a:ea typeface="Open Sans"/>
-              <a:cs typeface="Open Sans"/>
-              <a:sym typeface="Open Sans"/>
-            </a:endParaRPr>
-          </a:p>
-          <a:p>
-            <a:pPr marL="457200" lvl="0" indent="0" algn="l" rtl="0">
-              <a:lnSpc>
-                <a:spcPct val="100000"/>
-              </a:lnSpc>
-              <a:spcBef>
-                <a:spcPts val="1600"/>
-              </a:spcBef>
-              <a:spcAft>
-                <a:spcPts val="0"/>
-              </a:spcAft>
-              <a:buNone/>
-            </a:pPr>
-            <a:r>
-              <a:rPr lang="en" sz="1700" b="1" dirty="0">
-                <a:latin typeface="Open Sans"/>
-                <a:ea typeface="Open Sans"/>
-                <a:cs typeface="Open Sans"/>
-                <a:sym typeface="Open Sans"/>
-              </a:rPr>
-              <a:t>Storage (disk or in-memory): </a:t>
-            </a:r>
-            <a:r>
-              <a:rPr lang="en" sz="1700" dirty="0"/>
-              <a:t>check </a:t>
-            </a:r>
-            <a:r>
-              <a:rPr lang="en" sz="1700" u="sng" dirty="0">
-                <a:solidFill>
-                  <a:schemeClr val="hlink"/>
-                </a:solidFill>
-                <a:hlinkClick r:id="rId3"/>
-              </a:rPr>
-              <a:t>IT best practices document</a:t>
-            </a:r>
-            <a:endParaRPr sz="1700" dirty="0"/>
-          </a:p>
-          <a:p>
-            <a:pPr marL="457200" lvl="0" indent="0" algn="l" rtl="0">
-              <a:lnSpc>
-                <a:spcPct val="100000"/>
-              </a:lnSpc>
-              <a:spcBef>
-                <a:spcPts val="0"/>
               </a:spcBef>
               <a:spcAft>
                 <a:spcPts val="0"/>
@@ -40160,349 +41285,616 @@
             <a:endParaRPr sz="1700" dirty="0"/>
           </a:p>
           <a:p>
-            <a:pPr marL="457200" lvl="0" indent="0" algn="l" rtl="0">
-              <a:lnSpc>
-                <a:spcPct val="100000"/>
-              </a:lnSpc>
-              <a:spcBef>
-                <a:spcPts val="0"/>
-              </a:spcBef>
-              <a:spcAft>
-                <a:spcPts val="0"/>
-              </a:spcAft>
-              <a:buNone/>
-            </a:pPr>
-            <a:r>
-              <a:rPr lang="en" sz="1700" b="1" dirty="0">
-                <a:latin typeface="Open Sans"/>
-                <a:ea typeface="Open Sans"/>
-                <a:cs typeface="Open Sans"/>
-                <a:sym typeface="Open Sans"/>
-              </a:rPr>
-              <a:t>Retention: </a:t>
-            </a:r>
-            <a:r>
-              <a:rPr lang="en" sz="1700" dirty="0"/>
-              <a:t>how long does the data have to be kept for?</a:t>
-            </a:r>
-            <a:endParaRPr sz="1700" dirty="0"/>
-          </a:p>
-          <a:p>
-            <a:pPr marL="457200" lvl="0" indent="0" algn="l" rtl="0">
-              <a:lnSpc>
-                <a:spcPct val="100000"/>
-              </a:lnSpc>
-              <a:spcBef>
-                <a:spcPts val="0"/>
-              </a:spcBef>
-              <a:spcAft>
-                <a:spcPts val="0"/>
-              </a:spcAft>
+            <a:pPr marL="0" lvl="0" indent="0" algn="l" rtl="0">
+              <a:lnSpc>
+                <a:spcPct val="100000"/>
+              </a:lnSpc>
+              <a:spcBef>
+                <a:spcPts val="0"/>
+              </a:spcBef>
+              <a:spcAft>
+                <a:spcPts val="0"/>
+              </a:spcAft>
+              <a:buClr>
+                <a:schemeClr val="dk1"/>
+              </a:buClr>
+              <a:buSzPts val="1100"/>
+              <a:buFont typeface="Arial"/>
               <a:buNone/>
             </a:pPr>
             <a:endParaRPr sz="1700" dirty="0"/>
           </a:p>
-          <a:p>
-            <a:pPr marL="457200" lvl="0" indent="0" algn="l" rtl="0">
-              <a:lnSpc>
-                <a:spcPct val="100000"/>
-              </a:lnSpc>
-              <a:spcBef>
-                <a:spcPts val="0"/>
-              </a:spcBef>
-              <a:spcAft>
-                <a:spcPts val="0"/>
-              </a:spcAft>
-              <a:buNone/>
-            </a:pPr>
-            <a:endParaRPr sz="1700" dirty="0"/>
-          </a:p>
-          <a:p>
-            <a:pPr marL="457200" lvl="0" indent="-349250" algn="l" rtl="0">
-              <a:spcBef>
-                <a:spcPts val="0"/>
-              </a:spcBef>
-              <a:spcAft>
-                <a:spcPts val="0"/>
-              </a:spcAft>
-              <a:buSzPts val="1900"/>
-              <a:buFont typeface="Open Sans"/>
-              <a:buChar char="●"/>
-            </a:pPr>
-            <a:r>
-              <a:rPr lang="en" sz="1900" b="1" dirty="0">
-                <a:latin typeface="Open Sans"/>
-                <a:ea typeface="Open Sans"/>
-                <a:cs typeface="Open Sans"/>
-                <a:sym typeface="Open Sans"/>
-              </a:rPr>
-              <a:t>Backup</a:t>
-            </a:r>
-            <a:endParaRPr sz="1900" b="1" dirty="0">
-              <a:latin typeface="Open Sans"/>
-              <a:ea typeface="Open Sans"/>
-              <a:cs typeface="Open Sans"/>
-              <a:sym typeface="Open Sans"/>
-            </a:endParaRPr>
-          </a:p>
-          <a:p>
-            <a:pPr marL="457200" lvl="0" indent="0" algn="l" rtl="0">
-              <a:spcBef>
-                <a:spcPts val="1600"/>
-              </a:spcBef>
-              <a:spcAft>
-                <a:spcPts val="0"/>
-              </a:spcAft>
-              <a:buNone/>
-            </a:pPr>
-            <a:r>
-              <a:rPr lang="en" sz="1700" dirty="0"/>
-              <a:t> </a:t>
-            </a:r>
-            <a:r>
-              <a:rPr lang="en" sz="1700" u="sng" dirty="0">
-                <a:solidFill>
-                  <a:schemeClr val="hlink"/>
-                </a:solidFill>
-                <a:hlinkClick r:id="rId3"/>
-              </a:rPr>
-              <a:t>IT Best Practices document</a:t>
-            </a:r>
-            <a:r>
-              <a:rPr lang="en" sz="1700" dirty="0"/>
-              <a:t> lists Backup schedule requirements</a:t>
-            </a:r>
-            <a:endParaRPr sz="1700" dirty="0"/>
-          </a:p>
-          <a:p>
-            <a:pPr marL="457200" lvl="0" indent="0" algn="l" rtl="0">
-              <a:lnSpc>
-                <a:spcPct val="100000"/>
-              </a:lnSpc>
-              <a:spcBef>
-                <a:spcPts val="1600"/>
-              </a:spcBef>
-              <a:spcAft>
-                <a:spcPts val="0"/>
-              </a:spcAft>
-              <a:buNone/>
-            </a:pPr>
-            <a:endParaRPr sz="1700" dirty="0"/>
-          </a:p>
-          <a:p>
-            <a:pPr marL="0" lvl="0" indent="0" algn="l" rtl="0">
-              <a:lnSpc>
-                <a:spcPct val="100000"/>
-              </a:lnSpc>
-              <a:spcBef>
-                <a:spcPts val="0"/>
-              </a:spcBef>
-              <a:spcAft>
-                <a:spcPts val="0"/>
-              </a:spcAft>
-              <a:buClr>
-                <a:schemeClr val="dk1"/>
-              </a:buClr>
-              <a:buSzPts val="1100"/>
-              <a:buFont typeface="Arial"/>
-              <a:buNone/>
-            </a:pPr>
-            <a:endParaRPr sz="1700" dirty="0"/>
-          </a:p>
         </p:txBody>
       </p:sp>
-    </p:spTree>
-  </p:cSld>
-  <p:clrMapOvr>
-    <a:masterClrMapping/>
-  </p:clrMapOvr>
-</p:sld>
-</file>
-
-<file path=ppt/slides/slide9.xml><?xml version="1.0" encoding="utf-8"?>
-<p:sld xmlns:a="http://schemas.openxmlformats.org/drawingml/2006/main" xmlns:r="http://schemas.openxmlformats.org/officeDocument/2006/relationships" xmlns:p="http://schemas.openxmlformats.org/presentationml/2006/main">
-  <p:cSld>
-    <p:bg>
-      <p:bgPr>
-        <a:solidFill>
-          <a:srgbClr val="02B4E5"/>
-        </a:solidFill>
-        <a:effectLst/>
-      </p:bgPr>
-    </p:bg>
-    <p:spTree>
-      <p:nvGrpSpPr>
-        <p:cNvPr id="1" name="Shape 235"/>
-        <p:cNvGrpSpPr/>
-        <p:nvPr/>
-      </p:nvGrpSpPr>
-      <p:grpSpPr>
-        <a:xfrm>
-          <a:off x="0" y="0"/>
-          <a:ext cx="0" cy="0"/>
-          <a:chOff x="0" y="0"/>
-          <a:chExt cx="0" cy="0"/>
-        </a:xfrm>
-      </p:grpSpPr>
-      <p:sp>
-        <p:nvSpPr>
-          <p:cNvPr id="236" name="Google Shape;236;p60"/>
-          <p:cNvSpPr/>
-          <p:nvPr/>
-        </p:nvSpPr>
-        <p:spPr>
-          <a:xfrm>
-            <a:off x="1807121" y="4003549"/>
-            <a:ext cx="4158000" cy="2460000"/>
-          </a:xfrm>
-          <a:prstGeom prst="rect">
-            <a:avLst/>
-          </a:prstGeom>
-          <a:noFill/>
-          <a:ln>
-            <a:noFill/>
-          </a:ln>
-        </p:spPr>
-        <p:txBody>
-          <a:bodyPr spcFirstLastPara="1" wrap="square" lIns="26775" tIns="26775" rIns="26775" bIns="26775" anchor="t" anchorCtr="0">
-            <a:noAutofit/>
-          </a:bodyPr>
-          <a:lstStyle/>
-          <a:p>
-            <a:pPr marL="0" marR="0" lvl="0" indent="0" algn="ctr" rtl="0">
-              <a:lnSpc>
-                <a:spcPct val="150000"/>
-              </a:lnSpc>
-              <a:spcBef>
-                <a:spcPts val="0"/>
-              </a:spcBef>
-              <a:spcAft>
-                <a:spcPts val="0"/>
-              </a:spcAft>
-              <a:buClr>
-                <a:srgbClr val="FFFFFF"/>
-              </a:buClr>
-              <a:buFont typeface="Open Sans"/>
-              <a:buNone/>
-            </a:pPr>
-            <a:r>
-              <a:rPr lang="en" sz="3000" b="1">
-                <a:solidFill>
-                  <a:srgbClr val="FFFFFF"/>
-                </a:solidFill>
-                <a:latin typeface="Open Sans"/>
-                <a:ea typeface="Open Sans"/>
-                <a:cs typeface="Open Sans"/>
-                <a:sym typeface="Open Sans"/>
-              </a:rPr>
-              <a:t>Step 2</a:t>
-            </a:r>
-            <a:endParaRPr sz="3000" b="1">
-              <a:solidFill>
-                <a:srgbClr val="FFFFFF"/>
-              </a:solidFill>
-              <a:latin typeface="Open Sans"/>
-              <a:ea typeface="Open Sans"/>
-              <a:cs typeface="Open Sans"/>
-              <a:sym typeface="Open Sans"/>
-            </a:endParaRPr>
-          </a:p>
-          <a:p>
-            <a:pPr marL="0" marR="0" lvl="0" indent="0" algn="ctr" rtl="0">
-              <a:lnSpc>
-                <a:spcPct val="150000"/>
-              </a:lnSpc>
-              <a:spcBef>
-                <a:spcPts val="0"/>
-              </a:spcBef>
-              <a:spcAft>
-                <a:spcPts val="0"/>
-              </a:spcAft>
-              <a:buClr>
-                <a:srgbClr val="FFFFFF"/>
-              </a:buClr>
-              <a:buFont typeface="Open Sans"/>
-              <a:buNone/>
-            </a:pPr>
-            <a:r>
-              <a:rPr lang="en" sz="3000">
-                <a:solidFill>
-                  <a:srgbClr val="FFFFFF"/>
-                </a:solidFill>
-                <a:latin typeface="Open Sans"/>
-                <a:ea typeface="Open Sans"/>
-                <a:cs typeface="Open Sans"/>
-                <a:sym typeface="Open Sans"/>
-              </a:rPr>
-              <a:t>Relational Database Design</a:t>
-            </a:r>
-            <a:endParaRPr sz="3000">
-              <a:solidFill>
-                <a:srgbClr val="FFFFFF"/>
-              </a:solidFill>
-              <a:latin typeface="Open Sans"/>
-              <a:ea typeface="Open Sans"/>
-              <a:cs typeface="Open Sans"/>
-              <a:sym typeface="Open Sans"/>
-            </a:endParaRPr>
-          </a:p>
-        </p:txBody>
-      </p:sp>
-      <p:sp>
-        <p:nvSpPr>
-          <p:cNvPr id="237" name="Google Shape;237;p60"/>
-          <p:cNvSpPr/>
-          <p:nvPr/>
-        </p:nvSpPr>
-        <p:spPr>
-          <a:xfrm>
-            <a:off x="3582591" y="3663029"/>
-            <a:ext cx="607200" cy="74400"/>
-          </a:xfrm>
-          <a:prstGeom prst="rect">
-            <a:avLst/>
-          </a:prstGeom>
-          <a:solidFill>
-            <a:schemeClr val="lt1"/>
-          </a:solidFill>
-          <a:ln>
-            <a:noFill/>
-          </a:ln>
-        </p:spPr>
-        <p:txBody>
-          <a:bodyPr spcFirstLastPara="1" wrap="square" lIns="26775" tIns="26775" rIns="26775" bIns="26775" anchor="ctr" anchorCtr="0">
-            <a:noAutofit/>
-          </a:bodyPr>
-          <a:lstStyle/>
-          <a:p>
-            <a:pPr marL="0" marR="0" lvl="0" indent="0" algn="ctr" rtl="0">
-              <a:lnSpc>
-                <a:spcPct val="100000"/>
-              </a:lnSpc>
-              <a:spcBef>
-                <a:spcPts val="0"/>
-              </a:spcBef>
-              <a:spcAft>
-                <a:spcPts val="0"/>
-              </a:spcAft>
-              <a:buClr>
-                <a:srgbClr val="FFFFFF"/>
-              </a:buClr>
-              <a:buFont typeface="Helvetica Neue"/>
-              <a:buNone/>
-            </a:pPr>
-            <a:endParaRPr sz="1200" b="0" i="0" u="none" strike="noStrike" cap="none">
-              <a:solidFill>
-                <a:srgbClr val="02B4E5"/>
-              </a:solidFill>
-              <a:latin typeface="Helvetica Neue"/>
-              <a:ea typeface="Helvetica Neue"/>
-              <a:cs typeface="Helvetica Neue"/>
-              <a:sym typeface="Helvetica Neue"/>
-            </a:endParaRPr>
-          </a:p>
-        </p:txBody>
-      </p:sp>
+      <p:graphicFrame>
+        <p:nvGraphicFramePr>
+          <p:cNvPr id="4" name="Table 3">
+            <a:extLst>
+              <a:ext uri="{FF2B5EF4-FFF2-40B4-BE49-F238E27FC236}">
+                <a16:creationId xmlns:a16="http://schemas.microsoft.com/office/drawing/2014/main" id="{13ED49C2-FAA1-E34B-8D91-DA35C42101CA}"/>
+              </a:ext>
+            </a:extLst>
+          </p:cNvPr>
+          <p:cNvGraphicFramePr>
+            <a:graphicFrameLocks noGrp="1"/>
+          </p:cNvGraphicFramePr>
+          <p:nvPr>
+            <p:extLst>
+              <p:ext uri="{D42A27DB-BD31-4B8C-83A1-F6EECF244321}">
+                <p14:modId xmlns:p14="http://schemas.microsoft.com/office/powerpoint/2010/main" val="3890945637"/>
+              </p:ext>
+            </p:extLst>
+          </p:nvPr>
+        </p:nvGraphicFramePr>
+        <p:xfrm>
+          <a:off x="762000" y="4120625"/>
+          <a:ext cx="6337300" cy="1706880"/>
+        </p:xfrm>
+        <a:graphic>
+          <a:graphicData uri="http://schemas.openxmlformats.org/drawingml/2006/table">
+            <a:tbl>
+              <a:tblPr firstRow="1" firstCol="1" bandRow="1">
+                <a:tableStyleId>{9D7B26C5-4107-4FEC-AEDC-1716B250A1EF}</a:tableStyleId>
+              </a:tblPr>
+              <a:tblGrid>
+                <a:gridCol w="2438400">
+                  <a:extLst>
+                    <a:ext uri="{9D8B030D-6E8A-4147-A177-3AD203B41FA5}">
+                      <a16:colId xmlns:a16="http://schemas.microsoft.com/office/drawing/2014/main" val="4273966921"/>
+                    </a:ext>
+                  </a:extLst>
+                </a:gridCol>
+                <a:gridCol w="3898900">
+                  <a:extLst>
+                    <a:ext uri="{9D8B030D-6E8A-4147-A177-3AD203B41FA5}">
+                      <a16:colId xmlns:a16="http://schemas.microsoft.com/office/drawing/2014/main" val="3288209409"/>
+                    </a:ext>
+                  </a:extLst>
+                </a:gridCol>
+              </a:tblGrid>
+              <a:tr h="172309">
+                <a:tc>
+                  <a:txBody>
+                    <a:bodyPr/>
+                    <a:lstStyle/>
+                    <a:p>
+                      <a:pPr marL="0" marR="0" algn="ctr">
+                        <a:spcBef>
+                          <a:spcPts val="0"/>
+                        </a:spcBef>
+                        <a:spcAft>
+                          <a:spcPts val="0"/>
+                        </a:spcAft>
+                      </a:pPr>
+                      <a:r>
+                        <a:rPr lang="en-US" sz="1600" dirty="0">
+                          <a:effectLst/>
+                        </a:rPr>
+                        <a:t>User Types</a:t>
+                      </a:r>
+                      <a:endParaRPr lang="en-US" sz="1600" dirty="0">
+                        <a:effectLst/>
+                        <a:latin typeface="Times New Roman" panose="02020603050405020304" pitchFamily="18" charset="0"/>
+                        <a:ea typeface="Times New Roman" panose="02020603050405020304" pitchFamily="18" charset="0"/>
+                        <a:cs typeface="Times New Roman" panose="02020603050405020304" pitchFamily="18" charset="0"/>
+                      </a:endParaRPr>
+                    </a:p>
+                  </a:txBody>
+                  <a:tcPr marL="68580" marR="68580" marT="0" marB="0">
+                    <a:lnL w="3175" cap="flat" cmpd="sng" algn="ctr">
+                      <a:solidFill>
+                        <a:schemeClr val="tx1"/>
+                      </a:solidFill>
+                      <a:prstDash val="solid"/>
+                      <a:round/>
+                      <a:headEnd type="none" w="med" len="med"/>
+                      <a:tailEnd type="none" w="med" len="med"/>
+                    </a:lnL>
+                    <a:lnR w="3175" cap="flat" cmpd="sng" algn="ctr">
+                      <a:solidFill>
+                        <a:schemeClr val="tx1"/>
+                      </a:solidFill>
+                      <a:prstDash val="solid"/>
+                      <a:round/>
+                      <a:headEnd type="none" w="med" len="med"/>
+                      <a:tailEnd type="none" w="med" len="med"/>
+                    </a:lnR>
+                    <a:lnT w="3175" cap="flat" cmpd="sng" algn="ctr">
+                      <a:solidFill>
+                        <a:schemeClr val="tx1"/>
+                      </a:solidFill>
+                      <a:prstDash val="solid"/>
+                      <a:round/>
+                      <a:headEnd type="none" w="med" len="med"/>
+                      <a:tailEnd type="none" w="med" len="med"/>
+                    </a:lnT>
+                    <a:lnB w="3175" cap="flat" cmpd="sng" algn="ctr">
+                      <a:solidFill>
+                        <a:schemeClr val="tx1"/>
+                      </a:solidFill>
+                      <a:prstDash val="solid"/>
+                      <a:round/>
+                      <a:headEnd type="none" w="med" len="med"/>
+                      <a:tailEnd type="none" w="med" len="med"/>
+                    </a:lnB>
+                    <a:noFill/>
+                  </a:tcPr>
+                </a:tc>
+                <a:tc>
+                  <a:txBody>
+                    <a:bodyPr/>
+                    <a:lstStyle/>
+                    <a:p>
+                      <a:pPr marL="0" marR="0" algn="ctr">
+                        <a:spcBef>
+                          <a:spcPts val="0"/>
+                        </a:spcBef>
+                        <a:spcAft>
+                          <a:spcPts val="0"/>
+                        </a:spcAft>
+                      </a:pPr>
+                      <a:r>
+                        <a:rPr lang="en-US" sz="1600" dirty="0">
+                          <a:effectLst/>
+                        </a:rPr>
+                        <a:t>Access Level &amp; Restrictions</a:t>
+                      </a:r>
+                      <a:endParaRPr lang="en-US" sz="1600" dirty="0">
+                        <a:effectLst/>
+                        <a:latin typeface="Times New Roman" panose="02020603050405020304" pitchFamily="18" charset="0"/>
+                        <a:ea typeface="Times New Roman" panose="02020603050405020304" pitchFamily="18" charset="0"/>
+                        <a:cs typeface="Times New Roman" panose="02020603050405020304" pitchFamily="18" charset="0"/>
+                      </a:endParaRPr>
+                    </a:p>
+                  </a:txBody>
+                  <a:tcPr marL="68580" marR="68580" marT="0" marB="0">
+                    <a:lnL w="3175" cap="flat" cmpd="sng" algn="ctr">
+                      <a:solidFill>
+                        <a:schemeClr val="tx1"/>
+                      </a:solidFill>
+                      <a:prstDash val="solid"/>
+                      <a:round/>
+                      <a:headEnd type="none" w="med" len="med"/>
+                      <a:tailEnd type="none" w="med" len="med"/>
+                    </a:lnL>
+                    <a:lnR w="3175" cap="flat" cmpd="sng" algn="ctr">
+                      <a:solidFill>
+                        <a:schemeClr val="tx1"/>
+                      </a:solidFill>
+                      <a:prstDash val="solid"/>
+                      <a:round/>
+                      <a:headEnd type="none" w="med" len="med"/>
+                      <a:tailEnd type="none" w="med" len="med"/>
+                    </a:lnR>
+                    <a:lnT w="3175" cap="flat" cmpd="sng" algn="ctr">
+                      <a:solidFill>
+                        <a:schemeClr val="tx1"/>
+                      </a:solidFill>
+                      <a:prstDash val="solid"/>
+                      <a:round/>
+                      <a:headEnd type="none" w="med" len="med"/>
+                      <a:tailEnd type="none" w="med" len="med"/>
+                    </a:lnT>
+                    <a:lnB w="3175" cap="flat" cmpd="sng" algn="ctr">
+                      <a:solidFill>
+                        <a:schemeClr val="tx1"/>
+                      </a:solidFill>
+                      <a:prstDash val="solid"/>
+                      <a:round/>
+                      <a:headEnd type="none" w="med" len="med"/>
+                      <a:tailEnd type="none" w="med" len="med"/>
+                    </a:lnB>
+                    <a:noFill/>
+                  </a:tcPr>
+                </a:tc>
+                <a:extLst>
+                  <a:ext uri="{0D108BD9-81ED-4DB2-BD59-A6C34878D82A}">
+                    <a16:rowId xmlns:a16="http://schemas.microsoft.com/office/drawing/2014/main" val="1787259444"/>
+                  </a:ext>
+                </a:extLst>
+              </a:tr>
+              <a:tr h="689238">
+                <a:tc>
+                  <a:txBody>
+                    <a:bodyPr/>
+                    <a:lstStyle/>
+                    <a:p>
+                      <a:pPr marL="0" marR="0">
+                        <a:spcBef>
+                          <a:spcPts val="0"/>
+                        </a:spcBef>
+                        <a:spcAft>
+                          <a:spcPts val="0"/>
+                        </a:spcAft>
+                      </a:pPr>
+                      <a:r>
+                        <a:rPr lang="en-US" sz="1600" b="0" i="0" u="none" strike="noStrike" cap="none" dirty="0">
+                          <a:solidFill>
+                            <a:schemeClr val="dk2"/>
+                          </a:solidFill>
+                          <a:latin typeface="Open Sans Light"/>
+                          <a:cs typeface="Open Sans Light"/>
+                          <a:sym typeface="Open Sans Light"/>
+                        </a:rPr>
+                        <a:t>Employees</a:t>
+                      </a:r>
+                      <a:endParaRPr lang="en-US" sz="1600" b="0" i="0" u="none" strike="noStrike" cap="none" dirty="0">
+                        <a:solidFill>
+                          <a:schemeClr val="dk2"/>
+                        </a:solidFill>
+                        <a:latin typeface="Open Sans Light"/>
+                        <a:ea typeface="Times New Roman" panose="02020603050405020304" pitchFamily="18" charset="0"/>
+                        <a:cs typeface="Open Sans Light"/>
+                        <a:sym typeface="Open Sans Light"/>
+                      </a:endParaRPr>
+                    </a:p>
+                  </a:txBody>
+                  <a:tcPr marL="68580" marR="68580" marT="0" marB="0">
+                    <a:lnL w="3175" cap="flat" cmpd="sng" algn="ctr">
+                      <a:solidFill>
+                        <a:schemeClr val="tx1"/>
+                      </a:solidFill>
+                      <a:prstDash val="solid"/>
+                      <a:round/>
+                      <a:headEnd type="none" w="med" len="med"/>
+                      <a:tailEnd type="none" w="med" len="med"/>
+                    </a:lnL>
+                    <a:lnR w="3175" cap="flat" cmpd="sng" algn="ctr">
+                      <a:solidFill>
+                        <a:schemeClr val="tx1"/>
+                      </a:solidFill>
+                      <a:prstDash val="solid"/>
+                      <a:round/>
+                      <a:headEnd type="none" w="med" len="med"/>
+                      <a:tailEnd type="none" w="med" len="med"/>
+                    </a:lnR>
+                    <a:lnT w="3175" cap="flat" cmpd="sng" algn="ctr">
+                      <a:solidFill>
+                        <a:schemeClr val="tx1"/>
+                      </a:solidFill>
+                      <a:prstDash val="solid"/>
+                      <a:round/>
+                      <a:headEnd type="none" w="med" len="med"/>
+                      <a:tailEnd type="none" w="med" len="med"/>
+                    </a:lnT>
+                    <a:lnB w="3175" cap="flat" cmpd="sng" algn="ctr">
+                      <a:solidFill>
+                        <a:schemeClr val="tx1"/>
+                      </a:solidFill>
+                      <a:prstDash val="solid"/>
+                      <a:round/>
+                      <a:headEnd type="none" w="med" len="med"/>
+                      <a:tailEnd type="none" w="med" len="med"/>
+                    </a:lnB>
+                    <a:noFill/>
+                  </a:tcPr>
+                </a:tc>
+                <a:tc>
+                  <a:txBody>
+                    <a:bodyPr/>
+                    <a:lstStyle/>
+                    <a:p>
+                      <a:pPr marL="0" marR="0">
+                        <a:spcBef>
+                          <a:spcPts val="0"/>
+                        </a:spcBef>
+                        <a:spcAft>
+                          <a:spcPts val="0"/>
+                        </a:spcAft>
+                      </a:pPr>
+                      <a:r>
+                        <a:rPr lang="en-US" sz="1600" b="0" i="0" u="none" strike="noStrike" cap="none" dirty="0">
+                          <a:solidFill>
+                            <a:schemeClr val="dk2"/>
+                          </a:solidFill>
+                          <a:latin typeface="Open Sans Light"/>
+                          <a:cs typeface="Open Sans Light"/>
+                          <a:sym typeface="Open Sans Light"/>
+                        </a:rPr>
+                        <a:t>- Read only access</a:t>
+                      </a:r>
+                    </a:p>
+                    <a:p>
+                      <a:pPr marL="0" marR="0">
+                        <a:spcBef>
+                          <a:spcPts val="0"/>
+                        </a:spcBef>
+                        <a:spcAft>
+                          <a:spcPts val="0"/>
+                        </a:spcAft>
+                      </a:pPr>
+                      <a:r>
+                        <a:rPr lang="en-US" sz="1600" b="0" i="0" u="none" strike="noStrike" cap="none" dirty="0">
+                          <a:solidFill>
+                            <a:schemeClr val="dk2"/>
+                          </a:solidFill>
+                          <a:latin typeface="Open Sans Light"/>
+                          <a:cs typeface="Open Sans Light"/>
+                          <a:sym typeface="Open Sans Light"/>
+                        </a:rPr>
+                        <a:t>- No access to salary information</a:t>
+                      </a:r>
+                    </a:p>
+                    <a:p>
+                      <a:pPr marL="0" marR="0">
+                        <a:spcBef>
+                          <a:spcPts val="0"/>
+                        </a:spcBef>
+                        <a:spcAft>
+                          <a:spcPts val="0"/>
+                        </a:spcAft>
+                      </a:pPr>
+                      <a:r>
+                        <a:rPr lang="en-US" sz="1600" b="0" i="0" u="none" strike="noStrike" cap="none" dirty="0">
+                          <a:solidFill>
+                            <a:schemeClr val="dk2"/>
+                          </a:solidFill>
+                          <a:latin typeface="Open Sans Light"/>
+                          <a:cs typeface="Open Sans Light"/>
+                          <a:sym typeface="Open Sans Light"/>
+                        </a:rPr>
+                        <a:t> </a:t>
+                      </a:r>
+                      <a:endParaRPr lang="en-US" sz="1600" b="0" i="0" u="none" strike="noStrike" cap="none" dirty="0">
+                        <a:solidFill>
+                          <a:schemeClr val="dk2"/>
+                        </a:solidFill>
+                        <a:latin typeface="Open Sans Light"/>
+                        <a:ea typeface="Times New Roman" panose="02020603050405020304" pitchFamily="18" charset="0"/>
+                        <a:cs typeface="Open Sans Light"/>
+                        <a:sym typeface="Open Sans Light"/>
+                      </a:endParaRPr>
+                    </a:p>
+                  </a:txBody>
+                  <a:tcPr marL="68580" marR="68580" marT="0" marB="0">
+                    <a:lnL w="3175" cap="flat" cmpd="sng" algn="ctr">
+                      <a:solidFill>
+                        <a:schemeClr val="tx1"/>
+                      </a:solidFill>
+                      <a:prstDash val="solid"/>
+                      <a:round/>
+                      <a:headEnd type="none" w="med" len="med"/>
+                      <a:tailEnd type="none" w="med" len="med"/>
+                    </a:lnL>
+                    <a:lnR w="3175" cap="flat" cmpd="sng" algn="ctr">
+                      <a:solidFill>
+                        <a:schemeClr val="tx1"/>
+                      </a:solidFill>
+                      <a:prstDash val="solid"/>
+                      <a:round/>
+                      <a:headEnd type="none" w="med" len="med"/>
+                      <a:tailEnd type="none" w="med" len="med"/>
+                    </a:lnR>
+                    <a:lnT w="3175" cap="flat" cmpd="sng" algn="ctr">
+                      <a:solidFill>
+                        <a:schemeClr val="tx1"/>
+                      </a:solidFill>
+                      <a:prstDash val="solid"/>
+                      <a:round/>
+                      <a:headEnd type="none" w="med" len="med"/>
+                      <a:tailEnd type="none" w="med" len="med"/>
+                    </a:lnT>
+                    <a:lnB w="3175" cap="flat" cmpd="sng" algn="ctr">
+                      <a:solidFill>
+                        <a:schemeClr val="tx1"/>
+                      </a:solidFill>
+                      <a:prstDash val="solid"/>
+                      <a:round/>
+                      <a:headEnd type="none" w="med" len="med"/>
+                      <a:tailEnd type="none" w="med" len="med"/>
+                    </a:lnB>
+                    <a:noFill/>
+                  </a:tcPr>
+                </a:tc>
+                <a:extLst>
+                  <a:ext uri="{0D108BD9-81ED-4DB2-BD59-A6C34878D82A}">
+                    <a16:rowId xmlns:a16="http://schemas.microsoft.com/office/drawing/2014/main" val="2353780201"/>
+                  </a:ext>
+                </a:extLst>
+              </a:tr>
+              <a:tr h="516928">
+                <a:tc>
+                  <a:txBody>
+                    <a:bodyPr/>
+                    <a:lstStyle/>
+                    <a:p>
+                      <a:pPr marL="0" marR="0">
+                        <a:spcBef>
+                          <a:spcPts val="0"/>
+                        </a:spcBef>
+                        <a:spcAft>
+                          <a:spcPts val="0"/>
+                        </a:spcAft>
+                      </a:pPr>
+                      <a:r>
+                        <a:rPr lang="en-US" sz="1600" b="0" i="0" u="none" strike="noStrike" cap="none">
+                          <a:solidFill>
+                            <a:schemeClr val="dk2"/>
+                          </a:solidFill>
+                          <a:latin typeface="Open Sans Light"/>
+                          <a:cs typeface="Open Sans Light"/>
+                          <a:sym typeface="Open Sans Light"/>
+                        </a:rPr>
+                        <a:t>HR and management level Employees</a:t>
+                      </a:r>
+                    </a:p>
+                    <a:p>
+                      <a:pPr marL="0" marR="0">
+                        <a:spcBef>
+                          <a:spcPts val="0"/>
+                        </a:spcBef>
+                        <a:spcAft>
+                          <a:spcPts val="0"/>
+                        </a:spcAft>
+                      </a:pPr>
+                      <a:r>
+                        <a:rPr lang="en-US" sz="1600" b="0" i="0" u="none" strike="noStrike" cap="none">
+                          <a:solidFill>
+                            <a:schemeClr val="dk2"/>
+                          </a:solidFill>
+                          <a:latin typeface="Open Sans Light"/>
+                          <a:cs typeface="Open Sans Light"/>
+                          <a:sym typeface="Open Sans Light"/>
+                        </a:rPr>
+                        <a:t> </a:t>
+                      </a:r>
+                      <a:endParaRPr lang="en-US" sz="1600" b="0" i="0" u="none" strike="noStrike" cap="none">
+                        <a:solidFill>
+                          <a:schemeClr val="dk2"/>
+                        </a:solidFill>
+                        <a:latin typeface="Open Sans Light"/>
+                        <a:ea typeface="Times New Roman" panose="02020603050405020304" pitchFamily="18" charset="0"/>
+                        <a:cs typeface="Open Sans Light"/>
+                        <a:sym typeface="Open Sans Light"/>
+                      </a:endParaRPr>
+                    </a:p>
+                  </a:txBody>
+                  <a:tcPr marL="68580" marR="68580" marT="0" marB="0">
+                    <a:lnL w="3175" cap="flat" cmpd="sng" algn="ctr">
+                      <a:solidFill>
+                        <a:schemeClr val="tx1"/>
+                      </a:solidFill>
+                      <a:prstDash val="solid"/>
+                      <a:round/>
+                      <a:headEnd type="none" w="med" len="med"/>
+                      <a:tailEnd type="none" w="med" len="med"/>
+                    </a:lnL>
+                    <a:lnR w="3175" cap="flat" cmpd="sng" algn="ctr">
+                      <a:solidFill>
+                        <a:schemeClr val="tx1"/>
+                      </a:solidFill>
+                      <a:prstDash val="solid"/>
+                      <a:round/>
+                      <a:headEnd type="none" w="med" len="med"/>
+                      <a:tailEnd type="none" w="med" len="med"/>
+                    </a:lnR>
+                    <a:lnT w="3175" cap="flat" cmpd="sng" algn="ctr">
+                      <a:solidFill>
+                        <a:schemeClr val="tx1"/>
+                      </a:solidFill>
+                      <a:prstDash val="solid"/>
+                      <a:round/>
+                      <a:headEnd type="none" w="med" len="med"/>
+                      <a:tailEnd type="none" w="med" len="med"/>
+                    </a:lnT>
+                    <a:lnB w="3175" cap="flat" cmpd="sng" algn="ctr">
+                      <a:solidFill>
+                        <a:schemeClr val="tx1"/>
+                      </a:solidFill>
+                      <a:prstDash val="solid"/>
+                      <a:round/>
+                      <a:headEnd type="none" w="med" len="med"/>
+                      <a:tailEnd type="none" w="med" len="med"/>
+                    </a:lnB>
+                    <a:noFill/>
+                  </a:tcPr>
+                </a:tc>
+                <a:tc>
+                  <a:txBody>
+                    <a:bodyPr/>
+                    <a:lstStyle/>
+                    <a:p>
+                      <a:pPr marL="0" marR="0">
+                        <a:spcBef>
+                          <a:spcPts val="0"/>
+                        </a:spcBef>
+                        <a:spcAft>
+                          <a:spcPts val="0"/>
+                        </a:spcAft>
+                      </a:pPr>
+                      <a:r>
+                        <a:rPr lang="en-US" sz="1600" b="0" i="0" u="none" strike="noStrike" cap="none" dirty="0">
+                          <a:solidFill>
+                            <a:schemeClr val="dk2"/>
+                          </a:solidFill>
+                          <a:latin typeface="Open Sans Light"/>
+                          <a:cs typeface="Open Sans Light"/>
+                          <a:sym typeface="Open Sans Light"/>
+                        </a:rPr>
+                        <a:t>- Write access</a:t>
+                      </a:r>
+                    </a:p>
+                    <a:p>
+                      <a:pPr marL="0" marR="0">
+                        <a:spcBef>
+                          <a:spcPts val="0"/>
+                        </a:spcBef>
+                        <a:spcAft>
+                          <a:spcPts val="0"/>
+                        </a:spcAft>
+                      </a:pPr>
+                      <a:r>
+                        <a:rPr lang="en-US" sz="1600" b="0" i="0" u="none" strike="noStrike" cap="none" dirty="0">
+                          <a:solidFill>
+                            <a:schemeClr val="dk2"/>
+                          </a:solidFill>
+                          <a:latin typeface="Open Sans Light"/>
+                          <a:cs typeface="Open Sans Light"/>
+                          <a:sym typeface="Open Sans Light"/>
+                        </a:rPr>
+                        <a:t>- No restrictions </a:t>
+                      </a:r>
+                      <a:endParaRPr lang="en-US" sz="1600" b="0" i="0" u="none" strike="noStrike" cap="none" dirty="0">
+                        <a:solidFill>
+                          <a:schemeClr val="dk2"/>
+                        </a:solidFill>
+                        <a:latin typeface="Open Sans Light"/>
+                        <a:ea typeface="Times New Roman" panose="02020603050405020304" pitchFamily="18" charset="0"/>
+                        <a:cs typeface="Open Sans Light"/>
+                        <a:sym typeface="Open Sans Light"/>
+                      </a:endParaRPr>
+                    </a:p>
+                  </a:txBody>
+                  <a:tcPr marL="68580" marR="68580" marT="0" marB="0">
+                    <a:lnL w="3175" cap="flat" cmpd="sng" algn="ctr">
+                      <a:solidFill>
+                        <a:schemeClr val="tx1"/>
+                      </a:solidFill>
+                      <a:prstDash val="solid"/>
+                      <a:round/>
+                      <a:headEnd type="none" w="med" len="med"/>
+                      <a:tailEnd type="none" w="med" len="med"/>
+                    </a:lnL>
+                    <a:lnR w="3175" cap="flat" cmpd="sng" algn="ctr">
+                      <a:solidFill>
+                        <a:schemeClr val="tx1"/>
+                      </a:solidFill>
+                      <a:prstDash val="solid"/>
+                      <a:round/>
+                      <a:headEnd type="none" w="med" len="med"/>
+                      <a:tailEnd type="none" w="med" len="med"/>
+                    </a:lnR>
+                    <a:lnT w="3175" cap="flat" cmpd="sng" algn="ctr">
+                      <a:solidFill>
+                        <a:schemeClr val="tx1"/>
+                      </a:solidFill>
+                      <a:prstDash val="solid"/>
+                      <a:round/>
+                      <a:headEnd type="none" w="med" len="med"/>
+                      <a:tailEnd type="none" w="med" len="med"/>
+                    </a:lnT>
+                    <a:lnB w="3175" cap="flat" cmpd="sng" algn="ctr">
+                      <a:solidFill>
+                        <a:schemeClr val="tx1"/>
+                      </a:solidFill>
+                      <a:prstDash val="solid"/>
+                      <a:round/>
+                      <a:headEnd type="none" w="med" len="med"/>
+                      <a:tailEnd type="none" w="med" len="med"/>
+                    </a:lnB>
+                    <a:noFill/>
+                  </a:tcPr>
+                </a:tc>
+                <a:extLst>
+                  <a:ext uri="{0D108BD9-81ED-4DB2-BD59-A6C34878D82A}">
+                    <a16:rowId xmlns:a16="http://schemas.microsoft.com/office/drawing/2014/main" val="611807478"/>
+                  </a:ext>
+                </a:extLst>
+              </a:tr>
+            </a:tbl>
+          </a:graphicData>
+        </a:graphic>
+      </p:graphicFrame>
     </p:spTree>
   </p:cSld>
   <p:clrMapOvr>

--- a/HR_Dataset_Assignment.pptx
+++ b/HR_Dataset_Assignment.pptx
@@ -50,39 +50,32 @@
   <p:notesSz cx="6858000" cy="9144000"/>
   <p:embeddedFontLst>
     <p:embeddedFont>
-      <p:font typeface="Calibri" panose="020F0502020204030204" pitchFamily="34" charset="0"/>
+      <p:font typeface="Helvetica Neue" panose="02000503000000020004" pitchFamily="2" charset="0"/>
       <p:regular r:id="rId40"/>
       <p:bold r:id="rId41"/>
       <p:italic r:id="rId42"/>
       <p:boldItalic r:id="rId43"/>
     </p:embeddedFont>
     <p:embeddedFont>
-      <p:font typeface="Helvetica Neue" panose="02000503000000020004" pitchFamily="2" charset="0"/>
+      <p:font typeface="Open Sans" panose="020B0606030504020204" pitchFamily="34" charset="0"/>
       <p:regular r:id="rId44"/>
       <p:bold r:id="rId45"/>
       <p:italic r:id="rId46"/>
       <p:boldItalic r:id="rId47"/>
     </p:embeddedFont>
     <p:embeddedFont>
-      <p:font typeface="Open Sans" panose="020B0606030504020204" pitchFamily="34" charset="0"/>
+      <p:font typeface="Open Sans Light" panose="020F0302020204030204" pitchFamily="34" charset="0"/>
       <p:regular r:id="rId48"/>
       <p:bold r:id="rId49"/>
       <p:italic r:id="rId50"/>
       <p:boldItalic r:id="rId51"/>
     </p:embeddedFont>
     <p:embeddedFont>
-      <p:font typeface="Open Sans Light" panose="020F0302020204030204" pitchFamily="34" charset="0"/>
+      <p:font typeface="Source Code Pro" panose="020B0509030403020204" pitchFamily="49" charset="0"/>
       <p:regular r:id="rId52"/>
       <p:bold r:id="rId53"/>
       <p:italic r:id="rId54"/>
       <p:boldItalic r:id="rId55"/>
-    </p:embeddedFont>
-    <p:embeddedFont>
-      <p:font typeface="Source Code Pro" panose="020B0509030403020204" pitchFamily="49" charset="0"/>
-      <p:regular r:id="rId56"/>
-      <p:bold r:id="rId57"/>
-      <p:italic r:id="rId58"/>
-      <p:boldItalic r:id="rId59"/>
     </p:embeddedFont>
   </p:embeddedFontLst>
   <p:defaultTextStyle>
@@ -29845,90 +29838,6 @@
             </a:r>
           </a:p>
           <a:p>
-            <a:pPr marL="457200" lvl="0" indent="0" algn="l" rtl="0">
-              <a:spcBef>
-                <a:spcPts val="0"/>
-              </a:spcBef>
-              <a:spcAft>
-                <a:spcPts val="0"/>
-              </a:spcAft>
-              <a:buNone/>
-            </a:pPr>
-            <a:endParaRPr lang="en-US" sz="1900" dirty="0"/>
-          </a:p>
-          <a:p>
-            <a:pPr marL="0" lvl="0" indent="0" algn="l" rtl="0">
-              <a:spcBef>
-                <a:spcPts val="1600"/>
-              </a:spcBef>
-              <a:spcAft>
-                <a:spcPts val="0"/>
-              </a:spcAft>
-              <a:buNone/>
-            </a:pPr>
-            <a:endParaRPr lang="en-US" sz="1900" dirty="0"/>
-          </a:p>
-          <a:p>
-            <a:pPr marL="0" lvl="0" indent="0" algn="l" rtl="0">
-              <a:spcBef>
-                <a:spcPts val="1600"/>
-              </a:spcBef>
-              <a:spcAft>
-                <a:spcPts val="0"/>
-              </a:spcAft>
-              <a:buNone/>
-            </a:pPr>
-            <a:endParaRPr lang="en-US" sz="1900" dirty="0"/>
-          </a:p>
-          <a:p>
-            <a:pPr marL="0" lvl="0" indent="0" algn="l" rtl="0">
-              <a:spcBef>
-                <a:spcPts val="1600"/>
-              </a:spcBef>
-              <a:spcAft>
-                <a:spcPts val="0"/>
-              </a:spcAft>
-              <a:buNone/>
-            </a:pPr>
-            <a:endParaRPr lang="en-US" sz="1900" dirty="0"/>
-          </a:p>
-          <a:p>
-            <a:pPr marL="0" lvl="0" indent="0" algn="l" rtl="0">
-              <a:spcBef>
-                <a:spcPts val="1600"/>
-              </a:spcBef>
-              <a:spcAft>
-                <a:spcPts val="0"/>
-              </a:spcAft>
-              <a:buNone/>
-            </a:pPr>
-            <a:endParaRPr lang="en-US" sz="1900" dirty="0"/>
-          </a:p>
-          <a:p>
-            <a:pPr marL="0" lvl="0" indent="0" algn="l" rtl="0">
-              <a:spcBef>
-                <a:spcPts val="1600"/>
-              </a:spcBef>
-              <a:spcAft>
-                <a:spcPts val="0"/>
-              </a:spcAft>
-              <a:buNone/>
-            </a:pPr>
-            <a:endParaRPr sz="1900" dirty="0"/>
-          </a:p>
-          <a:p>
-            <a:pPr marL="0" lvl="0" indent="0" algn="l" rtl="0">
-              <a:spcBef>
-                <a:spcPts val="1600"/>
-              </a:spcBef>
-              <a:spcAft>
-                <a:spcPts val="0"/>
-              </a:spcAft>
-              <a:buNone/>
-            </a:pPr>
-            <a:endParaRPr sz="1900" dirty="0"/>
-          </a:p>
-          <a:p>
             <a:pPr marL="0" lvl="0" indent="0">
               <a:lnSpc>
                 <a:spcPct val="150000"/>
@@ -29954,49 +29863,19 @@
               </a:lnSpc>
               <a:buNone/>
             </a:pPr>
-            <a:endParaRPr lang="en-US" sz="1200" dirty="0">
-              <a:solidFill>
-                <a:srgbClr val="525C65"/>
-              </a:solidFill>
-              <a:highlight>
-                <a:srgbClr val="FFFFFF"/>
-              </a:highlight>
-              <a:latin typeface="Open Sans"/>
-              <a:ea typeface="Open Sans"/>
-              <a:cs typeface="Open Sans"/>
-            </a:endParaRPr>
-          </a:p>
-          <a:p>
-            <a:pPr marL="0" lvl="0" indent="0">
-              <a:lnSpc>
-                <a:spcPct val="150000"/>
-              </a:lnSpc>
-              <a:buNone/>
-            </a:pPr>
             <a:r>
-              <a:rPr lang="en-US" sz="1200" dirty="0">
+              <a:rPr lang="en-US" sz="1400" dirty="0">
                 <a:solidFill>
                   <a:srgbClr val="525C65"/>
                 </a:solidFill>
                 <a:highlight>
                   <a:srgbClr val="FFFFFF"/>
                 </a:highlight>
-                <a:latin typeface="Open Sans"/>
-                <a:ea typeface="Open Sans"/>
-                <a:cs typeface="Open Sans"/>
+                <a:latin typeface="Open Sans" panose="020B0606030504020204" pitchFamily="34" charset="0"/>
+                <a:ea typeface="Open Sans" panose="020B0606030504020204" pitchFamily="34" charset="0"/>
+                <a:cs typeface="Open Sans" panose="020B0606030504020204" pitchFamily="34" charset="0"/>
               </a:rPr>
-              <a:t>1. So, primary key for this table is combination of </a:t>
-            </a:r>
-            <a:r>
-              <a:rPr lang="en-US" sz="1200" dirty="0">
-                <a:solidFill>
-                  <a:srgbClr val="525C65"/>
-                </a:solidFill>
-                <a:latin typeface="Open Sans"/>
-                <a:ea typeface="Open Sans"/>
-                <a:cs typeface="Open Sans"/>
-              </a:rPr>
-              <a:t>Employee ID, Job Title, Address ID, Manager ID, Department ID, Salary ID attributes. </a:t>
+              <a:t>1. Primary key – I have chosen a combination of Employee ID and Start Date as a “Primary Key” for “Employee History” Table. </a:t>
             </a:r>
           </a:p>
           <a:p>
@@ -30007,27 +29886,19 @@
               <a:buNone/>
             </a:pPr>
             <a:r>
-              <a:rPr lang="en-US" sz="1200" dirty="0">
+              <a:rPr lang="en-US" sz="1400" dirty="0">
                 <a:solidFill>
                   <a:srgbClr val="525C65"/>
                 </a:solidFill>
-                <a:latin typeface="Open Sans"/>
-                <a:ea typeface="Open Sans"/>
-                <a:cs typeface="Open Sans"/>
+                <a:highlight>
+                  <a:srgbClr val="FFFFFF"/>
+                </a:highlight>
+                <a:latin typeface="Open Sans" panose="020B0606030504020204" pitchFamily="34" charset="0"/>
+                <a:ea typeface="Open Sans" panose="020B0606030504020204" pitchFamily="34" charset="0"/>
+                <a:cs typeface="Open Sans" panose="020B0606030504020204" pitchFamily="34" charset="0"/>
               </a:rPr>
-              <a:t>2. Alternate key – We could have chosen a combination of Employee ID and Start Date also as a “Primary Key”, if there is a new start populated whenever there is a change in Department, Job title, Address, Manager and Salary. </a:t>
+              <a:t>A new start date will be populated whenever there is a change in Department, Job title, Address, Manager and Salary. End Date is also populated for old record.</a:t>
             </a:r>
-            <a:endParaRPr lang="en-US" sz="1200" dirty="0">
-              <a:solidFill>
-                <a:srgbClr val="525C65"/>
-              </a:solidFill>
-              <a:highlight>
-                <a:srgbClr val="FFFFFF"/>
-              </a:highlight>
-              <a:latin typeface="Open Sans"/>
-              <a:ea typeface="Open Sans"/>
-              <a:cs typeface="Open Sans"/>
-            </a:endParaRPr>
           </a:p>
           <a:p>
             <a:pPr marL="0" lvl="0" indent="0" algn="l" rtl="0">
@@ -30043,1767 +29914,6 @@
           </a:p>
         </p:txBody>
       </p:sp>
-      <p:graphicFrame>
-        <p:nvGraphicFramePr>
-          <p:cNvPr id="6" name="Table 5">
-            <a:extLst>
-              <a:ext uri="{FF2B5EF4-FFF2-40B4-BE49-F238E27FC236}">
-                <a16:creationId xmlns:a16="http://schemas.microsoft.com/office/drawing/2014/main" id="{5ADB25AF-7302-8043-AC27-8D52221DB3A0}"/>
-              </a:ext>
-            </a:extLst>
-          </p:cNvPr>
-          <p:cNvGraphicFramePr>
-            <a:graphicFrameLocks noGrp="1"/>
-          </p:cNvGraphicFramePr>
-          <p:nvPr>
-            <p:extLst>
-              <p:ext uri="{D42A27DB-BD31-4B8C-83A1-F6EECF244321}">
-                <p14:modId xmlns:p14="http://schemas.microsoft.com/office/powerpoint/2010/main" val="856448958"/>
-              </p:ext>
-            </p:extLst>
-          </p:nvPr>
-        </p:nvGraphicFramePr>
-        <p:xfrm>
-          <a:off x="265280" y="4419600"/>
-          <a:ext cx="7242175" cy="4009881"/>
-        </p:xfrm>
-        <a:graphic>
-          <a:graphicData uri="http://schemas.openxmlformats.org/drawingml/2006/table">
-            <a:tbl>
-              <a:tblPr/>
-              <a:tblGrid>
-                <a:gridCol w="357233">
-                  <a:extLst>
-                    <a:ext uri="{9D8B030D-6E8A-4147-A177-3AD203B41FA5}">
-                      <a16:colId xmlns:a16="http://schemas.microsoft.com/office/drawing/2014/main" val="3079068522"/>
-                    </a:ext>
-                  </a:extLst>
-                </a:gridCol>
-                <a:gridCol w="4699000">
-                  <a:extLst>
-                    <a:ext uri="{9D8B030D-6E8A-4147-A177-3AD203B41FA5}">
-                      <a16:colId xmlns:a16="http://schemas.microsoft.com/office/drawing/2014/main" val="1032043424"/>
-                    </a:ext>
-                  </a:extLst>
-                </a:gridCol>
-                <a:gridCol w="901487">
-                  <a:extLst>
-                    <a:ext uri="{9D8B030D-6E8A-4147-A177-3AD203B41FA5}">
-                      <a16:colId xmlns:a16="http://schemas.microsoft.com/office/drawing/2014/main" val="907581887"/>
-                    </a:ext>
-                  </a:extLst>
-                </a:gridCol>
-                <a:gridCol w="1284455">
-                  <a:extLst>
-                    <a:ext uri="{9D8B030D-6E8A-4147-A177-3AD203B41FA5}">
-                      <a16:colId xmlns:a16="http://schemas.microsoft.com/office/drawing/2014/main" val="3626420216"/>
-                    </a:ext>
-                  </a:extLst>
-                </a:gridCol>
-              </a:tblGrid>
-              <a:tr h="365032">
-                <a:tc>
-                  <a:txBody>
-                    <a:bodyPr/>
-                    <a:lstStyle/>
-                    <a:p>
-                      <a:pPr algn="ctr" fontAlgn="b"/>
-                      <a:r>
-                        <a:rPr lang="en-US" sz="1200" b="1" i="0" u="none" strike="noStrike" dirty="0">
-                          <a:solidFill>
-                            <a:schemeClr val="tx1"/>
-                          </a:solidFill>
-                          <a:effectLst/>
-                          <a:latin typeface="Calibri" panose="020F0502020204030204" pitchFamily="34" charset="0"/>
-                        </a:rPr>
-                        <a:t>S No</a:t>
-                      </a:r>
-                    </a:p>
-                  </a:txBody>
-                  <a:tcPr marL="5394" marR="5394" marT="5394" marB="0" anchor="b">
-                    <a:lnL w="12700" cap="flat" cmpd="sng" algn="ctr">
-                      <a:solidFill>
-                        <a:schemeClr val="tx1"/>
-                      </a:solidFill>
-                      <a:prstDash val="solid"/>
-                      <a:round/>
-                      <a:headEnd type="none" w="med" len="med"/>
-                      <a:tailEnd type="none" w="med" len="med"/>
-                    </a:lnL>
-                    <a:lnR w="12700" cap="flat" cmpd="sng" algn="ctr">
-                      <a:solidFill>
-                        <a:schemeClr val="tx1"/>
-                      </a:solidFill>
-                      <a:prstDash val="solid"/>
-                      <a:round/>
-                      <a:headEnd type="none" w="med" len="med"/>
-                      <a:tailEnd type="none" w="med" len="med"/>
-                    </a:lnR>
-                    <a:lnT w="12700" cap="flat" cmpd="sng" algn="ctr">
-                      <a:solidFill>
-                        <a:schemeClr val="tx1"/>
-                      </a:solidFill>
-                      <a:prstDash val="solid"/>
-                      <a:round/>
-                      <a:headEnd type="none" w="med" len="med"/>
-                      <a:tailEnd type="none" w="med" len="med"/>
-                    </a:lnT>
-                    <a:lnB w="12700" cap="flat" cmpd="sng" algn="ctr">
-                      <a:solidFill>
-                        <a:schemeClr val="tx1"/>
-                      </a:solidFill>
-                      <a:prstDash val="solid"/>
-                      <a:round/>
-                      <a:headEnd type="none" w="med" len="med"/>
-                      <a:tailEnd type="none" w="med" len="med"/>
-                    </a:lnB>
-                    <a:solidFill>
-                      <a:schemeClr val="lt1"/>
-                    </a:solidFill>
-                  </a:tcPr>
-                </a:tc>
-                <a:tc>
-                  <a:txBody>
-                    <a:bodyPr/>
-                    <a:lstStyle/>
-                    <a:p>
-                      <a:pPr algn="ctr" fontAlgn="b"/>
-                      <a:r>
-                        <a:rPr lang="en-US" sz="1200" b="1" i="0" u="none" strike="noStrike" dirty="0">
-                          <a:solidFill>
-                            <a:schemeClr val="tx1"/>
-                          </a:solidFill>
-                          <a:effectLst/>
-                          <a:latin typeface="Calibri" panose="020F0502020204030204" pitchFamily="34" charset="0"/>
-                        </a:rPr>
-                        <a:t>Assumptions</a:t>
-                      </a:r>
-                    </a:p>
-                  </a:txBody>
-                  <a:tcPr marL="5394" marR="5394" marT="5394" marB="0" anchor="b">
-                    <a:lnL w="12700" cap="flat" cmpd="sng" algn="ctr">
-                      <a:solidFill>
-                        <a:schemeClr val="tx1"/>
-                      </a:solidFill>
-                      <a:prstDash val="solid"/>
-                      <a:round/>
-                      <a:headEnd type="none" w="med" len="med"/>
-                      <a:tailEnd type="none" w="med" len="med"/>
-                    </a:lnL>
-                    <a:lnR w="12700" cap="flat" cmpd="sng" algn="ctr">
-                      <a:solidFill>
-                        <a:schemeClr val="tx1"/>
-                      </a:solidFill>
-                      <a:prstDash val="solid"/>
-                      <a:round/>
-                      <a:headEnd type="none" w="med" len="med"/>
-                      <a:tailEnd type="none" w="med" len="med"/>
-                    </a:lnR>
-                    <a:lnT w="12700" cap="flat" cmpd="sng" algn="ctr">
-                      <a:solidFill>
-                        <a:schemeClr val="tx1"/>
-                      </a:solidFill>
-                      <a:prstDash val="solid"/>
-                      <a:round/>
-                      <a:headEnd type="none" w="med" len="med"/>
-                      <a:tailEnd type="none" w="med" len="med"/>
-                    </a:lnT>
-                    <a:lnB w="12700" cap="flat" cmpd="sng" algn="ctr">
-                      <a:solidFill>
-                        <a:schemeClr val="tx1"/>
-                      </a:solidFill>
-                      <a:prstDash val="solid"/>
-                      <a:round/>
-                      <a:headEnd type="none" w="med" len="med"/>
-                      <a:tailEnd type="none" w="med" len="med"/>
-                    </a:lnB>
-                    <a:solidFill>
-                      <a:schemeClr val="lt1"/>
-                    </a:solidFill>
-                  </a:tcPr>
-                </a:tc>
-                <a:tc>
-                  <a:txBody>
-                    <a:bodyPr/>
-                    <a:lstStyle/>
-                    <a:p>
-                      <a:pPr algn="ctr" fontAlgn="b"/>
-                      <a:r>
-                        <a:rPr lang="en-US" sz="1200" b="1" i="0" u="none" strike="noStrike" dirty="0">
-                          <a:solidFill>
-                            <a:schemeClr val="tx1"/>
-                          </a:solidFill>
-                          <a:effectLst/>
-                          <a:latin typeface="Calibri" panose="020F0502020204030204" pitchFamily="34" charset="0"/>
-                        </a:rPr>
-                        <a:t>Case</a:t>
-                      </a:r>
-                    </a:p>
-                  </a:txBody>
-                  <a:tcPr marL="5394" marR="5394" marT="5394" marB="0" anchor="b">
-                    <a:lnL w="12700" cap="flat" cmpd="sng" algn="ctr">
-                      <a:solidFill>
-                        <a:schemeClr val="tx1"/>
-                      </a:solidFill>
-                      <a:prstDash val="solid"/>
-                      <a:round/>
-                      <a:headEnd type="none" w="med" len="med"/>
-                      <a:tailEnd type="none" w="med" len="med"/>
-                    </a:lnL>
-                    <a:lnR w="12700" cap="flat" cmpd="sng" algn="ctr">
-                      <a:solidFill>
-                        <a:schemeClr val="tx1"/>
-                      </a:solidFill>
-                      <a:prstDash val="solid"/>
-                      <a:round/>
-                      <a:headEnd type="none" w="med" len="med"/>
-                      <a:tailEnd type="none" w="med" len="med"/>
-                    </a:lnR>
-                    <a:lnT w="12700" cap="flat" cmpd="sng" algn="ctr">
-                      <a:solidFill>
-                        <a:schemeClr val="tx1"/>
-                      </a:solidFill>
-                      <a:prstDash val="solid"/>
-                      <a:round/>
-                      <a:headEnd type="none" w="med" len="med"/>
-                      <a:tailEnd type="none" w="med" len="med"/>
-                    </a:lnT>
-                    <a:lnB w="12700" cap="flat" cmpd="sng" algn="ctr">
-                      <a:solidFill>
-                        <a:schemeClr val="tx1"/>
-                      </a:solidFill>
-                      <a:prstDash val="solid"/>
-                      <a:round/>
-                      <a:headEnd type="none" w="med" len="med"/>
-                      <a:tailEnd type="none" w="med" len="med"/>
-                    </a:lnB>
-                    <a:solidFill>
-                      <a:schemeClr val="lt1"/>
-                    </a:solidFill>
-                  </a:tcPr>
-                </a:tc>
-                <a:tc>
-                  <a:txBody>
-                    <a:bodyPr/>
-                    <a:lstStyle/>
-                    <a:p>
-                      <a:pPr algn="ctr" fontAlgn="b"/>
-                      <a:r>
-                        <a:rPr lang="en-US" sz="1200" b="1" i="0" u="none" strike="noStrike" dirty="0">
-                          <a:solidFill>
-                            <a:schemeClr val="tx1"/>
-                          </a:solidFill>
-                          <a:effectLst/>
-                          <a:latin typeface="Calibri" panose="020F0502020204030204" pitchFamily="34" charset="0"/>
-                        </a:rPr>
-                        <a:t>Employee Hist Primary Key</a:t>
-                      </a:r>
-                    </a:p>
-                  </a:txBody>
-                  <a:tcPr marL="5394" marR="5394" marT="5394" marB="0" anchor="b">
-                    <a:lnL w="12700" cap="flat" cmpd="sng" algn="ctr">
-                      <a:solidFill>
-                        <a:schemeClr val="tx1"/>
-                      </a:solidFill>
-                      <a:prstDash val="solid"/>
-                      <a:round/>
-                      <a:headEnd type="none" w="med" len="med"/>
-                      <a:tailEnd type="none" w="med" len="med"/>
-                    </a:lnL>
-                    <a:lnR w="12700" cap="flat" cmpd="sng" algn="ctr">
-                      <a:solidFill>
-                        <a:schemeClr val="tx1"/>
-                      </a:solidFill>
-                      <a:prstDash val="solid"/>
-                      <a:round/>
-                      <a:headEnd type="none" w="med" len="med"/>
-                      <a:tailEnd type="none" w="med" len="med"/>
-                    </a:lnR>
-                    <a:lnT w="12700" cap="flat" cmpd="sng" algn="ctr">
-                      <a:solidFill>
-                        <a:schemeClr val="tx1"/>
-                      </a:solidFill>
-                      <a:prstDash val="solid"/>
-                      <a:round/>
-                      <a:headEnd type="none" w="med" len="med"/>
-                      <a:tailEnd type="none" w="med" len="med"/>
-                    </a:lnT>
-                    <a:lnB w="12700" cap="flat" cmpd="sng" algn="ctr">
-                      <a:solidFill>
-                        <a:schemeClr val="tx1"/>
-                      </a:solidFill>
-                      <a:prstDash val="solid"/>
-                      <a:round/>
-                      <a:headEnd type="none" w="med" len="med"/>
-                      <a:tailEnd type="none" w="med" len="med"/>
-                    </a:lnB>
-                    <a:solidFill>
-                      <a:schemeClr val="lt1"/>
-                    </a:solidFill>
-                  </a:tcPr>
-                </a:tc>
-                <a:extLst>
-                  <a:ext uri="{0D108BD9-81ED-4DB2-BD59-A6C34878D82A}">
-                    <a16:rowId xmlns:a16="http://schemas.microsoft.com/office/drawing/2014/main" val="2949236405"/>
-                  </a:ext>
-                </a:extLst>
-              </a:tr>
-              <a:tr h="1006376">
-                <a:tc>
-                  <a:txBody>
-                    <a:bodyPr/>
-                    <a:lstStyle/>
-                    <a:p>
-                      <a:pPr algn="ctr" fontAlgn="b"/>
-                      <a:r>
-                        <a:rPr lang="en-US" sz="1000" b="0" i="0" u="none" strike="noStrike" cap="none" dirty="0">
-                          <a:solidFill>
-                            <a:schemeClr val="tx1"/>
-                          </a:solidFill>
-                          <a:highlight>
-                            <a:srgbClr val="FFFFFF"/>
-                          </a:highlight>
-                          <a:latin typeface="Open Sans"/>
-                          <a:ea typeface="Open Sans"/>
-                          <a:cs typeface="Open Sans"/>
-                          <a:sym typeface="Open Sans Light"/>
-                        </a:rPr>
-                        <a:t>1</a:t>
-                      </a:r>
-                    </a:p>
-                  </a:txBody>
-                  <a:tcPr marL="5394" marR="5394" marT="5394" marB="0" anchor="ctr">
-                    <a:lnL w="12700" cap="flat" cmpd="sng" algn="ctr">
-                      <a:solidFill>
-                        <a:schemeClr val="tx1"/>
-                      </a:solidFill>
-                      <a:prstDash val="solid"/>
-                      <a:round/>
-                      <a:headEnd type="none" w="med" len="med"/>
-                      <a:tailEnd type="none" w="med" len="med"/>
-                    </a:lnL>
-                    <a:lnR w="12700" cap="flat" cmpd="sng" algn="ctr">
-                      <a:solidFill>
-                        <a:schemeClr val="tx1"/>
-                      </a:solidFill>
-                      <a:prstDash val="solid"/>
-                      <a:round/>
-                      <a:headEnd type="none" w="med" len="med"/>
-                      <a:tailEnd type="none" w="med" len="med"/>
-                    </a:lnR>
-                    <a:lnT w="12700" cap="flat" cmpd="sng" algn="ctr">
-                      <a:solidFill>
-                        <a:schemeClr val="tx1"/>
-                      </a:solidFill>
-                      <a:prstDash val="solid"/>
-                      <a:round/>
-                      <a:headEnd type="none" w="med" len="med"/>
-                      <a:tailEnd type="none" w="med" len="med"/>
-                    </a:lnT>
-                    <a:lnB w="12700" cap="flat" cmpd="sng" algn="ctr">
-                      <a:solidFill>
-                        <a:schemeClr val="tx1"/>
-                      </a:solidFill>
-                      <a:prstDash val="solid"/>
-                      <a:round/>
-                      <a:headEnd type="none" w="med" len="med"/>
-                      <a:tailEnd type="none" w="med" len="med"/>
-                    </a:lnB>
-                    <a:solidFill>
-                      <a:schemeClr val="lt1"/>
-                    </a:solidFill>
-                  </a:tcPr>
-                </a:tc>
-                <a:tc>
-                  <a:txBody>
-                    <a:bodyPr/>
-                    <a:lstStyle/>
-                    <a:p>
-                      <a:pPr algn="l" fontAlgn="b"/>
-                      <a:r>
-                        <a:rPr lang="en-US" sz="1000" b="0" i="0" u="none" strike="noStrike" cap="none" dirty="0">
-                          <a:solidFill>
-                            <a:schemeClr val="tx1"/>
-                          </a:solidFill>
-                          <a:highlight>
-                            <a:srgbClr val="FFFFFF"/>
-                          </a:highlight>
-                          <a:latin typeface="Open Sans"/>
-                          <a:ea typeface="Open Sans"/>
-                          <a:cs typeface="Open Sans"/>
-                          <a:sym typeface="Open Sans Light"/>
-                        </a:rPr>
-                        <a:t>Employee  department can change keeping all the other attribute same.  </a:t>
-                      </a:r>
-                      <a:br>
-                        <a:rPr lang="en-US" sz="1000" b="0" i="0" u="none" strike="noStrike" cap="none" dirty="0">
-                          <a:solidFill>
-                            <a:schemeClr val="tx1"/>
-                          </a:solidFill>
-                          <a:highlight>
-                            <a:srgbClr val="FFFFFF"/>
-                          </a:highlight>
-                          <a:latin typeface="Open Sans"/>
-                          <a:ea typeface="Open Sans"/>
-                          <a:cs typeface="Open Sans"/>
-                          <a:sym typeface="Open Sans Light"/>
-                        </a:rPr>
-                      </a:br>
-                      <a:r>
-                        <a:rPr lang="en-US" sz="1000" b="0" i="0" u="none" strike="noStrike" cap="none" dirty="0">
-                          <a:solidFill>
-                            <a:schemeClr val="tx1"/>
-                          </a:solidFill>
-                          <a:highlight>
-                            <a:srgbClr val="FFFFFF"/>
-                          </a:highlight>
-                          <a:latin typeface="Open Sans"/>
-                          <a:ea typeface="Open Sans"/>
-                          <a:cs typeface="Open Sans"/>
-                          <a:sym typeface="Open Sans Light"/>
-                        </a:rPr>
-                        <a:t>For e.g.,  Product Development and IT department have same job title "Design Engineer" and "Network Engineer" . So, employee may change department without a change in manager, job title, Address ,salary attribute change</a:t>
-                      </a:r>
-                    </a:p>
-                  </a:txBody>
-                  <a:tcPr marL="5394" marR="5394" marT="5394" marB="0" anchor="ctr">
-                    <a:lnL w="12700" cap="flat" cmpd="sng" algn="ctr">
-                      <a:solidFill>
-                        <a:schemeClr val="tx1"/>
-                      </a:solidFill>
-                      <a:prstDash val="solid"/>
-                      <a:round/>
-                      <a:headEnd type="none" w="med" len="med"/>
-                      <a:tailEnd type="none" w="med" len="med"/>
-                    </a:lnL>
-                    <a:lnR w="12700" cap="flat" cmpd="sng" algn="ctr">
-                      <a:solidFill>
-                        <a:schemeClr val="tx1"/>
-                      </a:solidFill>
-                      <a:prstDash val="solid"/>
-                      <a:round/>
-                      <a:headEnd type="none" w="med" len="med"/>
-                      <a:tailEnd type="none" w="med" len="med"/>
-                    </a:lnR>
-                    <a:lnT w="12700" cap="flat" cmpd="sng" algn="ctr">
-                      <a:solidFill>
-                        <a:schemeClr val="tx1"/>
-                      </a:solidFill>
-                      <a:prstDash val="solid"/>
-                      <a:round/>
-                      <a:headEnd type="none" w="med" len="med"/>
-                      <a:tailEnd type="none" w="med" len="med"/>
-                    </a:lnT>
-                    <a:lnB w="12700" cap="flat" cmpd="sng" algn="ctr">
-                      <a:solidFill>
-                        <a:schemeClr val="tx1"/>
-                      </a:solidFill>
-                      <a:prstDash val="solid"/>
-                      <a:round/>
-                      <a:headEnd type="none" w="med" len="med"/>
-                      <a:tailEnd type="none" w="med" len="med"/>
-                    </a:lnB>
-                    <a:solidFill>
-                      <a:schemeClr val="lt1"/>
-                    </a:solidFill>
-                  </a:tcPr>
-                </a:tc>
-                <a:tc>
-                  <a:txBody>
-                    <a:bodyPr/>
-                    <a:lstStyle/>
-                    <a:p>
-                      <a:pPr algn="ctr" fontAlgn="b"/>
-                      <a:r>
-                        <a:rPr lang="en-US" sz="1000" b="0" i="0" u="none" strike="noStrike" cap="none" dirty="0">
-                          <a:solidFill>
-                            <a:schemeClr val="tx1"/>
-                          </a:solidFill>
-                          <a:highlight>
-                            <a:srgbClr val="FFFFFF"/>
-                          </a:highlight>
-                          <a:latin typeface="Open Sans"/>
-                          <a:ea typeface="Open Sans"/>
-                          <a:cs typeface="Open Sans"/>
-                          <a:sym typeface="Open Sans Light"/>
-                        </a:rPr>
-                        <a:t>Department Change</a:t>
-                      </a:r>
-                    </a:p>
-                  </a:txBody>
-                  <a:tcPr marL="5394" marR="5394" marT="5394" marB="0" anchor="ctr">
-                    <a:lnL w="12700" cap="flat" cmpd="sng" algn="ctr">
-                      <a:solidFill>
-                        <a:schemeClr val="tx1"/>
-                      </a:solidFill>
-                      <a:prstDash val="solid"/>
-                      <a:round/>
-                      <a:headEnd type="none" w="med" len="med"/>
-                      <a:tailEnd type="none" w="med" len="med"/>
-                    </a:lnL>
-                    <a:lnR w="12700" cap="flat" cmpd="sng" algn="ctr">
-                      <a:solidFill>
-                        <a:schemeClr val="tx1"/>
-                      </a:solidFill>
-                      <a:prstDash val="solid"/>
-                      <a:round/>
-                      <a:headEnd type="none" w="med" len="med"/>
-                      <a:tailEnd type="none" w="med" len="med"/>
-                    </a:lnR>
-                    <a:lnT w="12700" cap="flat" cmpd="sng" algn="ctr">
-                      <a:solidFill>
-                        <a:schemeClr val="tx1"/>
-                      </a:solidFill>
-                      <a:prstDash val="solid"/>
-                      <a:round/>
-                      <a:headEnd type="none" w="med" len="med"/>
-                      <a:tailEnd type="none" w="med" len="med"/>
-                    </a:lnT>
-                    <a:lnB w="12700" cap="flat" cmpd="sng" algn="ctr">
-                      <a:solidFill>
-                        <a:schemeClr val="tx1"/>
-                      </a:solidFill>
-                      <a:prstDash val="solid"/>
-                      <a:round/>
-                      <a:headEnd type="none" w="med" len="med"/>
-                      <a:tailEnd type="none" w="med" len="med"/>
-                    </a:lnB>
-                    <a:solidFill>
-                      <a:schemeClr val="lt1"/>
-                    </a:solidFill>
-                  </a:tcPr>
-                </a:tc>
-                <a:tc>
-                  <a:txBody>
-                    <a:bodyPr/>
-                    <a:lstStyle/>
-                    <a:p>
-                      <a:pPr algn="ctr" fontAlgn="b"/>
-                      <a:r>
-                        <a:rPr lang="en-US" sz="1000" b="0" i="0" u="none" strike="noStrike" cap="none" dirty="0">
-                          <a:solidFill>
-                            <a:schemeClr val="tx1"/>
-                          </a:solidFill>
-                          <a:highlight>
-                            <a:srgbClr val="FFFFFF"/>
-                          </a:highlight>
-                          <a:latin typeface="Open Sans"/>
-                          <a:ea typeface="Open Sans"/>
-                          <a:cs typeface="Open Sans"/>
-                          <a:sym typeface="Open Sans Light"/>
-                        </a:rPr>
-                        <a:t>Yes</a:t>
-                      </a:r>
-                    </a:p>
-                  </a:txBody>
-                  <a:tcPr marL="5394" marR="5394" marT="5394" marB="0" anchor="ctr">
-                    <a:lnL w="12700" cap="flat" cmpd="sng" algn="ctr">
-                      <a:solidFill>
-                        <a:schemeClr val="tx1"/>
-                      </a:solidFill>
-                      <a:prstDash val="solid"/>
-                      <a:round/>
-                      <a:headEnd type="none" w="med" len="med"/>
-                      <a:tailEnd type="none" w="med" len="med"/>
-                    </a:lnL>
-                    <a:lnR w="12700" cap="flat" cmpd="sng" algn="ctr">
-                      <a:solidFill>
-                        <a:schemeClr val="tx1"/>
-                      </a:solidFill>
-                      <a:prstDash val="solid"/>
-                      <a:round/>
-                      <a:headEnd type="none" w="med" len="med"/>
-                      <a:tailEnd type="none" w="med" len="med"/>
-                    </a:lnR>
-                    <a:lnT w="12700" cap="flat" cmpd="sng" algn="ctr">
-                      <a:solidFill>
-                        <a:schemeClr val="tx1"/>
-                      </a:solidFill>
-                      <a:prstDash val="solid"/>
-                      <a:round/>
-                      <a:headEnd type="none" w="med" len="med"/>
-                      <a:tailEnd type="none" w="med" len="med"/>
-                    </a:lnT>
-                    <a:lnB w="12700" cap="flat" cmpd="sng" algn="ctr">
-                      <a:solidFill>
-                        <a:schemeClr val="tx1"/>
-                      </a:solidFill>
-                      <a:prstDash val="solid"/>
-                      <a:round/>
-                      <a:headEnd type="none" w="med" len="med"/>
-                      <a:tailEnd type="none" w="med" len="med"/>
-                    </a:lnB>
-                    <a:solidFill>
-                      <a:schemeClr val="lt1"/>
-                    </a:solidFill>
-                  </a:tcPr>
-                </a:tc>
-                <a:extLst>
-                  <a:ext uri="{0D108BD9-81ED-4DB2-BD59-A6C34878D82A}">
-                    <a16:rowId xmlns:a16="http://schemas.microsoft.com/office/drawing/2014/main" val="2840013262"/>
-                  </a:ext>
-                </a:extLst>
-              </a:tr>
-              <a:tr h="720156">
-                <a:tc>
-                  <a:txBody>
-                    <a:bodyPr/>
-                    <a:lstStyle/>
-                    <a:p>
-                      <a:pPr algn="ctr" fontAlgn="b"/>
-                      <a:r>
-                        <a:rPr lang="en-US" sz="1000" b="0" i="0" u="none" strike="noStrike" cap="none" dirty="0">
-                          <a:solidFill>
-                            <a:schemeClr val="tx1"/>
-                          </a:solidFill>
-                          <a:highlight>
-                            <a:srgbClr val="FFFFFF"/>
-                          </a:highlight>
-                          <a:latin typeface="Open Sans"/>
-                          <a:ea typeface="Open Sans"/>
-                          <a:cs typeface="Open Sans"/>
-                          <a:sym typeface="Open Sans Light"/>
-                        </a:rPr>
-                        <a:t>2</a:t>
-                      </a:r>
-                    </a:p>
-                  </a:txBody>
-                  <a:tcPr marL="5394" marR="5394" marT="5394" marB="0" anchor="ctr">
-                    <a:lnL w="12700" cap="flat" cmpd="sng" algn="ctr">
-                      <a:solidFill>
-                        <a:schemeClr val="tx1"/>
-                      </a:solidFill>
-                      <a:prstDash val="solid"/>
-                      <a:round/>
-                      <a:headEnd type="none" w="med" len="med"/>
-                      <a:tailEnd type="none" w="med" len="med"/>
-                    </a:lnL>
-                    <a:lnR w="12700" cap="flat" cmpd="sng" algn="ctr">
-                      <a:solidFill>
-                        <a:schemeClr val="tx1"/>
-                      </a:solidFill>
-                      <a:prstDash val="solid"/>
-                      <a:round/>
-                      <a:headEnd type="none" w="med" len="med"/>
-                      <a:tailEnd type="none" w="med" len="med"/>
-                    </a:lnR>
-                    <a:lnT w="12700" cap="flat" cmpd="sng" algn="ctr">
-                      <a:solidFill>
-                        <a:schemeClr val="tx1"/>
-                      </a:solidFill>
-                      <a:prstDash val="solid"/>
-                      <a:round/>
-                      <a:headEnd type="none" w="med" len="med"/>
-                      <a:tailEnd type="none" w="med" len="med"/>
-                    </a:lnT>
-                    <a:lnB w="12700" cap="flat" cmpd="sng" algn="ctr">
-                      <a:solidFill>
-                        <a:schemeClr val="tx1"/>
-                      </a:solidFill>
-                      <a:prstDash val="solid"/>
-                      <a:round/>
-                      <a:headEnd type="none" w="med" len="med"/>
-                      <a:tailEnd type="none" w="med" len="med"/>
-                    </a:lnB>
-                    <a:solidFill>
-                      <a:schemeClr val="lt1"/>
-                    </a:solidFill>
-                  </a:tcPr>
-                </a:tc>
-                <a:tc>
-                  <a:txBody>
-                    <a:bodyPr/>
-                    <a:lstStyle/>
-                    <a:p>
-                      <a:pPr algn="l" fontAlgn="b"/>
-                      <a:r>
-                        <a:rPr lang="en-US" sz="1000" b="0" i="0" u="none" strike="noStrike" cap="none" dirty="0">
-                          <a:solidFill>
-                            <a:schemeClr val="tx1"/>
-                          </a:solidFill>
-                          <a:highlight>
-                            <a:srgbClr val="FFFFFF"/>
-                          </a:highlight>
-                          <a:latin typeface="Open Sans"/>
-                          <a:ea typeface="Open Sans"/>
-                          <a:cs typeface="Open Sans"/>
-                          <a:sym typeface="Open Sans Light"/>
-                        </a:rPr>
-                        <a:t>Employee job title may change keeping all the other attributes same. </a:t>
-                      </a:r>
-                      <a:br>
-                        <a:rPr lang="en-US" sz="1000" b="0" i="0" u="none" strike="noStrike" cap="none" dirty="0">
-                          <a:solidFill>
-                            <a:schemeClr val="tx1"/>
-                          </a:solidFill>
-                          <a:highlight>
-                            <a:srgbClr val="FFFFFF"/>
-                          </a:highlight>
-                          <a:latin typeface="Open Sans"/>
-                          <a:ea typeface="Open Sans"/>
-                          <a:cs typeface="Open Sans"/>
-                          <a:sym typeface="Open Sans Light"/>
-                        </a:rPr>
-                      </a:br>
-                      <a:r>
-                        <a:rPr lang="en-US" sz="1000" b="0" i="0" u="none" strike="noStrike" cap="none" dirty="0">
-                          <a:solidFill>
-                            <a:schemeClr val="tx1"/>
-                          </a:solidFill>
-                          <a:highlight>
-                            <a:srgbClr val="FFFFFF"/>
-                          </a:highlight>
-                          <a:latin typeface="Open Sans"/>
-                          <a:ea typeface="Open Sans"/>
-                          <a:cs typeface="Open Sans"/>
-                          <a:sym typeface="Open Sans Light"/>
-                        </a:rPr>
-                        <a:t>For Ex,  Employee may draw the same salary and be in same department even after changing the job title.</a:t>
-                      </a:r>
-                    </a:p>
-                  </a:txBody>
-                  <a:tcPr marL="5394" marR="5394" marT="5394" marB="0" anchor="ctr">
-                    <a:lnL w="12700" cap="flat" cmpd="sng" algn="ctr">
-                      <a:solidFill>
-                        <a:schemeClr val="tx1"/>
-                      </a:solidFill>
-                      <a:prstDash val="solid"/>
-                      <a:round/>
-                      <a:headEnd type="none" w="med" len="med"/>
-                      <a:tailEnd type="none" w="med" len="med"/>
-                    </a:lnL>
-                    <a:lnR w="12700" cap="flat" cmpd="sng" algn="ctr">
-                      <a:solidFill>
-                        <a:schemeClr val="tx1"/>
-                      </a:solidFill>
-                      <a:prstDash val="solid"/>
-                      <a:round/>
-                      <a:headEnd type="none" w="med" len="med"/>
-                      <a:tailEnd type="none" w="med" len="med"/>
-                    </a:lnR>
-                    <a:lnT w="12700" cap="flat" cmpd="sng" algn="ctr">
-                      <a:solidFill>
-                        <a:schemeClr val="tx1"/>
-                      </a:solidFill>
-                      <a:prstDash val="solid"/>
-                      <a:round/>
-                      <a:headEnd type="none" w="med" len="med"/>
-                      <a:tailEnd type="none" w="med" len="med"/>
-                    </a:lnT>
-                    <a:lnB w="12700" cap="flat" cmpd="sng" algn="ctr">
-                      <a:solidFill>
-                        <a:schemeClr val="tx1"/>
-                      </a:solidFill>
-                      <a:prstDash val="solid"/>
-                      <a:round/>
-                      <a:headEnd type="none" w="med" len="med"/>
-                      <a:tailEnd type="none" w="med" len="med"/>
-                    </a:lnB>
-                    <a:solidFill>
-                      <a:schemeClr val="lt1"/>
-                    </a:solidFill>
-                  </a:tcPr>
-                </a:tc>
-                <a:tc>
-                  <a:txBody>
-                    <a:bodyPr/>
-                    <a:lstStyle/>
-                    <a:p>
-                      <a:pPr algn="ctr" fontAlgn="b"/>
-                      <a:r>
-                        <a:rPr lang="en-US" sz="1000" b="0" i="0" u="none" strike="noStrike" cap="none" dirty="0">
-                          <a:solidFill>
-                            <a:schemeClr val="tx1"/>
-                          </a:solidFill>
-                          <a:highlight>
-                            <a:srgbClr val="FFFFFF"/>
-                          </a:highlight>
-                          <a:latin typeface="Open Sans"/>
-                          <a:ea typeface="Open Sans"/>
-                          <a:cs typeface="Open Sans"/>
-                          <a:sym typeface="Open Sans Light"/>
-                        </a:rPr>
-                        <a:t>Job Title Change</a:t>
-                      </a:r>
-                    </a:p>
-                  </a:txBody>
-                  <a:tcPr marL="5394" marR="5394" marT="5394" marB="0" anchor="ctr">
-                    <a:lnL w="12700" cap="flat" cmpd="sng" algn="ctr">
-                      <a:solidFill>
-                        <a:schemeClr val="tx1"/>
-                      </a:solidFill>
-                      <a:prstDash val="solid"/>
-                      <a:round/>
-                      <a:headEnd type="none" w="med" len="med"/>
-                      <a:tailEnd type="none" w="med" len="med"/>
-                    </a:lnL>
-                    <a:lnR w="12700" cap="flat" cmpd="sng" algn="ctr">
-                      <a:solidFill>
-                        <a:schemeClr val="tx1"/>
-                      </a:solidFill>
-                      <a:prstDash val="solid"/>
-                      <a:round/>
-                      <a:headEnd type="none" w="med" len="med"/>
-                      <a:tailEnd type="none" w="med" len="med"/>
-                    </a:lnR>
-                    <a:lnT w="12700" cap="flat" cmpd="sng" algn="ctr">
-                      <a:solidFill>
-                        <a:schemeClr val="tx1"/>
-                      </a:solidFill>
-                      <a:prstDash val="solid"/>
-                      <a:round/>
-                      <a:headEnd type="none" w="med" len="med"/>
-                      <a:tailEnd type="none" w="med" len="med"/>
-                    </a:lnT>
-                    <a:lnB w="12700" cap="flat" cmpd="sng" algn="ctr">
-                      <a:solidFill>
-                        <a:schemeClr val="tx1"/>
-                      </a:solidFill>
-                      <a:prstDash val="solid"/>
-                      <a:round/>
-                      <a:headEnd type="none" w="med" len="med"/>
-                      <a:tailEnd type="none" w="med" len="med"/>
-                    </a:lnB>
-                    <a:solidFill>
-                      <a:schemeClr val="lt1"/>
-                    </a:solidFill>
-                  </a:tcPr>
-                </a:tc>
-                <a:tc>
-                  <a:txBody>
-                    <a:bodyPr/>
-                    <a:lstStyle/>
-                    <a:p>
-                      <a:pPr algn="ctr" fontAlgn="b"/>
-                      <a:r>
-                        <a:rPr lang="en-US" sz="1000" b="0" i="0" u="none" strike="noStrike" cap="none" dirty="0">
-                          <a:solidFill>
-                            <a:schemeClr val="tx1"/>
-                          </a:solidFill>
-                          <a:highlight>
-                            <a:srgbClr val="FFFFFF"/>
-                          </a:highlight>
-                          <a:latin typeface="Open Sans"/>
-                          <a:ea typeface="Open Sans"/>
-                          <a:cs typeface="Open Sans"/>
-                          <a:sym typeface="Open Sans Light"/>
-                        </a:rPr>
-                        <a:t>Yes</a:t>
-                      </a:r>
-                    </a:p>
-                  </a:txBody>
-                  <a:tcPr marL="5394" marR="5394" marT="5394" marB="0" anchor="ctr">
-                    <a:lnL w="12700" cap="flat" cmpd="sng" algn="ctr">
-                      <a:solidFill>
-                        <a:schemeClr val="tx1"/>
-                      </a:solidFill>
-                      <a:prstDash val="solid"/>
-                      <a:round/>
-                      <a:headEnd type="none" w="med" len="med"/>
-                      <a:tailEnd type="none" w="med" len="med"/>
-                    </a:lnL>
-                    <a:lnR w="12700" cap="flat" cmpd="sng" algn="ctr">
-                      <a:solidFill>
-                        <a:schemeClr val="tx1"/>
-                      </a:solidFill>
-                      <a:prstDash val="solid"/>
-                      <a:round/>
-                      <a:headEnd type="none" w="med" len="med"/>
-                      <a:tailEnd type="none" w="med" len="med"/>
-                    </a:lnR>
-                    <a:lnT w="12700" cap="flat" cmpd="sng" algn="ctr">
-                      <a:solidFill>
-                        <a:schemeClr val="tx1"/>
-                      </a:solidFill>
-                      <a:prstDash val="solid"/>
-                      <a:round/>
-                      <a:headEnd type="none" w="med" len="med"/>
-                      <a:tailEnd type="none" w="med" len="med"/>
-                    </a:lnT>
-                    <a:lnB w="12700" cap="flat" cmpd="sng" algn="ctr">
-                      <a:solidFill>
-                        <a:schemeClr val="tx1"/>
-                      </a:solidFill>
-                      <a:prstDash val="solid"/>
-                      <a:round/>
-                      <a:headEnd type="none" w="med" len="med"/>
-                      <a:tailEnd type="none" w="med" len="med"/>
-                    </a:lnB>
-                    <a:solidFill>
-                      <a:schemeClr val="lt1"/>
-                    </a:solidFill>
-                  </a:tcPr>
-                </a:tc>
-                <a:extLst>
-                  <a:ext uri="{0D108BD9-81ED-4DB2-BD59-A6C34878D82A}">
-                    <a16:rowId xmlns:a16="http://schemas.microsoft.com/office/drawing/2014/main" val="2481423283"/>
-                  </a:ext>
-                </a:extLst>
-              </a:tr>
-              <a:tr h="863266">
-                <a:tc>
-                  <a:txBody>
-                    <a:bodyPr/>
-                    <a:lstStyle/>
-                    <a:p>
-                      <a:pPr algn="ctr" fontAlgn="b"/>
-                      <a:r>
-                        <a:rPr lang="en-US" sz="1000" b="0" i="0" u="none" strike="noStrike" cap="none" dirty="0">
-                          <a:solidFill>
-                            <a:schemeClr val="tx1"/>
-                          </a:solidFill>
-                          <a:highlight>
-                            <a:srgbClr val="FFFFFF"/>
-                          </a:highlight>
-                          <a:latin typeface="Open Sans"/>
-                          <a:ea typeface="Open Sans"/>
-                          <a:cs typeface="Open Sans"/>
-                          <a:sym typeface="Open Sans Light"/>
-                        </a:rPr>
-                        <a:t>3</a:t>
-                      </a:r>
-                    </a:p>
-                  </a:txBody>
-                  <a:tcPr marL="5394" marR="5394" marT="5394" marB="0" anchor="ctr">
-                    <a:lnL w="12700" cap="flat" cmpd="sng" algn="ctr">
-                      <a:solidFill>
-                        <a:schemeClr val="tx1"/>
-                      </a:solidFill>
-                      <a:prstDash val="solid"/>
-                      <a:round/>
-                      <a:headEnd type="none" w="med" len="med"/>
-                      <a:tailEnd type="none" w="med" len="med"/>
-                    </a:lnL>
-                    <a:lnR w="12700" cap="flat" cmpd="sng" algn="ctr">
-                      <a:solidFill>
-                        <a:schemeClr val="tx1"/>
-                      </a:solidFill>
-                      <a:prstDash val="solid"/>
-                      <a:round/>
-                      <a:headEnd type="none" w="med" len="med"/>
-                      <a:tailEnd type="none" w="med" len="med"/>
-                    </a:lnR>
-                    <a:lnT w="12700" cap="flat" cmpd="sng" algn="ctr">
-                      <a:solidFill>
-                        <a:schemeClr val="tx1"/>
-                      </a:solidFill>
-                      <a:prstDash val="solid"/>
-                      <a:round/>
-                      <a:headEnd type="none" w="med" len="med"/>
-                      <a:tailEnd type="none" w="med" len="med"/>
-                    </a:lnT>
-                    <a:lnB w="12700" cap="flat" cmpd="sng" algn="ctr">
-                      <a:solidFill>
-                        <a:schemeClr val="tx1"/>
-                      </a:solidFill>
-                      <a:prstDash val="solid"/>
-                      <a:round/>
-                      <a:headEnd type="none" w="med" len="med"/>
-                      <a:tailEnd type="none" w="med" len="med"/>
-                    </a:lnB>
-                    <a:solidFill>
-                      <a:schemeClr val="lt1"/>
-                    </a:solidFill>
-                  </a:tcPr>
-                </a:tc>
-                <a:tc>
-                  <a:txBody>
-                    <a:bodyPr/>
-                    <a:lstStyle/>
-                    <a:p>
-                      <a:pPr algn="l" fontAlgn="b"/>
-                      <a:r>
-                        <a:rPr lang="en-US" sz="1000" b="0" i="0" u="none" strike="noStrike" cap="none" dirty="0">
-                          <a:solidFill>
-                            <a:schemeClr val="tx1"/>
-                          </a:solidFill>
-                          <a:highlight>
-                            <a:srgbClr val="FFFFFF"/>
-                          </a:highlight>
-                          <a:latin typeface="Open Sans"/>
-                          <a:ea typeface="Open Sans"/>
-                          <a:cs typeface="Open Sans"/>
-                          <a:sym typeface="Open Sans Light"/>
-                        </a:rPr>
-                        <a:t>Employee can move to different manager keeping all the other attributes same. </a:t>
-                      </a:r>
-                      <a:br>
-                        <a:rPr lang="en-US" sz="1000" b="0" i="0" u="none" strike="noStrike" cap="none" dirty="0">
-                          <a:solidFill>
-                            <a:schemeClr val="tx1"/>
-                          </a:solidFill>
-                          <a:highlight>
-                            <a:srgbClr val="FFFFFF"/>
-                          </a:highlight>
-                          <a:latin typeface="Open Sans"/>
-                          <a:ea typeface="Open Sans"/>
-                          <a:cs typeface="Open Sans"/>
-                          <a:sym typeface="Open Sans Light"/>
-                        </a:rPr>
-                      </a:br>
-                      <a:r>
-                        <a:rPr lang="en-US" sz="1000" b="0" i="0" u="none" strike="noStrike" cap="none" dirty="0">
-                          <a:solidFill>
-                            <a:schemeClr val="tx1"/>
-                          </a:solidFill>
-                          <a:highlight>
-                            <a:srgbClr val="FFFFFF"/>
-                          </a:highlight>
-                          <a:latin typeface="Open Sans"/>
-                          <a:ea typeface="Open Sans"/>
-                          <a:cs typeface="Open Sans"/>
-                          <a:sym typeface="Open Sans Light"/>
-                        </a:rPr>
-                        <a:t>For ex, Employee may get transferred from manager  "Tyrone Hutchison" to  "Allison Gentle" both of whom department is "Distribution". </a:t>
-                      </a:r>
-                    </a:p>
-                  </a:txBody>
-                  <a:tcPr marL="5394" marR="5394" marT="5394" marB="0" anchor="ctr">
-                    <a:lnL w="12700" cap="flat" cmpd="sng" algn="ctr">
-                      <a:solidFill>
-                        <a:schemeClr val="tx1"/>
-                      </a:solidFill>
-                      <a:prstDash val="solid"/>
-                      <a:round/>
-                      <a:headEnd type="none" w="med" len="med"/>
-                      <a:tailEnd type="none" w="med" len="med"/>
-                    </a:lnL>
-                    <a:lnR w="12700" cap="flat" cmpd="sng" algn="ctr">
-                      <a:solidFill>
-                        <a:schemeClr val="tx1"/>
-                      </a:solidFill>
-                      <a:prstDash val="solid"/>
-                      <a:round/>
-                      <a:headEnd type="none" w="med" len="med"/>
-                      <a:tailEnd type="none" w="med" len="med"/>
-                    </a:lnR>
-                    <a:lnT w="12700" cap="flat" cmpd="sng" algn="ctr">
-                      <a:solidFill>
-                        <a:schemeClr val="tx1"/>
-                      </a:solidFill>
-                      <a:prstDash val="solid"/>
-                      <a:round/>
-                      <a:headEnd type="none" w="med" len="med"/>
-                      <a:tailEnd type="none" w="med" len="med"/>
-                    </a:lnT>
-                    <a:lnB w="12700" cap="flat" cmpd="sng" algn="ctr">
-                      <a:solidFill>
-                        <a:schemeClr val="tx1"/>
-                      </a:solidFill>
-                      <a:prstDash val="solid"/>
-                      <a:round/>
-                      <a:headEnd type="none" w="med" len="med"/>
-                      <a:tailEnd type="none" w="med" len="med"/>
-                    </a:lnB>
-                    <a:solidFill>
-                      <a:schemeClr val="lt1"/>
-                    </a:solidFill>
-                  </a:tcPr>
-                </a:tc>
-                <a:tc>
-                  <a:txBody>
-                    <a:bodyPr/>
-                    <a:lstStyle/>
-                    <a:p>
-                      <a:pPr algn="ctr" fontAlgn="b"/>
-                      <a:r>
-                        <a:rPr lang="en-US" sz="1000" b="0" i="0" u="none" strike="noStrike" cap="none" dirty="0">
-                          <a:solidFill>
-                            <a:schemeClr val="tx1"/>
-                          </a:solidFill>
-                          <a:highlight>
-                            <a:srgbClr val="FFFFFF"/>
-                          </a:highlight>
-                          <a:latin typeface="Open Sans"/>
-                          <a:ea typeface="Open Sans"/>
-                          <a:cs typeface="Open Sans"/>
-                          <a:sym typeface="Open Sans Light"/>
-                        </a:rPr>
-                        <a:t>Manager Change</a:t>
-                      </a:r>
-                    </a:p>
-                  </a:txBody>
-                  <a:tcPr marL="5394" marR="5394" marT="5394" marB="0" anchor="ctr">
-                    <a:lnL w="12700" cap="flat" cmpd="sng" algn="ctr">
-                      <a:solidFill>
-                        <a:schemeClr val="tx1"/>
-                      </a:solidFill>
-                      <a:prstDash val="solid"/>
-                      <a:round/>
-                      <a:headEnd type="none" w="med" len="med"/>
-                      <a:tailEnd type="none" w="med" len="med"/>
-                    </a:lnL>
-                    <a:lnR w="12700" cap="flat" cmpd="sng" algn="ctr">
-                      <a:solidFill>
-                        <a:schemeClr val="tx1"/>
-                      </a:solidFill>
-                      <a:prstDash val="solid"/>
-                      <a:round/>
-                      <a:headEnd type="none" w="med" len="med"/>
-                      <a:tailEnd type="none" w="med" len="med"/>
-                    </a:lnR>
-                    <a:lnT w="12700" cap="flat" cmpd="sng" algn="ctr">
-                      <a:solidFill>
-                        <a:schemeClr val="tx1"/>
-                      </a:solidFill>
-                      <a:prstDash val="solid"/>
-                      <a:round/>
-                      <a:headEnd type="none" w="med" len="med"/>
-                      <a:tailEnd type="none" w="med" len="med"/>
-                    </a:lnT>
-                    <a:lnB w="12700" cap="flat" cmpd="sng" algn="ctr">
-                      <a:solidFill>
-                        <a:schemeClr val="tx1"/>
-                      </a:solidFill>
-                      <a:prstDash val="solid"/>
-                      <a:round/>
-                      <a:headEnd type="none" w="med" len="med"/>
-                      <a:tailEnd type="none" w="med" len="med"/>
-                    </a:lnB>
-                    <a:solidFill>
-                      <a:schemeClr val="lt1"/>
-                    </a:solidFill>
-                  </a:tcPr>
-                </a:tc>
-                <a:tc>
-                  <a:txBody>
-                    <a:bodyPr/>
-                    <a:lstStyle/>
-                    <a:p>
-                      <a:pPr algn="ctr" fontAlgn="b"/>
-                      <a:r>
-                        <a:rPr lang="en-US" sz="1000" b="0" i="0" u="none" strike="noStrike" cap="none" dirty="0">
-                          <a:solidFill>
-                            <a:schemeClr val="tx1"/>
-                          </a:solidFill>
-                          <a:highlight>
-                            <a:srgbClr val="FFFFFF"/>
-                          </a:highlight>
-                          <a:latin typeface="Open Sans"/>
-                          <a:ea typeface="Open Sans"/>
-                          <a:cs typeface="Open Sans"/>
-                          <a:sym typeface="Open Sans Light"/>
-                        </a:rPr>
-                        <a:t>Yes</a:t>
-                      </a:r>
-                    </a:p>
-                  </a:txBody>
-                  <a:tcPr marL="5394" marR="5394" marT="5394" marB="0" anchor="ctr">
-                    <a:lnL w="12700" cap="flat" cmpd="sng" algn="ctr">
-                      <a:solidFill>
-                        <a:schemeClr val="tx1"/>
-                      </a:solidFill>
-                      <a:prstDash val="solid"/>
-                      <a:round/>
-                      <a:headEnd type="none" w="med" len="med"/>
-                      <a:tailEnd type="none" w="med" len="med"/>
-                    </a:lnL>
-                    <a:lnR w="12700" cap="flat" cmpd="sng" algn="ctr">
-                      <a:solidFill>
-                        <a:schemeClr val="tx1"/>
-                      </a:solidFill>
-                      <a:prstDash val="solid"/>
-                      <a:round/>
-                      <a:headEnd type="none" w="med" len="med"/>
-                      <a:tailEnd type="none" w="med" len="med"/>
-                    </a:lnR>
-                    <a:lnT w="12700" cap="flat" cmpd="sng" algn="ctr">
-                      <a:solidFill>
-                        <a:schemeClr val="tx1"/>
-                      </a:solidFill>
-                      <a:prstDash val="solid"/>
-                      <a:round/>
-                      <a:headEnd type="none" w="med" len="med"/>
-                      <a:tailEnd type="none" w="med" len="med"/>
-                    </a:lnT>
-                    <a:lnB w="12700" cap="flat" cmpd="sng" algn="ctr">
-                      <a:solidFill>
-                        <a:schemeClr val="tx1"/>
-                      </a:solidFill>
-                      <a:prstDash val="solid"/>
-                      <a:round/>
-                      <a:headEnd type="none" w="med" len="med"/>
-                      <a:tailEnd type="none" w="med" len="med"/>
-                    </a:lnB>
-                    <a:solidFill>
-                      <a:schemeClr val="lt1"/>
-                    </a:solidFill>
-                  </a:tcPr>
-                </a:tc>
-                <a:extLst>
-                  <a:ext uri="{0D108BD9-81ED-4DB2-BD59-A6C34878D82A}">
-                    <a16:rowId xmlns:a16="http://schemas.microsoft.com/office/drawing/2014/main" val="1521843540"/>
-                  </a:ext>
-                </a:extLst>
-              </a:tr>
-              <a:tr h="433935">
-                <a:tc>
-                  <a:txBody>
-                    <a:bodyPr/>
-                    <a:lstStyle/>
-                    <a:p>
-                      <a:pPr algn="ctr" fontAlgn="b"/>
-                      <a:r>
-                        <a:rPr lang="en-US" sz="1000" b="0" i="0" u="none" strike="noStrike" cap="none" dirty="0">
-                          <a:solidFill>
-                            <a:schemeClr val="tx1"/>
-                          </a:solidFill>
-                          <a:highlight>
-                            <a:srgbClr val="FFFFFF"/>
-                          </a:highlight>
-                          <a:latin typeface="Open Sans"/>
-                          <a:ea typeface="Open Sans"/>
-                          <a:cs typeface="Open Sans"/>
-                          <a:sym typeface="Open Sans Light"/>
-                        </a:rPr>
-                        <a:t>4</a:t>
-                      </a:r>
-                    </a:p>
-                  </a:txBody>
-                  <a:tcPr marL="5394" marR="5394" marT="5394" marB="0" anchor="ctr">
-                    <a:lnL w="12700" cap="flat" cmpd="sng" algn="ctr">
-                      <a:solidFill>
-                        <a:schemeClr val="tx1"/>
-                      </a:solidFill>
-                      <a:prstDash val="solid"/>
-                      <a:round/>
-                      <a:headEnd type="none" w="med" len="med"/>
-                      <a:tailEnd type="none" w="med" len="med"/>
-                    </a:lnL>
-                    <a:lnR w="12700" cap="flat" cmpd="sng" algn="ctr">
-                      <a:solidFill>
-                        <a:schemeClr val="tx1"/>
-                      </a:solidFill>
-                      <a:prstDash val="solid"/>
-                      <a:round/>
-                      <a:headEnd type="none" w="med" len="med"/>
-                      <a:tailEnd type="none" w="med" len="med"/>
-                    </a:lnR>
-                    <a:lnT w="12700" cap="flat" cmpd="sng" algn="ctr">
-                      <a:solidFill>
-                        <a:schemeClr val="tx1"/>
-                      </a:solidFill>
-                      <a:prstDash val="solid"/>
-                      <a:round/>
-                      <a:headEnd type="none" w="med" len="med"/>
-                      <a:tailEnd type="none" w="med" len="med"/>
-                    </a:lnT>
-                    <a:lnB w="12700" cap="flat" cmpd="sng" algn="ctr">
-                      <a:solidFill>
-                        <a:schemeClr val="tx1"/>
-                      </a:solidFill>
-                      <a:prstDash val="solid"/>
-                      <a:round/>
-                      <a:headEnd type="none" w="med" len="med"/>
-                      <a:tailEnd type="none" w="med" len="med"/>
-                    </a:lnB>
-                    <a:solidFill>
-                      <a:schemeClr val="lt1"/>
-                    </a:solidFill>
-                  </a:tcPr>
-                </a:tc>
-                <a:tc>
-                  <a:txBody>
-                    <a:bodyPr/>
-                    <a:lstStyle/>
-                    <a:p>
-                      <a:pPr algn="l" fontAlgn="b"/>
-                      <a:r>
-                        <a:rPr lang="en-US" sz="1000" b="0" i="0" u="none" strike="noStrike" cap="none" dirty="0">
-                          <a:solidFill>
-                            <a:schemeClr val="tx1"/>
-                          </a:solidFill>
-                          <a:highlight>
-                            <a:srgbClr val="FFFFFF"/>
-                          </a:highlight>
-                          <a:latin typeface="Open Sans"/>
-                          <a:ea typeface="Open Sans"/>
-                          <a:cs typeface="Open Sans"/>
-                          <a:sym typeface="Open Sans Light"/>
-                        </a:rPr>
-                        <a:t>Employee may get transferred to other office (Change in address) without changing all the other attributes.</a:t>
-                      </a:r>
-                    </a:p>
-                  </a:txBody>
-                  <a:tcPr marL="5394" marR="5394" marT="5394" marB="0" anchor="ctr">
-                    <a:lnL w="12700" cap="flat" cmpd="sng" algn="ctr">
-                      <a:solidFill>
-                        <a:schemeClr val="tx1"/>
-                      </a:solidFill>
-                      <a:prstDash val="solid"/>
-                      <a:round/>
-                      <a:headEnd type="none" w="med" len="med"/>
-                      <a:tailEnd type="none" w="med" len="med"/>
-                    </a:lnL>
-                    <a:lnR w="12700" cap="flat" cmpd="sng" algn="ctr">
-                      <a:solidFill>
-                        <a:schemeClr val="tx1"/>
-                      </a:solidFill>
-                      <a:prstDash val="solid"/>
-                      <a:round/>
-                      <a:headEnd type="none" w="med" len="med"/>
-                      <a:tailEnd type="none" w="med" len="med"/>
-                    </a:lnR>
-                    <a:lnT w="12700" cap="flat" cmpd="sng" algn="ctr">
-                      <a:solidFill>
-                        <a:schemeClr val="tx1"/>
-                      </a:solidFill>
-                      <a:prstDash val="solid"/>
-                      <a:round/>
-                      <a:headEnd type="none" w="med" len="med"/>
-                      <a:tailEnd type="none" w="med" len="med"/>
-                    </a:lnT>
-                    <a:lnB w="12700" cap="flat" cmpd="sng" algn="ctr">
-                      <a:solidFill>
-                        <a:schemeClr val="tx1"/>
-                      </a:solidFill>
-                      <a:prstDash val="solid"/>
-                      <a:round/>
-                      <a:headEnd type="none" w="med" len="med"/>
-                      <a:tailEnd type="none" w="med" len="med"/>
-                    </a:lnB>
-                    <a:solidFill>
-                      <a:schemeClr val="lt1"/>
-                    </a:solidFill>
-                  </a:tcPr>
-                </a:tc>
-                <a:tc>
-                  <a:txBody>
-                    <a:bodyPr/>
-                    <a:lstStyle/>
-                    <a:p>
-                      <a:pPr algn="ctr" fontAlgn="b"/>
-                      <a:r>
-                        <a:rPr lang="en-US" sz="1000" b="0" i="0" u="none" strike="noStrike" cap="none" dirty="0">
-                          <a:solidFill>
-                            <a:schemeClr val="tx1"/>
-                          </a:solidFill>
-                          <a:highlight>
-                            <a:srgbClr val="FFFFFF"/>
-                          </a:highlight>
-                          <a:latin typeface="Open Sans"/>
-                          <a:ea typeface="Open Sans"/>
-                          <a:cs typeface="Open Sans"/>
-                          <a:sym typeface="Open Sans Light"/>
-                        </a:rPr>
-                        <a:t>Address Change</a:t>
-                      </a:r>
-                    </a:p>
-                  </a:txBody>
-                  <a:tcPr marL="5394" marR="5394" marT="5394" marB="0" anchor="ctr">
-                    <a:lnL w="12700" cap="flat" cmpd="sng" algn="ctr">
-                      <a:solidFill>
-                        <a:schemeClr val="tx1"/>
-                      </a:solidFill>
-                      <a:prstDash val="solid"/>
-                      <a:round/>
-                      <a:headEnd type="none" w="med" len="med"/>
-                      <a:tailEnd type="none" w="med" len="med"/>
-                    </a:lnL>
-                    <a:lnR w="12700" cap="flat" cmpd="sng" algn="ctr">
-                      <a:solidFill>
-                        <a:schemeClr val="tx1"/>
-                      </a:solidFill>
-                      <a:prstDash val="solid"/>
-                      <a:round/>
-                      <a:headEnd type="none" w="med" len="med"/>
-                      <a:tailEnd type="none" w="med" len="med"/>
-                    </a:lnR>
-                    <a:lnT w="12700" cap="flat" cmpd="sng" algn="ctr">
-                      <a:solidFill>
-                        <a:schemeClr val="tx1"/>
-                      </a:solidFill>
-                      <a:prstDash val="solid"/>
-                      <a:round/>
-                      <a:headEnd type="none" w="med" len="med"/>
-                      <a:tailEnd type="none" w="med" len="med"/>
-                    </a:lnT>
-                    <a:lnB w="12700" cap="flat" cmpd="sng" algn="ctr">
-                      <a:solidFill>
-                        <a:schemeClr val="tx1"/>
-                      </a:solidFill>
-                      <a:prstDash val="solid"/>
-                      <a:round/>
-                      <a:headEnd type="none" w="med" len="med"/>
-                      <a:tailEnd type="none" w="med" len="med"/>
-                    </a:lnB>
-                    <a:solidFill>
-                      <a:schemeClr val="lt1"/>
-                    </a:solidFill>
-                  </a:tcPr>
-                </a:tc>
-                <a:tc>
-                  <a:txBody>
-                    <a:bodyPr/>
-                    <a:lstStyle/>
-                    <a:p>
-                      <a:pPr algn="ctr" fontAlgn="b"/>
-                      <a:r>
-                        <a:rPr lang="en-US" sz="1000" b="0" i="0" u="none" strike="noStrike" cap="none" dirty="0">
-                          <a:solidFill>
-                            <a:schemeClr val="tx1"/>
-                          </a:solidFill>
-                          <a:highlight>
-                            <a:srgbClr val="FFFFFF"/>
-                          </a:highlight>
-                          <a:latin typeface="Open Sans"/>
-                          <a:ea typeface="Open Sans"/>
-                          <a:cs typeface="Open Sans"/>
-                          <a:sym typeface="Open Sans Light"/>
-                        </a:rPr>
-                        <a:t>Yes</a:t>
-                      </a:r>
-                    </a:p>
-                  </a:txBody>
-                  <a:tcPr marL="5394" marR="5394" marT="5394" marB="0" anchor="ctr">
-                    <a:lnL w="12700" cap="flat" cmpd="sng" algn="ctr">
-                      <a:solidFill>
-                        <a:schemeClr val="tx1"/>
-                      </a:solidFill>
-                      <a:prstDash val="solid"/>
-                      <a:round/>
-                      <a:headEnd type="none" w="med" len="med"/>
-                      <a:tailEnd type="none" w="med" len="med"/>
-                    </a:lnL>
-                    <a:lnR w="12700" cap="flat" cmpd="sng" algn="ctr">
-                      <a:solidFill>
-                        <a:schemeClr val="tx1"/>
-                      </a:solidFill>
-                      <a:prstDash val="solid"/>
-                      <a:round/>
-                      <a:headEnd type="none" w="med" len="med"/>
-                      <a:tailEnd type="none" w="med" len="med"/>
-                    </a:lnR>
-                    <a:lnT w="12700" cap="flat" cmpd="sng" algn="ctr">
-                      <a:solidFill>
-                        <a:schemeClr val="tx1"/>
-                      </a:solidFill>
-                      <a:prstDash val="solid"/>
-                      <a:round/>
-                      <a:headEnd type="none" w="med" len="med"/>
-                      <a:tailEnd type="none" w="med" len="med"/>
-                    </a:lnT>
-                    <a:lnB w="12700" cap="flat" cmpd="sng" algn="ctr">
-                      <a:solidFill>
-                        <a:schemeClr val="tx1"/>
-                      </a:solidFill>
-                      <a:prstDash val="solid"/>
-                      <a:round/>
-                      <a:headEnd type="none" w="med" len="med"/>
-                      <a:tailEnd type="none" w="med" len="med"/>
-                    </a:lnB>
-                    <a:solidFill>
-                      <a:schemeClr val="lt1"/>
-                    </a:solidFill>
-                  </a:tcPr>
-                </a:tc>
-                <a:extLst>
-                  <a:ext uri="{0D108BD9-81ED-4DB2-BD59-A6C34878D82A}">
-                    <a16:rowId xmlns:a16="http://schemas.microsoft.com/office/drawing/2014/main" val="1256993961"/>
-                  </a:ext>
-                </a:extLst>
-              </a:tr>
-              <a:tr h="0">
-                <a:tc>
-                  <a:txBody>
-                    <a:bodyPr/>
-                    <a:lstStyle/>
-                    <a:p>
-                      <a:pPr algn="ctr" fontAlgn="b"/>
-                      <a:r>
-                        <a:rPr lang="en-US" sz="1000" b="0" i="0" u="none" strike="noStrike" cap="none" dirty="0">
-                          <a:solidFill>
-                            <a:schemeClr val="tx1"/>
-                          </a:solidFill>
-                          <a:highlight>
-                            <a:srgbClr val="FFFFFF"/>
-                          </a:highlight>
-                          <a:latin typeface="Open Sans"/>
-                          <a:ea typeface="Open Sans"/>
-                          <a:cs typeface="Open Sans"/>
-                          <a:sym typeface="Open Sans Light"/>
-                        </a:rPr>
-                        <a:t>5</a:t>
-                      </a:r>
-                    </a:p>
-                  </a:txBody>
-                  <a:tcPr marL="5394" marR="5394" marT="5394" marB="0" anchor="ctr">
-                    <a:lnL w="12700" cap="flat" cmpd="sng" algn="ctr">
-                      <a:solidFill>
-                        <a:schemeClr val="tx1"/>
-                      </a:solidFill>
-                      <a:prstDash val="solid"/>
-                      <a:round/>
-                      <a:headEnd type="none" w="med" len="med"/>
-                      <a:tailEnd type="none" w="med" len="med"/>
-                    </a:lnL>
-                    <a:lnR w="12700" cap="flat" cmpd="sng" algn="ctr">
-                      <a:solidFill>
-                        <a:schemeClr val="tx1"/>
-                      </a:solidFill>
-                      <a:prstDash val="solid"/>
-                      <a:round/>
-                      <a:headEnd type="none" w="med" len="med"/>
-                      <a:tailEnd type="none" w="med" len="med"/>
-                    </a:lnR>
-                    <a:lnT w="12700" cap="flat" cmpd="sng" algn="ctr">
-                      <a:solidFill>
-                        <a:schemeClr val="tx1"/>
-                      </a:solidFill>
-                      <a:prstDash val="solid"/>
-                      <a:round/>
-                      <a:headEnd type="none" w="med" len="med"/>
-                      <a:tailEnd type="none" w="med" len="med"/>
-                    </a:lnT>
-                    <a:lnB w="12700" cap="flat" cmpd="sng" algn="ctr">
-                      <a:solidFill>
-                        <a:schemeClr val="tx1"/>
-                      </a:solidFill>
-                      <a:prstDash val="solid"/>
-                      <a:round/>
-                      <a:headEnd type="none" w="med" len="med"/>
-                      <a:tailEnd type="none" w="med" len="med"/>
-                    </a:lnB>
-                    <a:solidFill>
-                      <a:schemeClr val="lt1"/>
-                    </a:solidFill>
-                  </a:tcPr>
-                </a:tc>
-                <a:tc>
-                  <a:txBody>
-                    <a:bodyPr/>
-                    <a:lstStyle/>
-                    <a:p>
-                      <a:pPr algn="l" fontAlgn="b"/>
-                      <a:endParaRPr lang="en-US" sz="1000" b="0" i="0" u="none" strike="noStrike" cap="none" dirty="0">
-                        <a:solidFill>
-                          <a:schemeClr val="tx1"/>
-                        </a:solidFill>
-                        <a:highlight>
-                          <a:srgbClr val="FFFFFF"/>
-                        </a:highlight>
-                        <a:latin typeface="Open Sans"/>
-                        <a:ea typeface="Open Sans"/>
-                        <a:cs typeface="Open Sans"/>
-                        <a:sym typeface="Open Sans Light"/>
-                      </a:endParaRPr>
-                    </a:p>
-                    <a:p>
-                      <a:pPr algn="l" fontAlgn="b"/>
-                      <a:r>
-                        <a:rPr lang="en-US" sz="1000" b="0" i="0" u="none" strike="noStrike" cap="none" dirty="0">
-                          <a:solidFill>
-                            <a:schemeClr val="tx1"/>
-                          </a:solidFill>
-                          <a:highlight>
-                            <a:srgbClr val="FFFFFF"/>
-                          </a:highlight>
-                          <a:latin typeface="Open Sans"/>
-                          <a:ea typeface="Open Sans"/>
-                          <a:cs typeface="Open Sans"/>
-                          <a:sym typeface="Open Sans Light"/>
-                        </a:rPr>
-                        <a:t>Employee received salary hike without change in designation and other attributes. This usually happens in most of the organization. </a:t>
-                      </a:r>
-                    </a:p>
-                    <a:p>
-                      <a:pPr algn="l" fontAlgn="b"/>
-                      <a:endParaRPr lang="en-US" sz="1000" b="0" i="0" u="none" strike="noStrike" cap="none" dirty="0">
-                        <a:solidFill>
-                          <a:schemeClr val="tx1"/>
-                        </a:solidFill>
-                        <a:highlight>
-                          <a:srgbClr val="FFFFFF"/>
-                        </a:highlight>
-                        <a:latin typeface="Open Sans"/>
-                        <a:ea typeface="Open Sans"/>
-                        <a:cs typeface="Open Sans"/>
-                        <a:sym typeface="Open Sans Light"/>
-                      </a:endParaRPr>
-                    </a:p>
-                  </a:txBody>
-                  <a:tcPr marL="5394" marR="5394" marT="5394" marB="0" anchor="ctr">
-                    <a:lnL w="12700" cap="flat" cmpd="sng" algn="ctr">
-                      <a:solidFill>
-                        <a:schemeClr val="tx1"/>
-                      </a:solidFill>
-                      <a:prstDash val="solid"/>
-                      <a:round/>
-                      <a:headEnd type="none" w="med" len="med"/>
-                      <a:tailEnd type="none" w="med" len="med"/>
-                    </a:lnL>
-                    <a:lnR w="12700" cap="flat" cmpd="sng" algn="ctr">
-                      <a:solidFill>
-                        <a:schemeClr val="tx1"/>
-                      </a:solidFill>
-                      <a:prstDash val="solid"/>
-                      <a:round/>
-                      <a:headEnd type="none" w="med" len="med"/>
-                      <a:tailEnd type="none" w="med" len="med"/>
-                    </a:lnR>
-                    <a:lnT w="12700" cap="flat" cmpd="sng" algn="ctr">
-                      <a:solidFill>
-                        <a:schemeClr val="tx1"/>
-                      </a:solidFill>
-                      <a:prstDash val="solid"/>
-                      <a:round/>
-                      <a:headEnd type="none" w="med" len="med"/>
-                      <a:tailEnd type="none" w="med" len="med"/>
-                    </a:lnT>
-                    <a:lnB w="12700" cap="flat" cmpd="sng" algn="ctr">
-                      <a:solidFill>
-                        <a:schemeClr val="tx1"/>
-                      </a:solidFill>
-                      <a:prstDash val="solid"/>
-                      <a:round/>
-                      <a:headEnd type="none" w="med" len="med"/>
-                      <a:tailEnd type="none" w="med" len="med"/>
-                    </a:lnB>
-                    <a:solidFill>
-                      <a:schemeClr val="lt1"/>
-                    </a:solidFill>
-                  </a:tcPr>
-                </a:tc>
-                <a:tc>
-                  <a:txBody>
-                    <a:bodyPr/>
-                    <a:lstStyle/>
-                    <a:p>
-                      <a:pPr algn="ctr" fontAlgn="b"/>
-                      <a:r>
-                        <a:rPr lang="en-US" sz="1000" b="0" i="0" u="none" strike="noStrike" cap="none" dirty="0">
-                          <a:solidFill>
-                            <a:schemeClr val="tx1"/>
-                          </a:solidFill>
-                          <a:highlight>
-                            <a:srgbClr val="FFFFFF"/>
-                          </a:highlight>
-                          <a:latin typeface="Open Sans"/>
-                          <a:ea typeface="Open Sans"/>
-                          <a:cs typeface="Open Sans"/>
-                          <a:sym typeface="Open Sans Light"/>
-                        </a:rPr>
-                        <a:t>Salary Change</a:t>
-                      </a:r>
-                    </a:p>
-                  </a:txBody>
-                  <a:tcPr marL="5394" marR="5394" marT="5394" marB="0" anchor="ctr">
-                    <a:lnL w="12700" cap="flat" cmpd="sng" algn="ctr">
-                      <a:solidFill>
-                        <a:schemeClr val="tx1"/>
-                      </a:solidFill>
-                      <a:prstDash val="solid"/>
-                      <a:round/>
-                      <a:headEnd type="none" w="med" len="med"/>
-                      <a:tailEnd type="none" w="med" len="med"/>
-                    </a:lnL>
-                    <a:lnR w="12700" cap="flat" cmpd="sng" algn="ctr">
-                      <a:solidFill>
-                        <a:schemeClr val="tx1"/>
-                      </a:solidFill>
-                      <a:prstDash val="solid"/>
-                      <a:round/>
-                      <a:headEnd type="none" w="med" len="med"/>
-                      <a:tailEnd type="none" w="med" len="med"/>
-                    </a:lnR>
-                    <a:lnT w="12700" cap="flat" cmpd="sng" algn="ctr">
-                      <a:solidFill>
-                        <a:schemeClr val="tx1"/>
-                      </a:solidFill>
-                      <a:prstDash val="solid"/>
-                      <a:round/>
-                      <a:headEnd type="none" w="med" len="med"/>
-                      <a:tailEnd type="none" w="med" len="med"/>
-                    </a:lnT>
-                    <a:lnB w="12700" cap="flat" cmpd="sng" algn="ctr">
-                      <a:solidFill>
-                        <a:schemeClr val="tx1"/>
-                      </a:solidFill>
-                      <a:prstDash val="solid"/>
-                      <a:round/>
-                      <a:headEnd type="none" w="med" len="med"/>
-                      <a:tailEnd type="none" w="med" len="med"/>
-                    </a:lnB>
-                    <a:solidFill>
-                      <a:schemeClr val="lt1"/>
-                    </a:solidFill>
-                  </a:tcPr>
-                </a:tc>
-                <a:tc>
-                  <a:txBody>
-                    <a:bodyPr/>
-                    <a:lstStyle/>
-                    <a:p>
-                      <a:pPr algn="ctr" fontAlgn="b"/>
-                      <a:r>
-                        <a:rPr lang="en-US" sz="1000" b="0" i="0" u="none" strike="noStrike" cap="none" dirty="0">
-                          <a:solidFill>
-                            <a:schemeClr val="tx1"/>
-                          </a:solidFill>
-                          <a:highlight>
-                            <a:srgbClr val="FFFFFF"/>
-                          </a:highlight>
-                          <a:latin typeface="Open Sans"/>
-                          <a:ea typeface="Open Sans"/>
-                          <a:cs typeface="Open Sans"/>
-                          <a:sym typeface="Open Sans Light"/>
-                        </a:rPr>
-                        <a:t>Yes</a:t>
-                      </a:r>
-                    </a:p>
-                  </a:txBody>
-                  <a:tcPr marL="5394" marR="5394" marT="5394" marB="0" anchor="ctr">
-                    <a:lnL w="12700" cap="flat" cmpd="sng" algn="ctr">
-                      <a:solidFill>
-                        <a:schemeClr val="tx1"/>
-                      </a:solidFill>
-                      <a:prstDash val="solid"/>
-                      <a:round/>
-                      <a:headEnd type="none" w="med" len="med"/>
-                      <a:tailEnd type="none" w="med" len="med"/>
-                    </a:lnL>
-                    <a:lnR w="12700" cap="flat" cmpd="sng" algn="ctr">
-                      <a:solidFill>
-                        <a:schemeClr val="tx1"/>
-                      </a:solidFill>
-                      <a:prstDash val="solid"/>
-                      <a:round/>
-                      <a:headEnd type="none" w="med" len="med"/>
-                      <a:tailEnd type="none" w="med" len="med"/>
-                    </a:lnR>
-                    <a:lnT w="12700" cap="flat" cmpd="sng" algn="ctr">
-                      <a:solidFill>
-                        <a:schemeClr val="tx1"/>
-                      </a:solidFill>
-                      <a:prstDash val="solid"/>
-                      <a:round/>
-                      <a:headEnd type="none" w="med" len="med"/>
-                      <a:tailEnd type="none" w="med" len="med"/>
-                    </a:lnT>
-                    <a:lnB w="12700" cap="flat" cmpd="sng" algn="ctr">
-                      <a:solidFill>
-                        <a:schemeClr val="tx1"/>
-                      </a:solidFill>
-                      <a:prstDash val="solid"/>
-                      <a:round/>
-                      <a:headEnd type="none" w="med" len="med"/>
-                      <a:tailEnd type="none" w="med" len="med"/>
-                    </a:lnB>
-                    <a:solidFill>
-                      <a:schemeClr val="lt1"/>
-                    </a:solidFill>
-                  </a:tcPr>
-                </a:tc>
-                <a:extLst>
-                  <a:ext uri="{0D108BD9-81ED-4DB2-BD59-A6C34878D82A}">
-                    <a16:rowId xmlns:a16="http://schemas.microsoft.com/office/drawing/2014/main" val="3483222379"/>
-                  </a:ext>
-                </a:extLst>
-              </a:tr>
-            </a:tbl>
-          </a:graphicData>
-        </a:graphic>
-      </p:graphicFrame>
     </p:spTree>
   </p:cSld>
   <p:clrMapOvr>
@@ -32259,10 +30369,10 @@
       </p:sp>
       <p:pic>
         <p:nvPicPr>
-          <p:cNvPr id="3074" name="Picture 2">
+          <p:cNvPr id="3082" name="Picture 10">
             <a:extLst>
               <a:ext uri="{FF2B5EF4-FFF2-40B4-BE49-F238E27FC236}">
-                <a16:creationId xmlns:a16="http://schemas.microsoft.com/office/drawing/2014/main" id="{CDCCA308-9DB0-4441-8908-4C7E16B4185E}"/>
+                <a16:creationId xmlns:a16="http://schemas.microsoft.com/office/drawing/2014/main" id="{B34559AD-9A5C-2E4B-884E-951935AC0048}"/>
               </a:ext>
             </a:extLst>
           </p:cNvPr>
@@ -32286,8 +30396,8 @@
         </p:blipFill>
         <p:spPr bwMode="auto">
           <a:xfrm>
-            <a:off x="196306" y="1931989"/>
-            <a:ext cx="7311239" cy="5268912"/>
+            <a:off x="123400" y="2326481"/>
+            <a:ext cx="7242600" cy="5405437"/>
           </a:xfrm>
           <a:prstGeom prst="rect">
             <a:avLst/>
